--- a/QA log app - behind the code.pptx
+++ b/QA log app - behind the code.pptx
@@ -9,6 +9,8 @@
     <p:sldId id="257" r:id="rId3"/>
     <p:sldId id="258" r:id="rId4"/>
     <p:sldId id="259" r:id="rId5"/>
+    <p:sldId id="260" r:id="rId6"/>
+    <p:sldId id="261" r:id="rId7"/>
   </p:sldIdLst>
   <p:sldSz cx="12192000" cy="6858000"/>
   <p:notesSz cx="6858000" cy="9144000"/>
@@ -107,7 +109,936 @@
       </a:defRPr>
     </a:lvl9pPr>
   </p:defaultTextStyle>
+  <p:extLst>
+    <p:ext uri="{EFAFB233-063F-42B5-8137-9DF3F51BA10A}">
+      <p15:sldGuideLst xmlns:p15="http://schemas.microsoft.com/office/powerpoint/2012/main"/>
+    </p:ext>
+  </p:extLst>
 </p:presentation>
+</file>
+
+<file path=ppt/revisionInfo.xml><?xml version="1.0" encoding="utf-8"?>
+<p1510:revInfo xmlns:a="http://schemas.openxmlformats.org/drawingml/2006/main" xmlns:r="http://schemas.openxmlformats.org/officeDocument/2006/relationships" xmlns:p1510="http://schemas.microsoft.com/office/powerpoint/2015/10/main">
+  <p1510:revLst>
+    <p1510:client id="{21694504-DF36-4190-984B-87BF7BD1C818}" v="87" dt="2021-10-25T14:06:36.756"/>
+  </p1510:revLst>
+</p1510:revInfo>
+</file>
+
+<file path=ppt/changesInfos/changesInfo1.xml><?xml version="1.0" encoding="utf-8"?>
+<pc:chgInfo xmlns:a="http://schemas.openxmlformats.org/drawingml/2006/main" xmlns:r="http://schemas.openxmlformats.org/officeDocument/2006/relationships" xmlns:ac="http://schemas.microsoft.com/office/drawing/2013/main/command" xmlns:pc="http://schemas.microsoft.com/office/powerpoint/2013/main/command">
+  <pc:docChgLst>
+    <pc:chgData name="MORLEY, Thomas" userId="ca0a1631-feee-46f8-9dc6-a0f397eff84f" providerId="ADAL" clId="{21694504-DF36-4190-984B-87BF7BD1C818}"/>
+    <pc:docChg chg="undo custSel addSld modSld">
+      <pc:chgData name="MORLEY, Thomas" userId="ca0a1631-feee-46f8-9dc6-a0f397eff84f" providerId="ADAL" clId="{21694504-DF36-4190-984B-87BF7BD1C818}" dt="2021-10-25T14:07:04.898" v="2407" actId="20577"/>
+      <pc:docMkLst>
+        <pc:docMk/>
+      </pc:docMkLst>
+      <pc:sldChg chg="addSp delSp modSp new mod">
+        <pc:chgData name="MORLEY, Thomas" userId="ca0a1631-feee-46f8-9dc6-a0f397eff84f" providerId="ADAL" clId="{21694504-DF36-4190-984B-87BF7BD1C818}" dt="2021-10-25T13:38:16.364" v="1613" actId="404"/>
+        <pc:sldMkLst>
+          <pc:docMk/>
+          <pc:sldMk cId="3043659729" sldId="260"/>
+        </pc:sldMkLst>
+        <pc:spChg chg="mod">
+          <ac:chgData name="MORLEY, Thomas" userId="ca0a1631-feee-46f8-9dc6-a0f397eff84f" providerId="ADAL" clId="{21694504-DF36-4190-984B-87BF7BD1C818}" dt="2021-10-25T13:38:16.364" v="1613" actId="404"/>
+          <ac:spMkLst>
+            <pc:docMk/>
+            <pc:sldMk cId="3043659729" sldId="260"/>
+            <ac:spMk id="2" creationId="{44D95F4A-57AC-47A5-9D1F-40BF0ABBC8C4}"/>
+          </ac:spMkLst>
+        </pc:spChg>
+        <pc:spChg chg="del">
+          <ac:chgData name="MORLEY, Thomas" userId="ca0a1631-feee-46f8-9dc6-a0f397eff84f" providerId="ADAL" clId="{21694504-DF36-4190-984B-87BF7BD1C818}" dt="2021-10-25T12:47:48.964" v="33" actId="478"/>
+          <ac:spMkLst>
+            <pc:docMk/>
+            <pc:sldMk cId="3043659729" sldId="260"/>
+            <ac:spMk id="3" creationId="{B26DE5A9-F601-4983-8406-2B2CCA931F2A}"/>
+          </ac:spMkLst>
+        </pc:spChg>
+        <pc:spChg chg="add mod">
+          <ac:chgData name="MORLEY, Thomas" userId="ca0a1631-feee-46f8-9dc6-a0f397eff84f" providerId="ADAL" clId="{21694504-DF36-4190-984B-87BF7BD1C818}" dt="2021-10-25T13:00:25.571" v="644" actId="207"/>
+          <ac:spMkLst>
+            <pc:docMk/>
+            <pc:sldMk cId="3043659729" sldId="260"/>
+            <ac:spMk id="4" creationId="{CAD8BAA6-3D65-4571-B124-5552C7897DEA}"/>
+          </ac:spMkLst>
+        </pc:spChg>
+        <pc:spChg chg="add del">
+          <ac:chgData name="MORLEY, Thomas" userId="ca0a1631-feee-46f8-9dc6-a0f397eff84f" providerId="ADAL" clId="{21694504-DF36-4190-984B-87BF7BD1C818}" dt="2021-10-25T12:48:34.933" v="63" actId="22"/>
+          <ac:spMkLst>
+            <pc:docMk/>
+            <pc:sldMk cId="3043659729" sldId="260"/>
+            <ac:spMk id="6" creationId="{59E5D11A-CB8A-4EC6-BF26-981C41CBA06F}"/>
+          </ac:spMkLst>
+        </pc:spChg>
+        <pc:spChg chg="add mod">
+          <ac:chgData name="MORLEY, Thomas" userId="ca0a1631-feee-46f8-9dc6-a0f397eff84f" providerId="ADAL" clId="{21694504-DF36-4190-984B-87BF7BD1C818}" dt="2021-10-25T13:00:42.676" v="646" actId="207"/>
+          <ac:spMkLst>
+            <pc:docMk/>
+            <pc:sldMk cId="3043659729" sldId="260"/>
+            <ac:spMk id="7" creationId="{7BBF95CE-286E-4850-B0D9-9094A39A9A14}"/>
+          </ac:spMkLst>
+        </pc:spChg>
+        <pc:spChg chg="add mod">
+          <ac:chgData name="MORLEY, Thomas" userId="ca0a1631-feee-46f8-9dc6-a0f397eff84f" providerId="ADAL" clId="{21694504-DF36-4190-984B-87BF7BD1C818}" dt="2021-10-25T13:00:25.571" v="644" actId="207"/>
+          <ac:spMkLst>
+            <pc:docMk/>
+            <pc:sldMk cId="3043659729" sldId="260"/>
+            <ac:spMk id="8" creationId="{0DB35C82-5C87-4009-8B4F-E17E8AA60A75}"/>
+          </ac:spMkLst>
+        </pc:spChg>
+        <pc:spChg chg="add mod">
+          <ac:chgData name="MORLEY, Thomas" userId="ca0a1631-feee-46f8-9dc6-a0f397eff84f" providerId="ADAL" clId="{21694504-DF36-4190-984B-87BF7BD1C818}" dt="2021-10-25T13:00:25.571" v="644" actId="207"/>
+          <ac:spMkLst>
+            <pc:docMk/>
+            <pc:sldMk cId="3043659729" sldId="260"/>
+            <ac:spMk id="9" creationId="{4188A7B4-EEDE-44E1-B7CE-34D5EA1A652E}"/>
+          </ac:spMkLst>
+        </pc:spChg>
+        <pc:spChg chg="add mod">
+          <ac:chgData name="MORLEY, Thomas" userId="ca0a1631-feee-46f8-9dc6-a0f397eff84f" providerId="ADAL" clId="{21694504-DF36-4190-984B-87BF7BD1C818}" dt="2021-10-25T13:00:25.571" v="644" actId="207"/>
+          <ac:spMkLst>
+            <pc:docMk/>
+            <pc:sldMk cId="3043659729" sldId="260"/>
+            <ac:spMk id="10" creationId="{D872ABF8-57DF-452E-9AC5-47DA62CA0F29}"/>
+          </ac:spMkLst>
+        </pc:spChg>
+        <pc:spChg chg="add mod">
+          <ac:chgData name="MORLEY, Thomas" userId="ca0a1631-feee-46f8-9dc6-a0f397eff84f" providerId="ADAL" clId="{21694504-DF36-4190-984B-87BF7BD1C818}" dt="2021-10-25T13:00:25.571" v="644" actId="207"/>
+          <ac:spMkLst>
+            <pc:docMk/>
+            <pc:sldMk cId="3043659729" sldId="260"/>
+            <ac:spMk id="11" creationId="{F52B5425-C011-4D9D-B035-6FD16D8AECD2}"/>
+          </ac:spMkLst>
+        </pc:spChg>
+        <pc:spChg chg="add mod">
+          <ac:chgData name="MORLEY, Thomas" userId="ca0a1631-feee-46f8-9dc6-a0f397eff84f" providerId="ADAL" clId="{21694504-DF36-4190-984B-87BF7BD1C818}" dt="2021-10-25T13:00:25.571" v="644" actId="207"/>
+          <ac:spMkLst>
+            <pc:docMk/>
+            <pc:sldMk cId="3043659729" sldId="260"/>
+            <ac:spMk id="12" creationId="{6F49CCF7-ABE2-4B54-AE51-ABD64B96D524}"/>
+          </ac:spMkLst>
+        </pc:spChg>
+        <pc:spChg chg="add mod">
+          <ac:chgData name="MORLEY, Thomas" userId="ca0a1631-feee-46f8-9dc6-a0f397eff84f" providerId="ADAL" clId="{21694504-DF36-4190-984B-87BF7BD1C818}" dt="2021-10-25T13:16:46.336" v="1044" actId="1036"/>
+          <ac:spMkLst>
+            <pc:docMk/>
+            <pc:sldMk cId="3043659729" sldId="260"/>
+            <ac:spMk id="13" creationId="{1F4448A5-5EB5-4119-8A40-54FC6B5C7C1E}"/>
+          </ac:spMkLst>
+        </pc:spChg>
+        <pc:spChg chg="add mod">
+          <ac:chgData name="MORLEY, Thomas" userId="ca0a1631-feee-46f8-9dc6-a0f397eff84f" providerId="ADAL" clId="{21694504-DF36-4190-984B-87BF7BD1C818}" dt="2021-10-25T13:16:46.336" v="1044" actId="1036"/>
+          <ac:spMkLst>
+            <pc:docMk/>
+            <pc:sldMk cId="3043659729" sldId="260"/>
+            <ac:spMk id="14" creationId="{AB336F58-0589-4384-A030-86BCB11977DA}"/>
+          </ac:spMkLst>
+        </pc:spChg>
+        <pc:spChg chg="add mod">
+          <ac:chgData name="MORLEY, Thomas" userId="ca0a1631-feee-46f8-9dc6-a0f397eff84f" providerId="ADAL" clId="{21694504-DF36-4190-984B-87BF7BD1C818}" dt="2021-10-25T13:16:46.336" v="1044" actId="1036"/>
+          <ac:spMkLst>
+            <pc:docMk/>
+            <pc:sldMk cId="3043659729" sldId="260"/>
+            <ac:spMk id="15" creationId="{84B273DD-6AB5-4C9A-AE94-A8205A14E16D}"/>
+          </ac:spMkLst>
+        </pc:spChg>
+        <pc:spChg chg="add mod">
+          <ac:chgData name="MORLEY, Thomas" userId="ca0a1631-feee-46f8-9dc6-a0f397eff84f" providerId="ADAL" clId="{21694504-DF36-4190-984B-87BF7BD1C818}" dt="2021-10-25T13:16:46.336" v="1044" actId="1036"/>
+          <ac:spMkLst>
+            <pc:docMk/>
+            <pc:sldMk cId="3043659729" sldId="260"/>
+            <ac:spMk id="16" creationId="{A827479B-847F-4A51-BE4B-15FCB12F924D}"/>
+          </ac:spMkLst>
+        </pc:spChg>
+        <pc:spChg chg="add mod">
+          <ac:chgData name="MORLEY, Thomas" userId="ca0a1631-feee-46f8-9dc6-a0f397eff84f" providerId="ADAL" clId="{21694504-DF36-4190-984B-87BF7BD1C818}" dt="2021-10-25T13:21:42.903" v="1087" actId="1076"/>
+          <ac:spMkLst>
+            <pc:docMk/>
+            <pc:sldMk cId="3043659729" sldId="260"/>
+            <ac:spMk id="17" creationId="{A14DFB68-A714-4332-9017-A93997054343}"/>
+          </ac:spMkLst>
+        </pc:spChg>
+        <pc:spChg chg="add mod">
+          <ac:chgData name="MORLEY, Thomas" userId="ca0a1631-feee-46f8-9dc6-a0f397eff84f" providerId="ADAL" clId="{21694504-DF36-4190-984B-87BF7BD1C818}" dt="2021-10-25T13:21:37.941" v="1086" actId="1076"/>
+          <ac:spMkLst>
+            <pc:docMk/>
+            <pc:sldMk cId="3043659729" sldId="260"/>
+            <ac:spMk id="18" creationId="{D1E8EEAF-9F67-44CF-BD1B-838CFCA3259D}"/>
+          </ac:spMkLst>
+        </pc:spChg>
+        <pc:spChg chg="add mod">
+          <ac:chgData name="MORLEY, Thomas" userId="ca0a1631-feee-46f8-9dc6-a0f397eff84f" providerId="ADAL" clId="{21694504-DF36-4190-984B-87BF7BD1C818}" dt="2021-10-25T13:21:55.734" v="1091" actId="14100"/>
+          <ac:spMkLst>
+            <pc:docMk/>
+            <pc:sldMk cId="3043659729" sldId="260"/>
+            <ac:spMk id="36" creationId="{16C34F4E-1DFC-4FF6-94B4-F9E7667D5103}"/>
+          </ac:spMkLst>
+        </pc:spChg>
+        <pc:spChg chg="add mod">
+          <ac:chgData name="MORLEY, Thomas" userId="ca0a1631-feee-46f8-9dc6-a0f397eff84f" providerId="ADAL" clId="{21694504-DF36-4190-984B-87BF7BD1C818}" dt="2021-10-25T13:21:59.863" v="1092" actId="1076"/>
+          <ac:spMkLst>
+            <pc:docMk/>
+            <pc:sldMk cId="3043659729" sldId="260"/>
+            <ac:spMk id="37" creationId="{7F2658CB-A2F5-4EE3-BD05-5AB8CF8AA9C4}"/>
+          </ac:spMkLst>
+        </pc:spChg>
+        <pc:spChg chg="add mod">
+          <ac:chgData name="MORLEY, Thomas" userId="ca0a1631-feee-46f8-9dc6-a0f397eff84f" providerId="ADAL" clId="{21694504-DF36-4190-984B-87BF7BD1C818}" dt="2021-10-25T13:21:59.863" v="1092" actId="1076"/>
+          <ac:spMkLst>
+            <pc:docMk/>
+            <pc:sldMk cId="3043659729" sldId="260"/>
+            <ac:spMk id="38" creationId="{69744C9A-7330-4B30-97F0-639F12C07D51}"/>
+          </ac:spMkLst>
+        </pc:spChg>
+        <pc:spChg chg="add del mod">
+          <ac:chgData name="MORLEY, Thomas" userId="ca0a1631-feee-46f8-9dc6-a0f397eff84f" providerId="ADAL" clId="{21694504-DF36-4190-984B-87BF7BD1C818}" dt="2021-10-25T12:55:51.843" v="557" actId="478"/>
+          <ac:spMkLst>
+            <pc:docMk/>
+            <pc:sldMk cId="3043659729" sldId="260"/>
+            <ac:spMk id="39" creationId="{3B3F1C67-8C63-4E8B-87C2-3EB7E04416D7}"/>
+          </ac:spMkLst>
+        </pc:spChg>
+        <pc:spChg chg="add mod">
+          <ac:chgData name="MORLEY, Thomas" userId="ca0a1631-feee-46f8-9dc6-a0f397eff84f" providerId="ADAL" clId="{21694504-DF36-4190-984B-87BF7BD1C818}" dt="2021-10-25T13:00:25.571" v="644" actId="207"/>
+          <ac:spMkLst>
+            <pc:docMk/>
+            <pc:sldMk cId="3043659729" sldId="260"/>
+            <ac:spMk id="40" creationId="{005D8B23-0218-4D8C-AE42-CBD26E9B42D6}"/>
+          </ac:spMkLst>
+        </pc:spChg>
+        <pc:spChg chg="add mod">
+          <ac:chgData name="MORLEY, Thomas" userId="ca0a1631-feee-46f8-9dc6-a0f397eff84f" providerId="ADAL" clId="{21694504-DF36-4190-984B-87BF7BD1C818}" dt="2021-10-25T13:00:56.633" v="648" actId="207"/>
+          <ac:spMkLst>
+            <pc:docMk/>
+            <pc:sldMk cId="3043659729" sldId="260"/>
+            <ac:spMk id="41" creationId="{33FFB747-35D4-4ABE-A7BE-0CCEB1455685}"/>
+          </ac:spMkLst>
+        </pc:spChg>
+        <pc:spChg chg="add mod ord">
+          <ac:chgData name="MORLEY, Thomas" userId="ca0a1631-feee-46f8-9dc6-a0f397eff84f" providerId="ADAL" clId="{21694504-DF36-4190-984B-87BF7BD1C818}" dt="2021-10-25T12:58:01.080" v="606" actId="14100"/>
+          <ac:spMkLst>
+            <pc:docMk/>
+            <pc:sldMk cId="3043659729" sldId="260"/>
+            <ac:spMk id="46" creationId="{1E11D07A-6EF0-40FB-9173-8F17DDE739A4}"/>
+          </ac:spMkLst>
+        </pc:spChg>
+        <pc:spChg chg="add mod">
+          <ac:chgData name="MORLEY, Thomas" userId="ca0a1631-feee-46f8-9dc6-a0f397eff84f" providerId="ADAL" clId="{21694504-DF36-4190-984B-87BF7BD1C818}" dt="2021-10-25T13:00:25.571" v="644" actId="207"/>
+          <ac:spMkLst>
+            <pc:docMk/>
+            <pc:sldMk cId="3043659729" sldId="260"/>
+            <ac:spMk id="47" creationId="{78D98E45-FAA5-49DF-A266-69AE4A4A516D}"/>
+          </ac:spMkLst>
+        </pc:spChg>
+        <pc:spChg chg="add mod">
+          <ac:chgData name="MORLEY, Thomas" userId="ca0a1631-feee-46f8-9dc6-a0f397eff84f" providerId="ADAL" clId="{21694504-DF36-4190-984B-87BF7BD1C818}" dt="2021-10-25T13:00:42.676" v="646" actId="207"/>
+          <ac:spMkLst>
+            <pc:docMk/>
+            <pc:sldMk cId="3043659729" sldId="260"/>
+            <ac:spMk id="48" creationId="{4EC75249-17DB-4826-B4F1-A00F87BD893D}"/>
+          </ac:spMkLst>
+        </pc:spChg>
+        <pc:spChg chg="add mod">
+          <ac:chgData name="MORLEY, Thomas" userId="ca0a1631-feee-46f8-9dc6-a0f397eff84f" providerId="ADAL" clId="{21694504-DF36-4190-984B-87BF7BD1C818}" dt="2021-10-25T13:00:56.633" v="648" actId="207"/>
+          <ac:spMkLst>
+            <pc:docMk/>
+            <pc:sldMk cId="3043659729" sldId="260"/>
+            <ac:spMk id="49" creationId="{E57592E2-6682-4783-AEA3-7FD8ADC1094E}"/>
+          </ac:spMkLst>
+        </pc:spChg>
+        <pc:spChg chg="add mod ord">
+          <ac:chgData name="MORLEY, Thomas" userId="ca0a1631-feee-46f8-9dc6-a0f397eff84f" providerId="ADAL" clId="{21694504-DF36-4190-984B-87BF7BD1C818}" dt="2021-10-25T12:59:12.484" v="637" actId="167"/>
+          <ac:spMkLst>
+            <pc:docMk/>
+            <pc:sldMk cId="3043659729" sldId="260"/>
+            <ac:spMk id="56" creationId="{31C50EA1-58C5-4308-A266-AE258EA74245}"/>
+          </ac:spMkLst>
+        </pc:spChg>
+        <pc:spChg chg="add mod">
+          <ac:chgData name="MORLEY, Thomas" userId="ca0a1631-feee-46f8-9dc6-a0f397eff84f" providerId="ADAL" clId="{21694504-DF36-4190-984B-87BF7BD1C818}" dt="2021-10-25T13:01:29.945" v="689" actId="1076"/>
+          <ac:spMkLst>
+            <pc:docMk/>
+            <pc:sldMk cId="3043659729" sldId="260"/>
+            <ac:spMk id="60" creationId="{59A9A544-381D-4966-8020-38F8AFAA0927}"/>
+          </ac:spMkLst>
+        </pc:spChg>
+        <pc:spChg chg="add mod ord">
+          <ac:chgData name="MORLEY, Thomas" userId="ca0a1631-feee-46f8-9dc6-a0f397eff84f" providerId="ADAL" clId="{21694504-DF36-4190-984B-87BF7BD1C818}" dt="2021-10-25T13:17:20.817" v="1049"/>
+          <ac:spMkLst>
+            <pc:docMk/>
+            <pc:sldMk cId="3043659729" sldId="260"/>
+            <ac:spMk id="75" creationId="{89FF9F8A-93EC-4861-8137-E7FB23506B07}"/>
+          </ac:spMkLst>
+        </pc:spChg>
+        <pc:spChg chg="add mod">
+          <ac:chgData name="MORLEY, Thomas" userId="ca0a1631-feee-46f8-9dc6-a0f397eff84f" providerId="ADAL" clId="{21694504-DF36-4190-984B-87BF7BD1C818}" dt="2021-10-25T13:16:46.336" v="1044" actId="1036"/>
+          <ac:spMkLst>
+            <pc:docMk/>
+            <pc:sldMk cId="3043659729" sldId="260"/>
+            <ac:spMk id="76" creationId="{55BF0E79-2093-4553-BAB1-FA56DB803ED2}"/>
+          </ac:spMkLst>
+        </pc:spChg>
+        <pc:spChg chg="add mod">
+          <ac:chgData name="MORLEY, Thomas" userId="ca0a1631-feee-46f8-9dc6-a0f397eff84f" providerId="ADAL" clId="{21694504-DF36-4190-984B-87BF7BD1C818}" dt="2021-10-25T13:35:42.746" v="1504" actId="1076"/>
+          <ac:spMkLst>
+            <pc:docMk/>
+            <pc:sldMk cId="3043659729" sldId="260"/>
+            <ac:spMk id="100" creationId="{BD3CCEEF-A6FB-415A-B1F1-787CB1363704}"/>
+          </ac:spMkLst>
+        </pc:spChg>
+        <pc:spChg chg="add mod">
+          <ac:chgData name="MORLEY, Thomas" userId="ca0a1631-feee-46f8-9dc6-a0f397eff84f" providerId="ADAL" clId="{21694504-DF36-4190-984B-87BF7BD1C818}" dt="2021-10-25T13:36:00.691" v="1508" actId="1076"/>
+          <ac:spMkLst>
+            <pc:docMk/>
+            <pc:sldMk cId="3043659729" sldId="260"/>
+            <ac:spMk id="101" creationId="{0C84B5A5-1A09-491B-9DDA-DD1DD6219D36}"/>
+          </ac:spMkLst>
+        </pc:spChg>
+        <pc:spChg chg="add mod">
+          <ac:chgData name="MORLEY, Thomas" userId="ca0a1631-feee-46f8-9dc6-a0f397eff84f" providerId="ADAL" clId="{21694504-DF36-4190-984B-87BF7BD1C818}" dt="2021-10-25T13:36:00.691" v="1508" actId="1076"/>
+          <ac:spMkLst>
+            <pc:docMk/>
+            <pc:sldMk cId="3043659729" sldId="260"/>
+            <ac:spMk id="102" creationId="{79EDA5FF-5EF2-4802-AC79-5988798CBDF5}"/>
+          </ac:spMkLst>
+        </pc:spChg>
+        <pc:spChg chg="add mod">
+          <ac:chgData name="MORLEY, Thomas" userId="ca0a1631-feee-46f8-9dc6-a0f397eff84f" providerId="ADAL" clId="{21694504-DF36-4190-984B-87BF7BD1C818}" dt="2021-10-25T13:36:00.691" v="1508" actId="1076"/>
+          <ac:spMkLst>
+            <pc:docMk/>
+            <pc:sldMk cId="3043659729" sldId="260"/>
+            <ac:spMk id="103" creationId="{EF16A21C-4450-461D-8C71-6D6825E933FC}"/>
+          </ac:spMkLst>
+        </pc:spChg>
+        <pc:spChg chg="add mod">
+          <ac:chgData name="MORLEY, Thomas" userId="ca0a1631-feee-46f8-9dc6-a0f397eff84f" providerId="ADAL" clId="{21694504-DF36-4190-984B-87BF7BD1C818}" dt="2021-10-25T13:36:00.691" v="1508" actId="1076"/>
+          <ac:spMkLst>
+            <pc:docMk/>
+            <pc:sldMk cId="3043659729" sldId="260"/>
+            <ac:spMk id="104" creationId="{631DBFB1-268C-4C6F-BC09-43908E1076B0}"/>
+          </ac:spMkLst>
+        </pc:spChg>
+        <pc:spChg chg="add mod">
+          <ac:chgData name="MORLEY, Thomas" userId="ca0a1631-feee-46f8-9dc6-a0f397eff84f" providerId="ADAL" clId="{21694504-DF36-4190-984B-87BF7BD1C818}" dt="2021-10-25T13:36:00.691" v="1508" actId="1076"/>
+          <ac:spMkLst>
+            <pc:docMk/>
+            <pc:sldMk cId="3043659729" sldId="260"/>
+            <ac:spMk id="107" creationId="{92111A2D-21B5-4678-BFB7-D8540025B485}"/>
+          </ac:spMkLst>
+        </pc:spChg>
+        <pc:spChg chg="add mod">
+          <ac:chgData name="MORLEY, Thomas" userId="ca0a1631-feee-46f8-9dc6-a0f397eff84f" providerId="ADAL" clId="{21694504-DF36-4190-984B-87BF7BD1C818}" dt="2021-10-25T13:37:35.857" v="1581" actId="14100"/>
+          <ac:spMkLst>
+            <pc:docMk/>
+            <pc:sldMk cId="3043659729" sldId="260"/>
+            <ac:spMk id="108" creationId="{F6AE0F37-2016-4AE7-9F17-8AAC9CDD366D}"/>
+          </ac:spMkLst>
+        </pc:spChg>
+        <pc:spChg chg="add mod">
+          <ac:chgData name="MORLEY, Thomas" userId="ca0a1631-feee-46f8-9dc6-a0f397eff84f" providerId="ADAL" clId="{21694504-DF36-4190-984B-87BF7BD1C818}" dt="2021-10-25T13:37:10.274" v="1548" actId="14100"/>
+          <ac:spMkLst>
+            <pc:docMk/>
+            <pc:sldMk cId="3043659729" sldId="260"/>
+            <ac:spMk id="125" creationId="{6EE4E3B4-CDA5-415E-9A17-FA605E16225F}"/>
+          </ac:spMkLst>
+        </pc:spChg>
+        <pc:spChg chg="add mod">
+          <ac:chgData name="MORLEY, Thomas" userId="ca0a1631-feee-46f8-9dc6-a0f397eff84f" providerId="ADAL" clId="{21694504-DF36-4190-984B-87BF7BD1C818}" dt="2021-10-25T13:36:36.193" v="1518" actId="1076"/>
+          <ac:spMkLst>
+            <pc:docMk/>
+            <pc:sldMk cId="3043659729" sldId="260"/>
+            <ac:spMk id="126" creationId="{4DE45CC4-994C-4FD8-A996-5EC9FA20B3E5}"/>
+          </ac:spMkLst>
+        </pc:spChg>
+        <pc:spChg chg="add mod">
+          <ac:chgData name="MORLEY, Thomas" userId="ca0a1631-feee-46f8-9dc6-a0f397eff84f" providerId="ADAL" clId="{21694504-DF36-4190-984B-87BF7BD1C818}" dt="2021-10-25T13:37:05.814" v="1547" actId="1076"/>
+          <ac:spMkLst>
+            <pc:docMk/>
+            <pc:sldMk cId="3043659729" sldId="260"/>
+            <ac:spMk id="127" creationId="{4F6E8927-F45B-481F-9B47-81E623F2E0FC}"/>
+          </ac:spMkLst>
+        </pc:spChg>
+        <pc:cxnChg chg="add mod">
+          <ac:chgData name="MORLEY, Thomas" userId="ca0a1631-feee-46f8-9dc6-a0f397eff84f" providerId="ADAL" clId="{21694504-DF36-4190-984B-87BF7BD1C818}" dt="2021-10-25T12:53:17.370" v="419" actId="208"/>
+          <ac:cxnSpMkLst>
+            <pc:docMk/>
+            <pc:sldMk cId="3043659729" sldId="260"/>
+            <ac:cxnSpMk id="20" creationId="{E1EC3416-0111-41F4-8815-190FA1CCB00A}"/>
+          </ac:cxnSpMkLst>
+        </pc:cxnChg>
+        <pc:cxnChg chg="add mod">
+          <ac:chgData name="MORLEY, Thomas" userId="ca0a1631-feee-46f8-9dc6-a0f397eff84f" providerId="ADAL" clId="{21694504-DF36-4190-984B-87BF7BD1C818}" dt="2021-10-25T12:57:17.210" v="595" actId="14100"/>
+          <ac:cxnSpMkLst>
+            <pc:docMk/>
+            <pc:sldMk cId="3043659729" sldId="260"/>
+            <ac:cxnSpMk id="21" creationId="{BD198D8D-0330-42B3-84BC-0821E8CC894D}"/>
+          </ac:cxnSpMkLst>
+        </pc:cxnChg>
+        <pc:cxnChg chg="add mod">
+          <ac:chgData name="MORLEY, Thomas" userId="ca0a1631-feee-46f8-9dc6-a0f397eff84f" providerId="ADAL" clId="{21694504-DF36-4190-984B-87BF7BD1C818}" dt="2021-10-25T13:16:51.983" v="1045" actId="14100"/>
+          <ac:cxnSpMkLst>
+            <pc:docMk/>
+            <pc:sldMk cId="3043659729" sldId="260"/>
+            <ac:cxnSpMk id="24" creationId="{7268C221-70CD-4883-8406-7C85B494453B}"/>
+          </ac:cxnSpMkLst>
+        </pc:cxnChg>
+        <pc:cxnChg chg="add mod">
+          <ac:chgData name="MORLEY, Thomas" userId="ca0a1631-feee-46f8-9dc6-a0f397eff84f" providerId="ADAL" clId="{21694504-DF36-4190-984B-87BF7BD1C818}" dt="2021-10-25T13:16:55.272" v="1046" actId="14100"/>
+          <ac:cxnSpMkLst>
+            <pc:docMk/>
+            <pc:sldMk cId="3043659729" sldId="260"/>
+            <ac:cxnSpMk id="27" creationId="{5D9F69C5-5744-44C9-B801-238A523C3D38}"/>
+          </ac:cxnSpMkLst>
+        </pc:cxnChg>
+        <pc:cxnChg chg="add mod">
+          <ac:chgData name="MORLEY, Thomas" userId="ca0a1631-feee-46f8-9dc6-a0f397eff84f" providerId="ADAL" clId="{21694504-DF36-4190-984B-87BF7BD1C818}" dt="2021-10-25T13:16:57.712" v="1047" actId="14100"/>
+          <ac:cxnSpMkLst>
+            <pc:docMk/>
+            <pc:sldMk cId="3043659729" sldId="260"/>
+            <ac:cxnSpMk id="30" creationId="{67EABDA4-4127-46FF-80C1-C019ACACBF86}"/>
+          </ac:cxnSpMkLst>
+        </pc:cxnChg>
+        <pc:cxnChg chg="add mod">
+          <ac:chgData name="MORLEY, Thomas" userId="ca0a1631-feee-46f8-9dc6-a0f397eff84f" providerId="ADAL" clId="{21694504-DF36-4190-984B-87BF7BD1C818}" dt="2021-10-25T13:17:00.112" v="1048" actId="14100"/>
+          <ac:cxnSpMkLst>
+            <pc:docMk/>
+            <pc:sldMk cId="3043659729" sldId="260"/>
+            <ac:cxnSpMk id="33" creationId="{08A45BCA-AAD7-4787-A0A0-AED42946701B}"/>
+          </ac:cxnSpMkLst>
+        </pc:cxnChg>
+        <pc:cxnChg chg="add mod">
+          <ac:chgData name="MORLEY, Thomas" userId="ca0a1631-feee-46f8-9dc6-a0f397eff84f" providerId="ADAL" clId="{21694504-DF36-4190-984B-87BF7BD1C818}" dt="2021-10-25T12:56:42.135" v="594" actId="14100"/>
+          <ac:cxnSpMkLst>
+            <pc:docMk/>
+            <pc:sldMk cId="3043659729" sldId="260"/>
+            <ac:cxnSpMk id="42" creationId="{EB2440EE-BAF4-4C3D-8E5F-24348894A1CD}"/>
+          </ac:cxnSpMkLst>
+        </pc:cxnChg>
+        <pc:cxnChg chg="add mod">
+          <ac:chgData name="MORLEY, Thomas" userId="ca0a1631-feee-46f8-9dc6-a0f397eff84f" providerId="ADAL" clId="{21694504-DF36-4190-984B-87BF7BD1C818}" dt="2021-10-25T12:58:28.345" v="624" actId="14100"/>
+          <ac:cxnSpMkLst>
+            <pc:docMk/>
+            <pc:sldMk cId="3043659729" sldId="260"/>
+            <ac:cxnSpMk id="50" creationId="{FBACE2DF-53FE-4164-9871-4D7493978D59}"/>
+          </ac:cxnSpMkLst>
+        </pc:cxnChg>
+        <pc:cxnChg chg="add mod">
+          <ac:chgData name="MORLEY, Thomas" userId="ca0a1631-feee-46f8-9dc6-a0f397eff84f" providerId="ADAL" clId="{21694504-DF36-4190-984B-87BF7BD1C818}" dt="2021-10-25T12:58:34.983" v="627" actId="14100"/>
+          <ac:cxnSpMkLst>
+            <pc:docMk/>
+            <pc:sldMk cId="3043659729" sldId="260"/>
+            <ac:cxnSpMk id="53" creationId="{D9B308F4-6894-45FE-BB6D-F72F234DF19F}"/>
+          </ac:cxnSpMkLst>
+        </pc:cxnChg>
+        <pc:cxnChg chg="add mod">
+          <ac:chgData name="MORLEY, Thomas" userId="ca0a1631-feee-46f8-9dc6-a0f397eff84f" providerId="ADAL" clId="{21694504-DF36-4190-984B-87BF7BD1C818}" dt="2021-10-25T12:59:33.731" v="640" actId="208"/>
+          <ac:cxnSpMkLst>
+            <pc:docMk/>
+            <pc:sldMk cId="3043659729" sldId="260"/>
+            <ac:cxnSpMk id="58" creationId="{C25370D8-6AE0-4AAC-98B4-F06569E09116}"/>
+          </ac:cxnSpMkLst>
+        </pc:cxnChg>
+        <pc:cxnChg chg="add mod">
+          <ac:chgData name="MORLEY, Thomas" userId="ca0a1631-feee-46f8-9dc6-a0f397eff84f" providerId="ADAL" clId="{21694504-DF36-4190-984B-87BF7BD1C818}" dt="2021-10-25T13:01:40.536" v="693" actId="14100"/>
+          <ac:cxnSpMkLst>
+            <pc:docMk/>
+            <pc:sldMk cId="3043659729" sldId="260"/>
+            <ac:cxnSpMk id="61" creationId="{A042B8BF-7427-4B19-9EE6-E82C79125908}"/>
+          </ac:cxnSpMkLst>
+        </pc:cxnChg>
+        <pc:cxnChg chg="add del mod">
+          <ac:chgData name="MORLEY, Thomas" userId="ca0a1631-feee-46f8-9dc6-a0f397eff84f" providerId="ADAL" clId="{21694504-DF36-4190-984B-87BF7BD1C818}" dt="2021-10-25T13:02:07.003" v="700" actId="478"/>
+          <ac:cxnSpMkLst>
+            <pc:docMk/>
+            <pc:sldMk cId="3043659729" sldId="260"/>
+            <ac:cxnSpMk id="65" creationId="{F5EF857A-F365-4FB8-8027-548F33B6A5D6}"/>
+          </ac:cxnSpMkLst>
+        </pc:cxnChg>
+        <pc:cxnChg chg="add mod">
+          <ac:chgData name="MORLEY, Thomas" userId="ca0a1631-feee-46f8-9dc6-a0f397eff84f" providerId="ADAL" clId="{21694504-DF36-4190-984B-87BF7BD1C818}" dt="2021-10-25T13:02:19.024" v="704" actId="14100"/>
+          <ac:cxnSpMkLst>
+            <pc:docMk/>
+            <pc:sldMk cId="3043659729" sldId="260"/>
+            <ac:cxnSpMk id="71" creationId="{25FAA54E-2F0D-404D-8458-22588CF14C7C}"/>
+          </ac:cxnSpMkLst>
+        </pc:cxnChg>
+        <pc:cxnChg chg="add del mod">
+          <ac:chgData name="MORLEY, Thomas" userId="ca0a1631-feee-46f8-9dc6-a0f397eff84f" providerId="ADAL" clId="{21694504-DF36-4190-984B-87BF7BD1C818}" dt="2021-10-25T13:15:26.410" v="974" actId="478"/>
+          <ac:cxnSpMkLst>
+            <pc:docMk/>
+            <pc:sldMk cId="3043659729" sldId="260"/>
+            <ac:cxnSpMk id="77" creationId="{2FF5451C-17D1-416F-9325-7FE14852245F}"/>
+          </ac:cxnSpMkLst>
+        </pc:cxnChg>
+        <pc:cxnChg chg="add del mod">
+          <ac:chgData name="MORLEY, Thomas" userId="ca0a1631-feee-46f8-9dc6-a0f397eff84f" providerId="ADAL" clId="{21694504-DF36-4190-984B-87BF7BD1C818}" dt="2021-10-25T13:15:26.410" v="974" actId="478"/>
+          <ac:cxnSpMkLst>
+            <pc:docMk/>
+            <pc:sldMk cId="3043659729" sldId="260"/>
+            <ac:cxnSpMk id="80" creationId="{AC17A878-225D-410A-A35A-3BCBD14D49FB}"/>
+          </ac:cxnSpMkLst>
+        </pc:cxnChg>
+        <pc:cxnChg chg="add del mod">
+          <ac:chgData name="MORLEY, Thomas" userId="ca0a1631-feee-46f8-9dc6-a0f397eff84f" providerId="ADAL" clId="{21694504-DF36-4190-984B-87BF7BD1C818}" dt="2021-10-25T13:15:26.410" v="974" actId="478"/>
+          <ac:cxnSpMkLst>
+            <pc:docMk/>
+            <pc:sldMk cId="3043659729" sldId="260"/>
+            <ac:cxnSpMk id="83" creationId="{961872BB-B41E-416F-B704-2FC066F90D92}"/>
+          </ac:cxnSpMkLst>
+        </pc:cxnChg>
+        <pc:cxnChg chg="add del mod">
+          <ac:chgData name="MORLEY, Thomas" userId="ca0a1631-feee-46f8-9dc6-a0f397eff84f" providerId="ADAL" clId="{21694504-DF36-4190-984B-87BF7BD1C818}" dt="2021-10-25T13:15:26.410" v="974" actId="478"/>
+          <ac:cxnSpMkLst>
+            <pc:docMk/>
+            <pc:sldMk cId="3043659729" sldId="260"/>
+            <ac:cxnSpMk id="86" creationId="{52AC76DC-F068-4FB1-A033-0B7397C932DA}"/>
+          </ac:cxnSpMkLst>
+        </pc:cxnChg>
+        <pc:cxnChg chg="add del mod">
+          <ac:chgData name="MORLEY, Thomas" userId="ca0a1631-feee-46f8-9dc6-a0f397eff84f" providerId="ADAL" clId="{21694504-DF36-4190-984B-87BF7BD1C818}" dt="2021-10-25T13:27:54.249" v="1309" actId="478"/>
+          <ac:cxnSpMkLst>
+            <pc:docMk/>
+            <pc:sldMk cId="3043659729" sldId="260"/>
+            <ac:cxnSpMk id="105" creationId="{4C886291-0529-4D0A-ABE3-9C40790C4C7F}"/>
+          </ac:cxnSpMkLst>
+        </pc:cxnChg>
+        <pc:cxnChg chg="add del mod">
+          <ac:chgData name="MORLEY, Thomas" userId="ca0a1631-feee-46f8-9dc6-a0f397eff84f" providerId="ADAL" clId="{21694504-DF36-4190-984B-87BF7BD1C818}" dt="2021-10-25T13:27:53.229" v="1308" actId="478"/>
+          <ac:cxnSpMkLst>
+            <pc:docMk/>
+            <pc:sldMk cId="3043659729" sldId="260"/>
+            <ac:cxnSpMk id="106" creationId="{079449A2-0162-4F1C-906C-3073BA29BE83}"/>
+          </ac:cxnSpMkLst>
+        </pc:cxnChg>
+        <pc:cxnChg chg="add mod">
+          <ac:chgData name="MORLEY, Thomas" userId="ca0a1631-feee-46f8-9dc6-a0f397eff84f" providerId="ADAL" clId="{21694504-DF36-4190-984B-87BF7BD1C818}" dt="2021-10-25T13:36:00.691" v="1508" actId="1076"/>
+          <ac:cxnSpMkLst>
+            <pc:docMk/>
+            <pc:sldMk cId="3043659729" sldId="260"/>
+            <ac:cxnSpMk id="109" creationId="{BC5F31F4-FDA5-4C07-8451-0E2293F4D0A0}"/>
+          </ac:cxnSpMkLst>
+        </pc:cxnChg>
+        <pc:cxnChg chg="add mod">
+          <ac:chgData name="MORLEY, Thomas" userId="ca0a1631-feee-46f8-9dc6-a0f397eff84f" providerId="ADAL" clId="{21694504-DF36-4190-984B-87BF7BD1C818}" dt="2021-10-25T13:36:00.691" v="1508" actId="1076"/>
+          <ac:cxnSpMkLst>
+            <pc:docMk/>
+            <pc:sldMk cId="3043659729" sldId="260"/>
+            <ac:cxnSpMk id="112" creationId="{3A81DAE0-4396-4CC3-96B8-AC8B26034351}"/>
+          </ac:cxnSpMkLst>
+        </pc:cxnChg>
+        <pc:cxnChg chg="add mod">
+          <ac:chgData name="MORLEY, Thomas" userId="ca0a1631-feee-46f8-9dc6-a0f397eff84f" providerId="ADAL" clId="{21694504-DF36-4190-984B-87BF7BD1C818}" dt="2021-10-25T13:36:00.691" v="1508" actId="1076"/>
+          <ac:cxnSpMkLst>
+            <pc:docMk/>
+            <pc:sldMk cId="3043659729" sldId="260"/>
+            <ac:cxnSpMk id="115" creationId="{A1D43DFC-2DF8-4218-96F6-D74B6D40F000}"/>
+          </ac:cxnSpMkLst>
+        </pc:cxnChg>
+        <pc:cxnChg chg="add mod">
+          <ac:chgData name="MORLEY, Thomas" userId="ca0a1631-feee-46f8-9dc6-a0f397eff84f" providerId="ADAL" clId="{21694504-DF36-4190-984B-87BF7BD1C818}" dt="2021-10-25T13:36:04.603" v="1509" actId="14100"/>
+          <ac:cxnSpMkLst>
+            <pc:docMk/>
+            <pc:sldMk cId="3043659729" sldId="260"/>
+            <ac:cxnSpMk id="118" creationId="{191047BB-821B-48F9-BD6F-B37D9A8D86FC}"/>
+          </ac:cxnSpMkLst>
+        </pc:cxnChg>
+        <pc:cxnChg chg="add mod">
+          <ac:chgData name="MORLEY, Thomas" userId="ca0a1631-feee-46f8-9dc6-a0f397eff84f" providerId="ADAL" clId="{21694504-DF36-4190-984B-87BF7BD1C818}" dt="2021-10-25T13:37:17.035" v="1551" actId="14100"/>
+          <ac:cxnSpMkLst>
+            <pc:docMk/>
+            <pc:sldMk cId="3043659729" sldId="260"/>
+            <ac:cxnSpMk id="128" creationId="{D4B97990-2942-4205-87EB-E296644BF910}"/>
+          </ac:cxnSpMkLst>
+        </pc:cxnChg>
+      </pc:sldChg>
+      <pc:sldChg chg="addSp delSp modSp add mod">
+        <pc:chgData name="MORLEY, Thomas" userId="ca0a1631-feee-46f8-9dc6-a0f397eff84f" providerId="ADAL" clId="{21694504-DF36-4190-984B-87BF7BD1C818}" dt="2021-10-25T14:07:04.898" v="2407" actId="20577"/>
+        <pc:sldMkLst>
+          <pc:docMk/>
+          <pc:sldMk cId="1498142693" sldId="261"/>
+        </pc:sldMkLst>
+        <pc:spChg chg="mod">
+          <ac:chgData name="MORLEY, Thomas" userId="ca0a1631-feee-46f8-9dc6-a0f397eff84f" providerId="ADAL" clId="{21694504-DF36-4190-984B-87BF7BD1C818}" dt="2021-10-25T13:38:30.227" v="1655" actId="403"/>
+          <ac:spMkLst>
+            <pc:docMk/>
+            <pc:sldMk cId="1498142693" sldId="261"/>
+            <ac:spMk id="2" creationId="{553A35EB-2060-46B9-B0EE-79241E038580}"/>
+          </ac:spMkLst>
+        </pc:spChg>
+        <pc:spChg chg="del">
+          <ac:chgData name="MORLEY, Thomas" userId="ca0a1631-feee-46f8-9dc6-a0f397eff84f" providerId="ADAL" clId="{21694504-DF36-4190-984B-87BF7BD1C818}" dt="2021-10-25T13:22:25.289" v="1097" actId="478"/>
+          <ac:spMkLst>
+            <pc:docMk/>
+            <pc:sldMk cId="1498142693" sldId="261"/>
+            <ac:spMk id="3" creationId="{0E21D2FA-1297-4F32-BC20-6525D35A4E0E}"/>
+          </ac:spMkLst>
+        </pc:spChg>
+        <pc:spChg chg="add mod">
+          <ac:chgData name="MORLEY, Thomas" userId="ca0a1631-feee-46f8-9dc6-a0f397eff84f" providerId="ADAL" clId="{21694504-DF36-4190-984B-87BF7BD1C818}" dt="2021-10-25T13:22:22.992" v="1096"/>
+          <ac:spMkLst>
+            <pc:docMk/>
+            <pc:sldMk cId="1498142693" sldId="261"/>
+            <ac:spMk id="4" creationId="{81F468DA-CC38-4498-8275-5855DD369FCA}"/>
+          </ac:spMkLst>
+        </pc:spChg>
+        <pc:spChg chg="add mod">
+          <ac:chgData name="MORLEY, Thomas" userId="ca0a1631-feee-46f8-9dc6-a0f397eff84f" providerId="ADAL" clId="{21694504-DF36-4190-984B-87BF7BD1C818}" dt="2021-10-25T13:22:22.992" v="1096"/>
+          <ac:spMkLst>
+            <pc:docMk/>
+            <pc:sldMk cId="1498142693" sldId="261"/>
+            <ac:spMk id="5" creationId="{98CC272E-8D50-4E44-885E-2CFD177D095B}"/>
+          </ac:spMkLst>
+        </pc:spChg>
+        <pc:spChg chg="add mod">
+          <ac:chgData name="MORLEY, Thomas" userId="ca0a1631-feee-46f8-9dc6-a0f397eff84f" providerId="ADAL" clId="{21694504-DF36-4190-984B-87BF7BD1C818}" dt="2021-10-25T13:22:22.992" v="1096"/>
+          <ac:spMkLst>
+            <pc:docMk/>
+            <pc:sldMk cId="1498142693" sldId="261"/>
+            <ac:spMk id="6" creationId="{635CCDAC-899E-4510-8010-5E613EA3743A}"/>
+          </ac:spMkLst>
+        </pc:spChg>
+        <pc:spChg chg="add mod">
+          <ac:chgData name="MORLEY, Thomas" userId="ca0a1631-feee-46f8-9dc6-a0f397eff84f" providerId="ADAL" clId="{21694504-DF36-4190-984B-87BF7BD1C818}" dt="2021-10-25T13:22:22.992" v="1096"/>
+          <ac:spMkLst>
+            <pc:docMk/>
+            <pc:sldMk cId="1498142693" sldId="261"/>
+            <ac:spMk id="7" creationId="{707095C7-B435-497F-94A5-B27BE7602A89}"/>
+          </ac:spMkLst>
+        </pc:spChg>
+        <pc:spChg chg="add mod">
+          <ac:chgData name="MORLEY, Thomas" userId="ca0a1631-feee-46f8-9dc6-a0f397eff84f" providerId="ADAL" clId="{21694504-DF36-4190-984B-87BF7BD1C818}" dt="2021-10-25T13:22:22.992" v="1096"/>
+          <ac:spMkLst>
+            <pc:docMk/>
+            <pc:sldMk cId="1498142693" sldId="261"/>
+            <ac:spMk id="8" creationId="{CACCC09B-5803-4A6A-8E41-104C066042DC}"/>
+          </ac:spMkLst>
+        </pc:spChg>
+        <pc:spChg chg="add mod">
+          <ac:chgData name="MORLEY, Thomas" userId="ca0a1631-feee-46f8-9dc6-a0f397eff84f" providerId="ADAL" clId="{21694504-DF36-4190-984B-87BF7BD1C818}" dt="2021-10-25T13:22:22.992" v="1096"/>
+          <ac:spMkLst>
+            <pc:docMk/>
+            <pc:sldMk cId="1498142693" sldId="261"/>
+            <ac:spMk id="9" creationId="{DAC6B07B-BED2-490A-97BA-341D59CC2744}"/>
+          </ac:spMkLst>
+        </pc:spChg>
+        <pc:spChg chg="add mod">
+          <ac:chgData name="MORLEY, Thomas" userId="ca0a1631-feee-46f8-9dc6-a0f397eff84f" providerId="ADAL" clId="{21694504-DF36-4190-984B-87BF7BD1C818}" dt="2021-10-25T13:22:36.151" v="1114" actId="20577"/>
+          <ac:spMkLst>
+            <pc:docMk/>
+            <pc:sldMk cId="1498142693" sldId="261"/>
+            <ac:spMk id="10" creationId="{80C9166F-F1C9-4548-814F-FC56B19F708D}"/>
+          </ac:spMkLst>
+        </pc:spChg>
+        <pc:spChg chg="add mod">
+          <ac:chgData name="MORLEY, Thomas" userId="ca0a1631-feee-46f8-9dc6-a0f397eff84f" providerId="ADAL" clId="{21694504-DF36-4190-984B-87BF7BD1C818}" dt="2021-10-25T13:23:09.921" v="1121" actId="20577"/>
+          <ac:spMkLst>
+            <pc:docMk/>
+            <pc:sldMk cId="1498142693" sldId="261"/>
+            <ac:spMk id="11" creationId="{39101A48-3593-4C0B-B019-973054C77BC0}"/>
+          </ac:spMkLst>
+        </pc:spChg>
+        <pc:spChg chg="add mod">
+          <ac:chgData name="MORLEY, Thomas" userId="ca0a1631-feee-46f8-9dc6-a0f397eff84f" providerId="ADAL" clId="{21694504-DF36-4190-984B-87BF7BD1C818}" dt="2021-10-25T13:27:22.325" v="1259" actId="14100"/>
+          <ac:spMkLst>
+            <pc:docMk/>
+            <pc:sldMk cId="1498142693" sldId="261"/>
+            <ac:spMk id="13" creationId="{41092D61-F119-406C-8377-9262EFF2865C}"/>
+          </ac:spMkLst>
+        </pc:spChg>
+        <pc:spChg chg="add mod">
+          <ac:chgData name="MORLEY, Thomas" userId="ca0a1631-feee-46f8-9dc6-a0f397eff84f" providerId="ADAL" clId="{21694504-DF36-4190-984B-87BF7BD1C818}" dt="2021-10-25T13:23:22.205" v="1123"/>
+          <ac:spMkLst>
+            <pc:docMk/>
+            <pc:sldMk cId="1498142693" sldId="261"/>
+            <ac:spMk id="14" creationId="{788AE908-CC7C-439F-B84E-CD6640E8AC9B}"/>
+          </ac:spMkLst>
+        </pc:spChg>
+        <pc:spChg chg="add mod">
+          <ac:chgData name="MORLEY, Thomas" userId="ca0a1631-feee-46f8-9dc6-a0f397eff84f" providerId="ADAL" clId="{21694504-DF36-4190-984B-87BF7BD1C818}" dt="2021-10-25T13:23:47.881" v="1176" actId="20577"/>
+          <ac:spMkLst>
+            <pc:docMk/>
+            <pc:sldMk cId="1498142693" sldId="261"/>
+            <ac:spMk id="15" creationId="{F81CEF0C-2D73-4EE7-BDE9-3501EB1437E0}"/>
+          </ac:spMkLst>
+        </pc:spChg>
+        <pc:spChg chg="add del mod">
+          <ac:chgData name="MORLEY, Thomas" userId="ca0a1631-feee-46f8-9dc6-a0f397eff84f" providerId="ADAL" clId="{21694504-DF36-4190-984B-87BF7BD1C818}" dt="2021-10-25T13:23:50.947" v="1177" actId="478"/>
+          <ac:spMkLst>
+            <pc:docMk/>
+            <pc:sldMk cId="1498142693" sldId="261"/>
+            <ac:spMk id="16" creationId="{81AFC436-A78D-44B8-AD4F-6960D94D6B21}"/>
+          </ac:spMkLst>
+        </pc:spChg>
+        <pc:spChg chg="add del mod">
+          <ac:chgData name="MORLEY, Thomas" userId="ca0a1631-feee-46f8-9dc6-a0f397eff84f" providerId="ADAL" clId="{21694504-DF36-4190-984B-87BF7BD1C818}" dt="2021-10-25T13:23:55.150" v="1178" actId="478"/>
+          <ac:spMkLst>
+            <pc:docMk/>
+            <pc:sldMk cId="1498142693" sldId="261"/>
+            <ac:spMk id="17" creationId="{11EB254D-9DA4-4413-9031-2F2F8CA7E6AD}"/>
+          </ac:spMkLst>
+        </pc:spChg>
+        <pc:spChg chg="add del mod">
+          <ac:chgData name="MORLEY, Thomas" userId="ca0a1631-feee-46f8-9dc6-a0f397eff84f" providerId="ADAL" clId="{21694504-DF36-4190-984B-87BF7BD1C818}" dt="2021-10-25T13:23:55.923" v="1179" actId="478"/>
+          <ac:spMkLst>
+            <pc:docMk/>
+            <pc:sldMk cId="1498142693" sldId="261"/>
+            <ac:spMk id="18" creationId="{A581051E-DA33-46E6-8537-CB335F97FCA3}"/>
+          </ac:spMkLst>
+        </pc:spChg>
+        <pc:spChg chg="add del mod">
+          <ac:chgData name="MORLEY, Thomas" userId="ca0a1631-feee-46f8-9dc6-a0f397eff84f" providerId="ADAL" clId="{21694504-DF36-4190-984B-87BF7BD1C818}" dt="2021-10-25T13:23:58.196" v="1180" actId="478"/>
+          <ac:spMkLst>
+            <pc:docMk/>
+            <pc:sldMk cId="1498142693" sldId="261"/>
+            <ac:spMk id="19" creationId="{2C4F0781-C421-4D77-883A-40A90E3D0802}"/>
+          </ac:spMkLst>
+        </pc:spChg>
+        <pc:spChg chg="add mod">
+          <ac:chgData name="MORLEY, Thomas" userId="ca0a1631-feee-46f8-9dc6-a0f397eff84f" providerId="ADAL" clId="{21694504-DF36-4190-984B-87BF7BD1C818}" dt="2021-10-25T13:26:48.342" v="1218" actId="1036"/>
+          <ac:spMkLst>
+            <pc:docMk/>
+            <pc:sldMk cId="1498142693" sldId="261"/>
+            <ac:spMk id="21" creationId="{D267B0BB-5EE0-42D3-96C0-693B948DBF18}"/>
+          </ac:spMkLst>
+        </pc:spChg>
+        <pc:spChg chg="add mod">
+          <ac:chgData name="MORLEY, Thomas" userId="ca0a1631-feee-46f8-9dc6-a0f397eff84f" providerId="ADAL" clId="{21694504-DF36-4190-984B-87BF7BD1C818}" dt="2021-10-25T13:38:58.428" v="1657" actId="14100"/>
+          <ac:spMkLst>
+            <pc:docMk/>
+            <pc:sldMk cId="1498142693" sldId="261"/>
+            <ac:spMk id="25" creationId="{43568536-6390-4AD8-9D5D-25994E55A2A0}"/>
+          </ac:spMkLst>
+        </pc:spChg>
+        <pc:spChg chg="add mod">
+          <ac:chgData name="MORLEY, Thomas" userId="ca0a1631-feee-46f8-9dc6-a0f397eff84f" providerId="ADAL" clId="{21694504-DF36-4190-984B-87BF7BD1C818}" dt="2021-10-25T13:38:58.428" v="1657" actId="14100"/>
+          <ac:spMkLst>
+            <pc:docMk/>
+            <pc:sldMk cId="1498142693" sldId="261"/>
+            <ac:spMk id="26" creationId="{F3E0EA16-AB5E-42EC-B61D-F9A0B0ED3841}"/>
+          </ac:spMkLst>
+        </pc:spChg>
+        <pc:spChg chg="add mod">
+          <ac:chgData name="MORLEY, Thomas" userId="ca0a1631-feee-46f8-9dc6-a0f397eff84f" providerId="ADAL" clId="{21694504-DF36-4190-984B-87BF7BD1C818}" dt="2021-10-25T13:38:58.428" v="1657" actId="14100"/>
+          <ac:spMkLst>
+            <pc:docMk/>
+            <pc:sldMk cId="1498142693" sldId="261"/>
+            <ac:spMk id="27" creationId="{F69F7A4A-157B-4914-9470-811B4632C7D0}"/>
+          </ac:spMkLst>
+        </pc:spChg>
+        <pc:spChg chg="add del mod">
+          <ac:chgData name="MORLEY, Thomas" userId="ca0a1631-feee-46f8-9dc6-a0f397eff84f" providerId="ADAL" clId="{21694504-DF36-4190-984B-87BF7BD1C818}" dt="2021-10-25T13:26:51.607" v="1220"/>
+          <ac:spMkLst>
+            <pc:docMk/>
+            <pc:sldMk cId="1498142693" sldId="261"/>
+            <ac:spMk id="33" creationId="{367052BE-D482-456B-9DAF-6A691AF18A25}"/>
+          </ac:spMkLst>
+        </pc:spChg>
+        <pc:spChg chg="add mod">
+          <ac:chgData name="MORLEY, Thomas" userId="ca0a1631-feee-46f8-9dc6-a0f397eff84f" providerId="ADAL" clId="{21694504-DF36-4190-984B-87BF7BD1C818}" dt="2021-10-25T13:27:15.398" v="1258" actId="404"/>
+          <ac:spMkLst>
+            <pc:docMk/>
+            <pc:sldMk cId="1498142693" sldId="261"/>
+            <ac:spMk id="34" creationId="{DB448E45-3C77-4D82-88FF-F00E2E6BE27C}"/>
+          </ac:spMkLst>
+        </pc:spChg>
+        <pc:spChg chg="add mod">
+          <ac:chgData name="MORLEY, Thomas" userId="ca0a1631-feee-46f8-9dc6-a0f397eff84f" providerId="ADAL" clId="{21694504-DF36-4190-984B-87BF7BD1C818}" dt="2021-10-25T14:02:02.014" v="2220" actId="14100"/>
+          <ac:spMkLst>
+            <pc:docMk/>
+            <pc:sldMk cId="1498142693" sldId="261"/>
+            <ac:spMk id="42" creationId="{E4829E40-9A23-48DD-AAC0-95F23ADB0DFB}"/>
+          </ac:spMkLst>
+        </pc:spChg>
+        <pc:spChg chg="add mod">
+          <ac:chgData name="MORLEY, Thomas" userId="ca0a1631-feee-46f8-9dc6-a0f397eff84f" providerId="ADAL" clId="{21694504-DF36-4190-984B-87BF7BD1C818}" dt="2021-10-25T13:40:13.889" v="1714" actId="404"/>
+          <ac:spMkLst>
+            <pc:docMk/>
+            <pc:sldMk cId="1498142693" sldId="261"/>
+            <ac:spMk id="43" creationId="{36409E06-2757-4824-BD1A-DEA9357C614B}"/>
+          </ac:spMkLst>
+        </pc:spChg>
+        <pc:spChg chg="add mod">
+          <ac:chgData name="MORLEY, Thomas" userId="ca0a1631-feee-46f8-9dc6-a0f397eff84f" providerId="ADAL" clId="{21694504-DF36-4190-984B-87BF7BD1C818}" dt="2021-10-25T13:40:37.287" v="1775" actId="20577"/>
+          <ac:spMkLst>
+            <pc:docMk/>
+            <pc:sldMk cId="1498142693" sldId="261"/>
+            <ac:spMk id="44" creationId="{A26019A0-C95E-4A23-95E3-2D14A04A1CE5}"/>
+          </ac:spMkLst>
+        </pc:spChg>
+        <pc:spChg chg="add mod">
+          <ac:chgData name="MORLEY, Thomas" userId="ca0a1631-feee-46f8-9dc6-a0f397eff84f" providerId="ADAL" clId="{21694504-DF36-4190-984B-87BF7BD1C818}" dt="2021-10-25T13:42:49.810" v="1927" actId="404"/>
+          <ac:spMkLst>
+            <pc:docMk/>
+            <pc:sldMk cId="1498142693" sldId="261"/>
+            <ac:spMk id="48" creationId="{77547CF2-7935-4B9F-8B1E-03BD676201FF}"/>
+          </ac:spMkLst>
+        </pc:spChg>
+        <pc:spChg chg="add mod">
+          <ac:chgData name="MORLEY, Thomas" userId="ca0a1631-feee-46f8-9dc6-a0f397eff84f" providerId="ADAL" clId="{21694504-DF36-4190-984B-87BF7BD1C818}" dt="2021-10-25T13:42:41.015" v="1916" actId="1076"/>
+          <ac:spMkLst>
+            <pc:docMk/>
+            <pc:sldMk cId="1498142693" sldId="261"/>
+            <ac:spMk id="49" creationId="{DA7C34CE-AEC0-4059-AC68-42CB5B690998}"/>
+          </ac:spMkLst>
+        </pc:spChg>
+        <pc:spChg chg="add mod">
+          <ac:chgData name="MORLEY, Thomas" userId="ca0a1631-feee-46f8-9dc6-a0f397eff84f" providerId="ADAL" clId="{21694504-DF36-4190-984B-87BF7BD1C818}" dt="2021-10-25T13:58:22.594" v="1936" actId="20577"/>
+          <ac:spMkLst>
+            <pc:docMk/>
+            <pc:sldMk cId="1498142693" sldId="261"/>
+            <ac:spMk id="50" creationId="{9DCD230D-7EF1-46D0-8A8D-2D6D62558394}"/>
+          </ac:spMkLst>
+        </pc:spChg>
+        <pc:spChg chg="add mod">
+          <ac:chgData name="MORLEY, Thomas" userId="ca0a1631-feee-46f8-9dc6-a0f397eff84f" providerId="ADAL" clId="{21694504-DF36-4190-984B-87BF7BD1C818}" dt="2021-10-25T14:02:16.691" v="2221" actId="5793"/>
+          <ac:spMkLst>
+            <pc:docMk/>
+            <pc:sldMk cId="1498142693" sldId="261"/>
+            <ac:spMk id="51" creationId="{C3BEF2E8-8AFE-4C23-A2DE-F95D9BE3B4C3}"/>
+          </ac:spMkLst>
+        </pc:spChg>
+        <pc:spChg chg="add mod">
+          <ac:chgData name="MORLEY, Thomas" userId="ca0a1631-feee-46f8-9dc6-a0f397eff84f" providerId="ADAL" clId="{21694504-DF36-4190-984B-87BF7BD1C818}" dt="2021-10-25T14:06:16.944" v="2381" actId="1076"/>
+          <ac:spMkLst>
+            <pc:docMk/>
+            <pc:sldMk cId="1498142693" sldId="261"/>
+            <ac:spMk id="52" creationId="{CA55BCE0-EC8F-4F2E-9C4B-8082744FD1E2}"/>
+          </ac:spMkLst>
+        </pc:spChg>
+        <pc:spChg chg="add mod">
+          <ac:chgData name="MORLEY, Thomas" userId="ca0a1631-feee-46f8-9dc6-a0f397eff84f" providerId="ADAL" clId="{21694504-DF36-4190-984B-87BF7BD1C818}" dt="2021-10-25T14:06:13.565" v="2380" actId="1076"/>
+          <ac:spMkLst>
+            <pc:docMk/>
+            <pc:sldMk cId="1498142693" sldId="261"/>
+            <ac:spMk id="55" creationId="{82A37686-93E3-4CDC-A963-E801796AC821}"/>
+          </ac:spMkLst>
+        </pc:spChg>
+        <pc:spChg chg="add mod">
+          <ac:chgData name="MORLEY, Thomas" userId="ca0a1631-feee-46f8-9dc6-a0f397eff84f" providerId="ADAL" clId="{21694504-DF36-4190-984B-87BF7BD1C818}" dt="2021-10-25T14:06:13.565" v="2380" actId="1076"/>
+          <ac:spMkLst>
+            <pc:docMk/>
+            <pc:sldMk cId="1498142693" sldId="261"/>
+            <ac:spMk id="56" creationId="{14845394-EFF1-4F18-A6E7-6EF5FDD7832E}"/>
+          </ac:spMkLst>
+        </pc:spChg>
+        <pc:spChg chg="add mod">
+          <ac:chgData name="MORLEY, Thomas" userId="ca0a1631-feee-46f8-9dc6-a0f397eff84f" providerId="ADAL" clId="{21694504-DF36-4190-984B-87BF7BD1C818}" dt="2021-10-25T14:06:13.565" v="2380" actId="1076"/>
+          <ac:spMkLst>
+            <pc:docMk/>
+            <pc:sldMk cId="1498142693" sldId="261"/>
+            <ac:spMk id="57" creationId="{5BCD1949-A926-475B-BFCB-A59F1E1E35FA}"/>
+          </ac:spMkLst>
+        </pc:spChg>
+        <pc:spChg chg="add mod">
+          <ac:chgData name="MORLEY, Thomas" userId="ca0a1631-feee-46f8-9dc6-a0f397eff84f" providerId="ADAL" clId="{21694504-DF36-4190-984B-87BF7BD1C818}" dt="2021-10-25T14:07:04.898" v="2407" actId="20577"/>
+          <ac:spMkLst>
+            <pc:docMk/>
+            <pc:sldMk cId="1498142693" sldId="261"/>
+            <ac:spMk id="62" creationId="{E2E6DCC9-D459-4388-8513-3D05813C11FA}"/>
+          </ac:spMkLst>
+        </pc:spChg>
+        <pc:cxnChg chg="add mod">
+          <ac:chgData name="MORLEY, Thomas" userId="ca0a1631-feee-46f8-9dc6-a0f397eff84f" providerId="ADAL" clId="{21694504-DF36-4190-984B-87BF7BD1C818}" dt="2021-10-25T13:23:16.413" v="1122"/>
+          <ac:cxnSpMkLst>
+            <pc:docMk/>
+            <pc:sldMk cId="1498142693" sldId="261"/>
+            <ac:cxnSpMk id="12" creationId="{489ABD6B-6365-4CA1-8A09-806DC098A9E6}"/>
+          </ac:cxnSpMkLst>
+        </pc:cxnChg>
+        <pc:cxnChg chg="add del mod">
+          <ac:chgData name="MORLEY, Thomas" userId="ca0a1631-feee-46f8-9dc6-a0f397eff84f" providerId="ADAL" clId="{21694504-DF36-4190-984B-87BF7BD1C818}" dt="2021-10-25T13:23:59.226" v="1181" actId="478"/>
+          <ac:cxnSpMkLst>
+            <pc:docMk/>
+            <pc:sldMk cId="1498142693" sldId="261"/>
+            <ac:cxnSpMk id="20" creationId="{05CC67F1-4DD6-440A-BF2A-A306CD2E826E}"/>
+          </ac:cxnSpMkLst>
+        </pc:cxnChg>
+        <pc:cxnChg chg="add del mod">
+          <ac:chgData name="MORLEY, Thomas" userId="ca0a1631-feee-46f8-9dc6-a0f397eff84f" providerId="ADAL" clId="{21694504-DF36-4190-984B-87BF7BD1C818}" dt="2021-10-25T13:24:39.082" v="1190" actId="478"/>
+          <ac:cxnSpMkLst>
+            <pc:docMk/>
+            <pc:sldMk cId="1498142693" sldId="261"/>
+            <ac:cxnSpMk id="22" creationId="{B6F22E6D-59B2-4A39-B21B-8D8598009C8E}"/>
+          </ac:cxnSpMkLst>
+        </pc:cxnChg>
+        <pc:cxnChg chg="add del mod">
+          <ac:chgData name="MORLEY, Thomas" userId="ca0a1631-feee-46f8-9dc6-a0f397eff84f" providerId="ADAL" clId="{21694504-DF36-4190-984B-87BF7BD1C818}" dt="2021-10-25T13:24:38.535" v="1189" actId="478"/>
+          <ac:cxnSpMkLst>
+            <pc:docMk/>
+            <pc:sldMk cId="1498142693" sldId="261"/>
+            <ac:cxnSpMk id="23" creationId="{E0BF414C-ACF6-4672-B4F2-ED22BF1A7E0B}"/>
+          </ac:cxnSpMkLst>
+        </pc:cxnChg>
+        <pc:cxnChg chg="add mod">
+          <ac:chgData name="MORLEY, Thomas" userId="ca0a1631-feee-46f8-9dc6-a0f397eff84f" providerId="ADAL" clId="{21694504-DF36-4190-984B-87BF7BD1C818}" dt="2021-10-25T13:24:17.759" v="1187"/>
+          <ac:cxnSpMkLst>
+            <pc:docMk/>
+            <pc:sldMk cId="1498142693" sldId="261"/>
+            <ac:cxnSpMk id="24" creationId="{49DB5DB6-AE9F-47A7-A2DD-C0F757960B77}"/>
+          </ac:cxnSpMkLst>
+        </pc:cxnChg>
+        <pc:cxnChg chg="add del mod">
+          <ac:chgData name="MORLEY, Thomas" userId="ca0a1631-feee-46f8-9dc6-a0f397eff84f" providerId="ADAL" clId="{21694504-DF36-4190-984B-87BF7BD1C818}" dt="2021-10-25T13:39:07.254" v="1660" actId="478"/>
+          <ac:cxnSpMkLst>
+            <pc:docMk/>
+            <pc:sldMk cId="1498142693" sldId="261"/>
+            <ac:cxnSpMk id="28" creationId="{1E8E7153-FA4D-4E57-80BD-823E976E7115}"/>
+          </ac:cxnSpMkLst>
+        </pc:cxnChg>
+        <pc:cxnChg chg="add del mod">
+          <ac:chgData name="MORLEY, Thomas" userId="ca0a1631-feee-46f8-9dc6-a0f397eff84f" providerId="ADAL" clId="{21694504-DF36-4190-984B-87BF7BD1C818}" dt="2021-10-25T13:39:05.892" v="1659" actId="478"/>
+          <ac:cxnSpMkLst>
+            <pc:docMk/>
+            <pc:sldMk cId="1498142693" sldId="261"/>
+            <ac:cxnSpMk id="29" creationId="{958D3660-93D3-4661-BD94-D436CCE3D6C1}"/>
+          </ac:cxnSpMkLst>
+        </pc:cxnChg>
+        <pc:cxnChg chg="add mod">
+          <ac:chgData name="MORLEY, Thomas" userId="ca0a1631-feee-46f8-9dc6-a0f397eff84f" providerId="ADAL" clId="{21694504-DF36-4190-984B-87BF7BD1C818}" dt="2021-10-25T13:39:18.449" v="1664" actId="14100"/>
+          <ac:cxnSpMkLst>
+            <pc:docMk/>
+            <pc:sldMk cId="1498142693" sldId="261"/>
+            <ac:cxnSpMk id="30" creationId="{18B658A6-8856-4403-8B17-4850C13CE923}"/>
+          </ac:cxnSpMkLst>
+        </pc:cxnChg>
+        <pc:cxnChg chg="add mod">
+          <ac:chgData name="MORLEY, Thomas" userId="ca0a1631-feee-46f8-9dc6-a0f397eff84f" providerId="ADAL" clId="{21694504-DF36-4190-984B-87BF7BD1C818}" dt="2021-10-25T13:39:11.058" v="1661" actId="14100"/>
+          <ac:cxnSpMkLst>
+            <pc:docMk/>
+            <pc:sldMk cId="1498142693" sldId="261"/>
+            <ac:cxnSpMk id="38" creationId="{2C637EC3-1953-455A-ACF3-20D9CE2487F1}"/>
+          </ac:cxnSpMkLst>
+        </pc:cxnChg>
+        <pc:cxnChg chg="add mod">
+          <ac:chgData name="MORLEY, Thomas" userId="ca0a1631-feee-46f8-9dc6-a0f397eff84f" providerId="ADAL" clId="{21694504-DF36-4190-984B-87BF7BD1C818}" dt="2021-10-25T13:40:49.369" v="1777" actId="14100"/>
+          <ac:cxnSpMkLst>
+            <pc:docMk/>
+            <pc:sldMk cId="1498142693" sldId="261"/>
+            <ac:cxnSpMk id="46" creationId="{5AD14CC4-921C-494D-984B-E4CE64CC8EA4}"/>
+          </ac:cxnSpMkLst>
+        </pc:cxnChg>
+        <pc:cxnChg chg="add mod">
+          <ac:chgData name="MORLEY, Thomas" userId="ca0a1631-feee-46f8-9dc6-a0f397eff84f" providerId="ADAL" clId="{21694504-DF36-4190-984B-87BF7BD1C818}" dt="2021-10-25T14:06:19.705" v="2382" actId="14100"/>
+          <ac:cxnSpMkLst>
+            <pc:docMk/>
+            <pc:sldMk cId="1498142693" sldId="261"/>
+            <ac:cxnSpMk id="54" creationId="{0C3E59F1-4605-4E18-8C53-F9E0D123743D}"/>
+          </ac:cxnSpMkLst>
+        </pc:cxnChg>
+        <pc:cxnChg chg="add mod">
+          <ac:chgData name="MORLEY, Thomas" userId="ca0a1631-feee-46f8-9dc6-a0f397eff84f" providerId="ADAL" clId="{21694504-DF36-4190-984B-87BF7BD1C818}" dt="2021-10-25T14:06:28.638" v="2385" actId="14100"/>
+          <ac:cxnSpMkLst>
+            <pc:docMk/>
+            <pc:sldMk cId="1498142693" sldId="261"/>
+            <ac:cxnSpMk id="59" creationId="{049970F0-00A7-4FE5-BD51-4ACCCCD0C472}"/>
+          </ac:cxnSpMkLst>
+        </pc:cxnChg>
+      </pc:sldChg>
+    </pc:docChg>
+  </pc:docChgLst>
+</pc:chgInfo>
 </file>
 
 <file path=ppt/slideLayouts/slideLayout1.xml><?xml version="1.0" encoding="utf-8"?>
@@ -259,7 +1190,7 @@
           <a:p>
             <a:fld id="{565E3272-2692-4CBA-BB89-AE4B7AF62778}" type="datetimeFigureOut">
               <a:rPr lang="en-GB" smtClean="0"/>
-              <a:t>22/10/2021</a:t>
+              <a:t>25/10/2021</a:t>
             </a:fld>
             <a:endParaRPr lang="en-GB"/>
           </a:p>
@@ -459,7 +1390,7 @@
           <a:p>
             <a:fld id="{565E3272-2692-4CBA-BB89-AE4B7AF62778}" type="datetimeFigureOut">
               <a:rPr lang="en-GB" smtClean="0"/>
-              <a:t>22/10/2021</a:t>
+              <a:t>25/10/2021</a:t>
             </a:fld>
             <a:endParaRPr lang="en-GB"/>
           </a:p>
@@ -669,7 +1600,7 @@
           <a:p>
             <a:fld id="{565E3272-2692-4CBA-BB89-AE4B7AF62778}" type="datetimeFigureOut">
               <a:rPr lang="en-GB" smtClean="0"/>
-              <a:t>22/10/2021</a:t>
+              <a:t>25/10/2021</a:t>
             </a:fld>
             <a:endParaRPr lang="en-GB"/>
           </a:p>
@@ -869,7 +1800,7 @@
           <a:p>
             <a:fld id="{565E3272-2692-4CBA-BB89-AE4B7AF62778}" type="datetimeFigureOut">
               <a:rPr lang="en-GB" smtClean="0"/>
-              <a:t>22/10/2021</a:t>
+              <a:t>25/10/2021</a:t>
             </a:fld>
             <a:endParaRPr lang="en-GB"/>
           </a:p>
@@ -1145,7 +2076,7 @@
           <a:p>
             <a:fld id="{565E3272-2692-4CBA-BB89-AE4B7AF62778}" type="datetimeFigureOut">
               <a:rPr lang="en-GB" smtClean="0"/>
-              <a:t>22/10/2021</a:t>
+              <a:t>25/10/2021</a:t>
             </a:fld>
             <a:endParaRPr lang="en-GB"/>
           </a:p>
@@ -1413,7 +2344,7 @@
           <a:p>
             <a:fld id="{565E3272-2692-4CBA-BB89-AE4B7AF62778}" type="datetimeFigureOut">
               <a:rPr lang="en-GB" smtClean="0"/>
-              <a:t>22/10/2021</a:t>
+              <a:t>25/10/2021</a:t>
             </a:fld>
             <a:endParaRPr lang="en-GB"/>
           </a:p>
@@ -1828,7 +2759,7 @@
           <a:p>
             <a:fld id="{565E3272-2692-4CBA-BB89-AE4B7AF62778}" type="datetimeFigureOut">
               <a:rPr lang="en-GB" smtClean="0"/>
-              <a:t>22/10/2021</a:t>
+              <a:t>25/10/2021</a:t>
             </a:fld>
             <a:endParaRPr lang="en-GB"/>
           </a:p>
@@ -1970,7 +2901,7 @@
           <a:p>
             <a:fld id="{565E3272-2692-4CBA-BB89-AE4B7AF62778}" type="datetimeFigureOut">
               <a:rPr lang="en-GB" smtClean="0"/>
-              <a:t>22/10/2021</a:t>
+              <a:t>25/10/2021</a:t>
             </a:fld>
             <a:endParaRPr lang="en-GB"/>
           </a:p>
@@ -2083,7 +3014,7 @@
           <a:p>
             <a:fld id="{565E3272-2692-4CBA-BB89-AE4B7AF62778}" type="datetimeFigureOut">
               <a:rPr lang="en-GB" smtClean="0"/>
-              <a:t>22/10/2021</a:t>
+              <a:t>25/10/2021</a:t>
             </a:fld>
             <a:endParaRPr lang="en-GB"/>
           </a:p>
@@ -2396,7 +3327,7 @@
           <a:p>
             <a:fld id="{565E3272-2692-4CBA-BB89-AE4B7AF62778}" type="datetimeFigureOut">
               <a:rPr lang="en-GB" smtClean="0"/>
-              <a:t>22/10/2021</a:t>
+              <a:t>25/10/2021</a:t>
             </a:fld>
             <a:endParaRPr lang="en-GB"/>
           </a:p>
@@ -2685,7 +3616,7 @@
           <a:p>
             <a:fld id="{565E3272-2692-4CBA-BB89-AE4B7AF62778}" type="datetimeFigureOut">
               <a:rPr lang="en-GB" smtClean="0"/>
-              <a:t>22/10/2021</a:t>
+              <a:t>25/10/2021</a:t>
             </a:fld>
             <a:endParaRPr lang="en-GB"/>
           </a:p>
@@ -2928,7 +3859,7 @@
           <a:p>
             <a:fld id="{565E3272-2692-4CBA-BB89-AE4B7AF62778}" type="datetimeFigureOut">
               <a:rPr lang="en-GB" smtClean="0"/>
-              <a:t>22/10/2021</a:t>
+              <a:t>25/10/2021</a:t>
             </a:fld>
             <a:endParaRPr lang="en-GB"/>
           </a:p>
@@ -5046,6 +5977,4884 @@
 </p:sld>
 </file>
 
+<file path=ppt/slides/slide5.xml><?xml version="1.0" encoding="utf-8"?>
+<p:sld xmlns:a="http://schemas.openxmlformats.org/drawingml/2006/main" xmlns:r="http://schemas.openxmlformats.org/officeDocument/2006/relationships" xmlns:p="http://schemas.openxmlformats.org/presentationml/2006/main">
+  <p:cSld>
+    <p:spTree>
+      <p:nvGrpSpPr>
+        <p:cNvPr id="1" name=""/>
+        <p:cNvGrpSpPr/>
+        <p:nvPr/>
+      </p:nvGrpSpPr>
+      <p:grpSpPr>
+        <a:xfrm>
+          <a:off x="0" y="0"/>
+          <a:ext cx="0" cy="0"/>
+          <a:chOff x="0" y="0"/>
+          <a:chExt cx="0" cy="0"/>
+        </a:xfrm>
+      </p:grpSpPr>
+      <p:sp>
+        <p:nvSpPr>
+          <p:cNvPr id="75" name="TextBox 74">
+            <a:extLst>
+              <a:ext uri="{FF2B5EF4-FFF2-40B4-BE49-F238E27FC236}">
+                <a16:creationId xmlns:a16="http://schemas.microsoft.com/office/drawing/2014/main" id="{89FF9F8A-93EC-4861-8137-E7FB23506B07}"/>
+              </a:ext>
+            </a:extLst>
+          </p:cNvPr>
+          <p:cNvSpPr txBox="1"/>
+          <p:nvPr/>
+        </p:nvSpPr>
+        <p:spPr>
+          <a:xfrm>
+            <a:off x="5159349" y="1692938"/>
+            <a:ext cx="2936964" cy="3046988"/>
+          </a:xfrm>
+          <a:prstGeom prst="rect">
+            <a:avLst/>
+          </a:prstGeom>
+          <a:solidFill>
+            <a:schemeClr val="accent1">
+              <a:lumMod val="40000"/>
+              <a:lumOff val="60000"/>
+            </a:schemeClr>
+          </a:solidFill>
+          <a:ln/>
+        </p:spPr>
+        <p:style>
+          <a:lnRef idx="2">
+            <a:schemeClr val="accent1"/>
+          </a:lnRef>
+          <a:fillRef idx="1">
+            <a:schemeClr val="lt1"/>
+          </a:fillRef>
+          <a:effectRef idx="0">
+            <a:schemeClr val="accent1"/>
+          </a:effectRef>
+          <a:fontRef idx="minor">
+            <a:schemeClr val="dk1"/>
+          </a:fontRef>
+        </p:style>
+        <p:txBody>
+          <a:bodyPr wrap="square" rtlCol="0">
+            <a:spAutoFit/>
+          </a:bodyPr>
+          <a:lstStyle/>
+          <a:p>
+            <a:pPr algn="ctr"/>
+            <a:r>
+              <a:rPr lang="en-GB" sz="1200" dirty="0"/>
+              <a:t>Runs the “</a:t>
+            </a:r>
+            <a:r>
+              <a:rPr lang="en-GB" sz="1200" dirty="0" err="1"/>
+              <a:t>create_log</a:t>
+            </a:r>
+            <a:r>
+              <a:rPr lang="en-GB" sz="1200" dirty="0"/>
+              <a:t>” function:</a:t>
+            </a:r>
+          </a:p>
+          <a:p>
+            <a:pPr algn="ctr"/>
+            <a:endParaRPr lang="en-GB" sz="1200" dirty="0"/>
+          </a:p>
+          <a:p>
+            <a:pPr algn="ctr"/>
+            <a:endParaRPr lang="en-GB" sz="1200" dirty="0"/>
+          </a:p>
+          <a:p>
+            <a:pPr algn="ctr"/>
+            <a:endParaRPr lang="en-GB" sz="1200" dirty="0"/>
+          </a:p>
+          <a:p>
+            <a:pPr algn="ctr"/>
+            <a:endParaRPr lang="en-GB" sz="1200" dirty="0"/>
+          </a:p>
+          <a:p>
+            <a:pPr algn="ctr"/>
+            <a:endParaRPr lang="en-GB" sz="1200" dirty="0"/>
+          </a:p>
+          <a:p>
+            <a:pPr algn="ctr"/>
+            <a:endParaRPr lang="en-GB" sz="1200" dirty="0"/>
+          </a:p>
+          <a:p>
+            <a:pPr algn="ctr"/>
+            <a:endParaRPr lang="en-GB" sz="1200" dirty="0"/>
+          </a:p>
+          <a:p>
+            <a:pPr algn="ctr"/>
+            <a:endParaRPr lang="en-GB" sz="1200" dirty="0"/>
+          </a:p>
+          <a:p>
+            <a:pPr algn="ctr"/>
+            <a:endParaRPr lang="en-GB" sz="1200" dirty="0"/>
+          </a:p>
+          <a:p>
+            <a:pPr algn="ctr"/>
+            <a:endParaRPr lang="en-GB" sz="1200" dirty="0"/>
+          </a:p>
+          <a:p>
+            <a:pPr marL="171450" indent="-171450" algn="ctr">
+              <a:buFont typeface="Arial" panose="020B0604020202020204" pitchFamily="34" charset="0"/>
+              <a:buChar char="•"/>
+            </a:pPr>
+            <a:r>
+              <a:rPr lang="en-GB" sz="1200" dirty="0"/>
+              <a:t>Generates random 4-digit project ID</a:t>
+            </a:r>
+          </a:p>
+          <a:p>
+            <a:pPr marL="171450" indent="-171450" algn="ctr">
+              <a:buFont typeface="Arial" panose="020B0604020202020204" pitchFamily="34" charset="0"/>
+              <a:buChar char="•"/>
+            </a:pPr>
+            <a:r>
+              <a:rPr lang="en-GB" sz="1200" dirty="0"/>
+              <a:t>Checks that this isn’t already assigned to another project</a:t>
+            </a:r>
+          </a:p>
+          <a:p>
+            <a:pPr marL="171450" indent="-171450" algn="ctr">
+              <a:buFont typeface="Arial" panose="020B0604020202020204" pitchFamily="34" charset="0"/>
+              <a:buChar char="•"/>
+            </a:pPr>
+            <a:r>
+              <a:rPr lang="en-GB" sz="1200" dirty="0"/>
+              <a:t>Updates “projectID” and “QAlogtype”</a:t>
+            </a:r>
+          </a:p>
+          <a:p>
+            <a:pPr marL="171450" indent="-171450" algn="ctr">
+              <a:buFont typeface="Arial" panose="020B0604020202020204" pitchFamily="34" charset="0"/>
+              <a:buChar char="•"/>
+            </a:pPr>
+            <a:r>
+              <a:rPr lang="en-GB" sz="1200" dirty="0"/>
+              <a:t>Switches to new tab</a:t>
+            </a:r>
+          </a:p>
+        </p:txBody>
+      </p:sp>
+      <p:sp>
+        <p:nvSpPr>
+          <p:cNvPr id="56" name="Rectangle: Rounded Corners 55">
+            <a:extLst>
+              <a:ext uri="{FF2B5EF4-FFF2-40B4-BE49-F238E27FC236}">
+                <a16:creationId xmlns:a16="http://schemas.microsoft.com/office/drawing/2014/main" id="{31C50EA1-58C5-4308-A266-AE258EA74245}"/>
+              </a:ext>
+            </a:extLst>
+          </p:cNvPr>
+          <p:cNvSpPr/>
+          <p:nvPr/>
+        </p:nvSpPr>
+        <p:spPr>
+          <a:xfrm>
+            <a:off x="4495800" y="5235575"/>
+            <a:ext cx="2124075" cy="755650"/>
+          </a:xfrm>
+          <a:prstGeom prst="roundRect">
+            <a:avLst>
+              <a:gd name="adj" fmla="val 6355"/>
+            </a:avLst>
+          </a:prstGeom>
+          <a:solidFill>
+            <a:schemeClr val="accent4">
+              <a:alpha val="50000"/>
+            </a:schemeClr>
+          </a:solidFill>
+          <a:ln>
+            <a:noFill/>
+          </a:ln>
+        </p:spPr>
+        <p:style>
+          <a:lnRef idx="0">
+            <a:scrgbClr r="0" g="0" b="0"/>
+          </a:lnRef>
+          <a:fillRef idx="0">
+            <a:scrgbClr r="0" g="0" b="0"/>
+          </a:fillRef>
+          <a:effectRef idx="0">
+            <a:scrgbClr r="0" g="0" b="0"/>
+          </a:effectRef>
+          <a:fontRef idx="minor">
+            <a:schemeClr val="lt1"/>
+          </a:fontRef>
+        </p:style>
+        <p:txBody>
+          <a:bodyPr rtlCol="0" anchor="ctr"/>
+          <a:lstStyle/>
+          <a:p>
+            <a:pPr algn="ctr"/>
+            <a:endParaRPr lang="en-GB"/>
+          </a:p>
+        </p:txBody>
+      </p:sp>
+      <p:sp>
+        <p:nvSpPr>
+          <p:cNvPr id="46" name="Rectangle: Rounded Corners 45">
+            <a:extLst>
+              <a:ext uri="{FF2B5EF4-FFF2-40B4-BE49-F238E27FC236}">
+                <a16:creationId xmlns:a16="http://schemas.microsoft.com/office/drawing/2014/main" id="{1E11D07A-6EF0-40FB-9173-8F17DDE739A4}"/>
+              </a:ext>
+            </a:extLst>
+          </p:cNvPr>
+          <p:cNvSpPr/>
+          <p:nvPr/>
+        </p:nvSpPr>
+        <p:spPr>
+          <a:xfrm>
+            <a:off x="2640769" y="1540275"/>
+            <a:ext cx="1813497" cy="4141433"/>
+          </a:xfrm>
+          <a:prstGeom prst="roundRect">
+            <a:avLst/>
+          </a:prstGeom>
+          <a:solidFill>
+            <a:schemeClr val="accent4">
+              <a:alpha val="50000"/>
+            </a:schemeClr>
+          </a:solidFill>
+          <a:ln>
+            <a:noFill/>
+          </a:ln>
+        </p:spPr>
+        <p:style>
+          <a:lnRef idx="0">
+            <a:scrgbClr r="0" g="0" b="0"/>
+          </a:lnRef>
+          <a:fillRef idx="0">
+            <a:scrgbClr r="0" g="0" b="0"/>
+          </a:fillRef>
+          <a:effectRef idx="0">
+            <a:scrgbClr r="0" g="0" b="0"/>
+          </a:effectRef>
+          <a:fontRef idx="minor">
+            <a:schemeClr val="lt1"/>
+          </a:fontRef>
+        </p:style>
+        <p:txBody>
+          <a:bodyPr rtlCol="0" anchor="ctr"/>
+          <a:lstStyle/>
+          <a:p>
+            <a:pPr algn="ctr"/>
+            <a:endParaRPr lang="en-GB"/>
+          </a:p>
+        </p:txBody>
+      </p:sp>
+      <p:sp>
+        <p:nvSpPr>
+          <p:cNvPr id="2" name="Title 1">
+            <a:extLst>
+              <a:ext uri="{FF2B5EF4-FFF2-40B4-BE49-F238E27FC236}">
+                <a16:creationId xmlns:a16="http://schemas.microsoft.com/office/drawing/2014/main" id="{44D95F4A-57AC-47A5-9D1F-40BF0ABBC8C4}"/>
+              </a:ext>
+            </a:extLst>
+          </p:cNvPr>
+          <p:cNvSpPr>
+            <a:spLocks noGrp="1"/>
+          </p:cNvSpPr>
+          <p:nvPr>
+            <p:ph type="title"/>
+          </p:nvPr>
+        </p:nvSpPr>
+        <p:spPr/>
+        <p:txBody>
+          <a:bodyPr/>
+          <a:lstStyle/>
+          <a:p>
+            <a:r>
+              <a:rPr lang="en-GB" dirty="0"/>
+              <a:t>Map for creating new log</a:t>
+            </a:r>
+            <a:br>
+              <a:rPr lang="en-GB" dirty="0"/>
+            </a:br>
+            <a:r>
+              <a:rPr lang="en-GB" sz="2000" dirty="0"/>
+              <a:t>Mostly from </a:t>
+            </a:r>
+            <a:r>
+              <a:rPr lang="en-GB" sz="2000" dirty="0" err="1"/>
+              <a:t>home_server.R</a:t>
+            </a:r>
+            <a:endParaRPr lang="en-GB" dirty="0"/>
+          </a:p>
+        </p:txBody>
+      </p:sp>
+      <p:sp>
+        <p:nvSpPr>
+          <p:cNvPr id="4" name="TextBox 3">
+            <a:extLst>
+              <a:ext uri="{FF2B5EF4-FFF2-40B4-BE49-F238E27FC236}">
+                <a16:creationId xmlns:a16="http://schemas.microsoft.com/office/drawing/2014/main" id="{CAD8BAA6-3D65-4571-B124-5552C7897DEA}"/>
+              </a:ext>
+            </a:extLst>
+          </p:cNvPr>
+          <p:cNvSpPr txBox="1"/>
+          <p:nvPr/>
+        </p:nvSpPr>
+        <p:spPr>
+          <a:xfrm>
+            <a:off x="696686" y="1690688"/>
+            <a:ext cx="1550125" cy="646331"/>
+          </a:xfrm>
+          <a:prstGeom prst="rect">
+            <a:avLst/>
+          </a:prstGeom>
+          <a:solidFill>
+            <a:schemeClr val="accent1">
+              <a:lumMod val="40000"/>
+              <a:lumOff val="60000"/>
+            </a:schemeClr>
+          </a:solidFill>
+          <a:ln/>
+        </p:spPr>
+        <p:style>
+          <a:lnRef idx="2">
+            <a:schemeClr val="accent1"/>
+          </a:lnRef>
+          <a:fillRef idx="1">
+            <a:schemeClr val="lt1"/>
+          </a:fillRef>
+          <a:effectRef idx="0">
+            <a:schemeClr val="accent1"/>
+          </a:effectRef>
+          <a:fontRef idx="minor">
+            <a:schemeClr val="dk1"/>
+          </a:fontRef>
+        </p:style>
+        <p:txBody>
+          <a:bodyPr wrap="square" rtlCol="0">
+            <a:spAutoFit/>
+          </a:bodyPr>
+          <a:lstStyle/>
+          <a:p>
+            <a:pPr algn="ctr"/>
+            <a:r>
+              <a:rPr lang="en-GB" dirty="0"/>
+              <a:t>Select create new log</a:t>
+            </a:r>
+          </a:p>
+        </p:txBody>
+      </p:sp>
+      <p:sp>
+        <p:nvSpPr>
+          <p:cNvPr id="7" name="TextBox 6">
+            <a:extLst>
+              <a:ext uri="{FF2B5EF4-FFF2-40B4-BE49-F238E27FC236}">
+                <a16:creationId xmlns:a16="http://schemas.microsoft.com/office/drawing/2014/main" id="{7BBF95CE-286E-4850-B0D9-9094A39A9A14}"/>
+              </a:ext>
+            </a:extLst>
+          </p:cNvPr>
+          <p:cNvSpPr txBox="1"/>
+          <p:nvPr/>
+        </p:nvSpPr>
+        <p:spPr>
+          <a:xfrm>
+            <a:off x="696686" y="2521058"/>
+            <a:ext cx="1550125" cy="307777"/>
+          </a:xfrm>
+          <a:prstGeom prst="rect">
+            <a:avLst/>
+          </a:prstGeom>
+          <a:solidFill>
+            <a:schemeClr val="accent2">
+              <a:lumMod val="40000"/>
+              <a:lumOff val="60000"/>
+            </a:schemeClr>
+          </a:solidFill>
+          <a:ln/>
+        </p:spPr>
+        <p:style>
+          <a:lnRef idx="2">
+            <a:schemeClr val="accent2"/>
+          </a:lnRef>
+          <a:fillRef idx="1">
+            <a:schemeClr val="lt1"/>
+          </a:fillRef>
+          <a:effectRef idx="0">
+            <a:schemeClr val="accent2"/>
+          </a:effectRef>
+          <a:fontRef idx="minor">
+            <a:schemeClr val="dk1"/>
+          </a:fontRef>
+        </p:style>
+        <p:txBody>
+          <a:bodyPr wrap="square" rtlCol="0">
+            <a:spAutoFit/>
+          </a:bodyPr>
+          <a:lstStyle/>
+          <a:p>
+            <a:pPr algn="ctr"/>
+            <a:r>
+              <a:rPr lang="en-GB" sz="1400" dirty="0"/>
+              <a:t>types$log = “new”</a:t>
+            </a:r>
+          </a:p>
+        </p:txBody>
+      </p:sp>
+      <p:sp>
+        <p:nvSpPr>
+          <p:cNvPr id="8" name="TextBox 7">
+            <a:extLst>
+              <a:ext uri="{FF2B5EF4-FFF2-40B4-BE49-F238E27FC236}">
+                <a16:creationId xmlns:a16="http://schemas.microsoft.com/office/drawing/2014/main" id="{0DB35C82-5C87-4009-8B4F-E17E8AA60A75}"/>
+              </a:ext>
+            </a:extLst>
+          </p:cNvPr>
+          <p:cNvSpPr txBox="1"/>
+          <p:nvPr/>
+        </p:nvSpPr>
+        <p:spPr>
+          <a:xfrm>
+            <a:off x="2773681" y="1690688"/>
+            <a:ext cx="1550125" cy="1200329"/>
+          </a:xfrm>
+          <a:prstGeom prst="rect">
+            <a:avLst/>
+          </a:prstGeom>
+          <a:solidFill>
+            <a:schemeClr val="accent1">
+              <a:lumMod val="40000"/>
+              <a:lumOff val="60000"/>
+            </a:schemeClr>
+          </a:solidFill>
+          <a:ln/>
+        </p:spPr>
+        <p:style>
+          <a:lnRef idx="2">
+            <a:schemeClr val="accent1"/>
+          </a:lnRef>
+          <a:fillRef idx="1">
+            <a:schemeClr val="lt1"/>
+          </a:fillRef>
+          <a:effectRef idx="0">
+            <a:schemeClr val="accent1"/>
+          </a:effectRef>
+          <a:fontRef idx="minor">
+            <a:schemeClr val="dk1"/>
+          </a:fontRef>
+        </p:style>
+        <p:txBody>
+          <a:bodyPr wrap="square" rtlCol="0">
+            <a:spAutoFit/>
+          </a:bodyPr>
+          <a:lstStyle/>
+          <a:p>
+            <a:pPr algn="ctr"/>
+            <a:r>
+              <a:rPr lang="en-GB" dirty="0"/>
+              <a:t>A new panel is shown with following options:</a:t>
+            </a:r>
+          </a:p>
+        </p:txBody>
+      </p:sp>
+      <p:sp>
+        <p:nvSpPr>
+          <p:cNvPr id="9" name="TextBox 8">
+            <a:extLst>
+              <a:ext uri="{FF2B5EF4-FFF2-40B4-BE49-F238E27FC236}">
+                <a16:creationId xmlns:a16="http://schemas.microsoft.com/office/drawing/2014/main" id="{4188A7B4-EEDE-44E1-B7CE-34D5EA1A652E}"/>
+              </a:ext>
+            </a:extLst>
+          </p:cNvPr>
+          <p:cNvSpPr txBox="1"/>
+          <p:nvPr/>
+        </p:nvSpPr>
+        <p:spPr>
+          <a:xfrm>
+            <a:off x="2773681" y="3016250"/>
+            <a:ext cx="1550125" cy="369332"/>
+          </a:xfrm>
+          <a:prstGeom prst="rect">
+            <a:avLst/>
+          </a:prstGeom>
+          <a:solidFill>
+            <a:schemeClr val="accent1">
+              <a:lumMod val="40000"/>
+              <a:lumOff val="60000"/>
+            </a:schemeClr>
+          </a:solidFill>
+          <a:ln/>
+        </p:spPr>
+        <p:style>
+          <a:lnRef idx="2">
+            <a:schemeClr val="accent1"/>
+          </a:lnRef>
+          <a:fillRef idx="1">
+            <a:schemeClr val="lt1"/>
+          </a:fillRef>
+          <a:effectRef idx="0">
+            <a:schemeClr val="accent1"/>
+          </a:effectRef>
+          <a:fontRef idx="minor">
+            <a:schemeClr val="dk1"/>
+          </a:fontRef>
+        </p:style>
+        <p:txBody>
+          <a:bodyPr wrap="square" rtlCol="0">
+            <a:spAutoFit/>
+          </a:bodyPr>
+          <a:lstStyle/>
+          <a:p>
+            <a:pPr algn="ctr"/>
+            <a:r>
+              <a:rPr lang="en-GB" dirty="0"/>
+              <a:t>Modelling</a:t>
+            </a:r>
+          </a:p>
+        </p:txBody>
+      </p:sp>
+      <p:sp>
+        <p:nvSpPr>
+          <p:cNvPr id="10" name="TextBox 9">
+            <a:extLst>
+              <a:ext uri="{FF2B5EF4-FFF2-40B4-BE49-F238E27FC236}">
+                <a16:creationId xmlns:a16="http://schemas.microsoft.com/office/drawing/2014/main" id="{D872ABF8-57DF-452E-9AC5-47DA62CA0F29}"/>
+              </a:ext>
+            </a:extLst>
+          </p:cNvPr>
+          <p:cNvSpPr txBox="1"/>
+          <p:nvPr/>
+        </p:nvSpPr>
+        <p:spPr>
+          <a:xfrm>
+            <a:off x="2773681" y="3510815"/>
+            <a:ext cx="1550125" cy="369332"/>
+          </a:xfrm>
+          <a:prstGeom prst="rect">
+            <a:avLst/>
+          </a:prstGeom>
+          <a:solidFill>
+            <a:schemeClr val="accent1">
+              <a:lumMod val="40000"/>
+              <a:lumOff val="60000"/>
+            </a:schemeClr>
+          </a:solidFill>
+          <a:ln/>
+        </p:spPr>
+        <p:style>
+          <a:lnRef idx="2">
+            <a:schemeClr val="accent1"/>
+          </a:lnRef>
+          <a:fillRef idx="1">
+            <a:schemeClr val="lt1"/>
+          </a:fillRef>
+          <a:effectRef idx="0">
+            <a:schemeClr val="accent1"/>
+          </a:effectRef>
+          <a:fontRef idx="minor">
+            <a:schemeClr val="dk1"/>
+          </a:fontRef>
+        </p:style>
+        <p:txBody>
+          <a:bodyPr wrap="square" rtlCol="0">
+            <a:spAutoFit/>
+          </a:bodyPr>
+          <a:lstStyle/>
+          <a:p>
+            <a:pPr algn="ctr"/>
+            <a:r>
+              <a:rPr lang="en-GB" dirty="0"/>
+              <a:t>Data Analysis</a:t>
+            </a:r>
+          </a:p>
+        </p:txBody>
+      </p:sp>
+      <p:sp>
+        <p:nvSpPr>
+          <p:cNvPr id="11" name="TextBox 10">
+            <a:extLst>
+              <a:ext uri="{FF2B5EF4-FFF2-40B4-BE49-F238E27FC236}">
+                <a16:creationId xmlns:a16="http://schemas.microsoft.com/office/drawing/2014/main" id="{F52B5425-C011-4D9D-B035-6FD16D8AECD2}"/>
+              </a:ext>
+            </a:extLst>
+          </p:cNvPr>
+          <p:cNvSpPr txBox="1"/>
+          <p:nvPr/>
+        </p:nvSpPr>
+        <p:spPr>
+          <a:xfrm>
+            <a:off x="2773680" y="3966984"/>
+            <a:ext cx="1550125" cy="369332"/>
+          </a:xfrm>
+          <a:prstGeom prst="rect">
+            <a:avLst/>
+          </a:prstGeom>
+          <a:solidFill>
+            <a:schemeClr val="accent1">
+              <a:lumMod val="40000"/>
+              <a:lumOff val="60000"/>
+            </a:schemeClr>
+          </a:solidFill>
+          <a:ln/>
+        </p:spPr>
+        <p:style>
+          <a:lnRef idx="2">
+            <a:schemeClr val="accent1"/>
+          </a:lnRef>
+          <a:fillRef idx="1">
+            <a:schemeClr val="lt1"/>
+          </a:fillRef>
+          <a:effectRef idx="0">
+            <a:schemeClr val="accent1"/>
+          </a:effectRef>
+          <a:fontRef idx="minor">
+            <a:schemeClr val="dk1"/>
+          </a:fontRef>
+        </p:style>
+        <p:txBody>
+          <a:bodyPr wrap="square" rtlCol="0">
+            <a:spAutoFit/>
+          </a:bodyPr>
+          <a:lstStyle/>
+          <a:p>
+            <a:pPr algn="ctr"/>
+            <a:r>
+              <a:rPr lang="en-GB" dirty="0"/>
+              <a:t>Dashboard</a:t>
+            </a:r>
+          </a:p>
+        </p:txBody>
+      </p:sp>
+      <p:sp>
+        <p:nvSpPr>
+          <p:cNvPr id="12" name="TextBox 11">
+            <a:extLst>
+              <a:ext uri="{FF2B5EF4-FFF2-40B4-BE49-F238E27FC236}">
+                <a16:creationId xmlns:a16="http://schemas.microsoft.com/office/drawing/2014/main" id="{6F49CCF7-ABE2-4B54-AE51-ABD64B96D524}"/>
+              </a:ext>
+            </a:extLst>
+          </p:cNvPr>
+          <p:cNvSpPr txBox="1"/>
+          <p:nvPr/>
+        </p:nvSpPr>
+        <p:spPr>
+          <a:xfrm>
+            <a:off x="2773679" y="4461549"/>
+            <a:ext cx="1550125" cy="338554"/>
+          </a:xfrm>
+          <a:prstGeom prst="rect">
+            <a:avLst/>
+          </a:prstGeom>
+          <a:solidFill>
+            <a:schemeClr val="accent1">
+              <a:lumMod val="40000"/>
+              <a:lumOff val="60000"/>
+            </a:schemeClr>
+          </a:solidFill>
+          <a:ln/>
+        </p:spPr>
+        <p:style>
+          <a:lnRef idx="2">
+            <a:schemeClr val="accent1"/>
+          </a:lnRef>
+          <a:fillRef idx="1">
+            <a:schemeClr val="lt1"/>
+          </a:fillRef>
+          <a:effectRef idx="0">
+            <a:schemeClr val="accent1"/>
+          </a:effectRef>
+          <a:fontRef idx="minor">
+            <a:schemeClr val="dk1"/>
+          </a:fontRef>
+        </p:style>
+        <p:txBody>
+          <a:bodyPr wrap="square" rtlCol="0">
+            <a:spAutoFit/>
+          </a:bodyPr>
+          <a:lstStyle/>
+          <a:p>
+            <a:pPr algn="ctr"/>
+            <a:r>
+              <a:rPr lang="en-GB" sz="1600" dirty="0"/>
+              <a:t>Official Statistics</a:t>
+            </a:r>
+          </a:p>
+        </p:txBody>
+      </p:sp>
+      <p:sp>
+        <p:nvSpPr>
+          <p:cNvPr id="13" name="TextBox 12">
+            <a:extLst>
+              <a:ext uri="{FF2B5EF4-FFF2-40B4-BE49-F238E27FC236}">
+                <a16:creationId xmlns:a16="http://schemas.microsoft.com/office/drawing/2014/main" id="{1F4448A5-5EB5-4119-8A40-54FC6B5C7C1E}"/>
+              </a:ext>
+            </a:extLst>
+          </p:cNvPr>
+          <p:cNvSpPr txBox="1"/>
+          <p:nvPr/>
+        </p:nvSpPr>
+        <p:spPr>
+          <a:xfrm>
+            <a:off x="5620639" y="2004124"/>
+            <a:ext cx="2029096" cy="307777"/>
+          </a:xfrm>
+          <a:prstGeom prst="rect">
+            <a:avLst/>
+          </a:prstGeom>
+          <a:solidFill>
+            <a:schemeClr val="accent2">
+              <a:lumMod val="40000"/>
+              <a:lumOff val="60000"/>
+            </a:schemeClr>
+          </a:solidFill>
+          <a:ln/>
+        </p:spPr>
+        <p:style>
+          <a:lnRef idx="2">
+            <a:schemeClr val="accent2"/>
+          </a:lnRef>
+          <a:fillRef idx="1">
+            <a:schemeClr val="lt1"/>
+          </a:fillRef>
+          <a:effectRef idx="0">
+            <a:schemeClr val="accent2"/>
+          </a:effectRef>
+          <a:fontRef idx="minor">
+            <a:schemeClr val="dk1"/>
+          </a:fontRef>
+        </p:style>
+        <p:txBody>
+          <a:bodyPr wrap="square" rtlCol="0">
+            <a:spAutoFit/>
+          </a:bodyPr>
+          <a:lstStyle/>
+          <a:p>
+            <a:pPr algn="ctr"/>
+            <a:r>
+              <a:rPr lang="en-GB" sz="1400" dirty="0"/>
+              <a:t>types$log = “modelling”</a:t>
+            </a:r>
+          </a:p>
+        </p:txBody>
+      </p:sp>
+      <p:sp>
+        <p:nvSpPr>
+          <p:cNvPr id="14" name="TextBox 13">
+            <a:extLst>
+              <a:ext uri="{FF2B5EF4-FFF2-40B4-BE49-F238E27FC236}">
+                <a16:creationId xmlns:a16="http://schemas.microsoft.com/office/drawing/2014/main" id="{AB336F58-0589-4384-A030-86BCB11977DA}"/>
+              </a:ext>
+            </a:extLst>
+          </p:cNvPr>
+          <p:cNvSpPr txBox="1"/>
+          <p:nvPr/>
+        </p:nvSpPr>
+        <p:spPr>
+          <a:xfrm>
+            <a:off x="5620639" y="2356642"/>
+            <a:ext cx="2029096" cy="307777"/>
+          </a:xfrm>
+          <a:prstGeom prst="rect">
+            <a:avLst/>
+          </a:prstGeom>
+          <a:solidFill>
+            <a:schemeClr val="accent2">
+              <a:lumMod val="40000"/>
+              <a:lumOff val="60000"/>
+            </a:schemeClr>
+          </a:solidFill>
+          <a:ln/>
+        </p:spPr>
+        <p:style>
+          <a:lnRef idx="2">
+            <a:schemeClr val="accent2"/>
+          </a:lnRef>
+          <a:fillRef idx="1">
+            <a:schemeClr val="lt1"/>
+          </a:fillRef>
+          <a:effectRef idx="0">
+            <a:schemeClr val="accent2"/>
+          </a:effectRef>
+          <a:fontRef idx="minor">
+            <a:schemeClr val="dk1"/>
+          </a:fontRef>
+        </p:style>
+        <p:txBody>
+          <a:bodyPr wrap="square" rtlCol="0">
+            <a:spAutoFit/>
+          </a:bodyPr>
+          <a:lstStyle/>
+          <a:p>
+            <a:pPr algn="ctr"/>
+            <a:r>
+              <a:rPr lang="en-GB" sz="1400" dirty="0"/>
+              <a:t>types$log = “analysis”</a:t>
+            </a:r>
+          </a:p>
+        </p:txBody>
+      </p:sp>
+      <p:sp>
+        <p:nvSpPr>
+          <p:cNvPr id="15" name="TextBox 14">
+            <a:extLst>
+              <a:ext uri="{FF2B5EF4-FFF2-40B4-BE49-F238E27FC236}">
+                <a16:creationId xmlns:a16="http://schemas.microsoft.com/office/drawing/2014/main" id="{84B273DD-6AB5-4C9A-AE94-A8205A14E16D}"/>
+              </a:ext>
+            </a:extLst>
+          </p:cNvPr>
+          <p:cNvSpPr txBox="1"/>
+          <p:nvPr/>
+        </p:nvSpPr>
+        <p:spPr>
+          <a:xfrm>
+            <a:off x="5620639" y="2697397"/>
+            <a:ext cx="2029096" cy="307777"/>
+          </a:xfrm>
+          <a:prstGeom prst="rect">
+            <a:avLst/>
+          </a:prstGeom>
+          <a:solidFill>
+            <a:schemeClr val="accent2">
+              <a:lumMod val="40000"/>
+              <a:lumOff val="60000"/>
+            </a:schemeClr>
+          </a:solidFill>
+          <a:ln/>
+        </p:spPr>
+        <p:style>
+          <a:lnRef idx="2">
+            <a:schemeClr val="accent2"/>
+          </a:lnRef>
+          <a:fillRef idx="1">
+            <a:schemeClr val="lt1"/>
+          </a:fillRef>
+          <a:effectRef idx="0">
+            <a:schemeClr val="accent2"/>
+          </a:effectRef>
+          <a:fontRef idx="minor">
+            <a:schemeClr val="dk1"/>
+          </a:fontRef>
+        </p:style>
+        <p:txBody>
+          <a:bodyPr wrap="square" rtlCol="0">
+            <a:spAutoFit/>
+          </a:bodyPr>
+          <a:lstStyle/>
+          <a:p>
+            <a:pPr algn="ctr"/>
+            <a:r>
+              <a:rPr lang="en-GB" sz="1400" dirty="0"/>
+              <a:t>types$log = “dashboard”</a:t>
+            </a:r>
+          </a:p>
+        </p:txBody>
+      </p:sp>
+      <p:sp>
+        <p:nvSpPr>
+          <p:cNvPr id="16" name="TextBox 15">
+            <a:extLst>
+              <a:ext uri="{FF2B5EF4-FFF2-40B4-BE49-F238E27FC236}">
+                <a16:creationId xmlns:a16="http://schemas.microsoft.com/office/drawing/2014/main" id="{A827479B-847F-4A51-BE4B-15FCB12F924D}"/>
+              </a:ext>
+            </a:extLst>
+          </p:cNvPr>
+          <p:cNvSpPr txBox="1"/>
+          <p:nvPr/>
+        </p:nvSpPr>
+        <p:spPr>
+          <a:xfrm>
+            <a:off x="5610333" y="3051714"/>
+            <a:ext cx="2029096" cy="307777"/>
+          </a:xfrm>
+          <a:prstGeom prst="rect">
+            <a:avLst/>
+          </a:prstGeom>
+          <a:solidFill>
+            <a:schemeClr val="accent2">
+              <a:lumMod val="40000"/>
+              <a:lumOff val="60000"/>
+            </a:schemeClr>
+          </a:solidFill>
+          <a:ln/>
+        </p:spPr>
+        <p:style>
+          <a:lnRef idx="2">
+            <a:schemeClr val="accent2"/>
+          </a:lnRef>
+          <a:fillRef idx="1">
+            <a:schemeClr val="lt1"/>
+          </a:fillRef>
+          <a:effectRef idx="0">
+            <a:schemeClr val="accent2"/>
+          </a:effectRef>
+          <a:fontRef idx="minor">
+            <a:schemeClr val="dk1"/>
+          </a:fontRef>
+        </p:style>
+        <p:txBody>
+          <a:bodyPr wrap="square" rtlCol="0">
+            <a:spAutoFit/>
+          </a:bodyPr>
+          <a:lstStyle/>
+          <a:p>
+            <a:pPr algn="ctr"/>
+            <a:r>
+              <a:rPr lang="en-GB" sz="1400" dirty="0"/>
+              <a:t>types$log = “statistics”</a:t>
+            </a:r>
+          </a:p>
+        </p:txBody>
+      </p:sp>
+      <p:sp>
+        <p:nvSpPr>
+          <p:cNvPr id="17" name="TextBox 16">
+            <a:extLst>
+              <a:ext uri="{FF2B5EF4-FFF2-40B4-BE49-F238E27FC236}">
+                <a16:creationId xmlns:a16="http://schemas.microsoft.com/office/drawing/2014/main" id="{A14DFB68-A714-4332-9017-A93997054343}"/>
+              </a:ext>
+            </a:extLst>
+          </p:cNvPr>
+          <p:cNvSpPr txBox="1"/>
+          <p:nvPr/>
+        </p:nvSpPr>
+        <p:spPr>
+          <a:xfrm>
+            <a:off x="10105208" y="704634"/>
+            <a:ext cx="1624149" cy="307777"/>
+          </a:xfrm>
+          <a:prstGeom prst="rect">
+            <a:avLst/>
+          </a:prstGeom>
+          <a:solidFill>
+            <a:schemeClr val="accent2">
+              <a:lumMod val="40000"/>
+              <a:lumOff val="60000"/>
+            </a:schemeClr>
+          </a:solidFill>
+          <a:ln/>
+        </p:spPr>
+        <p:style>
+          <a:lnRef idx="2">
+            <a:schemeClr val="accent2"/>
+          </a:lnRef>
+          <a:fillRef idx="1">
+            <a:schemeClr val="lt1"/>
+          </a:fillRef>
+          <a:effectRef idx="0">
+            <a:schemeClr val="accent2"/>
+          </a:effectRef>
+          <a:fontRef idx="minor">
+            <a:schemeClr val="dk1"/>
+          </a:fontRef>
+        </p:style>
+        <p:txBody>
+          <a:bodyPr wrap="square" rtlCol="0">
+            <a:spAutoFit/>
+          </a:bodyPr>
+          <a:lstStyle/>
+          <a:p>
+            <a:pPr algn="ctr"/>
+            <a:r>
+              <a:rPr lang="en-GB" sz="1400" dirty="0"/>
+              <a:t>types$log = “blank”</a:t>
+            </a:r>
+          </a:p>
+        </p:txBody>
+      </p:sp>
+      <p:sp>
+        <p:nvSpPr>
+          <p:cNvPr id="18" name="TextBox 17">
+            <a:extLst>
+              <a:ext uri="{FF2B5EF4-FFF2-40B4-BE49-F238E27FC236}">
+                <a16:creationId xmlns:a16="http://schemas.microsoft.com/office/drawing/2014/main" id="{D1E8EEAF-9F67-44CF-BD1B-838CFCA3259D}"/>
+              </a:ext>
+            </a:extLst>
+          </p:cNvPr>
+          <p:cNvSpPr txBox="1"/>
+          <p:nvPr/>
+        </p:nvSpPr>
+        <p:spPr>
+          <a:xfrm>
+            <a:off x="8708571" y="39765"/>
+            <a:ext cx="3396344" cy="923330"/>
+          </a:xfrm>
+          <a:prstGeom prst="rect">
+            <a:avLst/>
+          </a:prstGeom>
+          <a:noFill/>
+        </p:spPr>
+        <p:txBody>
+          <a:bodyPr wrap="square" rtlCol="0">
+            <a:spAutoFit/>
+          </a:bodyPr>
+          <a:lstStyle/>
+          <a:p>
+            <a:r>
+              <a:rPr lang="en-GB" dirty="0"/>
+              <a:t>We have a list “types” containing the reactive value “log”. Initially this is set to:</a:t>
+            </a:r>
+          </a:p>
+        </p:txBody>
+      </p:sp>
+      <p:cxnSp>
+        <p:nvCxnSpPr>
+          <p:cNvPr id="20" name="Straight Arrow Connector 19">
+            <a:extLst>
+              <a:ext uri="{FF2B5EF4-FFF2-40B4-BE49-F238E27FC236}">
+                <a16:creationId xmlns:a16="http://schemas.microsoft.com/office/drawing/2014/main" id="{E1EC3416-0111-41F4-8815-190FA1CCB00A}"/>
+              </a:ext>
+            </a:extLst>
+          </p:cNvPr>
+          <p:cNvCxnSpPr>
+            <a:stCxn id="4" idx="2"/>
+            <a:endCxn id="7" idx="0"/>
+          </p:cNvCxnSpPr>
+          <p:nvPr/>
+        </p:nvCxnSpPr>
+        <p:spPr>
+          <a:xfrm>
+            <a:off x="1471749" y="2337019"/>
+            <a:ext cx="0" cy="184039"/>
+          </a:xfrm>
+          <a:prstGeom prst="straightConnector1">
+            <a:avLst/>
+          </a:prstGeom>
+          <a:ln>
+            <a:solidFill>
+              <a:schemeClr val="accent6">
+                <a:lumMod val="75000"/>
+              </a:schemeClr>
+            </a:solidFill>
+            <a:tailEnd type="triangle"/>
+          </a:ln>
+        </p:spPr>
+        <p:style>
+          <a:lnRef idx="1">
+            <a:schemeClr val="accent1"/>
+          </a:lnRef>
+          <a:fillRef idx="0">
+            <a:schemeClr val="accent1"/>
+          </a:fillRef>
+          <a:effectRef idx="0">
+            <a:schemeClr val="accent1"/>
+          </a:effectRef>
+          <a:fontRef idx="minor">
+            <a:schemeClr val="tx1"/>
+          </a:fontRef>
+        </p:style>
+      </p:cxnSp>
+      <p:cxnSp>
+        <p:nvCxnSpPr>
+          <p:cNvPr id="21" name="Straight Arrow Connector 20">
+            <a:extLst>
+              <a:ext uri="{FF2B5EF4-FFF2-40B4-BE49-F238E27FC236}">
+                <a16:creationId xmlns:a16="http://schemas.microsoft.com/office/drawing/2014/main" id="{BD198D8D-0330-42B3-84BC-0821E8CC894D}"/>
+              </a:ext>
+            </a:extLst>
+          </p:cNvPr>
+          <p:cNvCxnSpPr>
+            <a:cxnSpLocks/>
+            <a:stCxn id="7" idx="3"/>
+            <a:endCxn id="8" idx="1"/>
+          </p:cNvCxnSpPr>
+          <p:nvPr/>
+        </p:nvCxnSpPr>
+        <p:spPr>
+          <a:xfrm flipV="1">
+            <a:off x="2246811" y="2290853"/>
+            <a:ext cx="526870" cy="384094"/>
+          </a:xfrm>
+          <a:prstGeom prst="straightConnector1">
+            <a:avLst/>
+          </a:prstGeom>
+          <a:ln>
+            <a:solidFill>
+              <a:schemeClr val="accent6">
+                <a:lumMod val="75000"/>
+              </a:schemeClr>
+            </a:solidFill>
+            <a:tailEnd type="triangle"/>
+          </a:ln>
+        </p:spPr>
+        <p:style>
+          <a:lnRef idx="1">
+            <a:schemeClr val="accent1"/>
+          </a:lnRef>
+          <a:fillRef idx="0">
+            <a:schemeClr val="accent1"/>
+          </a:fillRef>
+          <a:effectRef idx="0">
+            <a:schemeClr val="accent1"/>
+          </a:effectRef>
+          <a:fontRef idx="minor">
+            <a:schemeClr val="tx1"/>
+          </a:fontRef>
+        </p:style>
+      </p:cxnSp>
+      <p:cxnSp>
+        <p:nvCxnSpPr>
+          <p:cNvPr id="24" name="Straight Arrow Connector 23">
+            <a:extLst>
+              <a:ext uri="{FF2B5EF4-FFF2-40B4-BE49-F238E27FC236}">
+                <a16:creationId xmlns:a16="http://schemas.microsoft.com/office/drawing/2014/main" id="{7268C221-70CD-4883-8406-7C85B494453B}"/>
+              </a:ext>
+            </a:extLst>
+          </p:cNvPr>
+          <p:cNvCxnSpPr>
+            <a:cxnSpLocks/>
+            <a:stCxn id="9" idx="3"/>
+            <a:endCxn id="75" idx="1"/>
+          </p:cNvCxnSpPr>
+          <p:nvPr/>
+        </p:nvCxnSpPr>
+        <p:spPr>
+          <a:xfrm>
+            <a:off x="4323806" y="3200916"/>
+            <a:ext cx="835543" cy="15516"/>
+          </a:xfrm>
+          <a:prstGeom prst="straightConnector1">
+            <a:avLst/>
+          </a:prstGeom>
+          <a:ln>
+            <a:solidFill>
+              <a:schemeClr val="accent6">
+                <a:lumMod val="75000"/>
+              </a:schemeClr>
+            </a:solidFill>
+            <a:tailEnd type="triangle"/>
+          </a:ln>
+        </p:spPr>
+        <p:style>
+          <a:lnRef idx="1">
+            <a:schemeClr val="accent1"/>
+          </a:lnRef>
+          <a:fillRef idx="0">
+            <a:schemeClr val="accent1"/>
+          </a:fillRef>
+          <a:effectRef idx="0">
+            <a:schemeClr val="accent1"/>
+          </a:effectRef>
+          <a:fontRef idx="minor">
+            <a:schemeClr val="tx1"/>
+          </a:fontRef>
+        </p:style>
+      </p:cxnSp>
+      <p:cxnSp>
+        <p:nvCxnSpPr>
+          <p:cNvPr id="27" name="Straight Arrow Connector 26">
+            <a:extLst>
+              <a:ext uri="{FF2B5EF4-FFF2-40B4-BE49-F238E27FC236}">
+                <a16:creationId xmlns:a16="http://schemas.microsoft.com/office/drawing/2014/main" id="{5D9F69C5-5744-44C9-B801-238A523C3D38}"/>
+              </a:ext>
+            </a:extLst>
+          </p:cNvPr>
+          <p:cNvCxnSpPr>
+            <a:cxnSpLocks/>
+            <a:stCxn id="10" idx="3"/>
+            <a:endCxn id="75" idx="1"/>
+          </p:cNvCxnSpPr>
+          <p:nvPr/>
+        </p:nvCxnSpPr>
+        <p:spPr>
+          <a:xfrm flipV="1">
+            <a:off x="4323806" y="3216432"/>
+            <a:ext cx="835543" cy="479049"/>
+          </a:xfrm>
+          <a:prstGeom prst="straightConnector1">
+            <a:avLst/>
+          </a:prstGeom>
+          <a:ln>
+            <a:solidFill>
+              <a:schemeClr val="accent6">
+                <a:lumMod val="75000"/>
+              </a:schemeClr>
+            </a:solidFill>
+            <a:tailEnd type="triangle"/>
+          </a:ln>
+        </p:spPr>
+        <p:style>
+          <a:lnRef idx="1">
+            <a:schemeClr val="accent1"/>
+          </a:lnRef>
+          <a:fillRef idx="0">
+            <a:schemeClr val="accent1"/>
+          </a:fillRef>
+          <a:effectRef idx="0">
+            <a:schemeClr val="accent1"/>
+          </a:effectRef>
+          <a:fontRef idx="minor">
+            <a:schemeClr val="tx1"/>
+          </a:fontRef>
+        </p:style>
+      </p:cxnSp>
+      <p:cxnSp>
+        <p:nvCxnSpPr>
+          <p:cNvPr id="30" name="Straight Arrow Connector 29">
+            <a:extLst>
+              <a:ext uri="{FF2B5EF4-FFF2-40B4-BE49-F238E27FC236}">
+                <a16:creationId xmlns:a16="http://schemas.microsoft.com/office/drawing/2014/main" id="{67EABDA4-4127-46FF-80C1-C019ACACBF86}"/>
+              </a:ext>
+            </a:extLst>
+          </p:cNvPr>
+          <p:cNvCxnSpPr>
+            <a:cxnSpLocks/>
+            <a:stCxn id="11" idx="3"/>
+            <a:endCxn id="75" idx="1"/>
+          </p:cNvCxnSpPr>
+          <p:nvPr/>
+        </p:nvCxnSpPr>
+        <p:spPr>
+          <a:xfrm flipV="1">
+            <a:off x="4323805" y="3216432"/>
+            <a:ext cx="835544" cy="935218"/>
+          </a:xfrm>
+          <a:prstGeom prst="straightConnector1">
+            <a:avLst/>
+          </a:prstGeom>
+          <a:ln>
+            <a:solidFill>
+              <a:schemeClr val="accent6">
+                <a:lumMod val="75000"/>
+              </a:schemeClr>
+            </a:solidFill>
+            <a:tailEnd type="triangle"/>
+          </a:ln>
+        </p:spPr>
+        <p:style>
+          <a:lnRef idx="1">
+            <a:schemeClr val="accent1"/>
+          </a:lnRef>
+          <a:fillRef idx="0">
+            <a:schemeClr val="accent1"/>
+          </a:fillRef>
+          <a:effectRef idx="0">
+            <a:schemeClr val="accent1"/>
+          </a:effectRef>
+          <a:fontRef idx="minor">
+            <a:schemeClr val="tx1"/>
+          </a:fontRef>
+        </p:style>
+      </p:cxnSp>
+      <p:cxnSp>
+        <p:nvCxnSpPr>
+          <p:cNvPr id="33" name="Straight Arrow Connector 32">
+            <a:extLst>
+              <a:ext uri="{FF2B5EF4-FFF2-40B4-BE49-F238E27FC236}">
+                <a16:creationId xmlns:a16="http://schemas.microsoft.com/office/drawing/2014/main" id="{08A45BCA-AAD7-4787-A0A0-AED42946701B}"/>
+              </a:ext>
+            </a:extLst>
+          </p:cNvPr>
+          <p:cNvCxnSpPr>
+            <a:cxnSpLocks/>
+            <a:stCxn id="12" idx="3"/>
+            <a:endCxn id="75" idx="1"/>
+          </p:cNvCxnSpPr>
+          <p:nvPr/>
+        </p:nvCxnSpPr>
+        <p:spPr>
+          <a:xfrm flipV="1">
+            <a:off x="4323804" y="3216432"/>
+            <a:ext cx="835545" cy="1414394"/>
+          </a:xfrm>
+          <a:prstGeom prst="straightConnector1">
+            <a:avLst/>
+          </a:prstGeom>
+          <a:ln>
+            <a:solidFill>
+              <a:schemeClr val="accent6">
+                <a:lumMod val="75000"/>
+              </a:schemeClr>
+            </a:solidFill>
+            <a:tailEnd type="triangle"/>
+          </a:ln>
+        </p:spPr>
+        <p:style>
+          <a:lnRef idx="1">
+            <a:schemeClr val="accent1"/>
+          </a:lnRef>
+          <a:fillRef idx="0">
+            <a:schemeClr val="accent1"/>
+          </a:fillRef>
+          <a:effectRef idx="0">
+            <a:schemeClr val="accent1"/>
+          </a:effectRef>
+          <a:fontRef idx="minor">
+            <a:schemeClr val="tx1"/>
+          </a:fontRef>
+        </p:style>
+      </p:cxnSp>
+      <p:sp>
+        <p:nvSpPr>
+          <p:cNvPr id="36" name="TextBox 35">
+            <a:extLst>
+              <a:ext uri="{FF2B5EF4-FFF2-40B4-BE49-F238E27FC236}">
+                <a16:creationId xmlns:a16="http://schemas.microsoft.com/office/drawing/2014/main" id="{16C34F4E-1DFC-4FF6-94B4-F9E7667D5103}"/>
+              </a:ext>
+            </a:extLst>
+          </p:cNvPr>
+          <p:cNvSpPr txBox="1"/>
+          <p:nvPr/>
+        </p:nvSpPr>
+        <p:spPr>
+          <a:xfrm>
+            <a:off x="8708571" y="1111043"/>
+            <a:ext cx="3587932" cy="923330"/>
+          </a:xfrm>
+          <a:prstGeom prst="rect">
+            <a:avLst/>
+          </a:prstGeom>
+          <a:noFill/>
+        </p:spPr>
+        <p:txBody>
+          <a:bodyPr wrap="square" rtlCol="0">
+            <a:spAutoFit/>
+          </a:bodyPr>
+          <a:lstStyle/>
+          <a:p>
+            <a:r>
+              <a:rPr lang="en-GB" dirty="0"/>
+              <a:t>Similarly, lists “unsure” and “</a:t>
+            </a:r>
+            <a:r>
+              <a:rPr lang="en-GB" dirty="0" err="1"/>
+              <a:t>nexttab</a:t>
+            </a:r>
+            <a:r>
+              <a:rPr lang="en-GB" dirty="0"/>
+              <a:t>” containing reactive value “log”</a:t>
+            </a:r>
+          </a:p>
+        </p:txBody>
+      </p:sp>
+      <p:sp>
+        <p:nvSpPr>
+          <p:cNvPr id="37" name="TextBox 36">
+            <a:extLst>
+              <a:ext uri="{FF2B5EF4-FFF2-40B4-BE49-F238E27FC236}">
+                <a16:creationId xmlns:a16="http://schemas.microsoft.com/office/drawing/2014/main" id="{7F2658CB-A2F5-4EE3-BD05-5AB8CF8AA9C4}"/>
+              </a:ext>
+            </a:extLst>
+          </p:cNvPr>
+          <p:cNvSpPr txBox="1"/>
+          <p:nvPr/>
+        </p:nvSpPr>
+        <p:spPr>
+          <a:xfrm>
+            <a:off x="9827178" y="1730393"/>
+            <a:ext cx="1786146" cy="307777"/>
+          </a:xfrm>
+          <a:prstGeom prst="rect">
+            <a:avLst/>
+          </a:prstGeom>
+          <a:solidFill>
+            <a:schemeClr val="bg1">
+              <a:lumMod val="75000"/>
+            </a:schemeClr>
+          </a:solidFill>
+          <a:ln/>
+        </p:spPr>
+        <p:style>
+          <a:lnRef idx="2">
+            <a:schemeClr val="dk1"/>
+          </a:lnRef>
+          <a:fillRef idx="1">
+            <a:schemeClr val="lt1"/>
+          </a:fillRef>
+          <a:effectRef idx="0">
+            <a:schemeClr val="dk1"/>
+          </a:effectRef>
+          <a:fontRef idx="minor">
+            <a:schemeClr val="dk1"/>
+          </a:fontRef>
+        </p:style>
+        <p:txBody>
+          <a:bodyPr wrap="square" rtlCol="0">
+            <a:spAutoFit/>
+          </a:bodyPr>
+          <a:lstStyle/>
+          <a:p>
+            <a:pPr algn="ctr"/>
+            <a:r>
+              <a:rPr lang="en-GB" sz="1400" dirty="0"/>
+              <a:t>unsure$log = “blank”</a:t>
+            </a:r>
+          </a:p>
+        </p:txBody>
+      </p:sp>
+      <p:sp>
+        <p:nvSpPr>
+          <p:cNvPr id="38" name="TextBox 37">
+            <a:extLst>
+              <a:ext uri="{FF2B5EF4-FFF2-40B4-BE49-F238E27FC236}">
+                <a16:creationId xmlns:a16="http://schemas.microsoft.com/office/drawing/2014/main" id="{69744C9A-7330-4B30-97F0-639F12C07D51}"/>
+              </a:ext>
+            </a:extLst>
+          </p:cNvPr>
+          <p:cNvSpPr txBox="1"/>
+          <p:nvPr/>
+        </p:nvSpPr>
+        <p:spPr>
+          <a:xfrm>
+            <a:off x="9827178" y="2136802"/>
+            <a:ext cx="1786146" cy="307777"/>
+          </a:xfrm>
+          <a:prstGeom prst="rect">
+            <a:avLst/>
+          </a:prstGeom>
+          <a:solidFill>
+            <a:schemeClr val="accent6">
+              <a:lumMod val="60000"/>
+              <a:lumOff val="40000"/>
+            </a:schemeClr>
+          </a:solidFill>
+          <a:ln/>
+        </p:spPr>
+        <p:style>
+          <a:lnRef idx="2">
+            <a:schemeClr val="accent6"/>
+          </a:lnRef>
+          <a:fillRef idx="1">
+            <a:schemeClr val="lt1"/>
+          </a:fillRef>
+          <a:effectRef idx="0">
+            <a:schemeClr val="accent6"/>
+          </a:effectRef>
+          <a:fontRef idx="minor">
+            <a:schemeClr val="dk1"/>
+          </a:fontRef>
+        </p:style>
+        <p:txBody>
+          <a:bodyPr wrap="square" rtlCol="0">
+            <a:spAutoFit/>
+          </a:bodyPr>
+          <a:lstStyle/>
+          <a:p>
+            <a:pPr algn="ctr"/>
+            <a:r>
+              <a:rPr lang="en-GB" sz="1400" dirty="0"/>
+              <a:t>nexttab$log = “blank”</a:t>
+            </a:r>
+          </a:p>
+        </p:txBody>
+      </p:sp>
+      <p:sp>
+        <p:nvSpPr>
+          <p:cNvPr id="40" name="TextBox 39">
+            <a:extLst>
+              <a:ext uri="{FF2B5EF4-FFF2-40B4-BE49-F238E27FC236}">
+                <a16:creationId xmlns:a16="http://schemas.microsoft.com/office/drawing/2014/main" id="{005D8B23-0218-4D8C-AE42-CBD26E9B42D6}"/>
+              </a:ext>
+            </a:extLst>
+          </p:cNvPr>
+          <p:cNvSpPr txBox="1"/>
+          <p:nvPr/>
+        </p:nvSpPr>
+        <p:spPr>
+          <a:xfrm>
+            <a:off x="2773678" y="4915987"/>
+            <a:ext cx="1550125" cy="276999"/>
+          </a:xfrm>
+          <a:prstGeom prst="rect">
+            <a:avLst/>
+          </a:prstGeom>
+          <a:solidFill>
+            <a:schemeClr val="accent1">
+              <a:lumMod val="40000"/>
+              <a:lumOff val="60000"/>
+            </a:schemeClr>
+          </a:solidFill>
+          <a:ln/>
+        </p:spPr>
+        <p:style>
+          <a:lnRef idx="2">
+            <a:schemeClr val="accent1"/>
+          </a:lnRef>
+          <a:fillRef idx="1">
+            <a:schemeClr val="lt1"/>
+          </a:fillRef>
+          <a:effectRef idx="0">
+            <a:schemeClr val="accent1"/>
+          </a:effectRef>
+          <a:fontRef idx="minor">
+            <a:schemeClr val="dk1"/>
+          </a:fontRef>
+        </p:style>
+        <p:txBody>
+          <a:bodyPr wrap="square" rtlCol="0">
+            <a:spAutoFit/>
+          </a:bodyPr>
+          <a:lstStyle/>
+          <a:p>
+            <a:pPr algn="ctr"/>
+            <a:r>
+              <a:rPr lang="en-GB" sz="1200" dirty="0"/>
+              <a:t>Unsure which to use?</a:t>
+            </a:r>
+          </a:p>
+        </p:txBody>
+      </p:sp>
+      <p:sp>
+        <p:nvSpPr>
+          <p:cNvPr id="41" name="TextBox 40">
+            <a:extLst>
+              <a:ext uri="{FF2B5EF4-FFF2-40B4-BE49-F238E27FC236}">
+                <a16:creationId xmlns:a16="http://schemas.microsoft.com/office/drawing/2014/main" id="{33FFB747-35D4-4ABE-A7BE-0CCEB1455685}"/>
+              </a:ext>
+            </a:extLst>
+          </p:cNvPr>
+          <p:cNvSpPr txBox="1"/>
+          <p:nvPr/>
+        </p:nvSpPr>
+        <p:spPr>
+          <a:xfrm>
+            <a:off x="4545874" y="4900597"/>
+            <a:ext cx="2029095" cy="307777"/>
+          </a:xfrm>
+          <a:prstGeom prst="rect">
+            <a:avLst/>
+          </a:prstGeom>
+          <a:solidFill>
+            <a:schemeClr val="bg1">
+              <a:lumMod val="75000"/>
+            </a:schemeClr>
+          </a:solidFill>
+          <a:ln/>
+        </p:spPr>
+        <p:style>
+          <a:lnRef idx="2">
+            <a:schemeClr val="dk1"/>
+          </a:lnRef>
+          <a:fillRef idx="1">
+            <a:schemeClr val="lt1"/>
+          </a:fillRef>
+          <a:effectRef idx="0">
+            <a:schemeClr val="dk1"/>
+          </a:effectRef>
+          <a:fontRef idx="minor">
+            <a:schemeClr val="dk1"/>
+          </a:fontRef>
+        </p:style>
+        <p:txBody>
+          <a:bodyPr wrap="square" rtlCol="0">
+            <a:spAutoFit/>
+          </a:bodyPr>
+          <a:lstStyle/>
+          <a:p>
+            <a:pPr algn="ctr"/>
+            <a:r>
+              <a:rPr lang="en-GB" sz="1400" dirty="0"/>
+              <a:t>unsure$log = “unsure”</a:t>
+            </a:r>
+          </a:p>
+        </p:txBody>
+      </p:sp>
+      <p:cxnSp>
+        <p:nvCxnSpPr>
+          <p:cNvPr id="42" name="Straight Arrow Connector 41">
+            <a:extLst>
+              <a:ext uri="{FF2B5EF4-FFF2-40B4-BE49-F238E27FC236}">
+                <a16:creationId xmlns:a16="http://schemas.microsoft.com/office/drawing/2014/main" id="{EB2440EE-BAF4-4C3D-8E5F-24348894A1CD}"/>
+              </a:ext>
+            </a:extLst>
+          </p:cNvPr>
+          <p:cNvCxnSpPr>
+            <a:cxnSpLocks/>
+            <a:stCxn id="40" idx="3"/>
+            <a:endCxn id="41" idx="1"/>
+          </p:cNvCxnSpPr>
+          <p:nvPr/>
+        </p:nvCxnSpPr>
+        <p:spPr>
+          <a:xfrm flipV="1">
+            <a:off x="4323803" y="5054486"/>
+            <a:ext cx="222071" cy="1"/>
+          </a:xfrm>
+          <a:prstGeom prst="straightConnector1">
+            <a:avLst/>
+          </a:prstGeom>
+          <a:ln>
+            <a:solidFill>
+              <a:schemeClr val="accent6">
+                <a:lumMod val="75000"/>
+              </a:schemeClr>
+            </a:solidFill>
+            <a:tailEnd type="triangle"/>
+          </a:ln>
+        </p:spPr>
+        <p:style>
+          <a:lnRef idx="1">
+            <a:schemeClr val="accent1"/>
+          </a:lnRef>
+          <a:fillRef idx="0">
+            <a:schemeClr val="accent1"/>
+          </a:fillRef>
+          <a:effectRef idx="0">
+            <a:schemeClr val="accent1"/>
+          </a:effectRef>
+          <a:fontRef idx="minor">
+            <a:schemeClr val="tx1"/>
+          </a:fontRef>
+        </p:style>
+      </p:cxnSp>
+      <p:sp>
+        <p:nvSpPr>
+          <p:cNvPr id="47" name="TextBox 46">
+            <a:extLst>
+              <a:ext uri="{FF2B5EF4-FFF2-40B4-BE49-F238E27FC236}">
+                <a16:creationId xmlns:a16="http://schemas.microsoft.com/office/drawing/2014/main" id="{78D98E45-FAA5-49DF-A266-69AE4A4A516D}"/>
+              </a:ext>
+            </a:extLst>
+          </p:cNvPr>
+          <p:cNvSpPr txBox="1"/>
+          <p:nvPr/>
+        </p:nvSpPr>
+        <p:spPr>
+          <a:xfrm>
+            <a:off x="2772454" y="5272585"/>
+            <a:ext cx="1550125" cy="276999"/>
+          </a:xfrm>
+          <a:prstGeom prst="rect">
+            <a:avLst/>
+          </a:prstGeom>
+          <a:solidFill>
+            <a:schemeClr val="accent1">
+              <a:lumMod val="40000"/>
+              <a:lumOff val="60000"/>
+            </a:schemeClr>
+          </a:solidFill>
+          <a:ln/>
+        </p:spPr>
+        <p:style>
+          <a:lnRef idx="2">
+            <a:schemeClr val="accent1"/>
+          </a:lnRef>
+          <a:fillRef idx="1">
+            <a:schemeClr val="lt1"/>
+          </a:fillRef>
+          <a:effectRef idx="0">
+            <a:schemeClr val="accent1"/>
+          </a:effectRef>
+          <a:fontRef idx="minor">
+            <a:schemeClr val="dk1"/>
+          </a:fontRef>
+        </p:style>
+        <p:txBody>
+          <a:bodyPr wrap="square" rtlCol="0">
+            <a:spAutoFit/>
+          </a:bodyPr>
+          <a:lstStyle/>
+          <a:p>
+            <a:pPr algn="ctr"/>
+            <a:r>
+              <a:rPr lang="en-GB" sz="1200" dirty="0"/>
+              <a:t>Back</a:t>
+            </a:r>
+          </a:p>
+        </p:txBody>
+      </p:sp>
+      <p:sp>
+        <p:nvSpPr>
+          <p:cNvPr id="48" name="TextBox 47">
+            <a:extLst>
+              <a:ext uri="{FF2B5EF4-FFF2-40B4-BE49-F238E27FC236}">
+                <a16:creationId xmlns:a16="http://schemas.microsoft.com/office/drawing/2014/main" id="{4EC75249-17DB-4826-B4F1-A00F87BD893D}"/>
+              </a:ext>
+            </a:extLst>
+          </p:cNvPr>
+          <p:cNvSpPr txBox="1"/>
+          <p:nvPr/>
+        </p:nvSpPr>
+        <p:spPr>
+          <a:xfrm>
+            <a:off x="4545874" y="5282591"/>
+            <a:ext cx="2029096" cy="307777"/>
+          </a:xfrm>
+          <a:prstGeom prst="rect">
+            <a:avLst/>
+          </a:prstGeom>
+          <a:solidFill>
+            <a:schemeClr val="accent2">
+              <a:lumMod val="40000"/>
+              <a:lumOff val="60000"/>
+            </a:schemeClr>
+          </a:solidFill>
+          <a:ln/>
+        </p:spPr>
+        <p:style>
+          <a:lnRef idx="2">
+            <a:schemeClr val="accent2"/>
+          </a:lnRef>
+          <a:fillRef idx="1">
+            <a:schemeClr val="lt1"/>
+          </a:fillRef>
+          <a:effectRef idx="0">
+            <a:schemeClr val="accent2"/>
+          </a:effectRef>
+          <a:fontRef idx="minor">
+            <a:schemeClr val="dk1"/>
+          </a:fontRef>
+        </p:style>
+        <p:txBody>
+          <a:bodyPr wrap="square" rtlCol="0">
+            <a:spAutoFit/>
+          </a:bodyPr>
+          <a:lstStyle/>
+          <a:p>
+            <a:pPr algn="ctr"/>
+            <a:r>
+              <a:rPr lang="en-GB" sz="1400" dirty="0"/>
+              <a:t>types$log = “blank”</a:t>
+            </a:r>
+          </a:p>
+        </p:txBody>
+      </p:sp>
+      <p:sp>
+        <p:nvSpPr>
+          <p:cNvPr id="49" name="TextBox 48">
+            <a:extLst>
+              <a:ext uri="{FF2B5EF4-FFF2-40B4-BE49-F238E27FC236}">
+                <a16:creationId xmlns:a16="http://schemas.microsoft.com/office/drawing/2014/main" id="{E57592E2-6682-4783-AEA3-7FD8ADC1094E}"/>
+              </a:ext>
+            </a:extLst>
+          </p:cNvPr>
+          <p:cNvSpPr txBox="1"/>
+          <p:nvPr/>
+        </p:nvSpPr>
+        <p:spPr>
+          <a:xfrm>
+            <a:off x="4545873" y="5644485"/>
+            <a:ext cx="2029095" cy="307777"/>
+          </a:xfrm>
+          <a:prstGeom prst="rect">
+            <a:avLst/>
+          </a:prstGeom>
+          <a:solidFill>
+            <a:schemeClr val="bg1">
+              <a:lumMod val="75000"/>
+            </a:schemeClr>
+          </a:solidFill>
+          <a:ln/>
+        </p:spPr>
+        <p:style>
+          <a:lnRef idx="2">
+            <a:schemeClr val="dk1"/>
+          </a:lnRef>
+          <a:fillRef idx="1">
+            <a:schemeClr val="lt1"/>
+          </a:fillRef>
+          <a:effectRef idx="0">
+            <a:schemeClr val="dk1"/>
+          </a:effectRef>
+          <a:fontRef idx="minor">
+            <a:schemeClr val="dk1"/>
+          </a:fontRef>
+        </p:style>
+        <p:txBody>
+          <a:bodyPr wrap="square" rtlCol="0">
+            <a:spAutoFit/>
+          </a:bodyPr>
+          <a:lstStyle/>
+          <a:p>
+            <a:pPr algn="ctr"/>
+            <a:r>
+              <a:rPr lang="en-GB" sz="1400" dirty="0"/>
+              <a:t>unsure$log = “blank”</a:t>
+            </a:r>
+          </a:p>
+        </p:txBody>
+      </p:sp>
+      <p:cxnSp>
+        <p:nvCxnSpPr>
+          <p:cNvPr id="50" name="Straight Arrow Connector 49">
+            <a:extLst>
+              <a:ext uri="{FF2B5EF4-FFF2-40B4-BE49-F238E27FC236}">
+                <a16:creationId xmlns:a16="http://schemas.microsoft.com/office/drawing/2014/main" id="{FBACE2DF-53FE-4164-9871-4D7493978D59}"/>
+              </a:ext>
+            </a:extLst>
+          </p:cNvPr>
+          <p:cNvCxnSpPr>
+            <a:cxnSpLocks/>
+            <a:stCxn id="47" idx="3"/>
+            <a:endCxn id="48" idx="1"/>
+          </p:cNvCxnSpPr>
+          <p:nvPr/>
+        </p:nvCxnSpPr>
+        <p:spPr>
+          <a:xfrm>
+            <a:off x="4322579" y="5411085"/>
+            <a:ext cx="223295" cy="25395"/>
+          </a:xfrm>
+          <a:prstGeom prst="straightConnector1">
+            <a:avLst/>
+          </a:prstGeom>
+          <a:ln>
+            <a:solidFill>
+              <a:schemeClr val="accent6">
+                <a:lumMod val="75000"/>
+              </a:schemeClr>
+            </a:solidFill>
+            <a:tailEnd type="triangle"/>
+          </a:ln>
+        </p:spPr>
+        <p:style>
+          <a:lnRef idx="1">
+            <a:schemeClr val="accent1"/>
+          </a:lnRef>
+          <a:fillRef idx="0">
+            <a:schemeClr val="accent1"/>
+          </a:fillRef>
+          <a:effectRef idx="0">
+            <a:schemeClr val="accent1"/>
+          </a:effectRef>
+          <a:fontRef idx="minor">
+            <a:schemeClr val="tx1"/>
+          </a:fontRef>
+        </p:style>
+      </p:cxnSp>
+      <p:cxnSp>
+        <p:nvCxnSpPr>
+          <p:cNvPr id="53" name="Straight Arrow Connector 52">
+            <a:extLst>
+              <a:ext uri="{FF2B5EF4-FFF2-40B4-BE49-F238E27FC236}">
+                <a16:creationId xmlns:a16="http://schemas.microsoft.com/office/drawing/2014/main" id="{D9B308F4-6894-45FE-BB6D-F72F234DF19F}"/>
+              </a:ext>
+            </a:extLst>
+          </p:cNvPr>
+          <p:cNvCxnSpPr>
+            <a:cxnSpLocks/>
+            <a:endCxn id="49" idx="1"/>
+          </p:cNvCxnSpPr>
+          <p:nvPr/>
+        </p:nvCxnSpPr>
+        <p:spPr>
+          <a:xfrm>
+            <a:off x="4322579" y="5423782"/>
+            <a:ext cx="223294" cy="374592"/>
+          </a:xfrm>
+          <a:prstGeom prst="straightConnector1">
+            <a:avLst/>
+          </a:prstGeom>
+          <a:ln>
+            <a:solidFill>
+              <a:schemeClr val="accent6">
+                <a:lumMod val="75000"/>
+              </a:schemeClr>
+            </a:solidFill>
+            <a:tailEnd type="triangle"/>
+          </a:ln>
+        </p:spPr>
+        <p:style>
+          <a:lnRef idx="1">
+            <a:schemeClr val="accent1"/>
+          </a:lnRef>
+          <a:fillRef idx="0">
+            <a:schemeClr val="accent1"/>
+          </a:fillRef>
+          <a:effectRef idx="0">
+            <a:schemeClr val="accent1"/>
+          </a:effectRef>
+          <a:fontRef idx="minor">
+            <a:schemeClr val="tx1"/>
+          </a:fontRef>
+        </p:style>
+      </p:cxnSp>
+      <p:cxnSp>
+        <p:nvCxnSpPr>
+          <p:cNvPr id="58" name="Connector: Elbow 57">
+            <a:extLst>
+              <a:ext uri="{FF2B5EF4-FFF2-40B4-BE49-F238E27FC236}">
+                <a16:creationId xmlns:a16="http://schemas.microsoft.com/office/drawing/2014/main" id="{C25370D8-6AE0-4AAC-98B4-F06569E09116}"/>
+              </a:ext>
+            </a:extLst>
+          </p:cNvPr>
+          <p:cNvCxnSpPr>
+            <a:cxnSpLocks/>
+            <a:stCxn id="56" idx="2"/>
+            <a:endCxn id="4" idx="1"/>
+          </p:cNvCxnSpPr>
+          <p:nvPr/>
+        </p:nvCxnSpPr>
+        <p:spPr>
+          <a:xfrm rot="5400000" flipH="1">
+            <a:off x="1138576" y="1571964"/>
+            <a:ext cx="3977371" cy="4861152"/>
+          </a:xfrm>
+          <a:prstGeom prst="bentConnector4">
+            <a:avLst>
+              <a:gd name="adj1" fmla="val -5748"/>
+              <a:gd name="adj2" fmla="val 104703"/>
+            </a:avLst>
+          </a:prstGeom>
+          <a:ln>
+            <a:solidFill>
+              <a:schemeClr val="accent6">
+                <a:lumMod val="75000"/>
+              </a:schemeClr>
+            </a:solidFill>
+            <a:tailEnd type="triangle"/>
+          </a:ln>
+        </p:spPr>
+        <p:style>
+          <a:lnRef idx="1">
+            <a:schemeClr val="accent1"/>
+          </a:lnRef>
+          <a:fillRef idx="0">
+            <a:schemeClr val="accent1"/>
+          </a:fillRef>
+          <a:effectRef idx="0">
+            <a:schemeClr val="accent1"/>
+          </a:effectRef>
+          <a:fontRef idx="minor">
+            <a:schemeClr val="tx1"/>
+          </a:fontRef>
+        </p:style>
+      </p:cxnSp>
+      <p:sp>
+        <p:nvSpPr>
+          <p:cNvPr id="60" name="TextBox 59">
+            <a:extLst>
+              <a:ext uri="{FF2B5EF4-FFF2-40B4-BE49-F238E27FC236}">
+                <a16:creationId xmlns:a16="http://schemas.microsoft.com/office/drawing/2014/main" id="{59A9A544-381D-4966-8020-38F8AFAA0927}"/>
+              </a:ext>
+            </a:extLst>
+          </p:cNvPr>
+          <p:cNvSpPr txBox="1"/>
+          <p:nvPr/>
+        </p:nvSpPr>
+        <p:spPr>
+          <a:xfrm>
+            <a:off x="6794864" y="4900597"/>
+            <a:ext cx="1550125" cy="461665"/>
+          </a:xfrm>
+          <a:prstGeom prst="rect">
+            <a:avLst/>
+          </a:prstGeom>
+          <a:solidFill>
+            <a:schemeClr val="accent1">
+              <a:lumMod val="40000"/>
+              <a:lumOff val="60000"/>
+            </a:schemeClr>
+          </a:solidFill>
+          <a:ln/>
+        </p:spPr>
+        <p:style>
+          <a:lnRef idx="2">
+            <a:schemeClr val="accent1"/>
+          </a:lnRef>
+          <a:fillRef idx="1">
+            <a:schemeClr val="lt1"/>
+          </a:fillRef>
+          <a:effectRef idx="0">
+            <a:schemeClr val="accent1"/>
+          </a:effectRef>
+          <a:fontRef idx="minor">
+            <a:schemeClr val="dk1"/>
+          </a:fontRef>
+        </p:style>
+        <p:txBody>
+          <a:bodyPr wrap="square" rtlCol="0">
+            <a:spAutoFit/>
+          </a:bodyPr>
+          <a:lstStyle/>
+          <a:p>
+            <a:pPr algn="ctr"/>
+            <a:r>
+              <a:rPr lang="en-GB" sz="1200" dirty="0"/>
+              <a:t>More info is shown about each log</a:t>
+            </a:r>
+          </a:p>
+        </p:txBody>
+      </p:sp>
+      <p:cxnSp>
+        <p:nvCxnSpPr>
+          <p:cNvPr id="61" name="Straight Arrow Connector 60">
+            <a:extLst>
+              <a:ext uri="{FF2B5EF4-FFF2-40B4-BE49-F238E27FC236}">
+                <a16:creationId xmlns:a16="http://schemas.microsoft.com/office/drawing/2014/main" id="{A042B8BF-7427-4B19-9EE6-E82C79125908}"/>
+              </a:ext>
+            </a:extLst>
+          </p:cNvPr>
+          <p:cNvCxnSpPr>
+            <a:cxnSpLocks/>
+            <a:stCxn id="41" idx="3"/>
+            <a:endCxn id="60" idx="1"/>
+          </p:cNvCxnSpPr>
+          <p:nvPr/>
+        </p:nvCxnSpPr>
+        <p:spPr>
+          <a:xfrm>
+            <a:off x="6574969" y="5054486"/>
+            <a:ext cx="219895" cy="76944"/>
+          </a:xfrm>
+          <a:prstGeom prst="straightConnector1">
+            <a:avLst/>
+          </a:prstGeom>
+          <a:ln>
+            <a:solidFill>
+              <a:schemeClr val="accent6">
+                <a:lumMod val="75000"/>
+              </a:schemeClr>
+            </a:solidFill>
+            <a:tailEnd type="triangle"/>
+          </a:ln>
+        </p:spPr>
+        <p:style>
+          <a:lnRef idx="1">
+            <a:schemeClr val="accent1"/>
+          </a:lnRef>
+          <a:fillRef idx="0">
+            <a:schemeClr val="accent1"/>
+          </a:fillRef>
+          <a:effectRef idx="0">
+            <a:schemeClr val="accent1"/>
+          </a:effectRef>
+          <a:fontRef idx="minor">
+            <a:schemeClr val="tx1"/>
+          </a:fontRef>
+        </p:style>
+      </p:cxnSp>
+      <p:cxnSp>
+        <p:nvCxnSpPr>
+          <p:cNvPr id="71" name="Connector: Elbow 70">
+            <a:extLst>
+              <a:ext uri="{FF2B5EF4-FFF2-40B4-BE49-F238E27FC236}">
+                <a16:creationId xmlns:a16="http://schemas.microsoft.com/office/drawing/2014/main" id="{25FAA54E-2F0D-404D-8458-22588CF14C7C}"/>
+              </a:ext>
+            </a:extLst>
+          </p:cNvPr>
+          <p:cNvCxnSpPr>
+            <a:cxnSpLocks/>
+            <a:stCxn id="60" idx="2"/>
+            <a:endCxn id="8" idx="1"/>
+          </p:cNvCxnSpPr>
+          <p:nvPr/>
+        </p:nvCxnSpPr>
+        <p:spPr>
+          <a:xfrm rot="5400000" flipH="1">
+            <a:off x="3636099" y="1428435"/>
+            <a:ext cx="3071409" cy="4796246"/>
+          </a:xfrm>
+          <a:prstGeom prst="bentConnector4">
+            <a:avLst>
+              <a:gd name="adj1" fmla="val -37711"/>
+              <a:gd name="adj2" fmla="val 104766"/>
+            </a:avLst>
+          </a:prstGeom>
+          <a:ln>
+            <a:solidFill>
+              <a:schemeClr val="accent6">
+                <a:lumMod val="75000"/>
+              </a:schemeClr>
+            </a:solidFill>
+            <a:tailEnd type="triangle"/>
+          </a:ln>
+        </p:spPr>
+        <p:style>
+          <a:lnRef idx="1">
+            <a:schemeClr val="accent1"/>
+          </a:lnRef>
+          <a:fillRef idx="0">
+            <a:schemeClr val="accent1"/>
+          </a:fillRef>
+          <a:effectRef idx="0">
+            <a:schemeClr val="accent1"/>
+          </a:effectRef>
+          <a:fontRef idx="minor">
+            <a:schemeClr val="tx1"/>
+          </a:fontRef>
+        </p:style>
+      </p:cxnSp>
+      <p:sp>
+        <p:nvSpPr>
+          <p:cNvPr id="76" name="TextBox 75">
+            <a:extLst>
+              <a:ext uri="{FF2B5EF4-FFF2-40B4-BE49-F238E27FC236}">
+                <a16:creationId xmlns:a16="http://schemas.microsoft.com/office/drawing/2014/main" id="{55BF0E79-2093-4553-BAB1-FA56DB803ED2}"/>
+              </a:ext>
+            </a:extLst>
+          </p:cNvPr>
+          <p:cNvSpPr txBox="1"/>
+          <p:nvPr/>
+        </p:nvSpPr>
+        <p:spPr>
+          <a:xfrm>
+            <a:off x="5700340" y="3413607"/>
+            <a:ext cx="1786146" cy="307777"/>
+          </a:xfrm>
+          <a:prstGeom prst="rect">
+            <a:avLst/>
+          </a:prstGeom>
+          <a:solidFill>
+            <a:schemeClr val="accent6">
+              <a:lumMod val="60000"/>
+              <a:lumOff val="40000"/>
+            </a:schemeClr>
+          </a:solidFill>
+          <a:ln/>
+        </p:spPr>
+        <p:style>
+          <a:lnRef idx="2">
+            <a:schemeClr val="accent6"/>
+          </a:lnRef>
+          <a:fillRef idx="1">
+            <a:schemeClr val="lt1"/>
+          </a:fillRef>
+          <a:effectRef idx="0">
+            <a:schemeClr val="accent6"/>
+          </a:effectRef>
+          <a:fontRef idx="minor">
+            <a:schemeClr val="dk1"/>
+          </a:fontRef>
+        </p:style>
+        <p:txBody>
+          <a:bodyPr wrap="square" rtlCol="0">
+            <a:spAutoFit/>
+          </a:bodyPr>
+          <a:lstStyle/>
+          <a:p>
+            <a:pPr algn="ctr"/>
+            <a:r>
+              <a:rPr lang="en-GB" sz="1400" dirty="0"/>
+              <a:t>nexttab$log = “next”</a:t>
+            </a:r>
+          </a:p>
+        </p:txBody>
+      </p:sp>
+      <p:sp>
+        <p:nvSpPr>
+          <p:cNvPr id="100" name="Rectangle 99">
+            <a:extLst>
+              <a:ext uri="{FF2B5EF4-FFF2-40B4-BE49-F238E27FC236}">
+                <a16:creationId xmlns:a16="http://schemas.microsoft.com/office/drawing/2014/main" id="{BD3CCEEF-A6FB-415A-B1F1-787CB1363704}"/>
+              </a:ext>
+            </a:extLst>
+          </p:cNvPr>
+          <p:cNvSpPr/>
+          <p:nvPr/>
+        </p:nvSpPr>
+        <p:spPr>
+          <a:xfrm>
+            <a:off x="8647611" y="-1"/>
+            <a:ext cx="3544389" cy="2674947"/>
+          </a:xfrm>
+          <a:prstGeom prst="rect">
+            <a:avLst/>
+          </a:prstGeom>
+          <a:noFill/>
+        </p:spPr>
+        <p:style>
+          <a:lnRef idx="2">
+            <a:schemeClr val="accent1">
+              <a:shade val="50000"/>
+            </a:schemeClr>
+          </a:lnRef>
+          <a:fillRef idx="1">
+            <a:schemeClr val="accent1"/>
+          </a:fillRef>
+          <a:effectRef idx="0">
+            <a:schemeClr val="accent1"/>
+          </a:effectRef>
+          <a:fontRef idx="minor">
+            <a:schemeClr val="lt1"/>
+          </a:fontRef>
+        </p:style>
+        <p:txBody>
+          <a:bodyPr rtlCol="0" anchor="ctr"/>
+          <a:lstStyle/>
+          <a:p>
+            <a:pPr algn="ctr"/>
+            <a:endParaRPr lang="en-GB"/>
+          </a:p>
+        </p:txBody>
+      </p:sp>
+      <p:sp>
+        <p:nvSpPr>
+          <p:cNvPr id="101" name="Rectangle: Rounded Corners 100">
+            <a:extLst>
+              <a:ext uri="{FF2B5EF4-FFF2-40B4-BE49-F238E27FC236}">
+                <a16:creationId xmlns:a16="http://schemas.microsoft.com/office/drawing/2014/main" id="{0C84B5A5-1A09-491B-9DDA-DD1DD6219D36}"/>
+              </a:ext>
+            </a:extLst>
+          </p:cNvPr>
+          <p:cNvSpPr/>
+          <p:nvPr/>
+        </p:nvSpPr>
+        <p:spPr>
+          <a:xfrm>
+            <a:off x="10291418" y="2735068"/>
+            <a:ext cx="1813497" cy="2858814"/>
+          </a:xfrm>
+          <a:prstGeom prst="roundRect">
+            <a:avLst/>
+          </a:prstGeom>
+          <a:solidFill>
+            <a:schemeClr val="accent4">
+              <a:alpha val="50000"/>
+            </a:schemeClr>
+          </a:solidFill>
+          <a:ln>
+            <a:noFill/>
+          </a:ln>
+        </p:spPr>
+        <p:style>
+          <a:lnRef idx="0">
+            <a:scrgbClr r="0" g="0" b="0"/>
+          </a:lnRef>
+          <a:fillRef idx="0">
+            <a:scrgbClr r="0" g="0" b="0"/>
+          </a:fillRef>
+          <a:effectRef idx="0">
+            <a:scrgbClr r="0" g="0" b="0"/>
+          </a:effectRef>
+          <a:fontRef idx="minor">
+            <a:schemeClr val="lt1"/>
+          </a:fontRef>
+        </p:style>
+        <p:txBody>
+          <a:bodyPr rtlCol="0" anchor="ctr"/>
+          <a:lstStyle/>
+          <a:p>
+            <a:pPr algn="ctr"/>
+            <a:endParaRPr lang="en-GB"/>
+          </a:p>
+        </p:txBody>
+      </p:sp>
+      <p:sp>
+        <p:nvSpPr>
+          <p:cNvPr id="102" name="TextBox 101">
+            <a:extLst>
+              <a:ext uri="{FF2B5EF4-FFF2-40B4-BE49-F238E27FC236}">
+                <a16:creationId xmlns:a16="http://schemas.microsoft.com/office/drawing/2014/main" id="{79EDA5FF-5EF2-4802-AC79-5988798CBDF5}"/>
+              </a:ext>
+            </a:extLst>
+          </p:cNvPr>
+          <p:cNvSpPr txBox="1"/>
+          <p:nvPr/>
+        </p:nvSpPr>
+        <p:spPr>
+          <a:xfrm>
+            <a:off x="10424330" y="2885479"/>
+            <a:ext cx="1550125" cy="923330"/>
+          </a:xfrm>
+          <a:prstGeom prst="rect">
+            <a:avLst/>
+          </a:prstGeom>
+          <a:solidFill>
+            <a:schemeClr val="accent1">
+              <a:lumMod val="40000"/>
+              <a:lumOff val="60000"/>
+            </a:schemeClr>
+          </a:solidFill>
+          <a:ln/>
+        </p:spPr>
+        <p:style>
+          <a:lnRef idx="2">
+            <a:schemeClr val="accent1"/>
+          </a:lnRef>
+          <a:fillRef idx="1">
+            <a:schemeClr val="lt1"/>
+          </a:fillRef>
+          <a:effectRef idx="0">
+            <a:schemeClr val="accent1"/>
+          </a:effectRef>
+          <a:fontRef idx="minor">
+            <a:schemeClr val="dk1"/>
+          </a:fontRef>
+        </p:style>
+        <p:txBody>
+          <a:bodyPr wrap="square" rtlCol="0">
+            <a:spAutoFit/>
+          </a:bodyPr>
+          <a:lstStyle/>
+          <a:p>
+            <a:pPr algn="ctr"/>
+            <a:r>
+              <a:rPr lang="en-GB" dirty="0"/>
+              <a:t>A new panel is created containing:</a:t>
+            </a:r>
+          </a:p>
+        </p:txBody>
+      </p:sp>
+      <p:sp>
+        <p:nvSpPr>
+          <p:cNvPr id="103" name="TextBox 102">
+            <a:extLst>
+              <a:ext uri="{FF2B5EF4-FFF2-40B4-BE49-F238E27FC236}">
+                <a16:creationId xmlns:a16="http://schemas.microsoft.com/office/drawing/2014/main" id="{EF16A21C-4450-461D-8C71-6D6825E933FC}"/>
+              </a:ext>
+            </a:extLst>
+          </p:cNvPr>
+          <p:cNvSpPr txBox="1"/>
+          <p:nvPr/>
+        </p:nvSpPr>
+        <p:spPr>
+          <a:xfrm>
+            <a:off x="10424330" y="3880107"/>
+            <a:ext cx="1550125" cy="646331"/>
+          </a:xfrm>
+          <a:prstGeom prst="rect">
+            <a:avLst/>
+          </a:prstGeom>
+          <a:solidFill>
+            <a:schemeClr val="accent1">
+              <a:lumMod val="40000"/>
+              <a:lumOff val="60000"/>
+            </a:schemeClr>
+          </a:solidFill>
+          <a:ln/>
+        </p:spPr>
+        <p:style>
+          <a:lnRef idx="2">
+            <a:schemeClr val="accent1"/>
+          </a:lnRef>
+          <a:fillRef idx="1">
+            <a:schemeClr val="lt1"/>
+          </a:fillRef>
+          <a:effectRef idx="0">
+            <a:schemeClr val="accent1"/>
+          </a:effectRef>
+          <a:fontRef idx="minor">
+            <a:schemeClr val="dk1"/>
+          </a:fontRef>
+        </p:style>
+        <p:txBody>
+          <a:bodyPr wrap="square" rtlCol="0">
+            <a:spAutoFit/>
+          </a:bodyPr>
+          <a:lstStyle/>
+          <a:p>
+            <a:pPr algn="ctr"/>
+            <a:r>
+              <a:rPr lang="en-GB" dirty="0"/>
+              <a:t>Submit project ID</a:t>
+            </a:r>
+          </a:p>
+        </p:txBody>
+      </p:sp>
+      <p:sp>
+        <p:nvSpPr>
+          <p:cNvPr id="104" name="TextBox 103">
+            <a:extLst>
+              <a:ext uri="{FF2B5EF4-FFF2-40B4-BE49-F238E27FC236}">
+                <a16:creationId xmlns:a16="http://schemas.microsoft.com/office/drawing/2014/main" id="{631DBFB1-268C-4C6F-BC09-43908E1076B0}"/>
+              </a:ext>
+            </a:extLst>
+          </p:cNvPr>
+          <p:cNvSpPr txBox="1"/>
+          <p:nvPr/>
+        </p:nvSpPr>
+        <p:spPr>
+          <a:xfrm>
+            <a:off x="10424330" y="5165478"/>
+            <a:ext cx="1550125" cy="276999"/>
+          </a:xfrm>
+          <a:prstGeom prst="rect">
+            <a:avLst/>
+          </a:prstGeom>
+          <a:solidFill>
+            <a:schemeClr val="accent1">
+              <a:lumMod val="40000"/>
+              <a:lumOff val="60000"/>
+            </a:schemeClr>
+          </a:solidFill>
+          <a:ln/>
+        </p:spPr>
+        <p:style>
+          <a:lnRef idx="2">
+            <a:schemeClr val="accent1"/>
+          </a:lnRef>
+          <a:fillRef idx="1">
+            <a:schemeClr val="lt1"/>
+          </a:fillRef>
+          <a:effectRef idx="0">
+            <a:schemeClr val="accent1"/>
+          </a:effectRef>
+          <a:fontRef idx="minor">
+            <a:schemeClr val="dk1"/>
+          </a:fontRef>
+        </p:style>
+        <p:txBody>
+          <a:bodyPr wrap="square" rtlCol="0">
+            <a:spAutoFit/>
+          </a:bodyPr>
+          <a:lstStyle/>
+          <a:p>
+            <a:pPr algn="ctr"/>
+            <a:r>
+              <a:rPr lang="en-GB" sz="1200" dirty="0"/>
+              <a:t>Back</a:t>
+            </a:r>
+          </a:p>
+        </p:txBody>
+      </p:sp>
+      <p:sp>
+        <p:nvSpPr>
+          <p:cNvPr id="107" name="TextBox 106">
+            <a:extLst>
+              <a:ext uri="{FF2B5EF4-FFF2-40B4-BE49-F238E27FC236}">
+                <a16:creationId xmlns:a16="http://schemas.microsoft.com/office/drawing/2014/main" id="{92111A2D-21B5-4678-BFB7-D8540025B485}"/>
+              </a:ext>
+            </a:extLst>
+          </p:cNvPr>
+          <p:cNvSpPr txBox="1"/>
+          <p:nvPr/>
+        </p:nvSpPr>
+        <p:spPr>
+          <a:xfrm>
+            <a:off x="10423103" y="4634552"/>
+            <a:ext cx="1550125" cy="461665"/>
+          </a:xfrm>
+          <a:prstGeom prst="rect">
+            <a:avLst/>
+          </a:prstGeom>
+          <a:solidFill>
+            <a:schemeClr val="accent1">
+              <a:lumMod val="40000"/>
+              <a:lumOff val="60000"/>
+            </a:schemeClr>
+          </a:solidFill>
+          <a:ln/>
+        </p:spPr>
+        <p:style>
+          <a:lnRef idx="2">
+            <a:schemeClr val="accent1"/>
+          </a:lnRef>
+          <a:fillRef idx="1">
+            <a:schemeClr val="lt1"/>
+          </a:fillRef>
+          <a:effectRef idx="0">
+            <a:schemeClr val="accent1"/>
+          </a:effectRef>
+          <a:fontRef idx="minor">
+            <a:schemeClr val="dk1"/>
+          </a:fontRef>
+        </p:style>
+        <p:txBody>
+          <a:bodyPr wrap="square" rtlCol="0">
+            <a:spAutoFit/>
+          </a:bodyPr>
+          <a:lstStyle/>
+          <a:p>
+            <a:pPr algn="ctr"/>
+            <a:r>
+              <a:rPr lang="en-GB" sz="1200" dirty="0"/>
+              <a:t>Error message (initially blank)</a:t>
+            </a:r>
+          </a:p>
+        </p:txBody>
+      </p:sp>
+      <p:sp>
+        <p:nvSpPr>
+          <p:cNvPr id="108" name="TextBox 107">
+            <a:extLst>
+              <a:ext uri="{FF2B5EF4-FFF2-40B4-BE49-F238E27FC236}">
+                <a16:creationId xmlns:a16="http://schemas.microsoft.com/office/drawing/2014/main" id="{F6AE0F37-2016-4AE7-9F17-8AAC9CDD366D}"/>
+              </a:ext>
+            </a:extLst>
+          </p:cNvPr>
+          <p:cNvSpPr txBox="1"/>
+          <p:nvPr/>
+        </p:nvSpPr>
+        <p:spPr>
+          <a:xfrm>
+            <a:off x="8647610" y="5681708"/>
+            <a:ext cx="3544389" cy="1077218"/>
+          </a:xfrm>
+          <a:prstGeom prst="rect">
+            <a:avLst/>
+          </a:prstGeom>
+          <a:noFill/>
+        </p:spPr>
+        <p:txBody>
+          <a:bodyPr wrap="square" rtlCol="0">
+            <a:spAutoFit/>
+          </a:bodyPr>
+          <a:lstStyle/>
+          <a:p>
+            <a:r>
+              <a:rPr lang="en-GB" sz="1600" dirty="0"/>
+              <a:t>These panels are not accessible for the user since the tab has already been switched – but it is necessary to create the projectID and QAlogtype input boxes</a:t>
+            </a:r>
+          </a:p>
+        </p:txBody>
+      </p:sp>
+      <p:cxnSp>
+        <p:nvCxnSpPr>
+          <p:cNvPr id="109" name="Straight Arrow Connector 108">
+            <a:extLst>
+              <a:ext uri="{FF2B5EF4-FFF2-40B4-BE49-F238E27FC236}">
+                <a16:creationId xmlns:a16="http://schemas.microsoft.com/office/drawing/2014/main" id="{BC5F31F4-FDA5-4C07-8451-0E2293F4D0A0}"/>
+              </a:ext>
+            </a:extLst>
+          </p:cNvPr>
+          <p:cNvCxnSpPr>
+            <a:cxnSpLocks/>
+            <a:stCxn id="13" idx="3"/>
+            <a:endCxn id="102" idx="1"/>
+          </p:cNvCxnSpPr>
+          <p:nvPr/>
+        </p:nvCxnSpPr>
+        <p:spPr>
+          <a:xfrm>
+            <a:off x="7649735" y="2158013"/>
+            <a:ext cx="2774595" cy="1189131"/>
+          </a:xfrm>
+          <a:prstGeom prst="straightConnector1">
+            <a:avLst/>
+          </a:prstGeom>
+          <a:ln>
+            <a:solidFill>
+              <a:schemeClr val="accent6">
+                <a:lumMod val="75000"/>
+              </a:schemeClr>
+            </a:solidFill>
+            <a:tailEnd type="triangle"/>
+          </a:ln>
+        </p:spPr>
+        <p:style>
+          <a:lnRef idx="1">
+            <a:schemeClr val="accent1"/>
+          </a:lnRef>
+          <a:fillRef idx="0">
+            <a:schemeClr val="accent1"/>
+          </a:fillRef>
+          <a:effectRef idx="0">
+            <a:schemeClr val="accent1"/>
+          </a:effectRef>
+          <a:fontRef idx="minor">
+            <a:schemeClr val="tx1"/>
+          </a:fontRef>
+        </p:style>
+      </p:cxnSp>
+      <p:cxnSp>
+        <p:nvCxnSpPr>
+          <p:cNvPr id="112" name="Straight Arrow Connector 111">
+            <a:extLst>
+              <a:ext uri="{FF2B5EF4-FFF2-40B4-BE49-F238E27FC236}">
+                <a16:creationId xmlns:a16="http://schemas.microsoft.com/office/drawing/2014/main" id="{3A81DAE0-4396-4CC3-96B8-AC8B26034351}"/>
+              </a:ext>
+            </a:extLst>
+          </p:cNvPr>
+          <p:cNvCxnSpPr>
+            <a:cxnSpLocks/>
+            <a:stCxn id="14" idx="3"/>
+            <a:endCxn id="102" idx="1"/>
+          </p:cNvCxnSpPr>
+          <p:nvPr/>
+        </p:nvCxnSpPr>
+        <p:spPr>
+          <a:xfrm>
+            <a:off x="7649735" y="2510531"/>
+            <a:ext cx="2774595" cy="836613"/>
+          </a:xfrm>
+          <a:prstGeom prst="straightConnector1">
+            <a:avLst/>
+          </a:prstGeom>
+          <a:ln>
+            <a:solidFill>
+              <a:schemeClr val="accent6">
+                <a:lumMod val="75000"/>
+              </a:schemeClr>
+            </a:solidFill>
+            <a:tailEnd type="triangle"/>
+          </a:ln>
+        </p:spPr>
+        <p:style>
+          <a:lnRef idx="1">
+            <a:schemeClr val="accent1"/>
+          </a:lnRef>
+          <a:fillRef idx="0">
+            <a:schemeClr val="accent1"/>
+          </a:fillRef>
+          <a:effectRef idx="0">
+            <a:schemeClr val="accent1"/>
+          </a:effectRef>
+          <a:fontRef idx="minor">
+            <a:schemeClr val="tx1"/>
+          </a:fontRef>
+        </p:style>
+      </p:cxnSp>
+      <p:cxnSp>
+        <p:nvCxnSpPr>
+          <p:cNvPr id="115" name="Straight Arrow Connector 114">
+            <a:extLst>
+              <a:ext uri="{FF2B5EF4-FFF2-40B4-BE49-F238E27FC236}">
+                <a16:creationId xmlns:a16="http://schemas.microsoft.com/office/drawing/2014/main" id="{A1D43DFC-2DF8-4218-96F6-D74B6D40F000}"/>
+              </a:ext>
+            </a:extLst>
+          </p:cNvPr>
+          <p:cNvCxnSpPr>
+            <a:cxnSpLocks/>
+            <a:stCxn id="15" idx="3"/>
+            <a:endCxn id="102" idx="1"/>
+          </p:cNvCxnSpPr>
+          <p:nvPr/>
+        </p:nvCxnSpPr>
+        <p:spPr>
+          <a:xfrm>
+            <a:off x="7649735" y="2851286"/>
+            <a:ext cx="2774595" cy="495858"/>
+          </a:xfrm>
+          <a:prstGeom prst="straightConnector1">
+            <a:avLst/>
+          </a:prstGeom>
+          <a:ln>
+            <a:solidFill>
+              <a:schemeClr val="accent6">
+                <a:lumMod val="75000"/>
+              </a:schemeClr>
+            </a:solidFill>
+            <a:tailEnd type="triangle"/>
+          </a:ln>
+        </p:spPr>
+        <p:style>
+          <a:lnRef idx="1">
+            <a:schemeClr val="accent1"/>
+          </a:lnRef>
+          <a:fillRef idx="0">
+            <a:schemeClr val="accent1"/>
+          </a:fillRef>
+          <a:effectRef idx="0">
+            <a:schemeClr val="accent1"/>
+          </a:effectRef>
+          <a:fontRef idx="minor">
+            <a:schemeClr val="tx1"/>
+          </a:fontRef>
+        </p:style>
+      </p:cxnSp>
+      <p:cxnSp>
+        <p:nvCxnSpPr>
+          <p:cNvPr id="118" name="Straight Arrow Connector 117">
+            <a:extLst>
+              <a:ext uri="{FF2B5EF4-FFF2-40B4-BE49-F238E27FC236}">
+                <a16:creationId xmlns:a16="http://schemas.microsoft.com/office/drawing/2014/main" id="{191047BB-821B-48F9-BD6F-B37D9A8D86FC}"/>
+              </a:ext>
+            </a:extLst>
+          </p:cNvPr>
+          <p:cNvCxnSpPr>
+            <a:cxnSpLocks/>
+            <a:stCxn id="16" idx="3"/>
+          </p:cNvCxnSpPr>
+          <p:nvPr/>
+        </p:nvCxnSpPr>
+        <p:spPr>
+          <a:xfrm>
+            <a:off x="7639429" y="3205603"/>
+            <a:ext cx="2783674" cy="153888"/>
+          </a:xfrm>
+          <a:prstGeom prst="straightConnector1">
+            <a:avLst/>
+          </a:prstGeom>
+          <a:ln>
+            <a:solidFill>
+              <a:schemeClr val="accent6">
+                <a:lumMod val="75000"/>
+              </a:schemeClr>
+            </a:solidFill>
+            <a:tailEnd type="triangle"/>
+          </a:ln>
+        </p:spPr>
+        <p:style>
+          <a:lnRef idx="1">
+            <a:schemeClr val="accent1"/>
+          </a:lnRef>
+          <a:fillRef idx="0">
+            <a:schemeClr val="accent1"/>
+          </a:fillRef>
+          <a:effectRef idx="0">
+            <a:schemeClr val="accent1"/>
+          </a:effectRef>
+          <a:fontRef idx="minor">
+            <a:schemeClr val="tx1"/>
+          </a:fontRef>
+        </p:style>
+      </p:cxnSp>
+      <p:sp>
+        <p:nvSpPr>
+          <p:cNvPr id="125" name="Rectangle: Rounded Corners 124">
+            <a:extLst>
+              <a:ext uri="{FF2B5EF4-FFF2-40B4-BE49-F238E27FC236}">
+                <a16:creationId xmlns:a16="http://schemas.microsoft.com/office/drawing/2014/main" id="{6EE4E3B4-CDA5-415E-9A17-FA605E16225F}"/>
+              </a:ext>
+            </a:extLst>
+          </p:cNvPr>
+          <p:cNvSpPr/>
+          <p:nvPr/>
+        </p:nvSpPr>
+        <p:spPr>
+          <a:xfrm>
+            <a:off x="8420068" y="3498510"/>
+            <a:ext cx="1813497" cy="1912575"/>
+          </a:xfrm>
+          <a:prstGeom prst="roundRect">
+            <a:avLst/>
+          </a:prstGeom>
+          <a:solidFill>
+            <a:schemeClr val="accent4">
+              <a:alpha val="50000"/>
+            </a:schemeClr>
+          </a:solidFill>
+          <a:ln>
+            <a:noFill/>
+          </a:ln>
+        </p:spPr>
+        <p:style>
+          <a:lnRef idx="0">
+            <a:scrgbClr r="0" g="0" b="0"/>
+          </a:lnRef>
+          <a:fillRef idx="0">
+            <a:scrgbClr r="0" g="0" b="0"/>
+          </a:fillRef>
+          <a:effectRef idx="0">
+            <a:scrgbClr r="0" g="0" b="0"/>
+          </a:effectRef>
+          <a:fontRef idx="minor">
+            <a:schemeClr val="lt1"/>
+          </a:fontRef>
+        </p:style>
+        <p:txBody>
+          <a:bodyPr rtlCol="0" anchor="ctr"/>
+          <a:lstStyle/>
+          <a:p>
+            <a:pPr algn="ctr"/>
+            <a:endParaRPr lang="en-GB"/>
+          </a:p>
+        </p:txBody>
+      </p:sp>
+      <p:sp>
+        <p:nvSpPr>
+          <p:cNvPr id="126" name="TextBox 125">
+            <a:extLst>
+              <a:ext uri="{FF2B5EF4-FFF2-40B4-BE49-F238E27FC236}">
+                <a16:creationId xmlns:a16="http://schemas.microsoft.com/office/drawing/2014/main" id="{4DE45CC4-994C-4FD8-A996-5EC9FA20B3E5}"/>
+              </a:ext>
+            </a:extLst>
+          </p:cNvPr>
+          <p:cNvSpPr txBox="1"/>
+          <p:nvPr/>
+        </p:nvSpPr>
+        <p:spPr>
+          <a:xfrm>
+            <a:off x="8551753" y="3617566"/>
+            <a:ext cx="1550125" cy="923330"/>
+          </a:xfrm>
+          <a:prstGeom prst="rect">
+            <a:avLst/>
+          </a:prstGeom>
+          <a:solidFill>
+            <a:schemeClr val="accent1">
+              <a:lumMod val="40000"/>
+              <a:lumOff val="60000"/>
+            </a:schemeClr>
+          </a:solidFill>
+          <a:ln/>
+        </p:spPr>
+        <p:style>
+          <a:lnRef idx="2">
+            <a:schemeClr val="accent1"/>
+          </a:lnRef>
+          <a:fillRef idx="1">
+            <a:schemeClr val="lt1"/>
+          </a:fillRef>
+          <a:effectRef idx="0">
+            <a:schemeClr val="accent1"/>
+          </a:effectRef>
+          <a:fontRef idx="minor">
+            <a:schemeClr val="dk1"/>
+          </a:fontRef>
+        </p:style>
+        <p:txBody>
+          <a:bodyPr wrap="square" rtlCol="0">
+            <a:spAutoFit/>
+          </a:bodyPr>
+          <a:lstStyle/>
+          <a:p>
+            <a:pPr algn="ctr"/>
+            <a:r>
+              <a:rPr lang="en-GB" dirty="0"/>
+              <a:t>A new panel is created containing:</a:t>
+            </a:r>
+          </a:p>
+        </p:txBody>
+      </p:sp>
+      <p:sp>
+        <p:nvSpPr>
+          <p:cNvPr id="127" name="TextBox 126">
+            <a:extLst>
+              <a:ext uri="{FF2B5EF4-FFF2-40B4-BE49-F238E27FC236}">
+                <a16:creationId xmlns:a16="http://schemas.microsoft.com/office/drawing/2014/main" id="{4F6E8927-F45B-481F-9B47-81E623F2E0FC}"/>
+              </a:ext>
+            </a:extLst>
+          </p:cNvPr>
+          <p:cNvSpPr txBox="1"/>
+          <p:nvPr/>
+        </p:nvSpPr>
+        <p:spPr>
+          <a:xfrm>
+            <a:off x="8541305" y="4622683"/>
+            <a:ext cx="1550125" cy="646331"/>
+          </a:xfrm>
+          <a:prstGeom prst="rect">
+            <a:avLst/>
+          </a:prstGeom>
+          <a:solidFill>
+            <a:schemeClr val="accent1">
+              <a:lumMod val="40000"/>
+              <a:lumOff val="60000"/>
+            </a:schemeClr>
+          </a:solidFill>
+          <a:ln/>
+        </p:spPr>
+        <p:style>
+          <a:lnRef idx="2">
+            <a:schemeClr val="accent1"/>
+          </a:lnRef>
+          <a:fillRef idx="1">
+            <a:schemeClr val="lt1"/>
+          </a:fillRef>
+          <a:effectRef idx="0">
+            <a:schemeClr val="accent1"/>
+          </a:effectRef>
+          <a:fontRef idx="minor">
+            <a:schemeClr val="dk1"/>
+          </a:fontRef>
+        </p:style>
+        <p:txBody>
+          <a:bodyPr wrap="square" rtlCol="0">
+            <a:spAutoFit/>
+          </a:bodyPr>
+          <a:lstStyle/>
+          <a:p>
+            <a:pPr algn="ctr"/>
+            <a:r>
+              <a:rPr lang="en-GB" dirty="0"/>
+              <a:t>Submit QAlogtype</a:t>
+            </a:r>
+          </a:p>
+        </p:txBody>
+      </p:sp>
+      <p:cxnSp>
+        <p:nvCxnSpPr>
+          <p:cNvPr id="128" name="Straight Arrow Connector 127">
+            <a:extLst>
+              <a:ext uri="{FF2B5EF4-FFF2-40B4-BE49-F238E27FC236}">
+                <a16:creationId xmlns:a16="http://schemas.microsoft.com/office/drawing/2014/main" id="{D4B97990-2942-4205-87EB-E296644BF910}"/>
+              </a:ext>
+            </a:extLst>
+          </p:cNvPr>
+          <p:cNvCxnSpPr>
+            <a:cxnSpLocks/>
+            <a:endCxn id="126" idx="1"/>
+          </p:cNvCxnSpPr>
+          <p:nvPr/>
+        </p:nvCxnSpPr>
+        <p:spPr>
+          <a:xfrm>
+            <a:off x="7486486" y="3575479"/>
+            <a:ext cx="1065267" cy="503752"/>
+          </a:xfrm>
+          <a:prstGeom prst="straightConnector1">
+            <a:avLst/>
+          </a:prstGeom>
+          <a:ln>
+            <a:solidFill>
+              <a:schemeClr val="accent6">
+                <a:lumMod val="75000"/>
+              </a:schemeClr>
+            </a:solidFill>
+            <a:tailEnd type="triangle"/>
+          </a:ln>
+        </p:spPr>
+        <p:style>
+          <a:lnRef idx="1">
+            <a:schemeClr val="accent1"/>
+          </a:lnRef>
+          <a:fillRef idx="0">
+            <a:schemeClr val="accent1"/>
+          </a:fillRef>
+          <a:effectRef idx="0">
+            <a:schemeClr val="accent1"/>
+          </a:effectRef>
+          <a:fontRef idx="minor">
+            <a:schemeClr val="tx1"/>
+          </a:fontRef>
+        </p:style>
+      </p:cxnSp>
+    </p:spTree>
+    <p:extLst>
+      <p:ext uri="{BB962C8B-B14F-4D97-AF65-F5344CB8AC3E}">
+        <p14:creationId xmlns:p14="http://schemas.microsoft.com/office/powerpoint/2010/main" val="3043659729"/>
+      </p:ext>
+    </p:extLst>
+  </p:cSld>
+  <p:clrMapOvr>
+    <a:masterClrMapping/>
+  </p:clrMapOvr>
+</p:sld>
+</file>
+
+<file path=ppt/slides/slide6.xml><?xml version="1.0" encoding="utf-8"?>
+<p:sld xmlns:a="http://schemas.openxmlformats.org/drawingml/2006/main" xmlns:r="http://schemas.openxmlformats.org/officeDocument/2006/relationships" xmlns:p="http://schemas.openxmlformats.org/presentationml/2006/main">
+  <p:cSld>
+    <p:spTree>
+      <p:nvGrpSpPr>
+        <p:cNvPr id="1" name=""/>
+        <p:cNvGrpSpPr/>
+        <p:nvPr/>
+      </p:nvGrpSpPr>
+      <p:grpSpPr>
+        <a:xfrm>
+          <a:off x="0" y="0"/>
+          <a:ext cx="0" cy="0"/>
+          <a:chOff x="0" y="0"/>
+          <a:chExt cx="0" cy="0"/>
+        </a:xfrm>
+      </p:grpSpPr>
+      <p:sp>
+        <p:nvSpPr>
+          <p:cNvPr id="2" name="Title 1">
+            <a:extLst>
+              <a:ext uri="{FF2B5EF4-FFF2-40B4-BE49-F238E27FC236}">
+                <a16:creationId xmlns:a16="http://schemas.microsoft.com/office/drawing/2014/main" id="{553A35EB-2060-46B9-B0EE-79241E038580}"/>
+              </a:ext>
+            </a:extLst>
+          </p:cNvPr>
+          <p:cNvSpPr>
+            <a:spLocks noGrp="1"/>
+          </p:cNvSpPr>
+          <p:nvPr>
+            <p:ph type="title"/>
+          </p:nvPr>
+        </p:nvSpPr>
+        <p:spPr/>
+        <p:txBody>
+          <a:bodyPr/>
+          <a:lstStyle/>
+          <a:p>
+            <a:r>
+              <a:rPr lang="en-GB" dirty="0"/>
+              <a:t>Map for updating existing log</a:t>
+            </a:r>
+            <a:br>
+              <a:rPr lang="en-GB" dirty="0"/>
+            </a:br>
+            <a:r>
+              <a:rPr lang="en-GB" sz="2000" dirty="0"/>
+              <a:t>Mostly from home_server.R</a:t>
+            </a:r>
+            <a:endParaRPr lang="en-GB" dirty="0"/>
+          </a:p>
+        </p:txBody>
+      </p:sp>
+      <p:sp>
+        <p:nvSpPr>
+          <p:cNvPr id="4" name="TextBox 3">
+            <a:extLst>
+              <a:ext uri="{FF2B5EF4-FFF2-40B4-BE49-F238E27FC236}">
+                <a16:creationId xmlns:a16="http://schemas.microsoft.com/office/drawing/2014/main" id="{81F468DA-CC38-4498-8275-5855DD369FCA}"/>
+              </a:ext>
+            </a:extLst>
+          </p:cNvPr>
+          <p:cNvSpPr txBox="1"/>
+          <p:nvPr/>
+        </p:nvSpPr>
+        <p:spPr>
+          <a:xfrm>
+            <a:off x="10105208" y="704634"/>
+            <a:ext cx="1624149" cy="307777"/>
+          </a:xfrm>
+          <a:prstGeom prst="rect">
+            <a:avLst/>
+          </a:prstGeom>
+          <a:solidFill>
+            <a:schemeClr val="accent2">
+              <a:lumMod val="40000"/>
+              <a:lumOff val="60000"/>
+            </a:schemeClr>
+          </a:solidFill>
+          <a:ln/>
+        </p:spPr>
+        <p:style>
+          <a:lnRef idx="2">
+            <a:schemeClr val="accent2"/>
+          </a:lnRef>
+          <a:fillRef idx="1">
+            <a:schemeClr val="lt1"/>
+          </a:fillRef>
+          <a:effectRef idx="0">
+            <a:schemeClr val="accent2"/>
+          </a:effectRef>
+          <a:fontRef idx="minor">
+            <a:schemeClr val="dk1"/>
+          </a:fontRef>
+        </p:style>
+        <p:txBody>
+          <a:bodyPr wrap="square" rtlCol="0">
+            <a:spAutoFit/>
+          </a:bodyPr>
+          <a:lstStyle/>
+          <a:p>
+            <a:pPr algn="ctr"/>
+            <a:r>
+              <a:rPr lang="en-GB" sz="1400" dirty="0"/>
+              <a:t>types$log = “blank”</a:t>
+            </a:r>
+          </a:p>
+        </p:txBody>
+      </p:sp>
+      <p:sp>
+        <p:nvSpPr>
+          <p:cNvPr id="5" name="TextBox 4">
+            <a:extLst>
+              <a:ext uri="{FF2B5EF4-FFF2-40B4-BE49-F238E27FC236}">
+                <a16:creationId xmlns:a16="http://schemas.microsoft.com/office/drawing/2014/main" id="{98CC272E-8D50-4E44-885E-2CFD177D095B}"/>
+              </a:ext>
+            </a:extLst>
+          </p:cNvPr>
+          <p:cNvSpPr txBox="1"/>
+          <p:nvPr/>
+        </p:nvSpPr>
+        <p:spPr>
+          <a:xfrm>
+            <a:off x="8708571" y="39765"/>
+            <a:ext cx="3396344" cy="923330"/>
+          </a:xfrm>
+          <a:prstGeom prst="rect">
+            <a:avLst/>
+          </a:prstGeom>
+          <a:noFill/>
+        </p:spPr>
+        <p:txBody>
+          <a:bodyPr wrap="square" rtlCol="0">
+            <a:spAutoFit/>
+          </a:bodyPr>
+          <a:lstStyle/>
+          <a:p>
+            <a:r>
+              <a:rPr lang="en-GB" dirty="0"/>
+              <a:t>We have a list “types” containing the reactive value “log”. Initially this is set to:</a:t>
+            </a:r>
+          </a:p>
+        </p:txBody>
+      </p:sp>
+      <p:sp>
+        <p:nvSpPr>
+          <p:cNvPr id="6" name="TextBox 5">
+            <a:extLst>
+              <a:ext uri="{FF2B5EF4-FFF2-40B4-BE49-F238E27FC236}">
+                <a16:creationId xmlns:a16="http://schemas.microsoft.com/office/drawing/2014/main" id="{635CCDAC-899E-4510-8010-5E613EA3743A}"/>
+              </a:ext>
+            </a:extLst>
+          </p:cNvPr>
+          <p:cNvSpPr txBox="1"/>
+          <p:nvPr/>
+        </p:nvSpPr>
+        <p:spPr>
+          <a:xfrm>
+            <a:off x="8708571" y="1111043"/>
+            <a:ext cx="3587932" cy="923330"/>
+          </a:xfrm>
+          <a:prstGeom prst="rect">
+            <a:avLst/>
+          </a:prstGeom>
+          <a:noFill/>
+        </p:spPr>
+        <p:txBody>
+          <a:bodyPr wrap="square" rtlCol="0">
+            <a:spAutoFit/>
+          </a:bodyPr>
+          <a:lstStyle/>
+          <a:p>
+            <a:r>
+              <a:rPr lang="en-GB" dirty="0"/>
+              <a:t>Similarly, lists “unsure” and “</a:t>
+            </a:r>
+            <a:r>
+              <a:rPr lang="en-GB" dirty="0" err="1"/>
+              <a:t>nexttab</a:t>
+            </a:r>
+            <a:r>
+              <a:rPr lang="en-GB" dirty="0"/>
+              <a:t>” containing reactive value “log”</a:t>
+            </a:r>
+          </a:p>
+        </p:txBody>
+      </p:sp>
+      <p:sp>
+        <p:nvSpPr>
+          <p:cNvPr id="7" name="TextBox 6">
+            <a:extLst>
+              <a:ext uri="{FF2B5EF4-FFF2-40B4-BE49-F238E27FC236}">
+                <a16:creationId xmlns:a16="http://schemas.microsoft.com/office/drawing/2014/main" id="{707095C7-B435-497F-94A5-B27BE7602A89}"/>
+              </a:ext>
+            </a:extLst>
+          </p:cNvPr>
+          <p:cNvSpPr txBox="1"/>
+          <p:nvPr/>
+        </p:nvSpPr>
+        <p:spPr>
+          <a:xfrm>
+            <a:off x="9827178" y="1730393"/>
+            <a:ext cx="1786146" cy="307777"/>
+          </a:xfrm>
+          <a:prstGeom prst="rect">
+            <a:avLst/>
+          </a:prstGeom>
+          <a:solidFill>
+            <a:schemeClr val="bg1">
+              <a:lumMod val="75000"/>
+            </a:schemeClr>
+          </a:solidFill>
+          <a:ln/>
+        </p:spPr>
+        <p:style>
+          <a:lnRef idx="2">
+            <a:schemeClr val="dk1"/>
+          </a:lnRef>
+          <a:fillRef idx="1">
+            <a:schemeClr val="lt1"/>
+          </a:fillRef>
+          <a:effectRef idx="0">
+            <a:schemeClr val="dk1"/>
+          </a:effectRef>
+          <a:fontRef idx="minor">
+            <a:schemeClr val="dk1"/>
+          </a:fontRef>
+        </p:style>
+        <p:txBody>
+          <a:bodyPr wrap="square" rtlCol="0">
+            <a:spAutoFit/>
+          </a:bodyPr>
+          <a:lstStyle/>
+          <a:p>
+            <a:pPr algn="ctr"/>
+            <a:r>
+              <a:rPr lang="en-GB" sz="1400" dirty="0"/>
+              <a:t>unsure$log = “blank”</a:t>
+            </a:r>
+          </a:p>
+        </p:txBody>
+      </p:sp>
+      <p:sp>
+        <p:nvSpPr>
+          <p:cNvPr id="8" name="TextBox 7">
+            <a:extLst>
+              <a:ext uri="{FF2B5EF4-FFF2-40B4-BE49-F238E27FC236}">
+                <a16:creationId xmlns:a16="http://schemas.microsoft.com/office/drawing/2014/main" id="{CACCC09B-5803-4A6A-8E41-104C066042DC}"/>
+              </a:ext>
+            </a:extLst>
+          </p:cNvPr>
+          <p:cNvSpPr txBox="1"/>
+          <p:nvPr/>
+        </p:nvSpPr>
+        <p:spPr>
+          <a:xfrm>
+            <a:off x="9827178" y="2136802"/>
+            <a:ext cx="1786146" cy="307777"/>
+          </a:xfrm>
+          <a:prstGeom prst="rect">
+            <a:avLst/>
+          </a:prstGeom>
+          <a:solidFill>
+            <a:schemeClr val="accent6">
+              <a:lumMod val="60000"/>
+              <a:lumOff val="40000"/>
+            </a:schemeClr>
+          </a:solidFill>
+          <a:ln/>
+        </p:spPr>
+        <p:style>
+          <a:lnRef idx="2">
+            <a:schemeClr val="accent6"/>
+          </a:lnRef>
+          <a:fillRef idx="1">
+            <a:schemeClr val="lt1"/>
+          </a:fillRef>
+          <a:effectRef idx="0">
+            <a:schemeClr val="accent6"/>
+          </a:effectRef>
+          <a:fontRef idx="minor">
+            <a:schemeClr val="dk1"/>
+          </a:fontRef>
+        </p:style>
+        <p:txBody>
+          <a:bodyPr wrap="square" rtlCol="0">
+            <a:spAutoFit/>
+          </a:bodyPr>
+          <a:lstStyle/>
+          <a:p>
+            <a:pPr algn="ctr"/>
+            <a:r>
+              <a:rPr lang="en-GB" sz="1400" dirty="0"/>
+              <a:t>nexttab$log = “blank”</a:t>
+            </a:r>
+          </a:p>
+        </p:txBody>
+      </p:sp>
+      <p:sp>
+        <p:nvSpPr>
+          <p:cNvPr id="9" name="Rectangle 8">
+            <a:extLst>
+              <a:ext uri="{FF2B5EF4-FFF2-40B4-BE49-F238E27FC236}">
+                <a16:creationId xmlns:a16="http://schemas.microsoft.com/office/drawing/2014/main" id="{DAC6B07B-BED2-490A-97BA-341D59CC2744}"/>
+              </a:ext>
+            </a:extLst>
+          </p:cNvPr>
+          <p:cNvSpPr/>
+          <p:nvPr/>
+        </p:nvSpPr>
+        <p:spPr>
+          <a:xfrm>
+            <a:off x="8647611" y="-1"/>
+            <a:ext cx="3544389" cy="2674947"/>
+          </a:xfrm>
+          <a:prstGeom prst="rect">
+            <a:avLst/>
+          </a:prstGeom>
+          <a:noFill/>
+        </p:spPr>
+        <p:style>
+          <a:lnRef idx="2">
+            <a:schemeClr val="accent1">
+              <a:shade val="50000"/>
+            </a:schemeClr>
+          </a:lnRef>
+          <a:fillRef idx="1">
+            <a:schemeClr val="accent1"/>
+          </a:fillRef>
+          <a:effectRef idx="0">
+            <a:schemeClr val="accent1"/>
+          </a:effectRef>
+          <a:fontRef idx="minor">
+            <a:schemeClr val="lt1"/>
+          </a:fontRef>
+        </p:style>
+        <p:txBody>
+          <a:bodyPr rtlCol="0" anchor="ctr"/>
+          <a:lstStyle/>
+          <a:p>
+            <a:pPr algn="ctr"/>
+            <a:endParaRPr lang="en-GB"/>
+          </a:p>
+        </p:txBody>
+      </p:sp>
+      <p:sp>
+        <p:nvSpPr>
+          <p:cNvPr id="10" name="TextBox 9">
+            <a:extLst>
+              <a:ext uri="{FF2B5EF4-FFF2-40B4-BE49-F238E27FC236}">
+                <a16:creationId xmlns:a16="http://schemas.microsoft.com/office/drawing/2014/main" id="{80C9166F-F1C9-4548-814F-FC56B19F708D}"/>
+              </a:ext>
+            </a:extLst>
+          </p:cNvPr>
+          <p:cNvSpPr txBox="1"/>
+          <p:nvPr/>
+        </p:nvSpPr>
+        <p:spPr>
+          <a:xfrm>
+            <a:off x="696686" y="1690688"/>
+            <a:ext cx="1550125" cy="646331"/>
+          </a:xfrm>
+          <a:prstGeom prst="rect">
+            <a:avLst/>
+          </a:prstGeom>
+          <a:solidFill>
+            <a:schemeClr val="accent1">
+              <a:lumMod val="40000"/>
+              <a:lumOff val="60000"/>
+            </a:schemeClr>
+          </a:solidFill>
+          <a:ln/>
+        </p:spPr>
+        <p:style>
+          <a:lnRef idx="2">
+            <a:schemeClr val="accent1"/>
+          </a:lnRef>
+          <a:fillRef idx="1">
+            <a:schemeClr val="lt1"/>
+          </a:fillRef>
+          <a:effectRef idx="0">
+            <a:schemeClr val="accent1"/>
+          </a:effectRef>
+          <a:fontRef idx="minor">
+            <a:schemeClr val="dk1"/>
+          </a:fontRef>
+        </p:style>
+        <p:txBody>
+          <a:bodyPr wrap="square" rtlCol="0">
+            <a:spAutoFit/>
+          </a:bodyPr>
+          <a:lstStyle/>
+          <a:p>
+            <a:pPr algn="ctr"/>
+            <a:r>
+              <a:rPr lang="en-GB" dirty="0"/>
+              <a:t>Select update existing log</a:t>
+            </a:r>
+          </a:p>
+        </p:txBody>
+      </p:sp>
+      <p:sp>
+        <p:nvSpPr>
+          <p:cNvPr id="11" name="TextBox 10">
+            <a:extLst>
+              <a:ext uri="{FF2B5EF4-FFF2-40B4-BE49-F238E27FC236}">
+                <a16:creationId xmlns:a16="http://schemas.microsoft.com/office/drawing/2014/main" id="{39101A48-3593-4C0B-B019-973054C77BC0}"/>
+              </a:ext>
+            </a:extLst>
+          </p:cNvPr>
+          <p:cNvSpPr txBox="1"/>
+          <p:nvPr/>
+        </p:nvSpPr>
+        <p:spPr>
+          <a:xfrm>
+            <a:off x="696686" y="2521058"/>
+            <a:ext cx="1550125" cy="523220"/>
+          </a:xfrm>
+          <a:prstGeom prst="rect">
+            <a:avLst/>
+          </a:prstGeom>
+          <a:solidFill>
+            <a:schemeClr val="accent2">
+              <a:lumMod val="40000"/>
+              <a:lumOff val="60000"/>
+            </a:schemeClr>
+          </a:solidFill>
+          <a:ln/>
+        </p:spPr>
+        <p:style>
+          <a:lnRef idx="2">
+            <a:schemeClr val="accent2"/>
+          </a:lnRef>
+          <a:fillRef idx="1">
+            <a:schemeClr val="lt1"/>
+          </a:fillRef>
+          <a:effectRef idx="0">
+            <a:schemeClr val="accent2"/>
+          </a:effectRef>
+          <a:fontRef idx="minor">
+            <a:schemeClr val="dk1"/>
+          </a:fontRef>
+        </p:style>
+        <p:txBody>
+          <a:bodyPr wrap="square" rtlCol="0">
+            <a:spAutoFit/>
+          </a:bodyPr>
+          <a:lstStyle/>
+          <a:p>
+            <a:pPr algn="ctr"/>
+            <a:r>
+              <a:rPr lang="en-GB" sz="1400" dirty="0"/>
+              <a:t>types$log = “update”</a:t>
+            </a:r>
+          </a:p>
+        </p:txBody>
+      </p:sp>
+      <p:cxnSp>
+        <p:nvCxnSpPr>
+          <p:cNvPr id="12" name="Straight Arrow Connector 11">
+            <a:extLst>
+              <a:ext uri="{FF2B5EF4-FFF2-40B4-BE49-F238E27FC236}">
+                <a16:creationId xmlns:a16="http://schemas.microsoft.com/office/drawing/2014/main" id="{489ABD6B-6365-4CA1-8A09-806DC098A9E6}"/>
+              </a:ext>
+            </a:extLst>
+          </p:cNvPr>
+          <p:cNvCxnSpPr/>
+          <p:nvPr/>
+        </p:nvCxnSpPr>
+        <p:spPr>
+          <a:xfrm>
+            <a:off x="1471749" y="2337019"/>
+            <a:ext cx="0" cy="184039"/>
+          </a:xfrm>
+          <a:prstGeom prst="straightConnector1">
+            <a:avLst/>
+          </a:prstGeom>
+          <a:ln>
+            <a:solidFill>
+              <a:schemeClr val="accent6">
+                <a:lumMod val="75000"/>
+              </a:schemeClr>
+            </a:solidFill>
+            <a:tailEnd type="triangle"/>
+          </a:ln>
+        </p:spPr>
+        <p:style>
+          <a:lnRef idx="1">
+            <a:schemeClr val="accent1"/>
+          </a:lnRef>
+          <a:fillRef idx="0">
+            <a:schemeClr val="accent1"/>
+          </a:fillRef>
+          <a:effectRef idx="0">
+            <a:schemeClr val="accent1"/>
+          </a:effectRef>
+          <a:fontRef idx="minor">
+            <a:schemeClr val="tx1"/>
+          </a:fontRef>
+        </p:style>
+      </p:cxnSp>
+      <p:sp>
+        <p:nvSpPr>
+          <p:cNvPr id="13" name="Rectangle: Rounded Corners 12">
+            <a:extLst>
+              <a:ext uri="{FF2B5EF4-FFF2-40B4-BE49-F238E27FC236}">
+                <a16:creationId xmlns:a16="http://schemas.microsoft.com/office/drawing/2014/main" id="{41092D61-F119-406C-8377-9262EFF2865C}"/>
+              </a:ext>
+            </a:extLst>
+          </p:cNvPr>
+          <p:cNvSpPr/>
+          <p:nvPr/>
+        </p:nvSpPr>
+        <p:spPr>
+          <a:xfrm>
+            <a:off x="2640769" y="1540276"/>
+            <a:ext cx="1813497" cy="3205895"/>
+          </a:xfrm>
+          <a:prstGeom prst="roundRect">
+            <a:avLst/>
+          </a:prstGeom>
+          <a:solidFill>
+            <a:schemeClr val="accent4">
+              <a:alpha val="50000"/>
+            </a:schemeClr>
+          </a:solidFill>
+          <a:ln>
+            <a:noFill/>
+          </a:ln>
+        </p:spPr>
+        <p:style>
+          <a:lnRef idx="0">
+            <a:scrgbClr r="0" g="0" b="0"/>
+          </a:lnRef>
+          <a:fillRef idx="0">
+            <a:scrgbClr r="0" g="0" b="0"/>
+          </a:fillRef>
+          <a:effectRef idx="0">
+            <a:scrgbClr r="0" g="0" b="0"/>
+          </a:effectRef>
+          <a:fontRef idx="minor">
+            <a:schemeClr val="lt1"/>
+          </a:fontRef>
+        </p:style>
+        <p:txBody>
+          <a:bodyPr rtlCol="0" anchor="ctr"/>
+          <a:lstStyle/>
+          <a:p>
+            <a:pPr algn="ctr"/>
+            <a:endParaRPr lang="en-GB"/>
+          </a:p>
+        </p:txBody>
+      </p:sp>
+      <p:sp>
+        <p:nvSpPr>
+          <p:cNvPr id="14" name="TextBox 13">
+            <a:extLst>
+              <a:ext uri="{FF2B5EF4-FFF2-40B4-BE49-F238E27FC236}">
+                <a16:creationId xmlns:a16="http://schemas.microsoft.com/office/drawing/2014/main" id="{788AE908-CC7C-439F-B84E-CD6640E8AC9B}"/>
+              </a:ext>
+            </a:extLst>
+          </p:cNvPr>
+          <p:cNvSpPr txBox="1"/>
+          <p:nvPr/>
+        </p:nvSpPr>
+        <p:spPr>
+          <a:xfrm>
+            <a:off x="2773681" y="1690688"/>
+            <a:ext cx="1550125" cy="1200329"/>
+          </a:xfrm>
+          <a:prstGeom prst="rect">
+            <a:avLst/>
+          </a:prstGeom>
+          <a:solidFill>
+            <a:schemeClr val="accent1">
+              <a:lumMod val="40000"/>
+              <a:lumOff val="60000"/>
+            </a:schemeClr>
+          </a:solidFill>
+          <a:ln/>
+        </p:spPr>
+        <p:style>
+          <a:lnRef idx="2">
+            <a:schemeClr val="accent1"/>
+          </a:lnRef>
+          <a:fillRef idx="1">
+            <a:schemeClr val="lt1"/>
+          </a:fillRef>
+          <a:effectRef idx="0">
+            <a:schemeClr val="accent1"/>
+          </a:effectRef>
+          <a:fontRef idx="minor">
+            <a:schemeClr val="dk1"/>
+          </a:fontRef>
+        </p:style>
+        <p:txBody>
+          <a:bodyPr wrap="square" rtlCol="0">
+            <a:spAutoFit/>
+          </a:bodyPr>
+          <a:lstStyle/>
+          <a:p>
+            <a:pPr algn="ctr"/>
+            <a:r>
+              <a:rPr lang="en-GB" dirty="0"/>
+              <a:t>A new panel is shown with following options:</a:t>
+            </a:r>
+          </a:p>
+        </p:txBody>
+      </p:sp>
+      <p:sp>
+        <p:nvSpPr>
+          <p:cNvPr id="15" name="TextBox 14">
+            <a:extLst>
+              <a:ext uri="{FF2B5EF4-FFF2-40B4-BE49-F238E27FC236}">
+                <a16:creationId xmlns:a16="http://schemas.microsoft.com/office/drawing/2014/main" id="{F81CEF0C-2D73-4EE7-BDE9-3501EB1437E0}"/>
+              </a:ext>
+            </a:extLst>
+          </p:cNvPr>
+          <p:cNvSpPr txBox="1"/>
+          <p:nvPr/>
+        </p:nvSpPr>
+        <p:spPr>
+          <a:xfrm>
+            <a:off x="2773681" y="3016250"/>
+            <a:ext cx="1550125" cy="646331"/>
+          </a:xfrm>
+          <a:prstGeom prst="rect">
+            <a:avLst/>
+          </a:prstGeom>
+          <a:solidFill>
+            <a:schemeClr val="accent1">
+              <a:lumMod val="40000"/>
+              <a:lumOff val="60000"/>
+            </a:schemeClr>
+          </a:solidFill>
+          <a:ln/>
+        </p:spPr>
+        <p:style>
+          <a:lnRef idx="2">
+            <a:schemeClr val="accent1"/>
+          </a:lnRef>
+          <a:fillRef idx="1">
+            <a:schemeClr val="lt1"/>
+          </a:fillRef>
+          <a:effectRef idx="0">
+            <a:schemeClr val="accent1"/>
+          </a:effectRef>
+          <a:fontRef idx="minor">
+            <a:schemeClr val="dk1"/>
+          </a:fontRef>
+        </p:style>
+        <p:txBody>
+          <a:bodyPr wrap="square" rtlCol="0">
+            <a:spAutoFit/>
+          </a:bodyPr>
+          <a:lstStyle/>
+          <a:p>
+            <a:pPr algn="ctr"/>
+            <a:r>
+              <a:rPr lang="en-GB" dirty="0"/>
+              <a:t>Submit project ID</a:t>
+            </a:r>
+          </a:p>
+        </p:txBody>
+      </p:sp>
+      <p:sp>
+        <p:nvSpPr>
+          <p:cNvPr id="21" name="TextBox 20">
+            <a:extLst>
+              <a:ext uri="{FF2B5EF4-FFF2-40B4-BE49-F238E27FC236}">
+                <a16:creationId xmlns:a16="http://schemas.microsoft.com/office/drawing/2014/main" id="{D267B0BB-5EE0-42D3-96C0-693B948DBF18}"/>
+              </a:ext>
+            </a:extLst>
+          </p:cNvPr>
+          <p:cNvSpPr txBox="1"/>
+          <p:nvPr/>
+        </p:nvSpPr>
+        <p:spPr>
+          <a:xfrm>
+            <a:off x="2773681" y="4301621"/>
+            <a:ext cx="1550125" cy="276999"/>
+          </a:xfrm>
+          <a:prstGeom prst="rect">
+            <a:avLst/>
+          </a:prstGeom>
+          <a:solidFill>
+            <a:schemeClr val="accent1">
+              <a:lumMod val="40000"/>
+              <a:lumOff val="60000"/>
+            </a:schemeClr>
+          </a:solidFill>
+          <a:ln/>
+        </p:spPr>
+        <p:style>
+          <a:lnRef idx="2">
+            <a:schemeClr val="accent1"/>
+          </a:lnRef>
+          <a:fillRef idx="1">
+            <a:schemeClr val="lt1"/>
+          </a:fillRef>
+          <a:effectRef idx="0">
+            <a:schemeClr val="accent1"/>
+          </a:effectRef>
+          <a:fontRef idx="minor">
+            <a:schemeClr val="dk1"/>
+          </a:fontRef>
+        </p:style>
+        <p:txBody>
+          <a:bodyPr wrap="square" rtlCol="0">
+            <a:spAutoFit/>
+          </a:bodyPr>
+          <a:lstStyle/>
+          <a:p>
+            <a:pPr algn="ctr"/>
+            <a:r>
+              <a:rPr lang="en-GB" sz="1200" dirty="0"/>
+              <a:t>Back</a:t>
+            </a:r>
+          </a:p>
+        </p:txBody>
+      </p:sp>
+      <p:cxnSp>
+        <p:nvCxnSpPr>
+          <p:cNvPr id="24" name="Straight Arrow Connector 23">
+            <a:extLst>
+              <a:ext uri="{FF2B5EF4-FFF2-40B4-BE49-F238E27FC236}">
+                <a16:creationId xmlns:a16="http://schemas.microsoft.com/office/drawing/2014/main" id="{49DB5DB6-AE9F-47A7-A2DD-C0F757960B77}"/>
+              </a:ext>
+            </a:extLst>
+          </p:cNvPr>
+          <p:cNvCxnSpPr>
+            <a:cxnSpLocks/>
+          </p:cNvCxnSpPr>
+          <p:nvPr/>
+        </p:nvCxnSpPr>
+        <p:spPr>
+          <a:xfrm flipV="1">
+            <a:off x="2246811" y="2290853"/>
+            <a:ext cx="526870" cy="384094"/>
+          </a:xfrm>
+          <a:prstGeom prst="straightConnector1">
+            <a:avLst/>
+          </a:prstGeom>
+          <a:ln>
+            <a:solidFill>
+              <a:schemeClr val="accent6">
+                <a:lumMod val="75000"/>
+              </a:schemeClr>
+            </a:solidFill>
+            <a:tailEnd type="triangle"/>
+          </a:ln>
+        </p:spPr>
+        <p:style>
+          <a:lnRef idx="1">
+            <a:schemeClr val="accent1"/>
+          </a:lnRef>
+          <a:fillRef idx="0">
+            <a:schemeClr val="accent1"/>
+          </a:fillRef>
+          <a:effectRef idx="0">
+            <a:schemeClr val="accent1"/>
+          </a:effectRef>
+          <a:fontRef idx="minor">
+            <a:schemeClr val="tx1"/>
+          </a:fontRef>
+        </p:style>
+      </p:cxnSp>
+      <p:sp>
+        <p:nvSpPr>
+          <p:cNvPr id="25" name="Rectangle: Rounded Corners 24">
+            <a:extLst>
+              <a:ext uri="{FF2B5EF4-FFF2-40B4-BE49-F238E27FC236}">
+                <a16:creationId xmlns:a16="http://schemas.microsoft.com/office/drawing/2014/main" id="{43568536-6390-4AD8-9D5D-25994E55A2A0}"/>
+              </a:ext>
+            </a:extLst>
+          </p:cNvPr>
+          <p:cNvSpPr/>
+          <p:nvPr/>
+        </p:nvSpPr>
+        <p:spPr>
+          <a:xfrm>
+            <a:off x="2546307" y="5204171"/>
+            <a:ext cx="2124075" cy="755650"/>
+          </a:xfrm>
+          <a:prstGeom prst="roundRect">
+            <a:avLst>
+              <a:gd name="adj" fmla="val 6355"/>
+            </a:avLst>
+          </a:prstGeom>
+          <a:solidFill>
+            <a:schemeClr val="accent4">
+              <a:alpha val="50000"/>
+            </a:schemeClr>
+          </a:solidFill>
+          <a:ln>
+            <a:noFill/>
+          </a:ln>
+        </p:spPr>
+        <p:style>
+          <a:lnRef idx="0">
+            <a:scrgbClr r="0" g="0" b="0"/>
+          </a:lnRef>
+          <a:fillRef idx="0">
+            <a:scrgbClr r="0" g="0" b="0"/>
+          </a:fillRef>
+          <a:effectRef idx="0">
+            <a:scrgbClr r="0" g="0" b="0"/>
+          </a:effectRef>
+          <a:fontRef idx="minor">
+            <a:schemeClr val="lt1"/>
+          </a:fontRef>
+        </p:style>
+        <p:txBody>
+          <a:bodyPr rtlCol="0" anchor="ctr"/>
+          <a:lstStyle/>
+          <a:p>
+            <a:pPr algn="ctr"/>
+            <a:endParaRPr lang="en-GB"/>
+          </a:p>
+        </p:txBody>
+      </p:sp>
+      <p:sp>
+        <p:nvSpPr>
+          <p:cNvPr id="26" name="TextBox 25">
+            <a:extLst>
+              <a:ext uri="{FF2B5EF4-FFF2-40B4-BE49-F238E27FC236}">
+                <a16:creationId xmlns:a16="http://schemas.microsoft.com/office/drawing/2014/main" id="{F3E0EA16-AB5E-42EC-B61D-F9A0B0ED3841}"/>
+              </a:ext>
+            </a:extLst>
+          </p:cNvPr>
+          <p:cNvSpPr txBox="1"/>
+          <p:nvPr/>
+        </p:nvSpPr>
+        <p:spPr>
+          <a:xfrm>
+            <a:off x="2596381" y="5251187"/>
+            <a:ext cx="2029096" cy="307777"/>
+          </a:xfrm>
+          <a:prstGeom prst="rect">
+            <a:avLst/>
+          </a:prstGeom>
+          <a:solidFill>
+            <a:schemeClr val="accent2">
+              <a:lumMod val="40000"/>
+              <a:lumOff val="60000"/>
+            </a:schemeClr>
+          </a:solidFill>
+          <a:ln/>
+        </p:spPr>
+        <p:style>
+          <a:lnRef idx="2">
+            <a:schemeClr val="accent2"/>
+          </a:lnRef>
+          <a:fillRef idx="1">
+            <a:schemeClr val="lt1"/>
+          </a:fillRef>
+          <a:effectRef idx="0">
+            <a:schemeClr val="accent2"/>
+          </a:effectRef>
+          <a:fontRef idx="minor">
+            <a:schemeClr val="dk1"/>
+          </a:fontRef>
+        </p:style>
+        <p:txBody>
+          <a:bodyPr wrap="square" rtlCol="0">
+            <a:spAutoFit/>
+          </a:bodyPr>
+          <a:lstStyle/>
+          <a:p>
+            <a:pPr algn="ctr"/>
+            <a:r>
+              <a:rPr lang="en-GB" sz="1400" dirty="0"/>
+              <a:t>types$log = “blank”</a:t>
+            </a:r>
+          </a:p>
+        </p:txBody>
+      </p:sp>
+      <p:sp>
+        <p:nvSpPr>
+          <p:cNvPr id="27" name="TextBox 26">
+            <a:extLst>
+              <a:ext uri="{FF2B5EF4-FFF2-40B4-BE49-F238E27FC236}">
+                <a16:creationId xmlns:a16="http://schemas.microsoft.com/office/drawing/2014/main" id="{F69F7A4A-157B-4914-9470-811B4632C7D0}"/>
+              </a:ext>
+            </a:extLst>
+          </p:cNvPr>
+          <p:cNvSpPr txBox="1"/>
+          <p:nvPr/>
+        </p:nvSpPr>
+        <p:spPr>
+          <a:xfrm>
+            <a:off x="2596380" y="5613081"/>
+            <a:ext cx="2029095" cy="307777"/>
+          </a:xfrm>
+          <a:prstGeom prst="rect">
+            <a:avLst/>
+          </a:prstGeom>
+          <a:solidFill>
+            <a:schemeClr val="bg1">
+              <a:lumMod val="75000"/>
+            </a:schemeClr>
+          </a:solidFill>
+          <a:ln/>
+        </p:spPr>
+        <p:style>
+          <a:lnRef idx="2">
+            <a:schemeClr val="dk1"/>
+          </a:lnRef>
+          <a:fillRef idx="1">
+            <a:schemeClr val="lt1"/>
+          </a:fillRef>
+          <a:effectRef idx="0">
+            <a:schemeClr val="dk1"/>
+          </a:effectRef>
+          <a:fontRef idx="minor">
+            <a:schemeClr val="dk1"/>
+          </a:fontRef>
+        </p:style>
+        <p:txBody>
+          <a:bodyPr wrap="square" rtlCol="0">
+            <a:spAutoFit/>
+          </a:bodyPr>
+          <a:lstStyle/>
+          <a:p>
+            <a:pPr algn="ctr"/>
+            <a:r>
+              <a:rPr lang="en-GB" sz="1400" dirty="0"/>
+              <a:t>unsure$log = “blank”</a:t>
+            </a:r>
+          </a:p>
+        </p:txBody>
+      </p:sp>
+      <p:cxnSp>
+        <p:nvCxnSpPr>
+          <p:cNvPr id="30" name="Connector: Elbow 29">
+            <a:extLst>
+              <a:ext uri="{FF2B5EF4-FFF2-40B4-BE49-F238E27FC236}">
+                <a16:creationId xmlns:a16="http://schemas.microsoft.com/office/drawing/2014/main" id="{18B658A6-8856-4403-8B17-4850C13CE923}"/>
+              </a:ext>
+            </a:extLst>
+          </p:cNvPr>
+          <p:cNvCxnSpPr>
+            <a:cxnSpLocks/>
+            <a:endCxn id="10" idx="1"/>
+          </p:cNvCxnSpPr>
+          <p:nvPr/>
+        </p:nvCxnSpPr>
+        <p:spPr>
+          <a:xfrm rot="16200000" flipV="1">
+            <a:off x="192849" y="2517691"/>
+            <a:ext cx="3945968" cy="2938293"/>
+          </a:xfrm>
+          <a:prstGeom prst="bentConnector4">
+            <a:avLst>
+              <a:gd name="adj1" fmla="val -6966"/>
+              <a:gd name="adj2" fmla="val 107780"/>
+            </a:avLst>
+          </a:prstGeom>
+          <a:ln>
+            <a:solidFill>
+              <a:schemeClr val="accent6">
+                <a:lumMod val="75000"/>
+              </a:schemeClr>
+            </a:solidFill>
+            <a:tailEnd type="triangle"/>
+          </a:ln>
+        </p:spPr>
+        <p:style>
+          <a:lnRef idx="1">
+            <a:schemeClr val="accent1"/>
+          </a:lnRef>
+          <a:fillRef idx="0">
+            <a:schemeClr val="accent1"/>
+          </a:fillRef>
+          <a:effectRef idx="0">
+            <a:schemeClr val="accent1"/>
+          </a:effectRef>
+          <a:fontRef idx="minor">
+            <a:schemeClr val="tx1"/>
+          </a:fontRef>
+        </p:style>
+      </p:cxnSp>
+      <p:sp>
+        <p:nvSpPr>
+          <p:cNvPr id="34" name="TextBox 33">
+            <a:extLst>
+              <a:ext uri="{FF2B5EF4-FFF2-40B4-BE49-F238E27FC236}">
+                <a16:creationId xmlns:a16="http://schemas.microsoft.com/office/drawing/2014/main" id="{DB448E45-3C77-4D82-88FF-F00E2E6BE27C}"/>
+              </a:ext>
+            </a:extLst>
+          </p:cNvPr>
+          <p:cNvSpPr txBox="1"/>
+          <p:nvPr/>
+        </p:nvSpPr>
+        <p:spPr>
+          <a:xfrm>
+            <a:off x="2772454" y="3770695"/>
+            <a:ext cx="1550125" cy="461665"/>
+          </a:xfrm>
+          <a:prstGeom prst="rect">
+            <a:avLst/>
+          </a:prstGeom>
+          <a:solidFill>
+            <a:schemeClr val="accent1">
+              <a:lumMod val="40000"/>
+              <a:lumOff val="60000"/>
+            </a:schemeClr>
+          </a:solidFill>
+          <a:ln/>
+        </p:spPr>
+        <p:style>
+          <a:lnRef idx="2">
+            <a:schemeClr val="accent1"/>
+          </a:lnRef>
+          <a:fillRef idx="1">
+            <a:schemeClr val="lt1"/>
+          </a:fillRef>
+          <a:effectRef idx="0">
+            <a:schemeClr val="accent1"/>
+          </a:effectRef>
+          <a:fontRef idx="minor">
+            <a:schemeClr val="dk1"/>
+          </a:fontRef>
+        </p:style>
+        <p:txBody>
+          <a:bodyPr wrap="square" rtlCol="0">
+            <a:spAutoFit/>
+          </a:bodyPr>
+          <a:lstStyle/>
+          <a:p>
+            <a:pPr algn="ctr"/>
+            <a:r>
+              <a:rPr lang="en-GB" sz="1200" dirty="0"/>
+              <a:t>Error message (initially blank)</a:t>
+            </a:r>
+          </a:p>
+        </p:txBody>
+      </p:sp>
+      <p:cxnSp>
+        <p:nvCxnSpPr>
+          <p:cNvPr id="38" name="Connector: Elbow 37">
+            <a:extLst>
+              <a:ext uri="{FF2B5EF4-FFF2-40B4-BE49-F238E27FC236}">
+                <a16:creationId xmlns:a16="http://schemas.microsoft.com/office/drawing/2014/main" id="{2C637EC3-1953-455A-ACF3-20D9CE2487F1}"/>
+              </a:ext>
+            </a:extLst>
+          </p:cNvPr>
+          <p:cNvCxnSpPr>
+            <a:cxnSpLocks/>
+            <a:stCxn id="21" idx="1"/>
+            <a:endCxn id="25" idx="1"/>
+          </p:cNvCxnSpPr>
+          <p:nvPr/>
+        </p:nvCxnSpPr>
+        <p:spPr>
+          <a:xfrm rot="10800000" flipV="1">
+            <a:off x="2546307" y="4440120"/>
+            <a:ext cx="227374" cy="1141875"/>
+          </a:xfrm>
+          <a:prstGeom prst="bentConnector3">
+            <a:avLst>
+              <a:gd name="adj1" fmla="val 200539"/>
+            </a:avLst>
+          </a:prstGeom>
+          <a:ln>
+            <a:tailEnd type="triangle"/>
+          </a:ln>
+        </p:spPr>
+        <p:style>
+          <a:lnRef idx="1">
+            <a:schemeClr val="accent1"/>
+          </a:lnRef>
+          <a:fillRef idx="0">
+            <a:schemeClr val="accent1"/>
+          </a:fillRef>
+          <a:effectRef idx="0">
+            <a:schemeClr val="accent1"/>
+          </a:effectRef>
+          <a:fontRef idx="minor">
+            <a:schemeClr val="tx1"/>
+          </a:fontRef>
+        </p:style>
+      </p:cxnSp>
+      <p:sp>
+        <p:nvSpPr>
+          <p:cNvPr id="42" name="Rectangle: Rounded Corners 41">
+            <a:extLst>
+              <a:ext uri="{FF2B5EF4-FFF2-40B4-BE49-F238E27FC236}">
+                <a16:creationId xmlns:a16="http://schemas.microsoft.com/office/drawing/2014/main" id="{E4829E40-9A23-48DD-AAC0-95F23ADB0DFB}"/>
+              </a:ext>
+            </a:extLst>
+          </p:cNvPr>
+          <p:cNvSpPr/>
+          <p:nvPr/>
+        </p:nvSpPr>
+        <p:spPr>
+          <a:xfrm>
+            <a:off x="4717764" y="1540275"/>
+            <a:ext cx="3716022" cy="4762871"/>
+          </a:xfrm>
+          <a:prstGeom prst="roundRect">
+            <a:avLst>
+              <a:gd name="adj" fmla="val 5313"/>
+            </a:avLst>
+          </a:prstGeom>
+          <a:solidFill>
+            <a:schemeClr val="accent4">
+              <a:alpha val="50000"/>
+            </a:schemeClr>
+          </a:solidFill>
+          <a:ln>
+            <a:noFill/>
+          </a:ln>
+        </p:spPr>
+        <p:style>
+          <a:lnRef idx="0">
+            <a:scrgbClr r="0" g="0" b="0"/>
+          </a:lnRef>
+          <a:fillRef idx="0">
+            <a:scrgbClr r="0" g="0" b="0"/>
+          </a:fillRef>
+          <a:effectRef idx="0">
+            <a:scrgbClr r="0" g="0" b="0"/>
+          </a:effectRef>
+          <a:fontRef idx="minor">
+            <a:schemeClr val="lt1"/>
+          </a:fontRef>
+        </p:style>
+        <p:txBody>
+          <a:bodyPr rtlCol="0" anchor="ctr"/>
+          <a:lstStyle/>
+          <a:p>
+            <a:pPr algn="ctr"/>
+            <a:endParaRPr lang="en-GB"/>
+          </a:p>
+        </p:txBody>
+      </p:sp>
+      <p:sp>
+        <p:nvSpPr>
+          <p:cNvPr id="43" name="TextBox 42">
+            <a:extLst>
+              <a:ext uri="{FF2B5EF4-FFF2-40B4-BE49-F238E27FC236}">
+                <a16:creationId xmlns:a16="http://schemas.microsoft.com/office/drawing/2014/main" id="{36409E06-2757-4824-BD1A-DEA9357C614B}"/>
+              </a:ext>
+            </a:extLst>
+          </p:cNvPr>
+          <p:cNvSpPr txBox="1"/>
+          <p:nvPr/>
+        </p:nvSpPr>
+        <p:spPr>
+          <a:xfrm>
+            <a:off x="4848224" y="1665509"/>
+            <a:ext cx="3423830" cy="307777"/>
+          </a:xfrm>
+          <a:prstGeom prst="rect">
+            <a:avLst/>
+          </a:prstGeom>
+          <a:solidFill>
+            <a:schemeClr val="accent1">
+              <a:lumMod val="40000"/>
+              <a:lumOff val="60000"/>
+            </a:schemeClr>
+          </a:solidFill>
+          <a:ln/>
+        </p:spPr>
+        <p:style>
+          <a:lnRef idx="2">
+            <a:schemeClr val="accent1"/>
+          </a:lnRef>
+          <a:fillRef idx="1">
+            <a:schemeClr val="lt1"/>
+          </a:fillRef>
+          <a:effectRef idx="0">
+            <a:schemeClr val="accent1"/>
+          </a:effectRef>
+          <a:fontRef idx="minor">
+            <a:schemeClr val="dk1"/>
+          </a:fontRef>
+        </p:style>
+        <p:txBody>
+          <a:bodyPr wrap="square" rtlCol="0">
+            <a:spAutoFit/>
+          </a:bodyPr>
+          <a:lstStyle/>
+          <a:p>
+            <a:pPr algn="ctr"/>
+            <a:r>
+              <a:rPr lang="en-GB" sz="1400" dirty="0"/>
+              <a:t>Reads in info from SQL QA_log database</a:t>
+            </a:r>
+          </a:p>
+        </p:txBody>
+      </p:sp>
+      <p:sp>
+        <p:nvSpPr>
+          <p:cNvPr id="44" name="TextBox 43">
+            <a:extLst>
+              <a:ext uri="{FF2B5EF4-FFF2-40B4-BE49-F238E27FC236}">
+                <a16:creationId xmlns:a16="http://schemas.microsoft.com/office/drawing/2014/main" id="{A26019A0-C95E-4A23-95E3-2D14A04A1CE5}"/>
+              </a:ext>
+            </a:extLst>
+          </p:cNvPr>
+          <p:cNvSpPr txBox="1"/>
+          <p:nvPr/>
+        </p:nvSpPr>
+        <p:spPr>
+          <a:xfrm>
+            <a:off x="4848224" y="2038170"/>
+            <a:ext cx="3423830" cy="523220"/>
+          </a:xfrm>
+          <a:prstGeom prst="rect">
+            <a:avLst/>
+          </a:prstGeom>
+          <a:solidFill>
+            <a:schemeClr val="accent1">
+              <a:lumMod val="40000"/>
+              <a:lumOff val="60000"/>
+            </a:schemeClr>
+          </a:solidFill>
+          <a:ln/>
+        </p:spPr>
+        <p:style>
+          <a:lnRef idx="2">
+            <a:schemeClr val="accent1"/>
+          </a:lnRef>
+          <a:fillRef idx="1">
+            <a:schemeClr val="lt1"/>
+          </a:fillRef>
+          <a:effectRef idx="0">
+            <a:schemeClr val="accent1"/>
+          </a:effectRef>
+          <a:fontRef idx="minor">
+            <a:schemeClr val="dk1"/>
+          </a:fontRef>
+        </p:style>
+        <p:txBody>
+          <a:bodyPr wrap="square" rtlCol="0">
+            <a:spAutoFit/>
+          </a:bodyPr>
+          <a:lstStyle/>
+          <a:p>
+            <a:pPr algn="ctr"/>
+            <a:r>
+              <a:rPr lang="en-GB" sz="1400" dirty="0"/>
+              <a:t>If no corresponding project ID, display error message</a:t>
+            </a:r>
+          </a:p>
+        </p:txBody>
+      </p:sp>
+      <p:cxnSp>
+        <p:nvCxnSpPr>
+          <p:cNvPr id="46" name="Connector: Elbow 45">
+            <a:extLst>
+              <a:ext uri="{FF2B5EF4-FFF2-40B4-BE49-F238E27FC236}">
+                <a16:creationId xmlns:a16="http://schemas.microsoft.com/office/drawing/2014/main" id="{5AD14CC4-921C-494D-984B-E4CE64CC8EA4}"/>
+              </a:ext>
+            </a:extLst>
+          </p:cNvPr>
+          <p:cNvCxnSpPr>
+            <a:cxnSpLocks/>
+            <a:stCxn id="15" idx="3"/>
+            <a:endCxn id="43" idx="1"/>
+          </p:cNvCxnSpPr>
+          <p:nvPr/>
+        </p:nvCxnSpPr>
+        <p:spPr>
+          <a:xfrm flipV="1">
+            <a:off x="4323806" y="1819398"/>
+            <a:ext cx="524418" cy="1520018"/>
+          </a:xfrm>
+          <a:prstGeom prst="bentConnector3">
+            <a:avLst/>
+          </a:prstGeom>
+          <a:ln>
+            <a:tailEnd type="triangle"/>
+          </a:ln>
+        </p:spPr>
+        <p:style>
+          <a:lnRef idx="1">
+            <a:schemeClr val="accent1"/>
+          </a:lnRef>
+          <a:fillRef idx="0">
+            <a:schemeClr val="accent1"/>
+          </a:fillRef>
+          <a:effectRef idx="0">
+            <a:schemeClr val="accent1"/>
+          </a:effectRef>
+          <a:fontRef idx="minor">
+            <a:schemeClr val="tx1"/>
+          </a:fontRef>
+        </p:style>
+      </p:cxnSp>
+      <p:sp>
+        <p:nvSpPr>
+          <p:cNvPr id="48" name="TextBox 47">
+            <a:extLst>
+              <a:ext uri="{FF2B5EF4-FFF2-40B4-BE49-F238E27FC236}">
+                <a16:creationId xmlns:a16="http://schemas.microsoft.com/office/drawing/2014/main" id="{77547CF2-7935-4B9F-8B1E-03BD676201FF}"/>
+              </a:ext>
+            </a:extLst>
+          </p:cNvPr>
+          <p:cNvSpPr txBox="1"/>
+          <p:nvPr/>
+        </p:nvSpPr>
+        <p:spPr>
+          <a:xfrm>
+            <a:off x="4839024" y="2644053"/>
+            <a:ext cx="3423830" cy="1477328"/>
+          </a:xfrm>
+          <a:prstGeom prst="rect">
+            <a:avLst/>
+          </a:prstGeom>
+          <a:solidFill>
+            <a:schemeClr val="accent1">
+              <a:lumMod val="40000"/>
+              <a:lumOff val="60000"/>
+            </a:schemeClr>
+          </a:solidFill>
+          <a:ln/>
+        </p:spPr>
+        <p:style>
+          <a:lnRef idx="2">
+            <a:schemeClr val="accent1"/>
+          </a:lnRef>
+          <a:fillRef idx="1">
+            <a:schemeClr val="lt1"/>
+          </a:fillRef>
+          <a:effectRef idx="0">
+            <a:schemeClr val="accent1"/>
+          </a:effectRef>
+          <a:fontRef idx="minor">
+            <a:schemeClr val="dk1"/>
+          </a:fontRef>
+        </p:style>
+        <p:txBody>
+          <a:bodyPr wrap="square" rtlCol="0">
+            <a:spAutoFit/>
+          </a:bodyPr>
+          <a:lstStyle/>
+          <a:p>
+            <a:pPr algn="ctr"/>
+            <a:r>
+              <a:rPr lang="en-GB" sz="1400" dirty="0"/>
+              <a:t>Else:</a:t>
+            </a:r>
+          </a:p>
+          <a:p>
+            <a:pPr algn="ctr"/>
+            <a:r>
+              <a:rPr lang="en-GB" sz="1400" dirty="0"/>
+              <a:t>Switch tab</a:t>
+            </a:r>
+          </a:p>
+          <a:p>
+            <a:pPr algn="ctr"/>
+            <a:endParaRPr lang="en-GB" sz="600" dirty="0"/>
+          </a:p>
+          <a:p>
+            <a:pPr algn="ctr"/>
+            <a:endParaRPr lang="en-GB" sz="1400" dirty="0"/>
+          </a:p>
+          <a:p>
+            <a:pPr algn="ctr"/>
+            <a:r>
+              <a:rPr lang="en-GB" sz="1400" dirty="0"/>
+              <a:t>Update projectname, version, leadanalyst, analyticalassurer, BCM and QAlogtype from SQL data</a:t>
+            </a:r>
+          </a:p>
+        </p:txBody>
+      </p:sp>
+      <p:sp>
+        <p:nvSpPr>
+          <p:cNvPr id="49" name="TextBox 48">
+            <a:extLst>
+              <a:ext uri="{FF2B5EF4-FFF2-40B4-BE49-F238E27FC236}">
+                <a16:creationId xmlns:a16="http://schemas.microsoft.com/office/drawing/2014/main" id="{DA7C34CE-AEC0-4059-AC68-42CB5B690998}"/>
+              </a:ext>
+            </a:extLst>
+          </p:cNvPr>
+          <p:cNvSpPr txBox="1"/>
+          <p:nvPr/>
+        </p:nvSpPr>
+        <p:spPr>
+          <a:xfrm>
+            <a:off x="5669101" y="3100735"/>
+            <a:ext cx="1786146" cy="307777"/>
+          </a:xfrm>
+          <a:prstGeom prst="rect">
+            <a:avLst/>
+          </a:prstGeom>
+          <a:solidFill>
+            <a:schemeClr val="accent6">
+              <a:lumMod val="60000"/>
+              <a:lumOff val="40000"/>
+            </a:schemeClr>
+          </a:solidFill>
+          <a:ln/>
+        </p:spPr>
+        <p:style>
+          <a:lnRef idx="2">
+            <a:schemeClr val="accent6"/>
+          </a:lnRef>
+          <a:fillRef idx="1">
+            <a:schemeClr val="lt1"/>
+          </a:fillRef>
+          <a:effectRef idx="0">
+            <a:schemeClr val="accent6"/>
+          </a:effectRef>
+          <a:fontRef idx="minor">
+            <a:schemeClr val="dk1"/>
+          </a:fontRef>
+        </p:style>
+        <p:txBody>
+          <a:bodyPr wrap="square" rtlCol="0">
+            <a:spAutoFit/>
+          </a:bodyPr>
+          <a:lstStyle/>
+          <a:p>
+            <a:pPr algn="ctr"/>
+            <a:r>
+              <a:rPr lang="en-GB" sz="1400" dirty="0"/>
+              <a:t>nexttab$log = “next”</a:t>
+            </a:r>
+          </a:p>
+        </p:txBody>
+      </p:sp>
+      <p:sp>
+        <p:nvSpPr>
+          <p:cNvPr id="50" name="TextBox 49">
+            <a:extLst>
+              <a:ext uri="{FF2B5EF4-FFF2-40B4-BE49-F238E27FC236}">
+                <a16:creationId xmlns:a16="http://schemas.microsoft.com/office/drawing/2014/main" id="{9DCD230D-7EF1-46D0-8A8D-2D6D62558394}"/>
+              </a:ext>
+            </a:extLst>
+          </p:cNvPr>
+          <p:cNvSpPr txBox="1"/>
+          <p:nvPr/>
+        </p:nvSpPr>
+        <p:spPr>
+          <a:xfrm>
+            <a:off x="4837028" y="4204044"/>
+            <a:ext cx="3423830" cy="307777"/>
+          </a:xfrm>
+          <a:prstGeom prst="rect">
+            <a:avLst/>
+          </a:prstGeom>
+          <a:solidFill>
+            <a:schemeClr val="accent1">
+              <a:lumMod val="40000"/>
+              <a:lumOff val="60000"/>
+            </a:schemeClr>
+          </a:solidFill>
+          <a:ln/>
+        </p:spPr>
+        <p:style>
+          <a:lnRef idx="2">
+            <a:schemeClr val="accent1"/>
+          </a:lnRef>
+          <a:fillRef idx="1">
+            <a:schemeClr val="lt1"/>
+          </a:fillRef>
+          <a:effectRef idx="0">
+            <a:schemeClr val="accent1"/>
+          </a:effectRef>
+          <a:fontRef idx="minor">
+            <a:schemeClr val="dk1"/>
+          </a:fontRef>
+        </p:style>
+        <p:txBody>
+          <a:bodyPr wrap="square" rtlCol="0">
+            <a:spAutoFit/>
+          </a:bodyPr>
+          <a:lstStyle/>
+          <a:p>
+            <a:pPr algn="ctr"/>
+            <a:r>
+              <a:rPr lang="en-GB" sz="1400" dirty="0"/>
+              <a:t>Reads in info from SQL QA_checks database</a:t>
+            </a:r>
+          </a:p>
+        </p:txBody>
+      </p:sp>
+      <p:sp>
+        <p:nvSpPr>
+          <p:cNvPr id="51" name="TextBox 50">
+            <a:extLst>
+              <a:ext uri="{FF2B5EF4-FFF2-40B4-BE49-F238E27FC236}">
+                <a16:creationId xmlns:a16="http://schemas.microsoft.com/office/drawing/2014/main" id="{C3BEF2E8-8AFE-4C23-A2DE-F95D9BE3B4C3}"/>
+              </a:ext>
+            </a:extLst>
+          </p:cNvPr>
+          <p:cNvSpPr txBox="1"/>
+          <p:nvPr/>
+        </p:nvSpPr>
+        <p:spPr>
+          <a:xfrm>
+            <a:off x="4863860" y="4594484"/>
+            <a:ext cx="3423830" cy="1600438"/>
+          </a:xfrm>
+          <a:prstGeom prst="rect">
+            <a:avLst/>
+          </a:prstGeom>
+          <a:solidFill>
+            <a:schemeClr val="accent1">
+              <a:lumMod val="40000"/>
+              <a:lumOff val="60000"/>
+            </a:schemeClr>
+          </a:solidFill>
+          <a:ln/>
+        </p:spPr>
+        <p:style>
+          <a:lnRef idx="2">
+            <a:schemeClr val="accent1"/>
+          </a:lnRef>
+          <a:fillRef idx="1">
+            <a:schemeClr val="lt1"/>
+          </a:fillRef>
+          <a:effectRef idx="0">
+            <a:schemeClr val="accent1"/>
+          </a:effectRef>
+          <a:fontRef idx="minor">
+            <a:schemeClr val="dk1"/>
+          </a:fontRef>
+        </p:style>
+        <p:txBody>
+          <a:bodyPr wrap="square" rtlCol="0">
+            <a:spAutoFit/>
+          </a:bodyPr>
+          <a:lstStyle/>
+          <a:p>
+            <a:pPr algn="ctr"/>
+            <a:r>
+              <a:rPr lang="en-GB" sz="1400" dirty="0"/>
+              <a:t>Runs the update_checks function:</a:t>
+            </a:r>
+          </a:p>
+          <a:p>
+            <a:pPr marL="285750" indent="-285750" algn="ctr">
+              <a:buFont typeface="Arial" panose="020B0604020202020204" pitchFamily="34" charset="0"/>
+              <a:buChar char="•"/>
+            </a:pPr>
+            <a:r>
+              <a:rPr lang="en-GB" sz="1400" dirty="0"/>
+              <a:t>Runs through list of all checks</a:t>
+            </a:r>
+          </a:p>
+          <a:p>
+            <a:pPr marL="285750" indent="-285750" algn="ctr">
+              <a:buFont typeface="Arial" panose="020B0604020202020204" pitchFamily="34" charset="0"/>
+              <a:buChar char="•"/>
+            </a:pPr>
+            <a:r>
+              <a:rPr lang="en-GB" sz="1400" dirty="0"/>
+              <a:t>If no corresponding row in SQL, sets rating to “TO BE CHECKED”</a:t>
+            </a:r>
+          </a:p>
+          <a:p>
+            <a:pPr algn="ctr"/>
+            <a:r>
+              <a:rPr lang="en-GB" sz="1400" dirty="0"/>
+              <a:t>Else:</a:t>
+            </a:r>
+          </a:p>
+          <a:p>
+            <a:pPr marL="285750" indent="-285750" algn="ctr">
+              <a:buFont typeface="Arial" panose="020B0604020202020204" pitchFamily="34" charset="0"/>
+              <a:buChar char="•"/>
+            </a:pPr>
+            <a:r>
+              <a:rPr lang="en-GB" sz="1400" dirty="0"/>
+              <a:t>Updates score, as well as other boxes, using data from SQL</a:t>
+            </a:r>
+          </a:p>
+        </p:txBody>
+      </p:sp>
+      <p:sp>
+        <p:nvSpPr>
+          <p:cNvPr id="52" name="TextBox 51">
+            <a:extLst>
+              <a:ext uri="{FF2B5EF4-FFF2-40B4-BE49-F238E27FC236}">
+                <a16:creationId xmlns:a16="http://schemas.microsoft.com/office/drawing/2014/main" id="{CA55BCE0-EC8F-4F2E-9C4B-8082744FD1E2}"/>
+              </a:ext>
+            </a:extLst>
+          </p:cNvPr>
+          <p:cNvSpPr txBox="1"/>
+          <p:nvPr/>
+        </p:nvSpPr>
+        <p:spPr>
+          <a:xfrm>
+            <a:off x="8697284" y="5065777"/>
+            <a:ext cx="3423830" cy="1169551"/>
+          </a:xfrm>
+          <a:prstGeom prst="rect">
+            <a:avLst/>
+          </a:prstGeom>
+          <a:solidFill>
+            <a:schemeClr val="accent1">
+              <a:lumMod val="40000"/>
+              <a:lumOff val="60000"/>
+            </a:schemeClr>
+          </a:solidFill>
+          <a:ln/>
+        </p:spPr>
+        <p:style>
+          <a:lnRef idx="2">
+            <a:schemeClr val="accent1"/>
+          </a:lnRef>
+          <a:fillRef idx="1">
+            <a:schemeClr val="lt1"/>
+          </a:fillRef>
+          <a:effectRef idx="0">
+            <a:schemeClr val="accent1"/>
+          </a:effectRef>
+          <a:fontRef idx="minor">
+            <a:schemeClr val="dk1"/>
+          </a:fontRef>
+        </p:style>
+        <p:txBody>
+          <a:bodyPr wrap="square" rtlCol="0">
+            <a:spAutoFit/>
+          </a:bodyPr>
+          <a:lstStyle/>
+          <a:p>
+            <a:pPr algn="ctr"/>
+            <a:r>
+              <a:rPr lang="en-GB" sz="1400" dirty="0"/>
+              <a:t>This is done using the </a:t>
+            </a:r>
+            <a:r>
+              <a:rPr lang="en-GB" sz="1400" dirty="0" err="1"/>
+              <a:t>readingOutput</a:t>
+            </a:r>
+            <a:r>
+              <a:rPr lang="en-GB" sz="1400" dirty="0"/>
+              <a:t> function:</a:t>
+            </a:r>
+          </a:p>
+          <a:p>
+            <a:pPr algn="ctr"/>
+            <a:r>
+              <a:rPr lang="en-GB" sz="1400" dirty="0"/>
+              <a:t>If score = 1, set rating to be “Excellent”</a:t>
+            </a:r>
+          </a:p>
+          <a:p>
+            <a:pPr algn="ctr"/>
+            <a:r>
+              <a:rPr lang="en-GB" sz="1400" dirty="0"/>
+              <a:t>If score = 2, set rating to be “Good”</a:t>
+            </a:r>
+          </a:p>
+          <a:p>
+            <a:pPr algn="ctr"/>
+            <a:r>
+              <a:rPr lang="en-GB" sz="1400" dirty="0"/>
+              <a:t>Etc.</a:t>
+            </a:r>
+          </a:p>
+        </p:txBody>
+      </p:sp>
+      <p:cxnSp>
+        <p:nvCxnSpPr>
+          <p:cNvPr id="54" name="Straight Arrow Connector 53">
+            <a:extLst>
+              <a:ext uri="{FF2B5EF4-FFF2-40B4-BE49-F238E27FC236}">
+                <a16:creationId xmlns:a16="http://schemas.microsoft.com/office/drawing/2014/main" id="{0C3E59F1-4605-4E18-8C53-F9E0D123743D}"/>
+              </a:ext>
+            </a:extLst>
+          </p:cNvPr>
+          <p:cNvCxnSpPr>
+            <a:cxnSpLocks/>
+            <a:stCxn id="52" idx="1"/>
+          </p:cNvCxnSpPr>
+          <p:nvPr/>
+        </p:nvCxnSpPr>
+        <p:spPr>
+          <a:xfrm flipH="1">
+            <a:off x="8181899" y="5650553"/>
+            <a:ext cx="515385" cy="306094"/>
+          </a:xfrm>
+          <a:prstGeom prst="straightConnector1">
+            <a:avLst/>
+          </a:prstGeom>
+          <a:ln>
+            <a:solidFill>
+              <a:schemeClr val="accent6">
+                <a:lumMod val="75000"/>
+              </a:schemeClr>
+            </a:solidFill>
+            <a:tailEnd type="triangle"/>
+          </a:ln>
+        </p:spPr>
+        <p:style>
+          <a:lnRef idx="1">
+            <a:schemeClr val="accent1"/>
+          </a:lnRef>
+          <a:fillRef idx="0">
+            <a:schemeClr val="accent1"/>
+          </a:fillRef>
+          <a:effectRef idx="0">
+            <a:schemeClr val="accent1"/>
+          </a:effectRef>
+          <a:fontRef idx="minor">
+            <a:schemeClr val="tx1"/>
+          </a:fontRef>
+        </p:style>
+      </p:cxnSp>
+      <p:sp>
+        <p:nvSpPr>
+          <p:cNvPr id="55" name="Rectangle: Rounded Corners 54">
+            <a:extLst>
+              <a:ext uri="{FF2B5EF4-FFF2-40B4-BE49-F238E27FC236}">
+                <a16:creationId xmlns:a16="http://schemas.microsoft.com/office/drawing/2014/main" id="{82A37686-93E3-4CDC-A963-E801796AC821}"/>
+              </a:ext>
+            </a:extLst>
+          </p:cNvPr>
+          <p:cNvSpPr/>
+          <p:nvPr/>
+        </p:nvSpPr>
+        <p:spPr>
+          <a:xfrm>
+            <a:off x="8666004" y="2801732"/>
+            <a:ext cx="1813497" cy="1912575"/>
+          </a:xfrm>
+          <a:prstGeom prst="roundRect">
+            <a:avLst/>
+          </a:prstGeom>
+          <a:solidFill>
+            <a:schemeClr val="accent4">
+              <a:alpha val="50000"/>
+            </a:schemeClr>
+          </a:solidFill>
+          <a:ln>
+            <a:noFill/>
+          </a:ln>
+        </p:spPr>
+        <p:style>
+          <a:lnRef idx="0">
+            <a:scrgbClr r="0" g="0" b="0"/>
+          </a:lnRef>
+          <a:fillRef idx="0">
+            <a:scrgbClr r="0" g="0" b="0"/>
+          </a:fillRef>
+          <a:effectRef idx="0">
+            <a:scrgbClr r="0" g="0" b="0"/>
+          </a:effectRef>
+          <a:fontRef idx="minor">
+            <a:schemeClr val="lt1"/>
+          </a:fontRef>
+        </p:style>
+        <p:txBody>
+          <a:bodyPr rtlCol="0" anchor="ctr"/>
+          <a:lstStyle/>
+          <a:p>
+            <a:pPr algn="ctr"/>
+            <a:endParaRPr lang="en-GB"/>
+          </a:p>
+        </p:txBody>
+      </p:sp>
+      <p:sp>
+        <p:nvSpPr>
+          <p:cNvPr id="56" name="TextBox 55">
+            <a:extLst>
+              <a:ext uri="{FF2B5EF4-FFF2-40B4-BE49-F238E27FC236}">
+                <a16:creationId xmlns:a16="http://schemas.microsoft.com/office/drawing/2014/main" id="{14845394-EFF1-4F18-A6E7-6EF5FDD7832E}"/>
+              </a:ext>
+            </a:extLst>
+          </p:cNvPr>
+          <p:cNvSpPr txBox="1"/>
+          <p:nvPr/>
+        </p:nvSpPr>
+        <p:spPr>
+          <a:xfrm>
+            <a:off x="8797689" y="2920788"/>
+            <a:ext cx="1550125" cy="923330"/>
+          </a:xfrm>
+          <a:prstGeom prst="rect">
+            <a:avLst/>
+          </a:prstGeom>
+          <a:solidFill>
+            <a:schemeClr val="accent1">
+              <a:lumMod val="40000"/>
+              <a:lumOff val="60000"/>
+            </a:schemeClr>
+          </a:solidFill>
+          <a:ln/>
+        </p:spPr>
+        <p:style>
+          <a:lnRef idx="2">
+            <a:schemeClr val="accent1"/>
+          </a:lnRef>
+          <a:fillRef idx="1">
+            <a:schemeClr val="lt1"/>
+          </a:fillRef>
+          <a:effectRef idx="0">
+            <a:schemeClr val="accent1"/>
+          </a:effectRef>
+          <a:fontRef idx="minor">
+            <a:schemeClr val="dk1"/>
+          </a:fontRef>
+        </p:style>
+        <p:txBody>
+          <a:bodyPr wrap="square" rtlCol="0">
+            <a:spAutoFit/>
+          </a:bodyPr>
+          <a:lstStyle/>
+          <a:p>
+            <a:pPr algn="ctr"/>
+            <a:r>
+              <a:rPr lang="en-GB" dirty="0"/>
+              <a:t>A new panel is created containing:</a:t>
+            </a:r>
+          </a:p>
+        </p:txBody>
+      </p:sp>
+      <p:sp>
+        <p:nvSpPr>
+          <p:cNvPr id="57" name="TextBox 56">
+            <a:extLst>
+              <a:ext uri="{FF2B5EF4-FFF2-40B4-BE49-F238E27FC236}">
+                <a16:creationId xmlns:a16="http://schemas.microsoft.com/office/drawing/2014/main" id="{5BCD1949-A926-475B-BFCB-A59F1E1E35FA}"/>
+              </a:ext>
+            </a:extLst>
+          </p:cNvPr>
+          <p:cNvSpPr txBox="1"/>
+          <p:nvPr/>
+        </p:nvSpPr>
+        <p:spPr>
+          <a:xfrm>
+            <a:off x="8787241" y="3925905"/>
+            <a:ext cx="1550125" cy="646331"/>
+          </a:xfrm>
+          <a:prstGeom prst="rect">
+            <a:avLst/>
+          </a:prstGeom>
+          <a:solidFill>
+            <a:schemeClr val="accent1">
+              <a:lumMod val="40000"/>
+              <a:lumOff val="60000"/>
+            </a:schemeClr>
+          </a:solidFill>
+          <a:ln/>
+        </p:spPr>
+        <p:style>
+          <a:lnRef idx="2">
+            <a:schemeClr val="accent1"/>
+          </a:lnRef>
+          <a:fillRef idx="1">
+            <a:schemeClr val="lt1"/>
+          </a:fillRef>
+          <a:effectRef idx="0">
+            <a:schemeClr val="accent1"/>
+          </a:effectRef>
+          <a:fontRef idx="minor">
+            <a:schemeClr val="dk1"/>
+          </a:fontRef>
+        </p:style>
+        <p:txBody>
+          <a:bodyPr wrap="square" rtlCol="0">
+            <a:spAutoFit/>
+          </a:bodyPr>
+          <a:lstStyle/>
+          <a:p>
+            <a:pPr algn="ctr"/>
+            <a:r>
+              <a:rPr lang="en-GB" dirty="0"/>
+              <a:t>Submit QAlogtype</a:t>
+            </a:r>
+          </a:p>
+        </p:txBody>
+      </p:sp>
+      <p:cxnSp>
+        <p:nvCxnSpPr>
+          <p:cNvPr id="59" name="Straight Arrow Connector 58">
+            <a:extLst>
+              <a:ext uri="{FF2B5EF4-FFF2-40B4-BE49-F238E27FC236}">
+                <a16:creationId xmlns:a16="http://schemas.microsoft.com/office/drawing/2014/main" id="{049970F0-00A7-4FE5-BD51-4ACCCCD0C472}"/>
+              </a:ext>
+            </a:extLst>
+          </p:cNvPr>
+          <p:cNvCxnSpPr>
+            <a:cxnSpLocks/>
+            <a:stCxn id="49" idx="3"/>
+            <a:endCxn id="56" idx="1"/>
+          </p:cNvCxnSpPr>
+          <p:nvPr/>
+        </p:nvCxnSpPr>
+        <p:spPr>
+          <a:xfrm>
+            <a:off x="7455247" y="3254624"/>
+            <a:ext cx="1342442" cy="127829"/>
+          </a:xfrm>
+          <a:prstGeom prst="straightConnector1">
+            <a:avLst/>
+          </a:prstGeom>
+          <a:ln>
+            <a:solidFill>
+              <a:schemeClr val="accent6">
+                <a:lumMod val="75000"/>
+              </a:schemeClr>
+            </a:solidFill>
+            <a:tailEnd type="triangle"/>
+          </a:ln>
+        </p:spPr>
+        <p:style>
+          <a:lnRef idx="1">
+            <a:schemeClr val="accent1"/>
+          </a:lnRef>
+          <a:fillRef idx="0">
+            <a:schemeClr val="accent1"/>
+          </a:fillRef>
+          <a:effectRef idx="0">
+            <a:schemeClr val="accent1"/>
+          </a:effectRef>
+          <a:fontRef idx="minor">
+            <a:schemeClr val="tx1"/>
+          </a:fontRef>
+        </p:style>
+      </p:cxnSp>
+      <p:sp>
+        <p:nvSpPr>
+          <p:cNvPr id="62" name="TextBox 61">
+            <a:extLst>
+              <a:ext uri="{FF2B5EF4-FFF2-40B4-BE49-F238E27FC236}">
+                <a16:creationId xmlns:a16="http://schemas.microsoft.com/office/drawing/2014/main" id="{E2E6DCC9-D459-4388-8513-3D05813C11FA}"/>
+              </a:ext>
+            </a:extLst>
+          </p:cNvPr>
+          <p:cNvSpPr txBox="1"/>
+          <p:nvPr/>
+        </p:nvSpPr>
+        <p:spPr>
+          <a:xfrm>
+            <a:off x="10583834" y="2822894"/>
+            <a:ext cx="1608165" cy="1815882"/>
+          </a:xfrm>
+          <a:prstGeom prst="rect">
+            <a:avLst/>
+          </a:prstGeom>
+          <a:noFill/>
+        </p:spPr>
+        <p:txBody>
+          <a:bodyPr wrap="square" rtlCol="0">
+            <a:spAutoFit/>
+          </a:bodyPr>
+          <a:lstStyle/>
+          <a:p>
+            <a:r>
+              <a:rPr lang="en-GB" sz="1400" dirty="0"/>
+              <a:t>This panel is not accessible for the user since the tab has already been switched – but it is necessary to create the QAlogtype input box</a:t>
+            </a:r>
+          </a:p>
+        </p:txBody>
+      </p:sp>
+    </p:spTree>
+    <p:extLst>
+      <p:ext uri="{BB962C8B-B14F-4D97-AF65-F5344CB8AC3E}">
+        <p14:creationId xmlns:p14="http://schemas.microsoft.com/office/powerpoint/2010/main" val="1498142693"/>
+      </p:ext>
+    </p:extLst>
+  </p:cSld>
+  <p:clrMapOvr>
+    <a:masterClrMapping/>
+  </p:clrMapOvr>
+</p:sld>
+</file>
+
 <file path=ppt/theme/theme1.xml><?xml version="1.0" encoding="utf-8"?>
 <a:theme xmlns:a="http://schemas.openxmlformats.org/drawingml/2006/main" name="Office Theme">
   <a:themeElements>

--- a/QA log app - behind the code.pptx
+++ b/QA log app - behind the code.pptx
@@ -9,8 +9,11 @@
     <p:sldId id="257" r:id="rId3"/>
     <p:sldId id="258" r:id="rId4"/>
     <p:sldId id="259" r:id="rId5"/>
-    <p:sldId id="260" r:id="rId6"/>
-    <p:sldId id="261" r:id="rId7"/>
+    <p:sldId id="264" r:id="rId6"/>
+    <p:sldId id="260" r:id="rId7"/>
+    <p:sldId id="261" r:id="rId8"/>
+    <p:sldId id="262" r:id="rId9"/>
+    <p:sldId id="265" r:id="rId10"/>
   </p:sldIdLst>
   <p:sldSz cx="12192000" cy="6858000"/>
   <p:notesSz cx="6858000" cy="9144000"/>
@@ -121,12 +124,273 @@
 <p1510:revInfo xmlns:a="http://schemas.openxmlformats.org/drawingml/2006/main" xmlns:r="http://schemas.openxmlformats.org/officeDocument/2006/relationships" xmlns:p1510="http://schemas.microsoft.com/office/powerpoint/2015/10/main">
   <p1510:revLst>
     <p1510:client id="{21694504-DF36-4190-984B-87BF7BD1C818}" v="87" dt="2021-10-25T14:06:36.756"/>
+    <p1510:client id="{E34FB9E7-6CF7-40FD-83B9-B94EF404FC33}" v="14" dt="2021-10-25T15:27:17.299"/>
   </p1510:revLst>
 </p1510:revInfo>
 </file>
 
 <file path=ppt/changesInfos/changesInfo1.xml><?xml version="1.0" encoding="utf-8"?>
 <pc:chgInfo xmlns:a="http://schemas.openxmlformats.org/drawingml/2006/main" xmlns:r="http://schemas.openxmlformats.org/officeDocument/2006/relationships" xmlns:ac="http://schemas.microsoft.com/office/drawing/2013/main/command" xmlns:pc="http://schemas.microsoft.com/office/powerpoint/2013/main/command">
+  <pc:docChgLst>
+    <pc:chgData name="MORLEY, Thomas" userId="ca0a1631-feee-46f8-9dc6-a0f397eff84f" providerId="ADAL" clId="{E34FB9E7-6CF7-40FD-83B9-B94EF404FC33}"/>
+    <pc:docChg chg="custSel addSld delSld modSld">
+      <pc:chgData name="MORLEY, Thomas" userId="ca0a1631-feee-46f8-9dc6-a0f397eff84f" providerId="ADAL" clId="{E34FB9E7-6CF7-40FD-83B9-B94EF404FC33}" dt="2021-10-25T15:38:38.255" v="959" actId="20577"/>
+      <pc:docMkLst>
+        <pc:docMk/>
+      </pc:docMkLst>
+      <pc:sldChg chg="addSp modSp mod">
+        <pc:chgData name="MORLEY, Thomas" userId="ca0a1631-feee-46f8-9dc6-a0f397eff84f" providerId="ADAL" clId="{E34FB9E7-6CF7-40FD-83B9-B94EF404FC33}" dt="2021-10-25T15:31:09.582" v="918" actId="404"/>
+        <pc:sldMkLst>
+          <pc:docMk/>
+          <pc:sldMk cId="1498142693" sldId="261"/>
+        </pc:sldMkLst>
+        <pc:spChg chg="add mod">
+          <ac:chgData name="MORLEY, Thomas" userId="ca0a1631-feee-46f8-9dc6-a0f397eff84f" providerId="ADAL" clId="{E34FB9E7-6CF7-40FD-83B9-B94EF404FC33}" dt="2021-10-25T15:31:03.629" v="917" actId="1076"/>
+          <ac:spMkLst>
+            <pc:docMk/>
+            <pc:sldMk cId="1498142693" sldId="261"/>
+            <ac:spMk id="39" creationId="{0A6724AB-4282-4882-BC1E-BDB30A7B399C}"/>
+          </ac:spMkLst>
+        </pc:spChg>
+        <pc:spChg chg="mod">
+          <ac:chgData name="MORLEY, Thomas" userId="ca0a1631-feee-46f8-9dc6-a0f397eff84f" providerId="ADAL" clId="{E34FB9E7-6CF7-40FD-83B9-B94EF404FC33}" dt="2021-10-25T15:28:27.676" v="897" actId="14100"/>
+          <ac:spMkLst>
+            <pc:docMk/>
+            <pc:sldMk cId="1498142693" sldId="261"/>
+            <ac:spMk id="42" creationId="{E4829E40-9A23-48DD-AAC0-95F23ADB0DFB}"/>
+          </ac:spMkLst>
+        </pc:spChg>
+        <pc:spChg chg="mod">
+          <ac:chgData name="MORLEY, Thomas" userId="ca0a1631-feee-46f8-9dc6-a0f397eff84f" providerId="ADAL" clId="{E34FB9E7-6CF7-40FD-83B9-B94EF404FC33}" dt="2021-10-25T15:31:09.582" v="918" actId="404"/>
+          <ac:spMkLst>
+            <pc:docMk/>
+            <pc:sldMk cId="1498142693" sldId="261"/>
+            <ac:spMk id="48" creationId="{77547CF2-7935-4B9F-8B1E-03BD676201FF}"/>
+          </ac:spMkLst>
+        </pc:spChg>
+        <pc:spChg chg="mod">
+          <ac:chgData name="MORLEY, Thomas" userId="ca0a1631-feee-46f8-9dc6-a0f397eff84f" providerId="ADAL" clId="{E34FB9E7-6CF7-40FD-83B9-B94EF404FC33}" dt="2021-10-25T15:30:49.591" v="901" actId="1076"/>
+          <ac:spMkLst>
+            <pc:docMk/>
+            <pc:sldMk cId="1498142693" sldId="261"/>
+            <ac:spMk id="49" creationId="{DA7C34CE-AEC0-4059-AC68-42CB5B690998}"/>
+          </ac:spMkLst>
+        </pc:spChg>
+        <pc:spChg chg="mod">
+          <ac:chgData name="MORLEY, Thomas" userId="ca0a1631-feee-46f8-9dc6-a0f397eff84f" providerId="ADAL" clId="{E34FB9E7-6CF7-40FD-83B9-B94EF404FC33}" dt="2021-10-25T15:28:24.341" v="896" actId="1076"/>
+          <ac:spMkLst>
+            <pc:docMk/>
+            <pc:sldMk cId="1498142693" sldId="261"/>
+            <ac:spMk id="50" creationId="{9DCD230D-7EF1-46D0-8A8D-2D6D62558394}"/>
+          </ac:spMkLst>
+        </pc:spChg>
+        <pc:spChg chg="mod">
+          <ac:chgData name="MORLEY, Thomas" userId="ca0a1631-feee-46f8-9dc6-a0f397eff84f" providerId="ADAL" clId="{E34FB9E7-6CF7-40FD-83B9-B94EF404FC33}" dt="2021-10-25T15:28:21.965" v="895" actId="1076"/>
+          <ac:spMkLst>
+            <pc:docMk/>
+            <pc:sldMk cId="1498142693" sldId="261"/>
+            <ac:spMk id="51" creationId="{C3BEF2E8-8AFE-4C23-A2DE-F95D9BE3B4C3}"/>
+          </ac:spMkLst>
+        </pc:spChg>
+        <pc:cxnChg chg="mod">
+          <ac:chgData name="MORLEY, Thomas" userId="ca0a1631-feee-46f8-9dc6-a0f397eff84f" providerId="ADAL" clId="{E34FB9E7-6CF7-40FD-83B9-B94EF404FC33}" dt="2021-10-25T15:28:30.445" v="898" actId="14100"/>
+          <ac:cxnSpMkLst>
+            <pc:docMk/>
+            <pc:sldMk cId="1498142693" sldId="261"/>
+            <ac:cxnSpMk id="54" creationId="{0C3E59F1-4605-4E18-8C53-F9E0D123743D}"/>
+          </ac:cxnSpMkLst>
+        </pc:cxnChg>
+        <pc:cxnChg chg="mod">
+          <ac:chgData name="MORLEY, Thomas" userId="ca0a1631-feee-46f8-9dc6-a0f397eff84f" providerId="ADAL" clId="{E34FB9E7-6CF7-40FD-83B9-B94EF404FC33}" dt="2021-10-25T15:30:49.591" v="901" actId="1076"/>
+          <ac:cxnSpMkLst>
+            <pc:docMk/>
+            <pc:sldMk cId="1498142693" sldId="261"/>
+            <ac:cxnSpMk id="59" creationId="{049970F0-00A7-4FE5-BD51-4ACCCCD0C472}"/>
+          </ac:cxnSpMkLst>
+        </pc:cxnChg>
+      </pc:sldChg>
+      <pc:sldChg chg="addSp delSp modSp new mod">
+        <pc:chgData name="MORLEY, Thomas" userId="ca0a1631-feee-46f8-9dc6-a0f397eff84f" providerId="ADAL" clId="{E34FB9E7-6CF7-40FD-83B9-B94EF404FC33}" dt="2021-10-25T15:04:48.007" v="855" actId="20577"/>
+        <pc:sldMkLst>
+          <pc:docMk/>
+          <pc:sldMk cId="3583764893" sldId="262"/>
+        </pc:sldMkLst>
+        <pc:spChg chg="mod">
+          <ac:chgData name="MORLEY, Thomas" userId="ca0a1631-feee-46f8-9dc6-a0f397eff84f" providerId="ADAL" clId="{E34FB9E7-6CF7-40FD-83B9-B94EF404FC33}" dt="2021-10-25T14:53:42.179" v="40" actId="20577"/>
+          <ac:spMkLst>
+            <pc:docMk/>
+            <pc:sldMk cId="3583764893" sldId="262"/>
+            <ac:spMk id="2" creationId="{591F9CF8-469C-4D52-8171-A9A4E80BC1AD}"/>
+          </ac:spMkLst>
+        </pc:spChg>
+        <pc:spChg chg="del">
+          <ac:chgData name="MORLEY, Thomas" userId="ca0a1631-feee-46f8-9dc6-a0f397eff84f" providerId="ADAL" clId="{E34FB9E7-6CF7-40FD-83B9-B94EF404FC33}" dt="2021-10-25T14:54:21.502" v="109" actId="478"/>
+          <ac:spMkLst>
+            <pc:docMk/>
+            <pc:sldMk cId="3583764893" sldId="262"/>
+            <ac:spMk id="3" creationId="{A0C473C8-60C9-48A8-8D1A-0DF7D228456A}"/>
+          </ac:spMkLst>
+        </pc:spChg>
+        <pc:spChg chg="add mod">
+          <ac:chgData name="MORLEY, Thomas" userId="ca0a1631-feee-46f8-9dc6-a0f397eff84f" providerId="ADAL" clId="{E34FB9E7-6CF7-40FD-83B9-B94EF404FC33}" dt="2021-10-25T14:57:07.034" v="335" actId="403"/>
+          <ac:spMkLst>
+            <pc:docMk/>
+            <pc:sldMk cId="3583764893" sldId="262"/>
+            <ac:spMk id="4" creationId="{4BB6E8AE-6504-4DA8-9E76-DAF94AC41037}"/>
+          </ac:spMkLst>
+        </pc:spChg>
+        <pc:spChg chg="add mod">
+          <ac:chgData name="MORLEY, Thomas" userId="ca0a1631-feee-46f8-9dc6-a0f397eff84f" providerId="ADAL" clId="{E34FB9E7-6CF7-40FD-83B9-B94EF404FC33}" dt="2021-10-25T14:55:35.134" v="198" actId="20577"/>
+          <ac:spMkLst>
+            <pc:docMk/>
+            <pc:sldMk cId="3583764893" sldId="262"/>
+            <ac:spMk id="5" creationId="{85E2B7A1-4613-4836-80D0-C2CFE88497F4}"/>
+          </ac:spMkLst>
+        </pc:spChg>
+        <pc:spChg chg="add mod">
+          <ac:chgData name="MORLEY, Thomas" userId="ca0a1631-feee-46f8-9dc6-a0f397eff84f" providerId="ADAL" clId="{E34FB9E7-6CF7-40FD-83B9-B94EF404FC33}" dt="2021-10-25T14:55:39.794" v="219" actId="1037"/>
+          <ac:spMkLst>
+            <pc:docMk/>
+            <pc:sldMk cId="3583764893" sldId="262"/>
+            <ac:spMk id="6" creationId="{3E481A21-FB5F-4148-8E30-01BEEC389816}"/>
+          </ac:spMkLst>
+        </pc:spChg>
+        <pc:spChg chg="add mod">
+          <ac:chgData name="MORLEY, Thomas" userId="ca0a1631-feee-46f8-9dc6-a0f397eff84f" providerId="ADAL" clId="{E34FB9E7-6CF7-40FD-83B9-B94EF404FC33}" dt="2021-10-25T14:55:52.069" v="232" actId="20577"/>
+          <ac:spMkLst>
+            <pc:docMk/>
+            <pc:sldMk cId="3583764893" sldId="262"/>
+            <ac:spMk id="7" creationId="{F824B10F-D112-4247-8EBA-95714438B8EE}"/>
+          </ac:spMkLst>
+        </pc:spChg>
+        <pc:spChg chg="add mod">
+          <ac:chgData name="MORLEY, Thomas" userId="ca0a1631-feee-46f8-9dc6-a0f397eff84f" providerId="ADAL" clId="{E34FB9E7-6CF7-40FD-83B9-B94EF404FC33}" dt="2021-10-25T14:56:01.248" v="241" actId="20577"/>
+          <ac:spMkLst>
+            <pc:docMk/>
+            <pc:sldMk cId="3583764893" sldId="262"/>
+            <ac:spMk id="8" creationId="{2A534B07-2E5A-43CC-8683-AA217B3DBD00}"/>
+          </ac:spMkLst>
+        </pc:spChg>
+        <pc:spChg chg="add mod">
+          <ac:chgData name="MORLEY, Thomas" userId="ca0a1631-feee-46f8-9dc6-a0f397eff84f" providerId="ADAL" clId="{E34FB9E7-6CF7-40FD-83B9-B94EF404FC33}" dt="2021-10-25T14:56:12.564" v="249" actId="20577"/>
+          <ac:spMkLst>
+            <pc:docMk/>
+            <pc:sldMk cId="3583764893" sldId="262"/>
+            <ac:spMk id="9" creationId="{4885D395-9A71-44D1-9294-5667C003A0D1}"/>
+          </ac:spMkLst>
+        </pc:spChg>
+        <pc:spChg chg="add mod">
+          <ac:chgData name="MORLEY, Thomas" userId="ca0a1631-feee-46f8-9dc6-a0f397eff84f" providerId="ADAL" clId="{E34FB9E7-6CF7-40FD-83B9-B94EF404FC33}" dt="2021-10-25T14:56:20.946" v="257" actId="20577"/>
+          <ac:spMkLst>
+            <pc:docMk/>
+            <pc:sldMk cId="3583764893" sldId="262"/>
+            <ac:spMk id="10" creationId="{6B307B6F-0927-4832-9F91-51067AA4C4BE}"/>
+          </ac:spMkLst>
+        </pc:spChg>
+        <pc:spChg chg="add mod">
+          <ac:chgData name="MORLEY, Thomas" userId="ca0a1631-feee-46f8-9dc6-a0f397eff84f" providerId="ADAL" clId="{E34FB9E7-6CF7-40FD-83B9-B94EF404FC33}" dt="2021-10-25T15:04:48.007" v="855" actId="20577"/>
+          <ac:spMkLst>
+            <pc:docMk/>
+            <pc:sldMk cId="3583764893" sldId="262"/>
+            <ac:spMk id="11" creationId="{5F62B5AA-226F-4BEC-BC50-A70A6B5948C9}"/>
+          </ac:spMkLst>
+        </pc:spChg>
+        <pc:spChg chg="add mod">
+          <ac:chgData name="MORLEY, Thomas" userId="ca0a1631-feee-46f8-9dc6-a0f397eff84f" providerId="ADAL" clId="{E34FB9E7-6CF7-40FD-83B9-B94EF404FC33}" dt="2021-10-25T14:58:26.018" v="499" actId="1076"/>
+          <ac:spMkLst>
+            <pc:docMk/>
+            <pc:sldMk cId="3583764893" sldId="262"/>
+            <ac:spMk id="14" creationId="{8FB80940-42D9-43E7-90A9-5E16277C241E}"/>
+          </ac:spMkLst>
+        </pc:spChg>
+        <pc:spChg chg="add mod">
+          <ac:chgData name="MORLEY, Thomas" userId="ca0a1631-feee-46f8-9dc6-a0f397eff84f" providerId="ADAL" clId="{E34FB9E7-6CF7-40FD-83B9-B94EF404FC33}" dt="2021-10-25T14:59:31.185" v="639" actId="1076"/>
+          <ac:spMkLst>
+            <pc:docMk/>
+            <pc:sldMk cId="3583764893" sldId="262"/>
+            <ac:spMk id="15" creationId="{4441AA42-75AB-428B-8CFF-9AD2489EAAF5}"/>
+          </ac:spMkLst>
+        </pc:spChg>
+        <pc:cxnChg chg="add">
+          <ac:chgData name="MORLEY, Thomas" userId="ca0a1631-feee-46f8-9dc6-a0f397eff84f" providerId="ADAL" clId="{E34FB9E7-6CF7-40FD-83B9-B94EF404FC33}" dt="2021-10-25T14:57:51.965" v="431" actId="11529"/>
+          <ac:cxnSpMkLst>
+            <pc:docMk/>
+            <pc:sldMk cId="3583764893" sldId="262"/>
+            <ac:cxnSpMk id="13" creationId="{DA50A046-25E2-4673-85A9-5F678235AAA8}"/>
+          </ac:cxnSpMkLst>
+        </pc:cxnChg>
+        <pc:cxnChg chg="add">
+          <ac:chgData name="MORLEY, Thomas" userId="ca0a1631-feee-46f8-9dc6-a0f397eff84f" providerId="ADAL" clId="{E34FB9E7-6CF7-40FD-83B9-B94EF404FC33}" dt="2021-10-25T14:59:35.510" v="640" actId="11529"/>
+          <ac:cxnSpMkLst>
+            <pc:docMk/>
+            <pc:sldMk cId="3583764893" sldId="262"/>
+            <ac:cxnSpMk id="17" creationId="{240D15E3-723E-4B3B-A501-FED73CB0845E}"/>
+          </ac:cxnSpMkLst>
+        </pc:cxnChg>
+        <pc:cxnChg chg="add mod">
+          <ac:chgData name="MORLEY, Thomas" userId="ca0a1631-feee-46f8-9dc6-a0f397eff84f" providerId="ADAL" clId="{E34FB9E7-6CF7-40FD-83B9-B94EF404FC33}" dt="2021-10-25T14:59:41.979" v="643" actId="14100"/>
+          <ac:cxnSpMkLst>
+            <pc:docMk/>
+            <pc:sldMk cId="3583764893" sldId="262"/>
+            <ac:cxnSpMk id="18" creationId="{63C924C8-2605-4E97-B27C-207EAA05A2FE}"/>
+          </ac:cxnSpMkLst>
+        </pc:cxnChg>
+        <pc:cxnChg chg="add mod">
+          <ac:chgData name="MORLEY, Thomas" userId="ca0a1631-feee-46f8-9dc6-a0f397eff84f" providerId="ADAL" clId="{E34FB9E7-6CF7-40FD-83B9-B94EF404FC33}" dt="2021-10-25T14:59:49.368" v="647" actId="14100"/>
+          <ac:cxnSpMkLst>
+            <pc:docMk/>
+            <pc:sldMk cId="3583764893" sldId="262"/>
+            <ac:cxnSpMk id="21" creationId="{51A20450-6445-46F3-9A2A-3CE6B8B13B20}"/>
+          </ac:cxnSpMkLst>
+        </pc:cxnChg>
+        <pc:cxnChg chg="add mod">
+          <ac:chgData name="MORLEY, Thomas" userId="ca0a1631-feee-46f8-9dc6-a0f397eff84f" providerId="ADAL" clId="{E34FB9E7-6CF7-40FD-83B9-B94EF404FC33}" dt="2021-10-25T14:59:54.432" v="650" actId="14100"/>
+          <ac:cxnSpMkLst>
+            <pc:docMk/>
+            <pc:sldMk cId="3583764893" sldId="262"/>
+            <ac:cxnSpMk id="24" creationId="{AE846835-5406-494B-9038-37DAA6F57D7B}"/>
+          </ac:cxnSpMkLst>
+        </pc:cxnChg>
+      </pc:sldChg>
+      <pc:sldChg chg="new del">
+        <pc:chgData name="MORLEY, Thomas" userId="ca0a1631-feee-46f8-9dc6-a0f397eff84f" providerId="ADAL" clId="{E34FB9E7-6CF7-40FD-83B9-B94EF404FC33}" dt="2021-10-25T14:53:53.494" v="43" actId="47"/>
+        <pc:sldMkLst>
+          <pc:docMk/>
+          <pc:sldMk cId="2102876127" sldId="263"/>
+        </pc:sldMkLst>
+      </pc:sldChg>
+      <pc:sldChg chg="modSp new mod">
+        <pc:chgData name="MORLEY, Thomas" userId="ca0a1631-feee-46f8-9dc6-a0f397eff84f" providerId="ADAL" clId="{E34FB9E7-6CF7-40FD-83B9-B94EF404FC33}" dt="2021-10-25T14:54:09.824" v="108" actId="20577"/>
+        <pc:sldMkLst>
+          <pc:docMk/>
+          <pc:sldMk cId="3260015347" sldId="264"/>
+        </pc:sldMkLst>
+        <pc:spChg chg="mod">
+          <ac:chgData name="MORLEY, Thomas" userId="ca0a1631-feee-46f8-9dc6-a0f397eff84f" providerId="ADAL" clId="{E34FB9E7-6CF7-40FD-83B9-B94EF404FC33}" dt="2021-10-25T14:54:09.824" v="108" actId="20577"/>
+          <ac:spMkLst>
+            <pc:docMk/>
+            <pc:sldMk cId="3260015347" sldId="264"/>
+            <ac:spMk id="2" creationId="{F74D48A8-9FC0-44DE-B067-4CA270551632}"/>
+          </ac:spMkLst>
+        </pc:spChg>
+      </pc:sldChg>
+      <pc:sldChg chg="modSp new mod">
+        <pc:chgData name="MORLEY, Thomas" userId="ca0a1631-feee-46f8-9dc6-a0f397eff84f" providerId="ADAL" clId="{E34FB9E7-6CF7-40FD-83B9-B94EF404FC33}" dt="2021-10-25T15:38:38.255" v="959" actId="20577"/>
+        <pc:sldMkLst>
+          <pc:docMk/>
+          <pc:sldMk cId="342339206" sldId="265"/>
+        </pc:sldMkLst>
+        <pc:spChg chg="mod">
+          <ac:chgData name="MORLEY, Thomas" userId="ca0a1631-feee-46f8-9dc6-a0f397eff84f" providerId="ADAL" clId="{E34FB9E7-6CF7-40FD-83B9-B94EF404FC33}" dt="2021-10-25T15:38:38.255" v="959" actId="20577"/>
+          <ac:spMkLst>
+            <pc:docMk/>
+            <pc:sldMk cId="342339206" sldId="265"/>
+            <ac:spMk id="2" creationId="{CC82E959-E6CC-47F7-BA52-A438C7605CA7}"/>
+          </ac:spMkLst>
+        </pc:spChg>
+      </pc:sldChg>
+    </pc:docChg>
+  </pc:docChgLst>
   <pc:docChgLst>
     <pc:chgData name="MORLEY, Thomas" userId="ca0a1631-feee-46f8-9dc6-a0f397eff84f" providerId="ADAL" clId="{21694504-DF36-4190-984B-87BF7BD1C818}"/>
     <pc:docChg chg="undo custSel addSld modSld">
@@ -5996,260 +6260,10 @@
       </p:grpSpPr>
       <p:sp>
         <p:nvSpPr>
-          <p:cNvPr id="75" name="TextBox 74">
-            <a:extLst>
-              <a:ext uri="{FF2B5EF4-FFF2-40B4-BE49-F238E27FC236}">
-                <a16:creationId xmlns:a16="http://schemas.microsoft.com/office/drawing/2014/main" id="{89FF9F8A-93EC-4861-8137-E7FB23506B07}"/>
-              </a:ext>
-            </a:extLst>
-          </p:cNvPr>
-          <p:cNvSpPr txBox="1"/>
-          <p:nvPr/>
-        </p:nvSpPr>
-        <p:spPr>
-          <a:xfrm>
-            <a:off x="5159349" y="1692938"/>
-            <a:ext cx="2936964" cy="3046988"/>
-          </a:xfrm>
-          <a:prstGeom prst="rect">
-            <a:avLst/>
-          </a:prstGeom>
-          <a:solidFill>
-            <a:schemeClr val="accent1">
-              <a:lumMod val="40000"/>
-              <a:lumOff val="60000"/>
-            </a:schemeClr>
-          </a:solidFill>
-          <a:ln/>
-        </p:spPr>
-        <p:style>
-          <a:lnRef idx="2">
-            <a:schemeClr val="accent1"/>
-          </a:lnRef>
-          <a:fillRef idx="1">
-            <a:schemeClr val="lt1"/>
-          </a:fillRef>
-          <a:effectRef idx="0">
-            <a:schemeClr val="accent1"/>
-          </a:effectRef>
-          <a:fontRef idx="minor">
-            <a:schemeClr val="dk1"/>
-          </a:fontRef>
-        </p:style>
-        <p:txBody>
-          <a:bodyPr wrap="square" rtlCol="0">
-            <a:spAutoFit/>
-          </a:bodyPr>
-          <a:lstStyle/>
-          <a:p>
-            <a:pPr algn="ctr"/>
-            <a:r>
-              <a:rPr lang="en-GB" sz="1200" dirty="0"/>
-              <a:t>Runs the “</a:t>
-            </a:r>
-            <a:r>
-              <a:rPr lang="en-GB" sz="1200" dirty="0" err="1"/>
-              <a:t>create_log</a:t>
-            </a:r>
-            <a:r>
-              <a:rPr lang="en-GB" sz="1200" dirty="0"/>
-              <a:t>” function:</a:t>
-            </a:r>
-          </a:p>
-          <a:p>
-            <a:pPr algn="ctr"/>
-            <a:endParaRPr lang="en-GB" sz="1200" dirty="0"/>
-          </a:p>
-          <a:p>
-            <a:pPr algn="ctr"/>
-            <a:endParaRPr lang="en-GB" sz="1200" dirty="0"/>
-          </a:p>
-          <a:p>
-            <a:pPr algn="ctr"/>
-            <a:endParaRPr lang="en-GB" sz="1200" dirty="0"/>
-          </a:p>
-          <a:p>
-            <a:pPr algn="ctr"/>
-            <a:endParaRPr lang="en-GB" sz="1200" dirty="0"/>
-          </a:p>
-          <a:p>
-            <a:pPr algn="ctr"/>
-            <a:endParaRPr lang="en-GB" sz="1200" dirty="0"/>
-          </a:p>
-          <a:p>
-            <a:pPr algn="ctr"/>
-            <a:endParaRPr lang="en-GB" sz="1200" dirty="0"/>
-          </a:p>
-          <a:p>
-            <a:pPr algn="ctr"/>
-            <a:endParaRPr lang="en-GB" sz="1200" dirty="0"/>
-          </a:p>
-          <a:p>
-            <a:pPr algn="ctr"/>
-            <a:endParaRPr lang="en-GB" sz="1200" dirty="0"/>
-          </a:p>
-          <a:p>
-            <a:pPr algn="ctr"/>
-            <a:endParaRPr lang="en-GB" sz="1200" dirty="0"/>
-          </a:p>
-          <a:p>
-            <a:pPr algn="ctr"/>
-            <a:endParaRPr lang="en-GB" sz="1200" dirty="0"/>
-          </a:p>
-          <a:p>
-            <a:pPr marL="171450" indent="-171450" algn="ctr">
-              <a:buFont typeface="Arial" panose="020B0604020202020204" pitchFamily="34" charset="0"/>
-              <a:buChar char="•"/>
-            </a:pPr>
-            <a:r>
-              <a:rPr lang="en-GB" sz="1200" dirty="0"/>
-              <a:t>Generates random 4-digit project ID</a:t>
-            </a:r>
-          </a:p>
-          <a:p>
-            <a:pPr marL="171450" indent="-171450" algn="ctr">
-              <a:buFont typeface="Arial" panose="020B0604020202020204" pitchFamily="34" charset="0"/>
-              <a:buChar char="•"/>
-            </a:pPr>
-            <a:r>
-              <a:rPr lang="en-GB" sz="1200" dirty="0"/>
-              <a:t>Checks that this isn’t already assigned to another project</a:t>
-            </a:r>
-          </a:p>
-          <a:p>
-            <a:pPr marL="171450" indent="-171450" algn="ctr">
-              <a:buFont typeface="Arial" panose="020B0604020202020204" pitchFamily="34" charset="0"/>
-              <a:buChar char="•"/>
-            </a:pPr>
-            <a:r>
-              <a:rPr lang="en-GB" sz="1200" dirty="0"/>
-              <a:t>Updates “projectID” and “QAlogtype”</a:t>
-            </a:r>
-          </a:p>
-          <a:p>
-            <a:pPr marL="171450" indent="-171450" algn="ctr">
-              <a:buFont typeface="Arial" panose="020B0604020202020204" pitchFamily="34" charset="0"/>
-              <a:buChar char="•"/>
-            </a:pPr>
-            <a:r>
-              <a:rPr lang="en-GB" sz="1200" dirty="0"/>
-              <a:t>Switches to new tab</a:t>
-            </a:r>
-          </a:p>
-        </p:txBody>
-      </p:sp>
-      <p:sp>
-        <p:nvSpPr>
-          <p:cNvPr id="56" name="Rectangle: Rounded Corners 55">
-            <a:extLst>
-              <a:ext uri="{FF2B5EF4-FFF2-40B4-BE49-F238E27FC236}">
-                <a16:creationId xmlns:a16="http://schemas.microsoft.com/office/drawing/2014/main" id="{31C50EA1-58C5-4308-A266-AE258EA74245}"/>
-              </a:ext>
-            </a:extLst>
-          </p:cNvPr>
-          <p:cNvSpPr/>
-          <p:nvPr/>
-        </p:nvSpPr>
-        <p:spPr>
-          <a:xfrm>
-            <a:off x="4495800" y="5235575"/>
-            <a:ext cx="2124075" cy="755650"/>
-          </a:xfrm>
-          <a:prstGeom prst="roundRect">
-            <a:avLst>
-              <a:gd name="adj" fmla="val 6355"/>
-            </a:avLst>
-          </a:prstGeom>
-          <a:solidFill>
-            <a:schemeClr val="accent4">
-              <a:alpha val="50000"/>
-            </a:schemeClr>
-          </a:solidFill>
-          <a:ln>
-            <a:noFill/>
-          </a:ln>
-        </p:spPr>
-        <p:style>
-          <a:lnRef idx="0">
-            <a:scrgbClr r="0" g="0" b="0"/>
-          </a:lnRef>
-          <a:fillRef idx="0">
-            <a:scrgbClr r="0" g="0" b="0"/>
-          </a:fillRef>
-          <a:effectRef idx="0">
-            <a:scrgbClr r="0" g="0" b="0"/>
-          </a:effectRef>
-          <a:fontRef idx="minor">
-            <a:schemeClr val="lt1"/>
-          </a:fontRef>
-        </p:style>
-        <p:txBody>
-          <a:bodyPr rtlCol="0" anchor="ctr"/>
-          <a:lstStyle/>
-          <a:p>
-            <a:pPr algn="ctr"/>
-            <a:endParaRPr lang="en-GB"/>
-          </a:p>
-        </p:txBody>
-      </p:sp>
-      <p:sp>
-        <p:nvSpPr>
-          <p:cNvPr id="46" name="Rectangle: Rounded Corners 45">
-            <a:extLst>
-              <a:ext uri="{FF2B5EF4-FFF2-40B4-BE49-F238E27FC236}">
-                <a16:creationId xmlns:a16="http://schemas.microsoft.com/office/drawing/2014/main" id="{1E11D07A-6EF0-40FB-9173-8F17DDE739A4}"/>
-              </a:ext>
-            </a:extLst>
-          </p:cNvPr>
-          <p:cNvSpPr/>
-          <p:nvPr/>
-        </p:nvSpPr>
-        <p:spPr>
-          <a:xfrm>
-            <a:off x="2640769" y="1540275"/>
-            <a:ext cx="1813497" cy="4141433"/>
-          </a:xfrm>
-          <a:prstGeom prst="roundRect">
-            <a:avLst/>
-          </a:prstGeom>
-          <a:solidFill>
-            <a:schemeClr val="accent4">
-              <a:alpha val="50000"/>
-            </a:schemeClr>
-          </a:solidFill>
-          <a:ln>
-            <a:noFill/>
-          </a:ln>
-        </p:spPr>
-        <p:style>
-          <a:lnRef idx="0">
-            <a:scrgbClr r="0" g="0" b="0"/>
-          </a:lnRef>
-          <a:fillRef idx="0">
-            <a:scrgbClr r="0" g="0" b="0"/>
-          </a:fillRef>
-          <a:effectRef idx="0">
-            <a:scrgbClr r="0" g="0" b="0"/>
-          </a:effectRef>
-          <a:fontRef idx="minor">
-            <a:schemeClr val="lt1"/>
-          </a:fontRef>
-        </p:style>
-        <p:txBody>
-          <a:bodyPr rtlCol="0" anchor="ctr"/>
-          <a:lstStyle/>
-          <a:p>
-            <a:pPr algn="ctr"/>
-            <a:endParaRPr lang="en-GB"/>
-          </a:p>
-        </p:txBody>
-      </p:sp>
-      <p:sp>
-        <p:nvSpPr>
           <p:cNvPr id="2" name="Title 1">
             <a:extLst>
               <a:ext uri="{FF2B5EF4-FFF2-40B4-BE49-F238E27FC236}">
-                <a16:creationId xmlns:a16="http://schemas.microsoft.com/office/drawing/2014/main" id="{44D95F4A-57AC-47A5-9D1F-40BF0ABBC8C4}"/>
+                <a16:creationId xmlns:a16="http://schemas.microsoft.com/office/drawing/2014/main" id="{F74D48A8-9FC0-44DE-B067-4CA270551632}"/>
               </a:ext>
             </a:extLst>
           </p:cNvPr>
@@ -6267,2618 +6281,40 @@
           <a:p>
             <a:r>
               <a:rPr lang="en-GB" dirty="0"/>
-              <a:t>Map for creating new log</a:t>
-            </a:r>
-            <a:br>
-              <a:rPr lang="en-GB" dirty="0"/>
-            </a:br>
-            <a:r>
-              <a:rPr lang="en-GB" sz="2000" dirty="0"/>
-              <a:t>Mostly from </a:t>
-            </a:r>
-            <a:r>
-              <a:rPr lang="en-GB" sz="2000" dirty="0" err="1"/>
-              <a:t>home_server.R</a:t>
-            </a:r>
-            <a:endParaRPr lang="en-GB" dirty="0"/>
-          </a:p>
-        </p:txBody>
-      </p:sp>
-      <p:sp>
-        <p:nvSpPr>
-          <p:cNvPr id="4" name="TextBox 3">
-            <a:extLst>
-              <a:ext uri="{FF2B5EF4-FFF2-40B4-BE49-F238E27FC236}">
-                <a16:creationId xmlns:a16="http://schemas.microsoft.com/office/drawing/2014/main" id="{CAD8BAA6-3D65-4571-B124-5552C7897DEA}"/>
-              </a:ext>
-            </a:extLst>
-          </p:cNvPr>
-          <p:cNvSpPr txBox="1"/>
-          <p:nvPr/>
-        </p:nvSpPr>
-        <p:spPr>
-          <a:xfrm>
-            <a:off x="696686" y="1690688"/>
-            <a:ext cx="1550125" cy="646331"/>
-          </a:xfrm>
-          <a:prstGeom prst="rect">
-            <a:avLst/>
-          </a:prstGeom>
-          <a:solidFill>
-            <a:schemeClr val="accent1">
-              <a:lumMod val="40000"/>
-              <a:lumOff val="60000"/>
-            </a:schemeClr>
-          </a:solidFill>
-          <a:ln/>
-        </p:spPr>
-        <p:style>
-          <a:lnRef idx="2">
-            <a:schemeClr val="accent1"/>
-          </a:lnRef>
-          <a:fillRef idx="1">
-            <a:schemeClr val="lt1"/>
-          </a:fillRef>
-          <a:effectRef idx="0">
-            <a:schemeClr val="accent1"/>
-          </a:effectRef>
-          <a:fontRef idx="minor">
-            <a:schemeClr val="dk1"/>
-          </a:fontRef>
-        </p:style>
-        <p:txBody>
-          <a:bodyPr wrap="square" rtlCol="0">
-            <a:spAutoFit/>
-          </a:bodyPr>
-          <a:lstStyle/>
-          <a:p>
-            <a:pPr algn="ctr"/>
-            <a:r>
-              <a:rPr lang="en-GB" dirty="0"/>
-              <a:t>Select create new log</a:t>
-            </a:r>
-          </a:p>
-        </p:txBody>
-      </p:sp>
-      <p:sp>
-        <p:nvSpPr>
-          <p:cNvPr id="7" name="TextBox 6">
-            <a:extLst>
-              <a:ext uri="{FF2B5EF4-FFF2-40B4-BE49-F238E27FC236}">
-                <a16:creationId xmlns:a16="http://schemas.microsoft.com/office/drawing/2014/main" id="{7BBF95CE-286E-4850-B0D9-9094A39A9A14}"/>
-              </a:ext>
-            </a:extLst>
-          </p:cNvPr>
-          <p:cNvSpPr txBox="1"/>
-          <p:nvPr/>
-        </p:nvSpPr>
-        <p:spPr>
-          <a:xfrm>
-            <a:off x="696686" y="2521058"/>
-            <a:ext cx="1550125" cy="307777"/>
-          </a:xfrm>
-          <a:prstGeom prst="rect">
-            <a:avLst/>
-          </a:prstGeom>
-          <a:solidFill>
-            <a:schemeClr val="accent2">
-              <a:lumMod val="40000"/>
-              <a:lumOff val="60000"/>
-            </a:schemeClr>
-          </a:solidFill>
-          <a:ln/>
-        </p:spPr>
-        <p:style>
-          <a:lnRef idx="2">
-            <a:schemeClr val="accent2"/>
-          </a:lnRef>
-          <a:fillRef idx="1">
-            <a:schemeClr val="lt1"/>
-          </a:fillRef>
-          <a:effectRef idx="0">
-            <a:schemeClr val="accent2"/>
-          </a:effectRef>
-          <a:fontRef idx="minor">
-            <a:schemeClr val="dk1"/>
-          </a:fontRef>
-        </p:style>
-        <p:txBody>
-          <a:bodyPr wrap="square" rtlCol="0">
-            <a:spAutoFit/>
-          </a:bodyPr>
-          <a:lstStyle/>
-          <a:p>
-            <a:pPr algn="ctr"/>
-            <a:r>
-              <a:rPr lang="en-GB" sz="1400" dirty="0"/>
-              <a:t>types$log = “new”</a:t>
-            </a:r>
-          </a:p>
-        </p:txBody>
-      </p:sp>
-      <p:sp>
-        <p:nvSpPr>
-          <p:cNvPr id="8" name="TextBox 7">
-            <a:extLst>
-              <a:ext uri="{FF2B5EF4-FFF2-40B4-BE49-F238E27FC236}">
-                <a16:creationId xmlns:a16="http://schemas.microsoft.com/office/drawing/2014/main" id="{0DB35C82-5C87-4009-8B4F-E17E8AA60A75}"/>
-              </a:ext>
-            </a:extLst>
-          </p:cNvPr>
-          <p:cNvSpPr txBox="1"/>
-          <p:nvPr/>
-        </p:nvSpPr>
-        <p:spPr>
-          <a:xfrm>
-            <a:off x="2773681" y="1690688"/>
-            <a:ext cx="1550125" cy="1200329"/>
-          </a:xfrm>
-          <a:prstGeom prst="rect">
-            <a:avLst/>
-          </a:prstGeom>
-          <a:solidFill>
-            <a:schemeClr val="accent1">
-              <a:lumMod val="40000"/>
-              <a:lumOff val="60000"/>
-            </a:schemeClr>
-          </a:solidFill>
-          <a:ln/>
-        </p:spPr>
-        <p:style>
-          <a:lnRef idx="2">
-            <a:schemeClr val="accent1"/>
-          </a:lnRef>
-          <a:fillRef idx="1">
-            <a:schemeClr val="lt1"/>
-          </a:fillRef>
-          <a:effectRef idx="0">
-            <a:schemeClr val="accent1"/>
-          </a:effectRef>
-          <a:fontRef idx="minor">
-            <a:schemeClr val="dk1"/>
-          </a:fontRef>
-        </p:style>
-        <p:txBody>
-          <a:bodyPr wrap="square" rtlCol="0">
-            <a:spAutoFit/>
-          </a:bodyPr>
-          <a:lstStyle/>
-          <a:p>
-            <a:pPr algn="ctr"/>
-            <a:r>
-              <a:rPr lang="en-GB" dirty="0"/>
-              <a:t>A new panel is shown with following options:</a:t>
-            </a:r>
-          </a:p>
-        </p:txBody>
-      </p:sp>
-      <p:sp>
-        <p:nvSpPr>
-          <p:cNvPr id="9" name="TextBox 8">
-            <a:extLst>
-              <a:ext uri="{FF2B5EF4-FFF2-40B4-BE49-F238E27FC236}">
-                <a16:creationId xmlns:a16="http://schemas.microsoft.com/office/drawing/2014/main" id="{4188A7B4-EEDE-44E1-B7CE-34D5EA1A652E}"/>
-              </a:ext>
-            </a:extLst>
-          </p:cNvPr>
-          <p:cNvSpPr txBox="1"/>
-          <p:nvPr/>
-        </p:nvSpPr>
-        <p:spPr>
-          <a:xfrm>
-            <a:off x="2773681" y="3016250"/>
-            <a:ext cx="1550125" cy="369332"/>
-          </a:xfrm>
-          <a:prstGeom prst="rect">
-            <a:avLst/>
-          </a:prstGeom>
-          <a:solidFill>
-            <a:schemeClr val="accent1">
-              <a:lumMod val="40000"/>
-              <a:lumOff val="60000"/>
-            </a:schemeClr>
-          </a:solidFill>
-          <a:ln/>
-        </p:spPr>
-        <p:style>
-          <a:lnRef idx="2">
-            <a:schemeClr val="accent1"/>
-          </a:lnRef>
-          <a:fillRef idx="1">
-            <a:schemeClr val="lt1"/>
-          </a:fillRef>
-          <a:effectRef idx="0">
-            <a:schemeClr val="accent1"/>
-          </a:effectRef>
-          <a:fontRef idx="minor">
-            <a:schemeClr val="dk1"/>
-          </a:fontRef>
-        </p:style>
-        <p:txBody>
-          <a:bodyPr wrap="square" rtlCol="0">
-            <a:spAutoFit/>
-          </a:bodyPr>
-          <a:lstStyle/>
-          <a:p>
-            <a:pPr algn="ctr"/>
-            <a:r>
-              <a:rPr lang="en-GB" dirty="0"/>
-              <a:t>Modelling</a:t>
-            </a:r>
-          </a:p>
-        </p:txBody>
-      </p:sp>
-      <p:sp>
-        <p:nvSpPr>
-          <p:cNvPr id="10" name="TextBox 9">
-            <a:extLst>
-              <a:ext uri="{FF2B5EF4-FFF2-40B4-BE49-F238E27FC236}">
-                <a16:creationId xmlns:a16="http://schemas.microsoft.com/office/drawing/2014/main" id="{D872ABF8-57DF-452E-9AC5-47DA62CA0F29}"/>
-              </a:ext>
-            </a:extLst>
-          </p:cNvPr>
-          <p:cNvSpPr txBox="1"/>
-          <p:nvPr/>
-        </p:nvSpPr>
-        <p:spPr>
-          <a:xfrm>
-            <a:off x="2773681" y="3510815"/>
-            <a:ext cx="1550125" cy="369332"/>
-          </a:xfrm>
-          <a:prstGeom prst="rect">
-            <a:avLst/>
-          </a:prstGeom>
-          <a:solidFill>
-            <a:schemeClr val="accent1">
-              <a:lumMod val="40000"/>
-              <a:lumOff val="60000"/>
-            </a:schemeClr>
-          </a:solidFill>
-          <a:ln/>
-        </p:spPr>
-        <p:style>
-          <a:lnRef idx="2">
-            <a:schemeClr val="accent1"/>
-          </a:lnRef>
-          <a:fillRef idx="1">
-            <a:schemeClr val="lt1"/>
-          </a:fillRef>
-          <a:effectRef idx="0">
-            <a:schemeClr val="accent1"/>
-          </a:effectRef>
-          <a:fontRef idx="minor">
-            <a:schemeClr val="dk1"/>
-          </a:fontRef>
-        </p:style>
-        <p:txBody>
-          <a:bodyPr wrap="square" rtlCol="0">
-            <a:spAutoFit/>
-          </a:bodyPr>
-          <a:lstStyle/>
-          <a:p>
-            <a:pPr algn="ctr"/>
-            <a:r>
-              <a:rPr lang="en-GB" dirty="0"/>
-              <a:t>Data Analysis</a:t>
-            </a:r>
-          </a:p>
-        </p:txBody>
-      </p:sp>
-      <p:sp>
-        <p:nvSpPr>
-          <p:cNvPr id="11" name="TextBox 10">
-            <a:extLst>
-              <a:ext uri="{FF2B5EF4-FFF2-40B4-BE49-F238E27FC236}">
-                <a16:creationId xmlns:a16="http://schemas.microsoft.com/office/drawing/2014/main" id="{F52B5425-C011-4D9D-B035-6FD16D8AECD2}"/>
-              </a:ext>
-            </a:extLst>
-          </p:cNvPr>
-          <p:cNvSpPr txBox="1"/>
-          <p:nvPr/>
-        </p:nvSpPr>
-        <p:spPr>
-          <a:xfrm>
-            <a:off x="2773680" y="3966984"/>
-            <a:ext cx="1550125" cy="369332"/>
-          </a:xfrm>
-          <a:prstGeom prst="rect">
-            <a:avLst/>
-          </a:prstGeom>
-          <a:solidFill>
-            <a:schemeClr val="accent1">
-              <a:lumMod val="40000"/>
-              <a:lumOff val="60000"/>
-            </a:schemeClr>
-          </a:solidFill>
-          <a:ln/>
-        </p:spPr>
-        <p:style>
-          <a:lnRef idx="2">
-            <a:schemeClr val="accent1"/>
-          </a:lnRef>
-          <a:fillRef idx="1">
-            <a:schemeClr val="lt1"/>
-          </a:fillRef>
-          <a:effectRef idx="0">
-            <a:schemeClr val="accent1"/>
-          </a:effectRef>
-          <a:fontRef idx="minor">
-            <a:schemeClr val="dk1"/>
-          </a:fontRef>
-        </p:style>
-        <p:txBody>
-          <a:bodyPr wrap="square" rtlCol="0">
-            <a:spAutoFit/>
-          </a:bodyPr>
-          <a:lstStyle/>
-          <a:p>
-            <a:pPr algn="ctr"/>
-            <a:r>
-              <a:rPr lang="en-GB" dirty="0"/>
-              <a:t>Dashboard</a:t>
-            </a:r>
-          </a:p>
-        </p:txBody>
-      </p:sp>
-      <p:sp>
-        <p:nvSpPr>
-          <p:cNvPr id="12" name="TextBox 11">
-            <a:extLst>
-              <a:ext uri="{FF2B5EF4-FFF2-40B4-BE49-F238E27FC236}">
-                <a16:creationId xmlns:a16="http://schemas.microsoft.com/office/drawing/2014/main" id="{6F49CCF7-ABE2-4B54-AE51-ABD64B96D524}"/>
-              </a:ext>
-            </a:extLst>
-          </p:cNvPr>
-          <p:cNvSpPr txBox="1"/>
-          <p:nvPr/>
-        </p:nvSpPr>
-        <p:spPr>
-          <a:xfrm>
-            <a:off x="2773679" y="4461549"/>
-            <a:ext cx="1550125" cy="338554"/>
-          </a:xfrm>
-          <a:prstGeom prst="rect">
-            <a:avLst/>
-          </a:prstGeom>
-          <a:solidFill>
-            <a:schemeClr val="accent1">
-              <a:lumMod val="40000"/>
-              <a:lumOff val="60000"/>
-            </a:schemeClr>
-          </a:solidFill>
-          <a:ln/>
-        </p:spPr>
-        <p:style>
-          <a:lnRef idx="2">
-            <a:schemeClr val="accent1"/>
-          </a:lnRef>
-          <a:fillRef idx="1">
-            <a:schemeClr val="lt1"/>
-          </a:fillRef>
-          <a:effectRef idx="0">
-            <a:schemeClr val="accent1"/>
-          </a:effectRef>
-          <a:fontRef idx="minor">
-            <a:schemeClr val="dk1"/>
-          </a:fontRef>
-        </p:style>
-        <p:txBody>
-          <a:bodyPr wrap="square" rtlCol="0">
-            <a:spAutoFit/>
-          </a:bodyPr>
-          <a:lstStyle/>
-          <a:p>
-            <a:pPr algn="ctr"/>
-            <a:r>
-              <a:rPr lang="en-GB" sz="1600" dirty="0"/>
-              <a:t>Official Statistics</a:t>
-            </a:r>
-          </a:p>
-        </p:txBody>
-      </p:sp>
-      <p:sp>
-        <p:nvSpPr>
-          <p:cNvPr id="13" name="TextBox 12">
-            <a:extLst>
-              <a:ext uri="{FF2B5EF4-FFF2-40B4-BE49-F238E27FC236}">
-                <a16:creationId xmlns:a16="http://schemas.microsoft.com/office/drawing/2014/main" id="{1F4448A5-5EB5-4119-8A40-54FC6B5C7C1E}"/>
-              </a:ext>
-            </a:extLst>
-          </p:cNvPr>
-          <p:cNvSpPr txBox="1"/>
-          <p:nvPr/>
-        </p:nvSpPr>
-        <p:spPr>
-          <a:xfrm>
-            <a:off x="5620639" y="2004124"/>
-            <a:ext cx="2029096" cy="307777"/>
-          </a:xfrm>
-          <a:prstGeom prst="rect">
-            <a:avLst/>
-          </a:prstGeom>
-          <a:solidFill>
-            <a:schemeClr val="accent2">
-              <a:lumMod val="40000"/>
-              <a:lumOff val="60000"/>
-            </a:schemeClr>
-          </a:solidFill>
-          <a:ln/>
-        </p:spPr>
-        <p:style>
-          <a:lnRef idx="2">
-            <a:schemeClr val="accent2"/>
-          </a:lnRef>
-          <a:fillRef idx="1">
-            <a:schemeClr val="lt1"/>
-          </a:fillRef>
-          <a:effectRef idx="0">
-            <a:schemeClr val="accent2"/>
-          </a:effectRef>
-          <a:fontRef idx="minor">
-            <a:schemeClr val="dk1"/>
-          </a:fontRef>
-        </p:style>
-        <p:txBody>
-          <a:bodyPr wrap="square" rtlCol="0">
-            <a:spAutoFit/>
-          </a:bodyPr>
-          <a:lstStyle/>
-          <a:p>
-            <a:pPr algn="ctr"/>
-            <a:r>
-              <a:rPr lang="en-GB" sz="1400" dirty="0"/>
-              <a:t>types$log = “modelling”</a:t>
-            </a:r>
-          </a:p>
-        </p:txBody>
-      </p:sp>
-      <p:sp>
-        <p:nvSpPr>
-          <p:cNvPr id="14" name="TextBox 13">
-            <a:extLst>
-              <a:ext uri="{FF2B5EF4-FFF2-40B4-BE49-F238E27FC236}">
-                <a16:creationId xmlns:a16="http://schemas.microsoft.com/office/drawing/2014/main" id="{AB336F58-0589-4384-A030-86BCB11977DA}"/>
-              </a:ext>
-            </a:extLst>
-          </p:cNvPr>
-          <p:cNvSpPr txBox="1"/>
-          <p:nvPr/>
-        </p:nvSpPr>
-        <p:spPr>
-          <a:xfrm>
-            <a:off x="5620639" y="2356642"/>
-            <a:ext cx="2029096" cy="307777"/>
-          </a:xfrm>
-          <a:prstGeom prst="rect">
-            <a:avLst/>
-          </a:prstGeom>
-          <a:solidFill>
-            <a:schemeClr val="accent2">
-              <a:lumMod val="40000"/>
-              <a:lumOff val="60000"/>
-            </a:schemeClr>
-          </a:solidFill>
-          <a:ln/>
-        </p:spPr>
-        <p:style>
-          <a:lnRef idx="2">
-            <a:schemeClr val="accent2"/>
-          </a:lnRef>
-          <a:fillRef idx="1">
-            <a:schemeClr val="lt1"/>
-          </a:fillRef>
-          <a:effectRef idx="0">
-            <a:schemeClr val="accent2"/>
-          </a:effectRef>
-          <a:fontRef idx="minor">
-            <a:schemeClr val="dk1"/>
-          </a:fontRef>
-        </p:style>
-        <p:txBody>
-          <a:bodyPr wrap="square" rtlCol="0">
-            <a:spAutoFit/>
-          </a:bodyPr>
-          <a:lstStyle/>
-          <a:p>
-            <a:pPr algn="ctr"/>
-            <a:r>
-              <a:rPr lang="en-GB" sz="1400" dirty="0"/>
-              <a:t>types$log = “analysis”</a:t>
-            </a:r>
-          </a:p>
-        </p:txBody>
-      </p:sp>
-      <p:sp>
-        <p:nvSpPr>
-          <p:cNvPr id="15" name="TextBox 14">
-            <a:extLst>
-              <a:ext uri="{FF2B5EF4-FFF2-40B4-BE49-F238E27FC236}">
-                <a16:creationId xmlns:a16="http://schemas.microsoft.com/office/drawing/2014/main" id="{84B273DD-6AB5-4C9A-AE94-A8205A14E16D}"/>
-              </a:ext>
-            </a:extLst>
-          </p:cNvPr>
-          <p:cNvSpPr txBox="1"/>
-          <p:nvPr/>
-        </p:nvSpPr>
-        <p:spPr>
-          <a:xfrm>
-            <a:off x="5620639" y="2697397"/>
-            <a:ext cx="2029096" cy="307777"/>
-          </a:xfrm>
-          <a:prstGeom prst="rect">
-            <a:avLst/>
-          </a:prstGeom>
-          <a:solidFill>
-            <a:schemeClr val="accent2">
-              <a:lumMod val="40000"/>
-              <a:lumOff val="60000"/>
-            </a:schemeClr>
-          </a:solidFill>
-          <a:ln/>
-        </p:spPr>
-        <p:style>
-          <a:lnRef idx="2">
-            <a:schemeClr val="accent2"/>
-          </a:lnRef>
-          <a:fillRef idx="1">
-            <a:schemeClr val="lt1"/>
-          </a:fillRef>
-          <a:effectRef idx="0">
-            <a:schemeClr val="accent2"/>
-          </a:effectRef>
-          <a:fontRef idx="minor">
-            <a:schemeClr val="dk1"/>
-          </a:fontRef>
-        </p:style>
-        <p:txBody>
-          <a:bodyPr wrap="square" rtlCol="0">
-            <a:spAutoFit/>
-          </a:bodyPr>
-          <a:lstStyle/>
-          <a:p>
-            <a:pPr algn="ctr"/>
-            <a:r>
-              <a:rPr lang="en-GB" sz="1400" dirty="0"/>
-              <a:t>types$log = “dashboard”</a:t>
-            </a:r>
-          </a:p>
-        </p:txBody>
-      </p:sp>
-      <p:sp>
-        <p:nvSpPr>
-          <p:cNvPr id="16" name="TextBox 15">
-            <a:extLst>
-              <a:ext uri="{FF2B5EF4-FFF2-40B4-BE49-F238E27FC236}">
-                <a16:creationId xmlns:a16="http://schemas.microsoft.com/office/drawing/2014/main" id="{A827479B-847F-4A51-BE4B-15FCB12F924D}"/>
-              </a:ext>
-            </a:extLst>
-          </p:cNvPr>
-          <p:cNvSpPr txBox="1"/>
-          <p:nvPr/>
-        </p:nvSpPr>
-        <p:spPr>
-          <a:xfrm>
-            <a:off x="5610333" y="3051714"/>
-            <a:ext cx="2029096" cy="307777"/>
-          </a:xfrm>
-          <a:prstGeom prst="rect">
-            <a:avLst/>
-          </a:prstGeom>
-          <a:solidFill>
-            <a:schemeClr val="accent2">
-              <a:lumMod val="40000"/>
-              <a:lumOff val="60000"/>
-            </a:schemeClr>
-          </a:solidFill>
-          <a:ln/>
-        </p:spPr>
-        <p:style>
-          <a:lnRef idx="2">
-            <a:schemeClr val="accent2"/>
-          </a:lnRef>
-          <a:fillRef idx="1">
-            <a:schemeClr val="lt1"/>
-          </a:fillRef>
-          <a:effectRef idx="0">
-            <a:schemeClr val="accent2"/>
-          </a:effectRef>
-          <a:fontRef idx="minor">
-            <a:schemeClr val="dk1"/>
-          </a:fontRef>
-        </p:style>
-        <p:txBody>
-          <a:bodyPr wrap="square" rtlCol="0">
-            <a:spAutoFit/>
-          </a:bodyPr>
-          <a:lstStyle/>
-          <a:p>
-            <a:pPr algn="ctr"/>
-            <a:r>
-              <a:rPr lang="en-GB" sz="1400" dirty="0"/>
-              <a:t>types$log = “statistics”</a:t>
-            </a:r>
-          </a:p>
-        </p:txBody>
-      </p:sp>
-      <p:sp>
-        <p:nvSpPr>
-          <p:cNvPr id="17" name="TextBox 16">
-            <a:extLst>
-              <a:ext uri="{FF2B5EF4-FFF2-40B4-BE49-F238E27FC236}">
-                <a16:creationId xmlns:a16="http://schemas.microsoft.com/office/drawing/2014/main" id="{A14DFB68-A714-4332-9017-A93997054343}"/>
-              </a:ext>
-            </a:extLst>
-          </p:cNvPr>
-          <p:cNvSpPr txBox="1"/>
-          <p:nvPr/>
-        </p:nvSpPr>
-        <p:spPr>
-          <a:xfrm>
-            <a:off x="10105208" y="704634"/>
-            <a:ext cx="1624149" cy="307777"/>
-          </a:xfrm>
-          <a:prstGeom prst="rect">
-            <a:avLst/>
-          </a:prstGeom>
-          <a:solidFill>
-            <a:schemeClr val="accent2">
-              <a:lumMod val="40000"/>
-              <a:lumOff val="60000"/>
-            </a:schemeClr>
-          </a:solidFill>
-          <a:ln/>
-        </p:spPr>
-        <p:style>
-          <a:lnRef idx="2">
-            <a:schemeClr val="accent2"/>
-          </a:lnRef>
-          <a:fillRef idx="1">
-            <a:schemeClr val="lt1"/>
-          </a:fillRef>
-          <a:effectRef idx="0">
-            <a:schemeClr val="accent2"/>
-          </a:effectRef>
-          <a:fontRef idx="minor">
-            <a:schemeClr val="dk1"/>
-          </a:fontRef>
-        </p:style>
-        <p:txBody>
-          <a:bodyPr wrap="square" rtlCol="0">
-            <a:spAutoFit/>
-          </a:bodyPr>
-          <a:lstStyle/>
-          <a:p>
-            <a:pPr algn="ctr"/>
-            <a:r>
-              <a:rPr lang="en-GB" sz="1400" dirty="0"/>
-              <a:t>types$log = “blank”</a:t>
-            </a:r>
-          </a:p>
-        </p:txBody>
-      </p:sp>
-      <p:sp>
-        <p:nvSpPr>
-          <p:cNvPr id="18" name="TextBox 17">
-            <a:extLst>
-              <a:ext uri="{FF2B5EF4-FFF2-40B4-BE49-F238E27FC236}">
-                <a16:creationId xmlns:a16="http://schemas.microsoft.com/office/drawing/2014/main" id="{D1E8EEAF-9F67-44CF-BD1B-838CFCA3259D}"/>
-              </a:ext>
-            </a:extLst>
-          </p:cNvPr>
-          <p:cNvSpPr txBox="1"/>
-          <p:nvPr/>
-        </p:nvSpPr>
-        <p:spPr>
-          <a:xfrm>
-            <a:off x="8708571" y="39765"/>
-            <a:ext cx="3396344" cy="923330"/>
-          </a:xfrm>
-          <a:prstGeom prst="rect">
-            <a:avLst/>
-          </a:prstGeom>
-          <a:noFill/>
-        </p:spPr>
-        <p:txBody>
-          <a:bodyPr wrap="square" rtlCol="0">
-            <a:spAutoFit/>
-          </a:bodyPr>
-          <a:lstStyle/>
-          <a:p>
-            <a:r>
-              <a:rPr lang="en-GB" dirty="0"/>
-              <a:t>We have a list “types” containing the reactive value “log”. Initially this is set to:</a:t>
-            </a:r>
-          </a:p>
-        </p:txBody>
-      </p:sp>
-      <p:cxnSp>
-        <p:nvCxnSpPr>
-          <p:cNvPr id="20" name="Straight Arrow Connector 19">
-            <a:extLst>
-              <a:ext uri="{FF2B5EF4-FFF2-40B4-BE49-F238E27FC236}">
-                <a16:creationId xmlns:a16="http://schemas.microsoft.com/office/drawing/2014/main" id="{E1EC3416-0111-41F4-8815-190FA1CCB00A}"/>
-              </a:ext>
-            </a:extLst>
-          </p:cNvPr>
-          <p:cNvCxnSpPr>
-            <a:stCxn id="4" idx="2"/>
-            <a:endCxn id="7" idx="0"/>
-          </p:cNvCxnSpPr>
-          <p:nvPr/>
-        </p:nvCxnSpPr>
-        <p:spPr>
-          <a:xfrm>
-            <a:off x="1471749" y="2337019"/>
-            <a:ext cx="0" cy="184039"/>
-          </a:xfrm>
-          <a:prstGeom prst="straightConnector1">
-            <a:avLst/>
-          </a:prstGeom>
-          <a:ln>
-            <a:solidFill>
-              <a:schemeClr val="accent6">
-                <a:lumMod val="75000"/>
-              </a:schemeClr>
-            </a:solidFill>
-            <a:tailEnd type="triangle"/>
-          </a:ln>
-        </p:spPr>
-        <p:style>
-          <a:lnRef idx="1">
-            <a:schemeClr val="accent1"/>
-          </a:lnRef>
-          <a:fillRef idx="0">
-            <a:schemeClr val="accent1"/>
-          </a:fillRef>
-          <a:effectRef idx="0">
-            <a:schemeClr val="accent1"/>
-          </a:effectRef>
-          <a:fontRef idx="minor">
-            <a:schemeClr val="tx1"/>
-          </a:fontRef>
-        </p:style>
-      </p:cxnSp>
-      <p:cxnSp>
-        <p:nvCxnSpPr>
-          <p:cNvPr id="21" name="Straight Arrow Connector 20">
-            <a:extLst>
-              <a:ext uri="{FF2B5EF4-FFF2-40B4-BE49-F238E27FC236}">
-                <a16:creationId xmlns:a16="http://schemas.microsoft.com/office/drawing/2014/main" id="{BD198D8D-0330-42B3-84BC-0821E8CC894D}"/>
-              </a:ext>
-            </a:extLst>
-          </p:cNvPr>
-          <p:cNvCxnSpPr>
-            <a:cxnSpLocks/>
-            <a:stCxn id="7" idx="3"/>
-            <a:endCxn id="8" idx="1"/>
-          </p:cNvCxnSpPr>
-          <p:nvPr/>
-        </p:nvCxnSpPr>
-        <p:spPr>
-          <a:xfrm flipV="1">
-            <a:off x="2246811" y="2290853"/>
-            <a:ext cx="526870" cy="384094"/>
-          </a:xfrm>
-          <a:prstGeom prst="straightConnector1">
-            <a:avLst/>
-          </a:prstGeom>
-          <a:ln>
-            <a:solidFill>
-              <a:schemeClr val="accent6">
-                <a:lumMod val="75000"/>
-              </a:schemeClr>
-            </a:solidFill>
-            <a:tailEnd type="triangle"/>
-          </a:ln>
-        </p:spPr>
-        <p:style>
-          <a:lnRef idx="1">
-            <a:schemeClr val="accent1"/>
-          </a:lnRef>
-          <a:fillRef idx="0">
-            <a:schemeClr val="accent1"/>
-          </a:fillRef>
-          <a:effectRef idx="0">
-            <a:schemeClr val="accent1"/>
-          </a:effectRef>
-          <a:fontRef idx="minor">
-            <a:schemeClr val="tx1"/>
-          </a:fontRef>
-        </p:style>
-      </p:cxnSp>
-      <p:cxnSp>
-        <p:nvCxnSpPr>
-          <p:cNvPr id="24" name="Straight Arrow Connector 23">
-            <a:extLst>
-              <a:ext uri="{FF2B5EF4-FFF2-40B4-BE49-F238E27FC236}">
-                <a16:creationId xmlns:a16="http://schemas.microsoft.com/office/drawing/2014/main" id="{7268C221-70CD-4883-8406-7C85B494453B}"/>
-              </a:ext>
-            </a:extLst>
-          </p:cNvPr>
-          <p:cNvCxnSpPr>
-            <a:cxnSpLocks/>
-            <a:stCxn id="9" idx="3"/>
-            <a:endCxn id="75" idx="1"/>
-          </p:cNvCxnSpPr>
-          <p:nvPr/>
-        </p:nvCxnSpPr>
-        <p:spPr>
-          <a:xfrm>
-            <a:off x="4323806" y="3200916"/>
-            <a:ext cx="835543" cy="15516"/>
-          </a:xfrm>
-          <a:prstGeom prst="straightConnector1">
-            <a:avLst/>
-          </a:prstGeom>
-          <a:ln>
-            <a:solidFill>
-              <a:schemeClr val="accent6">
-                <a:lumMod val="75000"/>
-              </a:schemeClr>
-            </a:solidFill>
-            <a:tailEnd type="triangle"/>
-          </a:ln>
-        </p:spPr>
-        <p:style>
-          <a:lnRef idx="1">
-            <a:schemeClr val="accent1"/>
-          </a:lnRef>
-          <a:fillRef idx="0">
-            <a:schemeClr val="accent1"/>
-          </a:fillRef>
-          <a:effectRef idx="0">
-            <a:schemeClr val="accent1"/>
-          </a:effectRef>
-          <a:fontRef idx="minor">
-            <a:schemeClr val="tx1"/>
-          </a:fontRef>
-        </p:style>
-      </p:cxnSp>
-      <p:cxnSp>
-        <p:nvCxnSpPr>
-          <p:cNvPr id="27" name="Straight Arrow Connector 26">
-            <a:extLst>
-              <a:ext uri="{FF2B5EF4-FFF2-40B4-BE49-F238E27FC236}">
-                <a16:creationId xmlns:a16="http://schemas.microsoft.com/office/drawing/2014/main" id="{5D9F69C5-5744-44C9-B801-238A523C3D38}"/>
-              </a:ext>
-            </a:extLst>
-          </p:cNvPr>
-          <p:cNvCxnSpPr>
-            <a:cxnSpLocks/>
-            <a:stCxn id="10" idx="3"/>
-            <a:endCxn id="75" idx="1"/>
-          </p:cNvCxnSpPr>
-          <p:nvPr/>
-        </p:nvCxnSpPr>
-        <p:spPr>
-          <a:xfrm flipV="1">
-            <a:off x="4323806" y="3216432"/>
-            <a:ext cx="835543" cy="479049"/>
-          </a:xfrm>
-          <a:prstGeom prst="straightConnector1">
-            <a:avLst/>
-          </a:prstGeom>
-          <a:ln>
-            <a:solidFill>
-              <a:schemeClr val="accent6">
-                <a:lumMod val="75000"/>
-              </a:schemeClr>
-            </a:solidFill>
-            <a:tailEnd type="triangle"/>
-          </a:ln>
-        </p:spPr>
-        <p:style>
-          <a:lnRef idx="1">
-            <a:schemeClr val="accent1"/>
-          </a:lnRef>
-          <a:fillRef idx="0">
-            <a:schemeClr val="accent1"/>
-          </a:fillRef>
-          <a:effectRef idx="0">
-            <a:schemeClr val="accent1"/>
-          </a:effectRef>
-          <a:fontRef idx="minor">
-            <a:schemeClr val="tx1"/>
-          </a:fontRef>
-        </p:style>
-      </p:cxnSp>
-      <p:cxnSp>
-        <p:nvCxnSpPr>
-          <p:cNvPr id="30" name="Straight Arrow Connector 29">
-            <a:extLst>
-              <a:ext uri="{FF2B5EF4-FFF2-40B4-BE49-F238E27FC236}">
-                <a16:creationId xmlns:a16="http://schemas.microsoft.com/office/drawing/2014/main" id="{67EABDA4-4127-46FF-80C1-C019ACACBF86}"/>
-              </a:ext>
-            </a:extLst>
-          </p:cNvPr>
-          <p:cNvCxnSpPr>
-            <a:cxnSpLocks/>
-            <a:stCxn id="11" idx="3"/>
-            <a:endCxn id="75" idx="1"/>
-          </p:cNvCxnSpPr>
-          <p:nvPr/>
-        </p:nvCxnSpPr>
-        <p:spPr>
-          <a:xfrm flipV="1">
-            <a:off x="4323805" y="3216432"/>
-            <a:ext cx="835544" cy="935218"/>
-          </a:xfrm>
-          <a:prstGeom prst="straightConnector1">
-            <a:avLst/>
-          </a:prstGeom>
-          <a:ln>
-            <a:solidFill>
-              <a:schemeClr val="accent6">
-                <a:lumMod val="75000"/>
-              </a:schemeClr>
-            </a:solidFill>
-            <a:tailEnd type="triangle"/>
-          </a:ln>
-        </p:spPr>
-        <p:style>
-          <a:lnRef idx="1">
-            <a:schemeClr val="accent1"/>
-          </a:lnRef>
-          <a:fillRef idx="0">
-            <a:schemeClr val="accent1"/>
-          </a:fillRef>
-          <a:effectRef idx="0">
-            <a:schemeClr val="accent1"/>
-          </a:effectRef>
-          <a:fontRef idx="minor">
-            <a:schemeClr val="tx1"/>
-          </a:fontRef>
-        </p:style>
-      </p:cxnSp>
-      <p:cxnSp>
-        <p:nvCxnSpPr>
-          <p:cNvPr id="33" name="Straight Arrow Connector 32">
-            <a:extLst>
-              <a:ext uri="{FF2B5EF4-FFF2-40B4-BE49-F238E27FC236}">
-                <a16:creationId xmlns:a16="http://schemas.microsoft.com/office/drawing/2014/main" id="{08A45BCA-AAD7-4787-A0A0-AED42946701B}"/>
-              </a:ext>
-            </a:extLst>
-          </p:cNvPr>
-          <p:cNvCxnSpPr>
-            <a:cxnSpLocks/>
-            <a:stCxn id="12" idx="3"/>
-            <a:endCxn id="75" idx="1"/>
-          </p:cNvCxnSpPr>
-          <p:nvPr/>
-        </p:nvCxnSpPr>
-        <p:spPr>
-          <a:xfrm flipV="1">
-            <a:off x="4323804" y="3216432"/>
-            <a:ext cx="835545" cy="1414394"/>
-          </a:xfrm>
-          <a:prstGeom prst="straightConnector1">
-            <a:avLst/>
-          </a:prstGeom>
-          <a:ln>
-            <a:solidFill>
-              <a:schemeClr val="accent6">
-                <a:lumMod val="75000"/>
-              </a:schemeClr>
-            </a:solidFill>
-            <a:tailEnd type="triangle"/>
-          </a:ln>
-        </p:spPr>
-        <p:style>
-          <a:lnRef idx="1">
-            <a:schemeClr val="accent1"/>
-          </a:lnRef>
-          <a:fillRef idx="0">
-            <a:schemeClr val="accent1"/>
-          </a:fillRef>
-          <a:effectRef idx="0">
-            <a:schemeClr val="accent1"/>
-          </a:effectRef>
-          <a:fontRef idx="minor">
-            <a:schemeClr val="tx1"/>
-          </a:fontRef>
-        </p:style>
-      </p:cxnSp>
-      <p:sp>
-        <p:nvSpPr>
-          <p:cNvPr id="36" name="TextBox 35">
-            <a:extLst>
-              <a:ext uri="{FF2B5EF4-FFF2-40B4-BE49-F238E27FC236}">
-                <a16:creationId xmlns:a16="http://schemas.microsoft.com/office/drawing/2014/main" id="{16C34F4E-1DFC-4FF6-94B4-F9E7667D5103}"/>
-              </a:ext>
-            </a:extLst>
-          </p:cNvPr>
-          <p:cNvSpPr txBox="1"/>
-          <p:nvPr/>
-        </p:nvSpPr>
-        <p:spPr>
-          <a:xfrm>
-            <a:off x="8708571" y="1111043"/>
-            <a:ext cx="3587932" cy="923330"/>
-          </a:xfrm>
-          <a:prstGeom prst="rect">
-            <a:avLst/>
-          </a:prstGeom>
-          <a:noFill/>
-        </p:spPr>
-        <p:txBody>
-          <a:bodyPr wrap="square" rtlCol="0">
-            <a:spAutoFit/>
-          </a:bodyPr>
-          <a:lstStyle/>
-          <a:p>
-            <a:r>
-              <a:rPr lang="en-GB" dirty="0"/>
-              <a:t>Similarly, lists “unsure” and “</a:t>
-            </a:r>
-            <a:r>
-              <a:rPr lang="en-GB" dirty="0" err="1"/>
-              <a:t>nexttab</a:t>
-            </a:r>
-            <a:r>
-              <a:rPr lang="en-GB" dirty="0"/>
-              <a:t>” containing reactive value “log”</a:t>
-            </a:r>
-          </a:p>
-        </p:txBody>
-      </p:sp>
-      <p:sp>
-        <p:nvSpPr>
-          <p:cNvPr id="37" name="TextBox 36">
-            <a:extLst>
-              <a:ext uri="{FF2B5EF4-FFF2-40B4-BE49-F238E27FC236}">
-                <a16:creationId xmlns:a16="http://schemas.microsoft.com/office/drawing/2014/main" id="{7F2658CB-A2F5-4EE3-BD05-5AB8CF8AA9C4}"/>
-              </a:ext>
-            </a:extLst>
-          </p:cNvPr>
-          <p:cNvSpPr txBox="1"/>
-          <p:nvPr/>
-        </p:nvSpPr>
-        <p:spPr>
-          <a:xfrm>
-            <a:off x="9827178" y="1730393"/>
-            <a:ext cx="1786146" cy="307777"/>
-          </a:xfrm>
-          <a:prstGeom prst="rect">
-            <a:avLst/>
-          </a:prstGeom>
-          <a:solidFill>
-            <a:schemeClr val="bg1">
-              <a:lumMod val="75000"/>
-            </a:schemeClr>
-          </a:solidFill>
-          <a:ln/>
-        </p:spPr>
-        <p:style>
-          <a:lnRef idx="2">
-            <a:schemeClr val="dk1"/>
-          </a:lnRef>
-          <a:fillRef idx="1">
-            <a:schemeClr val="lt1"/>
-          </a:fillRef>
-          <a:effectRef idx="0">
-            <a:schemeClr val="dk1"/>
-          </a:effectRef>
-          <a:fontRef idx="minor">
-            <a:schemeClr val="dk1"/>
-          </a:fontRef>
-        </p:style>
-        <p:txBody>
-          <a:bodyPr wrap="square" rtlCol="0">
-            <a:spAutoFit/>
-          </a:bodyPr>
-          <a:lstStyle/>
-          <a:p>
-            <a:pPr algn="ctr"/>
-            <a:r>
-              <a:rPr lang="en-GB" sz="1400" dirty="0"/>
-              <a:t>unsure$log = “blank”</a:t>
-            </a:r>
-          </a:p>
-        </p:txBody>
-      </p:sp>
-      <p:sp>
-        <p:nvSpPr>
-          <p:cNvPr id="38" name="TextBox 37">
-            <a:extLst>
-              <a:ext uri="{FF2B5EF4-FFF2-40B4-BE49-F238E27FC236}">
-                <a16:creationId xmlns:a16="http://schemas.microsoft.com/office/drawing/2014/main" id="{69744C9A-7330-4B30-97F0-639F12C07D51}"/>
-              </a:ext>
-            </a:extLst>
-          </p:cNvPr>
-          <p:cNvSpPr txBox="1"/>
-          <p:nvPr/>
-        </p:nvSpPr>
-        <p:spPr>
-          <a:xfrm>
-            <a:off x="9827178" y="2136802"/>
-            <a:ext cx="1786146" cy="307777"/>
-          </a:xfrm>
-          <a:prstGeom prst="rect">
-            <a:avLst/>
-          </a:prstGeom>
-          <a:solidFill>
-            <a:schemeClr val="accent6">
-              <a:lumMod val="60000"/>
-              <a:lumOff val="40000"/>
-            </a:schemeClr>
-          </a:solidFill>
-          <a:ln/>
-        </p:spPr>
-        <p:style>
-          <a:lnRef idx="2">
-            <a:schemeClr val="accent6"/>
-          </a:lnRef>
-          <a:fillRef idx="1">
-            <a:schemeClr val="lt1"/>
-          </a:fillRef>
-          <a:effectRef idx="0">
-            <a:schemeClr val="accent6"/>
-          </a:effectRef>
-          <a:fontRef idx="minor">
-            <a:schemeClr val="dk1"/>
-          </a:fontRef>
-        </p:style>
-        <p:txBody>
-          <a:bodyPr wrap="square" rtlCol="0">
-            <a:spAutoFit/>
-          </a:bodyPr>
-          <a:lstStyle/>
-          <a:p>
-            <a:pPr algn="ctr"/>
-            <a:r>
-              <a:rPr lang="en-GB" sz="1400" dirty="0"/>
-              <a:t>nexttab$log = “blank”</a:t>
-            </a:r>
-          </a:p>
-        </p:txBody>
-      </p:sp>
-      <p:sp>
-        <p:nvSpPr>
-          <p:cNvPr id="40" name="TextBox 39">
-            <a:extLst>
-              <a:ext uri="{FF2B5EF4-FFF2-40B4-BE49-F238E27FC236}">
-                <a16:creationId xmlns:a16="http://schemas.microsoft.com/office/drawing/2014/main" id="{005D8B23-0218-4D8C-AE42-CBD26E9B42D6}"/>
-              </a:ext>
-            </a:extLst>
-          </p:cNvPr>
-          <p:cNvSpPr txBox="1"/>
-          <p:nvPr/>
-        </p:nvSpPr>
-        <p:spPr>
-          <a:xfrm>
-            <a:off x="2773678" y="4915987"/>
-            <a:ext cx="1550125" cy="276999"/>
-          </a:xfrm>
-          <a:prstGeom prst="rect">
-            <a:avLst/>
-          </a:prstGeom>
-          <a:solidFill>
-            <a:schemeClr val="accent1">
-              <a:lumMod val="40000"/>
-              <a:lumOff val="60000"/>
-            </a:schemeClr>
-          </a:solidFill>
-          <a:ln/>
-        </p:spPr>
-        <p:style>
-          <a:lnRef idx="2">
-            <a:schemeClr val="accent1"/>
-          </a:lnRef>
-          <a:fillRef idx="1">
-            <a:schemeClr val="lt1"/>
-          </a:fillRef>
-          <a:effectRef idx="0">
-            <a:schemeClr val="accent1"/>
-          </a:effectRef>
-          <a:fontRef idx="minor">
-            <a:schemeClr val="dk1"/>
-          </a:fontRef>
-        </p:style>
-        <p:txBody>
-          <a:bodyPr wrap="square" rtlCol="0">
-            <a:spAutoFit/>
-          </a:bodyPr>
-          <a:lstStyle/>
-          <a:p>
-            <a:pPr algn="ctr"/>
-            <a:r>
-              <a:rPr lang="en-GB" sz="1200" dirty="0"/>
-              <a:t>Unsure which to use?</a:t>
-            </a:r>
-          </a:p>
-        </p:txBody>
-      </p:sp>
-      <p:sp>
-        <p:nvSpPr>
-          <p:cNvPr id="41" name="TextBox 40">
-            <a:extLst>
-              <a:ext uri="{FF2B5EF4-FFF2-40B4-BE49-F238E27FC236}">
-                <a16:creationId xmlns:a16="http://schemas.microsoft.com/office/drawing/2014/main" id="{33FFB747-35D4-4ABE-A7BE-0CCEB1455685}"/>
-              </a:ext>
-            </a:extLst>
-          </p:cNvPr>
-          <p:cNvSpPr txBox="1"/>
-          <p:nvPr/>
-        </p:nvSpPr>
-        <p:spPr>
-          <a:xfrm>
-            <a:off x="4545874" y="4900597"/>
-            <a:ext cx="2029095" cy="307777"/>
-          </a:xfrm>
-          <a:prstGeom prst="rect">
-            <a:avLst/>
-          </a:prstGeom>
-          <a:solidFill>
-            <a:schemeClr val="bg1">
-              <a:lumMod val="75000"/>
-            </a:schemeClr>
-          </a:solidFill>
-          <a:ln/>
-        </p:spPr>
-        <p:style>
-          <a:lnRef idx="2">
-            <a:schemeClr val="dk1"/>
-          </a:lnRef>
-          <a:fillRef idx="1">
-            <a:schemeClr val="lt1"/>
-          </a:fillRef>
-          <a:effectRef idx="0">
-            <a:schemeClr val="dk1"/>
-          </a:effectRef>
-          <a:fontRef idx="minor">
-            <a:schemeClr val="dk1"/>
-          </a:fontRef>
-        </p:style>
-        <p:txBody>
-          <a:bodyPr wrap="square" rtlCol="0">
-            <a:spAutoFit/>
-          </a:bodyPr>
-          <a:lstStyle/>
-          <a:p>
-            <a:pPr algn="ctr"/>
-            <a:r>
-              <a:rPr lang="en-GB" sz="1400" dirty="0"/>
-              <a:t>unsure$log = “unsure”</a:t>
-            </a:r>
-          </a:p>
-        </p:txBody>
-      </p:sp>
-      <p:cxnSp>
-        <p:nvCxnSpPr>
-          <p:cNvPr id="42" name="Straight Arrow Connector 41">
-            <a:extLst>
-              <a:ext uri="{FF2B5EF4-FFF2-40B4-BE49-F238E27FC236}">
-                <a16:creationId xmlns:a16="http://schemas.microsoft.com/office/drawing/2014/main" id="{EB2440EE-BAF4-4C3D-8E5F-24348894A1CD}"/>
-              </a:ext>
-            </a:extLst>
-          </p:cNvPr>
-          <p:cNvCxnSpPr>
-            <a:cxnSpLocks/>
-            <a:stCxn id="40" idx="3"/>
-            <a:endCxn id="41" idx="1"/>
-          </p:cNvCxnSpPr>
-          <p:nvPr/>
-        </p:nvCxnSpPr>
-        <p:spPr>
-          <a:xfrm flipV="1">
-            <a:off x="4323803" y="5054486"/>
-            <a:ext cx="222071" cy="1"/>
-          </a:xfrm>
-          <a:prstGeom prst="straightConnector1">
-            <a:avLst/>
-          </a:prstGeom>
-          <a:ln>
-            <a:solidFill>
-              <a:schemeClr val="accent6">
-                <a:lumMod val="75000"/>
-              </a:schemeClr>
-            </a:solidFill>
-            <a:tailEnd type="triangle"/>
-          </a:ln>
-        </p:spPr>
-        <p:style>
-          <a:lnRef idx="1">
-            <a:schemeClr val="accent1"/>
-          </a:lnRef>
-          <a:fillRef idx="0">
-            <a:schemeClr val="accent1"/>
-          </a:fillRef>
-          <a:effectRef idx="0">
-            <a:schemeClr val="accent1"/>
-          </a:effectRef>
-          <a:fontRef idx="minor">
-            <a:schemeClr val="tx1"/>
-          </a:fontRef>
-        </p:style>
-      </p:cxnSp>
-      <p:sp>
-        <p:nvSpPr>
-          <p:cNvPr id="47" name="TextBox 46">
-            <a:extLst>
-              <a:ext uri="{FF2B5EF4-FFF2-40B4-BE49-F238E27FC236}">
-                <a16:creationId xmlns:a16="http://schemas.microsoft.com/office/drawing/2014/main" id="{78D98E45-FAA5-49DF-A266-69AE4A4A516D}"/>
-              </a:ext>
-            </a:extLst>
-          </p:cNvPr>
-          <p:cNvSpPr txBox="1"/>
-          <p:nvPr/>
-        </p:nvSpPr>
-        <p:spPr>
-          <a:xfrm>
-            <a:off x="2772454" y="5272585"/>
-            <a:ext cx="1550125" cy="276999"/>
-          </a:xfrm>
-          <a:prstGeom prst="rect">
-            <a:avLst/>
-          </a:prstGeom>
-          <a:solidFill>
-            <a:schemeClr val="accent1">
-              <a:lumMod val="40000"/>
-              <a:lumOff val="60000"/>
-            </a:schemeClr>
-          </a:solidFill>
-          <a:ln/>
-        </p:spPr>
-        <p:style>
-          <a:lnRef idx="2">
-            <a:schemeClr val="accent1"/>
-          </a:lnRef>
-          <a:fillRef idx="1">
-            <a:schemeClr val="lt1"/>
-          </a:fillRef>
-          <a:effectRef idx="0">
-            <a:schemeClr val="accent1"/>
-          </a:effectRef>
-          <a:fontRef idx="minor">
-            <a:schemeClr val="dk1"/>
-          </a:fontRef>
-        </p:style>
-        <p:txBody>
-          <a:bodyPr wrap="square" rtlCol="0">
-            <a:spAutoFit/>
-          </a:bodyPr>
-          <a:lstStyle/>
-          <a:p>
-            <a:pPr algn="ctr"/>
-            <a:r>
-              <a:rPr lang="en-GB" sz="1200" dirty="0"/>
-              <a:t>Back</a:t>
-            </a:r>
-          </a:p>
-        </p:txBody>
-      </p:sp>
-      <p:sp>
-        <p:nvSpPr>
-          <p:cNvPr id="48" name="TextBox 47">
-            <a:extLst>
-              <a:ext uri="{FF2B5EF4-FFF2-40B4-BE49-F238E27FC236}">
-                <a16:creationId xmlns:a16="http://schemas.microsoft.com/office/drawing/2014/main" id="{4EC75249-17DB-4826-B4F1-A00F87BD893D}"/>
-              </a:ext>
-            </a:extLst>
-          </p:cNvPr>
-          <p:cNvSpPr txBox="1"/>
-          <p:nvPr/>
-        </p:nvSpPr>
-        <p:spPr>
-          <a:xfrm>
-            <a:off x="4545874" y="5282591"/>
-            <a:ext cx="2029096" cy="307777"/>
-          </a:xfrm>
-          <a:prstGeom prst="rect">
-            <a:avLst/>
-          </a:prstGeom>
-          <a:solidFill>
-            <a:schemeClr val="accent2">
-              <a:lumMod val="40000"/>
-              <a:lumOff val="60000"/>
-            </a:schemeClr>
-          </a:solidFill>
-          <a:ln/>
-        </p:spPr>
-        <p:style>
-          <a:lnRef idx="2">
-            <a:schemeClr val="accent2"/>
-          </a:lnRef>
-          <a:fillRef idx="1">
-            <a:schemeClr val="lt1"/>
-          </a:fillRef>
-          <a:effectRef idx="0">
-            <a:schemeClr val="accent2"/>
-          </a:effectRef>
-          <a:fontRef idx="minor">
-            <a:schemeClr val="dk1"/>
-          </a:fontRef>
-        </p:style>
-        <p:txBody>
-          <a:bodyPr wrap="square" rtlCol="0">
-            <a:spAutoFit/>
-          </a:bodyPr>
-          <a:lstStyle/>
-          <a:p>
-            <a:pPr algn="ctr"/>
-            <a:r>
-              <a:rPr lang="en-GB" sz="1400" dirty="0"/>
-              <a:t>types$log = “blank”</a:t>
-            </a:r>
-          </a:p>
-        </p:txBody>
-      </p:sp>
-      <p:sp>
-        <p:nvSpPr>
-          <p:cNvPr id="49" name="TextBox 48">
-            <a:extLst>
-              <a:ext uri="{FF2B5EF4-FFF2-40B4-BE49-F238E27FC236}">
-                <a16:creationId xmlns:a16="http://schemas.microsoft.com/office/drawing/2014/main" id="{E57592E2-6682-4783-AEA3-7FD8ADC1094E}"/>
-              </a:ext>
-            </a:extLst>
-          </p:cNvPr>
-          <p:cNvSpPr txBox="1"/>
-          <p:nvPr/>
-        </p:nvSpPr>
-        <p:spPr>
-          <a:xfrm>
-            <a:off x="4545873" y="5644485"/>
-            <a:ext cx="2029095" cy="307777"/>
-          </a:xfrm>
-          <a:prstGeom prst="rect">
-            <a:avLst/>
-          </a:prstGeom>
-          <a:solidFill>
-            <a:schemeClr val="bg1">
-              <a:lumMod val="75000"/>
-            </a:schemeClr>
-          </a:solidFill>
-          <a:ln/>
-        </p:spPr>
-        <p:style>
-          <a:lnRef idx="2">
-            <a:schemeClr val="dk1"/>
-          </a:lnRef>
-          <a:fillRef idx="1">
-            <a:schemeClr val="lt1"/>
-          </a:fillRef>
-          <a:effectRef idx="0">
-            <a:schemeClr val="dk1"/>
-          </a:effectRef>
-          <a:fontRef idx="minor">
-            <a:schemeClr val="dk1"/>
-          </a:fontRef>
-        </p:style>
-        <p:txBody>
-          <a:bodyPr wrap="square" rtlCol="0">
-            <a:spAutoFit/>
-          </a:bodyPr>
-          <a:lstStyle/>
-          <a:p>
-            <a:pPr algn="ctr"/>
-            <a:r>
-              <a:rPr lang="en-GB" sz="1400" dirty="0"/>
-              <a:t>unsure$log = “blank”</a:t>
-            </a:r>
-          </a:p>
-        </p:txBody>
-      </p:sp>
-      <p:cxnSp>
-        <p:nvCxnSpPr>
-          <p:cNvPr id="50" name="Straight Arrow Connector 49">
-            <a:extLst>
-              <a:ext uri="{FF2B5EF4-FFF2-40B4-BE49-F238E27FC236}">
-                <a16:creationId xmlns:a16="http://schemas.microsoft.com/office/drawing/2014/main" id="{FBACE2DF-53FE-4164-9871-4D7493978D59}"/>
-              </a:ext>
-            </a:extLst>
-          </p:cNvPr>
-          <p:cNvCxnSpPr>
-            <a:cxnSpLocks/>
-            <a:stCxn id="47" idx="3"/>
-            <a:endCxn id="48" idx="1"/>
-          </p:cNvCxnSpPr>
-          <p:nvPr/>
-        </p:nvCxnSpPr>
-        <p:spPr>
-          <a:xfrm>
-            <a:off x="4322579" y="5411085"/>
-            <a:ext cx="223295" cy="25395"/>
-          </a:xfrm>
-          <a:prstGeom prst="straightConnector1">
-            <a:avLst/>
-          </a:prstGeom>
-          <a:ln>
-            <a:solidFill>
-              <a:schemeClr val="accent6">
-                <a:lumMod val="75000"/>
-              </a:schemeClr>
-            </a:solidFill>
-            <a:tailEnd type="triangle"/>
-          </a:ln>
-        </p:spPr>
-        <p:style>
-          <a:lnRef idx="1">
-            <a:schemeClr val="accent1"/>
-          </a:lnRef>
-          <a:fillRef idx="0">
-            <a:schemeClr val="accent1"/>
-          </a:fillRef>
-          <a:effectRef idx="0">
-            <a:schemeClr val="accent1"/>
-          </a:effectRef>
-          <a:fontRef idx="minor">
-            <a:schemeClr val="tx1"/>
-          </a:fontRef>
-        </p:style>
-      </p:cxnSp>
-      <p:cxnSp>
-        <p:nvCxnSpPr>
-          <p:cNvPr id="53" name="Straight Arrow Connector 52">
-            <a:extLst>
-              <a:ext uri="{FF2B5EF4-FFF2-40B4-BE49-F238E27FC236}">
-                <a16:creationId xmlns:a16="http://schemas.microsoft.com/office/drawing/2014/main" id="{D9B308F4-6894-45FE-BB6D-F72F234DF19F}"/>
-              </a:ext>
-            </a:extLst>
-          </p:cNvPr>
-          <p:cNvCxnSpPr>
-            <a:cxnSpLocks/>
-            <a:endCxn id="49" idx="1"/>
-          </p:cNvCxnSpPr>
-          <p:nvPr/>
-        </p:nvCxnSpPr>
-        <p:spPr>
-          <a:xfrm>
-            <a:off x="4322579" y="5423782"/>
-            <a:ext cx="223294" cy="374592"/>
-          </a:xfrm>
-          <a:prstGeom prst="straightConnector1">
-            <a:avLst/>
-          </a:prstGeom>
-          <a:ln>
-            <a:solidFill>
-              <a:schemeClr val="accent6">
-                <a:lumMod val="75000"/>
-              </a:schemeClr>
-            </a:solidFill>
-            <a:tailEnd type="triangle"/>
-          </a:ln>
-        </p:spPr>
-        <p:style>
-          <a:lnRef idx="1">
-            <a:schemeClr val="accent1"/>
-          </a:lnRef>
-          <a:fillRef idx="0">
-            <a:schemeClr val="accent1"/>
-          </a:fillRef>
-          <a:effectRef idx="0">
-            <a:schemeClr val="accent1"/>
-          </a:effectRef>
-          <a:fontRef idx="minor">
-            <a:schemeClr val="tx1"/>
-          </a:fontRef>
-        </p:style>
-      </p:cxnSp>
-      <p:cxnSp>
-        <p:nvCxnSpPr>
-          <p:cNvPr id="58" name="Connector: Elbow 57">
-            <a:extLst>
-              <a:ext uri="{FF2B5EF4-FFF2-40B4-BE49-F238E27FC236}">
-                <a16:creationId xmlns:a16="http://schemas.microsoft.com/office/drawing/2014/main" id="{C25370D8-6AE0-4AAC-98B4-F06569E09116}"/>
-              </a:ext>
-            </a:extLst>
-          </p:cNvPr>
-          <p:cNvCxnSpPr>
-            <a:cxnSpLocks/>
-            <a:stCxn id="56" idx="2"/>
-            <a:endCxn id="4" idx="1"/>
-          </p:cNvCxnSpPr>
-          <p:nvPr/>
-        </p:nvCxnSpPr>
-        <p:spPr>
-          <a:xfrm rot="5400000" flipH="1">
-            <a:off x="1138576" y="1571964"/>
-            <a:ext cx="3977371" cy="4861152"/>
-          </a:xfrm>
-          <a:prstGeom prst="bentConnector4">
-            <a:avLst>
-              <a:gd name="adj1" fmla="val -5748"/>
-              <a:gd name="adj2" fmla="val 104703"/>
-            </a:avLst>
-          </a:prstGeom>
-          <a:ln>
-            <a:solidFill>
-              <a:schemeClr val="accent6">
-                <a:lumMod val="75000"/>
-              </a:schemeClr>
-            </a:solidFill>
-            <a:tailEnd type="triangle"/>
-          </a:ln>
-        </p:spPr>
-        <p:style>
-          <a:lnRef idx="1">
-            <a:schemeClr val="accent1"/>
-          </a:lnRef>
-          <a:fillRef idx="0">
-            <a:schemeClr val="accent1"/>
-          </a:fillRef>
-          <a:effectRef idx="0">
-            <a:schemeClr val="accent1"/>
-          </a:effectRef>
-          <a:fontRef idx="minor">
-            <a:schemeClr val="tx1"/>
-          </a:fontRef>
-        </p:style>
-      </p:cxnSp>
-      <p:sp>
-        <p:nvSpPr>
-          <p:cNvPr id="60" name="TextBox 59">
-            <a:extLst>
-              <a:ext uri="{FF2B5EF4-FFF2-40B4-BE49-F238E27FC236}">
-                <a16:creationId xmlns:a16="http://schemas.microsoft.com/office/drawing/2014/main" id="{59A9A544-381D-4966-8020-38F8AFAA0927}"/>
-              </a:ext>
-            </a:extLst>
-          </p:cNvPr>
-          <p:cNvSpPr txBox="1"/>
-          <p:nvPr/>
-        </p:nvSpPr>
-        <p:spPr>
-          <a:xfrm>
-            <a:off x="6794864" y="4900597"/>
-            <a:ext cx="1550125" cy="461665"/>
-          </a:xfrm>
-          <a:prstGeom prst="rect">
-            <a:avLst/>
-          </a:prstGeom>
-          <a:solidFill>
-            <a:schemeClr val="accent1">
-              <a:lumMod val="40000"/>
-              <a:lumOff val="60000"/>
-            </a:schemeClr>
-          </a:solidFill>
-          <a:ln/>
-        </p:spPr>
-        <p:style>
-          <a:lnRef idx="2">
-            <a:schemeClr val="accent1"/>
-          </a:lnRef>
-          <a:fillRef idx="1">
-            <a:schemeClr val="lt1"/>
-          </a:fillRef>
-          <a:effectRef idx="0">
-            <a:schemeClr val="accent1"/>
-          </a:effectRef>
-          <a:fontRef idx="minor">
-            <a:schemeClr val="dk1"/>
-          </a:fontRef>
-        </p:style>
-        <p:txBody>
-          <a:bodyPr wrap="square" rtlCol="0">
-            <a:spAutoFit/>
-          </a:bodyPr>
-          <a:lstStyle/>
-          <a:p>
-            <a:pPr algn="ctr"/>
-            <a:r>
-              <a:rPr lang="en-GB" sz="1200" dirty="0"/>
-              <a:t>More info is shown about each log</a:t>
-            </a:r>
-          </a:p>
-        </p:txBody>
-      </p:sp>
-      <p:cxnSp>
-        <p:nvCxnSpPr>
-          <p:cNvPr id="61" name="Straight Arrow Connector 60">
-            <a:extLst>
-              <a:ext uri="{FF2B5EF4-FFF2-40B4-BE49-F238E27FC236}">
-                <a16:creationId xmlns:a16="http://schemas.microsoft.com/office/drawing/2014/main" id="{A042B8BF-7427-4B19-9EE6-E82C79125908}"/>
-              </a:ext>
-            </a:extLst>
-          </p:cNvPr>
-          <p:cNvCxnSpPr>
-            <a:cxnSpLocks/>
-            <a:stCxn id="41" idx="3"/>
-            <a:endCxn id="60" idx="1"/>
-          </p:cNvCxnSpPr>
-          <p:nvPr/>
-        </p:nvCxnSpPr>
-        <p:spPr>
-          <a:xfrm>
-            <a:off x="6574969" y="5054486"/>
-            <a:ext cx="219895" cy="76944"/>
-          </a:xfrm>
-          <a:prstGeom prst="straightConnector1">
-            <a:avLst/>
-          </a:prstGeom>
-          <a:ln>
-            <a:solidFill>
-              <a:schemeClr val="accent6">
-                <a:lumMod val="75000"/>
-              </a:schemeClr>
-            </a:solidFill>
-            <a:tailEnd type="triangle"/>
-          </a:ln>
-        </p:spPr>
-        <p:style>
-          <a:lnRef idx="1">
-            <a:schemeClr val="accent1"/>
-          </a:lnRef>
-          <a:fillRef idx="0">
-            <a:schemeClr val="accent1"/>
-          </a:fillRef>
-          <a:effectRef idx="0">
-            <a:schemeClr val="accent1"/>
-          </a:effectRef>
-          <a:fontRef idx="minor">
-            <a:schemeClr val="tx1"/>
-          </a:fontRef>
-        </p:style>
-      </p:cxnSp>
-      <p:cxnSp>
-        <p:nvCxnSpPr>
-          <p:cNvPr id="71" name="Connector: Elbow 70">
-            <a:extLst>
-              <a:ext uri="{FF2B5EF4-FFF2-40B4-BE49-F238E27FC236}">
-                <a16:creationId xmlns:a16="http://schemas.microsoft.com/office/drawing/2014/main" id="{25FAA54E-2F0D-404D-8458-22588CF14C7C}"/>
-              </a:ext>
-            </a:extLst>
-          </p:cNvPr>
-          <p:cNvCxnSpPr>
-            <a:cxnSpLocks/>
-            <a:stCxn id="60" idx="2"/>
-            <a:endCxn id="8" idx="1"/>
-          </p:cNvCxnSpPr>
-          <p:nvPr/>
-        </p:nvCxnSpPr>
-        <p:spPr>
-          <a:xfrm rot="5400000" flipH="1">
-            <a:off x="3636099" y="1428435"/>
-            <a:ext cx="3071409" cy="4796246"/>
-          </a:xfrm>
-          <a:prstGeom prst="bentConnector4">
-            <a:avLst>
-              <a:gd name="adj1" fmla="val -37711"/>
-              <a:gd name="adj2" fmla="val 104766"/>
-            </a:avLst>
-          </a:prstGeom>
-          <a:ln>
-            <a:solidFill>
-              <a:schemeClr val="accent6">
-                <a:lumMod val="75000"/>
-              </a:schemeClr>
-            </a:solidFill>
-            <a:tailEnd type="triangle"/>
-          </a:ln>
-        </p:spPr>
-        <p:style>
-          <a:lnRef idx="1">
-            <a:schemeClr val="accent1"/>
-          </a:lnRef>
-          <a:fillRef idx="0">
-            <a:schemeClr val="accent1"/>
-          </a:fillRef>
-          <a:effectRef idx="0">
-            <a:schemeClr val="accent1"/>
-          </a:effectRef>
-          <a:fontRef idx="minor">
-            <a:schemeClr val="tx1"/>
-          </a:fontRef>
-        </p:style>
-      </p:cxnSp>
-      <p:sp>
-        <p:nvSpPr>
-          <p:cNvPr id="76" name="TextBox 75">
-            <a:extLst>
-              <a:ext uri="{FF2B5EF4-FFF2-40B4-BE49-F238E27FC236}">
-                <a16:creationId xmlns:a16="http://schemas.microsoft.com/office/drawing/2014/main" id="{55BF0E79-2093-4553-BAB1-FA56DB803ED2}"/>
-              </a:ext>
-            </a:extLst>
-          </p:cNvPr>
-          <p:cNvSpPr txBox="1"/>
-          <p:nvPr/>
-        </p:nvSpPr>
-        <p:spPr>
-          <a:xfrm>
-            <a:off x="5700340" y="3413607"/>
-            <a:ext cx="1786146" cy="307777"/>
-          </a:xfrm>
-          <a:prstGeom prst="rect">
-            <a:avLst/>
-          </a:prstGeom>
-          <a:solidFill>
-            <a:schemeClr val="accent6">
-              <a:lumMod val="60000"/>
-              <a:lumOff val="40000"/>
-            </a:schemeClr>
-          </a:solidFill>
-          <a:ln/>
-        </p:spPr>
-        <p:style>
-          <a:lnRef idx="2">
-            <a:schemeClr val="accent6"/>
-          </a:lnRef>
-          <a:fillRef idx="1">
-            <a:schemeClr val="lt1"/>
-          </a:fillRef>
-          <a:effectRef idx="0">
-            <a:schemeClr val="accent6"/>
-          </a:effectRef>
-          <a:fontRef idx="minor">
-            <a:schemeClr val="dk1"/>
-          </a:fontRef>
-        </p:style>
-        <p:txBody>
-          <a:bodyPr wrap="square" rtlCol="0">
-            <a:spAutoFit/>
-          </a:bodyPr>
-          <a:lstStyle/>
-          <a:p>
-            <a:pPr algn="ctr"/>
-            <a:r>
-              <a:rPr lang="en-GB" sz="1400" dirty="0"/>
-              <a:t>nexttab$log = “next”</a:t>
-            </a:r>
-          </a:p>
-        </p:txBody>
-      </p:sp>
-      <p:sp>
-        <p:nvSpPr>
-          <p:cNvPr id="100" name="Rectangle 99">
-            <a:extLst>
-              <a:ext uri="{FF2B5EF4-FFF2-40B4-BE49-F238E27FC236}">
-                <a16:creationId xmlns:a16="http://schemas.microsoft.com/office/drawing/2014/main" id="{BD3CCEEF-A6FB-415A-B1F1-787CB1363704}"/>
-              </a:ext>
-            </a:extLst>
-          </p:cNvPr>
-          <p:cNvSpPr/>
-          <p:nvPr/>
-        </p:nvSpPr>
-        <p:spPr>
-          <a:xfrm>
-            <a:off x="8647611" y="-1"/>
-            <a:ext cx="3544389" cy="2674947"/>
-          </a:xfrm>
-          <a:prstGeom prst="rect">
-            <a:avLst/>
-          </a:prstGeom>
-          <a:noFill/>
-        </p:spPr>
-        <p:style>
-          <a:lnRef idx="2">
-            <a:schemeClr val="accent1">
-              <a:shade val="50000"/>
-            </a:schemeClr>
-          </a:lnRef>
-          <a:fillRef idx="1">
-            <a:schemeClr val="accent1"/>
-          </a:fillRef>
-          <a:effectRef idx="0">
-            <a:schemeClr val="accent1"/>
-          </a:effectRef>
-          <a:fontRef idx="minor">
-            <a:schemeClr val="lt1"/>
-          </a:fontRef>
-        </p:style>
-        <p:txBody>
-          <a:bodyPr rtlCol="0" anchor="ctr"/>
-          <a:lstStyle/>
-          <a:p>
-            <a:pPr algn="ctr"/>
+              <a:t>Further details on how the code works</a:t>
+            </a:r>
+          </a:p>
+        </p:txBody>
+      </p:sp>
+      <p:sp>
+        <p:nvSpPr>
+          <p:cNvPr id="3" name="Text Placeholder 2">
+            <a:extLst>
+              <a:ext uri="{FF2B5EF4-FFF2-40B4-BE49-F238E27FC236}">
+                <a16:creationId xmlns:a16="http://schemas.microsoft.com/office/drawing/2014/main" id="{E094581E-C11E-4E20-BB00-DF454EB0DABE}"/>
+              </a:ext>
+            </a:extLst>
+          </p:cNvPr>
+          <p:cNvSpPr>
+            <a:spLocks noGrp="1"/>
+          </p:cNvSpPr>
+          <p:nvPr>
+            <p:ph type="body" idx="1"/>
+          </p:nvPr>
+        </p:nvSpPr>
+        <p:spPr/>
+        <p:txBody>
+          <a:bodyPr/>
+          <a:lstStyle/>
+          <a:p>
             <a:endParaRPr lang="en-GB"/>
           </a:p>
         </p:txBody>
       </p:sp>
-      <p:sp>
-        <p:nvSpPr>
-          <p:cNvPr id="101" name="Rectangle: Rounded Corners 100">
-            <a:extLst>
-              <a:ext uri="{FF2B5EF4-FFF2-40B4-BE49-F238E27FC236}">
-                <a16:creationId xmlns:a16="http://schemas.microsoft.com/office/drawing/2014/main" id="{0C84B5A5-1A09-491B-9DDA-DD1DD6219D36}"/>
-              </a:ext>
-            </a:extLst>
-          </p:cNvPr>
-          <p:cNvSpPr/>
-          <p:nvPr/>
-        </p:nvSpPr>
-        <p:spPr>
-          <a:xfrm>
-            <a:off x="10291418" y="2735068"/>
-            <a:ext cx="1813497" cy="2858814"/>
-          </a:xfrm>
-          <a:prstGeom prst="roundRect">
-            <a:avLst/>
-          </a:prstGeom>
-          <a:solidFill>
-            <a:schemeClr val="accent4">
-              <a:alpha val="50000"/>
-            </a:schemeClr>
-          </a:solidFill>
-          <a:ln>
-            <a:noFill/>
-          </a:ln>
-        </p:spPr>
-        <p:style>
-          <a:lnRef idx="0">
-            <a:scrgbClr r="0" g="0" b="0"/>
-          </a:lnRef>
-          <a:fillRef idx="0">
-            <a:scrgbClr r="0" g="0" b="0"/>
-          </a:fillRef>
-          <a:effectRef idx="0">
-            <a:scrgbClr r="0" g="0" b="0"/>
-          </a:effectRef>
-          <a:fontRef idx="minor">
-            <a:schemeClr val="lt1"/>
-          </a:fontRef>
-        </p:style>
-        <p:txBody>
-          <a:bodyPr rtlCol="0" anchor="ctr"/>
-          <a:lstStyle/>
-          <a:p>
-            <a:pPr algn="ctr"/>
-            <a:endParaRPr lang="en-GB"/>
-          </a:p>
-        </p:txBody>
-      </p:sp>
-      <p:sp>
-        <p:nvSpPr>
-          <p:cNvPr id="102" name="TextBox 101">
-            <a:extLst>
-              <a:ext uri="{FF2B5EF4-FFF2-40B4-BE49-F238E27FC236}">
-                <a16:creationId xmlns:a16="http://schemas.microsoft.com/office/drawing/2014/main" id="{79EDA5FF-5EF2-4802-AC79-5988798CBDF5}"/>
-              </a:ext>
-            </a:extLst>
-          </p:cNvPr>
-          <p:cNvSpPr txBox="1"/>
-          <p:nvPr/>
-        </p:nvSpPr>
-        <p:spPr>
-          <a:xfrm>
-            <a:off x="10424330" y="2885479"/>
-            <a:ext cx="1550125" cy="923330"/>
-          </a:xfrm>
-          <a:prstGeom prst="rect">
-            <a:avLst/>
-          </a:prstGeom>
-          <a:solidFill>
-            <a:schemeClr val="accent1">
-              <a:lumMod val="40000"/>
-              <a:lumOff val="60000"/>
-            </a:schemeClr>
-          </a:solidFill>
-          <a:ln/>
-        </p:spPr>
-        <p:style>
-          <a:lnRef idx="2">
-            <a:schemeClr val="accent1"/>
-          </a:lnRef>
-          <a:fillRef idx="1">
-            <a:schemeClr val="lt1"/>
-          </a:fillRef>
-          <a:effectRef idx="0">
-            <a:schemeClr val="accent1"/>
-          </a:effectRef>
-          <a:fontRef idx="minor">
-            <a:schemeClr val="dk1"/>
-          </a:fontRef>
-        </p:style>
-        <p:txBody>
-          <a:bodyPr wrap="square" rtlCol="0">
-            <a:spAutoFit/>
-          </a:bodyPr>
-          <a:lstStyle/>
-          <a:p>
-            <a:pPr algn="ctr"/>
-            <a:r>
-              <a:rPr lang="en-GB" dirty="0"/>
-              <a:t>A new panel is created containing:</a:t>
-            </a:r>
-          </a:p>
-        </p:txBody>
-      </p:sp>
-      <p:sp>
-        <p:nvSpPr>
-          <p:cNvPr id="103" name="TextBox 102">
-            <a:extLst>
-              <a:ext uri="{FF2B5EF4-FFF2-40B4-BE49-F238E27FC236}">
-                <a16:creationId xmlns:a16="http://schemas.microsoft.com/office/drawing/2014/main" id="{EF16A21C-4450-461D-8C71-6D6825E933FC}"/>
-              </a:ext>
-            </a:extLst>
-          </p:cNvPr>
-          <p:cNvSpPr txBox="1"/>
-          <p:nvPr/>
-        </p:nvSpPr>
-        <p:spPr>
-          <a:xfrm>
-            <a:off x="10424330" y="3880107"/>
-            <a:ext cx="1550125" cy="646331"/>
-          </a:xfrm>
-          <a:prstGeom prst="rect">
-            <a:avLst/>
-          </a:prstGeom>
-          <a:solidFill>
-            <a:schemeClr val="accent1">
-              <a:lumMod val="40000"/>
-              <a:lumOff val="60000"/>
-            </a:schemeClr>
-          </a:solidFill>
-          <a:ln/>
-        </p:spPr>
-        <p:style>
-          <a:lnRef idx="2">
-            <a:schemeClr val="accent1"/>
-          </a:lnRef>
-          <a:fillRef idx="1">
-            <a:schemeClr val="lt1"/>
-          </a:fillRef>
-          <a:effectRef idx="0">
-            <a:schemeClr val="accent1"/>
-          </a:effectRef>
-          <a:fontRef idx="minor">
-            <a:schemeClr val="dk1"/>
-          </a:fontRef>
-        </p:style>
-        <p:txBody>
-          <a:bodyPr wrap="square" rtlCol="0">
-            <a:spAutoFit/>
-          </a:bodyPr>
-          <a:lstStyle/>
-          <a:p>
-            <a:pPr algn="ctr"/>
-            <a:r>
-              <a:rPr lang="en-GB" dirty="0"/>
-              <a:t>Submit project ID</a:t>
-            </a:r>
-          </a:p>
-        </p:txBody>
-      </p:sp>
-      <p:sp>
-        <p:nvSpPr>
-          <p:cNvPr id="104" name="TextBox 103">
-            <a:extLst>
-              <a:ext uri="{FF2B5EF4-FFF2-40B4-BE49-F238E27FC236}">
-                <a16:creationId xmlns:a16="http://schemas.microsoft.com/office/drawing/2014/main" id="{631DBFB1-268C-4C6F-BC09-43908E1076B0}"/>
-              </a:ext>
-            </a:extLst>
-          </p:cNvPr>
-          <p:cNvSpPr txBox="1"/>
-          <p:nvPr/>
-        </p:nvSpPr>
-        <p:spPr>
-          <a:xfrm>
-            <a:off x="10424330" y="5165478"/>
-            <a:ext cx="1550125" cy="276999"/>
-          </a:xfrm>
-          <a:prstGeom prst="rect">
-            <a:avLst/>
-          </a:prstGeom>
-          <a:solidFill>
-            <a:schemeClr val="accent1">
-              <a:lumMod val="40000"/>
-              <a:lumOff val="60000"/>
-            </a:schemeClr>
-          </a:solidFill>
-          <a:ln/>
-        </p:spPr>
-        <p:style>
-          <a:lnRef idx="2">
-            <a:schemeClr val="accent1"/>
-          </a:lnRef>
-          <a:fillRef idx="1">
-            <a:schemeClr val="lt1"/>
-          </a:fillRef>
-          <a:effectRef idx="0">
-            <a:schemeClr val="accent1"/>
-          </a:effectRef>
-          <a:fontRef idx="minor">
-            <a:schemeClr val="dk1"/>
-          </a:fontRef>
-        </p:style>
-        <p:txBody>
-          <a:bodyPr wrap="square" rtlCol="0">
-            <a:spAutoFit/>
-          </a:bodyPr>
-          <a:lstStyle/>
-          <a:p>
-            <a:pPr algn="ctr"/>
-            <a:r>
-              <a:rPr lang="en-GB" sz="1200" dirty="0"/>
-              <a:t>Back</a:t>
-            </a:r>
-          </a:p>
-        </p:txBody>
-      </p:sp>
-      <p:sp>
-        <p:nvSpPr>
-          <p:cNvPr id="107" name="TextBox 106">
-            <a:extLst>
-              <a:ext uri="{FF2B5EF4-FFF2-40B4-BE49-F238E27FC236}">
-                <a16:creationId xmlns:a16="http://schemas.microsoft.com/office/drawing/2014/main" id="{92111A2D-21B5-4678-BFB7-D8540025B485}"/>
-              </a:ext>
-            </a:extLst>
-          </p:cNvPr>
-          <p:cNvSpPr txBox="1"/>
-          <p:nvPr/>
-        </p:nvSpPr>
-        <p:spPr>
-          <a:xfrm>
-            <a:off x="10423103" y="4634552"/>
-            <a:ext cx="1550125" cy="461665"/>
-          </a:xfrm>
-          <a:prstGeom prst="rect">
-            <a:avLst/>
-          </a:prstGeom>
-          <a:solidFill>
-            <a:schemeClr val="accent1">
-              <a:lumMod val="40000"/>
-              <a:lumOff val="60000"/>
-            </a:schemeClr>
-          </a:solidFill>
-          <a:ln/>
-        </p:spPr>
-        <p:style>
-          <a:lnRef idx="2">
-            <a:schemeClr val="accent1"/>
-          </a:lnRef>
-          <a:fillRef idx="1">
-            <a:schemeClr val="lt1"/>
-          </a:fillRef>
-          <a:effectRef idx="0">
-            <a:schemeClr val="accent1"/>
-          </a:effectRef>
-          <a:fontRef idx="minor">
-            <a:schemeClr val="dk1"/>
-          </a:fontRef>
-        </p:style>
-        <p:txBody>
-          <a:bodyPr wrap="square" rtlCol="0">
-            <a:spAutoFit/>
-          </a:bodyPr>
-          <a:lstStyle/>
-          <a:p>
-            <a:pPr algn="ctr"/>
-            <a:r>
-              <a:rPr lang="en-GB" sz="1200" dirty="0"/>
-              <a:t>Error message (initially blank)</a:t>
-            </a:r>
-          </a:p>
-        </p:txBody>
-      </p:sp>
-      <p:sp>
-        <p:nvSpPr>
-          <p:cNvPr id="108" name="TextBox 107">
-            <a:extLst>
-              <a:ext uri="{FF2B5EF4-FFF2-40B4-BE49-F238E27FC236}">
-                <a16:creationId xmlns:a16="http://schemas.microsoft.com/office/drawing/2014/main" id="{F6AE0F37-2016-4AE7-9F17-8AAC9CDD366D}"/>
-              </a:ext>
-            </a:extLst>
-          </p:cNvPr>
-          <p:cNvSpPr txBox="1"/>
-          <p:nvPr/>
-        </p:nvSpPr>
-        <p:spPr>
-          <a:xfrm>
-            <a:off x="8647610" y="5681708"/>
-            <a:ext cx="3544389" cy="1077218"/>
-          </a:xfrm>
-          <a:prstGeom prst="rect">
-            <a:avLst/>
-          </a:prstGeom>
-          <a:noFill/>
-        </p:spPr>
-        <p:txBody>
-          <a:bodyPr wrap="square" rtlCol="0">
-            <a:spAutoFit/>
-          </a:bodyPr>
-          <a:lstStyle/>
-          <a:p>
-            <a:r>
-              <a:rPr lang="en-GB" sz="1600" dirty="0"/>
-              <a:t>These panels are not accessible for the user since the tab has already been switched – but it is necessary to create the projectID and QAlogtype input boxes</a:t>
-            </a:r>
-          </a:p>
-        </p:txBody>
-      </p:sp>
-      <p:cxnSp>
-        <p:nvCxnSpPr>
-          <p:cNvPr id="109" name="Straight Arrow Connector 108">
-            <a:extLst>
-              <a:ext uri="{FF2B5EF4-FFF2-40B4-BE49-F238E27FC236}">
-                <a16:creationId xmlns:a16="http://schemas.microsoft.com/office/drawing/2014/main" id="{BC5F31F4-FDA5-4C07-8451-0E2293F4D0A0}"/>
-              </a:ext>
-            </a:extLst>
-          </p:cNvPr>
-          <p:cNvCxnSpPr>
-            <a:cxnSpLocks/>
-            <a:stCxn id="13" idx="3"/>
-            <a:endCxn id="102" idx="1"/>
-          </p:cNvCxnSpPr>
-          <p:nvPr/>
-        </p:nvCxnSpPr>
-        <p:spPr>
-          <a:xfrm>
-            <a:off x="7649735" y="2158013"/>
-            <a:ext cx="2774595" cy="1189131"/>
-          </a:xfrm>
-          <a:prstGeom prst="straightConnector1">
-            <a:avLst/>
-          </a:prstGeom>
-          <a:ln>
-            <a:solidFill>
-              <a:schemeClr val="accent6">
-                <a:lumMod val="75000"/>
-              </a:schemeClr>
-            </a:solidFill>
-            <a:tailEnd type="triangle"/>
-          </a:ln>
-        </p:spPr>
-        <p:style>
-          <a:lnRef idx="1">
-            <a:schemeClr val="accent1"/>
-          </a:lnRef>
-          <a:fillRef idx="0">
-            <a:schemeClr val="accent1"/>
-          </a:fillRef>
-          <a:effectRef idx="0">
-            <a:schemeClr val="accent1"/>
-          </a:effectRef>
-          <a:fontRef idx="minor">
-            <a:schemeClr val="tx1"/>
-          </a:fontRef>
-        </p:style>
-      </p:cxnSp>
-      <p:cxnSp>
-        <p:nvCxnSpPr>
-          <p:cNvPr id="112" name="Straight Arrow Connector 111">
-            <a:extLst>
-              <a:ext uri="{FF2B5EF4-FFF2-40B4-BE49-F238E27FC236}">
-                <a16:creationId xmlns:a16="http://schemas.microsoft.com/office/drawing/2014/main" id="{3A81DAE0-4396-4CC3-96B8-AC8B26034351}"/>
-              </a:ext>
-            </a:extLst>
-          </p:cNvPr>
-          <p:cNvCxnSpPr>
-            <a:cxnSpLocks/>
-            <a:stCxn id="14" idx="3"/>
-            <a:endCxn id="102" idx="1"/>
-          </p:cNvCxnSpPr>
-          <p:nvPr/>
-        </p:nvCxnSpPr>
-        <p:spPr>
-          <a:xfrm>
-            <a:off x="7649735" y="2510531"/>
-            <a:ext cx="2774595" cy="836613"/>
-          </a:xfrm>
-          <a:prstGeom prst="straightConnector1">
-            <a:avLst/>
-          </a:prstGeom>
-          <a:ln>
-            <a:solidFill>
-              <a:schemeClr val="accent6">
-                <a:lumMod val="75000"/>
-              </a:schemeClr>
-            </a:solidFill>
-            <a:tailEnd type="triangle"/>
-          </a:ln>
-        </p:spPr>
-        <p:style>
-          <a:lnRef idx="1">
-            <a:schemeClr val="accent1"/>
-          </a:lnRef>
-          <a:fillRef idx="0">
-            <a:schemeClr val="accent1"/>
-          </a:fillRef>
-          <a:effectRef idx="0">
-            <a:schemeClr val="accent1"/>
-          </a:effectRef>
-          <a:fontRef idx="minor">
-            <a:schemeClr val="tx1"/>
-          </a:fontRef>
-        </p:style>
-      </p:cxnSp>
-      <p:cxnSp>
-        <p:nvCxnSpPr>
-          <p:cNvPr id="115" name="Straight Arrow Connector 114">
-            <a:extLst>
-              <a:ext uri="{FF2B5EF4-FFF2-40B4-BE49-F238E27FC236}">
-                <a16:creationId xmlns:a16="http://schemas.microsoft.com/office/drawing/2014/main" id="{A1D43DFC-2DF8-4218-96F6-D74B6D40F000}"/>
-              </a:ext>
-            </a:extLst>
-          </p:cNvPr>
-          <p:cNvCxnSpPr>
-            <a:cxnSpLocks/>
-            <a:stCxn id="15" idx="3"/>
-            <a:endCxn id="102" idx="1"/>
-          </p:cNvCxnSpPr>
-          <p:nvPr/>
-        </p:nvCxnSpPr>
-        <p:spPr>
-          <a:xfrm>
-            <a:off x="7649735" y="2851286"/>
-            <a:ext cx="2774595" cy="495858"/>
-          </a:xfrm>
-          <a:prstGeom prst="straightConnector1">
-            <a:avLst/>
-          </a:prstGeom>
-          <a:ln>
-            <a:solidFill>
-              <a:schemeClr val="accent6">
-                <a:lumMod val="75000"/>
-              </a:schemeClr>
-            </a:solidFill>
-            <a:tailEnd type="triangle"/>
-          </a:ln>
-        </p:spPr>
-        <p:style>
-          <a:lnRef idx="1">
-            <a:schemeClr val="accent1"/>
-          </a:lnRef>
-          <a:fillRef idx="0">
-            <a:schemeClr val="accent1"/>
-          </a:fillRef>
-          <a:effectRef idx="0">
-            <a:schemeClr val="accent1"/>
-          </a:effectRef>
-          <a:fontRef idx="minor">
-            <a:schemeClr val="tx1"/>
-          </a:fontRef>
-        </p:style>
-      </p:cxnSp>
-      <p:cxnSp>
-        <p:nvCxnSpPr>
-          <p:cNvPr id="118" name="Straight Arrow Connector 117">
-            <a:extLst>
-              <a:ext uri="{FF2B5EF4-FFF2-40B4-BE49-F238E27FC236}">
-                <a16:creationId xmlns:a16="http://schemas.microsoft.com/office/drawing/2014/main" id="{191047BB-821B-48F9-BD6F-B37D9A8D86FC}"/>
-              </a:ext>
-            </a:extLst>
-          </p:cNvPr>
-          <p:cNvCxnSpPr>
-            <a:cxnSpLocks/>
-            <a:stCxn id="16" idx="3"/>
-          </p:cNvCxnSpPr>
-          <p:nvPr/>
-        </p:nvCxnSpPr>
-        <p:spPr>
-          <a:xfrm>
-            <a:off x="7639429" y="3205603"/>
-            <a:ext cx="2783674" cy="153888"/>
-          </a:xfrm>
-          <a:prstGeom prst="straightConnector1">
-            <a:avLst/>
-          </a:prstGeom>
-          <a:ln>
-            <a:solidFill>
-              <a:schemeClr val="accent6">
-                <a:lumMod val="75000"/>
-              </a:schemeClr>
-            </a:solidFill>
-            <a:tailEnd type="triangle"/>
-          </a:ln>
-        </p:spPr>
-        <p:style>
-          <a:lnRef idx="1">
-            <a:schemeClr val="accent1"/>
-          </a:lnRef>
-          <a:fillRef idx="0">
-            <a:schemeClr val="accent1"/>
-          </a:fillRef>
-          <a:effectRef idx="0">
-            <a:schemeClr val="accent1"/>
-          </a:effectRef>
-          <a:fontRef idx="minor">
-            <a:schemeClr val="tx1"/>
-          </a:fontRef>
-        </p:style>
-      </p:cxnSp>
-      <p:sp>
-        <p:nvSpPr>
-          <p:cNvPr id="125" name="Rectangle: Rounded Corners 124">
-            <a:extLst>
-              <a:ext uri="{FF2B5EF4-FFF2-40B4-BE49-F238E27FC236}">
-                <a16:creationId xmlns:a16="http://schemas.microsoft.com/office/drawing/2014/main" id="{6EE4E3B4-CDA5-415E-9A17-FA605E16225F}"/>
-              </a:ext>
-            </a:extLst>
-          </p:cNvPr>
-          <p:cNvSpPr/>
-          <p:nvPr/>
-        </p:nvSpPr>
-        <p:spPr>
-          <a:xfrm>
-            <a:off x="8420068" y="3498510"/>
-            <a:ext cx="1813497" cy="1912575"/>
-          </a:xfrm>
-          <a:prstGeom prst="roundRect">
-            <a:avLst/>
-          </a:prstGeom>
-          <a:solidFill>
-            <a:schemeClr val="accent4">
-              <a:alpha val="50000"/>
-            </a:schemeClr>
-          </a:solidFill>
-          <a:ln>
-            <a:noFill/>
-          </a:ln>
-        </p:spPr>
-        <p:style>
-          <a:lnRef idx="0">
-            <a:scrgbClr r="0" g="0" b="0"/>
-          </a:lnRef>
-          <a:fillRef idx="0">
-            <a:scrgbClr r="0" g="0" b="0"/>
-          </a:fillRef>
-          <a:effectRef idx="0">
-            <a:scrgbClr r="0" g="0" b="0"/>
-          </a:effectRef>
-          <a:fontRef idx="minor">
-            <a:schemeClr val="lt1"/>
-          </a:fontRef>
-        </p:style>
-        <p:txBody>
-          <a:bodyPr rtlCol="0" anchor="ctr"/>
-          <a:lstStyle/>
-          <a:p>
-            <a:pPr algn="ctr"/>
-            <a:endParaRPr lang="en-GB"/>
-          </a:p>
-        </p:txBody>
-      </p:sp>
-      <p:sp>
-        <p:nvSpPr>
-          <p:cNvPr id="126" name="TextBox 125">
-            <a:extLst>
-              <a:ext uri="{FF2B5EF4-FFF2-40B4-BE49-F238E27FC236}">
-                <a16:creationId xmlns:a16="http://schemas.microsoft.com/office/drawing/2014/main" id="{4DE45CC4-994C-4FD8-A996-5EC9FA20B3E5}"/>
-              </a:ext>
-            </a:extLst>
-          </p:cNvPr>
-          <p:cNvSpPr txBox="1"/>
-          <p:nvPr/>
-        </p:nvSpPr>
-        <p:spPr>
-          <a:xfrm>
-            <a:off x="8551753" y="3617566"/>
-            <a:ext cx="1550125" cy="923330"/>
-          </a:xfrm>
-          <a:prstGeom prst="rect">
-            <a:avLst/>
-          </a:prstGeom>
-          <a:solidFill>
-            <a:schemeClr val="accent1">
-              <a:lumMod val="40000"/>
-              <a:lumOff val="60000"/>
-            </a:schemeClr>
-          </a:solidFill>
-          <a:ln/>
-        </p:spPr>
-        <p:style>
-          <a:lnRef idx="2">
-            <a:schemeClr val="accent1"/>
-          </a:lnRef>
-          <a:fillRef idx="1">
-            <a:schemeClr val="lt1"/>
-          </a:fillRef>
-          <a:effectRef idx="0">
-            <a:schemeClr val="accent1"/>
-          </a:effectRef>
-          <a:fontRef idx="minor">
-            <a:schemeClr val="dk1"/>
-          </a:fontRef>
-        </p:style>
-        <p:txBody>
-          <a:bodyPr wrap="square" rtlCol="0">
-            <a:spAutoFit/>
-          </a:bodyPr>
-          <a:lstStyle/>
-          <a:p>
-            <a:pPr algn="ctr"/>
-            <a:r>
-              <a:rPr lang="en-GB" dirty="0"/>
-              <a:t>A new panel is created containing:</a:t>
-            </a:r>
-          </a:p>
-        </p:txBody>
-      </p:sp>
-      <p:sp>
-        <p:nvSpPr>
-          <p:cNvPr id="127" name="TextBox 126">
-            <a:extLst>
-              <a:ext uri="{FF2B5EF4-FFF2-40B4-BE49-F238E27FC236}">
-                <a16:creationId xmlns:a16="http://schemas.microsoft.com/office/drawing/2014/main" id="{4F6E8927-F45B-481F-9B47-81E623F2E0FC}"/>
-              </a:ext>
-            </a:extLst>
-          </p:cNvPr>
-          <p:cNvSpPr txBox="1"/>
-          <p:nvPr/>
-        </p:nvSpPr>
-        <p:spPr>
-          <a:xfrm>
-            <a:off x="8541305" y="4622683"/>
-            <a:ext cx="1550125" cy="646331"/>
-          </a:xfrm>
-          <a:prstGeom prst="rect">
-            <a:avLst/>
-          </a:prstGeom>
-          <a:solidFill>
-            <a:schemeClr val="accent1">
-              <a:lumMod val="40000"/>
-              <a:lumOff val="60000"/>
-            </a:schemeClr>
-          </a:solidFill>
-          <a:ln/>
-        </p:spPr>
-        <p:style>
-          <a:lnRef idx="2">
-            <a:schemeClr val="accent1"/>
-          </a:lnRef>
-          <a:fillRef idx="1">
-            <a:schemeClr val="lt1"/>
-          </a:fillRef>
-          <a:effectRef idx="0">
-            <a:schemeClr val="accent1"/>
-          </a:effectRef>
-          <a:fontRef idx="minor">
-            <a:schemeClr val="dk1"/>
-          </a:fontRef>
-        </p:style>
-        <p:txBody>
-          <a:bodyPr wrap="square" rtlCol="0">
-            <a:spAutoFit/>
-          </a:bodyPr>
-          <a:lstStyle/>
-          <a:p>
-            <a:pPr algn="ctr"/>
-            <a:r>
-              <a:rPr lang="en-GB" dirty="0"/>
-              <a:t>Submit QAlogtype</a:t>
-            </a:r>
-          </a:p>
-        </p:txBody>
-      </p:sp>
-      <p:cxnSp>
-        <p:nvCxnSpPr>
-          <p:cNvPr id="128" name="Straight Arrow Connector 127">
-            <a:extLst>
-              <a:ext uri="{FF2B5EF4-FFF2-40B4-BE49-F238E27FC236}">
-                <a16:creationId xmlns:a16="http://schemas.microsoft.com/office/drawing/2014/main" id="{D4B97990-2942-4205-87EB-E296644BF910}"/>
-              </a:ext>
-            </a:extLst>
-          </p:cNvPr>
-          <p:cNvCxnSpPr>
-            <a:cxnSpLocks/>
-            <a:endCxn id="126" idx="1"/>
-          </p:cNvCxnSpPr>
-          <p:nvPr/>
-        </p:nvCxnSpPr>
-        <p:spPr>
-          <a:xfrm>
-            <a:off x="7486486" y="3575479"/>
-            <a:ext cx="1065267" cy="503752"/>
-          </a:xfrm>
-          <a:prstGeom prst="straightConnector1">
-            <a:avLst/>
-          </a:prstGeom>
-          <a:ln>
-            <a:solidFill>
-              <a:schemeClr val="accent6">
-                <a:lumMod val="75000"/>
-              </a:schemeClr>
-            </a:solidFill>
-            <a:tailEnd type="triangle"/>
-          </a:ln>
-        </p:spPr>
-        <p:style>
-          <a:lnRef idx="1">
-            <a:schemeClr val="accent1"/>
-          </a:lnRef>
-          <a:fillRef idx="0">
-            <a:schemeClr val="accent1"/>
-          </a:fillRef>
-          <a:effectRef idx="0">
-            <a:schemeClr val="accent1"/>
-          </a:effectRef>
-          <a:fontRef idx="minor">
-            <a:schemeClr val="tx1"/>
-          </a:fontRef>
-        </p:style>
-      </p:cxnSp>
     </p:spTree>
     <p:extLst>
       <p:ext uri="{BB962C8B-B14F-4D97-AF65-F5344CB8AC3E}">
-        <p14:creationId xmlns:p14="http://schemas.microsoft.com/office/powerpoint/2010/main" val="3043659729"/>
+        <p14:creationId xmlns:p14="http://schemas.microsoft.com/office/powerpoint/2010/main" val="3260015347"/>
       </p:ext>
     </p:extLst>
   </p:cSld>
@@ -8907,10 +6343,260 @@
       </p:grpSpPr>
       <p:sp>
         <p:nvSpPr>
+          <p:cNvPr id="75" name="TextBox 74">
+            <a:extLst>
+              <a:ext uri="{FF2B5EF4-FFF2-40B4-BE49-F238E27FC236}">
+                <a16:creationId xmlns:a16="http://schemas.microsoft.com/office/drawing/2014/main" id="{89FF9F8A-93EC-4861-8137-E7FB23506B07}"/>
+              </a:ext>
+            </a:extLst>
+          </p:cNvPr>
+          <p:cNvSpPr txBox="1"/>
+          <p:nvPr/>
+        </p:nvSpPr>
+        <p:spPr>
+          <a:xfrm>
+            <a:off x="5159349" y="1692938"/>
+            <a:ext cx="2936964" cy="3046988"/>
+          </a:xfrm>
+          <a:prstGeom prst="rect">
+            <a:avLst/>
+          </a:prstGeom>
+          <a:solidFill>
+            <a:schemeClr val="accent1">
+              <a:lumMod val="40000"/>
+              <a:lumOff val="60000"/>
+            </a:schemeClr>
+          </a:solidFill>
+          <a:ln/>
+        </p:spPr>
+        <p:style>
+          <a:lnRef idx="2">
+            <a:schemeClr val="accent1"/>
+          </a:lnRef>
+          <a:fillRef idx="1">
+            <a:schemeClr val="lt1"/>
+          </a:fillRef>
+          <a:effectRef idx="0">
+            <a:schemeClr val="accent1"/>
+          </a:effectRef>
+          <a:fontRef idx="minor">
+            <a:schemeClr val="dk1"/>
+          </a:fontRef>
+        </p:style>
+        <p:txBody>
+          <a:bodyPr wrap="square" rtlCol="0">
+            <a:spAutoFit/>
+          </a:bodyPr>
+          <a:lstStyle/>
+          <a:p>
+            <a:pPr algn="ctr"/>
+            <a:r>
+              <a:rPr lang="en-GB" sz="1200" dirty="0"/>
+              <a:t>Runs the “</a:t>
+            </a:r>
+            <a:r>
+              <a:rPr lang="en-GB" sz="1200" dirty="0" err="1"/>
+              <a:t>create_log</a:t>
+            </a:r>
+            <a:r>
+              <a:rPr lang="en-GB" sz="1200" dirty="0"/>
+              <a:t>” function:</a:t>
+            </a:r>
+          </a:p>
+          <a:p>
+            <a:pPr algn="ctr"/>
+            <a:endParaRPr lang="en-GB" sz="1200" dirty="0"/>
+          </a:p>
+          <a:p>
+            <a:pPr algn="ctr"/>
+            <a:endParaRPr lang="en-GB" sz="1200" dirty="0"/>
+          </a:p>
+          <a:p>
+            <a:pPr algn="ctr"/>
+            <a:endParaRPr lang="en-GB" sz="1200" dirty="0"/>
+          </a:p>
+          <a:p>
+            <a:pPr algn="ctr"/>
+            <a:endParaRPr lang="en-GB" sz="1200" dirty="0"/>
+          </a:p>
+          <a:p>
+            <a:pPr algn="ctr"/>
+            <a:endParaRPr lang="en-GB" sz="1200" dirty="0"/>
+          </a:p>
+          <a:p>
+            <a:pPr algn="ctr"/>
+            <a:endParaRPr lang="en-GB" sz="1200" dirty="0"/>
+          </a:p>
+          <a:p>
+            <a:pPr algn="ctr"/>
+            <a:endParaRPr lang="en-GB" sz="1200" dirty="0"/>
+          </a:p>
+          <a:p>
+            <a:pPr algn="ctr"/>
+            <a:endParaRPr lang="en-GB" sz="1200" dirty="0"/>
+          </a:p>
+          <a:p>
+            <a:pPr algn="ctr"/>
+            <a:endParaRPr lang="en-GB" sz="1200" dirty="0"/>
+          </a:p>
+          <a:p>
+            <a:pPr algn="ctr"/>
+            <a:endParaRPr lang="en-GB" sz="1200" dirty="0"/>
+          </a:p>
+          <a:p>
+            <a:pPr marL="171450" indent="-171450" algn="ctr">
+              <a:buFont typeface="Arial" panose="020B0604020202020204" pitchFamily="34" charset="0"/>
+              <a:buChar char="•"/>
+            </a:pPr>
+            <a:r>
+              <a:rPr lang="en-GB" sz="1200" dirty="0"/>
+              <a:t>Generates random 4-digit project ID</a:t>
+            </a:r>
+          </a:p>
+          <a:p>
+            <a:pPr marL="171450" indent="-171450" algn="ctr">
+              <a:buFont typeface="Arial" panose="020B0604020202020204" pitchFamily="34" charset="0"/>
+              <a:buChar char="•"/>
+            </a:pPr>
+            <a:r>
+              <a:rPr lang="en-GB" sz="1200" dirty="0"/>
+              <a:t>Checks that this isn’t already assigned to another project</a:t>
+            </a:r>
+          </a:p>
+          <a:p>
+            <a:pPr marL="171450" indent="-171450" algn="ctr">
+              <a:buFont typeface="Arial" panose="020B0604020202020204" pitchFamily="34" charset="0"/>
+              <a:buChar char="•"/>
+            </a:pPr>
+            <a:r>
+              <a:rPr lang="en-GB" sz="1200" dirty="0"/>
+              <a:t>Updates “projectID” and “QAlogtype”</a:t>
+            </a:r>
+          </a:p>
+          <a:p>
+            <a:pPr marL="171450" indent="-171450" algn="ctr">
+              <a:buFont typeface="Arial" panose="020B0604020202020204" pitchFamily="34" charset="0"/>
+              <a:buChar char="•"/>
+            </a:pPr>
+            <a:r>
+              <a:rPr lang="en-GB" sz="1200" dirty="0"/>
+              <a:t>Switches to new tab</a:t>
+            </a:r>
+          </a:p>
+        </p:txBody>
+      </p:sp>
+      <p:sp>
+        <p:nvSpPr>
+          <p:cNvPr id="56" name="Rectangle: Rounded Corners 55">
+            <a:extLst>
+              <a:ext uri="{FF2B5EF4-FFF2-40B4-BE49-F238E27FC236}">
+                <a16:creationId xmlns:a16="http://schemas.microsoft.com/office/drawing/2014/main" id="{31C50EA1-58C5-4308-A266-AE258EA74245}"/>
+              </a:ext>
+            </a:extLst>
+          </p:cNvPr>
+          <p:cNvSpPr/>
+          <p:nvPr/>
+        </p:nvSpPr>
+        <p:spPr>
+          <a:xfrm>
+            <a:off x="4495800" y="5235575"/>
+            <a:ext cx="2124075" cy="755650"/>
+          </a:xfrm>
+          <a:prstGeom prst="roundRect">
+            <a:avLst>
+              <a:gd name="adj" fmla="val 6355"/>
+            </a:avLst>
+          </a:prstGeom>
+          <a:solidFill>
+            <a:schemeClr val="accent4">
+              <a:alpha val="50000"/>
+            </a:schemeClr>
+          </a:solidFill>
+          <a:ln>
+            <a:noFill/>
+          </a:ln>
+        </p:spPr>
+        <p:style>
+          <a:lnRef idx="0">
+            <a:scrgbClr r="0" g="0" b="0"/>
+          </a:lnRef>
+          <a:fillRef idx="0">
+            <a:scrgbClr r="0" g="0" b="0"/>
+          </a:fillRef>
+          <a:effectRef idx="0">
+            <a:scrgbClr r="0" g="0" b="0"/>
+          </a:effectRef>
+          <a:fontRef idx="minor">
+            <a:schemeClr val="lt1"/>
+          </a:fontRef>
+        </p:style>
+        <p:txBody>
+          <a:bodyPr rtlCol="0" anchor="ctr"/>
+          <a:lstStyle/>
+          <a:p>
+            <a:pPr algn="ctr"/>
+            <a:endParaRPr lang="en-GB"/>
+          </a:p>
+        </p:txBody>
+      </p:sp>
+      <p:sp>
+        <p:nvSpPr>
+          <p:cNvPr id="46" name="Rectangle: Rounded Corners 45">
+            <a:extLst>
+              <a:ext uri="{FF2B5EF4-FFF2-40B4-BE49-F238E27FC236}">
+                <a16:creationId xmlns:a16="http://schemas.microsoft.com/office/drawing/2014/main" id="{1E11D07A-6EF0-40FB-9173-8F17DDE739A4}"/>
+              </a:ext>
+            </a:extLst>
+          </p:cNvPr>
+          <p:cNvSpPr/>
+          <p:nvPr/>
+        </p:nvSpPr>
+        <p:spPr>
+          <a:xfrm>
+            <a:off x="2640769" y="1540275"/>
+            <a:ext cx="1813497" cy="4141433"/>
+          </a:xfrm>
+          <a:prstGeom prst="roundRect">
+            <a:avLst/>
+          </a:prstGeom>
+          <a:solidFill>
+            <a:schemeClr val="accent4">
+              <a:alpha val="50000"/>
+            </a:schemeClr>
+          </a:solidFill>
+          <a:ln>
+            <a:noFill/>
+          </a:ln>
+        </p:spPr>
+        <p:style>
+          <a:lnRef idx="0">
+            <a:scrgbClr r="0" g="0" b="0"/>
+          </a:lnRef>
+          <a:fillRef idx="0">
+            <a:scrgbClr r="0" g="0" b="0"/>
+          </a:fillRef>
+          <a:effectRef idx="0">
+            <a:scrgbClr r="0" g="0" b="0"/>
+          </a:effectRef>
+          <a:fontRef idx="minor">
+            <a:schemeClr val="lt1"/>
+          </a:fontRef>
+        </p:style>
+        <p:txBody>
+          <a:bodyPr rtlCol="0" anchor="ctr"/>
+          <a:lstStyle/>
+          <a:p>
+            <a:pPr algn="ctr"/>
+            <a:endParaRPr lang="en-GB"/>
+          </a:p>
+        </p:txBody>
+      </p:sp>
+      <p:sp>
+        <p:nvSpPr>
           <p:cNvPr id="2" name="Title 1">
             <a:extLst>
               <a:ext uri="{FF2B5EF4-FFF2-40B4-BE49-F238E27FC236}">
-                <a16:creationId xmlns:a16="http://schemas.microsoft.com/office/drawing/2014/main" id="{553A35EB-2060-46B9-B0EE-79241E038580}"/>
+                <a16:creationId xmlns:a16="http://schemas.microsoft.com/office/drawing/2014/main" id="{44D95F4A-57AC-47A5-9D1F-40BF0ABBC8C4}"/>
               </a:ext>
             </a:extLst>
           </p:cNvPr>
@@ -8928,14 +6614,18 @@
           <a:p>
             <a:r>
               <a:rPr lang="en-GB" dirty="0"/>
-              <a:t>Map for updating existing log</a:t>
+              <a:t>Map for creating new log</a:t>
             </a:r>
             <a:br>
               <a:rPr lang="en-GB" dirty="0"/>
             </a:br>
             <a:r>
               <a:rPr lang="en-GB" sz="2000" dirty="0"/>
-              <a:t>Mostly from home_server.R</a:t>
+              <a:t>Mostly from </a:t>
+            </a:r>
+            <a:r>
+              <a:rPr lang="en-GB" sz="2000" dirty="0" err="1"/>
+              <a:t>home_server.R</a:t>
             </a:r>
             <a:endParaRPr lang="en-GB" dirty="0"/>
           </a:p>
@@ -8946,7 +6636,7 @@
           <p:cNvPr id="4" name="TextBox 3">
             <a:extLst>
               <a:ext uri="{FF2B5EF4-FFF2-40B4-BE49-F238E27FC236}">
-                <a16:creationId xmlns:a16="http://schemas.microsoft.com/office/drawing/2014/main" id="{81F468DA-CC38-4498-8275-5855DD369FCA}"/>
+                <a16:creationId xmlns:a16="http://schemas.microsoft.com/office/drawing/2014/main" id="{CAD8BAA6-3D65-4571-B124-5552C7897DEA}"/>
               </a:ext>
             </a:extLst>
           </p:cNvPr>
@@ -8955,8 +6645,64 @@
         </p:nvSpPr>
         <p:spPr>
           <a:xfrm>
-            <a:off x="10105208" y="704634"/>
-            <a:ext cx="1624149" cy="307777"/>
+            <a:off x="696686" y="1690688"/>
+            <a:ext cx="1550125" cy="646331"/>
+          </a:xfrm>
+          <a:prstGeom prst="rect">
+            <a:avLst/>
+          </a:prstGeom>
+          <a:solidFill>
+            <a:schemeClr val="accent1">
+              <a:lumMod val="40000"/>
+              <a:lumOff val="60000"/>
+            </a:schemeClr>
+          </a:solidFill>
+          <a:ln/>
+        </p:spPr>
+        <p:style>
+          <a:lnRef idx="2">
+            <a:schemeClr val="accent1"/>
+          </a:lnRef>
+          <a:fillRef idx="1">
+            <a:schemeClr val="lt1"/>
+          </a:fillRef>
+          <a:effectRef idx="0">
+            <a:schemeClr val="accent1"/>
+          </a:effectRef>
+          <a:fontRef idx="minor">
+            <a:schemeClr val="dk1"/>
+          </a:fontRef>
+        </p:style>
+        <p:txBody>
+          <a:bodyPr wrap="square" rtlCol="0">
+            <a:spAutoFit/>
+          </a:bodyPr>
+          <a:lstStyle/>
+          <a:p>
+            <a:pPr algn="ctr"/>
+            <a:r>
+              <a:rPr lang="en-GB" dirty="0"/>
+              <a:t>Select create new log</a:t>
+            </a:r>
+          </a:p>
+        </p:txBody>
+      </p:sp>
+      <p:sp>
+        <p:nvSpPr>
+          <p:cNvPr id="7" name="TextBox 6">
+            <a:extLst>
+              <a:ext uri="{FF2B5EF4-FFF2-40B4-BE49-F238E27FC236}">
+                <a16:creationId xmlns:a16="http://schemas.microsoft.com/office/drawing/2014/main" id="{7BBF95CE-286E-4850-B0D9-9094A39A9A14}"/>
+              </a:ext>
+            </a:extLst>
+          </p:cNvPr>
+          <p:cNvSpPr txBox="1"/>
+          <p:nvPr/>
+        </p:nvSpPr>
+        <p:spPr>
+          <a:xfrm>
+            <a:off x="696686" y="2521058"/>
+            <a:ext cx="1550125" cy="307777"/>
           </a:xfrm>
           <a:prstGeom prst="rect">
             <a:avLst/>
@@ -8992,17 +6738,17 @@
             <a:pPr algn="ctr"/>
             <a:r>
               <a:rPr lang="en-GB" sz="1400" dirty="0"/>
-              <a:t>types$log = “blank”</a:t>
-            </a:r>
-          </a:p>
-        </p:txBody>
-      </p:sp>
-      <p:sp>
-        <p:nvSpPr>
-          <p:cNvPr id="5" name="TextBox 4">
-            <a:extLst>
-              <a:ext uri="{FF2B5EF4-FFF2-40B4-BE49-F238E27FC236}">
-                <a16:creationId xmlns:a16="http://schemas.microsoft.com/office/drawing/2014/main" id="{98CC272E-8D50-4E44-885E-2CFD177D095B}"/>
+              <a:t>types$log = “new”</a:t>
+            </a:r>
+          </a:p>
+        </p:txBody>
+      </p:sp>
+      <p:sp>
+        <p:nvSpPr>
+          <p:cNvPr id="8" name="TextBox 7">
+            <a:extLst>
+              <a:ext uri="{FF2B5EF4-FFF2-40B4-BE49-F238E27FC236}">
+                <a16:creationId xmlns:a16="http://schemas.microsoft.com/office/drawing/2014/main" id="{0DB35C82-5C87-4009-8B4F-E17E8AA60A75}"/>
               </a:ext>
             </a:extLst>
           </p:cNvPr>
@@ -9011,33 +6757,54 @@
         </p:nvSpPr>
         <p:spPr>
           <a:xfrm>
-            <a:off x="8708571" y="39765"/>
-            <a:ext cx="3396344" cy="923330"/>
+            <a:off x="2773681" y="1690688"/>
+            <a:ext cx="1550125" cy="1200329"/>
           </a:xfrm>
           <a:prstGeom prst="rect">
             <a:avLst/>
           </a:prstGeom>
-          <a:noFill/>
-        </p:spPr>
+          <a:solidFill>
+            <a:schemeClr val="accent1">
+              <a:lumMod val="40000"/>
+              <a:lumOff val="60000"/>
+            </a:schemeClr>
+          </a:solidFill>
+          <a:ln/>
+        </p:spPr>
+        <p:style>
+          <a:lnRef idx="2">
+            <a:schemeClr val="accent1"/>
+          </a:lnRef>
+          <a:fillRef idx="1">
+            <a:schemeClr val="lt1"/>
+          </a:fillRef>
+          <a:effectRef idx="0">
+            <a:schemeClr val="accent1"/>
+          </a:effectRef>
+          <a:fontRef idx="minor">
+            <a:schemeClr val="dk1"/>
+          </a:fontRef>
+        </p:style>
         <p:txBody>
           <a:bodyPr wrap="square" rtlCol="0">
             <a:spAutoFit/>
           </a:bodyPr>
           <a:lstStyle/>
           <a:p>
+            <a:pPr algn="ctr"/>
             <a:r>
               <a:rPr lang="en-GB" dirty="0"/>
-              <a:t>We have a list “types” containing the reactive value “log”. Initially this is set to:</a:t>
-            </a:r>
-          </a:p>
-        </p:txBody>
-      </p:sp>
-      <p:sp>
-        <p:nvSpPr>
-          <p:cNvPr id="6" name="TextBox 5">
-            <a:extLst>
-              <a:ext uri="{FF2B5EF4-FFF2-40B4-BE49-F238E27FC236}">
-                <a16:creationId xmlns:a16="http://schemas.microsoft.com/office/drawing/2014/main" id="{635CCDAC-899E-4510-8010-5E613EA3743A}"/>
+              <a:t>A new panel is shown with following options:</a:t>
+            </a:r>
+          </a:p>
+        </p:txBody>
+      </p:sp>
+      <p:sp>
+        <p:nvSpPr>
+          <p:cNvPr id="9" name="TextBox 8">
+            <a:extLst>
+              <a:ext uri="{FF2B5EF4-FFF2-40B4-BE49-F238E27FC236}">
+                <a16:creationId xmlns:a16="http://schemas.microsoft.com/office/drawing/2014/main" id="{4188A7B4-EEDE-44E1-B7CE-34D5EA1A652E}"/>
               </a:ext>
             </a:extLst>
           </p:cNvPr>
@@ -9046,20 +6813,846 @@
         </p:nvSpPr>
         <p:spPr>
           <a:xfrm>
-            <a:off x="8708571" y="1111043"/>
-            <a:ext cx="3587932" cy="923330"/>
+            <a:off x="2773681" y="3016250"/>
+            <a:ext cx="1550125" cy="369332"/>
           </a:xfrm>
           <a:prstGeom prst="rect">
             <a:avLst/>
           </a:prstGeom>
-          <a:noFill/>
-        </p:spPr>
+          <a:solidFill>
+            <a:schemeClr val="accent1">
+              <a:lumMod val="40000"/>
+              <a:lumOff val="60000"/>
+            </a:schemeClr>
+          </a:solidFill>
+          <a:ln/>
+        </p:spPr>
+        <p:style>
+          <a:lnRef idx="2">
+            <a:schemeClr val="accent1"/>
+          </a:lnRef>
+          <a:fillRef idx="1">
+            <a:schemeClr val="lt1"/>
+          </a:fillRef>
+          <a:effectRef idx="0">
+            <a:schemeClr val="accent1"/>
+          </a:effectRef>
+          <a:fontRef idx="minor">
+            <a:schemeClr val="dk1"/>
+          </a:fontRef>
+        </p:style>
         <p:txBody>
           <a:bodyPr wrap="square" rtlCol="0">
             <a:spAutoFit/>
           </a:bodyPr>
           <a:lstStyle/>
           <a:p>
+            <a:pPr algn="ctr"/>
+            <a:r>
+              <a:rPr lang="en-GB" dirty="0"/>
+              <a:t>Modelling</a:t>
+            </a:r>
+          </a:p>
+        </p:txBody>
+      </p:sp>
+      <p:sp>
+        <p:nvSpPr>
+          <p:cNvPr id="10" name="TextBox 9">
+            <a:extLst>
+              <a:ext uri="{FF2B5EF4-FFF2-40B4-BE49-F238E27FC236}">
+                <a16:creationId xmlns:a16="http://schemas.microsoft.com/office/drawing/2014/main" id="{D872ABF8-57DF-452E-9AC5-47DA62CA0F29}"/>
+              </a:ext>
+            </a:extLst>
+          </p:cNvPr>
+          <p:cNvSpPr txBox="1"/>
+          <p:nvPr/>
+        </p:nvSpPr>
+        <p:spPr>
+          <a:xfrm>
+            <a:off x="2773681" y="3510815"/>
+            <a:ext cx="1550125" cy="369332"/>
+          </a:xfrm>
+          <a:prstGeom prst="rect">
+            <a:avLst/>
+          </a:prstGeom>
+          <a:solidFill>
+            <a:schemeClr val="accent1">
+              <a:lumMod val="40000"/>
+              <a:lumOff val="60000"/>
+            </a:schemeClr>
+          </a:solidFill>
+          <a:ln/>
+        </p:spPr>
+        <p:style>
+          <a:lnRef idx="2">
+            <a:schemeClr val="accent1"/>
+          </a:lnRef>
+          <a:fillRef idx="1">
+            <a:schemeClr val="lt1"/>
+          </a:fillRef>
+          <a:effectRef idx="0">
+            <a:schemeClr val="accent1"/>
+          </a:effectRef>
+          <a:fontRef idx="minor">
+            <a:schemeClr val="dk1"/>
+          </a:fontRef>
+        </p:style>
+        <p:txBody>
+          <a:bodyPr wrap="square" rtlCol="0">
+            <a:spAutoFit/>
+          </a:bodyPr>
+          <a:lstStyle/>
+          <a:p>
+            <a:pPr algn="ctr"/>
+            <a:r>
+              <a:rPr lang="en-GB" dirty="0"/>
+              <a:t>Data Analysis</a:t>
+            </a:r>
+          </a:p>
+        </p:txBody>
+      </p:sp>
+      <p:sp>
+        <p:nvSpPr>
+          <p:cNvPr id="11" name="TextBox 10">
+            <a:extLst>
+              <a:ext uri="{FF2B5EF4-FFF2-40B4-BE49-F238E27FC236}">
+                <a16:creationId xmlns:a16="http://schemas.microsoft.com/office/drawing/2014/main" id="{F52B5425-C011-4D9D-B035-6FD16D8AECD2}"/>
+              </a:ext>
+            </a:extLst>
+          </p:cNvPr>
+          <p:cNvSpPr txBox="1"/>
+          <p:nvPr/>
+        </p:nvSpPr>
+        <p:spPr>
+          <a:xfrm>
+            <a:off x="2773680" y="3966984"/>
+            <a:ext cx="1550125" cy="369332"/>
+          </a:xfrm>
+          <a:prstGeom prst="rect">
+            <a:avLst/>
+          </a:prstGeom>
+          <a:solidFill>
+            <a:schemeClr val="accent1">
+              <a:lumMod val="40000"/>
+              <a:lumOff val="60000"/>
+            </a:schemeClr>
+          </a:solidFill>
+          <a:ln/>
+        </p:spPr>
+        <p:style>
+          <a:lnRef idx="2">
+            <a:schemeClr val="accent1"/>
+          </a:lnRef>
+          <a:fillRef idx="1">
+            <a:schemeClr val="lt1"/>
+          </a:fillRef>
+          <a:effectRef idx="0">
+            <a:schemeClr val="accent1"/>
+          </a:effectRef>
+          <a:fontRef idx="minor">
+            <a:schemeClr val="dk1"/>
+          </a:fontRef>
+        </p:style>
+        <p:txBody>
+          <a:bodyPr wrap="square" rtlCol="0">
+            <a:spAutoFit/>
+          </a:bodyPr>
+          <a:lstStyle/>
+          <a:p>
+            <a:pPr algn="ctr"/>
+            <a:r>
+              <a:rPr lang="en-GB" dirty="0"/>
+              <a:t>Dashboard</a:t>
+            </a:r>
+          </a:p>
+        </p:txBody>
+      </p:sp>
+      <p:sp>
+        <p:nvSpPr>
+          <p:cNvPr id="12" name="TextBox 11">
+            <a:extLst>
+              <a:ext uri="{FF2B5EF4-FFF2-40B4-BE49-F238E27FC236}">
+                <a16:creationId xmlns:a16="http://schemas.microsoft.com/office/drawing/2014/main" id="{6F49CCF7-ABE2-4B54-AE51-ABD64B96D524}"/>
+              </a:ext>
+            </a:extLst>
+          </p:cNvPr>
+          <p:cNvSpPr txBox="1"/>
+          <p:nvPr/>
+        </p:nvSpPr>
+        <p:spPr>
+          <a:xfrm>
+            <a:off x="2773679" y="4461549"/>
+            <a:ext cx="1550125" cy="338554"/>
+          </a:xfrm>
+          <a:prstGeom prst="rect">
+            <a:avLst/>
+          </a:prstGeom>
+          <a:solidFill>
+            <a:schemeClr val="accent1">
+              <a:lumMod val="40000"/>
+              <a:lumOff val="60000"/>
+            </a:schemeClr>
+          </a:solidFill>
+          <a:ln/>
+        </p:spPr>
+        <p:style>
+          <a:lnRef idx="2">
+            <a:schemeClr val="accent1"/>
+          </a:lnRef>
+          <a:fillRef idx="1">
+            <a:schemeClr val="lt1"/>
+          </a:fillRef>
+          <a:effectRef idx="0">
+            <a:schemeClr val="accent1"/>
+          </a:effectRef>
+          <a:fontRef idx="minor">
+            <a:schemeClr val="dk1"/>
+          </a:fontRef>
+        </p:style>
+        <p:txBody>
+          <a:bodyPr wrap="square" rtlCol="0">
+            <a:spAutoFit/>
+          </a:bodyPr>
+          <a:lstStyle/>
+          <a:p>
+            <a:pPr algn="ctr"/>
+            <a:r>
+              <a:rPr lang="en-GB" sz="1600" dirty="0"/>
+              <a:t>Official Statistics</a:t>
+            </a:r>
+          </a:p>
+        </p:txBody>
+      </p:sp>
+      <p:sp>
+        <p:nvSpPr>
+          <p:cNvPr id="13" name="TextBox 12">
+            <a:extLst>
+              <a:ext uri="{FF2B5EF4-FFF2-40B4-BE49-F238E27FC236}">
+                <a16:creationId xmlns:a16="http://schemas.microsoft.com/office/drawing/2014/main" id="{1F4448A5-5EB5-4119-8A40-54FC6B5C7C1E}"/>
+              </a:ext>
+            </a:extLst>
+          </p:cNvPr>
+          <p:cNvSpPr txBox="1"/>
+          <p:nvPr/>
+        </p:nvSpPr>
+        <p:spPr>
+          <a:xfrm>
+            <a:off x="5620639" y="2004124"/>
+            <a:ext cx="2029096" cy="307777"/>
+          </a:xfrm>
+          <a:prstGeom prst="rect">
+            <a:avLst/>
+          </a:prstGeom>
+          <a:solidFill>
+            <a:schemeClr val="accent2">
+              <a:lumMod val="40000"/>
+              <a:lumOff val="60000"/>
+            </a:schemeClr>
+          </a:solidFill>
+          <a:ln/>
+        </p:spPr>
+        <p:style>
+          <a:lnRef idx="2">
+            <a:schemeClr val="accent2"/>
+          </a:lnRef>
+          <a:fillRef idx="1">
+            <a:schemeClr val="lt1"/>
+          </a:fillRef>
+          <a:effectRef idx="0">
+            <a:schemeClr val="accent2"/>
+          </a:effectRef>
+          <a:fontRef idx="minor">
+            <a:schemeClr val="dk1"/>
+          </a:fontRef>
+        </p:style>
+        <p:txBody>
+          <a:bodyPr wrap="square" rtlCol="0">
+            <a:spAutoFit/>
+          </a:bodyPr>
+          <a:lstStyle/>
+          <a:p>
+            <a:pPr algn="ctr"/>
+            <a:r>
+              <a:rPr lang="en-GB" sz="1400" dirty="0"/>
+              <a:t>types$log = “modelling”</a:t>
+            </a:r>
+          </a:p>
+        </p:txBody>
+      </p:sp>
+      <p:sp>
+        <p:nvSpPr>
+          <p:cNvPr id="14" name="TextBox 13">
+            <a:extLst>
+              <a:ext uri="{FF2B5EF4-FFF2-40B4-BE49-F238E27FC236}">
+                <a16:creationId xmlns:a16="http://schemas.microsoft.com/office/drawing/2014/main" id="{AB336F58-0589-4384-A030-86BCB11977DA}"/>
+              </a:ext>
+            </a:extLst>
+          </p:cNvPr>
+          <p:cNvSpPr txBox="1"/>
+          <p:nvPr/>
+        </p:nvSpPr>
+        <p:spPr>
+          <a:xfrm>
+            <a:off x="5620639" y="2356642"/>
+            <a:ext cx="2029096" cy="307777"/>
+          </a:xfrm>
+          <a:prstGeom prst="rect">
+            <a:avLst/>
+          </a:prstGeom>
+          <a:solidFill>
+            <a:schemeClr val="accent2">
+              <a:lumMod val="40000"/>
+              <a:lumOff val="60000"/>
+            </a:schemeClr>
+          </a:solidFill>
+          <a:ln/>
+        </p:spPr>
+        <p:style>
+          <a:lnRef idx="2">
+            <a:schemeClr val="accent2"/>
+          </a:lnRef>
+          <a:fillRef idx="1">
+            <a:schemeClr val="lt1"/>
+          </a:fillRef>
+          <a:effectRef idx="0">
+            <a:schemeClr val="accent2"/>
+          </a:effectRef>
+          <a:fontRef idx="minor">
+            <a:schemeClr val="dk1"/>
+          </a:fontRef>
+        </p:style>
+        <p:txBody>
+          <a:bodyPr wrap="square" rtlCol="0">
+            <a:spAutoFit/>
+          </a:bodyPr>
+          <a:lstStyle/>
+          <a:p>
+            <a:pPr algn="ctr"/>
+            <a:r>
+              <a:rPr lang="en-GB" sz="1400" dirty="0"/>
+              <a:t>types$log = “analysis”</a:t>
+            </a:r>
+          </a:p>
+        </p:txBody>
+      </p:sp>
+      <p:sp>
+        <p:nvSpPr>
+          <p:cNvPr id="15" name="TextBox 14">
+            <a:extLst>
+              <a:ext uri="{FF2B5EF4-FFF2-40B4-BE49-F238E27FC236}">
+                <a16:creationId xmlns:a16="http://schemas.microsoft.com/office/drawing/2014/main" id="{84B273DD-6AB5-4C9A-AE94-A8205A14E16D}"/>
+              </a:ext>
+            </a:extLst>
+          </p:cNvPr>
+          <p:cNvSpPr txBox="1"/>
+          <p:nvPr/>
+        </p:nvSpPr>
+        <p:spPr>
+          <a:xfrm>
+            <a:off x="5620639" y="2697397"/>
+            <a:ext cx="2029096" cy="307777"/>
+          </a:xfrm>
+          <a:prstGeom prst="rect">
+            <a:avLst/>
+          </a:prstGeom>
+          <a:solidFill>
+            <a:schemeClr val="accent2">
+              <a:lumMod val="40000"/>
+              <a:lumOff val="60000"/>
+            </a:schemeClr>
+          </a:solidFill>
+          <a:ln/>
+        </p:spPr>
+        <p:style>
+          <a:lnRef idx="2">
+            <a:schemeClr val="accent2"/>
+          </a:lnRef>
+          <a:fillRef idx="1">
+            <a:schemeClr val="lt1"/>
+          </a:fillRef>
+          <a:effectRef idx="0">
+            <a:schemeClr val="accent2"/>
+          </a:effectRef>
+          <a:fontRef idx="minor">
+            <a:schemeClr val="dk1"/>
+          </a:fontRef>
+        </p:style>
+        <p:txBody>
+          <a:bodyPr wrap="square" rtlCol="0">
+            <a:spAutoFit/>
+          </a:bodyPr>
+          <a:lstStyle/>
+          <a:p>
+            <a:pPr algn="ctr"/>
+            <a:r>
+              <a:rPr lang="en-GB" sz="1400" dirty="0"/>
+              <a:t>types$log = “dashboard”</a:t>
+            </a:r>
+          </a:p>
+        </p:txBody>
+      </p:sp>
+      <p:sp>
+        <p:nvSpPr>
+          <p:cNvPr id="16" name="TextBox 15">
+            <a:extLst>
+              <a:ext uri="{FF2B5EF4-FFF2-40B4-BE49-F238E27FC236}">
+                <a16:creationId xmlns:a16="http://schemas.microsoft.com/office/drawing/2014/main" id="{A827479B-847F-4A51-BE4B-15FCB12F924D}"/>
+              </a:ext>
+            </a:extLst>
+          </p:cNvPr>
+          <p:cNvSpPr txBox="1"/>
+          <p:nvPr/>
+        </p:nvSpPr>
+        <p:spPr>
+          <a:xfrm>
+            <a:off x="5610333" y="3051714"/>
+            <a:ext cx="2029096" cy="307777"/>
+          </a:xfrm>
+          <a:prstGeom prst="rect">
+            <a:avLst/>
+          </a:prstGeom>
+          <a:solidFill>
+            <a:schemeClr val="accent2">
+              <a:lumMod val="40000"/>
+              <a:lumOff val="60000"/>
+            </a:schemeClr>
+          </a:solidFill>
+          <a:ln/>
+        </p:spPr>
+        <p:style>
+          <a:lnRef idx="2">
+            <a:schemeClr val="accent2"/>
+          </a:lnRef>
+          <a:fillRef idx="1">
+            <a:schemeClr val="lt1"/>
+          </a:fillRef>
+          <a:effectRef idx="0">
+            <a:schemeClr val="accent2"/>
+          </a:effectRef>
+          <a:fontRef idx="minor">
+            <a:schemeClr val="dk1"/>
+          </a:fontRef>
+        </p:style>
+        <p:txBody>
+          <a:bodyPr wrap="square" rtlCol="0">
+            <a:spAutoFit/>
+          </a:bodyPr>
+          <a:lstStyle/>
+          <a:p>
+            <a:pPr algn="ctr"/>
+            <a:r>
+              <a:rPr lang="en-GB" sz="1400" dirty="0"/>
+              <a:t>types$log = “statistics”</a:t>
+            </a:r>
+          </a:p>
+        </p:txBody>
+      </p:sp>
+      <p:sp>
+        <p:nvSpPr>
+          <p:cNvPr id="17" name="TextBox 16">
+            <a:extLst>
+              <a:ext uri="{FF2B5EF4-FFF2-40B4-BE49-F238E27FC236}">
+                <a16:creationId xmlns:a16="http://schemas.microsoft.com/office/drawing/2014/main" id="{A14DFB68-A714-4332-9017-A93997054343}"/>
+              </a:ext>
+            </a:extLst>
+          </p:cNvPr>
+          <p:cNvSpPr txBox="1"/>
+          <p:nvPr/>
+        </p:nvSpPr>
+        <p:spPr>
+          <a:xfrm>
+            <a:off x="10105208" y="704634"/>
+            <a:ext cx="1624149" cy="307777"/>
+          </a:xfrm>
+          <a:prstGeom prst="rect">
+            <a:avLst/>
+          </a:prstGeom>
+          <a:solidFill>
+            <a:schemeClr val="accent2">
+              <a:lumMod val="40000"/>
+              <a:lumOff val="60000"/>
+            </a:schemeClr>
+          </a:solidFill>
+          <a:ln/>
+        </p:spPr>
+        <p:style>
+          <a:lnRef idx="2">
+            <a:schemeClr val="accent2"/>
+          </a:lnRef>
+          <a:fillRef idx="1">
+            <a:schemeClr val="lt1"/>
+          </a:fillRef>
+          <a:effectRef idx="0">
+            <a:schemeClr val="accent2"/>
+          </a:effectRef>
+          <a:fontRef idx="minor">
+            <a:schemeClr val="dk1"/>
+          </a:fontRef>
+        </p:style>
+        <p:txBody>
+          <a:bodyPr wrap="square" rtlCol="0">
+            <a:spAutoFit/>
+          </a:bodyPr>
+          <a:lstStyle/>
+          <a:p>
+            <a:pPr algn="ctr"/>
+            <a:r>
+              <a:rPr lang="en-GB" sz="1400" dirty="0"/>
+              <a:t>types$log = “blank”</a:t>
+            </a:r>
+          </a:p>
+        </p:txBody>
+      </p:sp>
+      <p:sp>
+        <p:nvSpPr>
+          <p:cNvPr id="18" name="TextBox 17">
+            <a:extLst>
+              <a:ext uri="{FF2B5EF4-FFF2-40B4-BE49-F238E27FC236}">
+                <a16:creationId xmlns:a16="http://schemas.microsoft.com/office/drawing/2014/main" id="{D1E8EEAF-9F67-44CF-BD1B-838CFCA3259D}"/>
+              </a:ext>
+            </a:extLst>
+          </p:cNvPr>
+          <p:cNvSpPr txBox="1"/>
+          <p:nvPr/>
+        </p:nvSpPr>
+        <p:spPr>
+          <a:xfrm>
+            <a:off x="8708571" y="39765"/>
+            <a:ext cx="3396344" cy="923330"/>
+          </a:xfrm>
+          <a:prstGeom prst="rect">
+            <a:avLst/>
+          </a:prstGeom>
+          <a:noFill/>
+        </p:spPr>
+        <p:txBody>
+          <a:bodyPr wrap="square" rtlCol="0">
+            <a:spAutoFit/>
+          </a:bodyPr>
+          <a:lstStyle/>
+          <a:p>
+            <a:r>
+              <a:rPr lang="en-GB" dirty="0"/>
+              <a:t>We have a list “types” containing the reactive value “log”. Initially this is set to:</a:t>
+            </a:r>
+          </a:p>
+        </p:txBody>
+      </p:sp>
+      <p:cxnSp>
+        <p:nvCxnSpPr>
+          <p:cNvPr id="20" name="Straight Arrow Connector 19">
+            <a:extLst>
+              <a:ext uri="{FF2B5EF4-FFF2-40B4-BE49-F238E27FC236}">
+                <a16:creationId xmlns:a16="http://schemas.microsoft.com/office/drawing/2014/main" id="{E1EC3416-0111-41F4-8815-190FA1CCB00A}"/>
+              </a:ext>
+            </a:extLst>
+          </p:cNvPr>
+          <p:cNvCxnSpPr>
+            <a:stCxn id="4" idx="2"/>
+            <a:endCxn id="7" idx="0"/>
+          </p:cNvCxnSpPr>
+          <p:nvPr/>
+        </p:nvCxnSpPr>
+        <p:spPr>
+          <a:xfrm>
+            <a:off x="1471749" y="2337019"/>
+            <a:ext cx="0" cy="184039"/>
+          </a:xfrm>
+          <a:prstGeom prst="straightConnector1">
+            <a:avLst/>
+          </a:prstGeom>
+          <a:ln>
+            <a:solidFill>
+              <a:schemeClr val="accent6">
+                <a:lumMod val="75000"/>
+              </a:schemeClr>
+            </a:solidFill>
+            <a:tailEnd type="triangle"/>
+          </a:ln>
+        </p:spPr>
+        <p:style>
+          <a:lnRef idx="1">
+            <a:schemeClr val="accent1"/>
+          </a:lnRef>
+          <a:fillRef idx="0">
+            <a:schemeClr val="accent1"/>
+          </a:fillRef>
+          <a:effectRef idx="0">
+            <a:schemeClr val="accent1"/>
+          </a:effectRef>
+          <a:fontRef idx="minor">
+            <a:schemeClr val="tx1"/>
+          </a:fontRef>
+        </p:style>
+      </p:cxnSp>
+      <p:cxnSp>
+        <p:nvCxnSpPr>
+          <p:cNvPr id="21" name="Straight Arrow Connector 20">
+            <a:extLst>
+              <a:ext uri="{FF2B5EF4-FFF2-40B4-BE49-F238E27FC236}">
+                <a16:creationId xmlns:a16="http://schemas.microsoft.com/office/drawing/2014/main" id="{BD198D8D-0330-42B3-84BC-0821E8CC894D}"/>
+              </a:ext>
+            </a:extLst>
+          </p:cNvPr>
+          <p:cNvCxnSpPr>
+            <a:cxnSpLocks/>
+            <a:stCxn id="7" idx="3"/>
+            <a:endCxn id="8" idx="1"/>
+          </p:cNvCxnSpPr>
+          <p:nvPr/>
+        </p:nvCxnSpPr>
+        <p:spPr>
+          <a:xfrm flipV="1">
+            <a:off x="2246811" y="2290853"/>
+            <a:ext cx="526870" cy="384094"/>
+          </a:xfrm>
+          <a:prstGeom prst="straightConnector1">
+            <a:avLst/>
+          </a:prstGeom>
+          <a:ln>
+            <a:solidFill>
+              <a:schemeClr val="accent6">
+                <a:lumMod val="75000"/>
+              </a:schemeClr>
+            </a:solidFill>
+            <a:tailEnd type="triangle"/>
+          </a:ln>
+        </p:spPr>
+        <p:style>
+          <a:lnRef idx="1">
+            <a:schemeClr val="accent1"/>
+          </a:lnRef>
+          <a:fillRef idx="0">
+            <a:schemeClr val="accent1"/>
+          </a:fillRef>
+          <a:effectRef idx="0">
+            <a:schemeClr val="accent1"/>
+          </a:effectRef>
+          <a:fontRef idx="minor">
+            <a:schemeClr val="tx1"/>
+          </a:fontRef>
+        </p:style>
+      </p:cxnSp>
+      <p:cxnSp>
+        <p:nvCxnSpPr>
+          <p:cNvPr id="24" name="Straight Arrow Connector 23">
+            <a:extLst>
+              <a:ext uri="{FF2B5EF4-FFF2-40B4-BE49-F238E27FC236}">
+                <a16:creationId xmlns:a16="http://schemas.microsoft.com/office/drawing/2014/main" id="{7268C221-70CD-4883-8406-7C85B494453B}"/>
+              </a:ext>
+            </a:extLst>
+          </p:cNvPr>
+          <p:cNvCxnSpPr>
+            <a:cxnSpLocks/>
+            <a:stCxn id="9" idx="3"/>
+            <a:endCxn id="75" idx="1"/>
+          </p:cNvCxnSpPr>
+          <p:nvPr/>
+        </p:nvCxnSpPr>
+        <p:spPr>
+          <a:xfrm>
+            <a:off x="4323806" y="3200916"/>
+            <a:ext cx="835543" cy="15516"/>
+          </a:xfrm>
+          <a:prstGeom prst="straightConnector1">
+            <a:avLst/>
+          </a:prstGeom>
+          <a:ln>
+            <a:solidFill>
+              <a:schemeClr val="accent6">
+                <a:lumMod val="75000"/>
+              </a:schemeClr>
+            </a:solidFill>
+            <a:tailEnd type="triangle"/>
+          </a:ln>
+        </p:spPr>
+        <p:style>
+          <a:lnRef idx="1">
+            <a:schemeClr val="accent1"/>
+          </a:lnRef>
+          <a:fillRef idx="0">
+            <a:schemeClr val="accent1"/>
+          </a:fillRef>
+          <a:effectRef idx="0">
+            <a:schemeClr val="accent1"/>
+          </a:effectRef>
+          <a:fontRef idx="minor">
+            <a:schemeClr val="tx1"/>
+          </a:fontRef>
+        </p:style>
+      </p:cxnSp>
+      <p:cxnSp>
+        <p:nvCxnSpPr>
+          <p:cNvPr id="27" name="Straight Arrow Connector 26">
+            <a:extLst>
+              <a:ext uri="{FF2B5EF4-FFF2-40B4-BE49-F238E27FC236}">
+                <a16:creationId xmlns:a16="http://schemas.microsoft.com/office/drawing/2014/main" id="{5D9F69C5-5744-44C9-B801-238A523C3D38}"/>
+              </a:ext>
+            </a:extLst>
+          </p:cNvPr>
+          <p:cNvCxnSpPr>
+            <a:cxnSpLocks/>
+            <a:stCxn id="10" idx="3"/>
+            <a:endCxn id="75" idx="1"/>
+          </p:cNvCxnSpPr>
+          <p:nvPr/>
+        </p:nvCxnSpPr>
+        <p:spPr>
+          <a:xfrm flipV="1">
+            <a:off x="4323806" y="3216432"/>
+            <a:ext cx="835543" cy="479049"/>
+          </a:xfrm>
+          <a:prstGeom prst="straightConnector1">
+            <a:avLst/>
+          </a:prstGeom>
+          <a:ln>
+            <a:solidFill>
+              <a:schemeClr val="accent6">
+                <a:lumMod val="75000"/>
+              </a:schemeClr>
+            </a:solidFill>
+            <a:tailEnd type="triangle"/>
+          </a:ln>
+        </p:spPr>
+        <p:style>
+          <a:lnRef idx="1">
+            <a:schemeClr val="accent1"/>
+          </a:lnRef>
+          <a:fillRef idx="0">
+            <a:schemeClr val="accent1"/>
+          </a:fillRef>
+          <a:effectRef idx="0">
+            <a:schemeClr val="accent1"/>
+          </a:effectRef>
+          <a:fontRef idx="minor">
+            <a:schemeClr val="tx1"/>
+          </a:fontRef>
+        </p:style>
+      </p:cxnSp>
+      <p:cxnSp>
+        <p:nvCxnSpPr>
+          <p:cNvPr id="30" name="Straight Arrow Connector 29">
+            <a:extLst>
+              <a:ext uri="{FF2B5EF4-FFF2-40B4-BE49-F238E27FC236}">
+                <a16:creationId xmlns:a16="http://schemas.microsoft.com/office/drawing/2014/main" id="{67EABDA4-4127-46FF-80C1-C019ACACBF86}"/>
+              </a:ext>
+            </a:extLst>
+          </p:cNvPr>
+          <p:cNvCxnSpPr>
+            <a:cxnSpLocks/>
+            <a:stCxn id="11" idx="3"/>
+            <a:endCxn id="75" idx="1"/>
+          </p:cNvCxnSpPr>
+          <p:nvPr/>
+        </p:nvCxnSpPr>
+        <p:spPr>
+          <a:xfrm flipV="1">
+            <a:off x="4323805" y="3216432"/>
+            <a:ext cx="835544" cy="935218"/>
+          </a:xfrm>
+          <a:prstGeom prst="straightConnector1">
+            <a:avLst/>
+          </a:prstGeom>
+          <a:ln>
+            <a:solidFill>
+              <a:schemeClr val="accent6">
+                <a:lumMod val="75000"/>
+              </a:schemeClr>
+            </a:solidFill>
+            <a:tailEnd type="triangle"/>
+          </a:ln>
+        </p:spPr>
+        <p:style>
+          <a:lnRef idx="1">
+            <a:schemeClr val="accent1"/>
+          </a:lnRef>
+          <a:fillRef idx="0">
+            <a:schemeClr val="accent1"/>
+          </a:fillRef>
+          <a:effectRef idx="0">
+            <a:schemeClr val="accent1"/>
+          </a:effectRef>
+          <a:fontRef idx="minor">
+            <a:schemeClr val="tx1"/>
+          </a:fontRef>
+        </p:style>
+      </p:cxnSp>
+      <p:cxnSp>
+        <p:nvCxnSpPr>
+          <p:cNvPr id="33" name="Straight Arrow Connector 32">
+            <a:extLst>
+              <a:ext uri="{FF2B5EF4-FFF2-40B4-BE49-F238E27FC236}">
+                <a16:creationId xmlns:a16="http://schemas.microsoft.com/office/drawing/2014/main" id="{08A45BCA-AAD7-4787-A0A0-AED42946701B}"/>
+              </a:ext>
+            </a:extLst>
+          </p:cNvPr>
+          <p:cNvCxnSpPr>
+            <a:cxnSpLocks/>
+            <a:stCxn id="12" idx="3"/>
+            <a:endCxn id="75" idx="1"/>
+          </p:cNvCxnSpPr>
+          <p:nvPr/>
+        </p:nvCxnSpPr>
+        <p:spPr>
+          <a:xfrm flipV="1">
+            <a:off x="4323804" y="3216432"/>
+            <a:ext cx="835545" cy="1414394"/>
+          </a:xfrm>
+          <a:prstGeom prst="straightConnector1">
+            <a:avLst/>
+          </a:prstGeom>
+          <a:ln>
+            <a:solidFill>
+              <a:schemeClr val="accent6">
+                <a:lumMod val="75000"/>
+              </a:schemeClr>
+            </a:solidFill>
+            <a:tailEnd type="triangle"/>
+          </a:ln>
+        </p:spPr>
+        <p:style>
+          <a:lnRef idx="1">
+            <a:schemeClr val="accent1"/>
+          </a:lnRef>
+          <a:fillRef idx="0">
+            <a:schemeClr val="accent1"/>
+          </a:fillRef>
+          <a:effectRef idx="0">
+            <a:schemeClr val="accent1"/>
+          </a:effectRef>
+          <a:fontRef idx="minor">
+            <a:schemeClr val="tx1"/>
+          </a:fontRef>
+        </p:style>
+      </p:cxnSp>
+      <p:sp>
+        <p:nvSpPr>
+          <p:cNvPr id="36" name="TextBox 35">
+            <a:extLst>
+              <a:ext uri="{FF2B5EF4-FFF2-40B4-BE49-F238E27FC236}">
+                <a16:creationId xmlns:a16="http://schemas.microsoft.com/office/drawing/2014/main" id="{16C34F4E-1DFC-4FF6-94B4-F9E7667D5103}"/>
+              </a:ext>
+            </a:extLst>
+          </p:cNvPr>
+          <p:cNvSpPr txBox="1"/>
+          <p:nvPr/>
+        </p:nvSpPr>
+        <p:spPr>
+          <a:xfrm>
+            <a:off x="8708571" y="1111043"/>
+            <a:ext cx="3587932" cy="923330"/>
+          </a:xfrm>
+          <a:prstGeom prst="rect">
+            <a:avLst/>
+          </a:prstGeom>
+          <a:noFill/>
+        </p:spPr>
+        <p:txBody>
+          <a:bodyPr wrap="square" rtlCol="0">
+            <a:spAutoFit/>
+          </a:bodyPr>
+          <a:lstStyle/>
+          <a:p>
             <a:r>
               <a:rPr lang="en-GB" dirty="0"/>
               <a:t>Similarly, lists “unsure” and “</a:t>
@@ -9077,10 +7670,10 @@
       </p:sp>
       <p:sp>
         <p:nvSpPr>
-          <p:cNvPr id="7" name="TextBox 6">
-            <a:extLst>
-              <a:ext uri="{FF2B5EF4-FFF2-40B4-BE49-F238E27FC236}">
-                <a16:creationId xmlns:a16="http://schemas.microsoft.com/office/drawing/2014/main" id="{707095C7-B435-497F-94A5-B27BE7602A89}"/>
+          <p:cNvPr id="37" name="TextBox 36">
+            <a:extLst>
+              <a:ext uri="{FF2B5EF4-FFF2-40B4-BE49-F238E27FC236}">
+                <a16:creationId xmlns:a16="http://schemas.microsoft.com/office/drawing/2014/main" id="{7F2658CB-A2F5-4EE3-BD05-5AB8CF8AA9C4}"/>
               </a:ext>
             </a:extLst>
           </p:cNvPr>
@@ -9132,10 +7725,10 @@
       </p:sp>
       <p:sp>
         <p:nvSpPr>
-          <p:cNvPr id="8" name="TextBox 7">
-            <a:extLst>
-              <a:ext uri="{FF2B5EF4-FFF2-40B4-BE49-F238E27FC236}">
-                <a16:creationId xmlns:a16="http://schemas.microsoft.com/office/drawing/2014/main" id="{CACCC09B-5803-4A6A-8E41-104C066042DC}"/>
+          <p:cNvPr id="38" name="TextBox 37">
+            <a:extLst>
+              <a:ext uri="{FF2B5EF4-FFF2-40B4-BE49-F238E27FC236}">
+                <a16:creationId xmlns:a16="http://schemas.microsoft.com/office/drawing/2014/main" id="{69744C9A-7330-4B30-97F0-639F12C07D51}"/>
               </a:ext>
             </a:extLst>
           </p:cNvPr>
@@ -9188,57 +7781,10 @@
       </p:sp>
       <p:sp>
         <p:nvSpPr>
-          <p:cNvPr id="9" name="Rectangle 8">
-            <a:extLst>
-              <a:ext uri="{FF2B5EF4-FFF2-40B4-BE49-F238E27FC236}">
-                <a16:creationId xmlns:a16="http://schemas.microsoft.com/office/drawing/2014/main" id="{DAC6B07B-BED2-490A-97BA-341D59CC2744}"/>
-              </a:ext>
-            </a:extLst>
-          </p:cNvPr>
-          <p:cNvSpPr/>
-          <p:nvPr/>
-        </p:nvSpPr>
-        <p:spPr>
-          <a:xfrm>
-            <a:off x="8647611" y="-1"/>
-            <a:ext cx="3544389" cy="2674947"/>
-          </a:xfrm>
-          <a:prstGeom prst="rect">
-            <a:avLst/>
-          </a:prstGeom>
-          <a:noFill/>
-        </p:spPr>
-        <p:style>
-          <a:lnRef idx="2">
-            <a:schemeClr val="accent1">
-              <a:shade val="50000"/>
-            </a:schemeClr>
-          </a:lnRef>
-          <a:fillRef idx="1">
-            <a:schemeClr val="accent1"/>
-          </a:fillRef>
-          <a:effectRef idx="0">
-            <a:schemeClr val="accent1"/>
-          </a:effectRef>
-          <a:fontRef idx="minor">
-            <a:schemeClr val="lt1"/>
-          </a:fontRef>
-        </p:style>
-        <p:txBody>
-          <a:bodyPr rtlCol="0" anchor="ctr"/>
-          <a:lstStyle/>
-          <a:p>
-            <a:pPr algn="ctr"/>
-            <a:endParaRPr lang="en-GB"/>
-          </a:p>
-        </p:txBody>
-      </p:sp>
-      <p:sp>
-        <p:nvSpPr>
-          <p:cNvPr id="10" name="TextBox 9">
-            <a:extLst>
-              <a:ext uri="{FF2B5EF4-FFF2-40B4-BE49-F238E27FC236}">
-                <a16:creationId xmlns:a16="http://schemas.microsoft.com/office/drawing/2014/main" id="{80C9166F-F1C9-4548-814F-FC56B19F708D}"/>
+          <p:cNvPr id="40" name="TextBox 39">
+            <a:extLst>
+              <a:ext uri="{FF2B5EF4-FFF2-40B4-BE49-F238E27FC236}">
+                <a16:creationId xmlns:a16="http://schemas.microsoft.com/office/drawing/2014/main" id="{005D8B23-0218-4D8C-AE42-CBD26E9B42D6}"/>
               </a:ext>
             </a:extLst>
           </p:cNvPr>
@@ -9247,8 +7793,8 @@
         </p:nvSpPr>
         <p:spPr>
           <a:xfrm>
-            <a:off x="696686" y="1690688"/>
-            <a:ext cx="1550125" cy="646331"/>
+            <a:off x="2773678" y="4915987"/>
+            <a:ext cx="1550125" cy="276999"/>
           </a:xfrm>
           <a:prstGeom prst="rect">
             <a:avLst/>
@@ -9283,18 +7829,18 @@
           <a:p>
             <a:pPr algn="ctr"/>
             <a:r>
-              <a:rPr lang="en-GB" dirty="0"/>
-              <a:t>Select update existing log</a:t>
-            </a:r>
-          </a:p>
-        </p:txBody>
-      </p:sp>
-      <p:sp>
-        <p:nvSpPr>
-          <p:cNvPr id="11" name="TextBox 10">
-            <a:extLst>
-              <a:ext uri="{FF2B5EF4-FFF2-40B4-BE49-F238E27FC236}">
-                <a16:creationId xmlns:a16="http://schemas.microsoft.com/office/drawing/2014/main" id="{39101A48-3593-4C0B-B019-973054C77BC0}"/>
+              <a:rPr lang="en-GB" sz="1200" dirty="0"/>
+              <a:t>Unsure which to use?</a:t>
+            </a:r>
+          </a:p>
+        </p:txBody>
+      </p:sp>
+      <p:sp>
+        <p:nvSpPr>
+          <p:cNvPr id="41" name="TextBox 40">
+            <a:extLst>
+              <a:ext uri="{FF2B5EF4-FFF2-40B4-BE49-F238E27FC236}">
+                <a16:creationId xmlns:a16="http://schemas.microsoft.com/office/drawing/2014/main" id="{33FFB747-35D4-4ABE-A7BE-0CCEB1455685}"/>
               </a:ext>
             </a:extLst>
           </p:cNvPr>
@@ -9303,8 +7849,167 @@
         </p:nvSpPr>
         <p:spPr>
           <a:xfrm>
-            <a:off x="696686" y="2521058"/>
-            <a:ext cx="1550125" cy="523220"/>
+            <a:off x="4545874" y="4900597"/>
+            <a:ext cx="2029095" cy="307777"/>
+          </a:xfrm>
+          <a:prstGeom prst="rect">
+            <a:avLst/>
+          </a:prstGeom>
+          <a:solidFill>
+            <a:schemeClr val="bg1">
+              <a:lumMod val="75000"/>
+            </a:schemeClr>
+          </a:solidFill>
+          <a:ln/>
+        </p:spPr>
+        <p:style>
+          <a:lnRef idx="2">
+            <a:schemeClr val="dk1"/>
+          </a:lnRef>
+          <a:fillRef idx="1">
+            <a:schemeClr val="lt1"/>
+          </a:fillRef>
+          <a:effectRef idx="0">
+            <a:schemeClr val="dk1"/>
+          </a:effectRef>
+          <a:fontRef idx="minor">
+            <a:schemeClr val="dk1"/>
+          </a:fontRef>
+        </p:style>
+        <p:txBody>
+          <a:bodyPr wrap="square" rtlCol="0">
+            <a:spAutoFit/>
+          </a:bodyPr>
+          <a:lstStyle/>
+          <a:p>
+            <a:pPr algn="ctr"/>
+            <a:r>
+              <a:rPr lang="en-GB" sz="1400" dirty="0"/>
+              <a:t>unsure$log = “unsure”</a:t>
+            </a:r>
+          </a:p>
+        </p:txBody>
+      </p:sp>
+      <p:cxnSp>
+        <p:nvCxnSpPr>
+          <p:cNvPr id="42" name="Straight Arrow Connector 41">
+            <a:extLst>
+              <a:ext uri="{FF2B5EF4-FFF2-40B4-BE49-F238E27FC236}">
+                <a16:creationId xmlns:a16="http://schemas.microsoft.com/office/drawing/2014/main" id="{EB2440EE-BAF4-4C3D-8E5F-24348894A1CD}"/>
+              </a:ext>
+            </a:extLst>
+          </p:cNvPr>
+          <p:cNvCxnSpPr>
+            <a:cxnSpLocks/>
+            <a:stCxn id="40" idx="3"/>
+            <a:endCxn id="41" idx="1"/>
+          </p:cNvCxnSpPr>
+          <p:nvPr/>
+        </p:nvCxnSpPr>
+        <p:spPr>
+          <a:xfrm flipV="1">
+            <a:off x="4323803" y="5054486"/>
+            <a:ext cx="222071" cy="1"/>
+          </a:xfrm>
+          <a:prstGeom prst="straightConnector1">
+            <a:avLst/>
+          </a:prstGeom>
+          <a:ln>
+            <a:solidFill>
+              <a:schemeClr val="accent6">
+                <a:lumMod val="75000"/>
+              </a:schemeClr>
+            </a:solidFill>
+            <a:tailEnd type="triangle"/>
+          </a:ln>
+        </p:spPr>
+        <p:style>
+          <a:lnRef idx="1">
+            <a:schemeClr val="accent1"/>
+          </a:lnRef>
+          <a:fillRef idx="0">
+            <a:schemeClr val="accent1"/>
+          </a:fillRef>
+          <a:effectRef idx="0">
+            <a:schemeClr val="accent1"/>
+          </a:effectRef>
+          <a:fontRef idx="minor">
+            <a:schemeClr val="tx1"/>
+          </a:fontRef>
+        </p:style>
+      </p:cxnSp>
+      <p:sp>
+        <p:nvSpPr>
+          <p:cNvPr id="47" name="TextBox 46">
+            <a:extLst>
+              <a:ext uri="{FF2B5EF4-FFF2-40B4-BE49-F238E27FC236}">
+                <a16:creationId xmlns:a16="http://schemas.microsoft.com/office/drawing/2014/main" id="{78D98E45-FAA5-49DF-A266-69AE4A4A516D}"/>
+              </a:ext>
+            </a:extLst>
+          </p:cNvPr>
+          <p:cNvSpPr txBox="1"/>
+          <p:nvPr/>
+        </p:nvSpPr>
+        <p:spPr>
+          <a:xfrm>
+            <a:off x="2772454" y="5272585"/>
+            <a:ext cx="1550125" cy="276999"/>
+          </a:xfrm>
+          <a:prstGeom prst="rect">
+            <a:avLst/>
+          </a:prstGeom>
+          <a:solidFill>
+            <a:schemeClr val="accent1">
+              <a:lumMod val="40000"/>
+              <a:lumOff val="60000"/>
+            </a:schemeClr>
+          </a:solidFill>
+          <a:ln/>
+        </p:spPr>
+        <p:style>
+          <a:lnRef idx="2">
+            <a:schemeClr val="accent1"/>
+          </a:lnRef>
+          <a:fillRef idx="1">
+            <a:schemeClr val="lt1"/>
+          </a:fillRef>
+          <a:effectRef idx="0">
+            <a:schemeClr val="accent1"/>
+          </a:effectRef>
+          <a:fontRef idx="minor">
+            <a:schemeClr val="dk1"/>
+          </a:fontRef>
+        </p:style>
+        <p:txBody>
+          <a:bodyPr wrap="square" rtlCol="0">
+            <a:spAutoFit/>
+          </a:bodyPr>
+          <a:lstStyle/>
+          <a:p>
+            <a:pPr algn="ctr"/>
+            <a:r>
+              <a:rPr lang="en-GB" sz="1200" dirty="0"/>
+              <a:t>Back</a:t>
+            </a:r>
+          </a:p>
+        </p:txBody>
+      </p:sp>
+      <p:sp>
+        <p:nvSpPr>
+          <p:cNvPr id="48" name="TextBox 47">
+            <a:extLst>
+              <a:ext uri="{FF2B5EF4-FFF2-40B4-BE49-F238E27FC236}">
+                <a16:creationId xmlns:a16="http://schemas.microsoft.com/office/drawing/2014/main" id="{4EC75249-17DB-4826-B4F1-A00F87BD893D}"/>
+              </a:ext>
+            </a:extLst>
+          </p:cNvPr>
+          <p:cNvSpPr txBox="1"/>
+          <p:nvPr/>
+        </p:nvSpPr>
+        <p:spPr>
+          <a:xfrm>
+            <a:off x="4545874" y="5282591"/>
+            <a:ext cx="2029096" cy="307777"/>
           </a:xfrm>
           <a:prstGeom prst="rect">
             <a:avLst/>
@@ -9340,27 +8045,86 @@
             <a:pPr algn="ctr"/>
             <a:r>
               <a:rPr lang="en-GB" sz="1400" dirty="0"/>
-              <a:t>types$log = “update”</a:t>
+              <a:t>types$log = “blank”</a:t>
+            </a:r>
+          </a:p>
+        </p:txBody>
+      </p:sp>
+      <p:sp>
+        <p:nvSpPr>
+          <p:cNvPr id="49" name="TextBox 48">
+            <a:extLst>
+              <a:ext uri="{FF2B5EF4-FFF2-40B4-BE49-F238E27FC236}">
+                <a16:creationId xmlns:a16="http://schemas.microsoft.com/office/drawing/2014/main" id="{E57592E2-6682-4783-AEA3-7FD8ADC1094E}"/>
+              </a:ext>
+            </a:extLst>
+          </p:cNvPr>
+          <p:cNvSpPr txBox="1"/>
+          <p:nvPr/>
+        </p:nvSpPr>
+        <p:spPr>
+          <a:xfrm>
+            <a:off x="4545873" y="5644485"/>
+            <a:ext cx="2029095" cy="307777"/>
+          </a:xfrm>
+          <a:prstGeom prst="rect">
+            <a:avLst/>
+          </a:prstGeom>
+          <a:solidFill>
+            <a:schemeClr val="bg1">
+              <a:lumMod val="75000"/>
+            </a:schemeClr>
+          </a:solidFill>
+          <a:ln/>
+        </p:spPr>
+        <p:style>
+          <a:lnRef idx="2">
+            <a:schemeClr val="dk1"/>
+          </a:lnRef>
+          <a:fillRef idx="1">
+            <a:schemeClr val="lt1"/>
+          </a:fillRef>
+          <a:effectRef idx="0">
+            <a:schemeClr val="dk1"/>
+          </a:effectRef>
+          <a:fontRef idx="minor">
+            <a:schemeClr val="dk1"/>
+          </a:fontRef>
+        </p:style>
+        <p:txBody>
+          <a:bodyPr wrap="square" rtlCol="0">
+            <a:spAutoFit/>
+          </a:bodyPr>
+          <a:lstStyle/>
+          <a:p>
+            <a:pPr algn="ctr"/>
+            <a:r>
+              <a:rPr lang="en-GB" sz="1400" dirty="0"/>
+              <a:t>unsure$log = “blank”</a:t>
             </a:r>
           </a:p>
         </p:txBody>
       </p:sp>
       <p:cxnSp>
         <p:nvCxnSpPr>
-          <p:cNvPr id="12" name="Straight Arrow Connector 11">
-            <a:extLst>
-              <a:ext uri="{FF2B5EF4-FFF2-40B4-BE49-F238E27FC236}">
-                <a16:creationId xmlns:a16="http://schemas.microsoft.com/office/drawing/2014/main" id="{489ABD6B-6365-4CA1-8A09-806DC098A9E6}"/>
-              </a:ext>
-            </a:extLst>
-          </p:cNvPr>
-          <p:cNvCxnSpPr/>
+          <p:cNvPr id="50" name="Straight Arrow Connector 49">
+            <a:extLst>
+              <a:ext uri="{FF2B5EF4-FFF2-40B4-BE49-F238E27FC236}">
+                <a16:creationId xmlns:a16="http://schemas.microsoft.com/office/drawing/2014/main" id="{FBACE2DF-53FE-4164-9871-4D7493978D59}"/>
+              </a:ext>
+            </a:extLst>
+          </p:cNvPr>
+          <p:cNvCxnSpPr>
+            <a:cxnSpLocks/>
+            <a:stCxn id="47" idx="3"/>
+            <a:endCxn id="48" idx="1"/>
+          </p:cNvCxnSpPr>
           <p:nvPr/>
         </p:nvCxnSpPr>
         <p:spPr>
           <a:xfrm>
-            <a:off x="1471749" y="2337019"/>
-            <a:ext cx="0" cy="184039"/>
+            <a:off x="4322579" y="5411085"/>
+            <a:ext cx="223295" cy="25395"/>
           </a:xfrm>
           <a:prstGeom prst="straightConnector1">
             <a:avLst/>
@@ -9389,12 +8153,321 @@
           </a:fontRef>
         </p:style>
       </p:cxnSp>
-      <p:sp>
-        <p:nvSpPr>
-          <p:cNvPr id="13" name="Rectangle: Rounded Corners 12">
-            <a:extLst>
-              <a:ext uri="{FF2B5EF4-FFF2-40B4-BE49-F238E27FC236}">
-                <a16:creationId xmlns:a16="http://schemas.microsoft.com/office/drawing/2014/main" id="{41092D61-F119-406C-8377-9262EFF2865C}"/>
+      <p:cxnSp>
+        <p:nvCxnSpPr>
+          <p:cNvPr id="53" name="Straight Arrow Connector 52">
+            <a:extLst>
+              <a:ext uri="{FF2B5EF4-FFF2-40B4-BE49-F238E27FC236}">
+                <a16:creationId xmlns:a16="http://schemas.microsoft.com/office/drawing/2014/main" id="{D9B308F4-6894-45FE-BB6D-F72F234DF19F}"/>
+              </a:ext>
+            </a:extLst>
+          </p:cNvPr>
+          <p:cNvCxnSpPr>
+            <a:cxnSpLocks/>
+            <a:endCxn id="49" idx="1"/>
+          </p:cNvCxnSpPr>
+          <p:nvPr/>
+        </p:nvCxnSpPr>
+        <p:spPr>
+          <a:xfrm>
+            <a:off x="4322579" y="5423782"/>
+            <a:ext cx="223294" cy="374592"/>
+          </a:xfrm>
+          <a:prstGeom prst="straightConnector1">
+            <a:avLst/>
+          </a:prstGeom>
+          <a:ln>
+            <a:solidFill>
+              <a:schemeClr val="accent6">
+                <a:lumMod val="75000"/>
+              </a:schemeClr>
+            </a:solidFill>
+            <a:tailEnd type="triangle"/>
+          </a:ln>
+        </p:spPr>
+        <p:style>
+          <a:lnRef idx="1">
+            <a:schemeClr val="accent1"/>
+          </a:lnRef>
+          <a:fillRef idx="0">
+            <a:schemeClr val="accent1"/>
+          </a:fillRef>
+          <a:effectRef idx="0">
+            <a:schemeClr val="accent1"/>
+          </a:effectRef>
+          <a:fontRef idx="minor">
+            <a:schemeClr val="tx1"/>
+          </a:fontRef>
+        </p:style>
+      </p:cxnSp>
+      <p:cxnSp>
+        <p:nvCxnSpPr>
+          <p:cNvPr id="58" name="Connector: Elbow 57">
+            <a:extLst>
+              <a:ext uri="{FF2B5EF4-FFF2-40B4-BE49-F238E27FC236}">
+                <a16:creationId xmlns:a16="http://schemas.microsoft.com/office/drawing/2014/main" id="{C25370D8-6AE0-4AAC-98B4-F06569E09116}"/>
+              </a:ext>
+            </a:extLst>
+          </p:cNvPr>
+          <p:cNvCxnSpPr>
+            <a:cxnSpLocks/>
+            <a:stCxn id="56" idx="2"/>
+            <a:endCxn id="4" idx="1"/>
+          </p:cNvCxnSpPr>
+          <p:nvPr/>
+        </p:nvCxnSpPr>
+        <p:spPr>
+          <a:xfrm rot="5400000" flipH="1">
+            <a:off x="1138576" y="1571964"/>
+            <a:ext cx="3977371" cy="4861152"/>
+          </a:xfrm>
+          <a:prstGeom prst="bentConnector4">
+            <a:avLst>
+              <a:gd name="adj1" fmla="val -5748"/>
+              <a:gd name="adj2" fmla="val 104703"/>
+            </a:avLst>
+          </a:prstGeom>
+          <a:ln>
+            <a:solidFill>
+              <a:schemeClr val="accent6">
+                <a:lumMod val="75000"/>
+              </a:schemeClr>
+            </a:solidFill>
+            <a:tailEnd type="triangle"/>
+          </a:ln>
+        </p:spPr>
+        <p:style>
+          <a:lnRef idx="1">
+            <a:schemeClr val="accent1"/>
+          </a:lnRef>
+          <a:fillRef idx="0">
+            <a:schemeClr val="accent1"/>
+          </a:fillRef>
+          <a:effectRef idx="0">
+            <a:schemeClr val="accent1"/>
+          </a:effectRef>
+          <a:fontRef idx="minor">
+            <a:schemeClr val="tx1"/>
+          </a:fontRef>
+        </p:style>
+      </p:cxnSp>
+      <p:sp>
+        <p:nvSpPr>
+          <p:cNvPr id="60" name="TextBox 59">
+            <a:extLst>
+              <a:ext uri="{FF2B5EF4-FFF2-40B4-BE49-F238E27FC236}">
+                <a16:creationId xmlns:a16="http://schemas.microsoft.com/office/drawing/2014/main" id="{59A9A544-381D-4966-8020-38F8AFAA0927}"/>
+              </a:ext>
+            </a:extLst>
+          </p:cNvPr>
+          <p:cNvSpPr txBox="1"/>
+          <p:nvPr/>
+        </p:nvSpPr>
+        <p:spPr>
+          <a:xfrm>
+            <a:off x="6794864" y="4900597"/>
+            <a:ext cx="1550125" cy="461665"/>
+          </a:xfrm>
+          <a:prstGeom prst="rect">
+            <a:avLst/>
+          </a:prstGeom>
+          <a:solidFill>
+            <a:schemeClr val="accent1">
+              <a:lumMod val="40000"/>
+              <a:lumOff val="60000"/>
+            </a:schemeClr>
+          </a:solidFill>
+          <a:ln/>
+        </p:spPr>
+        <p:style>
+          <a:lnRef idx="2">
+            <a:schemeClr val="accent1"/>
+          </a:lnRef>
+          <a:fillRef idx="1">
+            <a:schemeClr val="lt1"/>
+          </a:fillRef>
+          <a:effectRef idx="0">
+            <a:schemeClr val="accent1"/>
+          </a:effectRef>
+          <a:fontRef idx="minor">
+            <a:schemeClr val="dk1"/>
+          </a:fontRef>
+        </p:style>
+        <p:txBody>
+          <a:bodyPr wrap="square" rtlCol="0">
+            <a:spAutoFit/>
+          </a:bodyPr>
+          <a:lstStyle/>
+          <a:p>
+            <a:pPr algn="ctr"/>
+            <a:r>
+              <a:rPr lang="en-GB" sz="1200" dirty="0"/>
+              <a:t>More info is shown about each log</a:t>
+            </a:r>
+          </a:p>
+        </p:txBody>
+      </p:sp>
+      <p:cxnSp>
+        <p:nvCxnSpPr>
+          <p:cNvPr id="61" name="Straight Arrow Connector 60">
+            <a:extLst>
+              <a:ext uri="{FF2B5EF4-FFF2-40B4-BE49-F238E27FC236}">
+                <a16:creationId xmlns:a16="http://schemas.microsoft.com/office/drawing/2014/main" id="{A042B8BF-7427-4B19-9EE6-E82C79125908}"/>
+              </a:ext>
+            </a:extLst>
+          </p:cNvPr>
+          <p:cNvCxnSpPr>
+            <a:cxnSpLocks/>
+            <a:stCxn id="41" idx="3"/>
+            <a:endCxn id="60" idx="1"/>
+          </p:cNvCxnSpPr>
+          <p:nvPr/>
+        </p:nvCxnSpPr>
+        <p:spPr>
+          <a:xfrm>
+            <a:off x="6574969" y="5054486"/>
+            <a:ext cx="219895" cy="76944"/>
+          </a:xfrm>
+          <a:prstGeom prst="straightConnector1">
+            <a:avLst/>
+          </a:prstGeom>
+          <a:ln>
+            <a:solidFill>
+              <a:schemeClr val="accent6">
+                <a:lumMod val="75000"/>
+              </a:schemeClr>
+            </a:solidFill>
+            <a:tailEnd type="triangle"/>
+          </a:ln>
+        </p:spPr>
+        <p:style>
+          <a:lnRef idx="1">
+            <a:schemeClr val="accent1"/>
+          </a:lnRef>
+          <a:fillRef idx="0">
+            <a:schemeClr val="accent1"/>
+          </a:fillRef>
+          <a:effectRef idx="0">
+            <a:schemeClr val="accent1"/>
+          </a:effectRef>
+          <a:fontRef idx="minor">
+            <a:schemeClr val="tx1"/>
+          </a:fontRef>
+        </p:style>
+      </p:cxnSp>
+      <p:cxnSp>
+        <p:nvCxnSpPr>
+          <p:cNvPr id="71" name="Connector: Elbow 70">
+            <a:extLst>
+              <a:ext uri="{FF2B5EF4-FFF2-40B4-BE49-F238E27FC236}">
+                <a16:creationId xmlns:a16="http://schemas.microsoft.com/office/drawing/2014/main" id="{25FAA54E-2F0D-404D-8458-22588CF14C7C}"/>
+              </a:ext>
+            </a:extLst>
+          </p:cNvPr>
+          <p:cNvCxnSpPr>
+            <a:cxnSpLocks/>
+            <a:stCxn id="60" idx="2"/>
+            <a:endCxn id="8" idx="1"/>
+          </p:cNvCxnSpPr>
+          <p:nvPr/>
+        </p:nvCxnSpPr>
+        <p:spPr>
+          <a:xfrm rot="5400000" flipH="1">
+            <a:off x="3636099" y="1428435"/>
+            <a:ext cx="3071409" cy="4796246"/>
+          </a:xfrm>
+          <a:prstGeom prst="bentConnector4">
+            <a:avLst>
+              <a:gd name="adj1" fmla="val -37711"/>
+              <a:gd name="adj2" fmla="val 104766"/>
+            </a:avLst>
+          </a:prstGeom>
+          <a:ln>
+            <a:solidFill>
+              <a:schemeClr val="accent6">
+                <a:lumMod val="75000"/>
+              </a:schemeClr>
+            </a:solidFill>
+            <a:tailEnd type="triangle"/>
+          </a:ln>
+        </p:spPr>
+        <p:style>
+          <a:lnRef idx="1">
+            <a:schemeClr val="accent1"/>
+          </a:lnRef>
+          <a:fillRef idx="0">
+            <a:schemeClr val="accent1"/>
+          </a:fillRef>
+          <a:effectRef idx="0">
+            <a:schemeClr val="accent1"/>
+          </a:effectRef>
+          <a:fontRef idx="minor">
+            <a:schemeClr val="tx1"/>
+          </a:fontRef>
+        </p:style>
+      </p:cxnSp>
+      <p:sp>
+        <p:nvSpPr>
+          <p:cNvPr id="76" name="TextBox 75">
+            <a:extLst>
+              <a:ext uri="{FF2B5EF4-FFF2-40B4-BE49-F238E27FC236}">
+                <a16:creationId xmlns:a16="http://schemas.microsoft.com/office/drawing/2014/main" id="{55BF0E79-2093-4553-BAB1-FA56DB803ED2}"/>
+              </a:ext>
+            </a:extLst>
+          </p:cNvPr>
+          <p:cNvSpPr txBox="1"/>
+          <p:nvPr/>
+        </p:nvSpPr>
+        <p:spPr>
+          <a:xfrm>
+            <a:off x="5700340" y="3413607"/>
+            <a:ext cx="1786146" cy="307777"/>
+          </a:xfrm>
+          <a:prstGeom prst="rect">
+            <a:avLst/>
+          </a:prstGeom>
+          <a:solidFill>
+            <a:schemeClr val="accent6">
+              <a:lumMod val="60000"/>
+              <a:lumOff val="40000"/>
+            </a:schemeClr>
+          </a:solidFill>
+          <a:ln/>
+        </p:spPr>
+        <p:style>
+          <a:lnRef idx="2">
+            <a:schemeClr val="accent6"/>
+          </a:lnRef>
+          <a:fillRef idx="1">
+            <a:schemeClr val="lt1"/>
+          </a:fillRef>
+          <a:effectRef idx="0">
+            <a:schemeClr val="accent6"/>
+          </a:effectRef>
+          <a:fontRef idx="minor">
+            <a:schemeClr val="dk1"/>
+          </a:fontRef>
+        </p:style>
+        <p:txBody>
+          <a:bodyPr wrap="square" rtlCol="0">
+            <a:spAutoFit/>
+          </a:bodyPr>
+          <a:lstStyle/>
+          <a:p>
+            <a:pPr algn="ctr"/>
+            <a:r>
+              <a:rPr lang="en-GB" sz="1400" dirty="0"/>
+              <a:t>nexttab$log = “next”</a:t>
+            </a:r>
+          </a:p>
+        </p:txBody>
+      </p:sp>
+      <p:sp>
+        <p:nvSpPr>
+          <p:cNvPr id="100" name="Rectangle 99">
+            <a:extLst>
+              <a:ext uri="{FF2B5EF4-FFF2-40B4-BE49-F238E27FC236}">
+                <a16:creationId xmlns:a16="http://schemas.microsoft.com/office/drawing/2014/main" id="{BD3CCEEF-A6FB-415A-B1F1-787CB1363704}"/>
               </a:ext>
             </a:extLst>
           </p:cNvPr>
@@ -9403,8 +8476,55 @@
         </p:nvSpPr>
         <p:spPr>
           <a:xfrm>
-            <a:off x="2640769" y="1540276"/>
-            <a:ext cx="1813497" cy="3205895"/>
+            <a:off x="8647611" y="-1"/>
+            <a:ext cx="3544389" cy="2674947"/>
+          </a:xfrm>
+          <a:prstGeom prst="rect">
+            <a:avLst/>
+          </a:prstGeom>
+          <a:noFill/>
+        </p:spPr>
+        <p:style>
+          <a:lnRef idx="2">
+            <a:schemeClr val="accent1">
+              <a:shade val="50000"/>
+            </a:schemeClr>
+          </a:lnRef>
+          <a:fillRef idx="1">
+            <a:schemeClr val="accent1"/>
+          </a:fillRef>
+          <a:effectRef idx="0">
+            <a:schemeClr val="accent1"/>
+          </a:effectRef>
+          <a:fontRef idx="minor">
+            <a:schemeClr val="lt1"/>
+          </a:fontRef>
+        </p:style>
+        <p:txBody>
+          <a:bodyPr rtlCol="0" anchor="ctr"/>
+          <a:lstStyle/>
+          <a:p>
+            <a:pPr algn="ctr"/>
+            <a:endParaRPr lang="en-GB"/>
+          </a:p>
+        </p:txBody>
+      </p:sp>
+      <p:sp>
+        <p:nvSpPr>
+          <p:cNvPr id="101" name="Rectangle: Rounded Corners 100">
+            <a:extLst>
+              <a:ext uri="{FF2B5EF4-FFF2-40B4-BE49-F238E27FC236}">
+                <a16:creationId xmlns:a16="http://schemas.microsoft.com/office/drawing/2014/main" id="{0C84B5A5-1A09-491B-9DDA-DD1DD6219D36}"/>
+              </a:ext>
+            </a:extLst>
+          </p:cNvPr>
+          <p:cNvSpPr/>
+          <p:nvPr/>
+        </p:nvSpPr>
+        <p:spPr>
+          <a:xfrm>
+            <a:off x="10291418" y="2735068"/>
+            <a:ext cx="1813497" cy="2858814"/>
           </a:xfrm>
           <a:prstGeom prst="roundRect">
             <a:avLst/>
@@ -9443,10 +8563,10 @@
       </p:sp>
       <p:sp>
         <p:nvSpPr>
-          <p:cNvPr id="14" name="TextBox 13">
-            <a:extLst>
-              <a:ext uri="{FF2B5EF4-FFF2-40B4-BE49-F238E27FC236}">
-                <a16:creationId xmlns:a16="http://schemas.microsoft.com/office/drawing/2014/main" id="{788AE908-CC7C-439F-B84E-CD6640E8AC9B}"/>
+          <p:cNvPr id="102" name="TextBox 101">
+            <a:extLst>
+              <a:ext uri="{FF2B5EF4-FFF2-40B4-BE49-F238E27FC236}">
+                <a16:creationId xmlns:a16="http://schemas.microsoft.com/office/drawing/2014/main" id="{79EDA5FF-5EF2-4802-AC79-5988798CBDF5}"/>
               </a:ext>
             </a:extLst>
           </p:cNvPr>
@@ -9455,8 +8575,8 @@
         </p:nvSpPr>
         <p:spPr>
           <a:xfrm>
-            <a:off x="2773681" y="1690688"/>
-            <a:ext cx="1550125" cy="1200329"/>
+            <a:off x="10424330" y="2885479"/>
+            <a:ext cx="1550125" cy="923330"/>
           </a:xfrm>
           <a:prstGeom prst="rect">
             <a:avLst/>
@@ -9492,17 +8612,17 @@
             <a:pPr algn="ctr"/>
             <a:r>
               <a:rPr lang="en-GB" dirty="0"/>
-              <a:t>A new panel is shown with following options:</a:t>
-            </a:r>
-          </a:p>
-        </p:txBody>
-      </p:sp>
-      <p:sp>
-        <p:nvSpPr>
-          <p:cNvPr id="15" name="TextBox 14">
-            <a:extLst>
-              <a:ext uri="{FF2B5EF4-FFF2-40B4-BE49-F238E27FC236}">
-                <a16:creationId xmlns:a16="http://schemas.microsoft.com/office/drawing/2014/main" id="{F81CEF0C-2D73-4EE7-BDE9-3501EB1437E0}"/>
+              <a:t>A new panel is created containing:</a:t>
+            </a:r>
+          </a:p>
+        </p:txBody>
+      </p:sp>
+      <p:sp>
+        <p:nvSpPr>
+          <p:cNvPr id="103" name="TextBox 102">
+            <a:extLst>
+              <a:ext uri="{FF2B5EF4-FFF2-40B4-BE49-F238E27FC236}">
+                <a16:creationId xmlns:a16="http://schemas.microsoft.com/office/drawing/2014/main" id="{EF16A21C-4450-461D-8C71-6D6825E933FC}"/>
               </a:ext>
             </a:extLst>
           </p:cNvPr>
@@ -9511,7 +8631,7 @@
         </p:nvSpPr>
         <p:spPr>
           <a:xfrm>
-            <a:off x="2773681" y="3016250"/>
+            <a:off x="10424330" y="3880107"/>
             <a:ext cx="1550125" cy="646331"/>
           </a:xfrm>
           <a:prstGeom prst="rect">
@@ -9555,10 +8675,10 @@
       </p:sp>
       <p:sp>
         <p:nvSpPr>
-          <p:cNvPr id="21" name="TextBox 20">
-            <a:extLst>
-              <a:ext uri="{FF2B5EF4-FFF2-40B4-BE49-F238E27FC236}">
-                <a16:creationId xmlns:a16="http://schemas.microsoft.com/office/drawing/2014/main" id="{D267B0BB-5EE0-42D3-96C0-693B948DBF18}"/>
+          <p:cNvPr id="104" name="TextBox 103">
+            <a:extLst>
+              <a:ext uri="{FF2B5EF4-FFF2-40B4-BE49-F238E27FC236}">
+                <a16:creationId xmlns:a16="http://schemas.microsoft.com/office/drawing/2014/main" id="{631DBFB1-268C-4C6F-BC09-43908E1076B0}"/>
               </a:ext>
             </a:extLst>
           </p:cNvPr>
@@ -9567,7 +8687,7 @@
         </p:nvSpPr>
         <p:spPr>
           <a:xfrm>
-            <a:off x="2773681" y="4301621"/>
+            <a:off x="10424330" y="5165478"/>
             <a:ext cx="1550125" cy="276999"/>
           </a:xfrm>
           <a:prstGeom prst="rect">
@@ -9609,24 +8729,117 @@
           </a:p>
         </p:txBody>
       </p:sp>
+      <p:sp>
+        <p:nvSpPr>
+          <p:cNvPr id="107" name="TextBox 106">
+            <a:extLst>
+              <a:ext uri="{FF2B5EF4-FFF2-40B4-BE49-F238E27FC236}">
+                <a16:creationId xmlns:a16="http://schemas.microsoft.com/office/drawing/2014/main" id="{92111A2D-21B5-4678-BFB7-D8540025B485}"/>
+              </a:ext>
+            </a:extLst>
+          </p:cNvPr>
+          <p:cNvSpPr txBox="1"/>
+          <p:nvPr/>
+        </p:nvSpPr>
+        <p:spPr>
+          <a:xfrm>
+            <a:off x="10423103" y="4634552"/>
+            <a:ext cx="1550125" cy="461665"/>
+          </a:xfrm>
+          <a:prstGeom prst="rect">
+            <a:avLst/>
+          </a:prstGeom>
+          <a:solidFill>
+            <a:schemeClr val="accent1">
+              <a:lumMod val="40000"/>
+              <a:lumOff val="60000"/>
+            </a:schemeClr>
+          </a:solidFill>
+          <a:ln/>
+        </p:spPr>
+        <p:style>
+          <a:lnRef idx="2">
+            <a:schemeClr val="accent1"/>
+          </a:lnRef>
+          <a:fillRef idx="1">
+            <a:schemeClr val="lt1"/>
+          </a:fillRef>
+          <a:effectRef idx="0">
+            <a:schemeClr val="accent1"/>
+          </a:effectRef>
+          <a:fontRef idx="minor">
+            <a:schemeClr val="dk1"/>
+          </a:fontRef>
+        </p:style>
+        <p:txBody>
+          <a:bodyPr wrap="square" rtlCol="0">
+            <a:spAutoFit/>
+          </a:bodyPr>
+          <a:lstStyle/>
+          <a:p>
+            <a:pPr algn="ctr"/>
+            <a:r>
+              <a:rPr lang="en-GB" sz="1200" dirty="0"/>
+              <a:t>Error message (initially blank)</a:t>
+            </a:r>
+          </a:p>
+        </p:txBody>
+      </p:sp>
+      <p:sp>
+        <p:nvSpPr>
+          <p:cNvPr id="108" name="TextBox 107">
+            <a:extLst>
+              <a:ext uri="{FF2B5EF4-FFF2-40B4-BE49-F238E27FC236}">
+                <a16:creationId xmlns:a16="http://schemas.microsoft.com/office/drawing/2014/main" id="{F6AE0F37-2016-4AE7-9F17-8AAC9CDD366D}"/>
+              </a:ext>
+            </a:extLst>
+          </p:cNvPr>
+          <p:cNvSpPr txBox="1"/>
+          <p:nvPr/>
+        </p:nvSpPr>
+        <p:spPr>
+          <a:xfrm>
+            <a:off x="8647610" y="5681708"/>
+            <a:ext cx="3544389" cy="1077218"/>
+          </a:xfrm>
+          <a:prstGeom prst="rect">
+            <a:avLst/>
+          </a:prstGeom>
+          <a:noFill/>
+        </p:spPr>
+        <p:txBody>
+          <a:bodyPr wrap="square" rtlCol="0">
+            <a:spAutoFit/>
+          </a:bodyPr>
+          <a:lstStyle/>
+          <a:p>
+            <a:r>
+              <a:rPr lang="en-GB" sz="1600" dirty="0"/>
+              <a:t>These panels are not accessible for the user since the tab has already been switched – but it is necessary to create the projectID and QAlogtype input boxes</a:t>
+            </a:r>
+          </a:p>
+        </p:txBody>
+      </p:sp>
       <p:cxnSp>
         <p:nvCxnSpPr>
-          <p:cNvPr id="24" name="Straight Arrow Connector 23">
-            <a:extLst>
-              <a:ext uri="{FF2B5EF4-FFF2-40B4-BE49-F238E27FC236}">
-                <a16:creationId xmlns:a16="http://schemas.microsoft.com/office/drawing/2014/main" id="{49DB5DB6-AE9F-47A7-A2DD-C0F757960B77}"/>
+          <p:cNvPr id="109" name="Straight Arrow Connector 108">
+            <a:extLst>
+              <a:ext uri="{FF2B5EF4-FFF2-40B4-BE49-F238E27FC236}">
+                <a16:creationId xmlns:a16="http://schemas.microsoft.com/office/drawing/2014/main" id="{BC5F31F4-FDA5-4C07-8451-0E2293F4D0A0}"/>
               </a:ext>
             </a:extLst>
           </p:cNvPr>
           <p:cNvCxnSpPr>
             <a:cxnSpLocks/>
+            <a:stCxn id="13" idx="3"/>
+            <a:endCxn id="102" idx="1"/>
           </p:cNvCxnSpPr>
           <p:nvPr/>
         </p:nvCxnSpPr>
         <p:spPr>
-          <a:xfrm flipV="1">
-            <a:off x="2246811" y="2290853"/>
-            <a:ext cx="526870" cy="384094"/>
+          <a:xfrm>
+            <a:off x="7649735" y="2158013"/>
+            <a:ext cx="2774595" cy="1189131"/>
           </a:xfrm>
           <a:prstGeom prst="straightConnector1">
             <a:avLst/>
@@ -9655,12 +8868,155 @@
           </a:fontRef>
         </p:style>
       </p:cxnSp>
-      <p:sp>
-        <p:nvSpPr>
-          <p:cNvPr id="25" name="Rectangle: Rounded Corners 24">
-            <a:extLst>
-              <a:ext uri="{FF2B5EF4-FFF2-40B4-BE49-F238E27FC236}">
-                <a16:creationId xmlns:a16="http://schemas.microsoft.com/office/drawing/2014/main" id="{43568536-6390-4AD8-9D5D-25994E55A2A0}"/>
+      <p:cxnSp>
+        <p:nvCxnSpPr>
+          <p:cNvPr id="112" name="Straight Arrow Connector 111">
+            <a:extLst>
+              <a:ext uri="{FF2B5EF4-FFF2-40B4-BE49-F238E27FC236}">
+                <a16:creationId xmlns:a16="http://schemas.microsoft.com/office/drawing/2014/main" id="{3A81DAE0-4396-4CC3-96B8-AC8B26034351}"/>
+              </a:ext>
+            </a:extLst>
+          </p:cNvPr>
+          <p:cNvCxnSpPr>
+            <a:cxnSpLocks/>
+            <a:stCxn id="14" idx="3"/>
+            <a:endCxn id="102" idx="1"/>
+          </p:cNvCxnSpPr>
+          <p:nvPr/>
+        </p:nvCxnSpPr>
+        <p:spPr>
+          <a:xfrm>
+            <a:off x="7649735" y="2510531"/>
+            <a:ext cx="2774595" cy="836613"/>
+          </a:xfrm>
+          <a:prstGeom prst="straightConnector1">
+            <a:avLst/>
+          </a:prstGeom>
+          <a:ln>
+            <a:solidFill>
+              <a:schemeClr val="accent6">
+                <a:lumMod val="75000"/>
+              </a:schemeClr>
+            </a:solidFill>
+            <a:tailEnd type="triangle"/>
+          </a:ln>
+        </p:spPr>
+        <p:style>
+          <a:lnRef idx="1">
+            <a:schemeClr val="accent1"/>
+          </a:lnRef>
+          <a:fillRef idx="0">
+            <a:schemeClr val="accent1"/>
+          </a:fillRef>
+          <a:effectRef idx="0">
+            <a:schemeClr val="accent1"/>
+          </a:effectRef>
+          <a:fontRef idx="minor">
+            <a:schemeClr val="tx1"/>
+          </a:fontRef>
+        </p:style>
+      </p:cxnSp>
+      <p:cxnSp>
+        <p:nvCxnSpPr>
+          <p:cNvPr id="115" name="Straight Arrow Connector 114">
+            <a:extLst>
+              <a:ext uri="{FF2B5EF4-FFF2-40B4-BE49-F238E27FC236}">
+                <a16:creationId xmlns:a16="http://schemas.microsoft.com/office/drawing/2014/main" id="{A1D43DFC-2DF8-4218-96F6-D74B6D40F000}"/>
+              </a:ext>
+            </a:extLst>
+          </p:cNvPr>
+          <p:cNvCxnSpPr>
+            <a:cxnSpLocks/>
+            <a:stCxn id="15" idx="3"/>
+            <a:endCxn id="102" idx="1"/>
+          </p:cNvCxnSpPr>
+          <p:nvPr/>
+        </p:nvCxnSpPr>
+        <p:spPr>
+          <a:xfrm>
+            <a:off x="7649735" y="2851286"/>
+            <a:ext cx="2774595" cy="495858"/>
+          </a:xfrm>
+          <a:prstGeom prst="straightConnector1">
+            <a:avLst/>
+          </a:prstGeom>
+          <a:ln>
+            <a:solidFill>
+              <a:schemeClr val="accent6">
+                <a:lumMod val="75000"/>
+              </a:schemeClr>
+            </a:solidFill>
+            <a:tailEnd type="triangle"/>
+          </a:ln>
+        </p:spPr>
+        <p:style>
+          <a:lnRef idx="1">
+            <a:schemeClr val="accent1"/>
+          </a:lnRef>
+          <a:fillRef idx="0">
+            <a:schemeClr val="accent1"/>
+          </a:fillRef>
+          <a:effectRef idx="0">
+            <a:schemeClr val="accent1"/>
+          </a:effectRef>
+          <a:fontRef idx="minor">
+            <a:schemeClr val="tx1"/>
+          </a:fontRef>
+        </p:style>
+      </p:cxnSp>
+      <p:cxnSp>
+        <p:nvCxnSpPr>
+          <p:cNvPr id="118" name="Straight Arrow Connector 117">
+            <a:extLst>
+              <a:ext uri="{FF2B5EF4-FFF2-40B4-BE49-F238E27FC236}">
+                <a16:creationId xmlns:a16="http://schemas.microsoft.com/office/drawing/2014/main" id="{191047BB-821B-48F9-BD6F-B37D9A8D86FC}"/>
+              </a:ext>
+            </a:extLst>
+          </p:cNvPr>
+          <p:cNvCxnSpPr>
+            <a:cxnSpLocks/>
+            <a:stCxn id="16" idx="3"/>
+          </p:cNvCxnSpPr>
+          <p:nvPr/>
+        </p:nvCxnSpPr>
+        <p:spPr>
+          <a:xfrm>
+            <a:off x="7639429" y="3205603"/>
+            <a:ext cx="2783674" cy="153888"/>
+          </a:xfrm>
+          <a:prstGeom prst="straightConnector1">
+            <a:avLst/>
+          </a:prstGeom>
+          <a:ln>
+            <a:solidFill>
+              <a:schemeClr val="accent6">
+                <a:lumMod val="75000"/>
+              </a:schemeClr>
+            </a:solidFill>
+            <a:tailEnd type="triangle"/>
+          </a:ln>
+        </p:spPr>
+        <p:style>
+          <a:lnRef idx="1">
+            <a:schemeClr val="accent1"/>
+          </a:lnRef>
+          <a:fillRef idx="0">
+            <a:schemeClr val="accent1"/>
+          </a:fillRef>
+          <a:effectRef idx="0">
+            <a:schemeClr val="accent1"/>
+          </a:effectRef>
+          <a:fontRef idx="minor">
+            <a:schemeClr val="tx1"/>
+          </a:fontRef>
+        </p:style>
+      </p:cxnSp>
+      <p:sp>
+        <p:nvSpPr>
+          <p:cNvPr id="125" name="Rectangle: Rounded Corners 124">
+            <a:extLst>
+              <a:ext uri="{FF2B5EF4-FFF2-40B4-BE49-F238E27FC236}">
+                <a16:creationId xmlns:a16="http://schemas.microsoft.com/office/drawing/2014/main" id="{6EE4E3B4-CDA5-415E-9A17-FA605E16225F}"/>
               </a:ext>
             </a:extLst>
           </p:cNvPr>
@@ -9669,13 +9025,11 @@
         </p:nvSpPr>
         <p:spPr>
           <a:xfrm>
-            <a:off x="2546307" y="5204171"/>
-            <a:ext cx="2124075" cy="755650"/>
+            <a:off x="8420068" y="3498510"/>
+            <a:ext cx="1813497" cy="1912575"/>
           </a:xfrm>
           <a:prstGeom prst="roundRect">
-            <a:avLst>
-              <a:gd name="adj" fmla="val 6355"/>
-            </a:avLst>
+            <a:avLst/>
           </a:prstGeom>
           <a:solidFill>
             <a:schemeClr val="accent4">
@@ -9711,10 +9065,10 @@
       </p:sp>
       <p:sp>
         <p:nvSpPr>
-          <p:cNvPr id="26" name="TextBox 25">
-            <a:extLst>
-              <a:ext uri="{FF2B5EF4-FFF2-40B4-BE49-F238E27FC236}">
-                <a16:creationId xmlns:a16="http://schemas.microsoft.com/office/drawing/2014/main" id="{F3E0EA16-AB5E-42EC-B61D-F9A0B0ED3841}"/>
+          <p:cNvPr id="126" name="TextBox 125">
+            <a:extLst>
+              <a:ext uri="{FF2B5EF4-FFF2-40B4-BE49-F238E27FC236}">
+                <a16:creationId xmlns:a16="http://schemas.microsoft.com/office/drawing/2014/main" id="{4DE45CC4-994C-4FD8-A996-5EC9FA20B3E5}"/>
               </a:ext>
             </a:extLst>
           </p:cNvPr>
@@ -9723,8 +9077,233 @@
         </p:nvSpPr>
         <p:spPr>
           <a:xfrm>
-            <a:off x="2596381" y="5251187"/>
-            <a:ext cx="2029096" cy="307777"/>
+            <a:off x="8551753" y="3617566"/>
+            <a:ext cx="1550125" cy="923330"/>
+          </a:xfrm>
+          <a:prstGeom prst="rect">
+            <a:avLst/>
+          </a:prstGeom>
+          <a:solidFill>
+            <a:schemeClr val="accent1">
+              <a:lumMod val="40000"/>
+              <a:lumOff val="60000"/>
+            </a:schemeClr>
+          </a:solidFill>
+          <a:ln/>
+        </p:spPr>
+        <p:style>
+          <a:lnRef idx="2">
+            <a:schemeClr val="accent1"/>
+          </a:lnRef>
+          <a:fillRef idx="1">
+            <a:schemeClr val="lt1"/>
+          </a:fillRef>
+          <a:effectRef idx="0">
+            <a:schemeClr val="accent1"/>
+          </a:effectRef>
+          <a:fontRef idx="minor">
+            <a:schemeClr val="dk1"/>
+          </a:fontRef>
+        </p:style>
+        <p:txBody>
+          <a:bodyPr wrap="square" rtlCol="0">
+            <a:spAutoFit/>
+          </a:bodyPr>
+          <a:lstStyle/>
+          <a:p>
+            <a:pPr algn="ctr"/>
+            <a:r>
+              <a:rPr lang="en-GB" dirty="0"/>
+              <a:t>A new panel is created containing:</a:t>
+            </a:r>
+          </a:p>
+        </p:txBody>
+      </p:sp>
+      <p:sp>
+        <p:nvSpPr>
+          <p:cNvPr id="127" name="TextBox 126">
+            <a:extLst>
+              <a:ext uri="{FF2B5EF4-FFF2-40B4-BE49-F238E27FC236}">
+                <a16:creationId xmlns:a16="http://schemas.microsoft.com/office/drawing/2014/main" id="{4F6E8927-F45B-481F-9B47-81E623F2E0FC}"/>
+              </a:ext>
+            </a:extLst>
+          </p:cNvPr>
+          <p:cNvSpPr txBox="1"/>
+          <p:nvPr/>
+        </p:nvSpPr>
+        <p:spPr>
+          <a:xfrm>
+            <a:off x="8541305" y="4622683"/>
+            <a:ext cx="1550125" cy="646331"/>
+          </a:xfrm>
+          <a:prstGeom prst="rect">
+            <a:avLst/>
+          </a:prstGeom>
+          <a:solidFill>
+            <a:schemeClr val="accent1">
+              <a:lumMod val="40000"/>
+              <a:lumOff val="60000"/>
+            </a:schemeClr>
+          </a:solidFill>
+          <a:ln/>
+        </p:spPr>
+        <p:style>
+          <a:lnRef idx="2">
+            <a:schemeClr val="accent1"/>
+          </a:lnRef>
+          <a:fillRef idx="1">
+            <a:schemeClr val="lt1"/>
+          </a:fillRef>
+          <a:effectRef idx="0">
+            <a:schemeClr val="accent1"/>
+          </a:effectRef>
+          <a:fontRef idx="minor">
+            <a:schemeClr val="dk1"/>
+          </a:fontRef>
+        </p:style>
+        <p:txBody>
+          <a:bodyPr wrap="square" rtlCol="0">
+            <a:spAutoFit/>
+          </a:bodyPr>
+          <a:lstStyle/>
+          <a:p>
+            <a:pPr algn="ctr"/>
+            <a:r>
+              <a:rPr lang="en-GB" dirty="0"/>
+              <a:t>Submit QAlogtype</a:t>
+            </a:r>
+          </a:p>
+        </p:txBody>
+      </p:sp>
+      <p:cxnSp>
+        <p:nvCxnSpPr>
+          <p:cNvPr id="128" name="Straight Arrow Connector 127">
+            <a:extLst>
+              <a:ext uri="{FF2B5EF4-FFF2-40B4-BE49-F238E27FC236}">
+                <a16:creationId xmlns:a16="http://schemas.microsoft.com/office/drawing/2014/main" id="{D4B97990-2942-4205-87EB-E296644BF910}"/>
+              </a:ext>
+            </a:extLst>
+          </p:cNvPr>
+          <p:cNvCxnSpPr>
+            <a:cxnSpLocks/>
+            <a:endCxn id="126" idx="1"/>
+          </p:cNvCxnSpPr>
+          <p:nvPr/>
+        </p:nvCxnSpPr>
+        <p:spPr>
+          <a:xfrm>
+            <a:off x="7486486" y="3575479"/>
+            <a:ext cx="1065267" cy="503752"/>
+          </a:xfrm>
+          <a:prstGeom prst="straightConnector1">
+            <a:avLst/>
+          </a:prstGeom>
+          <a:ln>
+            <a:solidFill>
+              <a:schemeClr val="accent6">
+                <a:lumMod val="75000"/>
+              </a:schemeClr>
+            </a:solidFill>
+            <a:tailEnd type="triangle"/>
+          </a:ln>
+        </p:spPr>
+        <p:style>
+          <a:lnRef idx="1">
+            <a:schemeClr val="accent1"/>
+          </a:lnRef>
+          <a:fillRef idx="0">
+            <a:schemeClr val="accent1"/>
+          </a:fillRef>
+          <a:effectRef idx="0">
+            <a:schemeClr val="accent1"/>
+          </a:effectRef>
+          <a:fontRef idx="minor">
+            <a:schemeClr val="tx1"/>
+          </a:fontRef>
+        </p:style>
+      </p:cxnSp>
+    </p:spTree>
+    <p:extLst>
+      <p:ext uri="{BB962C8B-B14F-4D97-AF65-F5344CB8AC3E}">
+        <p14:creationId xmlns:p14="http://schemas.microsoft.com/office/powerpoint/2010/main" val="3043659729"/>
+      </p:ext>
+    </p:extLst>
+  </p:cSld>
+  <p:clrMapOvr>
+    <a:masterClrMapping/>
+  </p:clrMapOvr>
+</p:sld>
+</file>
+
+<file path=ppt/slides/slide7.xml><?xml version="1.0" encoding="utf-8"?>
+<p:sld xmlns:a="http://schemas.openxmlformats.org/drawingml/2006/main" xmlns:r="http://schemas.openxmlformats.org/officeDocument/2006/relationships" xmlns:p="http://schemas.openxmlformats.org/presentationml/2006/main">
+  <p:cSld>
+    <p:spTree>
+      <p:nvGrpSpPr>
+        <p:cNvPr id="1" name=""/>
+        <p:cNvGrpSpPr/>
+        <p:nvPr/>
+      </p:nvGrpSpPr>
+      <p:grpSpPr>
+        <a:xfrm>
+          <a:off x="0" y="0"/>
+          <a:ext cx="0" cy="0"/>
+          <a:chOff x="0" y="0"/>
+          <a:chExt cx="0" cy="0"/>
+        </a:xfrm>
+      </p:grpSpPr>
+      <p:sp>
+        <p:nvSpPr>
+          <p:cNvPr id="2" name="Title 1">
+            <a:extLst>
+              <a:ext uri="{FF2B5EF4-FFF2-40B4-BE49-F238E27FC236}">
+                <a16:creationId xmlns:a16="http://schemas.microsoft.com/office/drawing/2014/main" id="{553A35EB-2060-46B9-B0EE-79241E038580}"/>
+              </a:ext>
+            </a:extLst>
+          </p:cNvPr>
+          <p:cNvSpPr>
+            <a:spLocks noGrp="1"/>
+          </p:cNvSpPr>
+          <p:nvPr>
+            <p:ph type="title"/>
+          </p:nvPr>
+        </p:nvSpPr>
+        <p:spPr/>
+        <p:txBody>
+          <a:bodyPr/>
+          <a:lstStyle/>
+          <a:p>
+            <a:r>
+              <a:rPr lang="en-GB" dirty="0"/>
+              <a:t>Map for updating existing log</a:t>
+            </a:r>
+            <a:br>
+              <a:rPr lang="en-GB" dirty="0"/>
+            </a:br>
+            <a:r>
+              <a:rPr lang="en-GB" sz="2000" dirty="0"/>
+              <a:t>Mostly from home_server.R</a:t>
+            </a:r>
+            <a:endParaRPr lang="en-GB" dirty="0"/>
+          </a:p>
+        </p:txBody>
+      </p:sp>
+      <p:sp>
+        <p:nvSpPr>
+          <p:cNvPr id="4" name="TextBox 3">
+            <a:extLst>
+              <a:ext uri="{FF2B5EF4-FFF2-40B4-BE49-F238E27FC236}">
+                <a16:creationId xmlns:a16="http://schemas.microsoft.com/office/drawing/2014/main" id="{81F468DA-CC38-4498-8275-5855DD369FCA}"/>
+              </a:ext>
+            </a:extLst>
+          </p:cNvPr>
+          <p:cNvSpPr txBox="1"/>
+          <p:nvPr/>
+        </p:nvSpPr>
+        <p:spPr>
+          <a:xfrm>
+            <a:off x="10105208" y="704634"/>
+            <a:ext cx="1624149" cy="307777"/>
           </a:xfrm>
           <a:prstGeom prst="rect">
             <a:avLst/>
@@ -9767,10 +9346,10 @@
       </p:sp>
       <p:sp>
         <p:nvSpPr>
-          <p:cNvPr id="27" name="TextBox 26">
-            <a:extLst>
-              <a:ext uri="{FF2B5EF4-FFF2-40B4-BE49-F238E27FC236}">
-                <a16:creationId xmlns:a16="http://schemas.microsoft.com/office/drawing/2014/main" id="{F69F7A4A-157B-4914-9470-811B4632C7D0}"/>
+          <p:cNvPr id="5" name="TextBox 4">
+            <a:extLst>
+              <a:ext uri="{FF2B5EF4-FFF2-40B4-BE49-F238E27FC236}">
+                <a16:creationId xmlns:a16="http://schemas.microsoft.com/office/drawing/2014/main" id="{98CC272E-8D50-4E44-885E-2CFD177D095B}"/>
               </a:ext>
             </a:extLst>
           </p:cNvPr>
@@ -9779,8 +9358,86 @@
         </p:nvSpPr>
         <p:spPr>
           <a:xfrm>
-            <a:off x="2596380" y="5613081"/>
-            <a:ext cx="2029095" cy="307777"/>
+            <a:off x="8708571" y="39765"/>
+            <a:ext cx="3396344" cy="923330"/>
+          </a:xfrm>
+          <a:prstGeom prst="rect">
+            <a:avLst/>
+          </a:prstGeom>
+          <a:noFill/>
+        </p:spPr>
+        <p:txBody>
+          <a:bodyPr wrap="square" rtlCol="0">
+            <a:spAutoFit/>
+          </a:bodyPr>
+          <a:lstStyle/>
+          <a:p>
+            <a:r>
+              <a:rPr lang="en-GB" dirty="0"/>
+              <a:t>We have a list “types” containing the reactive value “log”. Initially this is set to:</a:t>
+            </a:r>
+          </a:p>
+        </p:txBody>
+      </p:sp>
+      <p:sp>
+        <p:nvSpPr>
+          <p:cNvPr id="6" name="TextBox 5">
+            <a:extLst>
+              <a:ext uri="{FF2B5EF4-FFF2-40B4-BE49-F238E27FC236}">
+                <a16:creationId xmlns:a16="http://schemas.microsoft.com/office/drawing/2014/main" id="{635CCDAC-899E-4510-8010-5E613EA3743A}"/>
+              </a:ext>
+            </a:extLst>
+          </p:cNvPr>
+          <p:cNvSpPr txBox="1"/>
+          <p:nvPr/>
+        </p:nvSpPr>
+        <p:spPr>
+          <a:xfrm>
+            <a:off x="8708571" y="1111043"/>
+            <a:ext cx="3587932" cy="923330"/>
+          </a:xfrm>
+          <a:prstGeom prst="rect">
+            <a:avLst/>
+          </a:prstGeom>
+          <a:noFill/>
+        </p:spPr>
+        <p:txBody>
+          <a:bodyPr wrap="square" rtlCol="0">
+            <a:spAutoFit/>
+          </a:bodyPr>
+          <a:lstStyle/>
+          <a:p>
+            <a:r>
+              <a:rPr lang="en-GB" dirty="0"/>
+              <a:t>Similarly, lists “unsure” and “</a:t>
+            </a:r>
+            <a:r>
+              <a:rPr lang="en-GB" dirty="0" err="1"/>
+              <a:t>nexttab</a:t>
+            </a:r>
+            <a:r>
+              <a:rPr lang="en-GB" dirty="0"/>
+              <a:t>” containing reactive value “log”</a:t>
+            </a:r>
+          </a:p>
+        </p:txBody>
+      </p:sp>
+      <p:sp>
+        <p:nvSpPr>
+          <p:cNvPr id="7" name="TextBox 6">
+            <a:extLst>
+              <a:ext uri="{FF2B5EF4-FFF2-40B4-BE49-F238E27FC236}">
+                <a16:creationId xmlns:a16="http://schemas.microsoft.com/office/drawing/2014/main" id="{707095C7-B435-497F-94A5-B27BE7602A89}"/>
+              </a:ext>
+            </a:extLst>
+          </p:cNvPr>
+          <p:cNvSpPr txBox="1"/>
+          <p:nvPr/>
+        </p:nvSpPr>
+        <p:spPr>
+          <a:xfrm>
+            <a:off x="9827178" y="1730393"/>
+            <a:ext cx="1786146" cy="307777"/>
           </a:xfrm>
           <a:prstGeom prst="rect">
             <a:avLst/>
@@ -9820,31 +9477,240 @@
           </a:p>
         </p:txBody>
       </p:sp>
+      <p:sp>
+        <p:nvSpPr>
+          <p:cNvPr id="8" name="TextBox 7">
+            <a:extLst>
+              <a:ext uri="{FF2B5EF4-FFF2-40B4-BE49-F238E27FC236}">
+                <a16:creationId xmlns:a16="http://schemas.microsoft.com/office/drawing/2014/main" id="{CACCC09B-5803-4A6A-8E41-104C066042DC}"/>
+              </a:ext>
+            </a:extLst>
+          </p:cNvPr>
+          <p:cNvSpPr txBox="1"/>
+          <p:nvPr/>
+        </p:nvSpPr>
+        <p:spPr>
+          <a:xfrm>
+            <a:off x="9827178" y="2136802"/>
+            <a:ext cx="1786146" cy="307777"/>
+          </a:xfrm>
+          <a:prstGeom prst="rect">
+            <a:avLst/>
+          </a:prstGeom>
+          <a:solidFill>
+            <a:schemeClr val="accent6">
+              <a:lumMod val="60000"/>
+              <a:lumOff val="40000"/>
+            </a:schemeClr>
+          </a:solidFill>
+          <a:ln/>
+        </p:spPr>
+        <p:style>
+          <a:lnRef idx="2">
+            <a:schemeClr val="accent6"/>
+          </a:lnRef>
+          <a:fillRef idx="1">
+            <a:schemeClr val="lt1"/>
+          </a:fillRef>
+          <a:effectRef idx="0">
+            <a:schemeClr val="accent6"/>
+          </a:effectRef>
+          <a:fontRef idx="minor">
+            <a:schemeClr val="dk1"/>
+          </a:fontRef>
+        </p:style>
+        <p:txBody>
+          <a:bodyPr wrap="square" rtlCol="0">
+            <a:spAutoFit/>
+          </a:bodyPr>
+          <a:lstStyle/>
+          <a:p>
+            <a:pPr algn="ctr"/>
+            <a:r>
+              <a:rPr lang="en-GB" sz="1400" dirty="0"/>
+              <a:t>nexttab$log = “blank”</a:t>
+            </a:r>
+          </a:p>
+        </p:txBody>
+      </p:sp>
+      <p:sp>
+        <p:nvSpPr>
+          <p:cNvPr id="9" name="Rectangle 8">
+            <a:extLst>
+              <a:ext uri="{FF2B5EF4-FFF2-40B4-BE49-F238E27FC236}">
+                <a16:creationId xmlns:a16="http://schemas.microsoft.com/office/drawing/2014/main" id="{DAC6B07B-BED2-490A-97BA-341D59CC2744}"/>
+              </a:ext>
+            </a:extLst>
+          </p:cNvPr>
+          <p:cNvSpPr/>
+          <p:nvPr/>
+        </p:nvSpPr>
+        <p:spPr>
+          <a:xfrm>
+            <a:off x="8647611" y="-1"/>
+            <a:ext cx="3544389" cy="2674947"/>
+          </a:xfrm>
+          <a:prstGeom prst="rect">
+            <a:avLst/>
+          </a:prstGeom>
+          <a:noFill/>
+        </p:spPr>
+        <p:style>
+          <a:lnRef idx="2">
+            <a:schemeClr val="accent1">
+              <a:shade val="50000"/>
+            </a:schemeClr>
+          </a:lnRef>
+          <a:fillRef idx="1">
+            <a:schemeClr val="accent1"/>
+          </a:fillRef>
+          <a:effectRef idx="0">
+            <a:schemeClr val="accent1"/>
+          </a:effectRef>
+          <a:fontRef idx="minor">
+            <a:schemeClr val="lt1"/>
+          </a:fontRef>
+        </p:style>
+        <p:txBody>
+          <a:bodyPr rtlCol="0" anchor="ctr"/>
+          <a:lstStyle/>
+          <a:p>
+            <a:pPr algn="ctr"/>
+            <a:endParaRPr lang="en-GB"/>
+          </a:p>
+        </p:txBody>
+      </p:sp>
+      <p:sp>
+        <p:nvSpPr>
+          <p:cNvPr id="10" name="TextBox 9">
+            <a:extLst>
+              <a:ext uri="{FF2B5EF4-FFF2-40B4-BE49-F238E27FC236}">
+                <a16:creationId xmlns:a16="http://schemas.microsoft.com/office/drawing/2014/main" id="{80C9166F-F1C9-4548-814F-FC56B19F708D}"/>
+              </a:ext>
+            </a:extLst>
+          </p:cNvPr>
+          <p:cNvSpPr txBox="1"/>
+          <p:nvPr/>
+        </p:nvSpPr>
+        <p:spPr>
+          <a:xfrm>
+            <a:off x="696686" y="1690688"/>
+            <a:ext cx="1550125" cy="646331"/>
+          </a:xfrm>
+          <a:prstGeom prst="rect">
+            <a:avLst/>
+          </a:prstGeom>
+          <a:solidFill>
+            <a:schemeClr val="accent1">
+              <a:lumMod val="40000"/>
+              <a:lumOff val="60000"/>
+            </a:schemeClr>
+          </a:solidFill>
+          <a:ln/>
+        </p:spPr>
+        <p:style>
+          <a:lnRef idx="2">
+            <a:schemeClr val="accent1"/>
+          </a:lnRef>
+          <a:fillRef idx="1">
+            <a:schemeClr val="lt1"/>
+          </a:fillRef>
+          <a:effectRef idx="0">
+            <a:schemeClr val="accent1"/>
+          </a:effectRef>
+          <a:fontRef idx="minor">
+            <a:schemeClr val="dk1"/>
+          </a:fontRef>
+        </p:style>
+        <p:txBody>
+          <a:bodyPr wrap="square" rtlCol="0">
+            <a:spAutoFit/>
+          </a:bodyPr>
+          <a:lstStyle/>
+          <a:p>
+            <a:pPr algn="ctr"/>
+            <a:r>
+              <a:rPr lang="en-GB" dirty="0"/>
+              <a:t>Select update existing log</a:t>
+            </a:r>
+          </a:p>
+        </p:txBody>
+      </p:sp>
+      <p:sp>
+        <p:nvSpPr>
+          <p:cNvPr id="11" name="TextBox 10">
+            <a:extLst>
+              <a:ext uri="{FF2B5EF4-FFF2-40B4-BE49-F238E27FC236}">
+                <a16:creationId xmlns:a16="http://schemas.microsoft.com/office/drawing/2014/main" id="{39101A48-3593-4C0B-B019-973054C77BC0}"/>
+              </a:ext>
+            </a:extLst>
+          </p:cNvPr>
+          <p:cNvSpPr txBox="1"/>
+          <p:nvPr/>
+        </p:nvSpPr>
+        <p:spPr>
+          <a:xfrm>
+            <a:off x="696686" y="2521058"/>
+            <a:ext cx="1550125" cy="523220"/>
+          </a:xfrm>
+          <a:prstGeom prst="rect">
+            <a:avLst/>
+          </a:prstGeom>
+          <a:solidFill>
+            <a:schemeClr val="accent2">
+              <a:lumMod val="40000"/>
+              <a:lumOff val="60000"/>
+            </a:schemeClr>
+          </a:solidFill>
+          <a:ln/>
+        </p:spPr>
+        <p:style>
+          <a:lnRef idx="2">
+            <a:schemeClr val="accent2"/>
+          </a:lnRef>
+          <a:fillRef idx="1">
+            <a:schemeClr val="lt1"/>
+          </a:fillRef>
+          <a:effectRef idx="0">
+            <a:schemeClr val="accent2"/>
+          </a:effectRef>
+          <a:fontRef idx="minor">
+            <a:schemeClr val="dk1"/>
+          </a:fontRef>
+        </p:style>
+        <p:txBody>
+          <a:bodyPr wrap="square" rtlCol="0">
+            <a:spAutoFit/>
+          </a:bodyPr>
+          <a:lstStyle/>
+          <a:p>
+            <a:pPr algn="ctr"/>
+            <a:r>
+              <a:rPr lang="en-GB" sz="1400" dirty="0"/>
+              <a:t>types$log = “update”</a:t>
+            </a:r>
+          </a:p>
+        </p:txBody>
+      </p:sp>
       <p:cxnSp>
         <p:nvCxnSpPr>
-          <p:cNvPr id="30" name="Connector: Elbow 29">
-            <a:extLst>
-              <a:ext uri="{FF2B5EF4-FFF2-40B4-BE49-F238E27FC236}">
-                <a16:creationId xmlns:a16="http://schemas.microsoft.com/office/drawing/2014/main" id="{18B658A6-8856-4403-8B17-4850C13CE923}"/>
-              </a:ext>
-            </a:extLst>
-          </p:cNvPr>
-          <p:cNvCxnSpPr>
-            <a:cxnSpLocks/>
-            <a:endCxn id="10" idx="1"/>
-          </p:cNvCxnSpPr>
+          <p:cNvPr id="12" name="Straight Arrow Connector 11">
+            <a:extLst>
+              <a:ext uri="{FF2B5EF4-FFF2-40B4-BE49-F238E27FC236}">
+                <a16:creationId xmlns:a16="http://schemas.microsoft.com/office/drawing/2014/main" id="{489ABD6B-6365-4CA1-8A09-806DC098A9E6}"/>
+              </a:ext>
+            </a:extLst>
+          </p:cNvPr>
+          <p:cNvCxnSpPr/>
           <p:nvPr/>
         </p:nvCxnSpPr>
         <p:spPr>
-          <a:xfrm rot="16200000" flipV="1">
-            <a:off x="192849" y="2517691"/>
-            <a:ext cx="3945968" cy="2938293"/>
-          </a:xfrm>
-          <a:prstGeom prst="bentConnector4">
-            <a:avLst>
-              <a:gd name="adj1" fmla="val -6966"/>
-              <a:gd name="adj2" fmla="val 107780"/>
-            </a:avLst>
+          <a:xfrm>
+            <a:off x="1471749" y="2337019"/>
+            <a:ext cx="0" cy="184039"/>
+          </a:xfrm>
+          <a:prstGeom prst="straightConnector1">
+            <a:avLst/>
           </a:prstGeom>
           <a:ln>
             <a:solidFill>
@@ -9872,111 +9738,10 @@
       </p:cxnSp>
       <p:sp>
         <p:nvSpPr>
-          <p:cNvPr id="34" name="TextBox 33">
-            <a:extLst>
-              <a:ext uri="{FF2B5EF4-FFF2-40B4-BE49-F238E27FC236}">
-                <a16:creationId xmlns:a16="http://schemas.microsoft.com/office/drawing/2014/main" id="{DB448E45-3C77-4D82-88FF-F00E2E6BE27C}"/>
-              </a:ext>
-            </a:extLst>
-          </p:cNvPr>
-          <p:cNvSpPr txBox="1"/>
-          <p:nvPr/>
-        </p:nvSpPr>
-        <p:spPr>
-          <a:xfrm>
-            <a:off x="2772454" y="3770695"/>
-            <a:ext cx="1550125" cy="461665"/>
-          </a:xfrm>
-          <a:prstGeom prst="rect">
-            <a:avLst/>
-          </a:prstGeom>
-          <a:solidFill>
-            <a:schemeClr val="accent1">
-              <a:lumMod val="40000"/>
-              <a:lumOff val="60000"/>
-            </a:schemeClr>
-          </a:solidFill>
-          <a:ln/>
-        </p:spPr>
-        <p:style>
-          <a:lnRef idx="2">
-            <a:schemeClr val="accent1"/>
-          </a:lnRef>
-          <a:fillRef idx="1">
-            <a:schemeClr val="lt1"/>
-          </a:fillRef>
-          <a:effectRef idx="0">
-            <a:schemeClr val="accent1"/>
-          </a:effectRef>
-          <a:fontRef idx="minor">
-            <a:schemeClr val="dk1"/>
-          </a:fontRef>
-        </p:style>
-        <p:txBody>
-          <a:bodyPr wrap="square" rtlCol="0">
-            <a:spAutoFit/>
-          </a:bodyPr>
-          <a:lstStyle/>
-          <a:p>
-            <a:pPr algn="ctr"/>
-            <a:r>
-              <a:rPr lang="en-GB" sz="1200" dirty="0"/>
-              <a:t>Error message (initially blank)</a:t>
-            </a:r>
-          </a:p>
-        </p:txBody>
-      </p:sp>
-      <p:cxnSp>
-        <p:nvCxnSpPr>
-          <p:cNvPr id="38" name="Connector: Elbow 37">
-            <a:extLst>
-              <a:ext uri="{FF2B5EF4-FFF2-40B4-BE49-F238E27FC236}">
-                <a16:creationId xmlns:a16="http://schemas.microsoft.com/office/drawing/2014/main" id="{2C637EC3-1953-455A-ACF3-20D9CE2487F1}"/>
-              </a:ext>
-            </a:extLst>
-          </p:cNvPr>
-          <p:cNvCxnSpPr>
-            <a:cxnSpLocks/>
-            <a:stCxn id="21" idx="1"/>
-            <a:endCxn id="25" idx="1"/>
-          </p:cNvCxnSpPr>
-          <p:nvPr/>
-        </p:nvCxnSpPr>
-        <p:spPr>
-          <a:xfrm rot="10800000" flipV="1">
-            <a:off x="2546307" y="4440120"/>
-            <a:ext cx="227374" cy="1141875"/>
-          </a:xfrm>
-          <a:prstGeom prst="bentConnector3">
-            <a:avLst>
-              <a:gd name="adj1" fmla="val 200539"/>
-            </a:avLst>
-          </a:prstGeom>
-          <a:ln>
-            <a:tailEnd type="triangle"/>
-          </a:ln>
-        </p:spPr>
-        <p:style>
-          <a:lnRef idx="1">
-            <a:schemeClr val="accent1"/>
-          </a:lnRef>
-          <a:fillRef idx="0">
-            <a:schemeClr val="accent1"/>
-          </a:fillRef>
-          <a:effectRef idx="0">
-            <a:schemeClr val="accent1"/>
-          </a:effectRef>
-          <a:fontRef idx="minor">
-            <a:schemeClr val="tx1"/>
-          </a:fontRef>
-        </p:style>
-      </p:cxnSp>
-      <p:sp>
-        <p:nvSpPr>
-          <p:cNvPr id="42" name="Rectangle: Rounded Corners 41">
-            <a:extLst>
-              <a:ext uri="{FF2B5EF4-FFF2-40B4-BE49-F238E27FC236}">
-                <a16:creationId xmlns:a16="http://schemas.microsoft.com/office/drawing/2014/main" id="{E4829E40-9A23-48DD-AAC0-95F23ADB0DFB}"/>
+          <p:cNvPr id="13" name="Rectangle: Rounded Corners 12">
+            <a:extLst>
+              <a:ext uri="{FF2B5EF4-FFF2-40B4-BE49-F238E27FC236}">
+                <a16:creationId xmlns:a16="http://schemas.microsoft.com/office/drawing/2014/main" id="{41092D61-F119-406C-8377-9262EFF2865C}"/>
               </a:ext>
             </a:extLst>
           </p:cNvPr>
@@ -9985,13 +9750,11 @@
         </p:nvSpPr>
         <p:spPr>
           <a:xfrm>
-            <a:off x="4717764" y="1540275"/>
-            <a:ext cx="3716022" cy="4762871"/>
+            <a:off x="2640769" y="1540276"/>
+            <a:ext cx="1813497" cy="3205895"/>
           </a:xfrm>
           <a:prstGeom prst="roundRect">
-            <a:avLst>
-              <a:gd name="adj" fmla="val 5313"/>
-            </a:avLst>
+            <a:avLst/>
           </a:prstGeom>
           <a:solidFill>
             <a:schemeClr val="accent4">
@@ -10027,10 +9790,10 @@
       </p:sp>
       <p:sp>
         <p:nvSpPr>
-          <p:cNvPr id="43" name="TextBox 42">
-            <a:extLst>
-              <a:ext uri="{FF2B5EF4-FFF2-40B4-BE49-F238E27FC236}">
-                <a16:creationId xmlns:a16="http://schemas.microsoft.com/office/drawing/2014/main" id="{36409E06-2757-4824-BD1A-DEA9357C614B}"/>
+          <p:cNvPr id="14" name="TextBox 13">
+            <a:extLst>
+              <a:ext uri="{FF2B5EF4-FFF2-40B4-BE49-F238E27FC236}">
+                <a16:creationId xmlns:a16="http://schemas.microsoft.com/office/drawing/2014/main" id="{788AE908-CC7C-439F-B84E-CD6640E8AC9B}"/>
               </a:ext>
             </a:extLst>
           </p:cNvPr>
@@ -10039,8 +9802,8 @@
         </p:nvSpPr>
         <p:spPr>
           <a:xfrm>
-            <a:off x="4848224" y="1665509"/>
-            <a:ext cx="3423830" cy="307777"/>
+            <a:off x="2773681" y="1690688"/>
+            <a:ext cx="1550125" cy="1200329"/>
           </a:xfrm>
           <a:prstGeom prst="rect">
             <a:avLst/>
@@ -10075,18 +9838,18 @@
           <a:p>
             <a:pPr algn="ctr"/>
             <a:r>
-              <a:rPr lang="en-GB" sz="1400" dirty="0"/>
-              <a:t>Reads in info from SQL QA_log database</a:t>
-            </a:r>
-          </a:p>
-        </p:txBody>
-      </p:sp>
-      <p:sp>
-        <p:nvSpPr>
-          <p:cNvPr id="44" name="TextBox 43">
-            <a:extLst>
-              <a:ext uri="{FF2B5EF4-FFF2-40B4-BE49-F238E27FC236}">
-                <a16:creationId xmlns:a16="http://schemas.microsoft.com/office/drawing/2014/main" id="{A26019A0-C95E-4A23-95E3-2D14A04A1CE5}"/>
+              <a:rPr lang="en-GB" dirty="0"/>
+              <a:t>A new panel is shown with following options:</a:t>
+            </a:r>
+          </a:p>
+        </p:txBody>
+      </p:sp>
+      <p:sp>
+        <p:nvSpPr>
+          <p:cNvPr id="15" name="TextBox 14">
+            <a:extLst>
+              <a:ext uri="{FF2B5EF4-FFF2-40B4-BE49-F238E27FC236}">
+                <a16:creationId xmlns:a16="http://schemas.microsoft.com/office/drawing/2014/main" id="{F81CEF0C-2D73-4EE7-BDE9-3501EB1437E0}"/>
               </a:ext>
             </a:extLst>
           </p:cNvPr>
@@ -10095,8 +9858,8 @@
         </p:nvSpPr>
         <p:spPr>
           <a:xfrm>
-            <a:off x="4848224" y="2038170"/>
-            <a:ext cx="3423830" cy="523220"/>
+            <a:off x="2773681" y="3016250"/>
+            <a:ext cx="1550125" cy="646331"/>
           </a:xfrm>
           <a:prstGeom prst="rect">
             <a:avLst/>
@@ -10131,61 +9894,18 @@
           <a:p>
             <a:pPr algn="ctr"/>
             <a:r>
-              <a:rPr lang="en-GB" sz="1400" dirty="0"/>
-              <a:t>If no corresponding project ID, display error message</a:t>
-            </a:r>
-          </a:p>
-        </p:txBody>
-      </p:sp>
-      <p:cxnSp>
-        <p:nvCxnSpPr>
-          <p:cNvPr id="46" name="Connector: Elbow 45">
-            <a:extLst>
-              <a:ext uri="{FF2B5EF4-FFF2-40B4-BE49-F238E27FC236}">
-                <a16:creationId xmlns:a16="http://schemas.microsoft.com/office/drawing/2014/main" id="{5AD14CC4-921C-494D-984B-E4CE64CC8EA4}"/>
-              </a:ext>
-            </a:extLst>
-          </p:cNvPr>
-          <p:cNvCxnSpPr>
-            <a:cxnSpLocks/>
-            <a:stCxn id="15" idx="3"/>
-            <a:endCxn id="43" idx="1"/>
-          </p:cNvCxnSpPr>
-          <p:nvPr/>
-        </p:nvCxnSpPr>
-        <p:spPr>
-          <a:xfrm flipV="1">
-            <a:off x="4323806" y="1819398"/>
-            <a:ext cx="524418" cy="1520018"/>
-          </a:xfrm>
-          <a:prstGeom prst="bentConnector3">
-            <a:avLst/>
-          </a:prstGeom>
-          <a:ln>
-            <a:tailEnd type="triangle"/>
-          </a:ln>
-        </p:spPr>
-        <p:style>
-          <a:lnRef idx="1">
-            <a:schemeClr val="accent1"/>
-          </a:lnRef>
-          <a:fillRef idx="0">
-            <a:schemeClr val="accent1"/>
-          </a:fillRef>
-          <a:effectRef idx="0">
-            <a:schemeClr val="accent1"/>
-          </a:effectRef>
-          <a:fontRef idx="minor">
-            <a:schemeClr val="tx1"/>
-          </a:fontRef>
-        </p:style>
-      </p:cxnSp>
-      <p:sp>
-        <p:nvSpPr>
-          <p:cNvPr id="48" name="TextBox 47">
-            <a:extLst>
-              <a:ext uri="{FF2B5EF4-FFF2-40B4-BE49-F238E27FC236}">
-                <a16:creationId xmlns:a16="http://schemas.microsoft.com/office/drawing/2014/main" id="{77547CF2-7935-4B9F-8B1E-03BD676201FF}"/>
+              <a:rPr lang="en-GB" dirty="0"/>
+              <a:t>Submit project ID</a:t>
+            </a:r>
+          </a:p>
+        </p:txBody>
+      </p:sp>
+      <p:sp>
+        <p:nvSpPr>
+          <p:cNvPr id="21" name="TextBox 20">
+            <a:extLst>
+              <a:ext uri="{FF2B5EF4-FFF2-40B4-BE49-F238E27FC236}">
+                <a16:creationId xmlns:a16="http://schemas.microsoft.com/office/drawing/2014/main" id="{D267B0BB-5EE0-42D3-96C0-693B948DBF18}"/>
               </a:ext>
             </a:extLst>
           </p:cNvPr>
@@ -10194,8 +9914,8 @@
         </p:nvSpPr>
         <p:spPr>
           <a:xfrm>
-            <a:off x="4839024" y="2644053"/>
-            <a:ext cx="3423830" cy="1477328"/>
+            <a:off x="2773681" y="4301621"/>
+            <a:ext cx="1550125" cy="276999"/>
           </a:xfrm>
           <a:prstGeom prst="rect">
             <a:avLst/>
@@ -10230,9 +9950,656 @@
           <a:p>
             <a:pPr algn="ctr"/>
             <a:r>
+              <a:rPr lang="en-GB" sz="1200" dirty="0"/>
+              <a:t>Back</a:t>
+            </a:r>
+          </a:p>
+        </p:txBody>
+      </p:sp>
+      <p:cxnSp>
+        <p:nvCxnSpPr>
+          <p:cNvPr id="24" name="Straight Arrow Connector 23">
+            <a:extLst>
+              <a:ext uri="{FF2B5EF4-FFF2-40B4-BE49-F238E27FC236}">
+                <a16:creationId xmlns:a16="http://schemas.microsoft.com/office/drawing/2014/main" id="{49DB5DB6-AE9F-47A7-A2DD-C0F757960B77}"/>
+              </a:ext>
+            </a:extLst>
+          </p:cNvPr>
+          <p:cNvCxnSpPr>
+            <a:cxnSpLocks/>
+          </p:cNvCxnSpPr>
+          <p:nvPr/>
+        </p:nvCxnSpPr>
+        <p:spPr>
+          <a:xfrm flipV="1">
+            <a:off x="2246811" y="2290853"/>
+            <a:ext cx="526870" cy="384094"/>
+          </a:xfrm>
+          <a:prstGeom prst="straightConnector1">
+            <a:avLst/>
+          </a:prstGeom>
+          <a:ln>
+            <a:solidFill>
+              <a:schemeClr val="accent6">
+                <a:lumMod val="75000"/>
+              </a:schemeClr>
+            </a:solidFill>
+            <a:tailEnd type="triangle"/>
+          </a:ln>
+        </p:spPr>
+        <p:style>
+          <a:lnRef idx="1">
+            <a:schemeClr val="accent1"/>
+          </a:lnRef>
+          <a:fillRef idx="0">
+            <a:schemeClr val="accent1"/>
+          </a:fillRef>
+          <a:effectRef idx="0">
+            <a:schemeClr val="accent1"/>
+          </a:effectRef>
+          <a:fontRef idx="minor">
+            <a:schemeClr val="tx1"/>
+          </a:fontRef>
+        </p:style>
+      </p:cxnSp>
+      <p:sp>
+        <p:nvSpPr>
+          <p:cNvPr id="25" name="Rectangle: Rounded Corners 24">
+            <a:extLst>
+              <a:ext uri="{FF2B5EF4-FFF2-40B4-BE49-F238E27FC236}">
+                <a16:creationId xmlns:a16="http://schemas.microsoft.com/office/drawing/2014/main" id="{43568536-6390-4AD8-9D5D-25994E55A2A0}"/>
+              </a:ext>
+            </a:extLst>
+          </p:cNvPr>
+          <p:cNvSpPr/>
+          <p:nvPr/>
+        </p:nvSpPr>
+        <p:spPr>
+          <a:xfrm>
+            <a:off x="2546307" y="5204171"/>
+            <a:ext cx="2124075" cy="755650"/>
+          </a:xfrm>
+          <a:prstGeom prst="roundRect">
+            <a:avLst>
+              <a:gd name="adj" fmla="val 6355"/>
+            </a:avLst>
+          </a:prstGeom>
+          <a:solidFill>
+            <a:schemeClr val="accent4">
+              <a:alpha val="50000"/>
+            </a:schemeClr>
+          </a:solidFill>
+          <a:ln>
+            <a:noFill/>
+          </a:ln>
+        </p:spPr>
+        <p:style>
+          <a:lnRef idx="0">
+            <a:scrgbClr r="0" g="0" b="0"/>
+          </a:lnRef>
+          <a:fillRef idx="0">
+            <a:scrgbClr r="0" g="0" b="0"/>
+          </a:fillRef>
+          <a:effectRef idx="0">
+            <a:scrgbClr r="0" g="0" b="0"/>
+          </a:effectRef>
+          <a:fontRef idx="minor">
+            <a:schemeClr val="lt1"/>
+          </a:fontRef>
+        </p:style>
+        <p:txBody>
+          <a:bodyPr rtlCol="0" anchor="ctr"/>
+          <a:lstStyle/>
+          <a:p>
+            <a:pPr algn="ctr"/>
+            <a:endParaRPr lang="en-GB"/>
+          </a:p>
+        </p:txBody>
+      </p:sp>
+      <p:sp>
+        <p:nvSpPr>
+          <p:cNvPr id="26" name="TextBox 25">
+            <a:extLst>
+              <a:ext uri="{FF2B5EF4-FFF2-40B4-BE49-F238E27FC236}">
+                <a16:creationId xmlns:a16="http://schemas.microsoft.com/office/drawing/2014/main" id="{F3E0EA16-AB5E-42EC-B61D-F9A0B0ED3841}"/>
+              </a:ext>
+            </a:extLst>
+          </p:cNvPr>
+          <p:cNvSpPr txBox="1"/>
+          <p:nvPr/>
+        </p:nvSpPr>
+        <p:spPr>
+          <a:xfrm>
+            <a:off x="2596381" y="5251187"/>
+            <a:ext cx="2029096" cy="307777"/>
+          </a:xfrm>
+          <a:prstGeom prst="rect">
+            <a:avLst/>
+          </a:prstGeom>
+          <a:solidFill>
+            <a:schemeClr val="accent2">
+              <a:lumMod val="40000"/>
+              <a:lumOff val="60000"/>
+            </a:schemeClr>
+          </a:solidFill>
+          <a:ln/>
+        </p:spPr>
+        <p:style>
+          <a:lnRef idx="2">
+            <a:schemeClr val="accent2"/>
+          </a:lnRef>
+          <a:fillRef idx="1">
+            <a:schemeClr val="lt1"/>
+          </a:fillRef>
+          <a:effectRef idx="0">
+            <a:schemeClr val="accent2"/>
+          </a:effectRef>
+          <a:fontRef idx="minor">
+            <a:schemeClr val="dk1"/>
+          </a:fontRef>
+        </p:style>
+        <p:txBody>
+          <a:bodyPr wrap="square" rtlCol="0">
+            <a:spAutoFit/>
+          </a:bodyPr>
+          <a:lstStyle/>
+          <a:p>
+            <a:pPr algn="ctr"/>
+            <a:r>
+              <a:rPr lang="en-GB" sz="1400" dirty="0"/>
+              <a:t>types$log = “blank”</a:t>
+            </a:r>
+          </a:p>
+        </p:txBody>
+      </p:sp>
+      <p:sp>
+        <p:nvSpPr>
+          <p:cNvPr id="27" name="TextBox 26">
+            <a:extLst>
+              <a:ext uri="{FF2B5EF4-FFF2-40B4-BE49-F238E27FC236}">
+                <a16:creationId xmlns:a16="http://schemas.microsoft.com/office/drawing/2014/main" id="{F69F7A4A-157B-4914-9470-811B4632C7D0}"/>
+              </a:ext>
+            </a:extLst>
+          </p:cNvPr>
+          <p:cNvSpPr txBox="1"/>
+          <p:nvPr/>
+        </p:nvSpPr>
+        <p:spPr>
+          <a:xfrm>
+            <a:off x="2596380" y="5613081"/>
+            <a:ext cx="2029095" cy="307777"/>
+          </a:xfrm>
+          <a:prstGeom prst="rect">
+            <a:avLst/>
+          </a:prstGeom>
+          <a:solidFill>
+            <a:schemeClr val="bg1">
+              <a:lumMod val="75000"/>
+            </a:schemeClr>
+          </a:solidFill>
+          <a:ln/>
+        </p:spPr>
+        <p:style>
+          <a:lnRef idx="2">
+            <a:schemeClr val="dk1"/>
+          </a:lnRef>
+          <a:fillRef idx="1">
+            <a:schemeClr val="lt1"/>
+          </a:fillRef>
+          <a:effectRef idx="0">
+            <a:schemeClr val="dk1"/>
+          </a:effectRef>
+          <a:fontRef idx="minor">
+            <a:schemeClr val="dk1"/>
+          </a:fontRef>
+        </p:style>
+        <p:txBody>
+          <a:bodyPr wrap="square" rtlCol="0">
+            <a:spAutoFit/>
+          </a:bodyPr>
+          <a:lstStyle/>
+          <a:p>
+            <a:pPr algn="ctr"/>
+            <a:r>
+              <a:rPr lang="en-GB" sz="1400" dirty="0"/>
+              <a:t>unsure$log = “blank”</a:t>
+            </a:r>
+          </a:p>
+        </p:txBody>
+      </p:sp>
+      <p:cxnSp>
+        <p:nvCxnSpPr>
+          <p:cNvPr id="30" name="Connector: Elbow 29">
+            <a:extLst>
+              <a:ext uri="{FF2B5EF4-FFF2-40B4-BE49-F238E27FC236}">
+                <a16:creationId xmlns:a16="http://schemas.microsoft.com/office/drawing/2014/main" id="{18B658A6-8856-4403-8B17-4850C13CE923}"/>
+              </a:ext>
+            </a:extLst>
+          </p:cNvPr>
+          <p:cNvCxnSpPr>
+            <a:cxnSpLocks/>
+            <a:endCxn id="10" idx="1"/>
+          </p:cNvCxnSpPr>
+          <p:nvPr/>
+        </p:nvCxnSpPr>
+        <p:spPr>
+          <a:xfrm rot="16200000" flipV="1">
+            <a:off x="192849" y="2517691"/>
+            <a:ext cx="3945968" cy="2938293"/>
+          </a:xfrm>
+          <a:prstGeom prst="bentConnector4">
+            <a:avLst>
+              <a:gd name="adj1" fmla="val -6966"/>
+              <a:gd name="adj2" fmla="val 107780"/>
+            </a:avLst>
+          </a:prstGeom>
+          <a:ln>
+            <a:solidFill>
+              <a:schemeClr val="accent6">
+                <a:lumMod val="75000"/>
+              </a:schemeClr>
+            </a:solidFill>
+            <a:tailEnd type="triangle"/>
+          </a:ln>
+        </p:spPr>
+        <p:style>
+          <a:lnRef idx="1">
+            <a:schemeClr val="accent1"/>
+          </a:lnRef>
+          <a:fillRef idx="0">
+            <a:schemeClr val="accent1"/>
+          </a:fillRef>
+          <a:effectRef idx="0">
+            <a:schemeClr val="accent1"/>
+          </a:effectRef>
+          <a:fontRef idx="minor">
+            <a:schemeClr val="tx1"/>
+          </a:fontRef>
+        </p:style>
+      </p:cxnSp>
+      <p:sp>
+        <p:nvSpPr>
+          <p:cNvPr id="34" name="TextBox 33">
+            <a:extLst>
+              <a:ext uri="{FF2B5EF4-FFF2-40B4-BE49-F238E27FC236}">
+                <a16:creationId xmlns:a16="http://schemas.microsoft.com/office/drawing/2014/main" id="{DB448E45-3C77-4D82-88FF-F00E2E6BE27C}"/>
+              </a:ext>
+            </a:extLst>
+          </p:cNvPr>
+          <p:cNvSpPr txBox="1"/>
+          <p:nvPr/>
+        </p:nvSpPr>
+        <p:spPr>
+          <a:xfrm>
+            <a:off x="2772454" y="3770695"/>
+            <a:ext cx="1550125" cy="461665"/>
+          </a:xfrm>
+          <a:prstGeom prst="rect">
+            <a:avLst/>
+          </a:prstGeom>
+          <a:solidFill>
+            <a:schemeClr val="accent1">
+              <a:lumMod val="40000"/>
+              <a:lumOff val="60000"/>
+            </a:schemeClr>
+          </a:solidFill>
+          <a:ln/>
+        </p:spPr>
+        <p:style>
+          <a:lnRef idx="2">
+            <a:schemeClr val="accent1"/>
+          </a:lnRef>
+          <a:fillRef idx="1">
+            <a:schemeClr val="lt1"/>
+          </a:fillRef>
+          <a:effectRef idx="0">
+            <a:schemeClr val="accent1"/>
+          </a:effectRef>
+          <a:fontRef idx="minor">
+            <a:schemeClr val="dk1"/>
+          </a:fontRef>
+        </p:style>
+        <p:txBody>
+          <a:bodyPr wrap="square" rtlCol="0">
+            <a:spAutoFit/>
+          </a:bodyPr>
+          <a:lstStyle/>
+          <a:p>
+            <a:pPr algn="ctr"/>
+            <a:r>
+              <a:rPr lang="en-GB" sz="1200" dirty="0"/>
+              <a:t>Error message (initially blank)</a:t>
+            </a:r>
+          </a:p>
+        </p:txBody>
+      </p:sp>
+      <p:cxnSp>
+        <p:nvCxnSpPr>
+          <p:cNvPr id="38" name="Connector: Elbow 37">
+            <a:extLst>
+              <a:ext uri="{FF2B5EF4-FFF2-40B4-BE49-F238E27FC236}">
+                <a16:creationId xmlns:a16="http://schemas.microsoft.com/office/drawing/2014/main" id="{2C637EC3-1953-455A-ACF3-20D9CE2487F1}"/>
+              </a:ext>
+            </a:extLst>
+          </p:cNvPr>
+          <p:cNvCxnSpPr>
+            <a:cxnSpLocks/>
+            <a:stCxn id="21" idx="1"/>
+            <a:endCxn id="25" idx="1"/>
+          </p:cNvCxnSpPr>
+          <p:nvPr/>
+        </p:nvCxnSpPr>
+        <p:spPr>
+          <a:xfrm rot="10800000" flipV="1">
+            <a:off x="2546307" y="4440120"/>
+            <a:ext cx="227374" cy="1141875"/>
+          </a:xfrm>
+          <a:prstGeom prst="bentConnector3">
+            <a:avLst>
+              <a:gd name="adj1" fmla="val 200539"/>
+            </a:avLst>
+          </a:prstGeom>
+          <a:ln>
+            <a:tailEnd type="triangle"/>
+          </a:ln>
+        </p:spPr>
+        <p:style>
+          <a:lnRef idx="1">
+            <a:schemeClr val="accent1"/>
+          </a:lnRef>
+          <a:fillRef idx="0">
+            <a:schemeClr val="accent1"/>
+          </a:fillRef>
+          <a:effectRef idx="0">
+            <a:schemeClr val="accent1"/>
+          </a:effectRef>
+          <a:fontRef idx="minor">
+            <a:schemeClr val="tx1"/>
+          </a:fontRef>
+        </p:style>
+      </p:cxnSp>
+      <p:sp>
+        <p:nvSpPr>
+          <p:cNvPr id="42" name="Rectangle: Rounded Corners 41">
+            <a:extLst>
+              <a:ext uri="{FF2B5EF4-FFF2-40B4-BE49-F238E27FC236}">
+                <a16:creationId xmlns:a16="http://schemas.microsoft.com/office/drawing/2014/main" id="{E4829E40-9A23-48DD-AAC0-95F23ADB0DFB}"/>
+              </a:ext>
+            </a:extLst>
+          </p:cNvPr>
+          <p:cNvSpPr/>
+          <p:nvPr/>
+        </p:nvSpPr>
+        <p:spPr>
+          <a:xfrm>
+            <a:off x="4717764" y="1540275"/>
+            <a:ext cx="3716022" cy="5104365"/>
+          </a:xfrm>
+          <a:prstGeom prst="roundRect">
+            <a:avLst>
+              <a:gd name="adj" fmla="val 5313"/>
+            </a:avLst>
+          </a:prstGeom>
+          <a:solidFill>
+            <a:schemeClr val="accent4">
+              <a:alpha val="50000"/>
+            </a:schemeClr>
+          </a:solidFill>
+          <a:ln>
+            <a:noFill/>
+          </a:ln>
+        </p:spPr>
+        <p:style>
+          <a:lnRef idx="0">
+            <a:scrgbClr r="0" g="0" b="0"/>
+          </a:lnRef>
+          <a:fillRef idx="0">
+            <a:scrgbClr r="0" g="0" b="0"/>
+          </a:fillRef>
+          <a:effectRef idx="0">
+            <a:scrgbClr r="0" g="0" b="0"/>
+          </a:effectRef>
+          <a:fontRef idx="minor">
+            <a:schemeClr val="lt1"/>
+          </a:fontRef>
+        </p:style>
+        <p:txBody>
+          <a:bodyPr rtlCol="0" anchor="ctr"/>
+          <a:lstStyle/>
+          <a:p>
+            <a:pPr algn="ctr"/>
+            <a:endParaRPr lang="en-GB"/>
+          </a:p>
+        </p:txBody>
+      </p:sp>
+      <p:sp>
+        <p:nvSpPr>
+          <p:cNvPr id="43" name="TextBox 42">
+            <a:extLst>
+              <a:ext uri="{FF2B5EF4-FFF2-40B4-BE49-F238E27FC236}">
+                <a16:creationId xmlns:a16="http://schemas.microsoft.com/office/drawing/2014/main" id="{36409E06-2757-4824-BD1A-DEA9357C614B}"/>
+              </a:ext>
+            </a:extLst>
+          </p:cNvPr>
+          <p:cNvSpPr txBox="1"/>
+          <p:nvPr/>
+        </p:nvSpPr>
+        <p:spPr>
+          <a:xfrm>
+            <a:off x="4848224" y="1665509"/>
+            <a:ext cx="3423830" cy="307777"/>
+          </a:xfrm>
+          <a:prstGeom prst="rect">
+            <a:avLst/>
+          </a:prstGeom>
+          <a:solidFill>
+            <a:schemeClr val="accent1">
+              <a:lumMod val="40000"/>
+              <a:lumOff val="60000"/>
+            </a:schemeClr>
+          </a:solidFill>
+          <a:ln/>
+        </p:spPr>
+        <p:style>
+          <a:lnRef idx="2">
+            <a:schemeClr val="accent1"/>
+          </a:lnRef>
+          <a:fillRef idx="1">
+            <a:schemeClr val="lt1"/>
+          </a:fillRef>
+          <a:effectRef idx="0">
+            <a:schemeClr val="accent1"/>
+          </a:effectRef>
+          <a:fontRef idx="minor">
+            <a:schemeClr val="dk1"/>
+          </a:fontRef>
+        </p:style>
+        <p:txBody>
+          <a:bodyPr wrap="square" rtlCol="0">
+            <a:spAutoFit/>
+          </a:bodyPr>
+          <a:lstStyle/>
+          <a:p>
+            <a:pPr algn="ctr"/>
+            <a:r>
+              <a:rPr lang="en-GB" sz="1400" dirty="0"/>
+              <a:t>Reads in info from SQL QA_log database</a:t>
+            </a:r>
+          </a:p>
+        </p:txBody>
+      </p:sp>
+      <p:sp>
+        <p:nvSpPr>
+          <p:cNvPr id="44" name="TextBox 43">
+            <a:extLst>
+              <a:ext uri="{FF2B5EF4-FFF2-40B4-BE49-F238E27FC236}">
+                <a16:creationId xmlns:a16="http://schemas.microsoft.com/office/drawing/2014/main" id="{A26019A0-C95E-4A23-95E3-2D14A04A1CE5}"/>
+              </a:ext>
+            </a:extLst>
+          </p:cNvPr>
+          <p:cNvSpPr txBox="1"/>
+          <p:nvPr/>
+        </p:nvSpPr>
+        <p:spPr>
+          <a:xfrm>
+            <a:off x="4848224" y="2038170"/>
+            <a:ext cx="3423830" cy="523220"/>
+          </a:xfrm>
+          <a:prstGeom prst="rect">
+            <a:avLst/>
+          </a:prstGeom>
+          <a:solidFill>
+            <a:schemeClr val="accent1">
+              <a:lumMod val="40000"/>
+              <a:lumOff val="60000"/>
+            </a:schemeClr>
+          </a:solidFill>
+          <a:ln/>
+        </p:spPr>
+        <p:style>
+          <a:lnRef idx="2">
+            <a:schemeClr val="accent1"/>
+          </a:lnRef>
+          <a:fillRef idx="1">
+            <a:schemeClr val="lt1"/>
+          </a:fillRef>
+          <a:effectRef idx="0">
+            <a:schemeClr val="accent1"/>
+          </a:effectRef>
+          <a:fontRef idx="minor">
+            <a:schemeClr val="dk1"/>
+          </a:fontRef>
+        </p:style>
+        <p:txBody>
+          <a:bodyPr wrap="square" rtlCol="0">
+            <a:spAutoFit/>
+          </a:bodyPr>
+          <a:lstStyle/>
+          <a:p>
+            <a:pPr algn="ctr"/>
+            <a:r>
+              <a:rPr lang="en-GB" sz="1400" dirty="0"/>
+              <a:t>If no corresponding project ID, display error message</a:t>
+            </a:r>
+          </a:p>
+        </p:txBody>
+      </p:sp>
+      <p:cxnSp>
+        <p:nvCxnSpPr>
+          <p:cNvPr id="46" name="Connector: Elbow 45">
+            <a:extLst>
+              <a:ext uri="{FF2B5EF4-FFF2-40B4-BE49-F238E27FC236}">
+                <a16:creationId xmlns:a16="http://schemas.microsoft.com/office/drawing/2014/main" id="{5AD14CC4-921C-494D-984B-E4CE64CC8EA4}"/>
+              </a:ext>
+            </a:extLst>
+          </p:cNvPr>
+          <p:cNvCxnSpPr>
+            <a:cxnSpLocks/>
+            <a:stCxn id="15" idx="3"/>
+            <a:endCxn id="43" idx="1"/>
+          </p:cNvCxnSpPr>
+          <p:nvPr/>
+        </p:nvCxnSpPr>
+        <p:spPr>
+          <a:xfrm flipV="1">
+            <a:off x="4323806" y="1819398"/>
+            <a:ext cx="524418" cy="1520018"/>
+          </a:xfrm>
+          <a:prstGeom prst="bentConnector3">
+            <a:avLst/>
+          </a:prstGeom>
+          <a:ln>
+            <a:tailEnd type="triangle"/>
+          </a:ln>
+        </p:spPr>
+        <p:style>
+          <a:lnRef idx="1">
+            <a:schemeClr val="accent1"/>
+          </a:lnRef>
+          <a:fillRef idx="0">
+            <a:schemeClr val="accent1"/>
+          </a:fillRef>
+          <a:effectRef idx="0">
+            <a:schemeClr val="accent1"/>
+          </a:effectRef>
+          <a:fontRef idx="minor">
+            <a:schemeClr val="tx1"/>
+          </a:fontRef>
+        </p:style>
+      </p:cxnSp>
+      <p:sp>
+        <p:nvSpPr>
+          <p:cNvPr id="48" name="TextBox 47">
+            <a:extLst>
+              <a:ext uri="{FF2B5EF4-FFF2-40B4-BE49-F238E27FC236}">
+                <a16:creationId xmlns:a16="http://schemas.microsoft.com/office/drawing/2014/main" id="{77547CF2-7935-4B9F-8B1E-03BD676201FF}"/>
+              </a:ext>
+            </a:extLst>
+          </p:cNvPr>
+          <p:cNvSpPr txBox="1"/>
+          <p:nvPr/>
+        </p:nvSpPr>
+        <p:spPr>
+          <a:xfrm>
+            <a:off x="4839024" y="2644053"/>
+            <a:ext cx="3423830" cy="1738938"/>
+          </a:xfrm>
+          <a:prstGeom prst="rect">
+            <a:avLst/>
+          </a:prstGeom>
+          <a:solidFill>
+            <a:schemeClr val="accent1">
+              <a:lumMod val="40000"/>
+              <a:lumOff val="60000"/>
+            </a:schemeClr>
+          </a:solidFill>
+          <a:ln/>
+        </p:spPr>
+        <p:style>
+          <a:lnRef idx="2">
+            <a:schemeClr val="accent1"/>
+          </a:lnRef>
+          <a:fillRef idx="1">
+            <a:schemeClr val="lt1"/>
+          </a:fillRef>
+          <a:effectRef idx="0">
+            <a:schemeClr val="accent1"/>
+          </a:effectRef>
+          <a:fontRef idx="minor">
+            <a:schemeClr val="dk1"/>
+          </a:fontRef>
+        </p:style>
+        <p:txBody>
+          <a:bodyPr wrap="square" rtlCol="0">
+            <a:spAutoFit/>
+          </a:bodyPr>
+          <a:lstStyle/>
+          <a:p>
+            <a:pPr algn="ctr"/>
+            <a:r>
               <a:rPr lang="en-GB" sz="1400" dirty="0"/>
               <a:t>Else:</a:t>
             </a:r>
+            <a:endParaRPr lang="en-GB" sz="600" dirty="0"/>
+          </a:p>
+          <a:p>
+            <a:pPr algn="ctr"/>
+            <a:endParaRPr lang="en-GB" sz="1400" dirty="0"/>
+          </a:p>
+          <a:p>
+            <a:pPr algn="ctr"/>
+            <a:r>
+              <a:rPr lang="en-GB" sz="1400" dirty="0"/>
+              <a:t>Update projectname, version, leadanalyst, analyticalassurer, BCM and QAlogtype from SQL data</a:t>
+            </a:r>
+          </a:p>
+          <a:p>
+            <a:pPr algn="ctr"/>
+            <a:endParaRPr lang="en-GB" sz="1000" dirty="0"/>
+          </a:p>
+          <a:p>
+            <a:pPr algn="ctr"/>
+            <a:endParaRPr lang="en-GB" sz="1100" dirty="0"/>
           </a:p>
           <a:p>
             <a:pPr algn="ctr"/>
@@ -10241,21 +10608,6 @@
               <a:t>Switch tab</a:t>
             </a:r>
           </a:p>
-          <a:p>
-            <a:pPr algn="ctr"/>
-            <a:endParaRPr lang="en-GB" sz="600" dirty="0"/>
-          </a:p>
-          <a:p>
-            <a:pPr algn="ctr"/>
-            <a:endParaRPr lang="en-GB" sz="1400" dirty="0"/>
-          </a:p>
-          <a:p>
-            <a:pPr algn="ctr"/>
-            <a:r>
-              <a:rPr lang="en-GB" sz="1400" dirty="0"/>
-              <a:t>Update projectname, version, leadanalyst, analyticalassurer, BCM and QAlogtype from SQL data</a:t>
-            </a:r>
-          </a:p>
         </p:txBody>
       </p:sp>
       <p:sp>
@@ -10272,7 +10624,7 @@
         </p:nvSpPr>
         <p:spPr>
           <a:xfrm>
-            <a:off x="5669101" y="3100735"/>
+            <a:off x="5649479" y="2865838"/>
             <a:ext cx="1786146" cy="307777"/>
           </a:xfrm>
           <a:prstGeom prst="rect">
@@ -10328,7 +10680,7 @@
         </p:nvSpPr>
         <p:spPr>
           <a:xfrm>
-            <a:off x="4837028" y="4204044"/>
+            <a:off x="4839024" y="4537010"/>
             <a:ext cx="3423830" cy="307777"/>
           </a:xfrm>
           <a:prstGeom prst="rect">
@@ -10384,7 +10736,7 @@
         </p:nvSpPr>
         <p:spPr>
           <a:xfrm>
-            <a:off x="4863860" y="4594484"/>
+            <a:off x="4839024" y="4923160"/>
             <a:ext cx="3423830" cy="1600438"/>
           </a:xfrm>
           <a:prstGeom prst="rect">
@@ -10565,8 +10917,8 @@
         </p:nvCxnSpPr>
         <p:spPr>
           <a:xfrm flipH="1">
-            <a:off x="8181899" y="5650553"/>
-            <a:ext cx="515385" cy="306094"/>
+            <a:off x="8098971" y="5650553"/>
+            <a:ext cx="598313" cy="488990"/>
           </a:xfrm>
           <a:prstGeom prst="straightConnector1">
             <a:avLst/>
@@ -10777,8 +11129,8 @@
         </p:nvCxnSpPr>
         <p:spPr>
           <a:xfrm>
-            <a:off x="7455247" y="3254624"/>
-            <a:ext cx="1342442" cy="127829"/>
+            <a:off x="7435625" y="3019727"/>
+            <a:ext cx="1362064" cy="362726"/>
           </a:xfrm>
           <a:prstGeom prst="straightConnector1">
             <a:avLst/>
@@ -10842,10 +11194,975 @@
           </a:p>
         </p:txBody>
       </p:sp>
+      <p:sp>
+        <p:nvSpPr>
+          <p:cNvPr id="39" name="TextBox 38">
+            <a:extLst>
+              <a:ext uri="{FF2B5EF4-FFF2-40B4-BE49-F238E27FC236}">
+                <a16:creationId xmlns:a16="http://schemas.microsoft.com/office/drawing/2014/main" id="{0A6724AB-4282-4882-BC1E-BDB30A7B399C}"/>
+              </a:ext>
+            </a:extLst>
+          </p:cNvPr>
+          <p:cNvSpPr txBox="1"/>
+          <p:nvPr/>
+        </p:nvSpPr>
+        <p:spPr>
+          <a:xfrm>
+            <a:off x="5405363" y="3758019"/>
+            <a:ext cx="2298656" cy="307777"/>
+          </a:xfrm>
+          <a:prstGeom prst="rect">
+            <a:avLst/>
+          </a:prstGeom>
+          <a:solidFill>
+            <a:schemeClr val="accent2">
+              <a:lumMod val="40000"/>
+              <a:lumOff val="60000"/>
+            </a:schemeClr>
+          </a:solidFill>
+          <a:ln/>
+        </p:spPr>
+        <p:style>
+          <a:lnRef idx="2">
+            <a:schemeClr val="accent2"/>
+          </a:lnRef>
+          <a:fillRef idx="1">
+            <a:schemeClr val="lt1"/>
+          </a:fillRef>
+          <a:effectRef idx="0">
+            <a:schemeClr val="accent2"/>
+          </a:effectRef>
+          <a:fontRef idx="minor">
+            <a:schemeClr val="dk1"/>
+          </a:fontRef>
+        </p:style>
+        <p:txBody>
+          <a:bodyPr wrap="square" rtlCol="0">
+            <a:spAutoFit/>
+          </a:bodyPr>
+          <a:lstStyle/>
+          <a:p>
+            <a:pPr algn="ctr"/>
+            <a:r>
+              <a:rPr lang="en-GB" sz="1400" dirty="0"/>
+              <a:t>types$log = “modelling” etc.</a:t>
+            </a:r>
+          </a:p>
+        </p:txBody>
+      </p:sp>
     </p:spTree>
     <p:extLst>
       <p:ext uri="{BB962C8B-B14F-4D97-AF65-F5344CB8AC3E}">
         <p14:creationId xmlns:p14="http://schemas.microsoft.com/office/powerpoint/2010/main" val="1498142693"/>
+      </p:ext>
+    </p:extLst>
+  </p:cSld>
+  <p:clrMapOvr>
+    <a:masterClrMapping/>
+  </p:clrMapOvr>
+</p:sld>
+</file>
+
+<file path=ppt/slides/slide8.xml><?xml version="1.0" encoding="utf-8"?>
+<p:sld xmlns:a="http://schemas.openxmlformats.org/drawingml/2006/main" xmlns:r="http://schemas.openxmlformats.org/officeDocument/2006/relationships" xmlns:p="http://schemas.openxmlformats.org/presentationml/2006/main">
+  <p:cSld>
+    <p:spTree>
+      <p:nvGrpSpPr>
+        <p:cNvPr id="1" name=""/>
+        <p:cNvGrpSpPr/>
+        <p:nvPr/>
+      </p:nvGrpSpPr>
+      <p:grpSpPr>
+        <a:xfrm>
+          <a:off x="0" y="0"/>
+          <a:ext cx="0" cy="0"/>
+          <a:chOff x="0" y="0"/>
+          <a:chExt cx="0" cy="0"/>
+        </a:xfrm>
+      </p:grpSpPr>
+      <p:sp>
+        <p:nvSpPr>
+          <p:cNvPr id="2" name="Title 1">
+            <a:extLst>
+              <a:ext uri="{FF2B5EF4-FFF2-40B4-BE49-F238E27FC236}">
+                <a16:creationId xmlns:a16="http://schemas.microsoft.com/office/drawing/2014/main" id="{591F9CF8-469C-4D52-8171-A9A4E80BC1AD}"/>
+              </a:ext>
+            </a:extLst>
+          </p:cNvPr>
+          <p:cNvSpPr>
+            <a:spLocks noGrp="1"/>
+          </p:cNvSpPr>
+          <p:nvPr>
+            <p:ph type="title"/>
+          </p:nvPr>
+        </p:nvSpPr>
+        <p:spPr/>
+        <p:txBody>
+          <a:bodyPr/>
+          <a:lstStyle/>
+          <a:p>
+            <a:r>
+              <a:rPr lang="en-GB" dirty="0"/>
+              <a:t>Some more detail on </a:t>
+            </a:r>
+            <a:r>
+              <a:rPr lang="en-GB" dirty="0" err="1"/>
+              <a:t>UI_check</a:t>
+            </a:r>
+            <a:endParaRPr lang="en-GB" dirty="0"/>
+          </a:p>
+        </p:txBody>
+      </p:sp>
+      <p:sp>
+        <p:nvSpPr>
+          <p:cNvPr id="4" name="TextBox 3">
+            <a:extLst>
+              <a:ext uri="{FF2B5EF4-FFF2-40B4-BE49-F238E27FC236}">
+                <a16:creationId xmlns:a16="http://schemas.microsoft.com/office/drawing/2014/main" id="{4BB6E8AE-6504-4DA8-9E76-DAF94AC41037}"/>
+              </a:ext>
+            </a:extLst>
+          </p:cNvPr>
+          <p:cNvSpPr txBox="1"/>
+          <p:nvPr/>
+        </p:nvSpPr>
+        <p:spPr>
+          <a:xfrm>
+            <a:off x="696686" y="1690688"/>
+            <a:ext cx="2351314" cy="830997"/>
+          </a:xfrm>
+          <a:prstGeom prst="rect">
+            <a:avLst/>
+          </a:prstGeom>
+          <a:solidFill>
+            <a:schemeClr val="accent1">
+              <a:lumMod val="40000"/>
+              <a:lumOff val="60000"/>
+            </a:schemeClr>
+          </a:solidFill>
+          <a:ln/>
+        </p:spPr>
+        <p:style>
+          <a:lnRef idx="2">
+            <a:schemeClr val="accent1"/>
+          </a:lnRef>
+          <a:fillRef idx="1">
+            <a:schemeClr val="lt1"/>
+          </a:fillRef>
+          <a:effectRef idx="0">
+            <a:schemeClr val="accent1"/>
+          </a:effectRef>
+          <a:fontRef idx="minor">
+            <a:schemeClr val="dk1"/>
+          </a:fontRef>
+        </p:style>
+        <p:txBody>
+          <a:bodyPr wrap="square" rtlCol="0">
+            <a:spAutoFit/>
+          </a:bodyPr>
+          <a:lstStyle/>
+          <a:p>
+            <a:pPr algn="ctr"/>
+            <a:r>
+              <a:rPr lang="en-GB" dirty="0" err="1"/>
+              <a:t>UI_check</a:t>
+            </a:r>
+            <a:r>
+              <a:rPr lang="en-GB" dirty="0"/>
+              <a:t> creates the following UI objects: </a:t>
+            </a:r>
+            <a:r>
+              <a:rPr lang="en-GB" sz="1200" dirty="0"/>
+              <a:t>(for all check IDs and log types)</a:t>
+            </a:r>
+            <a:endParaRPr lang="en-GB" dirty="0"/>
+          </a:p>
+        </p:txBody>
+      </p:sp>
+      <p:sp>
+        <p:nvSpPr>
+          <p:cNvPr id="5" name="TextBox 4">
+            <a:extLst>
+              <a:ext uri="{FF2B5EF4-FFF2-40B4-BE49-F238E27FC236}">
+                <a16:creationId xmlns:a16="http://schemas.microsoft.com/office/drawing/2014/main" id="{85E2B7A1-4613-4836-80D0-C2CFE88497F4}"/>
+              </a:ext>
+            </a:extLst>
+          </p:cNvPr>
+          <p:cNvSpPr txBox="1"/>
+          <p:nvPr/>
+        </p:nvSpPr>
+        <p:spPr>
+          <a:xfrm>
+            <a:off x="3500846" y="1829187"/>
+            <a:ext cx="1884042" cy="369332"/>
+          </a:xfrm>
+          <a:prstGeom prst="rect">
+            <a:avLst/>
+          </a:prstGeom>
+          <a:ln w="28575"/>
+        </p:spPr>
+        <p:style>
+          <a:lnRef idx="2">
+            <a:schemeClr val="accent5"/>
+          </a:lnRef>
+          <a:fillRef idx="1">
+            <a:schemeClr val="lt1"/>
+          </a:fillRef>
+          <a:effectRef idx="0">
+            <a:schemeClr val="accent5"/>
+          </a:effectRef>
+          <a:fontRef idx="minor">
+            <a:schemeClr val="dk1"/>
+          </a:fontRef>
+        </p:style>
+        <p:txBody>
+          <a:bodyPr wrap="none" rtlCol="0">
+            <a:spAutoFit/>
+          </a:bodyPr>
+          <a:lstStyle/>
+          <a:p>
+            <a:r>
+              <a:rPr lang="en-GB" dirty="0"/>
+              <a:t>DG1infomodelling</a:t>
+            </a:r>
+          </a:p>
+        </p:txBody>
+      </p:sp>
+      <p:sp>
+        <p:nvSpPr>
+          <p:cNvPr id="6" name="TextBox 5">
+            <a:extLst>
+              <a:ext uri="{FF2B5EF4-FFF2-40B4-BE49-F238E27FC236}">
+                <a16:creationId xmlns:a16="http://schemas.microsoft.com/office/drawing/2014/main" id="{3E481A21-FB5F-4148-8E30-01BEEC389816}"/>
+              </a:ext>
+            </a:extLst>
+          </p:cNvPr>
+          <p:cNvSpPr txBox="1"/>
+          <p:nvPr/>
+        </p:nvSpPr>
+        <p:spPr>
+          <a:xfrm>
+            <a:off x="5603962" y="1829187"/>
+            <a:ext cx="1090235" cy="369332"/>
+          </a:xfrm>
+          <a:prstGeom prst="rect">
+            <a:avLst/>
+          </a:prstGeom>
+          <a:ln w="28575"/>
+        </p:spPr>
+        <p:style>
+          <a:lnRef idx="2">
+            <a:schemeClr val="accent5"/>
+          </a:lnRef>
+          <a:fillRef idx="1">
+            <a:schemeClr val="lt1"/>
+          </a:fillRef>
+          <a:effectRef idx="0">
+            <a:schemeClr val="accent5"/>
+          </a:effectRef>
+          <a:fontRef idx="minor">
+            <a:schemeClr val="dk1"/>
+          </a:fontRef>
+        </p:style>
+        <p:txBody>
+          <a:bodyPr wrap="none" rtlCol="0">
+            <a:spAutoFit/>
+          </a:bodyPr>
+          <a:lstStyle/>
+          <a:p>
+            <a:r>
+              <a:rPr lang="en-GB" dirty="0"/>
+              <a:t>scoreDG1</a:t>
+            </a:r>
+          </a:p>
+        </p:txBody>
+      </p:sp>
+      <p:sp>
+        <p:nvSpPr>
+          <p:cNvPr id="7" name="TextBox 6">
+            <a:extLst>
+              <a:ext uri="{FF2B5EF4-FFF2-40B4-BE49-F238E27FC236}">
+                <a16:creationId xmlns:a16="http://schemas.microsoft.com/office/drawing/2014/main" id="{F824B10F-D112-4247-8EBA-95714438B8EE}"/>
+              </a:ext>
+            </a:extLst>
+          </p:cNvPr>
+          <p:cNvSpPr txBox="1"/>
+          <p:nvPr/>
+        </p:nvSpPr>
+        <p:spPr>
+          <a:xfrm>
+            <a:off x="6913271" y="1829187"/>
+            <a:ext cx="1175322" cy="369332"/>
+          </a:xfrm>
+          <a:prstGeom prst="rect">
+            <a:avLst/>
+          </a:prstGeom>
+          <a:ln w="28575"/>
+        </p:spPr>
+        <p:style>
+          <a:lnRef idx="2">
+            <a:schemeClr val="accent5"/>
+          </a:lnRef>
+          <a:fillRef idx="1">
+            <a:schemeClr val="lt1"/>
+          </a:fillRef>
+          <a:effectRef idx="0">
+            <a:schemeClr val="accent5"/>
+          </a:effectRef>
+          <a:fontRef idx="minor">
+            <a:schemeClr val="dk1"/>
+          </a:fontRef>
+        </p:style>
+        <p:txBody>
+          <a:bodyPr wrap="none" rtlCol="0">
+            <a:spAutoFit/>
+          </a:bodyPr>
+          <a:lstStyle/>
+          <a:p>
+            <a:r>
+              <a:rPr lang="en-GB" dirty="0"/>
+              <a:t>assessDG1</a:t>
+            </a:r>
+          </a:p>
+        </p:txBody>
+      </p:sp>
+      <p:sp>
+        <p:nvSpPr>
+          <p:cNvPr id="8" name="TextBox 7">
+            <a:extLst>
+              <a:ext uri="{FF2B5EF4-FFF2-40B4-BE49-F238E27FC236}">
+                <a16:creationId xmlns:a16="http://schemas.microsoft.com/office/drawing/2014/main" id="{2A534B07-2E5A-43CC-8683-AA217B3DBD00}"/>
+              </a:ext>
+            </a:extLst>
+          </p:cNvPr>
+          <p:cNvSpPr txBox="1"/>
+          <p:nvPr/>
+        </p:nvSpPr>
+        <p:spPr>
+          <a:xfrm>
+            <a:off x="8307667" y="1829187"/>
+            <a:ext cx="1466620" cy="369332"/>
+          </a:xfrm>
+          <a:prstGeom prst="rect">
+            <a:avLst/>
+          </a:prstGeom>
+          <a:ln w="28575"/>
+        </p:spPr>
+        <p:style>
+          <a:lnRef idx="2">
+            <a:schemeClr val="accent5"/>
+          </a:lnRef>
+          <a:fillRef idx="1">
+            <a:schemeClr val="lt1"/>
+          </a:fillRef>
+          <a:effectRef idx="0">
+            <a:schemeClr val="accent5"/>
+          </a:effectRef>
+          <a:fontRef idx="minor">
+            <a:schemeClr val="dk1"/>
+          </a:fontRef>
+        </p:style>
+        <p:txBody>
+          <a:bodyPr wrap="none" rtlCol="0">
+            <a:spAutoFit/>
+          </a:bodyPr>
+          <a:lstStyle/>
+          <a:p>
+            <a:r>
+              <a:rPr lang="en-GB" dirty="0"/>
+              <a:t>summaryDG1</a:t>
+            </a:r>
+          </a:p>
+        </p:txBody>
+      </p:sp>
+      <p:sp>
+        <p:nvSpPr>
+          <p:cNvPr id="9" name="TextBox 8">
+            <a:extLst>
+              <a:ext uri="{FF2B5EF4-FFF2-40B4-BE49-F238E27FC236}">
+                <a16:creationId xmlns:a16="http://schemas.microsoft.com/office/drawing/2014/main" id="{4885D395-9A71-44D1-9294-5667C003A0D1}"/>
+              </a:ext>
+            </a:extLst>
+          </p:cNvPr>
+          <p:cNvSpPr txBox="1"/>
+          <p:nvPr/>
+        </p:nvSpPr>
+        <p:spPr>
+          <a:xfrm>
+            <a:off x="9993361" y="1829187"/>
+            <a:ext cx="922497" cy="369332"/>
+          </a:xfrm>
+          <a:prstGeom prst="rect">
+            <a:avLst/>
+          </a:prstGeom>
+          <a:ln w="28575"/>
+        </p:spPr>
+        <p:style>
+          <a:lnRef idx="2">
+            <a:schemeClr val="accent5"/>
+          </a:lnRef>
+          <a:fillRef idx="1">
+            <a:schemeClr val="lt1"/>
+          </a:fillRef>
+          <a:effectRef idx="0">
+            <a:schemeClr val="accent5"/>
+          </a:effectRef>
+          <a:fontRef idx="minor">
+            <a:schemeClr val="dk1"/>
+          </a:fontRef>
+        </p:style>
+        <p:txBody>
+          <a:bodyPr wrap="none" rtlCol="0">
+            <a:spAutoFit/>
+          </a:bodyPr>
+          <a:lstStyle/>
+          <a:p>
+            <a:r>
+              <a:rPr lang="en-GB" dirty="0"/>
+              <a:t>obsDG1</a:t>
+            </a:r>
+          </a:p>
+        </p:txBody>
+      </p:sp>
+      <p:sp>
+        <p:nvSpPr>
+          <p:cNvPr id="10" name="TextBox 9">
+            <a:extLst>
+              <a:ext uri="{FF2B5EF4-FFF2-40B4-BE49-F238E27FC236}">
+                <a16:creationId xmlns:a16="http://schemas.microsoft.com/office/drawing/2014/main" id="{6B307B6F-0927-4832-9F91-51067AA4C4BE}"/>
+              </a:ext>
+            </a:extLst>
+          </p:cNvPr>
+          <p:cNvSpPr txBox="1"/>
+          <p:nvPr/>
+        </p:nvSpPr>
+        <p:spPr>
+          <a:xfrm>
+            <a:off x="11134932" y="1829187"/>
+            <a:ext cx="910827" cy="369332"/>
+          </a:xfrm>
+          <a:prstGeom prst="rect">
+            <a:avLst/>
+          </a:prstGeom>
+          <a:ln w="28575"/>
+        </p:spPr>
+        <p:style>
+          <a:lnRef idx="2">
+            <a:schemeClr val="accent5"/>
+          </a:lnRef>
+          <a:fillRef idx="1">
+            <a:schemeClr val="lt1"/>
+          </a:fillRef>
+          <a:effectRef idx="0">
+            <a:schemeClr val="accent5"/>
+          </a:effectRef>
+          <a:fontRef idx="minor">
+            <a:schemeClr val="dk1"/>
+          </a:fontRef>
+        </p:style>
+        <p:txBody>
+          <a:bodyPr wrap="none" rtlCol="0">
+            <a:spAutoFit/>
+          </a:bodyPr>
+          <a:lstStyle/>
+          <a:p>
+            <a:r>
+              <a:rPr lang="en-GB" dirty="0"/>
+              <a:t>outDG1</a:t>
+            </a:r>
+          </a:p>
+        </p:txBody>
+      </p:sp>
+      <p:sp>
+        <p:nvSpPr>
+          <p:cNvPr id="11" name="TextBox 10">
+            <a:extLst>
+              <a:ext uri="{FF2B5EF4-FFF2-40B4-BE49-F238E27FC236}">
+                <a16:creationId xmlns:a16="http://schemas.microsoft.com/office/drawing/2014/main" id="{5F62B5AA-226F-4BEC-BC50-A70A6B5948C9}"/>
+              </a:ext>
+            </a:extLst>
+          </p:cNvPr>
+          <p:cNvSpPr txBox="1"/>
+          <p:nvPr/>
+        </p:nvSpPr>
+        <p:spPr>
+          <a:xfrm>
+            <a:off x="696686" y="2911785"/>
+            <a:ext cx="4436240" cy="2031325"/>
+          </a:xfrm>
+          <a:prstGeom prst="rect">
+            <a:avLst/>
+          </a:prstGeom>
+          <a:solidFill>
+            <a:schemeClr val="accent1">
+              <a:lumMod val="20000"/>
+              <a:lumOff val="80000"/>
+            </a:schemeClr>
+          </a:solidFill>
+          <a:ln>
+            <a:solidFill>
+              <a:schemeClr val="accent1">
+                <a:lumMod val="75000"/>
+              </a:schemeClr>
+            </a:solidFill>
+          </a:ln>
+        </p:spPr>
+        <p:txBody>
+          <a:bodyPr wrap="square" rtlCol="0">
+            <a:spAutoFit/>
+          </a:bodyPr>
+          <a:lstStyle/>
+          <a:p>
+            <a:r>
+              <a:rPr lang="en-GB" dirty="0"/>
+              <a:t>Action button – pressing this gives you more information on how to complete the check</a:t>
+            </a:r>
+          </a:p>
+          <a:p>
+            <a:r>
+              <a:rPr lang="en-GB" dirty="0"/>
+              <a:t>This is done via the </a:t>
+            </a:r>
+            <a:r>
+              <a:rPr lang="en-GB" dirty="0" err="1"/>
+              <a:t>create_modal</a:t>
+            </a:r>
+            <a:r>
+              <a:rPr lang="en-GB" dirty="0"/>
+              <a:t> function:</a:t>
+            </a:r>
+          </a:p>
+          <a:p>
+            <a:pPr marL="285750" indent="-285750">
+              <a:buFont typeface="Arial" panose="020B0604020202020204" pitchFamily="34" charset="0"/>
+              <a:buChar char="•"/>
+            </a:pPr>
+            <a:r>
+              <a:rPr lang="en-GB" dirty="0"/>
+              <a:t>Creates </a:t>
+            </a:r>
+            <a:r>
+              <a:rPr lang="en-GB" dirty="0" err="1"/>
+              <a:t>modalDialog</a:t>
+            </a:r>
+            <a:r>
+              <a:rPr lang="en-GB" dirty="0"/>
+              <a:t> with UI output DG1modelling (for example – this would be taken from the “</a:t>
+            </a:r>
+            <a:r>
+              <a:rPr lang="en-GB" dirty="0" err="1"/>
+              <a:t>comments_modelling_log.R</a:t>
+            </a:r>
+            <a:r>
+              <a:rPr lang="en-GB" dirty="0"/>
+              <a:t>”)</a:t>
+            </a:r>
+          </a:p>
+        </p:txBody>
+      </p:sp>
+      <p:cxnSp>
+        <p:nvCxnSpPr>
+          <p:cNvPr id="13" name="Straight Arrow Connector 12">
+            <a:extLst>
+              <a:ext uri="{FF2B5EF4-FFF2-40B4-BE49-F238E27FC236}">
+                <a16:creationId xmlns:a16="http://schemas.microsoft.com/office/drawing/2014/main" id="{DA50A046-25E2-4673-85A9-5F678235AAA8}"/>
+              </a:ext>
+            </a:extLst>
+          </p:cNvPr>
+          <p:cNvCxnSpPr>
+            <a:stCxn id="5" idx="2"/>
+          </p:cNvCxnSpPr>
+          <p:nvPr/>
+        </p:nvCxnSpPr>
+        <p:spPr>
+          <a:xfrm flipH="1">
+            <a:off x="4005943" y="2198519"/>
+            <a:ext cx="436924" cy="713266"/>
+          </a:xfrm>
+          <a:prstGeom prst="straightConnector1">
+            <a:avLst/>
+          </a:prstGeom>
+          <a:ln>
+            <a:tailEnd type="triangle"/>
+          </a:ln>
+        </p:spPr>
+        <p:style>
+          <a:lnRef idx="1">
+            <a:schemeClr val="accent1"/>
+          </a:lnRef>
+          <a:fillRef idx="0">
+            <a:schemeClr val="accent1"/>
+          </a:fillRef>
+          <a:effectRef idx="0">
+            <a:schemeClr val="accent1"/>
+          </a:effectRef>
+          <a:fontRef idx="minor">
+            <a:schemeClr val="tx1"/>
+          </a:fontRef>
+        </p:style>
+      </p:cxnSp>
+      <p:sp>
+        <p:nvSpPr>
+          <p:cNvPr id="14" name="TextBox 13">
+            <a:extLst>
+              <a:ext uri="{FF2B5EF4-FFF2-40B4-BE49-F238E27FC236}">
+                <a16:creationId xmlns:a16="http://schemas.microsoft.com/office/drawing/2014/main" id="{8FB80940-42D9-43E7-90A9-5E16277C241E}"/>
+              </a:ext>
+            </a:extLst>
+          </p:cNvPr>
+          <p:cNvSpPr txBox="1"/>
+          <p:nvPr/>
+        </p:nvSpPr>
+        <p:spPr>
+          <a:xfrm>
+            <a:off x="5603962" y="3429000"/>
+            <a:ext cx="4436240" cy="646331"/>
+          </a:xfrm>
+          <a:prstGeom prst="rect">
+            <a:avLst/>
+          </a:prstGeom>
+          <a:solidFill>
+            <a:schemeClr val="accent1">
+              <a:lumMod val="20000"/>
+              <a:lumOff val="80000"/>
+            </a:schemeClr>
+          </a:solidFill>
+          <a:ln>
+            <a:solidFill>
+              <a:schemeClr val="accent1">
+                <a:lumMod val="75000"/>
+              </a:schemeClr>
+            </a:solidFill>
+          </a:ln>
+        </p:spPr>
+        <p:txBody>
+          <a:bodyPr wrap="square" rtlCol="0">
+            <a:spAutoFit/>
+          </a:bodyPr>
+          <a:lstStyle/>
+          <a:p>
+            <a:r>
+              <a:rPr lang="en-GB" dirty="0"/>
+              <a:t>Created using </a:t>
+            </a:r>
+            <a:r>
+              <a:rPr lang="en-GB" dirty="0" err="1"/>
+              <a:t>rating_options</a:t>
+            </a:r>
+            <a:r>
+              <a:rPr lang="en-GB" dirty="0"/>
+              <a:t> function:</a:t>
+            </a:r>
+          </a:p>
+          <a:p>
+            <a:endParaRPr lang="en-GB" dirty="0"/>
+          </a:p>
+        </p:txBody>
+      </p:sp>
+      <p:sp>
+        <p:nvSpPr>
+          <p:cNvPr id="15" name="TextBox 14">
+            <a:extLst>
+              <a:ext uri="{FF2B5EF4-FFF2-40B4-BE49-F238E27FC236}">
+                <a16:creationId xmlns:a16="http://schemas.microsoft.com/office/drawing/2014/main" id="{4441AA42-75AB-428B-8CFF-9AD2489EAAF5}"/>
+              </a:ext>
+            </a:extLst>
+          </p:cNvPr>
+          <p:cNvSpPr txBox="1"/>
+          <p:nvPr/>
+        </p:nvSpPr>
+        <p:spPr>
+          <a:xfrm>
+            <a:off x="7289070" y="2521685"/>
+            <a:ext cx="4436240" cy="461665"/>
+          </a:xfrm>
+          <a:prstGeom prst="rect">
+            <a:avLst/>
+          </a:prstGeom>
+          <a:solidFill>
+            <a:schemeClr val="accent1">
+              <a:lumMod val="20000"/>
+              <a:lumOff val="80000"/>
+            </a:schemeClr>
+          </a:solidFill>
+          <a:ln>
+            <a:solidFill>
+              <a:schemeClr val="accent1">
+                <a:lumMod val="75000"/>
+              </a:schemeClr>
+            </a:solidFill>
+          </a:ln>
+        </p:spPr>
+        <p:txBody>
+          <a:bodyPr wrap="square" rtlCol="0">
+            <a:spAutoFit/>
+          </a:bodyPr>
+          <a:lstStyle/>
+          <a:p>
+            <a:r>
+              <a:rPr lang="en-GB" sz="1200" dirty="0"/>
+              <a:t>Text inputs for “Assessed by”, “Summary of/link to QA outcome or evidence”, “Observations” and “Outstanding (potential) work”</a:t>
+            </a:r>
+          </a:p>
+        </p:txBody>
+      </p:sp>
+      <p:cxnSp>
+        <p:nvCxnSpPr>
+          <p:cNvPr id="17" name="Straight Arrow Connector 16">
+            <a:extLst>
+              <a:ext uri="{FF2B5EF4-FFF2-40B4-BE49-F238E27FC236}">
+                <a16:creationId xmlns:a16="http://schemas.microsoft.com/office/drawing/2014/main" id="{240D15E3-723E-4B3B-A501-FED73CB0845E}"/>
+              </a:ext>
+            </a:extLst>
+          </p:cNvPr>
+          <p:cNvCxnSpPr>
+            <a:stCxn id="7" idx="2"/>
+          </p:cNvCxnSpPr>
+          <p:nvPr/>
+        </p:nvCxnSpPr>
+        <p:spPr>
+          <a:xfrm>
+            <a:off x="7500932" y="2198519"/>
+            <a:ext cx="406451" cy="323166"/>
+          </a:xfrm>
+          <a:prstGeom prst="straightConnector1">
+            <a:avLst/>
+          </a:prstGeom>
+          <a:ln>
+            <a:tailEnd type="triangle"/>
+          </a:ln>
+        </p:spPr>
+        <p:style>
+          <a:lnRef idx="1">
+            <a:schemeClr val="accent1"/>
+          </a:lnRef>
+          <a:fillRef idx="0">
+            <a:schemeClr val="accent1"/>
+          </a:fillRef>
+          <a:effectRef idx="0">
+            <a:schemeClr val="accent1"/>
+          </a:effectRef>
+          <a:fontRef idx="minor">
+            <a:schemeClr val="tx1"/>
+          </a:fontRef>
+        </p:style>
+      </p:cxnSp>
+      <p:cxnSp>
+        <p:nvCxnSpPr>
+          <p:cNvPr id="18" name="Straight Arrow Connector 17">
+            <a:extLst>
+              <a:ext uri="{FF2B5EF4-FFF2-40B4-BE49-F238E27FC236}">
+                <a16:creationId xmlns:a16="http://schemas.microsoft.com/office/drawing/2014/main" id="{63C924C8-2605-4E97-B27C-207EAA05A2FE}"/>
+              </a:ext>
+            </a:extLst>
+          </p:cNvPr>
+          <p:cNvCxnSpPr>
+            <a:cxnSpLocks/>
+            <a:stCxn id="8" idx="2"/>
+          </p:cNvCxnSpPr>
+          <p:nvPr/>
+        </p:nvCxnSpPr>
+        <p:spPr>
+          <a:xfrm>
+            <a:off x="9040977" y="2198519"/>
+            <a:ext cx="0" cy="323166"/>
+          </a:xfrm>
+          <a:prstGeom prst="straightConnector1">
+            <a:avLst/>
+          </a:prstGeom>
+          <a:ln>
+            <a:tailEnd type="triangle"/>
+          </a:ln>
+        </p:spPr>
+        <p:style>
+          <a:lnRef idx="1">
+            <a:schemeClr val="accent1"/>
+          </a:lnRef>
+          <a:fillRef idx="0">
+            <a:schemeClr val="accent1"/>
+          </a:fillRef>
+          <a:effectRef idx="0">
+            <a:schemeClr val="accent1"/>
+          </a:effectRef>
+          <a:fontRef idx="minor">
+            <a:schemeClr val="tx1"/>
+          </a:fontRef>
+        </p:style>
+      </p:cxnSp>
+      <p:cxnSp>
+        <p:nvCxnSpPr>
+          <p:cNvPr id="21" name="Straight Arrow Connector 20">
+            <a:extLst>
+              <a:ext uri="{FF2B5EF4-FFF2-40B4-BE49-F238E27FC236}">
+                <a16:creationId xmlns:a16="http://schemas.microsoft.com/office/drawing/2014/main" id="{51A20450-6445-46F3-9A2A-3CE6B8B13B20}"/>
+              </a:ext>
+            </a:extLst>
+          </p:cNvPr>
+          <p:cNvCxnSpPr>
+            <a:cxnSpLocks/>
+            <a:stCxn id="9" idx="2"/>
+          </p:cNvCxnSpPr>
+          <p:nvPr/>
+        </p:nvCxnSpPr>
+        <p:spPr>
+          <a:xfrm flipH="1">
+            <a:off x="10454609" y="2198519"/>
+            <a:ext cx="1" cy="323166"/>
+          </a:xfrm>
+          <a:prstGeom prst="straightConnector1">
+            <a:avLst/>
+          </a:prstGeom>
+          <a:ln>
+            <a:tailEnd type="triangle"/>
+          </a:ln>
+        </p:spPr>
+        <p:style>
+          <a:lnRef idx="1">
+            <a:schemeClr val="accent1"/>
+          </a:lnRef>
+          <a:fillRef idx="0">
+            <a:schemeClr val="accent1"/>
+          </a:fillRef>
+          <a:effectRef idx="0">
+            <a:schemeClr val="accent1"/>
+          </a:effectRef>
+          <a:fontRef idx="minor">
+            <a:schemeClr val="tx1"/>
+          </a:fontRef>
+        </p:style>
+      </p:cxnSp>
+      <p:cxnSp>
+        <p:nvCxnSpPr>
+          <p:cNvPr id="24" name="Straight Arrow Connector 23">
+            <a:extLst>
+              <a:ext uri="{FF2B5EF4-FFF2-40B4-BE49-F238E27FC236}">
+                <a16:creationId xmlns:a16="http://schemas.microsoft.com/office/drawing/2014/main" id="{AE846835-5406-494B-9038-37DAA6F57D7B}"/>
+              </a:ext>
+            </a:extLst>
+          </p:cNvPr>
+          <p:cNvCxnSpPr>
+            <a:cxnSpLocks/>
+            <a:stCxn id="10" idx="2"/>
+          </p:cNvCxnSpPr>
+          <p:nvPr/>
+        </p:nvCxnSpPr>
+        <p:spPr>
+          <a:xfrm flipH="1">
+            <a:off x="11187918" y="2198519"/>
+            <a:ext cx="402428" cy="323166"/>
+          </a:xfrm>
+          <a:prstGeom prst="straightConnector1">
+            <a:avLst/>
+          </a:prstGeom>
+          <a:ln>
+            <a:tailEnd type="triangle"/>
+          </a:ln>
+        </p:spPr>
+        <p:style>
+          <a:lnRef idx="1">
+            <a:schemeClr val="accent1"/>
+          </a:lnRef>
+          <a:fillRef idx="0">
+            <a:schemeClr val="accent1"/>
+          </a:fillRef>
+          <a:effectRef idx="0">
+            <a:schemeClr val="accent1"/>
+          </a:effectRef>
+          <a:fontRef idx="minor">
+            <a:schemeClr val="tx1"/>
+          </a:fontRef>
+        </p:style>
+      </p:cxnSp>
+    </p:spTree>
+    <p:extLst>
+      <p:ext uri="{BB962C8B-B14F-4D97-AF65-F5344CB8AC3E}">
+        <p14:creationId xmlns:p14="http://schemas.microsoft.com/office/powerpoint/2010/main" val="3583764893"/>
+      </p:ext>
+    </p:extLst>
+  </p:cSld>
+  <p:clrMapOvr>
+    <a:masterClrMapping/>
+  </p:clrMapOvr>
+</p:sld>
+</file>
+
+<file path=ppt/slides/slide9.xml><?xml version="1.0" encoding="utf-8"?>
+<p:sld xmlns:a="http://schemas.openxmlformats.org/drawingml/2006/main" xmlns:r="http://schemas.openxmlformats.org/officeDocument/2006/relationships" xmlns:p="http://schemas.openxmlformats.org/presentationml/2006/main">
+  <p:cSld>
+    <p:spTree>
+      <p:nvGrpSpPr>
+        <p:cNvPr id="1" name=""/>
+        <p:cNvGrpSpPr/>
+        <p:nvPr/>
+      </p:nvGrpSpPr>
+      <p:grpSpPr>
+        <a:xfrm>
+          <a:off x="0" y="0"/>
+          <a:ext cx="0" cy="0"/>
+          <a:chOff x="0" y="0"/>
+          <a:chExt cx="0" cy="0"/>
+        </a:xfrm>
+      </p:grpSpPr>
+      <p:sp>
+        <p:nvSpPr>
+          <p:cNvPr id="2" name="Title 1">
+            <a:extLst>
+              <a:ext uri="{FF2B5EF4-FFF2-40B4-BE49-F238E27FC236}">
+                <a16:creationId xmlns:a16="http://schemas.microsoft.com/office/drawing/2014/main" id="{CC82E959-E6CC-47F7-BA52-A438C7605CA7}"/>
+              </a:ext>
+            </a:extLst>
+          </p:cNvPr>
+          <p:cNvSpPr>
+            <a:spLocks noGrp="1"/>
+          </p:cNvSpPr>
+          <p:nvPr>
+            <p:ph type="title"/>
+          </p:nvPr>
+        </p:nvSpPr>
+        <p:spPr/>
+        <p:txBody>
+          <a:bodyPr/>
+          <a:lstStyle/>
+          <a:p>
+            <a:r>
+              <a:rPr lang="en-GB" dirty="0"/>
+              <a:t>Checking whether data has </a:t>
+            </a:r>
+            <a:r>
+              <a:rPr lang="en-GB"/>
+              <a:t>been saved</a:t>
+            </a:r>
+          </a:p>
+        </p:txBody>
+      </p:sp>
+      <p:sp>
+        <p:nvSpPr>
+          <p:cNvPr id="3" name="Content Placeholder 2">
+            <a:extLst>
+              <a:ext uri="{FF2B5EF4-FFF2-40B4-BE49-F238E27FC236}">
+                <a16:creationId xmlns:a16="http://schemas.microsoft.com/office/drawing/2014/main" id="{781A2963-6C1E-4653-8059-89BAA213C6A8}"/>
+              </a:ext>
+            </a:extLst>
+          </p:cNvPr>
+          <p:cNvSpPr>
+            <a:spLocks noGrp="1"/>
+          </p:cNvSpPr>
+          <p:nvPr>
+            <p:ph idx="1"/>
+          </p:nvPr>
+        </p:nvSpPr>
+        <p:spPr/>
+        <p:txBody>
+          <a:bodyPr/>
+          <a:lstStyle/>
+          <a:p>
+            <a:endParaRPr lang="en-GB"/>
+          </a:p>
+        </p:txBody>
+      </p:sp>
+    </p:spTree>
+    <p:extLst>
+      <p:ext uri="{BB962C8B-B14F-4D97-AF65-F5344CB8AC3E}">
+        <p14:creationId xmlns:p14="http://schemas.microsoft.com/office/powerpoint/2010/main" val="342339206"/>
       </p:ext>
     </p:extLst>
   </p:cSld>

--- a/QA log app - behind the code.pptx
+++ b/QA log app - behind the code.pptx
@@ -124,7 +124,7 @@
 <p1510:revInfo xmlns:a="http://schemas.openxmlformats.org/drawingml/2006/main" xmlns:r="http://schemas.openxmlformats.org/officeDocument/2006/relationships" xmlns:p1510="http://schemas.microsoft.com/office/powerpoint/2015/10/main">
   <p1510:revLst>
     <p1510:client id="{21694504-DF36-4190-984B-87BF7BD1C818}" v="87" dt="2021-10-25T14:06:36.756"/>
-    <p1510:client id="{E34FB9E7-6CF7-40FD-83B9-B94EF404FC33}" v="14" dt="2021-10-25T15:27:17.299"/>
+    <p1510:client id="{E34FB9E7-6CF7-40FD-83B9-B94EF404FC33}" v="33" dt="2021-10-26T08:00:26.881"/>
   </p1510:revLst>
 </p1510:revInfo>
 </file>
@@ -134,7 +134,7 @@
   <pc:docChgLst>
     <pc:chgData name="MORLEY, Thomas" userId="ca0a1631-feee-46f8-9dc6-a0f397eff84f" providerId="ADAL" clId="{E34FB9E7-6CF7-40FD-83B9-B94EF404FC33}"/>
     <pc:docChg chg="custSel addSld delSld modSld">
-      <pc:chgData name="MORLEY, Thomas" userId="ca0a1631-feee-46f8-9dc6-a0f397eff84f" providerId="ADAL" clId="{E34FB9E7-6CF7-40FD-83B9-B94EF404FC33}" dt="2021-10-25T15:38:38.255" v="959" actId="20577"/>
+      <pc:chgData name="MORLEY, Thomas" userId="ca0a1631-feee-46f8-9dc6-a0f397eff84f" providerId="ADAL" clId="{E34FB9E7-6CF7-40FD-83B9-B94EF404FC33}" dt="2021-10-26T08:01:03.629" v="2546" actId="20577"/>
       <pc:docMkLst>
         <pc:docMk/>
       </pc:docMkLst>
@@ -374,8 +374,8 @@
           </ac:spMkLst>
         </pc:spChg>
       </pc:sldChg>
-      <pc:sldChg chg="modSp new mod">
-        <pc:chgData name="MORLEY, Thomas" userId="ca0a1631-feee-46f8-9dc6-a0f397eff84f" providerId="ADAL" clId="{E34FB9E7-6CF7-40FD-83B9-B94EF404FC33}" dt="2021-10-25T15:38:38.255" v="959" actId="20577"/>
+      <pc:sldChg chg="addSp modSp new mod">
+        <pc:chgData name="MORLEY, Thomas" userId="ca0a1631-feee-46f8-9dc6-a0f397eff84f" providerId="ADAL" clId="{E34FB9E7-6CF7-40FD-83B9-B94EF404FC33}" dt="2021-10-26T08:01:03.629" v="2546" actId="20577"/>
         <pc:sldMkLst>
           <pc:docMk/>
           <pc:sldMk cId="342339206" sldId="265"/>
@@ -388,6 +388,94 @@
             <ac:spMk id="2" creationId="{CC82E959-E6CC-47F7-BA52-A438C7605CA7}"/>
           </ac:spMkLst>
         </pc:spChg>
+        <pc:spChg chg="mod">
+          <ac:chgData name="MORLEY, Thomas" userId="ca0a1631-feee-46f8-9dc6-a0f397eff84f" providerId="ADAL" clId="{E34FB9E7-6CF7-40FD-83B9-B94EF404FC33}" dt="2021-10-26T07:58:59.815" v="2267" actId="20577"/>
+          <ac:spMkLst>
+            <pc:docMk/>
+            <pc:sldMk cId="342339206" sldId="265"/>
+            <ac:spMk id="3" creationId="{781A2963-6C1E-4653-8059-89BAA213C6A8}"/>
+          </ac:spMkLst>
+        </pc:spChg>
+        <pc:spChg chg="add mod">
+          <ac:chgData name="MORLEY, Thomas" userId="ca0a1631-feee-46f8-9dc6-a0f397eff84f" providerId="ADAL" clId="{E34FB9E7-6CF7-40FD-83B9-B94EF404FC33}" dt="2021-10-26T07:46:45.746" v="1768" actId="404"/>
+          <ac:spMkLst>
+            <pc:docMk/>
+            <pc:sldMk cId="342339206" sldId="265"/>
+            <ac:spMk id="4" creationId="{39D4075E-9B29-4E22-BA6C-DA3BD9D0C6AA}"/>
+          </ac:spMkLst>
+        </pc:spChg>
+        <pc:spChg chg="add mod">
+          <ac:chgData name="MORLEY, Thomas" userId="ca0a1631-feee-46f8-9dc6-a0f397eff84f" providerId="ADAL" clId="{E34FB9E7-6CF7-40FD-83B9-B94EF404FC33}" dt="2021-10-26T07:47:32.640" v="1819" actId="1076"/>
+          <ac:spMkLst>
+            <pc:docMk/>
+            <pc:sldMk cId="342339206" sldId="265"/>
+            <ac:spMk id="6" creationId="{E971134A-952A-47AE-9281-909EBB7A6922}"/>
+          </ac:spMkLst>
+        </pc:spChg>
+        <pc:spChg chg="add mod">
+          <ac:chgData name="MORLEY, Thomas" userId="ca0a1631-feee-46f8-9dc6-a0f397eff84f" providerId="ADAL" clId="{E34FB9E7-6CF7-40FD-83B9-B94EF404FC33}" dt="2021-10-26T07:48:10.380" v="1915" actId="1076"/>
+          <ac:spMkLst>
+            <pc:docMk/>
+            <pc:sldMk cId="342339206" sldId="265"/>
+            <ac:spMk id="7" creationId="{53E68661-A9D7-440F-930B-F083407722A6}"/>
+          </ac:spMkLst>
+        </pc:spChg>
+        <pc:spChg chg="add mod">
+          <ac:chgData name="MORLEY, Thomas" userId="ca0a1631-feee-46f8-9dc6-a0f397eff84f" providerId="ADAL" clId="{E34FB9E7-6CF7-40FD-83B9-B94EF404FC33}" dt="2021-10-26T07:58:22.676" v="2179" actId="20577"/>
+          <ac:spMkLst>
+            <pc:docMk/>
+            <pc:sldMk cId="342339206" sldId="265"/>
+            <ac:spMk id="13" creationId="{FD835AAF-E2BA-4373-9EE6-5209ADF8FF15}"/>
+          </ac:spMkLst>
+        </pc:spChg>
+        <pc:spChg chg="add mod">
+          <ac:chgData name="MORLEY, Thomas" userId="ca0a1631-feee-46f8-9dc6-a0f397eff84f" providerId="ADAL" clId="{E34FB9E7-6CF7-40FD-83B9-B94EF404FC33}" dt="2021-10-26T08:01:03.629" v="2546" actId="20577"/>
+          <ac:spMkLst>
+            <pc:docMk/>
+            <pc:sldMk cId="342339206" sldId="265"/>
+            <ac:spMk id="14" creationId="{7554888D-BC3B-47D5-A119-2EA8DE05AA0F}"/>
+          </ac:spMkLst>
+        </pc:spChg>
+        <pc:spChg chg="add mod">
+          <ac:chgData name="MORLEY, Thomas" userId="ca0a1631-feee-46f8-9dc6-a0f397eff84f" providerId="ADAL" clId="{E34FB9E7-6CF7-40FD-83B9-B94EF404FC33}" dt="2021-10-26T08:00:25.719" v="2455" actId="1076"/>
+          <ac:spMkLst>
+            <pc:docMk/>
+            <pc:sldMk cId="342339206" sldId="265"/>
+            <ac:spMk id="15" creationId="{1B4D1569-2450-45CD-BAFC-ED44CEB55C8C}"/>
+          </ac:spMkLst>
+        </pc:spChg>
+        <pc:spChg chg="add mod">
+          <ac:chgData name="MORLEY, Thomas" userId="ca0a1631-feee-46f8-9dc6-a0f397eff84f" providerId="ADAL" clId="{E34FB9E7-6CF7-40FD-83B9-B94EF404FC33}" dt="2021-10-26T08:00:43.999" v="2516" actId="20577"/>
+          <ac:spMkLst>
+            <pc:docMk/>
+            <pc:sldMk cId="342339206" sldId="265"/>
+            <ac:spMk id="16" creationId="{DB16DD6B-7F3D-4EAE-8463-2A03B4FE6A0F}"/>
+          </ac:spMkLst>
+        </pc:spChg>
+        <pc:graphicFrameChg chg="add mod modGraphic">
+          <ac:chgData name="MORLEY, Thomas" userId="ca0a1631-feee-46f8-9dc6-a0f397eff84f" providerId="ADAL" clId="{E34FB9E7-6CF7-40FD-83B9-B94EF404FC33}" dt="2021-10-26T07:46:38.506" v="1765" actId="14100"/>
+          <ac:graphicFrameMkLst>
+            <pc:docMk/>
+            <pc:sldMk cId="342339206" sldId="265"/>
+            <ac:graphicFrameMk id="5" creationId="{89CF16A1-966E-4D4F-802C-1734BAC5BB27}"/>
+          </ac:graphicFrameMkLst>
+        </pc:graphicFrameChg>
+        <pc:cxnChg chg="add mod">
+          <ac:chgData name="MORLEY, Thomas" userId="ca0a1631-feee-46f8-9dc6-a0f397eff84f" providerId="ADAL" clId="{E34FB9E7-6CF7-40FD-83B9-B94EF404FC33}" dt="2021-10-26T07:48:36.064" v="1922" actId="14100"/>
+          <ac:cxnSpMkLst>
+            <pc:docMk/>
+            <pc:sldMk cId="342339206" sldId="265"/>
+            <ac:cxnSpMk id="9" creationId="{2AEE66B2-599C-4D36-AC5F-01F1AC2523F2}"/>
+          </ac:cxnSpMkLst>
+        </pc:cxnChg>
+        <pc:cxnChg chg="add mod">
+          <ac:chgData name="MORLEY, Thomas" userId="ca0a1631-feee-46f8-9dc6-a0f397eff84f" providerId="ADAL" clId="{E34FB9E7-6CF7-40FD-83B9-B94EF404FC33}" dt="2021-10-26T07:48:30.444" v="1921" actId="14100"/>
+          <ac:cxnSpMkLst>
+            <pc:docMk/>
+            <pc:sldMk cId="342339206" sldId="265"/>
+            <ac:cxnSpMk id="10" creationId="{18958671-7DD6-48A5-9F0A-FA367BD106E0}"/>
+          </ac:cxnSpMkLst>
+        </pc:cxnChg>
       </pc:sldChg>
     </pc:docChg>
   </pc:docChgLst>
@@ -1454,7 +1542,7 @@
           <a:p>
             <a:fld id="{565E3272-2692-4CBA-BB89-AE4B7AF62778}" type="datetimeFigureOut">
               <a:rPr lang="en-GB" smtClean="0"/>
-              <a:t>25/10/2021</a:t>
+              <a:t>26/10/2021</a:t>
             </a:fld>
             <a:endParaRPr lang="en-GB"/>
           </a:p>
@@ -1654,7 +1742,7 @@
           <a:p>
             <a:fld id="{565E3272-2692-4CBA-BB89-AE4B7AF62778}" type="datetimeFigureOut">
               <a:rPr lang="en-GB" smtClean="0"/>
-              <a:t>25/10/2021</a:t>
+              <a:t>26/10/2021</a:t>
             </a:fld>
             <a:endParaRPr lang="en-GB"/>
           </a:p>
@@ -1864,7 +1952,7 @@
           <a:p>
             <a:fld id="{565E3272-2692-4CBA-BB89-AE4B7AF62778}" type="datetimeFigureOut">
               <a:rPr lang="en-GB" smtClean="0"/>
-              <a:t>25/10/2021</a:t>
+              <a:t>26/10/2021</a:t>
             </a:fld>
             <a:endParaRPr lang="en-GB"/>
           </a:p>
@@ -2064,7 +2152,7 @@
           <a:p>
             <a:fld id="{565E3272-2692-4CBA-BB89-AE4B7AF62778}" type="datetimeFigureOut">
               <a:rPr lang="en-GB" smtClean="0"/>
-              <a:t>25/10/2021</a:t>
+              <a:t>26/10/2021</a:t>
             </a:fld>
             <a:endParaRPr lang="en-GB"/>
           </a:p>
@@ -2340,7 +2428,7 @@
           <a:p>
             <a:fld id="{565E3272-2692-4CBA-BB89-AE4B7AF62778}" type="datetimeFigureOut">
               <a:rPr lang="en-GB" smtClean="0"/>
-              <a:t>25/10/2021</a:t>
+              <a:t>26/10/2021</a:t>
             </a:fld>
             <a:endParaRPr lang="en-GB"/>
           </a:p>
@@ -2608,7 +2696,7 @@
           <a:p>
             <a:fld id="{565E3272-2692-4CBA-BB89-AE4B7AF62778}" type="datetimeFigureOut">
               <a:rPr lang="en-GB" smtClean="0"/>
-              <a:t>25/10/2021</a:t>
+              <a:t>26/10/2021</a:t>
             </a:fld>
             <a:endParaRPr lang="en-GB"/>
           </a:p>
@@ -3023,7 +3111,7 @@
           <a:p>
             <a:fld id="{565E3272-2692-4CBA-BB89-AE4B7AF62778}" type="datetimeFigureOut">
               <a:rPr lang="en-GB" smtClean="0"/>
-              <a:t>25/10/2021</a:t>
+              <a:t>26/10/2021</a:t>
             </a:fld>
             <a:endParaRPr lang="en-GB"/>
           </a:p>
@@ -3165,7 +3253,7 @@
           <a:p>
             <a:fld id="{565E3272-2692-4CBA-BB89-AE4B7AF62778}" type="datetimeFigureOut">
               <a:rPr lang="en-GB" smtClean="0"/>
-              <a:t>25/10/2021</a:t>
+              <a:t>26/10/2021</a:t>
             </a:fld>
             <a:endParaRPr lang="en-GB"/>
           </a:p>
@@ -3278,7 +3366,7 @@
           <a:p>
             <a:fld id="{565E3272-2692-4CBA-BB89-AE4B7AF62778}" type="datetimeFigureOut">
               <a:rPr lang="en-GB" smtClean="0"/>
-              <a:t>25/10/2021</a:t>
+              <a:t>26/10/2021</a:t>
             </a:fld>
             <a:endParaRPr lang="en-GB"/>
           </a:p>
@@ -3591,7 +3679,7 @@
           <a:p>
             <a:fld id="{565E3272-2692-4CBA-BB89-AE4B7AF62778}" type="datetimeFigureOut">
               <a:rPr lang="en-GB" smtClean="0"/>
-              <a:t>25/10/2021</a:t>
+              <a:t>26/10/2021</a:t>
             </a:fld>
             <a:endParaRPr lang="en-GB"/>
           </a:p>
@@ -3880,7 +3968,7 @@
           <a:p>
             <a:fld id="{565E3272-2692-4CBA-BB89-AE4B7AF62778}" type="datetimeFigureOut">
               <a:rPr lang="en-GB" smtClean="0"/>
-              <a:t>25/10/2021</a:t>
+              <a:t>26/10/2021</a:t>
             </a:fld>
             <a:endParaRPr lang="en-GB"/>
           </a:p>
@@ -4123,7 +4211,7 @@
           <a:p>
             <a:fld id="{565E3272-2692-4CBA-BB89-AE4B7AF62778}" type="datetimeFigureOut">
               <a:rPr lang="en-GB" smtClean="0"/>
-              <a:t>25/10/2021</a:t>
+              <a:t>26/10/2021</a:t>
             </a:fld>
             <a:endParaRPr lang="en-GB"/>
           </a:p>
@@ -11363,12 +11451,8 @@
           <a:p>
             <a:pPr algn="ctr"/>
             <a:r>
-              <a:rPr lang="en-GB" dirty="0" err="1"/>
-              <a:t>UI_check</a:t>
-            </a:r>
-            <a:r>
               <a:rPr lang="en-GB" dirty="0"/>
-              <a:t> creates the following UI objects: </a:t>
+              <a:t>UI_check creates the following UI objects: </a:t>
             </a:r>
             <a:r>
               <a:rPr lang="en-GB" sz="1200" dirty="0"/>
@@ -11720,15 +11804,7 @@
           <a:p>
             <a:r>
               <a:rPr lang="en-GB" dirty="0"/>
-              <a:t>This is done via the </a:t>
-            </a:r>
-            <a:r>
-              <a:rPr lang="en-GB" dirty="0" err="1"/>
-              <a:t>create_modal</a:t>
-            </a:r>
-            <a:r>
-              <a:rPr lang="en-GB" dirty="0"/>
-              <a:t> function:</a:t>
+              <a:t>This is done via the create_modal function:</a:t>
             </a:r>
           </a:p>
           <a:p>
@@ -11738,23 +11814,7 @@
             </a:pPr>
             <a:r>
               <a:rPr lang="en-GB" dirty="0"/>
-              <a:t>Creates </a:t>
-            </a:r>
-            <a:r>
-              <a:rPr lang="en-GB" dirty="0" err="1"/>
-              <a:t>modalDialog</a:t>
-            </a:r>
-            <a:r>
-              <a:rPr lang="en-GB" dirty="0"/>
-              <a:t> with UI output DG1modelling (for example – this would be taken from the “</a:t>
-            </a:r>
-            <a:r>
-              <a:rPr lang="en-GB" dirty="0" err="1"/>
-              <a:t>comments_modelling_log.R</a:t>
-            </a:r>
-            <a:r>
-              <a:rPr lang="en-GB" dirty="0"/>
-              <a:t>”)</a:t>
+              <a:t>Creates modalDialog with UI output DG1modelling (for example – this would be taken from the “comments_modelling_log.R”)</a:t>
             </a:r>
           </a:p>
         </p:txBody>
@@ -11842,15 +11902,7 @@
           <a:p>
             <a:r>
               <a:rPr lang="en-GB" dirty="0"/>
-              <a:t>Created using </a:t>
-            </a:r>
-            <a:r>
-              <a:rPr lang="en-GB" dirty="0" err="1"/>
-              <a:t>rating_options</a:t>
-            </a:r>
-            <a:r>
-              <a:rPr lang="en-GB" dirty="0"/>
-              <a:t> function:</a:t>
+              <a:t>Created using rating_options function:</a:t>
             </a:r>
           </a:p>
           <a:p>
@@ -12150,12 +12202,987 @@
             <p:ph idx="1"/>
           </p:nvPr>
         </p:nvSpPr>
-        <p:spPr/>
-        <p:txBody>
-          <a:bodyPr/>
-          <a:lstStyle/>
-          <a:p>
-            <a:endParaRPr lang="en-GB"/>
+        <p:spPr>
+          <a:xfrm>
+            <a:off x="838200" y="1625327"/>
+            <a:ext cx="10515600" cy="636786"/>
+          </a:xfrm>
+        </p:spPr>
+        <p:txBody>
+          <a:bodyPr>
+            <a:normAutofit lnSpcReduction="10000"/>
+          </a:bodyPr>
+          <a:lstStyle/>
+          <a:p>
+            <a:pPr marL="0" indent="0">
+              <a:buNone/>
+            </a:pPr>
+            <a:r>
+              <a:rPr lang="en-GB" sz="2000" dirty="0"/>
+              <a:t>To give a warning message </a:t>
+            </a:r>
+            <a:r>
+              <a:rPr lang="en-GB" sz="2000" i="1" dirty="0"/>
+              <a:t>“You have unsaved changes!” </a:t>
+            </a:r>
+            <a:r>
+              <a:rPr lang="en-GB" sz="2000" dirty="0"/>
+              <a:t>we create two dataframes – one from SQL data, one from current app status – and compare the two.</a:t>
+            </a:r>
+          </a:p>
+        </p:txBody>
+      </p:sp>
+      <p:sp>
+        <p:nvSpPr>
+          <p:cNvPr id="4" name="TextBox 3">
+            <a:extLst>
+              <a:ext uri="{FF2B5EF4-FFF2-40B4-BE49-F238E27FC236}">
+                <a16:creationId xmlns:a16="http://schemas.microsoft.com/office/drawing/2014/main" id="{39D4075E-9B29-4E22-BA6C-DA3BD9D0C6AA}"/>
+              </a:ext>
+            </a:extLst>
+          </p:cNvPr>
+          <p:cNvSpPr txBox="1"/>
+          <p:nvPr/>
+        </p:nvSpPr>
+        <p:spPr>
+          <a:xfrm>
+            <a:off x="574766" y="2262113"/>
+            <a:ext cx="3901441" cy="2523768"/>
+          </a:xfrm>
+          <a:prstGeom prst="rect">
+            <a:avLst/>
+          </a:prstGeom>
+          <a:solidFill>
+            <a:schemeClr val="accent1">
+              <a:lumMod val="40000"/>
+              <a:lumOff val="60000"/>
+            </a:schemeClr>
+          </a:solidFill>
+          <a:ln/>
+        </p:spPr>
+        <p:style>
+          <a:lnRef idx="2">
+            <a:schemeClr val="accent1"/>
+          </a:lnRef>
+          <a:fillRef idx="1">
+            <a:schemeClr val="lt1"/>
+          </a:fillRef>
+          <a:effectRef idx="0">
+            <a:schemeClr val="accent1"/>
+          </a:effectRef>
+          <a:fontRef idx="minor">
+            <a:schemeClr val="dk1"/>
+          </a:fontRef>
+        </p:style>
+        <p:txBody>
+          <a:bodyPr wrap="square" rtlCol="0">
+            <a:spAutoFit/>
+          </a:bodyPr>
+          <a:lstStyle/>
+          <a:p>
+            <a:pPr algn="ctr"/>
+            <a:r>
+              <a:rPr lang="en-GB" dirty="0"/>
+              <a:t>Reading in from SQL:</a:t>
+            </a:r>
+          </a:p>
+          <a:p>
+            <a:pPr marL="285750" indent="-285750" algn="ctr">
+              <a:buFont typeface="Arial" panose="020B0604020202020204" pitchFamily="34" charset="0"/>
+              <a:buChar char="•"/>
+            </a:pPr>
+            <a:r>
+              <a:rPr lang="en-GB" sz="1400" dirty="0"/>
+              <a:t>Obtain projectID from app</a:t>
+            </a:r>
+          </a:p>
+          <a:p>
+            <a:pPr marL="285750" indent="-285750" algn="ctr">
+              <a:buFont typeface="Arial" panose="020B0604020202020204" pitchFamily="34" charset="0"/>
+              <a:buChar char="•"/>
+            </a:pPr>
+            <a:r>
+              <a:rPr lang="en-GB" sz="1400" dirty="0"/>
+              <a:t>Find relevant row in dbo.QA_log</a:t>
+            </a:r>
+          </a:p>
+          <a:p>
+            <a:pPr marL="285750" indent="-285750" algn="ctr">
+              <a:buFont typeface="Arial" panose="020B0604020202020204" pitchFamily="34" charset="0"/>
+              <a:buChar char="•"/>
+            </a:pPr>
+            <a:r>
+              <a:rPr lang="en-GB" sz="1400" dirty="0"/>
+              <a:t>If row doesn’t exist (i.e. brand new log, never been saved before), create a row of blank data</a:t>
+            </a:r>
+          </a:p>
+          <a:p>
+            <a:pPr marL="285750" indent="-285750" algn="ctr">
+              <a:buFont typeface="Arial" panose="020B0604020202020204" pitchFamily="34" charset="0"/>
+              <a:buChar char="•"/>
+            </a:pPr>
+            <a:r>
+              <a:rPr lang="en-GB" sz="1400" dirty="0"/>
+              <a:t>Select all relevant rows in dbo.QA_checks (there will be one row for each complete check)</a:t>
+            </a:r>
+          </a:p>
+          <a:p>
+            <a:pPr marL="285750" indent="-285750" algn="ctr">
+              <a:buFont typeface="Arial" panose="020B0604020202020204" pitchFamily="34" charset="0"/>
+              <a:buChar char="•"/>
+            </a:pPr>
+            <a:r>
+              <a:rPr lang="en-GB" sz="1400" dirty="0"/>
+              <a:t>Where a row doesn’t exist for a check, create a row of blank data</a:t>
+            </a:r>
+          </a:p>
+          <a:p>
+            <a:pPr marL="285750" indent="-285750" algn="ctr">
+              <a:buFont typeface="Arial" panose="020B0604020202020204" pitchFamily="34" charset="0"/>
+              <a:buChar char="•"/>
+            </a:pPr>
+            <a:r>
+              <a:rPr lang="en-GB" sz="1400" dirty="0"/>
+              <a:t>We merge this together into a dataframe</a:t>
+            </a:r>
+          </a:p>
+        </p:txBody>
+      </p:sp>
+      <p:graphicFrame>
+        <p:nvGraphicFramePr>
+          <p:cNvPr id="5" name="Table 5">
+            <a:extLst>
+              <a:ext uri="{FF2B5EF4-FFF2-40B4-BE49-F238E27FC236}">
+                <a16:creationId xmlns:a16="http://schemas.microsoft.com/office/drawing/2014/main" id="{89CF16A1-966E-4D4F-802C-1734BAC5BB27}"/>
+              </a:ext>
+            </a:extLst>
+          </p:cNvPr>
+          <p:cNvGraphicFramePr>
+            <a:graphicFrameLocks noGrp="1"/>
+          </p:cNvGraphicFramePr>
+          <p:nvPr>
+            <p:extLst>
+              <p:ext uri="{D42A27DB-BD31-4B8C-83A1-F6EECF244321}">
+                <p14:modId xmlns:p14="http://schemas.microsoft.com/office/powerpoint/2010/main" val="99758414"/>
+              </p:ext>
+            </p:extLst>
+          </p:nvPr>
+        </p:nvGraphicFramePr>
+        <p:xfrm>
+          <a:off x="574766" y="5123225"/>
+          <a:ext cx="4275909" cy="1706880"/>
+        </p:xfrm>
+        <a:graphic>
+          <a:graphicData uri="http://schemas.openxmlformats.org/drawingml/2006/table">
+            <a:tbl>
+              <a:tblPr firstRow="1" bandRow="1">
+                <a:tableStyleId>{3B4B98B0-60AC-42C2-AFA5-B58CD77FA1E5}</a:tableStyleId>
+              </a:tblPr>
+              <a:tblGrid>
+                <a:gridCol w="1425303">
+                  <a:extLst>
+                    <a:ext uri="{9D8B030D-6E8A-4147-A177-3AD203B41FA5}">
+                      <a16:colId xmlns:a16="http://schemas.microsoft.com/office/drawing/2014/main" val="3464945137"/>
+                    </a:ext>
+                  </a:extLst>
+                </a:gridCol>
+                <a:gridCol w="1425303">
+                  <a:extLst>
+                    <a:ext uri="{9D8B030D-6E8A-4147-A177-3AD203B41FA5}">
+                      <a16:colId xmlns:a16="http://schemas.microsoft.com/office/drawing/2014/main" val="507573222"/>
+                    </a:ext>
+                  </a:extLst>
+                </a:gridCol>
+                <a:gridCol w="1425303">
+                  <a:extLst>
+                    <a:ext uri="{9D8B030D-6E8A-4147-A177-3AD203B41FA5}">
+                      <a16:colId xmlns:a16="http://schemas.microsoft.com/office/drawing/2014/main" val="425449427"/>
+                    </a:ext>
+                  </a:extLst>
+                </a:gridCol>
+              </a:tblGrid>
+              <a:tr h="189366">
+                <a:tc>
+                  <a:txBody>
+                    <a:bodyPr/>
+                    <a:lstStyle/>
+                    <a:p>
+                      <a:r>
+                        <a:rPr lang="en-GB" sz="1000" b="0" dirty="0"/>
+                        <a:t>Project ID</a:t>
+                      </a:r>
+                    </a:p>
+                  </a:txBody>
+                  <a:tcPr/>
+                </a:tc>
+                <a:tc>
+                  <a:txBody>
+                    <a:bodyPr/>
+                    <a:lstStyle/>
+                    <a:p>
+                      <a:r>
+                        <a:rPr lang="en-GB" sz="1000" b="0" dirty="0"/>
+                        <a:t>Project ID</a:t>
+                      </a:r>
+                    </a:p>
+                  </a:txBody>
+                  <a:tcPr/>
+                </a:tc>
+                <a:tc>
+                  <a:txBody>
+                    <a:bodyPr/>
+                    <a:lstStyle/>
+                    <a:p>
+                      <a:r>
+                        <a:rPr lang="en-GB" sz="1000" b="0" dirty="0"/>
+                        <a:t>Project ID</a:t>
+                      </a:r>
+                    </a:p>
+                  </a:txBody>
+                  <a:tcPr/>
+                </a:tc>
+                <a:extLst>
+                  <a:ext uri="{0D108BD9-81ED-4DB2-BD59-A6C34878D82A}">
+                    <a16:rowId xmlns:a16="http://schemas.microsoft.com/office/drawing/2014/main" val="790216178"/>
+                  </a:ext>
+                </a:extLst>
+              </a:tr>
+              <a:tr h="189366">
+                <a:tc>
+                  <a:txBody>
+                    <a:bodyPr/>
+                    <a:lstStyle/>
+                    <a:p>
+                      <a:r>
+                        <a:rPr lang="en-GB" sz="1000" dirty="0"/>
+                        <a:t>Project name</a:t>
+                      </a:r>
+                    </a:p>
+                  </a:txBody>
+                  <a:tcPr/>
+                </a:tc>
+                <a:tc>
+                  <a:txBody>
+                    <a:bodyPr/>
+                    <a:lstStyle/>
+                    <a:p>
+                      <a:r>
+                        <a:rPr lang="en-GB" sz="1000" dirty="0"/>
+                        <a:t>DG1</a:t>
+                      </a:r>
+                    </a:p>
+                  </a:txBody>
+                  <a:tcPr/>
+                </a:tc>
+                <a:tc>
+                  <a:txBody>
+                    <a:bodyPr/>
+                    <a:lstStyle/>
+                    <a:p>
+                      <a:r>
+                        <a:rPr lang="en-GB" sz="1000" dirty="0"/>
+                        <a:t>DG2</a:t>
+                      </a:r>
+                    </a:p>
+                  </a:txBody>
+                  <a:tcPr/>
+                </a:tc>
+                <a:extLst>
+                  <a:ext uri="{0D108BD9-81ED-4DB2-BD59-A6C34878D82A}">
+                    <a16:rowId xmlns:a16="http://schemas.microsoft.com/office/drawing/2014/main" val="1388748554"/>
+                  </a:ext>
+                </a:extLst>
+              </a:tr>
+              <a:tr h="189366">
+                <a:tc>
+                  <a:txBody>
+                    <a:bodyPr/>
+                    <a:lstStyle/>
+                    <a:p>
+                      <a:r>
+                        <a:rPr lang="en-GB" sz="1000" dirty="0"/>
+                        <a:t>Version</a:t>
+                      </a:r>
+                    </a:p>
+                  </a:txBody>
+                  <a:tcPr/>
+                </a:tc>
+                <a:tc>
+                  <a:txBody>
+                    <a:bodyPr/>
+                    <a:lstStyle/>
+                    <a:p>
+                      <a:r>
+                        <a:rPr lang="en-GB" sz="1000" dirty="0"/>
+                        <a:t>DG1 rating</a:t>
+                      </a:r>
+                    </a:p>
+                  </a:txBody>
+                  <a:tcPr/>
+                </a:tc>
+                <a:tc>
+                  <a:txBody>
+                    <a:bodyPr/>
+                    <a:lstStyle/>
+                    <a:p>
+                      <a:r>
+                        <a:rPr lang="en-GB" sz="1000" dirty="0"/>
+                        <a:t>DG2 rating</a:t>
+                      </a:r>
+                    </a:p>
+                  </a:txBody>
+                  <a:tcPr/>
+                </a:tc>
+                <a:extLst>
+                  <a:ext uri="{0D108BD9-81ED-4DB2-BD59-A6C34878D82A}">
+                    <a16:rowId xmlns:a16="http://schemas.microsoft.com/office/drawing/2014/main" val="1948033827"/>
+                  </a:ext>
+                </a:extLst>
+              </a:tr>
+              <a:tr h="189366">
+                <a:tc>
+                  <a:txBody>
+                    <a:bodyPr/>
+                    <a:lstStyle/>
+                    <a:p>
+                      <a:r>
+                        <a:rPr lang="en-GB" sz="1000" dirty="0"/>
+                        <a:t>Lead Analyst</a:t>
+                      </a:r>
+                    </a:p>
+                  </a:txBody>
+                  <a:tcPr/>
+                </a:tc>
+                <a:tc>
+                  <a:txBody>
+                    <a:bodyPr/>
+                    <a:lstStyle/>
+                    <a:p>
+                      <a:r>
+                        <a:rPr lang="en-GB" sz="1000" dirty="0"/>
+                        <a:t>DG1 assessor</a:t>
+                      </a:r>
+                    </a:p>
+                  </a:txBody>
+                  <a:tcPr/>
+                </a:tc>
+                <a:tc>
+                  <a:txBody>
+                    <a:bodyPr/>
+                    <a:lstStyle/>
+                    <a:p>
+                      <a:r>
+                        <a:rPr lang="en-GB" sz="1000" dirty="0"/>
+                        <a:t>DG2 assessor</a:t>
+                      </a:r>
+                    </a:p>
+                  </a:txBody>
+                  <a:tcPr/>
+                </a:tc>
+                <a:extLst>
+                  <a:ext uri="{0D108BD9-81ED-4DB2-BD59-A6C34878D82A}">
+                    <a16:rowId xmlns:a16="http://schemas.microsoft.com/office/drawing/2014/main" val="1170233222"/>
+                  </a:ext>
+                </a:extLst>
+              </a:tr>
+              <a:tr h="189366">
+                <a:tc>
+                  <a:txBody>
+                    <a:bodyPr/>
+                    <a:lstStyle/>
+                    <a:p>
+                      <a:r>
+                        <a:rPr lang="en-GB" sz="1000" dirty="0"/>
+                        <a:t>Analytical Assurer</a:t>
+                      </a:r>
+                    </a:p>
+                  </a:txBody>
+                  <a:tcPr/>
+                </a:tc>
+                <a:tc>
+                  <a:txBody>
+                    <a:bodyPr/>
+                    <a:lstStyle/>
+                    <a:p>
+                      <a:r>
+                        <a:rPr lang="en-GB" sz="1000" dirty="0"/>
+                        <a:t>DG1 Evidence</a:t>
+                      </a:r>
+                    </a:p>
+                  </a:txBody>
+                  <a:tcPr/>
+                </a:tc>
+                <a:tc>
+                  <a:txBody>
+                    <a:bodyPr/>
+                    <a:lstStyle/>
+                    <a:p>
+                      <a:r>
+                        <a:rPr lang="en-GB" sz="1000" dirty="0"/>
+                        <a:t>DG2 Evidence</a:t>
+                      </a:r>
+                    </a:p>
+                  </a:txBody>
+                  <a:tcPr/>
+                </a:tc>
+                <a:extLst>
+                  <a:ext uri="{0D108BD9-81ED-4DB2-BD59-A6C34878D82A}">
+                    <a16:rowId xmlns:a16="http://schemas.microsoft.com/office/drawing/2014/main" val="1893517962"/>
+                  </a:ext>
+                </a:extLst>
+              </a:tr>
+              <a:tr h="189366">
+                <a:tc>
+                  <a:txBody>
+                    <a:bodyPr/>
+                    <a:lstStyle/>
+                    <a:p>
+                      <a:r>
+                        <a:rPr lang="en-GB" sz="1000" dirty="0"/>
+                        <a:t>BCM?</a:t>
+                      </a:r>
+                    </a:p>
+                  </a:txBody>
+                  <a:tcPr/>
+                </a:tc>
+                <a:tc>
+                  <a:txBody>
+                    <a:bodyPr/>
+                    <a:lstStyle/>
+                    <a:p>
+                      <a:r>
+                        <a:rPr lang="en-GB" sz="1000" dirty="0"/>
+                        <a:t>DG1 Observations</a:t>
+                      </a:r>
+                    </a:p>
+                  </a:txBody>
+                  <a:tcPr/>
+                </a:tc>
+                <a:tc>
+                  <a:txBody>
+                    <a:bodyPr/>
+                    <a:lstStyle/>
+                    <a:p>
+                      <a:r>
+                        <a:rPr lang="en-GB" sz="1000" dirty="0"/>
+                        <a:t>DG2 Observations</a:t>
+                      </a:r>
+                    </a:p>
+                  </a:txBody>
+                  <a:tcPr/>
+                </a:tc>
+                <a:extLst>
+                  <a:ext uri="{0D108BD9-81ED-4DB2-BD59-A6C34878D82A}">
+                    <a16:rowId xmlns:a16="http://schemas.microsoft.com/office/drawing/2014/main" val="3107378113"/>
+                  </a:ext>
+                </a:extLst>
+              </a:tr>
+              <a:tr h="189366">
+                <a:tc>
+                  <a:txBody>
+                    <a:bodyPr/>
+                    <a:lstStyle/>
+                    <a:p>
+                      <a:r>
+                        <a:rPr lang="en-GB" sz="1000" dirty="0"/>
+                        <a:t>Log type</a:t>
+                      </a:r>
+                    </a:p>
+                  </a:txBody>
+                  <a:tcPr/>
+                </a:tc>
+                <a:tc>
+                  <a:txBody>
+                    <a:bodyPr/>
+                    <a:lstStyle/>
+                    <a:p>
+                      <a:r>
+                        <a:rPr lang="en-GB" sz="1000" dirty="0"/>
+                        <a:t>DG1 Outstanding</a:t>
+                      </a:r>
+                    </a:p>
+                  </a:txBody>
+                  <a:tcPr/>
+                </a:tc>
+                <a:tc>
+                  <a:txBody>
+                    <a:bodyPr/>
+                    <a:lstStyle/>
+                    <a:p>
+                      <a:r>
+                        <a:rPr lang="en-GB" sz="1000" dirty="0"/>
+                        <a:t>DG2 Outstanding</a:t>
+                      </a:r>
+                    </a:p>
+                  </a:txBody>
+                  <a:tcPr/>
+                </a:tc>
+                <a:extLst>
+                  <a:ext uri="{0D108BD9-81ED-4DB2-BD59-A6C34878D82A}">
+                    <a16:rowId xmlns:a16="http://schemas.microsoft.com/office/drawing/2014/main" val="2342507693"/>
+                  </a:ext>
+                </a:extLst>
+              </a:tr>
+            </a:tbl>
+          </a:graphicData>
+        </a:graphic>
+      </p:graphicFrame>
+      <p:sp>
+        <p:nvSpPr>
+          <p:cNvPr id="6" name="TextBox 5">
+            <a:extLst>
+              <a:ext uri="{FF2B5EF4-FFF2-40B4-BE49-F238E27FC236}">
+                <a16:creationId xmlns:a16="http://schemas.microsoft.com/office/drawing/2014/main" id="{E971134A-952A-47AE-9281-909EBB7A6922}"/>
+              </a:ext>
+            </a:extLst>
+          </p:cNvPr>
+          <p:cNvSpPr txBox="1"/>
+          <p:nvPr/>
+        </p:nvSpPr>
+        <p:spPr>
+          <a:xfrm>
+            <a:off x="513805" y="4785276"/>
+            <a:ext cx="3899016" cy="338554"/>
+          </a:xfrm>
+          <a:prstGeom prst="rect">
+            <a:avLst/>
+          </a:prstGeom>
+          <a:noFill/>
+        </p:spPr>
+        <p:txBody>
+          <a:bodyPr wrap="none" rtlCol="0">
+            <a:spAutoFit/>
+          </a:bodyPr>
+          <a:lstStyle/>
+          <a:p>
+            <a:r>
+              <a:rPr lang="en-GB" sz="1600" dirty="0"/>
+              <a:t>Example of first three columns of dataframe:</a:t>
+            </a:r>
+          </a:p>
+        </p:txBody>
+      </p:sp>
+      <p:sp>
+        <p:nvSpPr>
+          <p:cNvPr id="7" name="TextBox 6">
+            <a:extLst>
+              <a:ext uri="{FF2B5EF4-FFF2-40B4-BE49-F238E27FC236}">
+                <a16:creationId xmlns:a16="http://schemas.microsoft.com/office/drawing/2014/main" id="{53E68661-A9D7-440F-930B-F083407722A6}"/>
+              </a:ext>
+            </a:extLst>
+          </p:cNvPr>
+          <p:cNvSpPr txBox="1"/>
+          <p:nvPr/>
+        </p:nvSpPr>
+        <p:spPr>
+          <a:xfrm>
+            <a:off x="4963886" y="3064180"/>
+            <a:ext cx="1550125" cy="1015663"/>
+          </a:xfrm>
+          <a:prstGeom prst="rect">
+            <a:avLst/>
+          </a:prstGeom>
+          <a:noFill/>
+        </p:spPr>
+        <p:txBody>
+          <a:bodyPr wrap="square" rtlCol="0">
+            <a:spAutoFit/>
+          </a:bodyPr>
+          <a:lstStyle/>
+          <a:p>
+            <a:r>
+              <a:rPr lang="en-GB" sz="1200" dirty="0"/>
+              <a:t>Blank rows are necessary so that both dataframes are same size to allow us to compare</a:t>
+            </a:r>
+          </a:p>
+        </p:txBody>
+      </p:sp>
+      <p:cxnSp>
+        <p:nvCxnSpPr>
+          <p:cNvPr id="9" name="Straight Arrow Connector 8">
+            <a:extLst>
+              <a:ext uri="{FF2B5EF4-FFF2-40B4-BE49-F238E27FC236}">
+                <a16:creationId xmlns:a16="http://schemas.microsoft.com/office/drawing/2014/main" id="{2AEE66B2-599C-4D36-AC5F-01F1AC2523F2}"/>
+              </a:ext>
+            </a:extLst>
+          </p:cNvPr>
+          <p:cNvCxnSpPr>
+            <a:cxnSpLocks/>
+          </p:cNvCxnSpPr>
+          <p:nvPr/>
+        </p:nvCxnSpPr>
+        <p:spPr>
+          <a:xfrm flipH="1">
+            <a:off x="4355003" y="3352800"/>
+            <a:ext cx="608884" cy="0"/>
+          </a:xfrm>
+          <a:prstGeom prst="straightConnector1">
+            <a:avLst/>
+          </a:prstGeom>
+          <a:ln>
+            <a:solidFill>
+              <a:schemeClr val="accent6">
+                <a:lumMod val="75000"/>
+              </a:schemeClr>
+            </a:solidFill>
+            <a:tailEnd type="triangle"/>
+          </a:ln>
+        </p:spPr>
+        <p:style>
+          <a:lnRef idx="1">
+            <a:schemeClr val="accent1"/>
+          </a:lnRef>
+          <a:fillRef idx="0">
+            <a:schemeClr val="accent1"/>
+          </a:fillRef>
+          <a:effectRef idx="0">
+            <a:schemeClr val="accent1"/>
+          </a:effectRef>
+          <a:fontRef idx="minor">
+            <a:schemeClr val="tx1"/>
+          </a:fontRef>
+        </p:style>
+      </p:cxnSp>
+      <p:cxnSp>
+        <p:nvCxnSpPr>
+          <p:cNvPr id="10" name="Straight Arrow Connector 9">
+            <a:extLst>
+              <a:ext uri="{FF2B5EF4-FFF2-40B4-BE49-F238E27FC236}">
+                <a16:creationId xmlns:a16="http://schemas.microsoft.com/office/drawing/2014/main" id="{18958671-7DD6-48A5-9F0A-FA367BD106E0}"/>
+              </a:ext>
+            </a:extLst>
+          </p:cNvPr>
+          <p:cNvCxnSpPr>
+            <a:cxnSpLocks/>
+          </p:cNvCxnSpPr>
+          <p:nvPr/>
+        </p:nvCxnSpPr>
+        <p:spPr>
+          <a:xfrm flipH="1">
+            <a:off x="4355003" y="3753394"/>
+            <a:ext cx="608883" cy="570412"/>
+          </a:xfrm>
+          <a:prstGeom prst="straightConnector1">
+            <a:avLst/>
+          </a:prstGeom>
+          <a:ln>
+            <a:solidFill>
+              <a:schemeClr val="accent6">
+                <a:lumMod val="75000"/>
+              </a:schemeClr>
+            </a:solidFill>
+            <a:tailEnd type="triangle"/>
+          </a:ln>
+        </p:spPr>
+        <p:style>
+          <a:lnRef idx="1">
+            <a:schemeClr val="accent1"/>
+          </a:lnRef>
+          <a:fillRef idx="0">
+            <a:schemeClr val="accent1"/>
+          </a:fillRef>
+          <a:effectRef idx="0">
+            <a:schemeClr val="accent1"/>
+          </a:effectRef>
+          <a:fontRef idx="minor">
+            <a:schemeClr val="tx1"/>
+          </a:fontRef>
+        </p:style>
+      </p:cxnSp>
+      <p:sp>
+        <p:nvSpPr>
+          <p:cNvPr id="13" name="TextBox 12">
+            <a:extLst>
+              <a:ext uri="{FF2B5EF4-FFF2-40B4-BE49-F238E27FC236}">
+                <a16:creationId xmlns:a16="http://schemas.microsoft.com/office/drawing/2014/main" id="{FD835AAF-E2BA-4373-9EE6-5209ADF8FF15}"/>
+              </a:ext>
+            </a:extLst>
+          </p:cNvPr>
+          <p:cNvSpPr txBox="1"/>
+          <p:nvPr/>
+        </p:nvSpPr>
+        <p:spPr>
+          <a:xfrm>
+            <a:off x="6675120" y="2261811"/>
+            <a:ext cx="3901441" cy="2092881"/>
+          </a:xfrm>
+          <a:prstGeom prst="rect">
+            <a:avLst/>
+          </a:prstGeom>
+          <a:solidFill>
+            <a:schemeClr val="accent1">
+              <a:lumMod val="40000"/>
+              <a:lumOff val="60000"/>
+            </a:schemeClr>
+          </a:solidFill>
+          <a:ln/>
+        </p:spPr>
+        <p:style>
+          <a:lnRef idx="2">
+            <a:schemeClr val="accent1"/>
+          </a:lnRef>
+          <a:fillRef idx="1">
+            <a:schemeClr val="lt1"/>
+          </a:fillRef>
+          <a:effectRef idx="0">
+            <a:schemeClr val="accent1"/>
+          </a:effectRef>
+          <a:fontRef idx="minor">
+            <a:schemeClr val="dk1"/>
+          </a:fontRef>
+        </p:style>
+        <p:txBody>
+          <a:bodyPr wrap="square" rtlCol="0">
+            <a:spAutoFit/>
+          </a:bodyPr>
+          <a:lstStyle/>
+          <a:p>
+            <a:pPr algn="ctr"/>
+            <a:r>
+              <a:rPr lang="en-GB" dirty="0"/>
+              <a:t>Reading in from app:</a:t>
+            </a:r>
+          </a:p>
+          <a:p>
+            <a:pPr marL="285750" indent="-285750" algn="ctr">
+              <a:buFont typeface="Arial" panose="020B0604020202020204" pitchFamily="34" charset="0"/>
+              <a:buChar char="•"/>
+            </a:pPr>
+            <a:r>
+              <a:rPr lang="en-GB" sz="1400" dirty="0"/>
+              <a:t>Manually create row that matches row in dbo.QA_log</a:t>
+            </a:r>
+          </a:p>
+          <a:p>
+            <a:pPr marL="285750" indent="-285750" algn="ctr">
+              <a:buFont typeface="Arial" panose="020B0604020202020204" pitchFamily="34" charset="0"/>
+              <a:buChar char="•"/>
+            </a:pPr>
+            <a:r>
+              <a:rPr lang="en-GB" sz="1400" dirty="0"/>
+              <a:t>Use </a:t>
+            </a:r>
+            <a:r>
+              <a:rPr lang="en-GB" sz="1400" dirty="0" err="1"/>
+              <a:t>paste_other_input</a:t>
+            </a:r>
+            <a:r>
+              <a:rPr lang="en-GB" sz="1400" dirty="0"/>
+              <a:t> to create row that matches those in dbo.QA_checks</a:t>
+            </a:r>
+          </a:p>
+          <a:p>
+            <a:pPr marL="285750" indent="-285750" algn="ctr">
+              <a:buFont typeface="Arial" panose="020B0604020202020204" pitchFamily="34" charset="0"/>
+              <a:buChar char="•"/>
+            </a:pPr>
+            <a:r>
+              <a:rPr lang="en-GB" sz="1400" dirty="0"/>
+              <a:t>This is run over all check IDs using </a:t>
+            </a:r>
+            <a:r>
+              <a:rPr lang="en-GB" sz="1400" dirty="0" err="1"/>
+              <a:t>sapply</a:t>
+            </a:r>
+            <a:r>
+              <a:rPr lang="en-GB" sz="1400" dirty="0"/>
+              <a:t> function</a:t>
+            </a:r>
+          </a:p>
+          <a:p>
+            <a:pPr marL="285750" indent="-285750" algn="ctr">
+              <a:buFont typeface="Arial" panose="020B0604020202020204" pitchFamily="34" charset="0"/>
+              <a:buChar char="•"/>
+            </a:pPr>
+            <a:r>
+              <a:rPr lang="en-GB" sz="1400" dirty="0"/>
+              <a:t>Everything merged together into one dataframe</a:t>
+            </a:r>
+          </a:p>
+        </p:txBody>
+      </p:sp>
+      <p:sp>
+        <p:nvSpPr>
+          <p:cNvPr id="14" name="TextBox 13">
+            <a:extLst>
+              <a:ext uri="{FF2B5EF4-FFF2-40B4-BE49-F238E27FC236}">
+                <a16:creationId xmlns:a16="http://schemas.microsoft.com/office/drawing/2014/main" id="{7554888D-BC3B-47D5-A119-2EA8DE05AA0F}"/>
+              </a:ext>
+            </a:extLst>
+          </p:cNvPr>
+          <p:cNvSpPr txBox="1"/>
+          <p:nvPr/>
+        </p:nvSpPr>
+        <p:spPr>
+          <a:xfrm>
+            <a:off x="6675119" y="5232673"/>
+            <a:ext cx="3901441" cy="1169551"/>
+          </a:xfrm>
+          <a:prstGeom prst="rect">
+            <a:avLst/>
+          </a:prstGeom>
+          <a:solidFill>
+            <a:schemeClr val="accent1">
+              <a:lumMod val="40000"/>
+              <a:lumOff val="60000"/>
+            </a:schemeClr>
+          </a:solidFill>
+          <a:ln/>
+        </p:spPr>
+        <p:style>
+          <a:lnRef idx="2">
+            <a:schemeClr val="accent1"/>
+          </a:lnRef>
+          <a:fillRef idx="1">
+            <a:schemeClr val="lt1"/>
+          </a:fillRef>
+          <a:effectRef idx="0">
+            <a:schemeClr val="accent1"/>
+          </a:effectRef>
+          <a:fontRef idx="minor">
+            <a:schemeClr val="dk1"/>
+          </a:fontRef>
+        </p:style>
+        <p:txBody>
+          <a:bodyPr wrap="square" rtlCol="0">
+            <a:spAutoFit/>
+          </a:bodyPr>
+          <a:lstStyle/>
+          <a:p>
+            <a:pPr algn="ctr"/>
+            <a:r>
+              <a:rPr lang="en-GB" sz="1400" dirty="0"/>
+              <a:t>Dataframes are compared.</a:t>
+            </a:r>
+          </a:p>
+          <a:p>
+            <a:pPr algn="ctr"/>
+            <a:r>
+              <a:rPr lang="en-GB" sz="1400" dirty="0"/>
+              <a:t>If not equal, an error message is printed.</a:t>
+            </a:r>
+          </a:p>
+          <a:p>
+            <a:pPr algn="ctr"/>
+            <a:r>
+              <a:rPr lang="en-GB" sz="1400" dirty="0"/>
+              <a:t>Whenever “Save” button is pressed, the “Reading in from SQL” is repeated, and comparison is </a:t>
+            </a:r>
+            <a:r>
+              <a:rPr lang="en-GB" sz="1400"/>
+              <a:t>run again.</a:t>
+            </a:r>
+            <a:endParaRPr lang="en-GB" sz="1400" dirty="0"/>
+          </a:p>
+        </p:txBody>
+      </p:sp>
+      <p:sp>
+        <p:nvSpPr>
+          <p:cNvPr id="15" name="TextBox 14">
+            <a:extLst>
+              <a:ext uri="{FF2B5EF4-FFF2-40B4-BE49-F238E27FC236}">
+                <a16:creationId xmlns:a16="http://schemas.microsoft.com/office/drawing/2014/main" id="{1B4D1569-2450-45CD-BAFC-ED44CEB55C8C}"/>
+              </a:ext>
+            </a:extLst>
+          </p:cNvPr>
+          <p:cNvSpPr txBox="1"/>
+          <p:nvPr/>
+        </p:nvSpPr>
+        <p:spPr>
+          <a:xfrm>
+            <a:off x="9875521" y="2022626"/>
+            <a:ext cx="1976845" cy="523220"/>
+          </a:xfrm>
+          <a:prstGeom prst="rect">
+            <a:avLst/>
+          </a:prstGeom>
+          <a:solidFill>
+            <a:schemeClr val="accent4">
+              <a:lumMod val="40000"/>
+              <a:lumOff val="60000"/>
+            </a:schemeClr>
+          </a:solidFill>
+        </p:spPr>
+        <p:style>
+          <a:lnRef idx="2">
+            <a:schemeClr val="accent4"/>
+          </a:lnRef>
+          <a:fillRef idx="1">
+            <a:schemeClr val="lt1"/>
+          </a:fillRef>
+          <a:effectRef idx="0">
+            <a:schemeClr val="accent4"/>
+          </a:effectRef>
+          <a:fontRef idx="minor">
+            <a:schemeClr val="dk1"/>
+          </a:fontRef>
+        </p:style>
+        <p:txBody>
+          <a:bodyPr wrap="square" rtlCol="0">
+            <a:spAutoFit/>
+          </a:bodyPr>
+          <a:lstStyle/>
+          <a:p>
+            <a:pPr algn="ctr"/>
+            <a:r>
+              <a:rPr lang="en-GB" sz="1400" dirty="0"/>
+              <a:t>Updates automatically as changes made in app</a:t>
+            </a:r>
+          </a:p>
+        </p:txBody>
+      </p:sp>
+      <p:sp>
+        <p:nvSpPr>
+          <p:cNvPr id="16" name="TextBox 15">
+            <a:extLst>
+              <a:ext uri="{FF2B5EF4-FFF2-40B4-BE49-F238E27FC236}">
+                <a16:creationId xmlns:a16="http://schemas.microsoft.com/office/drawing/2014/main" id="{DB16DD6B-7F3D-4EAE-8463-2A03B4FE6A0F}"/>
+              </a:ext>
+            </a:extLst>
+          </p:cNvPr>
+          <p:cNvSpPr txBox="1"/>
+          <p:nvPr/>
+        </p:nvSpPr>
+        <p:spPr>
+          <a:xfrm>
+            <a:off x="3975463" y="2170882"/>
+            <a:ext cx="1976845" cy="523220"/>
+          </a:xfrm>
+          <a:prstGeom prst="rect">
+            <a:avLst/>
+          </a:prstGeom>
+          <a:solidFill>
+            <a:schemeClr val="accent4">
+              <a:lumMod val="40000"/>
+              <a:lumOff val="60000"/>
+            </a:schemeClr>
+          </a:solidFill>
+        </p:spPr>
+        <p:style>
+          <a:lnRef idx="2">
+            <a:schemeClr val="accent4"/>
+          </a:lnRef>
+          <a:fillRef idx="1">
+            <a:schemeClr val="lt1"/>
+          </a:fillRef>
+          <a:effectRef idx="0">
+            <a:schemeClr val="accent4"/>
+          </a:effectRef>
+          <a:fontRef idx="minor">
+            <a:schemeClr val="dk1"/>
+          </a:fontRef>
+        </p:style>
+        <p:txBody>
+          <a:bodyPr wrap="square" rtlCol="0">
+            <a:spAutoFit/>
+          </a:bodyPr>
+          <a:lstStyle/>
+          <a:p>
+            <a:pPr algn="ctr"/>
+            <a:r>
+              <a:rPr lang="en-GB" sz="1400" dirty="0"/>
+              <a:t>Has to be updated manually</a:t>
+            </a:r>
           </a:p>
         </p:txBody>
       </p:sp>

--- a/QA log app - behind the code.pptx
+++ b/QA log app - behind the code.pptx
@@ -14,6 +14,7 @@
     <p:sldId id="261" r:id="rId8"/>
     <p:sldId id="262" r:id="rId9"/>
     <p:sldId id="265" r:id="rId10"/>
+    <p:sldId id="266" r:id="rId11"/>
   </p:sldIdLst>
   <p:sldSz cx="12192000" cy="6858000"/>
   <p:notesSz cx="6858000" cy="9144000"/>
@@ -123,8 +124,7 @@
 <file path=ppt/revisionInfo.xml><?xml version="1.0" encoding="utf-8"?>
 <p1510:revInfo xmlns:a="http://schemas.openxmlformats.org/drawingml/2006/main" xmlns:r="http://schemas.openxmlformats.org/officeDocument/2006/relationships" xmlns:p1510="http://schemas.microsoft.com/office/powerpoint/2015/10/main">
   <p1510:revLst>
-    <p1510:client id="{21694504-DF36-4190-984B-87BF7BD1C818}" v="87" dt="2021-10-25T14:06:36.756"/>
-    <p1510:client id="{E34FB9E7-6CF7-40FD-83B9-B94EF404FC33}" v="33" dt="2021-10-26T08:00:26.881"/>
+    <p1510:client id="{E34FB9E7-6CF7-40FD-83B9-B94EF404FC33}" v="51" dt="2021-11-02T15:27:46.352"/>
   </p1510:revLst>
 </p1510:revInfo>
 </file>
@@ -133,8 +133,8 @@
 <pc:chgInfo xmlns:a="http://schemas.openxmlformats.org/drawingml/2006/main" xmlns:r="http://schemas.openxmlformats.org/officeDocument/2006/relationships" xmlns:ac="http://schemas.microsoft.com/office/drawing/2013/main/command" xmlns:pc="http://schemas.microsoft.com/office/powerpoint/2013/main/command">
   <pc:docChgLst>
     <pc:chgData name="MORLEY, Thomas" userId="ca0a1631-feee-46f8-9dc6-a0f397eff84f" providerId="ADAL" clId="{E34FB9E7-6CF7-40FD-83B9-B94EF404FC33}"/>
-    <pc:docChg chg="custSel addSld delSld modSld">
-      <pc:chgData name="MORLEY, Thomas" userId="ca0a1631-feee-46f8-9dc6-a0f397eff84f" providerId="ADAL" clId="{E34FB9E7-6CF7-40FD-83B9-B94EF404FC33}" dt="2021-10-26T08:01:03.629" v="2546" actId="20577"/>
+    <pc:docChg chg="undo custSel addSld delSld modSld">
+      <pc:chgData name="MORLEY, Thomas" userId="ca0a1631-feee-46f8-9dc6-a0f397eff84f" providerId="ADAL" clId="{E34FB9E7-6CF7-40FD-83B9-B94EF404FC33}" dt="2021-11-02T15:28:22.966" v="3310" actId="207"/>
       <pc:docMkLst>
         <pc:docMk/>
       </pc:docMkLst>
@@ -474,6 +474,181 @@
             <pc:docMk/>
             <pc:sldMk cId="342339206" sldId="265"/>
             <ac:cxnSpMk id="10" creationId="{18958671-7DD6-48A5-9F0A-FA367BD106E0}"/>
+          </ac:cxnSpMkLst>
+        </pc:cxnChg>
+      </pc:sldChg>
+      <pc:sldChg chg="addSp modSp new mod">
+        <pc:chgData name="MORLEY, Thomas" userId="ca0a1631-feee-46f8-9dc6-a0f397eff84f" providerId="ADAL" clId="{E34FB9E7-6CF7-40FD-83B9-B94EF404FC33}" dt="2021-11-02T15:28:22.966" v="3310" actId="207"/>
+        <pc:sldMkLst>
+          <pc:docMk/>
+          <pc:sldMk cId="2423129868" sldId="266"/>
+        </pc:sldMkLst>
+        <pc:spChg chg="mod">
+          <ac:chgData name="MORLEY, Thomas" userId="ca0a1631-feee-46f8-9dc6-a0f397eff84f" providerId="ADAL" clId="{E34FB9E7-6CF7-40FD-83B9-B94EF404FC33}" dt="2021-11-02T15:19:20.456" v="2568" actId="20577"/>
+          <ac:spMkLst>
+            <pc:docMk/>
+            <pc:sldMk cId="2423129868" sldId="266"/>
+            <ac:spMk id="2" creationId="{5F6791CC-7E1C-4898-8970-C8784B749EC0}"/>
+          </ac:spMkLst>
+        </pc:spChg>
+        <pc:spChg chg="add mod">
+          <ac:chgData name="MORLEY, Thomas" userId="ca0a1631-feee-46f8-9dc6-a0f397eff84f" providerId="ADAL" clId="{E34FB9E7-6CF7-40FD-83B9-B94EF404FC33}" dt="2021-11-02T15:20:08.749" v="2746" actId="20577"/>
+          <ac:spMkLst>
+            <pc:docMk/>
+            <pc:sldMk cId="2423129868" sldId="266"/>
+            <ac:spMk id="3" creationId="{04D1F5BF-9556-4373-A58D-CC26AF09C5AE}"/>
+          </ac:spMkLst>
+        </pc:spChg>
+        <pc:spChg chg="add mod">
+          <ac:chgData name="MORLEY, Thomas" userId="ca0a1631-feee-46f8-9dc6-a0f397eff84f" providerId="ADAL" clId="{E34FB9E7-6CF7-40FD-83B9-B94EF404FC33}" dt="2021-11-02T15:23:41.439" v="2899" actId="1076"/>
+          <ac:spMkLst>
+            <pc:docMk/>
+            <pc:sldMk cId="2423129868" sldId="266"/>
+            <ac:spMk id="4" creationId="{E192288E-89BA-4402-894D-3D715A3EA78D}"/>
+          </ac:spMkLst>
+        </pc:spChg>
+        <pc:spChg chg="add mod">
+          <ac:chgData name="MORLEY, Thomas" userId="ca0a1631-feee-46f8-9dc6-a0f397eff84f" providerId="ADAL" clId="{E34FB9E7-6CF7-40FD-83B9-B94EF404FC33}" dt="2021-11-02T15:23:25.336" v="2894" actId="122"/>
+          <ac:spMkLst>
+            <pc:docMk/>
+            <pc:sldMk cId="2423129868" sldId="266"/>
+            <ac:spMk id="5" creationId="{CEC9B9B1-316C-4739-B075-AE5E33052E66}"/>
+          </ac:spMkLst>
+        </pc:spChg>
+        <pc:spChg chg="add mod">
+          <ac:chgData name="MORLEY, Thomas" userId="ca0a1631-feee-46f8-9dc6-a0f397eff84f" providerId="ADAL" clId="{E34FB9E7-6CF7-40FD-83B9-B94EF404FC33}" dt="2021-11-02T15:23:50.293" v="2901" actId="1076"/>
+          <ac:spMkLst>
+            <pc:docMk/>
+            <pc:sldMk cId="2423129868" sldId="266"/>
+            <ac:spMk id="8" creationId="{F40629F5-4082-49A1-ADD2-1390B4D36469}"/>
+          </ac:spMkLst>
+        </pc:spChg>
+        <pc:spChg chg="add mod">
+          <ac:chgData name="MORLEY, Thomas" userId="ca0a1631-feee-46f8-9dc6-a0f397eff84f" providerId="ADAL" clId="{E34FB9E7-6CF7-40FD-83B9-B94EF404FC33}" dt="2021-11-02T15:23:54.593" v="2904" actId="1076"/>
+          <ac:spMkLst>
+            <pc:docMk/>
+            <pc:sldMk cId="2423129868" sldId="266"/>
+            <ac:spMk id="11" creationId="{E336B898-A9BE-472B-A817-77DE50F417E8}"/>
+          </ac:spMkLst>
+        </pc:spChg>
+        <pc:spChg chg="add mod">
+          <ac:chgData name="MORLEY, Thomas" userId="ca0a1631-feee-46f8-9dc6-a0f397eff84f" providerId="ADAL" clId="{E34FB9E7-6CF7-40FD-83B9-B94EF404FC33}" dt="2021-11-02T15:28:11.494" v="3307" actId="207"/>
+          <ac:spMkLst>
+            <pc:docMk/>
+            <pc:sldMk cId="2423129868" sldId="266"/>
+            <ac:spMk id="12" creationId="{4B040FD5-B036-49C4-93AD-C1BD3F282008}"/>
+          </ac:spMkLst>
+        </pc:spChg>
+        <pc:spChg chg="add mod">
+          <ac:chgData name="MORLEY, Thomas" userId="ca0a1631-feee-46f8-9dc6-a0f397eff84f" providerId="ADAL" clId="{E34FB9E7-6CF7-40FD-83B9-B94EF404FC33}" dt="2021-11-02T15:25:50.059" v="3078" actId="1076"/>
+          <ac:spMkLst>
+            <pc:docMk/>
+            <pc:sldMk cId="2423129868" sldId="266"/>
+            <ac:spMk id="15" creationId="{476C8284-E34B-45AA-BB7B-7C99A398B3CF}"/>
+          </ac:spMkLst>
+        </pc:spChg>
+        <pc:spChg chg="add mod">
+          <ac:chgData name="MORLEY, Thomas" userId="ca0a1631-feee-46f8-9dc6-a0f397eff84f" providerId="ADAL" clId="{E34FB9E7-6CF7-40FD-83B9-B94EF404FC33}" dt="2021-11-02T15:26:24.829" v="3119" actId="1076"/>
+          <ac:spMkLst>
+            <pc:docMk/>
+            <pc:sldMk cId="2423129868" sldId="266"/>
+            <ac:spMk id="16" creationId="{BDF9E54E-C4AD-4ADE-9789-9146DF7DA9EB}"/>
+          </ac:spMkLst>
+        </pc:spChg>
+        <pc:spChg chg="add mod">
+          <ac:chgData name="MORLEY, Thomas" userId="ca0a1631-feee-46f8-9dc6-a0f397eff84f" providerId="ADAL" clId="{E34FB9E7-6CF7-40FD-83B9-B94EF404FC33}" dt="2021-11-02T15:24:53.706" v="3010" actId="1076"/>
+          <ac:spMkLst>
+            <pc:docMk/>
+            <pc:sldMk cId="2423129868" sldId="266"/>
+            <ac:spMk id="17" creationId="{71524C64-9D91-4785-8931-4E43D9A8D27C}"/>
+          </ac:spMkLst>
+        </pc:spChg>
+        <pc:spChg chg="add mod">
+          <ac:chgData name="MORLEY, Thomas" userId="ca0a1631-feee-46f8-9dc6-a0f397eff84f" providerId="ADAL" clId="{E34FB9E7-6CF7-40FD-83B9-B94EF404FC33}" dt="2021-11-02T15:28:20.202" v="3309" actId="207"/>
+          <ac:spMkLst>
+            <pc:docMk/>
+            <pc:sldMk cId="2423129868" sldId="266"/>
+            <ac:spMk id="19" creationId="{A1FC2A3D-67EC-446A-8360-3E69D0E7D2AF}"/>
+          </ac:spMkLst>
+        </pc:spChg>
+        <pc:spChg chg="add mod">
+          <ac:chgData name="MORLEY, Thomas" userId="ca0a1631-feee-46f8-9dc6-a0f397eff84f" providerId="ADAL" clId="{E34FB9E7-6CF7-40FD-83B9-B94EF404FC33}" dt="2021-11-02T15:28:16.261" v="3308" actId="207"/>
+          <ac:spMkLst>
+            <pc:docMk/>
+            <pc:sldMk cId="2423129868" sldId="266"/>
+            <ac:spMk id="25" creationId="{E16BBE8D-72AC-49BB-91DA-B8E16F538BC3}"/>
+          </ac:spMkLst>
+        </pc:spChg>
+        <pc:spChg chg="add mod">
+          <ac:chgData name="MORLEY, Thomas" userId="ca0a1631-feee-46f8-9dc6-a0f397eff84f" providerId="ADAL" clId="{E34FB9E7-6CF7-40FD-83B9-B94EF404FC33}" dt="2021-11-02T15:26:50.300" v="3127" actId="1076"/>
+          <ac:spMkLst>
+            <pc:docMk/>
+            <pc:sldMk cId="2423129868" sldId="266"/>
+            <ac:spMk id="28" creationId="{3FED96C2-2763-4B4E-9FC8-DAC57BD59C74}"/>
+          </ac:spMkLst>
+        </pc:spChg>
+        <pc:spChg chg="add mod">
+          <ac:chgData name="MORLEY, Thomas" userId="ca0a1631-feee-46f8-9dc6-a0f397eff84f" providerId="ADAL" clId="{E34FB9E7-6CF7-40FD-83B9-B94EF404FC33}" dt="2021-11-02T15:28:22.966" v="3310" actId="207"/>
+          <ac:spMkLst>
+            <pc:docMk/>
+            <pc:sldMk cId="2423129868" sldId="266"/>
+            <ac:spMk id="32" creationId="{0224A9E8-4EE4-4100-8E5A-6974A38299F5}"/>
+          </ac:spMkLst>
+        </pc:spChg>
+        <pc:spChg chg="add mod">
+          <ac:chgData name="MORLEY, Thomas" userId="ca0a1631-feee-46f8-9dc6-a0f397eff84f" providerId="ADAL" clId="{E34FB9E7-6CF7-40FD-83B9-B94EF404FC33}" dt="2021-11-02T15:27:49.931" v="3265" actId="1076"/>
+          <ac:spMkLst>
+            <pc:docMk/>
+            <pc:sldMk cId="2423129868" sldId="266"/>
+            <ac:spMk id="33" creationId="{A7F0BA27-FD36-4186-B4B2-0690E52D298F}"/>
+          </ac:spMkLst>
+        </pc:spChg>
+        <pc:cxnChg chg="add">
+          <ac:chgData name="MORLEY, Thomas" userId="ca0a1631-feee-46f8-9dc6-a0f397eff84f" providerId="ADAL" clId="{E34FB9E7-6CF7-40FD-83B9-B94EF404FC33}" dt="2021-11-02T15:23:29.907" v="2895" actId="11529"/>
+          <ac:cxnSpMkLst>
+            <pc:docMk/>
+            <pc:sldMk cId="2423129868" sldId="266"/>
+            <ac:cxnSpMk id="7" creationId="{A468A3A8-41C9-4C16-9A1E-F7B181A2CF57}"/>
+          </ac:cxnSpMkLst>
+        </pc:cxnChg>
+        <pc:cxnChg chg="add">
+          <ac:chgData name="MORLEY, Thomas" userId="ca0a1631-feee-46f8-9dc6-a0f397eff84f" providerId="ADAL" clId="{E34FB9E7-6CF7-40FD-83B9-B94EF404FC33}" dt="2021-11-02T15:23:47.273" v="2900" actId="11529"/>
+          <ac:cxnSpMkLst>
+            <pc:docMk/>
+            <pc:sldMk cId="2423129868" sldId="266"/>
+            <ac:cxnSpMk id="10" creationId="{A0EC1407-84AC-432C-B085-BDCF8F9F58FA}"/>
+          </ac:cxnSpMkLst>
+        </pc:cxnChg>
+        <pc:cxnChg chg="add mod">
+          <ac:chgData name="MORLEY, Thomas" userId="ca0a1631-feee-46f8-9dc6-a0f397eff84f" providerId="ADAL" clId="{E34FB9E7-6CF7-40FD-83B9-B94EF404FC33}" dt="2021-11-02T15:26:24.829" v="3119" actId="1076"/>
+          <ac:cxnSpMkLst>
+            <pc:docMk/>
+            <pc:sldMk cId="2423129868" sldId="266"/>
+            <ac:cxnSpMk id="13" creationId="{7A6CB8DD-5546-4608-9D08-BF96C56D2774}"/>
+          </ac:cxnSpMkLst>
+        </pc:cxnChg>
+        <pc:cxnChg chg="add mod">
+          <ac:chgData name="MORLEY, Thomas" userId="ca0a1631-feee-46f8-9dc6-a0f397eff84f" providerId="ADAL" clId="{E34FB9E7-6CF7-40FD-83B9-B94EF404FC33}" dt="2021-11-02T15:24:59.934" v="3012" actId="1076"/>
+          <ac:cxnSpMkLst>
+            <pc:docMk/>
+            <pc:sldMk cId="2423129868" sldId="266"/>
+            <ac:cxnSpMk id="18" creationId="{43DCDBD7-DA70-4B5F-BA1E-AA4B8AD423D0}"/>
+          </ac:cxnSpMkLst>
+        </pc:cxnChg>
+        <pc:cxnChg chg="add mod">
+          <ac:chgData name="MORLEY, Thomas" userId="ca0a1631-feee-46f8-9dc6-a0f397eff84f" providerId="ADAL" clId="{E34FB9E7-6CF7-40FD-83B9-B94EF404FC33}" dt="2021-11-02T15:26:39.582" v="3124" actId="14100"/>
+          <ac:cxnSpMkLst>
+            <pc:docMk/>
+            <pc:sldMk cId="2423129868" sldId="266"/>
+            <ac:cxnSpMk id="26" creationId="{D242B8A7-2309-48D6-988B-2EB44521B55D}"/>
+          </ac:cxnSpMkLst>
+        </pc:cxnChg>
+        <pc:cxnChg chg="add mod">
+          <ac:chgData name="MORLEY, Thomas" userId="ca0a1631-feee-46f8-9dc6-a0f397eff84f" providerId="ADAL" clId="{E34FB9E7-6CF7-40FD-83B9-B94EF404FC33}" dt="2021-11-02T15:27:38.704" v="3261" actId="14100"/>
+          <ac:cxnSpMkLst>
+            <pc:docMk/>
+            <pc:sldMk cId="2423129868" sldId="266"/>
+            <ac:cxnSpMk id="29" creationId="{D7AF10CB-732D-4E41-AD04-B80E5F96C349}"/>
           </ac:cxnSpMkLst>
         </pc:cxnChg>
       </pc:sldChg>
@@ -1542,7 +1717,7 @@
           <a:p>
             <a:fld id="{565E3272-2692-4CBA-BB89-AE4B7AF62778}" type="datetimeFigureOut">
               <a:rPr lang="en-GB" smtClean="0"/>
-              <a:t>26/10/2021</a:t>
+              <a:t>02/11/2021</a:t>
             </a:fld>
             <a:endParaRPr lang="en-GB"/>
           </a:p>
@@ -1742,7 +1917,7 @@
           <a:p>
             <a:fld id="{565E3272-2692-4CBA-BB89-AE4B7AF62778}" type="datetimeFigureOut">
               <a:rPr lang="en-GB" smtClean="0"/>
-              <a:t>26/10/2021</a:t>
+              <a:t>02/11/2021</a:t>
             </a:fld>
             <a:endParaRPr lang="en-GB"/>
           </a:p>
@@ -1952,7 +2127,7 @@
           <a:p>
             <a:fld id="{565E3272-2692-4CBA-BB89-AE4B7AF62778}" type="datetimeFigureOut">
               <a:rPr lang="en-GB" smtClean="0"/>
-              <a:t>26/10/2021</a:t>
+              <a:t>02/11/2021</a:t>
             </a:fld>
             <a:endParaRPr lang="en-GB"/>
           </a:p>
@@ -2152,7 +2327,7 @@
           <a:p>
             <a:fld id="{565E3272-2692-4CBA-BB89-AE4B7AF62778}" type="datetimeFigureOut">
               <a:rPr lang="en-GB" smtClean="0"/>
-              <a:t>26/10/2021</a:t>
+              <a:t>02/11/2021</a:t>
             </a:fld>
             <a:endParaRPr lang="en-GB"/>
           </a:p>
@@ -2428,7 +2603,7 @@
           <a:p>
             <a:fld id="{565E3272-2692-4CBA-BB89-AE4B7AF62778}" type="datetimeFigureOut">
               <a:rPr lang="en-GB" smtClean="0"/>
-              <a:t>26/10/2021</a:t>
+              <a:t>02/11/2021</a:t>
             </a:fld>
             <a:endParaRPr lang="en-GB"/>
           </a:p>
@@ -2696,7 +2871,7 @@
           <a:p>
             <a:fld id="{565E3272-2692-4CBA-BB89-AE4B7AF62778}" type="datetimeFigureOut">
               <a:rPr lang="en-GB" smtClean="0"/>
-              <a:t>26/10/2021</a:t>
+              <a:t>02/11/2021</a:t>
             </a:fld>
             <a:endParaRPr lang="en-GB"/>
           </a:p>
@@ -3111,7 +3286,7 @@
           <a:p>
             <a:fld id="{565E3272-2692-4CBA-BB89-AE4B7AF62778}" type="datetimeFigureOut">
               <a:rPr lang="en-GB" smtClean="0"/>
-              <a:t>26/10/2021</a:t>
+              <a:t>02/11/2021</a:t>
             </a:fld>
             <a:endParaRPr lang="en-GB"/>
           </a:p>
@@ -3253,7 +3428,7 @@
           <a:p>
             <a:fld id="{565E3272-2692-4CBA-BB89-AE4B7AF62778}" type="datetimeFigureOut">
               <a:rPr lang="en-GB" smtClean="0"/>
-              <a:t>26/10/2021</a:t>
+              <a:t>02/11/2021</a:t>
             </a:fld>
             <a:endParaRPr lang="en-GB"/>
           </a:p>
@@ -3366,7 +3541,7 @@
           <a:p>
             <a:fld id="{565E3272-2692-4CBA-BB89-AE4B7AF62778}" type="datetimeFigureOut">
               <a:rPr lang="en-GB" smtClean="0"/>
-              <a:t>26/10/2021</a:t>
+              <a:t>02/11/2021</a:t>
             </a:fld>
             <a:endParaRPr lang="en-GB"/>
           </a:p>
@@ -3679,7 +3854,7 @@
           <a:p>
             <a:fld id="{565E3272-2692-4CBA-BB89-AE4B7AF62778}" type="datetimeFigureOut">
               <a:rPr lang="en-GB" smtClean="0"/>
-              <a:t>26/10/2021</a:t>
+              <a:t>02/11/2021</a:t>
             </a:fld>
             <a:endParaRPr lang="en-GB"/>
           </a:p>
@@ -3968,7 +4143,7 @@
           <a:p>
             <a:fld id="{565E3272-2692-4CBA-BB89-AE4B7AF62778}" type="datetimeFigureOut">
               <a:rPr lang="en-GB" smtClean="0"/>
-              <a:t>26/10/2021</a:t>
+              <a:t>02/11/2021</a:t>
             </a:fld>
             <a:endParaRPr lang="en-GB"/>
           </a:p>
@@ -4211,7 +4386,7 @@
           <a:p>
             <a:fld id="{565E3272-2692-4CBA-BB89-AE4B7AF62778}" type="datetimeFigureOut">
               <a:rPr lang="en-GB" smtClean="0"/>
-              <a:t>26/10/2021</a:t>
+              <a:t>02/11/2021</a:t>
             </a:fld>
             <a:endParaRPr lang="en-GB"/>
           </a:p>
@@ -4688,6 +4863,1128 @@
     <p:extLst>
       <p:ext uri="{BB962C8B-B14F-4D97-AF65-F5344CB8AC3E}">
         <p14:creationId xmlns:p14="http://schemas.microsoft.com/office/powerpoint/2010/main" val="1102869079"/>
+      </p:ext>
+    </p:extLst>
+  </p:cSld>
+  <p:clrMapOvr>
+    <a:masterClrMapping/>
+  </p:clrMapOvr>
+</p:sld>
+</file>
+
+<file path=ppt/slides/slide10.xml><?xml version="1.0" encoding="utf-8"?>
+<p:sld xmlns:a="http://schemas.openxmlformats.org/drawingml/2006/main" xmlns:r="http://schemas.openxmlformats.org/officeDocument/2006/relationships" xmlns:p="http://schemas.openxmlformats.org/presentationml/2006/main">
+  <p:cSld>
+    <p:spTree>
+      <p:nvGrpSpPr>
+        <p:cNvPr id="1" name=""/>
+        <p:cNvGrpSpPr/>
+        <p:nvPr/>
+      </p:nvGrpSpPr>
+      <p:grpSpPr>
+        <a:xfrm>
+          <a:off x="0" y="0"/>
+          <a:ext cx="0" cy="0"/>
+          <a:chOff x="0" y="0"/>
+          <a:chExt cx="0" cy="0"/>
+        </a:xfrm>
+      </p:grpSpPr>
+      <p:sp>
+        <p:nvSpPr>
+          <p:cNvPr id="2" name="Title 1">
+            <a:extLst>
+              <a:ext uri="{FF2B5EF4-FFF2-40B4-BE49-F238E27FC236}">
+                <a16:creationId xmlns:a16="http://schemas.microsoft.com/office/drawing/2014/main" id="{5F6791CC-7E1C-4898-8970-C8784B749EC0}"/>
+              </a:ext>
+            </a:extLst>
+          </p:cNvPr>
+          <p:cNvSpPr>
+            <a:spLocks noGrp="1"/>
+          </p:cNvSpPr>
+          <p:nvPr>
+            <p:ph type="title"/>
+          </p:nvPr>
+        </p:nvSpPr>
+        <p:spPr/>
+        <p:txBody>
+          <a:bodyPr/>
+          <a:lstStyle/>
+          <a:p>
+            <a:r>
+              <a:rPr lang="en-GB" dirty="0"/>
+              <a:t>Saving score function</a:t>
+            </a:r>
+          </a:p>
+        </p:txBody>
+      </p:sp>
+      <p:sp>
+        <p:nvSpPr>
+          <p:cNvPr id="3" name="Content Placeholder 2">
+            <a:extLst>
+              <a:ext uri="{FF2B5EF4-FFF2-40B4-BE49-F238E27FC236}">
+                <a16:creationId xmlns:a16="http://schemas.microsoft.com/office/drawing/2014/main" id="{04D1F5BF-9556-4373-A58D-CC26AF09C5AE}"/>
+              </a:ext>
+            </a:extLst>
+          </p:cNvPr>
+          <p:cNvSpPr txBox="1">
+            <a:spLocks/>
+          </p:cNvSpPr>
+          <p:nvPr/>
+        </p:nvSpPr>
+        <p:spPr>
+          <a:xfrm>
+            <a:off x="838200" y="1625327"/>
+            <a:ext cx="10515600" cy="636786"/>
+          </a:xfrm>
+          <a:prstGeom prst="rect">
+            <a:avLst/>
+          </a:prstGeom>
+        </p:spPr>
+        <p:txBody>
+          <a:bodyPr>
+            <a:normAutofit lnSpcReduction="10000"/>
+          </a:bodyPr>
+          <a:lstStyle>
+            <a:lvl1pPr marL="228600" indent="-228600" algn="l" defTabSz="914400" rtl="0" eaLnBrk="1" latinLnBrk="0" hangingPunct="1">
+              <a:lnSpc>
+                <a:spcPct val="90000"/>
+              </a:lnSpc>
+              <a:spcBef>
+                <a:spcPts val="1000"/>
+              </a:spcBef>
+              <a:buFont typeface="Arial" panose="020B0604020202020204" pitchFamily="34" charset="0"/>
+              <a:buChar char="•"/>
+              <a:defRPr sz="2800" kern="1200">
+                <a:solidFill>
+                  <a:schemeClr val="tx1"/>
+                </a:solidFill>
+                <a:latin typeface="+mn-lt"/>
+                <a:ea typeface="+mn-ea"/>
+                <a:cs typeface="+mn-cs"/>
+              </a:defRPr>
+            </a:lvl1pPr>
+            <a:lvl2pPr marL="685800" indent="-228600" algn="l" defTabSz="914400" rtl="0" eaLnBrk="1" latinLnBrk="0" hangingPunct="1">
+              <a:lnSpc>
+                <a:spcPct val="90000"/>
+              </a:lnSpc>
+              <a:spcBef>
+                <a:spcPts val="500"/>
+              </a:spcBef>
+              <a:buFont typeface="Arial" panose="020B0604020202020204" pitchFamily="34" charset="0"/>
+              <a:buChar char="•"/>
+              <a:defRPr sz="2400" kern="1200">
+                <a:solidFill>
+                  <a:schemeClr val="tx1"/>
+                </a:solidFill>
+                <a:latin typeface="+mn-lt"/>
+                <a:ea typeface="+mn-ea"/>
+                <a:cs typeface="+mn-cs"/>
+              </a:defRPr>
+            </a:lvl2pPr>
+            <a:lvl3pPr marL="1143000" indent="-228600" algn="l" defTabSz="914400" rtl="0" eaLnBrk="1" latinLnBrk="0" hangingPunct="1">
+              <a:lnSpc>
+                <a:spcPct val="90000"/>
+              </a:lnSpc>
+              <a:spcBef>
+                <a:spcPts val="500"/>
+              </a:spcBef>
+              <a:buFont typeface="Arial" panose="020B0604020202020204" pitchFamily="34" charset="0"/>
+              <a:buChar char="•"/>
+              <a:defRPr sz="2000" kern="1200">
+                <a:solidFill>
+                  <a:schemeClr val="tx1"/>
+                </a:solidFill>
+                <a:latin typeface="+mn-lt"/>
+                <a:ea typeface="+mn-ea"/>
+                <a:cs typeface="+mn-cs"/>
+              </a:defRPr>
+            </a:lvl3pPr>
+            <a:lvl4pPr marL="1600200" indent="-228600" algn="l" defTabSz="914400" rtl="0" eaLnBrk="1" latinLnBrk="0" hangingPunct="1">
+              <a:lnSpc>
+                <a:spcPct val="90000"/>
+              </a:lnSpc>
+              <a:spcBef>
+                <a:spcPts val="500"/>
+              </a:spcBef>
+              <a:buFont typeface="Arial" panose="020B0604020202020204" pitchFamily="34" charset="0"/>
+              <a:buChar char="•"/>
+              <a:defRPr sz="1800" kern="1200">
+                <a:solidFill>
+                  <a:schemeClr val="tx1"/>
+                </a:solidFill>
+                <a:latin typeface="+mn-lt"/>
+                <a:ea typeface="+mn-ea"/>
+                <a:cs typeface="+mn-cs"/>
+              </a:defRPr>
+            </a:lvl4pPr>
+            <a:lvl5pPr marL="2057400" indent="-228600" algn="l" defTabSz="914400" rtl="0" eaLnBrk="1" latinLnBrk="0" hangingPunct="1">
+              <a:lnSpc>
+                <a:spcPct val="90000"/>
+              </a:lnSpc>
+              <a:spcBef>
+                <a:spcPts val="500"/>
+              </a:spcBef>
+              <a:buFont typeface="Arial" panose="020B0604020202020204" pitchFamily="34" charset="0"/>
+              <a:buChar char="•"/>
+              <a:defRPr sz="1800" kern="1200">
+                <a:solidFill>
+                  <a:schemeClr val="tx1"/>
+                </a:solidFill>
+                <a:latin typeface="+mn-lt"/>
+                <a:ea typeface="+mn-ea"/>
+                <a:cs typeface="+mn-cs"/>
+              </a:defRPr>
+            </a:lvl5pPr>
+            <a:lvl6pPr marL="2514600" indent="-228600" algn="l" defTabSz="914400" rtl="0" eaLnBrk="1" latinLnBrk="0" hangingPunct="1">
+              <a:lnSpc>
+                <a:spcPct val="90000"/>
+              </a:lnSpc>
+              <a:spcBef>
+                <a:spcPts val="500"/>
+              </a:spcBef>
+              <a:buFont typeface="Arial" panose="020B0604020202020204" pitchFamily="34" charset="0"/>
+              <a:buChar char="•"/>
+              <a:defRPr sz="1800" kern="1200">
+                <a:solidFill>
+                  <a:schemeClr val="tx1"/>
+                </a:solidFill>
+                <a:latin typeface="+mn-lt"/>
+                <a:ea typeface="+mn-ea"/>
+                <a:cs typeface="+mn-cs"/>
+              </a:defRPr>
+            </a:lvl6pPr>
+            <a:lvl7pPr marL="2971800" indent="-228600" algn="l" defTabSz="914400" rtl="0" eaLnBrk="1" latinLnBrk="0" hangingPunct="1">
+              <a:lnSpc>
+                <a:spcPct val="90000"/>
+              </a:lnSpc>
+              <a:spcBef>
+                <a:spcPts val="500"/>
+              </a:spcBef>
+              <a:buFont typeface="Arial" panose="020B0604020202020204" pitchFamily="34" charset="0"/>
+              <a:buChar char="•"/>
+              <a:defRPr sz="1800" kern="1200">
+                <a:solidFill>
+                  <a:schemeClr val="tx1"/>
+                </a:solidFill>
+                <a:latin typeface="+mn-lt"/>
+                <a:ea typeface="+mn-ea"/>
+                <a:cs typeface="+mn-cs"/>
+              </a:defRPr>
+            </a:lvl7pPr>
+            <a:lvl8pPr marL="3429000" indent="-228600" algn="l" defTabSz="914400" rtl="0" eaLnBrk="1" latinLnBrk="0" hangingPunct="1">
+              <a:lnSpc>
+                <a:spcPct val="90000"/>
+              </a:lnSpc>
+              <a:spcBef>
+                <a:spcPts val="500"/>
+              </a:spcBef>
+              <a:buFont typeface="Arial" panose="020B0604020202020204" pitchFamily="34" charset="0"/>
+              <a:buChar char="•"/>
+              <a:defRPr sz="1800" kern="1200">
+                <a:solidFill>
+                  <a:schemeClr val="tx1"/>
+                </a:solidFill>
+                <a:latin typeface="+mn-lt"/>
+                <a:ea typeface="+mn-ea"/>
+                <a:cs typeface="+mn-cs"/>
+              </a:defRPr>
+            </a:lvl8pPr>
+            <a:lvl9pPr marL="3886200" indent="-228600" algn="l" defTabSz="914400" rtl="0" eaLnBrk="1" latinLnBrk="0" hangingPunct="1">
+              <a:lnSpc>
+                <a:spcPct val="90000"/>
+              </a:lnSpc>
+              <a:spcBef>
+                <a:spcPts val="500"/>
+              </a:spcBef>
+              <a:buFont typeface="Arial" panose="020B0604020202020204" pitchFamily="34" charset="0"/>
+              <a:buChar char="•"/>
+              <a:defRPr sz="1800" kern="1200">
+                <a:solidFill>
+                  <a:schemeClr val="tx1"/>
+                </a:solidFill>
+                <a:latin typeface="+mn-lt"/>
+                <a:ea typeface="+mn-ea"/>
+                <a:cs typeface="+mn-cs"/>
+              </a:defRPr>
+            </a:lvl9pPr>
+          </a:lstStyle>
+          <a:p>
+            <a:pPr marL="0" indent="0">
+              <a:buFont typeface="Arial" panose="020B0604020202020204" pitchFamily="34" charset="0"/>
+              <a:buNone/>
+            </a:pPr>
+            <a:r>
+              <a:rPr lang="en-GB" sz="2000" dirty="0"/>
+              <a:t>This is to save scores for different QA checks to SQL. We read in current SQL data, and current app data.</a:t>
+            </a:r>
+          </a:p>
+        </p:txBody>
+      </p:sp>
+      <p:sp>
+        <p:nvSpPr>
+          <p:cNvPr id="4" name="TextBox 3">
+            <a:extLst>
+              <a:ext uri="{FF2B5EF4-FFF2-40B4-BE49-F238E27FC236}">
+                <a16:creationId xmlns:a16="http://schemas.microsoft.com/office/drawing/2014/main" id="{E192288E-89BA-4402-894D-3D715A3EA78D}"/>
+              </a:ext>
+            </a:extLst>
+          </p:cNvPr>
+          <p:cNvSpPr txBox="1"/>
+          <p:nvPr/>
+        </p:nvSpPr>
+        <p:spPr>
+          <a:xfrm>
+            <a:off x="1075508" y="4249783"/>
+            <a:ext cx="1878912" cy="369332"/>
+          </a:xfrm>
+          <a:prstGeom prst="rect">
+            <a:avLst/>
+          </a:prstGeom>
+          <a:solidFill>
+            <a:schemeClr val="accent1">
+              <a:lumMod val="20000"/>
+              <a:lumOff val="80000"/>
+            </a:schemeClr>
+          </a:solidFill>
+        </p:spPr>
+        <p:style>
+          <a:lnRef idx="1">
+            <a:schemeClr val="accent1"/>
+          </a:lnRef>
+          <a:fillRef idx="2">
+            <a:schemeClr val="accent1"/>
+          </a:fillRef>
+          <a:effectRef idx="1">
+            <a:schemeClr val="accent1"/>
+          </a:effectRef>
+          <a:fontRef idx="minor">
+            <a:schemeClr val="dk1"/>
+          </a:fontRef>
+        </p:style>
+        <p:txBody>
+          <a:bodyPr wrap="none" rtlCol="0">
+            <a:spAutoFit/>
+          </a:bodyPr>
+          <a:lstStyle/>
+          <a:p>
+            <a:r>
+              <a:rPr lang="en-GB" dirty="0"/>
+              <a:t>Is app data blank?</a:t>
+            </a:r>
+          </a:p>
+        </p:txBody>
+      </p:sp>
+      <p:sp>
+        <p:nvSpPr>
+          <p:cNvPr id="5" name="TextBox 4">
+            <a:extLst>
+              <a:ext uri="{FF2B5EF4-FFF2-40B4-BE49-F238E27FC236}">
+                <a16:creationId xmlns:a16="http://schemas.microsoft.com/office/drawing/2014/main" id="{CEC9B9B1-316C-4739-B075-AE5E33052E66}"/>
+              </a:ext>
+            </a:extLst>
+          </p:cNvPr>
+          <p:cNvSpPr txBox="1"/>
+          <p:nvPr/>
+        </p:nvSpPr>
+        <p:spPr>
+          <a:xfrm>
+            <a:off x="1010194" y="2349528"/>
+            <a:ext cx="2009541" cy="923330"/>
+          </a:xfrm>
+          <a:prstGeom prst="rect">
+            <a:avLst/>
+          </a:prstGeom>
+          <a:solidFill>
+            <a:schemeClr val="accent1">
+              <a:lumMod val="20000"/>
+              <a:lumOff val="80000"/>
+            </a:schemeClr>
+          </a:solidFill>
+        </p:spPr>
+        <p:style>
+          <a:lnRef idx="1">
+            <a:schemeClr val="accent1"/>
+          </a:lnRef>
+          <a:fillRef idx="2">
+            <a:schemeClr val="accent1"/>
+          </a:fillRef>
+          <a:effectRef idx="1">
+            <a:schemeClr val="accent1"/>
+          </a:effectRef>
+          <a:fontRef idx="minor">
+            <a:schemeClr val="dk1"/>
+          </a:fontRef>
+        </p:style>
+        <p:txBody>
+          <a:bodyPr wrap="square" rtlCol="0">
+            <a:spAutoFit/>
+          </a:bodyPr>
+          <a:lstStyle/>
+          <a:p>
+            <a:pPr algn="ctr"/>
+            <a:r>
+              <a:rPr lang="en-GB" dirty="0"/>
+              <a:t>Does row for corresponding SQL data exist?</a:t>
+            </a:r>
+          </a:p>
+        </p:txBody>
+      </p:sp>
+      <p:cxnSp>
+        <p:nvCxnSpPr>
+          <p:cNvPr id="7" name="Straight Arrow Connector 6">
+            <a:extLst>
+              <a:ext uri="{FF2B5EF4-FFF2-40B4-BE49-F238E27FC236}">
+                <a16:creationId xmlns:a16="http://schemas.microsoft.com/office/drawing/2014/main" id="{A468A3A8-41C9-4C16-9A1E-F7B181A2CF57}"/>
+              </a:ext>
+            </a:extLst>
+          </p:cNvPr>
+          <p:cNvCxnSpPr>
+            <a:stCxn id="5" idx="2"/>
+          </p:cNvCxnSpPr>
+          <p:nvPr/>
+        </p:nvCxnSpPr>
+        <p:spPr>
+          <a:xfrm flipH="1">
+            <a:off x="2002971" y="3272858"/>
+            <a:ext cx="11994" cy="976925"/>
+          </a:xfrm>
+          <a:prstGeom prst="straightConnector1">
+            <a:avLst/>
+          </a:prstGeom>
+          <a:ln>
+            <a:tailEnd type="triangle"/>
+          </a:ln>
+        </p:spPr>
+        <p:style>
+          <a:lnRef idx="1">
+            <a:schemeClr val="accent1"/>
+          </a:lnRef>
+          <a:fillRef idx="0">
+            <a:schemeClr val="accent1"/>
+          </a:fillRef>
+          <a:effectRef idx="0">
+            <a:schemeClr val="accent1"/>
+          </a:effectRef>
+          <a:fontRef idx="minor">
+            <a:schemeClr val="tx1"/>
+          </a:fontRef>
+        </p:style>
+      </p:cxnSp>
+      <p:sp>
+        <p:nvSpPr>
+          <p:cNvPr id="8" name="TextBox 7">
+            <a:extLst>
+              <a:ext uri="{FF2B5EF4-FFF2-40B4-BE49-F238E27FC236}">
+                <a16:creationId xmlns:a16="http://schemas.microsoft.com/office/drawing/2014/main" id="{F40629F5-4082-49A1-ADD2-1390B4D36469}"/>
+              </a:ext>
+            </a:extLst>
+          </p:cNvPr>
+          <p:cNvSpPr txBox="1"/>
+          <p:nvPr/>
+        </p:nvSpPr>
+        <p:spPr>
+          <a:xfrm>
+            <a:off x="2002971" y="3489045"/>
+            <a:ext cx="455574" cy="369332"/>
+          </a:xfrm>
+          <a:prstGeom prst="rect">
+            <a:avLst/>
+          </a:prstGeom>
+          <a:noFill/>
+        </p:spPr>
+        <p:txBody>
+          <a:bodyPr wrap="none" rtlCol="0">
+            <a:spAutoFit/>
+          </a:bodyPr>
+          <a:lstStyle/>
+          <a:p>
+            <a:r>
+              <a:rPr lang="en-GB" dirty="0"/>
+              <a:t>No</a:t>
+            </a:r>
+          </a:p>
+        </p:txBody>
+      </p:sp>
+      <p:cxnSp>
+        <p:nvCxnSpPr>
+          <p:cNvPr id="10" name="Straight Arrow Connector 9">
+            <a:extLst>
+              <a:ext uri="{FF2B5EF4-FFF2-40B4-BE49-F238E27FC236}">
+                <a16:creationId xmlns:a16="http://schemas.microsoft.com/office/drawing/2014/main" id="{A0EC1407-84AC-432C-B085-BDCF8F9F58FA}"/>
+              </a:ext>
+            </a:extLst>
+          </p:cNvPr>
+          <p:cNvCxnSpPr>
+            <a:stCxn id="4" idx="2"/>
+          </p:cNvCxnSpPr>
+          <p:nvPr/>
+        </p:nvCxnSpPr>
+        <p:spPr>
+          <a:xfrm>
+            <a:off x="2014964" y="4619115"/>
+            <a:ext cx="0" cy="815034"/>
+          </a:xfrm>
+          <a:prstGeom prst="straightConnector1">
+            <a:avLst/>
+          </a:prstGeom>
+          <a:ln>
+            <a:tailEnd type="triangle"/>
+          </a:ln>
+        </p:spPr>
+        <p:style>
+          <a:lnRef idx="1">
+            <a:schemeClr val="accent1"/>
+          </a:lnRef>
+          <a:fillRef idx="0">
+            <a:schemeClr val="accent1"/>
+          </a:fillRef>
+          <a:effectRef idx="0">
+            <a:schemeClr val="accent1"/>
+          </a:effectRef>
+          <a:fontRef idx="minor">
+            <a:schemeClr val="tx1"/>
+          </a:fontRef>
+        </p:style>
+      </p:cxnSp>
+      <p:sp>
+        <p:nvSpPr>
+          <p:cNvPr id="11" name="TextBox 10">
+            <a:extLst>
+              <a:ext uri="{FF2B5EF4-FFF2-40B4-BE49-F238E27FC236}">
+                <a16:creationId xmlns:a16="http://schemas.microsoft.com/office/drawing/2014/main" id="{E336B898-A9BE-472B-A817-77DE50F417E8}"/>
+              </a:ext>
+            </a:extLst>
+          </p:cNvPr>
+          <p:cNvSpPr txBox="1"/>
+          <p:nvPr/>
+        </p:nvSpPr>
+        <p:spPr>
+          <a:xfrm>
+            <a:off x="2002971" y="4821363"/>
+            <a:ext cx="455574" cy="369332"/>
+          </a:xfrm>
+          <a:prstGeom prst="rect">
+            <a:avLst/>
+          </a:prstGeom>
+          <a:noFill/>
+        </p:spPr>
+        <p:txBody>
+          <a:bodyPr wrap="none" rtlCol="0">
+            <a:spAutoFit/>
+          </a:bodyPr>
+          <a:lstStyle/>
+          <a:p>
+            <a:r>
+              <a:rPr lang="en-GB" dirty="0"/>
+              <a:t>No</a:t>
+            </a:r>
+          </a:p>
+        </p:txBody>
+      </p:sp>
+      <p:sp>
+        <p:nvSpPr>
+          <p:cNvPr id="12" name="TextBox 11">
+            <a:extLst>
+              <a:ext uri="{FF2B5EF4-FFF2-40B4-BE49-F238E27FC236}">
+                <a16:creationId xmlns:a16="http://schemas.microsoft.com/office/drawing/2014/main" id="{4B040FD5-B036-49C4-93AD-C1BD3F282008}"/>
+              </a:ext>
+            </a:extLst>
+          </p:cNvPr>
+          <p:cNvSpPr txBox="1"/>
+          <p:nvPr/>
+        </p:nvSpPr>
+        <p:spPr>
+          <a:xfrm>
+            <a:off x="1075508" y="5434149"/>
+            <a:ext cx="3219023" cy="646331"/>
+          </a:xfrm>
+          <a:prstGeom prst="rect">
+            <a:avLst/>
+          </a:prstGeom>
+          <a:solidFill>
+            <a:schemeClr val="accent6">
+              <a:lumMod val="20000"/>
+              <a:lumOff val="80000"/>
+            </a:schemeClr>
+          </a:solidFill>
+        </p:spPr>
+        <p:style>
+          <a:lnRef idx="1">
+            <a:schemeClr val="accent1"/>
+          </a:lnRef>
+          <a:fillRef idx="2">
+            <a:schemeClr val="accent1"/>
+          </a:fillRef>
+          <a:effectRef idx="1">
+            <a:schemeClr val="accent1"/>
+          </a:effectRef>
+          <a:fontRef idx="minor">
+            <a:schemeClr val="dk1"/>
+          </a:fontRef>
+        </p:style>
+        <p:txBody>
+          <a:bodyPr wrap="none" rtlCol="0">
+            <a:spAutoFit/>
+          </a:bodyPr>
+          <a:lstStyle/>
+          <a:p>
+            <a:r>
+              <a:rPr lang="en-GB" dirty="0"/>
+              <a:t>This is new data.</a:t>
+            </a:r>
+          </a:p>
+          <a:p>
+            <a:r>
+              <a:rPr lang="en-GB" dirty="0"/>
+              <a:t>Add a new row to SQL database.</a:t>
+            </a:r>
+          </a:p>
+        </p:txBody>
+      </p:sp>
+      <p:cxnSp>
+        <p:nvCxnSpPr>
+          <p:cNvPr id="13" name="Straight Arrow Connector 12">
+            <a:extLst>
+              <a:ext uri="{FF2B5EF4-FFF2-40B4-BE49-F238E27FC236}">
+                <a16:creationId xmlns:a16="http://schemas.microsoft.com/office/drawing/2014/main" id="{7A6CB8DD-5546-4608-9D08-BF96C56D2774}"/>
+              </a:ext>
+            </a:extLst>
+          </p:cNvPr>
+          <p:cNvCxnSpPr>
+            <a:cxnSpLocks/>
+            <a:stCxn id="5" idx="3"/>
+            <a:endCxn id="16" idx="1"/>
+          </p:cNvCxnSpPr>
+          <p:nvPr/>
+        </p:nvCxnSpPr>
+        <p:spPr>
+          <a:xfrm>
+            <a:off x="3019735" y="2811193"/>
+            <a:ext cx="2743369" cy="5563"/>
+          </a:xfrm>
+          <a:prstGeom prst="straightConnector1">
+            <a:avLst/>
+          </a:prstGeom>
+          <a:ln>
+            <a:tailEnd type="triangle"/>
+          </a:ln>
+        </p:spPr>
+        <p:style>
+          <a:lnRef idx="1">
+            <a:schemeClr val="accent1"/>
+          </a:lnRef>
+          <a:fillRef idx="0">
+            <a:schemeClr val="accent1"/>
+          </a:fillRef>
+          <a:effectRef idx="0">
+            <a:schemeClr val="accent1"/>
+          </a:effectRef>
+          <a:fontRef idx="minor">
+            <a:schemeClr val="tx1"/>
+          </a:fontRef>
+        </p:style>
+      </p:cxnSp>
+      <p:sp>
+        <p:nvSpPr>
+          <p:cNvPr id="15" name="TextBox 14">
+            <a:extLst>
+              <a:ext uri="{FF2B5EF4-FFF2-40B4-BE49-F238E27FC236}">
+                <a16:creationId xmlns:a16="http://schemas.microsoft.com/office/drawing/2014/main" id="{476C8284-E34B-45AA-BB7B-7C99A398B3CF}"/>
+              </a:ext>
+            </a:extLst>
+          </p:cNvPr>
+          <p:cNvSpPr txBox="1"/>
+          <p:nvPr/>
+        </p:nvSpPr>
+        <p:spPr>
+          <a:xfrm>
+            <a:off x="3942548" y="2493590"/>
+            <a:ext cx="485518" cy="369332"/>
+          </a:xfrm>
+          <a:prstGeom prst="rect">
+            <a:avLst/>
+          </a:prstGeom>
+          <a:noFill/>
+        </p:spPr>
+        <p:txBody>
+          <a:bodyPr wrap="none" rtlCol="0">
+            <a:spAutoFit/>
+          </a:bodyPr>
+          <a:lstStyle/>
+          <a:p>
+            <a:r>
+              <a:rPr lang="en-GB" dirty="0"/>
+              <a:t>Yes</a:t>
+            </a:r>
+          </a:p>
+        </p:txBody>
+      </p:sp>
+      <p:sp>
+        <p:nvSpPr>
+          <p:cNvPr id="16" name="TextBox 15">
+            <a:extLst>
+              <a:ext uri="{FF2B5EF4-FFF2-40B4-BE49-F238E27FC236}">
+                <a16:creationId xmlns:a16="http://schemas.microsoft.com/office/drawing/2014/main" id="{BDF9E54E-C4AD-4ADE-9789-9146DF7DA9EB}"/>
+              </a:ext>
+            </a:extLst>
+          </p:cNvPr>
+          <p:cNvSpPr txBox="1"/>
+          <p:nvPr/>
+        </p:nvSpPr>
+        <p:spPr>
+          <a:xfrm>
+            <a:off x="5763104" y="2493590"/>
+            <a:ext cx="2009541" cy="646331"/>
+          </a:xfrm>
+          <a:prstGeom prst="rect">
+            <a:avLst/>
+          </a:prstGeom>
+          <a:solidFill>
+            <a:schemeClr val="accent1">
+              <a:lumMod val="20000"/>
+              <a:lumOff val="80000"/>
+            </a:schemeClr>
+          </a:solidFill>
+        </p:spPr>
+        <p:style>
+          <a:lnRef idx="1">
+            <a:schemeClr val="accent1"/>
+          </a:lnRef>
+          <a:fillRef idx="2">
+            <a:schemeClr val="accent1"/>
+          </a:fillRef>
+          <a:effectRef idx="1">
+            <a:schemeClr val="accent1"/>
+          </a:effectRef>
+          <a:fontRef idx="minor">
+            <a:schemeClr val="dk1"/>
+          </a:fontRef>
+        </p:style>
+        <p:txBody>
+          <a:bodyPr wrap="square" rtlCol="0">
+            <a:spAutoFit/>
+          </a:bodyPr>
+          <a:lstStyle/>
+          <a:p>
+            <a:pPr algn="ctr"/>
+            <a:r>
+              <a:rPr lang="en-GB" dirty="0"/>
+              <a:t>Is app data equal to SQL data?</a:t>
+            </a:r>
+          </a:p>
+        </p:txBody>
+      </p:sp>
+      <p:sp>
+        <p:nvSpPr>
+          <p:cNvPr id="17" name="TextBox 16">
+            <a:extLst>
+              <a:ext uri="{FF2B5EF4-FFF2-40B4-BE49-F238E27FC236}">
+                <a16:creationId xmlns:a16="http://schemas.microsoft.com/office/drawing/2014/main" id="{71524C64-9D91-4785-8931-4E43D9A8D27C}"/>
+              </a:ext>
+            </a:extLst>
+          </p:cNvPr>
+          <p:cNvSpPr txBox="1"/>
+          <p:nvPr/>
+        </p:nvSpPr>
+        <p:spPr>
+          <a:xfrm>
+            <a:off x="3030582" y="4052756"/>
+            <a:ext cx="485518" cy="369332"/>
+          </a:xfrm>
+          <a:prstGeom prst="rect">
+            <a:avLst/>
+          </a:prstGeom>
+          <a:noFill/>
+        </p:spPr>
+        <p:txBody>
+          <a:bodyPr wrap="none" rtlCol="0">
+            <a:spAutoFit/>
+          </a:bodyPr>
+          <a:lstStyle/>
+          <a:p>
+            <a:r>
+              <a:rPr lang="en-GB" dirty="0"/>
+              <a:t>Yes</a:t>
+            </a:r>
+          </a:p>
+        </p:txBody>
+      </p:sp>
+      <p:cxnSp>
+        <p:nvCxnSpPr>
+          <p:cNvPr id="18" name="Straight Arrow Connector 17">
+            <a:extLst>
+              <a:ext uri="{FF2B5EF4-FFF2-40B4-BE49-F238E27FC236}">
+                <a16:creationId xmlns:a16="http://schemas.microsoft.com/office/drawing/2014/main" id="{43DCDBD7-DA70-4B5F-BA1E-AA4B8AD423D0}"/>
+              </a:ext>
+            </a:extLst>
+          </p:cNvPr>
+          <p:cNvCxnSpPr>
+            <a:cxnSpLocks/>
+          </p:cNvCxnSpPr>
+          <p:nvPr/>
+        </p:nvCxnSpPr>
+        <p:spPr>
+          <a:xfrm>
+            <a:off x="2948527" y="4434449"/>
+            <a:ext cx="643288" cy="3848"/>
+          </a:xfrm>
+          <a:prstGeom prst="straightConnector1">
+            <a:avLst/>
+          </a:prstGeom>
+          <a:ln>
+            <a:tailEnd type="triangle"/>
+          </a:ln>
+        </p:spPr>
+        <p:style>
+          <a:lnRef idx="1">
+            <a:schemeClr val="accent1"/>
+          </a:lnRef>
+          <a:fillRef idx="0">
+            <a:schemeClr val="accent1"/>
+          </a:fillRef>
+          <a:effectRef idx="0">
+            <a:schemeClr val="accent1"/>
+          </a:effectRef>
+          <a:fontRef idx="minor">
+            <a:schemeClr val="tx1"/>
+          </a:fontRef>
+        </p:style>
+      </p:cxnSp>
+      <p:sp>
+        <p:nvSpPr>
+          <p:cNvPr id="19" name="TextBox 18">
+            <a:extLst>
+              <a:ext uri="{FF2B5EF4-FFF2-40B4-BE49-F238E27FC236}">
+                <a16:creationId xmlns:a16="http://schemas.microsoft.com/office/drawing/2014/main" id="{A1FC2A3D-67EC-446A-8360-3E69D0E7D2AF}"/>
+              </a:ext>
+            </a:extLst>
+          </p:cNvPr>
+          <p:cNvSpPr txBox="1"/>
+          <p:nvPr/>
+        </p:nvSpPr>
+        <p:spPr>
+          <a:xfrm>
+            <a:off x="3611104" y="4069758"/>
+            <a:ext cx="2009541" cy="923330"/>
+          </a:xfrm>
+          <a:prstGeom prst="rect">
+            <a:avLst/>
+          </a:prstGeom>
+          <a:solidFill>
+            <a:schemeClr val="accent2">
+              <a:lumMod val="40000"/>
+              <a:lumOff val="60000"/>
+            </a:schemeClr>
+          </a:solidFill>
+        </p:spPr>
+        <p:style>
+          <a:lnRef idx="1">
+            <a:schemeClr val="accent1"/>
+          </a:lnRef>
+          <a:fillRef idx="2">
+            <a:schemeClr val="accent1"/>
+          </a:fillRef>
+          <a:effectRef idx="1">
+            <a:schemeClr val="accent1"/>
+          </a:effectRef>
+          <a:fontRef idx="minor">
+            <a:schemeClr val="dk1"/>
+          </a:fontRef>
+        </p:style>
+        <p:txBody>
+          <a:bodyPr wrap="square" rtlCol="0">
+            <a:spAutoFit/>
+          </a:bodyPr>
+          <a:lstStyle/>
+          <a:p>
+            <a:pPr algn="ctr"/>
+            <a:r>
+              <a:rPr lang="en-GB" dirty="0"/>
+              <a:t>Data hasn’t been added for this check. Do nothing.</a:t>
+            </a:r>
+          </a:p>
+        </p:txBody>
+      </p:sp>
+      <p:sp>
+        <p:nvSpPr>
+          <p:cNvPr id="25" name="TextBox 24">
+            <a:extLst>
+              <a:ext uri="{FF2B5EF4-FFF2-40B4-BE49-F238E27FC236}">
+                <a16:creationId xmlns:a16="http://schemas.microsoft.com/office/drawing/2014/main" id="{E16BBE8D-72AC-49BB-91DA-B8E16F538BC3}"/>
+              </a:ext>
+            </a:extLst>
+          </p:cNvPr>
+          <p:cNvSpPr txBox="1"/>
+          <p:nvPr/>
+        </p:nvSpPr>
+        <p:spPr>
+          <a:xfrm>
+            <a:off x="5886049" y="3746592"/>
+            <a:ext cx="2009541" cy="2308324"/>
+          </a:xfrm>
+          <a:prstGeom prst="rect">
+            <a:avLst/>
+          </a:prstGeom>
+          <a:solidFill>
+            <a:schemeClr val="accent6">
+              <a:lumMod val="20000"/>
+              <a:lumOff val="80000"/>
+            </a:schemeClr>
+          </a:solidFill>
+        </p:spPr>
+        <p:style>
+          <a:lnRef idx="1">
+            <a:schemeClr val="accent1"/>
+          </a:lnRef>
+          <a:fillRef idx="2">
+            <a:schemeClr val="accent1"/>
+          </a:fillRef>
+          <a:effectRef idx="1">
+            <a:schemeClr val="accent1"/>
+          </a:effectRef>
+          <a:fontRef idx="minor">
+            <a:schemeClr val="dk1"/>
+          </a:fontRef>
+        </p:style>
+        <p:txBody>
+          <a:bodyPr wrap="square" rtlCol="0">
+            <a:spAutoFit/>
+          </a:bodyPr>
+          <a:lstStyle/>
+          <a:p>
+            <a:pPr algn="ctr"/>
+            <a:r>
+              <a:rPr lang="en-GB" dirty="0"/>
+              <a:t>App data has been updated.</a:t>
+            </a:r>
+          </a:p>
+          <a:p>
+            <a:pPr algn="ctr"/>
+            <a:r>
+              <a:rPr lang="en-GB" dirty="0"/>
+              <a:t>Copy data from SQL to SCD database.</a:t>
+            </a:r>
+          </a:p>
+          <a:p>
+            <a:pPr algn="ctr"/>
+            <a:r>
+              <a:rPr lang="en-GB" dirty="0"/>
+              <a:t>Overwrite data in SQL with current app data.</a:t>
+            </a:r>
+          </a:p>
+        </p:txBody>
+      </p:sp>
+      <p:cxnSp>
+        <p:nvCxnSpPr>
+          <p:cNvPr id="26" name="Straight Arrow Connector 25">
+            <a:extLst>
+              <a:ext uri="{FF2B5EF4-FFF2-40B4-BE49-F238E27FC236}">
+                <a16:creationId xmlns:a16="http://schemas.microsoft.com/office/drawing/2014/main" id="{D242B8A7-2309-48D6-988B-2EB44521B55D}"/>
+              </a:ext>
+            </a:extLst>
+          </p:cNvPr>
+          <p:cNvCxnSpPr>
+            <a:cxnSpLocks/>
+          </p:cNvCxnSpPr>
+          <p:nvPr/>
+        </p:nvCxnSpPr>
+        <p:spPr>
+          <a:xfrm>
+            <a:off x="6890820" y="3139921"/>
+            <a:ext cx="0" cy="578159"/>
+          </a:xfrm>
+          <a:prstGeom prst="straightConnector1">
+            <a:avLst/>
+          </a:prstGeom>
+          <a:ln>
+            <a:tailEnd type="triangle"/>
+          </a:ln>
+        </p:spPr>
+        <p:style>
+          <a:lnRef idx="1">
+            <a:schemeClr val="accent1"/>
+          </a:lnRef>
+          <a:fillRef idx="0">
+            <a:schemeClr val="accent1"/>
+          </a:fillRef>
+          <a:effectRef idx="0">
+            <a:schemeClr val="accent1"/>
+          </a:effectRef>
+          <a:fontRef idx="minor">
+            <a:schemeClr val="tx1"/>
+          </a:fontRef>
+        </p:style>
+      </p:cxnSp>
+      <p:sp>
+        <p:nvSpPr>
+          <p:cNvPr id="28" name="TextBox 27">
+            <a:extLst>
+              <a:ext uri="{FF2B5EF4-FFF2-40B4-BE49-F238E27FC236}">
+                <a16:creationId xmlns:a16="http://schemas.microsoft.com/office/drawing/2014/main" id="{3FED96C2-2763-4B4E-9FC8-DAC57BD59C74}"/>
+              </a:ext>
+            </a:extLst>
+          </p:cNvPr>
+          <p:cNvSpPr txBox="1"/>
+          <p:nvPr/>
+        </p:nvSpPr>
+        <p:spPr>
+          <a:xfrm>
+            <a:off x="6890819" y="3225611"/>
+            <a:ext cx="455574" cy="369332"/>
+          </a:xfrm>
+          <a:prstGeom prst="rect">
+            <a:avLst/>
+          </a:prstGeom>
+          <a:noFill/>
+        </p:spPr>
+        <p:txBody>
+          <a:bodyPr wrap="none" rtlCol="0">
+            <a:spAutoFit/>
+          </a:bodyPr>
+          <a:lstStyle/>
+          <a:p>
+            <a:r>
+              <a:rPr lang="en-GB" dirty="0"/>
+              <a:t>No</a:t>
+            </a:r>
+          </a:p>
+        </p:txBody>
+      </p:sp>
+      <p:cxnSp>
+        <p:nvCxnSpPr>
+          <p:cNvPr id="29" name="Straight Arrow Connector 28">
+            <a:extLst>
+              <a:ext uri="{FF2B5EF4-FFF2-40B4-BE49-F238E27FC236}">
+                <a16:creationId xmlns:a16="http://schemas.microsoft.com/office/drawing/2014/main" id="{D7AF10CB-732D-4E41-AD04-B80E5F96C349}"/>
+              </a:ext>
+            </a:extLst>
+          </p:cNvPr>
+          <p:cNvCxnSpPr>
+            <a:cxnSpLocks/>
+          </p:cNvCxnSpPr>
+          <p:nvPr/>
+        </p:nvCxnSpPr>
+        <p:spPr>
+          <a:xfrm flipV="1">
+            <a:off x="7772645" y="2789792"/>
+            <a:ext cx="753046" cy="1"/>
+          </a:xfrm>
+          <a:prstGeom prst="straightConnector1">
+            <a:avLst/>
+          </a:prstGeom>
+          <a:ln>
+            <a:tailEnd type="triangle"/>
+          </a:ln>
+        </p:spPr>
+        <p:style>
+          <a:lnRef idx="1">
+            <a:schemeClr val="accent1"/>
+          </a:lnRef>
+          <a:fillRef idx="0">
+            <a:schemeClr val="accent1"/>
+          </a:fillRef>
+          <a:effectRef idx="0">
+            <a:schemeClr val="accent1"/>
+          </a:effectRef>
+          <a:fontRef idx="minor">
+            <a:schemeClr val="tx1"/>
+          </a:fontRef>
+        </p:style>
+      </p:cxnSp>
+      <p:sp>
+        <p:nvSpPr>
+          <p:cNvPr id="32" name="TextBox 31">
+            <a:extLst>
+              <a:ext uri="{FF2B5EF4-FFF2-40B4-BE49-F238E27FC236}">
+                <a16:creationId xmlns:a16="http://schemas.microsoft.com/office/drawing/2014/main" id="{0224A9E8-4EE4-4100-8E5A-6974A38299F5}"/>
+              </a:ext>
+            </a:extLst>
+          </p:cNvPr>
+          <p:cNvSpPr txBox="1"/>
+          <p:nvPr/>
+        </p:nvSpPr>
+        <p:spPr>
+          <a:xfrm>
+            <a:off x="8525691" y="2466626"/>
+            <a:ext cx="2009541" cy="923330"/>
+          </a:xfrm>
+          <a:prstGeom prst="rect">
+            <a:avLst/>
+          </a:prstGeom>
+          <a:solidFill>
+            <a:schemeClr val="accent2">
+              <a:lumMod val="40000"/>
+              <a:lumOff val="60000"/>
+            </a:schemeClr>
+          </a:solidFill>
+        </p:spPr>
+        <p:style>
+          <a:lnRef idx="1">
+            <a:schemeClr val="accent1"/>
+          </a:lnRef>
+          <a:fillRef idx="2">
+            <a:schemeClr val="accent1"/>
+          </a:fillRef>
+          <a:effectRef idx="1">
+            <a:schemeClr val="accent1"/>
+          </a:effectRef>
+          <a:fontRef idx="minor">
+            <a:schemeClr val="dk1"/>
+          </a:fontRef>
+        </p:style>
+        <p:txBody>
+          <a:bodyPr wrap="square" rtlCol="0">
+            <a:spAutoFit/>
+          </a:bodyPr>
+          <a:lstStyle/>
+          <a:p>
+            <a:pPr algn="ctr"/>
+            <a:r>
+              <a:rPr lang="en-GB" dirty="0"/>
+              <a:t>Data hasn’t been updated. Do nothing.</a:t>
+            </a:r>
+          </a:p>
+        </p:txBody>
+      </p:sp>
+      <p:sp>
+        <p:nvSpPr>
+          <p:cNvPr id="33" name="TextBox 32">
+            <a:extLst>
+              <a:ext uri="{FF2B5EF4-FFF2-40B4-BE49-F238E27FC236}">
+                <a16:creationId xmlns:a16="http://schemas.microsoft.com/office/drawing/2014/main" id="{A7F0BA27-FD36-4186-B4B2-0690E52D298F}"/>
+              </a:ext>
+            </a:extLst>
+          </p:cNvPr>
+          <p:cNvSpPr txBox="1"/>
+          <p:nvPr/>
+        </p:nvSpPr>
+        <p:spPr>
+          <a:xfrm>
+            <a:off x="7926251" y="2464003"/>
+            <a:ext cx="485518" cy="369332"/>
+          </a:xfrm>
+          <a:prstGeom prst="rect">
+            <a:avLst/>
+          </a:prstGeom>
+          <a:noFill/>
+        </p:spPr>
+        <p:txBody>
+          <a:bodyPr wrap="none" rtlCol="0">
+            <a:spAutoFit/>
+          </a:bodyPr>
+          <a:lstStyle/>
+          <a:p>
+            <a:r>
+              <a:rPr lang="en-GB" dirty="0"/>
+              <a:t>Yes</a:t>
+            </a:r>
+          </a:p>
+        </p:txBody>
+      </p:sp>
+    </p:spTree>
+    <p:extLst>
+      <p:ext uri="{BB962C8B-B14F-4D97-AF65-F5344CB8AC3E}">
+        <p14:creationId xmlns:p14="http://schemas.microsoft.com/office/powerpoint/2010/main" val="2423129868"/>
       </p:ext>
     </p:extLst>
   </p:cSld>

--- a/QA log app - behind the code.pptx
+++ b/QA log app - behind the code.pptx
@@ -6,15 +6,23 @@
   </p:sldMasterIdLst>
   <p:sldIdLst>
     <p:sldId id="256" r:id="rId2"/>
-    <p:sldId id="257" r:id="rId3"/>
-    <p:sldId id="258" r:id="rId4"/>
-    <p:sldId id="259" r:id="rId5"/>
-    <p:sldId id="264" r:id="rId6"/>
-    <p:sldId id="260" r:id="rId7"/>
-    <p:sldId id="261" r:id="rId8"/>
-    <p:sldId id="262" r:id="rId9"/>
-    <p:sldId id="265" r:id="rId10"/>
-    <p:sldId id="266" r:id="rId11"/>
+    <p:sldId id="271" r:id="rId3"/>
+    <p:sldId id="257" r:id="rId4"/>
+    <p:sldId id="258" r:id="rId5"/>
+    <p:sldId id="267" r:id="rId6"/>
+    <p:sldId id="270" r:id="rId7"/>
+    <p:sldId id="272" r:id="rId8"/>
+    <p:sldId id="259" r:id="rId9"/>
+    <p:sldId id="268" r:id="rId10"/>
+    <p:sldId id="269" r:id="rId11"/>
+    <p:sldId id="274" r:id="rId12"/>
+    <p:sldId id="273" r:id="rId13"/>
+    <p:sldId id="264" r:id="rId14"/>
+    <p:sldId id="260" r:id="rId15"/>
+    <p:sldId id="261" r:id="rId16"/>
+    <p:sldId id="262" r:id="rId17"/>
+    <p:sldId id="265" r:id="rId18"/>
+    <p:sldId id="266" r:id="rId19"/>
   </p:sldIdLst>
   <p:sldSz cx="12192000" cy="6858000"/>
   <p:notesSz cx="6858000" cy="9144000"/>
@@ -124,7 +132,7 @@
 <file path=ppt/revisionInfo.xml><?xml version="1.0" encoding="utf-8"?>
 <p1510:revInfo xmlns:a="http://schemas.openxmlformats.org/drawingml/2006/main" xmlns:r="http://schemas.openxmlformats.org/officeDocument/2006/relationships" xmlns:p1510="http://schemas.microsoft.com/office/powerpoint/2015/10/main">
   <p1510:revLst>
-    <p1510:client id="{E34FB9E7-6CF7-40FD-83B9-B94EF404FC33}" v="51" dt="2021-11-02T15:27:46.352"/>
+    <p1510:client id="{E34FB9E7-6CF7-40FD-83B9-B94EF404FC33}" v="100" dt="2021-11-05T10:41:22.250"/>
   </p1510:revLst>
 </p1510:revInfo>
 </file>
@@ -133,11 +141,527 @@
 <pc:chgInfo xmlns:a="http://schemas.openxmlformats.org/drawingml/2006/main" xmlns:r="http://schemas.openxmlformats.org/officeDocument/2006/relationships" xmlns:ac="http://schemas.microsoft.com/office/drawing/2013/main/command" xmlns:pc="http://schemas.microsoft.com/office/powerpoint/2013/main/command">
   <pc:docChgLst>
     <pc:chgData name="MORLEY, Thomas" userId="ca0a1631-feee-46f8-9dc6-a0f397eff84f" providerId="ADAL" clId="{E34FB9E7-6CF7-40FD-83B9-B94EF404FC33}"/>
-    <pc:docChg chg="undo custSel addSld delSld modSld">
-      <pc:chgData name="MORLEY, Thomas" userId="ca0a1631-feee-46f8-9dc6-a0f397eff84f" providerId="ADAL" clId="{E34FB9E7-6CF7-40FD-83B9-B94EF404FC33}" dt="2021-11-02T15:28:22.966" v="3310" actId="207"/>
+    <pc:docChg chg="undo redo custSel addSld delSld modSld">
+      <pc:chgData name="MORLEY, Thomas" userId="ca0a1631-feee-46f8-9dc6-a0f397eff84f" providerId="ADAL" clId="{E34FB9E7-6CF7-40FD-83B9-B94EF404FC33}" dt="2021-11-05T10:42:24.627" v="6780" actId="20577"/>
       <pc:docMkLst>
         <pc:docMk/>
       </pc:docMkLst>
+      <pc:sldChg chg="addSp delSp modSp mod">
+        <pc:chgData name="MORLEY, Thomas" userId="ca0a1631-feee-46f8-9dc6-a0f397eff84f" providerId="ADAL" clId="{E34FB9E7-6CF7-40FD-83B9-B94EF404FC33}" dt="2021-11-05T10:05:15.816" v="4671" actId="14100"/>
+        <pc:sldMkLst>
+          <pc:docMk/>
+          <pc:sldMk cId="628519272" sldId="257"/>
+        </pc:sldMkLst>
+        <pc:spChg chg="mod">
+          <ac:chgData name="MORLEY, Thomas" userId="ca0a1631-feee-46f8-9dc6-a0f397eff84f" providerId="ADAL" clId="{E34FB9E7-6CF7-40FD-83B9-B94EF404FC33}" dt="2021-11-05T10:04:20.511" v="4655" actId="1076"/>
+          <ac:spMkLst>
+            <pc:docMk/>
+            <pc:sldMk cId="628519272" sldId="257"/>
+            <ac:spMk id="4" creationId="{916B87A9-63BF-4D1C-9935-714B2EB16EC6}"/>
+          </ac:spMkLst>
+        </pc:spChg>
+        <pc:spChg chg="mod ord">
+          <ac:chgData name="MORLEY, Thomas" userId="ca0a1631-feee-46f8-9dc6-a0f397eff84f" providerId="ADAL" clId="{E34FB9E7-6CF7-40FD-83B9-B94EF404FC33}" dt="2021-11-05T10:04:42.979" v="4661" actId="166"/>
+          <ac:spMkLst>
+            <pc:docMk/>
+            <pc:sldMk cId="628519272" sldId="257"/>
+            <ac:spMk id="13" creationId="{1DF37AD2-742C-46E1-B308-4841152D6813}"/>
+          </ac:spMkLst>
+        </pc:spChg>
+        <pc:spChg chg="mod ord">
+          <ac:chgData name="MORLEY, Thomas" userId="ca0a1631-feee-46f8-9dc6-a0f397eff84f" providerId="ADAL" clId="{E34FB9E7-6CF7-40FD-83B9-B94EF404FC33}" dt="2021-11-05T10:04:42.979" v="4661" actId="166"/>
+          <ac:spMkLst>
+            <pc:docMk/>
+            <pc:sldMk cId="628519272" sldId="257"/>
+            <ac:spMk id="14" creationId="{C4F0C839-1FC1-40CB-8E9D-25E68AD40F39}"/>
+          </ac:spMkLst>
+        </pc:spChg>
+        <pc:spChg chg="mod">
+          <ac:chgData name="MORLEY, Thomas" userId="ca0a1631-feee-46f8-9dc6-a0f397eff84f" providerId="ADAL" clId="{E34FB9E7-6CF7-40FD-83B9-B94EF404FC33}" dt="2021-11-05T09:49:06.066" v="4497" actId="1037"/>
+          <ac:spMkLst>
+            <pc:docMk/>
+            <pc:sldMk cId="628519272" sldId="257"/>
+            <ac:spMk id="16" creationId="{273D8C85-CF04-442B-AEC4-BEBAEFF8045A}"/>
+          </ac:spMkLst>
+        </pc:spChg>
+        <pc:spChg chg="mod ord">
+          <ac:chgData name="MORLEY, Thomas" userId="ca0a1631-feee-46f8-9dc6-a0f397eff84f" providerId="ADAL" clId="{E34FB9E7-6CF7-40FD-83B9-B94EF404FC33}" dt="2021-11-05T10:04:42.979" v="4661" actId="166"/>
+          <ac:spMkLst>
+            <pc:docMk/>
+            <pc:sldMk cId="628519272" sldId="257"/>
+            <ac:spMk id="18" creationId="{8A3D13D4-6658-4157-989C-17DF617C4AEE}"/>
+          </ac:spMkLst>
+        </pc:spChg>
+        <pc:spChg chg="mod">
+          <ac:chgData name="MORLEY, Thomas" userId="ca0a1631-feee-46f8-9dc6-a0f397eff84f" providerId="ADAL" clId="{E34FB9E7-6CF7-40FD-83B9-B94EF404FC33}" dt="2021-11-05T09:49:06.066" v="4497" actId="1037"/>
+          <ac:spMkLst>
+            <pc:docMk/>
+            <pc:sldMk cId="628519272" sldId="257"/>
+            <ac:spMk id="21" creationId="{F17A4122-2753-42E6-A7D1-571C77F24060}"/>
+          </ac:spMkLst>
+        </pc:spChg>
+        <pc:spChg chg="mod">
+          <ac:chgData name="MORLEY, Thomas" userId="ca0a1631-feee-46f8-9dc6-a0f397eff84f" providerId="ADAL" clId="{E34FB9E7-6CF7-40FD-83B9-B94EF404FC33}" dt="2021-11-05T09:49:06.066" v="4497" actId="1037"/>
+          <ac:spMkLst>
+            <pc:docMk/>
+            <pc:sldMk cId="628519272" sldId="257"/>
+            <ac:spMk id="22" creationId="{1ECCB9FF-A6AF-4905-A0B1-EB9020DD6C59}"/>
+          </ac:spMkLst>
+        </pc:spChg>
+        <pc:spChg chg="mod">
+          <ac:chgData name="MORLEY, Thomas" userId="ca0a1631-feee-46f8-9dc6-a0f397eff84f" providerId="ADAL" clId="{E34FB9E7-6CF7-40FD-83B9-B94EF404FC33}" dt="2021-11-05T09:49:06.066" v="4497" actId="1037"/>
+          <ac:spMkLst>
+            <pc:docMk/>
+            <pc:sldMk cId="628519272" sldId="257"/>
+            <ac:spMk id="26" creationId="{524EF733-917E-4D85-BE4D-E004E6FF8E4A}"/>
+          </ac:spMkLst>
+        </pc:spChg>
+        <pc:spChg chg="mod">
+          <ac:chgData name="MORLEY, Thomas" userId="ca0a1631-feee-46f8-9dc6-a0f397eff84f" providerId="ADAL" clId="{E34FB9E7-6CF7-40FD-83B9-B94EF404FC33}" dt="2021-11-05T09:49:57.243" v="4530" actId="1076"/>
+          <ac:spMkLst>
+            <pc:docMk/>
+            <pc:sldMk cId="628519272" sldId="257"/>
+            <ac:spMk id="28" creationId="{76B6FC6D-7D55-4D85-9AC4-397EA670843E}"/>
+          </ac:spMkLst>
+        </pc:spChg>
+        <pc:spChg chg="mod">
+          <ac:chgData name="MORLEY, Thomas" userId="ca0a1631-feee-46f8-9dc6-a0f397eff84f" providerId="ADAL" clId="{E34FB9E7-6CF7-40FD-83B9-B94EF404FC33}" dt="2021-11-05T09:49:57.243" v="4530" actId="1076"/>
+          <ac:spMkLst>
+            <pc:docMk/>
+            <pc:sldMk cId="628519272" sldId="257"/>
+            <ac:spMk id="29" creationId="{DD075850-420B-4257-B32E-C07A2C77C492}"/>
+          </ac:spMkLst>
+        </pc:spChg>
+        <pc:spChg chg="mod">
+          <ac:chgData name="MORLEY, Thomas" userId="ca0a1631-feee-46f8-9dc6-a0f397eff84f" providerId="ADAL" clId="{E34FB9E7-6CF7-40FD-83B9-B94EF404FC33}" dt="2021-11-05T10:01:16.136" v="4536" actId="1076"/>
+          <ac:spMkLst>
+            <pc:docMk/>
+            <pc:sldMk cId="628519272" sldId="257"/>
+            <ac:spMk id="30" creationId="{F2323DFB-7EC5-44CC-BDB9-00156F80D6F5}"/>
+          </ac:spMkLst>
+        </pc:spChg>
+        <pc:spChg chg="add del mod">
+          <ac:chgData name="MORLEY, Thomas" userId="ca0a1631-feee-46f8-9dc6-a0f397eff84f" providerId="ADAL" clId="{E34FB9E7-6CF7-40FD-83B9-B94EF404FC33}" dt="2021-11-05T10:03:08.514" v="4565" actId="478"/>
+          <ac:spMkLst>
+            <pc:docMk/>
+            <pc:sldMk cId="628519272" sldId="257"/>
+            <ac:spMk id="31" creationId="{BC564DAE-6B37-4186-B97F-B592BA108E07}"/>
+          </ac:spMkLst>
+        </pc:spChg>
+        <pc:spChg chg="add mod ord">
+          <ac:chgData name="MORLEY, Thomas" userId="ca0a1631-feee-46f8-9dc6-a0f397eff84f" providerId="ADAL" clId="{E34FB9E7-6CF7-40FD-83B9-B94EF404FC33}" dt="2021-11-05T10:01:44.679" v="4545" actId="14100"/>
+          <ac:spMkLst>
+            <pc:docMk/>
+            <pc:sldMk cId="628519272" sldId="257"/>
+            <ac:spMk id="33" creationId="{75EA7578-8274-4DFD-BE36-F1B1B47064C9}"/>
+          </ac:spMkLst>
+        </pc:spChg>
+        <pc:spChg chg="add mod">
+          <ac:chgData name="MORLEY, Thomas" userId="ca0a1631-feee-46f8-9dc6-a0f397eff84f" providerId="ADAL" clId="{E34FB9E7-6CF7-40FD-83B9-B94EF404FC33}" dt="2021-11-05T10:01:58.682" v="4556" actId="1076"/>
+          <ac:spMkLst>
+            <pc:docMk/>
+            <pc:sldMk cId="628519272" sldId="257"/>
+            <ac:spMk id="34" creationId="{87E7ECA5-436C-48EB-98CE-EA11D5E26FF2}"/>
+          </ac:spMkLst>
+        </pc:spChg>
+        <pc:spChg chg="add mod ord">
+          <ac:chgData name="MORLEY, Thomas" userId="ca0a1631-feee-46f8-9dc6-a0f397eff84f" providerId="ADAL" clId="{E34FB9E7-6CF7-40FD-83B9-B94EF404FC33}" dt="2021-11-05T10:03:58.522" v="4643" actId="13822"/>
+          <ac:spMkLst>
+            <pc:docMk/>
+            <pc:sldMk cId="628519272" sldId="257"/>
+            <ac:spMk id="35" creationId="{1FF5E26D-54FD-400D-A5B5-072A975982F1}"/>
+          </ac:spMkLst>
+        </pc:spChg>
+        <pc:spChg chg="mod">
+          <ac:chgData name="MORLEY, Thomas" userId="ca0a1631-feee-46f8-9dc6-a0f397eff84f" providerId="ADAL" clId="{E34FB9E7-6CF7-40FD-83B9-B94EF404FC33}" dt="2021-11-05T09:49:06.066" v="4497" actId="1037"/>
+          <ac:spMkLst>
+            <pc:docMk/>
+            <pc:sldMk cId="628519272" sldId="257"/>
+            <ac:spMk id="37" creationId="{AAB5FAA4-0431-4149-B5ED-520D0DEEE620}"/>
+          </ac:spMkLst>
+        </pc:spChg>
+        <pc:spChg chg="mod">
+          <ac:chgData name="MORLEY, Thomas" userId="ca0a1631-feee-46f8-9dc6-a0f397eff84f" providerId="ADAL" clId="{E34FB9E7-6CF7-40FD-83B9-B94EF404FC33}" dt="2021-11-05T09:49:06.066" v="4497" actId="1037"/>
+          <ac:spMkLst>
+            <pc:docMk/>
+            <pc:sldMk cId="628519272" sldId="257"/>
+            <ac:spMk id="38" creationId="{13156197-5B49-4E01-A684-DBD358A3DF8B}"/>
+          </ac:spMkLst>
+        </pc:spChg>
+        <pc:spChg chg="mod">
+          <ac:chgData name="MORLEY, Thomas" userId="ca0a1631-feee-46f8-9dc6-a0f397eff84f" providerId="ADAL" clId="{E34FB9E7-6CF7-40FD-83B9-B94EF404FC33}" dt="2021-11-05T09:49:06.066" v="4497" actId="1037"/>
+          <ac:spMkLst>
+            <pc:docMk/>
+            <pc:sldMk cId="628519272" sldId="257"/>
+            <ac:spMk id="39" creationId="{81340333-C09A-4746-BE14-61D3489D9415}"/>
+          </ac:spMkLst>
+        </pc:spChg>
+        <pc:spChg chg="mod">
+          <ac:chgData name="MORLEY, Thomas" userId="ca0a1631-feee-46f8-9dc6-a0f397eff84f" providerId="ADAL" clId="{E34FB9E7-6CF7-40FD-83B9-B94EF404FC33}" dt="2021-11-05T09:49:06.066" v="4497" actId="1037"/>
+          <ac:spMkLst>
+            <pc:docMk/>
+            <pc:sldMk cId="628519272" sldId="257"/>
+            <ac:spMk id="40" creationId="{DE032E4C-BF08-46A0-81CA-DC0A0EE49347}"/>
+          </ac:spMkLst>
+        </pc:spChg>
+        <pc:spChg chg="add del mod">
+          <ac:chgData name="MORLEY, Thomas" userId="ca0a1631-feee-46f8-9dc6-a0f397eff84f" providerId="ADAL" clId="{E34FB9E7-6CF7-40FD-83B9-B94EF404FC33}" dt="2021-11-05T10:03:06.476" v="4564"/>
+          <ac:spMkLst>
+            <pc:docMk/>
+            <pc:sldMk cId="628519272" sldId="257"/>
+            <ac:spMk id="42" creationId="{EF0A982B-1C3F-40C5-8D04-000D798C4297}"/>
+          </ac:spMkLst>
+        </pc:spChg>
+        <pc:spChg chg="add del mod">
+          <ac:chgData name="MORLEY, Thomas" userId="ca0a1631-feee-46f8-9dc6-a0f397eff84f" providerId="ADAL" clId="{E34FB9E7-6CF7-40FD-83B9-B94EF404FC33}" dt="2021-11-05T10:03:06.476" v="4564"/>
+          <ac:spMkLst>
+            <pc:docMk/>
+            <pc:sldMk cId="628519272" sldId="257"/>
+            <ac:spMk id="43" creationId="{A5C9EE98-0DA4-4073-BBAF-4B318271116A}"/>
+          </ac:spMkLst>
+        </pc:spChg>
+        <pc:spChg chg="add del mod">
+          <ac:chgData name="MORLEY, Thomas" userId="ca0a1631-feee-46f8-9dc6-a0f397eff84f" providerId="ADAL" clId="{E34FB9E7-6CF7-40FD-83B9-B94EF404FC33}" dt="2021-11-05T10:03:06.476" v="4564"/>
+          <ac:spMkLst>
+            <pc:docMk/>
+            <pc:sldMk cId="628519272" sldId="257"/>
+            <ac:spMk id="44" creationId="{9E4AD27A-B294-40E8-A684-ADD5F03FD615}"/>
+          </ac:spMkLst>
+        </pc:spChg>
+        <pc:spChg chg="add del mod">
+          <ac:chgData name="MORLEY, Thomas" userId="ca0a1631-feee-46f8-9dc6-a0f397eff84f" providerId="ADAL" clId="{E34FB9E7-6CF7-40FD-83B9-B94EF404FC33}" dt="2021-11-05T10:03:06.476" v="4564"/>
+          <ac:spMkLst>
+            <pc:docMk/>
+            <pc:sldMk cId="628519272" sldId="257"/>
+            <ac:spMk id="46" creationId="{6E17877A-5D26-49B1-9B2D-F15EB3252971}"/>
+          </ac:spMkLst>
+        </pc:spChg>
+        <pc:spChg chg="mod">
+          <ac:chgData name="MORLEY, Thomas" userId="ca0a1631-feee-46f8-9dc6-a0f397eff84f" providerId="ADAL" clId="{E34FB9E7-6CF7-40FD-83B9-B94EF404FC33}" dt="2021-11-05T10:01:09.176" v="4535" actId="14100"/>
+          <ac:spMkLst>
+            <pc:docMk/>
+            <pc:sldMk cId="628519272" sldId="257"/>
+            <ac:spMk id="48" creationId="{AF3A92E2-73C0-43A3-94A6-E7306716E189}"/>
+          </ac:spMkLst>
+        </pc:spChg>
+        <pc:spChg chg="mod">
+          <ac:chgData name="MORLEY, Thomas" userId="ca0a1631-feee-46f8-9dc6-a0f397eff84f" providerId="ADAL" clId="{E34FB9E7-6CF7-40FD-83B9-B94EF404FC33}" dt="2021-11-05T09:49:06.066" v="4497" actId="1037"/>
+          <ac:spMkLst>
+            <pc:docMk/>
+            <pc:sldMk cId="628519272" sldId="257"/>
+            <ac:spMk id="49" creationId="{E703AA69-6FA3-49E0-804E-72D1D1E29D27}"/>
+          </ac:spMkLst>
+        </pc:spChg>
+        <pc:spChg chg="mod">
+          <ac:chgData name="MORLEY, Thomas" userId="ca0a1631-feee-46f8-9dc6-a0f397eff84f" providerId="ADAL" clId="{E34FB9E7-6CF7-40FD-83B9-B94EF404FC33}" dt="2021-11-05T09:49:06.066" v="4497" actId="1037"/>
+          <ac:spMkLst>
+            <pc:docMk/>
+            <pc:sldMk cId="628519272" sldId="257"/>
+            <ac:spMk id="50" creationId="{09B7575F-6893-4F3C-98F8-60BCCD179369}"/>
+          </ac:spMkLst>
+        </pc:spChg>
+        <pc:spChg chg="add mod">
+          <ac:chgData name="MORLEY, Thomas" userId="ca0a1631-feee-46f8-9dc6-a0f397eff84f" providerId="ADAL" clId="{E34FB9E7-6CF7-40FD-83B9-B94EF404FC33}" dt="2021-11-05T10:03:32.870" v="4623" actId="20577"/>
+          <ac:spMkLst>
+            <pc:docMk/>
+            <pc:sldMk cId="628519272" sldId="257"/>
+            <ac:spMk id="51" creationId="{B12238BB-5265-4D1F-8F99-70C84468DFD1}"/>
+          </ac:spMkLst>
+        </pc:spChg>
+        <pc:spChg chg="add mod">
+          <ac:chgData name="MORLEY, Thomas" userId="ca0a1631-feee-46f8-9dc6-a0f397eff84f" providerId="ADAL" clId="{E34FB9E7-6CF7-40FD-83B9-B94EF404FC33}" dt="2021-11-05T10:03:29.561" v="4615" actId="20577"/>
+          <ac:spMkLst>
+            <pc:docMk/>
+            <pc:sldMk cId="628519272" sldId="257"/>
+            <ac:spMk id="52" creationId="{64073352-BB98-4D2A-9E43-741377C87202}"/>
+          </ac:spMkLst>
+        </pc:spChg>
+        <pc:spChg chg="mod">
+          <ac:chgData name="MORLEY, Thomas" userId="ca0a1631-feee-46f8-9dc6-a0f397eff84f" providerId="ADAL" clId="{E34FB9E7-6CF7-40FD-83B9-B94EF404FC33}" dt="2021-11-05T09:48:58.684" v="4467" actId="1035"/>
+          <ac:spMkLst>
+            <pc:docMk/>
+            <pc:sldMk cId="628519272" sldId="257"/>
+            <ac:spMk id="53" creationId="{EC8B331F-AFFC-41B7-9D24-6670C3B6C485}"/>
+          </ac:spMkLst>
+        </pc:spChg>
+        <pc:spChg chg="mod">
+          <ac:chgData name="MORLEY, Thomas" userId="ca0a1631-feee-46f8-9dc6-a0f397eff84f" providerId="ADAL" clId="{E34FB9E7-6CF7-40FD-83B9-B94EF404FC33}" dt="2021-11-05T10:04:12.504" v="4654" actId="14100"/>
+          <ac:spMkLst>
+            <pc:docMk/>
+            <pc:sldMk cId="628519272" sldId="257"/>
+            <ac:spMk id="54" creationId="{5279537E-F463-4A8D-9F13-7A8C184D1C98}"/>
+          </ac:spMkLst>
+        </pc:spChg>
+        <pc:spChg chg="mod">
+          <ac:chgData name="MORLEY, Thomas" userId="ca0a1631-feee-46f8-9dc6-a0f397eff84f" providerId="ADAL" clId="{E34FB9E7-6CF7-40FD-83B9-B94EF404FC33}" dt="2021-11-05T10:04:09.998" v="4653" actId="14100"/>
+          <ac:spMkLst>
+            <pc:docMk/>
+            <pc:sldMk cId="628519272" sldId="257"/>
+            <ac:spMk id="55" creationId="{82F7FFA3-343E-4649-BD6F-25036DCC79EE}"/>
+          </ac:spMkLst>
+        </pc:spChg>
+        <pc:spChg chg="add mod">
+          <ac:chgData name="MORLEY, Thomas" userId="ca0a1631-feee-46f8-9dc6-a0f397eff84f" providerId="ADAL" clId="{E34FB9E7-6CF7-40FD-83B9-B94EF404FC33}" dt="2021-11-05T10:03:35.952" v="4631" actId="20577"/>
+          <ac:spMkLst>
+            <pc:docMk/>
+            <pc:sldMk cId="628519272" sldId="257"/>
+            <ac:spMk id="56" creationId="{5DF69258-5BF1-4186-907F-FCF20435AE02}"/>
+          </ac:spMkLst>
+        </pc:spChg>
+        <pc:spChg chg="add mod">
+          <ac:chgData name="MORLEY, Thomas" userId="ca0a1631-feee-46f8-9dc6-a0f397eff84f" providerId="ADAL" clId="{E34FB9E7-6CF7-40FD-83B9-B94EF404FC33}" dt="2021-11-05T10:03:25.354" v="4605" actId="20577"/>
+          <ac:spMkLst>
+            <pc:docMk/>
+            <pc:sldMk cId="628519272" sldId="257"/>
+            <ac:spMk id="57" creationId="{681A63D4-E2C8-43D4-8AD2-E6BB7A98C39E}"/>
+          </ac:spMkLst>
+        </pc:spChg>
+        <pc:spChg chg="add mod">
+          <ac:chgData name="MORLEY, Thomas" userId="ca0a1631-feee-46f8-9dc6-a0f397eff84f" providerId="ADAL" clId="{E34FB9E7-6CF7-40FD-83B9-B94EF404FC33}" dt="2021-11-05T10:03:49.512" v="4642" actId="1076"/>
+          <ac:spMkLst>
+            <pc:docMk/>
+            <pc:sldMk cId="628519272" sldId="257"/>
+            <ac:spMk id="58" creationId="{50ECED08-65CA-4066-9B98-E2980E16B78F}"/>
+          </ac:spMkLst>
+        </pc:spChg>
+        <pc:cxnChg chg="del mod">
+          <ac:chgData name="MORLEY, Thomas" userId="ca0a1631-feee-46f8-9dc6-a0f397eff84f" providerId="ADAL" clId="{E34FB9E7-6CF7-40FD-83B9-B94EF404FC33}" dt="2021-11-05T09:49:26.514" v="4500" actId="478"/>
+          <ac:cxnSpMkLst>
+            <pc:docMk/>
+            <pc:sldMk cId="628519272" sldId="257"/>
+            <ac:cxnSpMk id="6" creationId="{D112A077-2620-474B-8EE9-AAB36779304C}"/>
+          </ac:cxnSpMkLst>
+        </pc:cxnChg>
+        <pc:cxnChg chg="mod">
+          <ac:chgData name="MORLEY, Thomas" userId="ca0a1631-feee-46f8-9dc6-a0f397eff84f" providerId="ADAL" clId="{E34FB9E7-6CF7-40FD-83B9-B94EF404FC33}" dt="2021-11-05T10:04:25.306" v="4656" actId="14100"/>
+          <ac:cxnSpMkLst>
+            <pc:docMk/>
+            <pc:sldMk cId="628519272" sldId="257"/>
+            <ac:cxnSpMk id="8" creationId="{FED6E45F-628A-4487-9403-DEDCF1B9B5D1}"/>
+          </ac:cxnSpMkLst>
+        </pc:cxnChg>
+        <pc:cxnChg chg="del mod">
+          <ac:chgData name="MORLEY, Thomas" userId="ca0a1631-feee-46f8-9dc6-a0f397eff84f" providerId="ADAL" clId="{E34FB9E7-6CF7-40FD-83B9-B94EF404FC33}" dt="2021-11-05T09:50:07.161" v="4531" actId="478"/>
+          <ac:cxnSpMkLst>
+            <pc:docMk/>
+            <pc:sldMk cId="628519272" sldId="257"/>
+            <ac:cxnSpMk id="11" creationId="{02849C5B-01C5-4B0E-8CFA-BDE985536D82}"/>
+          </ac:cxnSpMkLst>
+        </pc:cxnChg>
+        <pc:cxnChg chg="mod">
+          <ac:chgData name="MORLEY, Thomas" userId="ca0a1631-feee-46f8-9dc6-a0f397eff84f" providerId="ADAL" clId="{E34FB9E7-6CF7-40FD-83B9-B94EF404FC33}" dt="2021-11-05T09:49:06.066" v="4497" actId="1037"/>
+          <ac:cxnSpMkLst>
+            <pc:docMk/>
+            <pc:sldMk cId="628519272" sldId="257"/>
+            <ac:cxnSpMk id="24" creationId="{C34CFD35-FEA3-4906-AB04-19007854493F}"/>
+          </ac:cxnSpMkLst>
+        </pc:cxnChg>
+        <pc:cxnChg chg="mod">
+          <ac:chgData name="MORLEY, Thomas" userId="ca0a1631-feee-46f8-9dc6-a0f397eff84f" providerId="ADAL" clId="{E34FB9E7-6CF7-40FD-83B9-B94EF404FC33}" dt="2021-11-05T09:49:57.243" v="4530" actId="1076"/>
+          <ac:cxnSpMkLst>
+            <pc:docMk/>
+            <pc:sldMk cId="628519272" sldId="257"/>
+            <ac:cxnSpMk id="27" creationId="{92FD7DC9-276D-4F6F-B25D-5B05920F009C}"/>
+          </ac:cxnSpMkLst>
+        </pc:cxnChg>
+        <pc:cxnChg chg="mod">
+          <ac:chgData name="MORLEY, Thomas" userId="ca0a1631-feee-46f8-9dc6-a0f397eff84f" providerId="ADAL" clId="{E34FB9E7-6CF7-40FD-83B9-B94EF404FC33}" dt="2021-11-05T09:49:06.066" v="4497" actId="1037"/>
+          <ac:cxnSpMkLst>
+            <pc:docMk/>
+            <pc:sldMk cId="628519272" sldId="257"/>
+            <ac:cxnSpMk id="36" creationId="{4AB15DE9-844B-4FC9-81CF-013A8BDE7A10}"/>
+          </ac:cxnSpMkLst>
+        </pc:cxnChg>
+        <pc:cxnChg chg="add del mod">
+          <ac:chgData name="MORLEY, Thomas" userId="ca0a1631-feee-46f8-9dc6-a0f397eff84f" providerId="ADAL" clId="{E34FB9E7-6CF7-40FD-83B9-B94EF404FC33}" dt="2021-11-05T10:03:06.476" v="4564"/>
+          <ac:cxnSpMkLst>
+            <pc:docMk/>
+            <pc:sldMk cId="628519272" sldId="257"/>
+            <ac:cxnSpMk id="41" creationId="{17C3EE5F-A241-4E0C-A2FC-16E7AD711550}"/>
+          </ac:cxnSpMkLst>
+        </pc:cxnChg>
+        <pc:cxnChg chg="mod">
+          <ac:chgData name="MORLEY, Thomas" userId="ca0a1631-feee-46f8-9dc6-a0f397eff84f" providerId="ADAL" clId="{E34FB9E7-6CF7-40FD-83B9-B94EF404FC33}" dt="2021-11-05T09:49:06.066" v="4497" actId="1037"/>
+          <ac:cxnSpMkLst>
+            <pc:docMk/>
+            <pc:sldMk cId="628519272" sldId="257"/>
+            <ac:cxnSpMk id="45" creationId="{6E5784F5-BE29-46BF-A517-8BA1185459DD}"/>
+          </ac:cxnSpMkLst>
+        </pc:cxnChg>
+        <pc:cxnChg chg="add mod">
+          <ac:chgData name="MORLEY, Thomas" userId="ca0a1631-feee-46f8-9dc6-a0f397eff84f" providerId="ADAL" clId="{E34FB9E7-6CF7-40FD-83B9-B94EF404FC33}" dt="2021-11-05T10:03:20.894" v="4595" actId="1037"/>
+          <ac:cxnSpMkLst>
+            <pc:docMk/>
+            <pc:sldMk cId="628519272" sldId="257"/>
+            <ac:cxnSpMk id="47" creationId="{B4DD1DC4-C020-4786-8BB6-F42605349FA4}"/>
+          </ac:cxnSpMkLst>
+        </pc:cxnChg>
+        <pc:cxnChg chg="add mod">
+          <ac:chgData name="MORLEY, Thomas" userId="ca0a1631-feee-46f8-9dc6-a0f397eff84f" providerId="ADAL" clId="{E34FB9E7-6CF7-40FD-83B9-B94EF404FC33}" dt="2021-11-05T10:04:38.945" v="4660" actId="1076"/>
+          <ac:cxnSpMkLst>
+            <pc:docMk/>
+            <pc:sldMk cId="628519272" sldId="257"/>
+            <ac:cxnSpMk id="59" creationId="{8494F436-C91D-46C9-8525-F28DABB2B187}"/>
+          </ac:cxnSpMkLst>
+        </pc:cxnChg>
+        <pc:cxnChg chg="add mod">
+          <ac:chgData name="MORLEY, Thomas" userId="ca0a1631-feee-46f8-9dc6-a0f397eff84f" providerId="ADAL" clId="{E34FB9E7-6CF7-40FD-83B9-B94EF404FC33}" dt="2021-11-05T10:04:56.975" v="4665" actId="14100"/>
+          <ac:cxnSpMkLst>
+            <pc:docMk/>
+            <pc:sldMk cId="628519272" sldId="257"/>
+            <ac:cxnSpMk id="60" creationId="{D4BF5341-19C9-49E7-AE78-5DA4E59AE189}"/>
+          </ac:cxnSpMkLst>
+        </pc:cxnChg>
+        <pc:cxnChg chg="add mod">
+          <ac:chgData name="MORLEY, Thomas" userId="ca0a1631-feee-46f8-9dc6-a0f397eff84f" providerId="ADAL" clId="{E34FB9E7-6CF7-40FD-83B9-B94EF404FC33}" dt="2021-11-05T10:05:08.344" v="4668" actId="14100"/>
+          <ac:cxnSpMkLst>
+            <pc:docMk/>
+            <pc:sldMk cId="628519272" sldId="257"/>
+            <ac:cxnSpMk id="61" creationId="{A622F18B-20B7-47EF-84AF-BCC896DD9011}"/>
+          </ac:cxnSpMkLst>
+        </pc:cxnChg>
+        <pc:cxnChg chg="add mod">
+          <ac:chgData name="MORLEY, Thomas" userId="ca0a1631-feee-46f8-9dc6-a0f397eff84f" providerId="ADAL" clId="{E34FB9E7-6CF7-40FD-83B9-B94EF404FC33}" dt="2021-11-05T10:05:15.816" v="4671" actId="14100"/>
+          <ac:cxnSpMkLst>
+            <pc:docMk/>
+            <pc:sldMk cId="628519272" sldId="257"/>
+            <ac:cxnSpMk id="62" creationId="{41EDABE6-1385-48F2-B07E-D6EC4254612D}"/>
+          </ac:cxnSpMkLst>
+        </pc:cxnChg>
+      </pc:sldChg>
+      <pc:sldChg chg="addSp modSp mod">
+        <pc:chgData name="MORLEY, Thomas" userId="ca0a1631-feee-46f8-9dc6-a0f397eff84f" providerId="ADAL" clId="{E34FB9E7-6CF7-40FD-83B9-B94EF404FC33}" dt="2021-11-05T10:30:08.702" v="6196" actId="20577"/>
+        <pc:sldMkLst>
+          <pc:docMk/>
+          <pc:sldMk cId="3253141204" sldId="258"/>
+        </pc:sldMkLst>
+        <pc:spChg chg="mod">
+          <ac:chgData name="MORLEY, Thomas" userId="ca0a1631-feee-46f8-9dc6-a0f397eff84f" providerId="ADAL" clId="{E34FB9E7-6CF7-40FD-83B9-B94EF404FC33}" dt="2021-11-05T10:30:08.702" v="6196" actId="20577"/>
+          <ac:spMkLst>
+            <pc:docMk/>
+            <pc:sldMk cId="3253141204" sldId="258"/>
+            <ac:spMk id="2" creationId="{298BF65D-E790-44B4-9563-4762647C61CF}"/>
+          </ac:spMkLst>
+        </pc:spChg>
+        <pc:spChg chg="mod">
+          <ac:chgData name="MORLEY, Thomas" userId="ca0a1631-feee-46f8-9dc6-a0f397eff84f" providerId="ADAL" clId="{E34FB9E7-6CF7-40FD-83B9-B94EF404FC33}" dt="2021-11-05T10:05:50.872" v="4672"/>
+          <ac:spMkLst>
+            <pc:docMk/>
+            <pc:sldMk cId="3253141204" sldId="258"/>
+            <ac:spMk id="3" creationId="{D0174BC5-A07C-4717-8321-5CD37C6704A2}"/>
+          </ac:spMkLst>
+        </pc:spChg>
+        <pc:spChg chg="add mod">
+          <ac:chgData name="MORLEY, Thomas" userId="ca0a1631-feee-46f8-9dc6-a0f397eff84f" providerId="ADAL" clId="{E34FB9E7-6CF7-40FD-83B9-B94EF404FC33}" dt="2021-11-05T09:46:31.131" v="4300"/>
+          <ac:spMkLst>
+            <pc:docMk/>
+            <pc:sldMk cId="3253141204" sldId="258"/>
+            <ac:spMk id="8" creationId="{53DDBE14-CBBC-4F57-B1D7-DA4384EE6FC2}"/>
+          </ac:spMkLst>
+        </pc:spChg>
+        <pc:picChg chg="add mod">
+          <ac:chgData name="MORLEY, Thomas" userId="ca0a1631-feee-46f8-9dc6-a0f397eff84f" providerId="ADAL" clId="{E34FB9E7-6CF7-40FD-83B9-B94EF404FC33}" dt="2021-11-05T09:39:03.627" v="3442" actId="1076"/>
+          <ac:picMkLst>
+            <pc:docMk/>
+            <pc:sldMk cId="3253141204" sldId="258"/>
+            <ac:picMk id="5" creationId="{F31EFC8D-970C-4A39-A934-5376D6109B30}"/>
+          </ac:picMkLst>
+        </pc:picChg>
+        <pc:picChg chg="add mod">
+          <ac:chgData name="MORLEY, Thomas" userId="ca0a1631-feee-46f8-9dc6-a0f397eff84f" providerId="ADAL" clId="{E34FB9E7-6CF7-40FD-83B9-B94EF404FC33}" dt="2021-11-05T09:39:37.069" v="3519" actId="1076"/>
+          <ac:picMkLst>
+            <pc:docMk/>
+            <pc:sldMk cId="3253141204" sldId="258"/>
+            <ac:picMk id="7" creationId="{5D232217-1159-43D2-9092-86168868B71A}"/>
+          </ac:picMkLst>
+        </pc:picChg>
+      </pc:sldChg>
+      <pc:sldChg chg="addSp delSp modSp mod">
+        <pc:chgData name="MORLEY, Thomas" userId="ca0a1631-feee-46f8-9dc6-a0f397eff84f" providerId="ADAL" clId="{E34FB9E7-6CF7-40FD-83B9-B94EF404FC33}" dt="2021-11-05T10:42:02.875" v="6754" actId="20577"/>
+        <pc:sldMkLst>
+          <pc:docMk/>
+          <pc:sldMk cId="51579567" sldId="259"/>
+        </pc:sldMkLst>
+        <pc:spChg chg="mod">
+          <ac:chgData name="MORLEY, Thomas" userId="ca0a1631-feee-46f8-9dc6-a0f397eff84f" providerId="ADAL" clId="{E34FB9E7-6CF7-40FD-83B9-B94EF404FC33}" dt="2021-11-05T10:42:02.875" v="6754" actId="20577"/>
+          <ac:spMkLst>
+            <pc:docMk/>
+            <pc:sldMk cId="51579567" sldId="259"/>
+            <ac:spMk id="2" creationId="{553A35EB-2060-46B9-B0EE-79241E038580}"/>
+          </ac:spMkLst>
+        </pc:spChg>
+        <pc:spChg chg="del mod">
+          <ac:chgData name="MORLEY, Thomas" userId="ca0a1631-feee-46f8-9dc6-a0f397eff84f" providerId="ADAL" clId="{E34FB9E7-6CF7-40FD-83B9-B94EF404FC33}" dt="2021-11-05T09:43:29.823" v="4048" actId="478"/>
+          <ac:spMkLst>
+            <pc:docMk/>
+            <pc:sldMk cId="51579567" sldId="259"/>
+            <ac:spMk id="3" creationId="{0E21D2FA-1297-4F32-BC20-6525D35A4E0E}"/>
+          </ac:spMkLst>
+        </pc:spChg>
+        <pc:spChg chg="add mod">
+          <ac:chgData name="MORLEY, Thomas" userId="ca0a1631-feee-46f8-9dc6-a0f397eff84f" providerId="ADAL" clId="{E34FB9E7-6CF7-40FD-83B9-B94EF404FC33}" dt="2021-11-05T09:43:32.939" v="4049" actId="1076"/>
+          <ac:spMkLst>
+            <pc:docMk/>
+            <pc:sldMk cId="51579567" sldId="259"/>
+            <ac:spMk id="4" creationId="{718B6641-F2C0-424D-B520-497CF8393B2F}"/>
+          </ac:spMkLst>
+        </pc:spChg>
+        <pc:picChg chg="add mod">
+          <ac:chgData name="MORLEY, Thomas" userId="ca0a1631-feee-46f8-9dc6-a0f397eff84f" providerId="ADAL" clId="{E34FB9E7-6CF7-40FD-83B9-B94EF404FC33}" dt="2021-11-05T09:43:27.372" v="4047" actId="1076"/>
+          <ac:picMkLst>
+            <pc:docMk/>
+            <pc:sldMk cId="51579567" sldId="259"/>
+            <ac:picMk id="5" creationId="{A317AD73-2418-4496-BFBB-E9E07FAE6D84}"/>
+          </ac:picMkLst>
+        </pc:picChg>
+        <pc:picChg chg="add mod">
+          <ac:chgData name="MORLEY, Thomas" userId="ca0a1631-feee-46f8-9dc6-a0f397eff84f" providerId="ADAL" clId="{E34FB9E7-6CF7-40FD-83B9-B94EF404FC33}" dt="2021-11-05T09:43:27.372" v="4047" actId="1076"/>
+          <ac:picMkLst>
+            <pc:docMk/>
+            <pc:sldMk cId="51579567" sldId="259"/>
+            <ac:picMk id="6" creationId="{950AEE99-97EB-452F-9036-E0D16382134B}"/>
+          </ac:picMkLst>
+        </pc:picChg>
+      </pc:sldChg>
+      <pc:sldChg chg="addSp delSp modSp">
+        <pc:chgData name="MORLEY, Thomas" userId="ca0a1631-feee-46f8-9dc6-a0f397eff84f" providerId="ADAL" clId="{E34FB9E7-6CF7-40FD-83B9-B94EF404FC33}" dt="2021-11-05T10:35:03.438" v="6524"/>
+        <pc:sldMkLst>
+          <pc:docMk/>
+          <pc:sldMk cId="3043659729" sldId="260"/>
+        </pc:sldMkLst>
+        <pc:spChg chg="add del mod">
+          <ac:chgData name="MORLEY, Thomas" userId="ca0a1631-feee-46f8-9dc6-a0f397eff84f" providerId="ADAL" clId="{E34FB9E7-6CF7-40FD-83B9-B94EF404FC33}" dt="2021-11-05T10:35:03.438" v="6524"/>
+          <ac:spMkLst>
+            <pc:docMk/>
+            <pc:sldMk cId="3043659729" sldId="260"/>
+            <ac:spMk id="63" creationId="{0B20DD18-990B-4D50-8BCB-BBDDEBE83F04}"/>
+          </ac:spMkLst>
+        </pc:spChg>
+        <pc:picChg chg="add del mod">
+          <ac:chgData name="MORLEY, Thomas" userId="ca0a1631-feee-46f8-9dc6-a0f397eff84f" providerId="ADAL" clId="{E34FB9E7-6CF7-40FD-83B9-B94EF404FC33}" dt="2021-11-05T10:35:03.438" v="6524"/>
+          <ac:picMkLst>
+            <pc:docMk/>
+            <pc:sldMk cId="3043659729" sldId="260"/>
+            <ac:picMk id="57" creationId="{FC8201E7-4522-4A8A-9B4E-AE76FBEDCCD5}"/>
+          </ac:picMkLst>
+        </pc:picChg>
+        <pc:picChg chg="add del mod">
+          <ac:chgData name="MORLEY, Thomas" userId="ca0a1631-feee-46f8-9dc6-a0f397eff84f" providerId="ADAL" clId="{E34FB9E7-6CF7-40FD-83B9-B94EF404FC33}" dt="2021-11-05T10:35:03.438" v="6524"/>
+          <ac:picMkLst>
+            <pc:docMk/>
+            <pc:sldMk cId="3043659729" sldId="260"/>
+            <ac:picMk id="59" creationId="{CC8A93E3-A199-4485-BAB1-C820AA152AC0}"/>
+          </ac:picMkLst>
+        </pc:picChg>
+        <pc:picChg chg="add del mod">
+          <ac:chgData name="MORLEY, Thomas" userId="ca0a1631-feee-46f8-9dc6-a0f397eff84f" providerId="ADAL" clId="{E34FB9E7-6CF7-40FD-83B9-B94EF404FC33}" dt="2021-11-05T10:35:03.438" v="6524"/>
+          <ac:picMkLst>
+            <pc:docMk/>
+            <pc:sldMk cId="3043659729" sldId="260"/>
+            <ac:picMk id="62" creationId="{8B7E92B2-3F7C-482F-8140-312324360239}"/>
+          </ac:picMkLst>
+        </pc:picChg>
+      </pc:sldChg>
       <pc:sldChg chg="addSp modSp mod">
         <pc:chgData name="MORLEY, Thomas" userId="ca0a1631-feee-46f8-9dc6-a0f397eff84f" providerId="ADAL" clId="{E34FB9E7-6CF7-40FD-83B9-B94EF404FC33}" dt="2021-10-25T15:31:09.582" v="918" actId="404"/>
         <pc:sldMkLst>
@@ -651,6 +1175,654 @@
             <ac:cxnSpMk id="29" creationId="{D7AF10CB-732D-4E41-AD04-B80E5F96C349}"/>
           </ac:cxnSpMkLst>
         </pc:cxnChg>
+      </pc:sldChg>
+      <pc:sldChg chg="addSp delSp modSp add mod">
+        <pc:chgData name="MORLEY, Thomas" userId="ca0a1631-feee-46f8-9dc6-a0f397eff84f" providerId="ADAL" clId="{E34FB9E7-6CF7-40FD-83B9-B94EF404FC33}" dt="2021-11-05T10:30:14.378" v="6202" actId="20577"/>
+        <pc:sldMkLst>
+          <pc:docMk/>
+          <pc:sldMk cId="1332232436" sldId="267"/>
+        </pc:sldMkLst>
+        <pc:spChg chg="mod">
+          <ac:chgData name="MORLEY, Thomas" userId="ca0a1631-feee-46f8-9dc6-a0f397eff84f" providerId="ADAL" clId="{E34FB9E7-6CF7-40FD-83B9-B94EF404FC33}" dt="2021-11-05T10:30:14.378" v="6202" actId="20577"/>
+          <ac:spMkLst>
+            <pc:docMk/>
+            <pc:sldMk cId="1332232436" sldId="267"/>
+            <ac:spMk id="2" creationId="{298BF65D-E790-44B4-9563-4762647C61CF}"/>
+          </ac:spMkLst>
+        </pc:spChg>
+        <pc:spChg chg="add del mod">
+          <ac:chgData name="MORLEY, Thomas" userId="ca0a1631-feee-46f8-9dc6-a0f397eff84f" providerId="ADAL" clId="{E34FB9E7-6CF7-40FD-83B9-B94EF404FC33}" dt="2021-11-05T10:19:38.659" v="5354" actId="5793"/>
+          <ac:spMkLst>
+            <pc:docMk/>
+            <pc:sldMk cId="1332232436" sldId="267"/>
+            <ac:spMk id="3" creationId="{D0174BC5-A07C-4717-8321-5CD37C6704A2}"/>
+          </ac:spMkLst>
+        </pc:spChg>
+        <pc:spChg chg="add del mod">
+          <ac:chgData name="MORLEY, Thomas" userId="ca0a1631-feee-46f8-9dc6-a0f397eff84f" providerId="ADAL" clId="{E34FB9E7-6CF7-40FD-83B9-B94EF404FC33}" dt="2021-11-05T09:46:40.043" v="4302" actId="20577"/>
+          <ac:spMkLst>
+            <pc:docMk/>
+            <pc:sldMk cId="1332232436" sldId="267"/>
+            <ac:spMk id="8" creationId="{53DDBE14-CBBC-4F57-B1D7-DA4384EE6FC2}"/>
+          </ac:spMkLst>
+        </pc:spChg>
+        <pc:spChg chg="add del mod">
+          <ac:chgData name="MORLEY, Thomas" userId="ca0a1631-feee-46f8-9dc6-a0f397eff84f" providerId="ADAL" clId="{E34FB9E7-6CF7-40FD-83B9-B94EF404FC33}" dt="2021-11-05T10:17:37.002" v="4995" actId="478"/>
+          <ac:spMkLst>
+            <pc:docMk/>
+            <pc:sldMk cId="1332232436" sldId="267"/>
+            <ac:spMk id="15" creationId="{70607811-142E-4672-B4C2-6AA97EFEF539}"/>
+          </ac:spMkLst>
+        </pc:spChg>
+        <pc:graphicFrameChg chg="add del">
+          <ac:chgData name="MORLEY, Thomas" userId="ca0a1631-feee-46f8-9dc6-a0f397eff84f" providerId="ADAL" clId="{E34FB9E7-6CF7-40FD-83B9-B94EF404FC33}" dt="2021-11-05T10:16:23.278" v="4870" actId="26606"/>
+          <ac:graphicFrameMkLst>
+            <pc:docMk/>
+            <pc:sldMk cId="1332232436" sldId="267"/>
+            <ac:graphicFrameMk id="19" creationId="{756B7F28-4A20-4CE1-9C54-E5B90A6C9479}"/>
+          </ac:graphicFrameMkLst>
+        </pc:graphicFrameChg>
+        <pc:picChg chg="del">
+          <ac:chgData name="MORLEY, Thomas" userId="ca0a1631-feee-46f8-9dc6-a0f397eff84f" providerId="ADAL" clId="{E34FB9E7-6CF7-40FD-83B9-B94EF404FC33}" dt="2021-11-05T09:41:00.235" v="3735" actId="478"/>
+          <ac:picMkLst>
+            <pc:docMk/>
+            <pc:sldMk cId="1332232436" sldId="267"/>
+            <ac:picMk id="5" creationId="{F31EFC8D-970C-4A39-A934-5376D6109B30}"/>
+          </ac:picMkLst>
+        </pc:picChg>
+        <pc:picChg chg="add del mod">
+          <ac:chgData name="MORLEY, Thomas" userId="ca0a1631-feee-46f8-9dc6-a0f397eff84f" providerId="ADAL" clId="{E34FB9E7-6CF7-40FD-83B9-B94EF404FC33}" dt="2021-11-05T09:43:18.470" v="4035" actId="478"/>
+          <ac:picMkLst>
+            <pc:docMk/>
+            <pc:sldMk cId="1332232436" sldId="267"/>
+            <ac:picMk id="6" creationId="{89A21C0B-767B-431F-B5A6-5C80D792B241}"/>
+          </ac:picMkLst>
+        </pc:picChg>
+        <pc:picChg chg="add del">
+          <ac:chgData name="MORLEY, Thomas" userId="ca0a1631-feee-46f8-9dc6-a0f397eff84f" providerId="ADAL" clId="{E34FB9E7-6CF7-40FD-83B9-B94EF404FC33}" dt="2021-11-05T09:43:41.263" v="4050" actId="478"/>
+          <ac:picMkLst>
+            <pc:docMk/>
+            <pc:sldMk cId="1332232436" sldId="267"/>
+            <ac:picMk id="7" creationId="{5D232217-1159-43D2-9092-86168868B71A}"/>
+          </ac:picMkLst>
+        </pc:picChg>
+        <pc:picChg chg="add del mod">
+          <ac:chgData name="MORLEY, Thomas" userId="ca0a1631-feee-46f8-9dc6-a0f397eff84f" providerId="ADAL" clId="{E34FB9E7-6CF7-40FD-83B9-B94EF404FC33}" dt="2021-11-05T09:43:18.439" v="4034" actId="22"/>
+          <ac:picMkLst>
+            <pc:docMk/>
+            <pc:sldMk cId="1332232436" sldId="267"/>
+            <ac:picMk id="10" creationId="{8C0ACD2B-1640-43DF-B10B-5B126A988E62}"/>
+          </ac:picMkLst>
+        </pc:picChg>
+        <pc:picChg chg="add del mod">
+          <ac:chgData name="MORLEY, Thomas" userId="ca0a1631-feee-46f8-9dc6-a0f397eff84f" providerId="ADAL" clId="{E34FB9E7-6CF7-40FD-83B9-B94EF404FC33}" dt="2021-11-05T09:43:17.005" v="4026" actId="22"/>
+          <ac:picMkLst>
+            <pc:docMk/>
+            <pc:sldMk cId="1332232436" sldId="267"/>
+            <ac:picMk id="12" creationId="{FDDD270A-C6B6-47CF-8F64-1825DD043ED6}"/>
+          </ac:picMkLst>
+        </pc:picChg>
+        <pc:picChg chg="add del mod">
+          <ac:chgData name="MORLEY, Thomas" userId="ca0a1631-feee-46f8-9dc6-a0f397eff84f" providerId="ADAL" clId="{E34FB9E7-6CF7-40FD-83B9-B94EF404FC33}" dt="2021-11-05T10:16:09.623" v="4866" actId="478"/>
+          <ac:picMkLst>
+            <pc:docMk/>
+            <pc:sldMk cId="1332232436" sldId="267"/>
+            <ac:picMk id="14" creationId="{2C2539F3-8B3E-46F1-8BB8-D5422ED30D7C}"/>
+          </ac:picMkLst>
+        </pc:picChg>
+        <pc:picChg chg="add del mod">
+          <ac:chgData name="MORLEY, Thomas" userId="ca0a1631-feee-46f8-9dc6-a0f397eff84f" providerId="ADAL" clId="{E34FB9E7-6CF7-40FD-83B9-B94EF404FC33}" dt="2021-11-05T10:17:35.744" v="4994" actId="478"/>
+          <ac:picMkLst>
+            <pc:docMk/>
+            <pc:sldMk cId="1332232436" sldId="267"/>
+            <ac:picMk id="17" creationId="{E0C91E2D-57A5-4ACB-ACAD-A1E10BB8A9B9}"/>
+          </ac:picMkLst>
+        </pc:picChg>
+      </pc:sldChg>
+      <pc:sldChg chg="addSp delSp modSp add mod">
+        <pc:chgData name="MORLEY, Thomas" userId="ca0a1631-feee-46f8-9dc6-a0f397eff84f" providerId="ADAL" clId="{E34FB9E7-6CF7-40FD-83B9-B94EF404FC33}" dt="2021-11-05T10:42:09.333" v="6762" actId="20577"/>
+        <pc:sldMkLst>
+          <pc:docMk/>
+          <pc:sldMk cId="179229074" sldId="268"/>
+        </pc:sldMkLst>
+        <pc:spChg chg="mod">
+          <ac:chgData name="MORLEY, Thomas" userId="ca0a1631-feee-46f8-9dc6-a0f397eff84f" providerId="ADAL" clId="{E34FB9E7-6CF7-40FD-83B9-B94EF404FC33}" dt="2021-11-05T10:42:09.333" v="6762" actId="20577"/>
+          <ac:spMkLst>
+            <pc:docMk/>
+            <pc:sldMk cId="179229074" sldId="268"/>
+            <ac:spMk id="2" creationId="{553A35EB-2060-46B9-B0EE-79241E038580}"/>
+          </ac:spMkLst>
+        </pc:spChg>
+        <pc:spChg chg="mod">
+          <ac:chgData name="MORLEY, Thomas" userId="ca0a1631-feee-46f8-9dc6-a0f397eff84f" providerId="ADAL" clId="{E34FB9E7-6CF7-40FD-83B9-B94EF404FC33}" dt="2021-11-05T09:47:14.367" v="4308" actId="1076"/>
+          <ac:spMkLst>
+            <pc:docMk/>
+            <pc:sldMk cId="179229074" sldId="268"/>
+            <ac:spMk id="4" creationId="{718B6641-F2C0-424D-B520-497CF8393B2F}"/>
+          </ac:spMkLst>
+        </pc:spChg>
+        <pc:spChg chg="add mod">
+          <ac:chgData name="MORLEY, Thomas" userId="ca0a1631-feee-46f8-9dc6-a0f397eff84f" providerId="ADAL" clId="{E34FB9E7-6CF7-40FD-83B9-B94EF404FC33}" dt="2021-11-05T09:47:14.367" v="4308" actId="1076"/>
+          <ac:spMkLst>
+            <pc:docMk/>
+            <pc:sldMk cId="179229074" sldId="268"/>
+            <ac:spMk id="9" creationId="{96DE2BDF-1842-4FD1-905E-F24F0E030E53}"/>
+          </ac:spMkLst>
+        </pc:spChg>
+        <pc:spChg chg="add mod">
+          <ac:chgData name="MORLEY, Thomas" userId="ca0a1631-feee-46f8-9dc6-a0f397eff84f" providerId="ADAL" clId="{E34FB9E7-6CF7-40FD-83B9-B94EF404FC33}" dt="2021-11-05T09:47:14.367" v="4308" actId="1076"/>
+          <ac:spMkLst>
+            <pc:docMk/>
+            <pc:sldMk cId="179229074" sldId="268"/>
+            <ac:spMk id="10" creationId="{DD57490B-8471-460F-9221-9EBA7E49D2B0}"/>
+          </ac:spMkLst>
+        </pc:spChg>
+        <pc:picChg chg="del">
+          <ac:chgData name="MORLEY, Thomas" userId="ca0a1631-feee-46f8-9dc6-a0f397eff84f" providerId="ADAL" clId="{E34FB9E7-6CF7-40FD-83B9-B94EF404FC33}" dt="2021-11-05T09:44:37.064" v="4053" actId="478"/>
+          <ac:picMkLst>
+            <pc:docMk/>
+            <pc:sldMk cId="179229074" sldId="268"/>
+            <ac:picMk id="5" creationId="{A317AD73-2418-4496-BFBB-E9E07FAE6D84}"/>
+          </ac:picMkLst>
+        </pc:picChg>
+        <pc:picChg chg="del">
+          <ac:chgData name="MORLEY, Thomas" userId="ca0a1631-feee-46f8-9dc6-a0f397eff84f" providerId="ADAL" clId="{E34FB9E7-6CF7-40FD-83B9-B94EF404FC33}" dt="2021-11-05T09:44:37.740" v="4054" actId="478"/>
+          <ac:picMkLst>
+            <pc:docMk/>
+            <pc:sldMk cId="179229074" sldId="268"/>
+            <ac:picMk id="6" creationId="{950AEE99-97EB-452F-9036-E0D16382134B}"/>
+          </ac:picMkLst>
+        </pc:picChg>
+        <pc:picChg chg="add mod">
+          <ac:chgData name="MORLEY, Thomas" userId="ca0a1631-feee-46f8-9dc6-a0f397eff84f" providerId="ADAL" clId="{E34FB9E7-6CF7-40FD-83B9-B94EF404FC33}" dt="2021-11-05T09:47:14.367" v="4308" actId="1076"/>
+          <ac:picMkLst>
+            <pc:docMk/>
+            <pc:sldMk cId="179229074" sldId="268"/>
+            <ac:picMk id="7" creationId="{6094E607-2C70-471C-B6C2-44EE0250071D}"/>
+          </ac:picMkLst>
+        </pc:picChg>
+        <pc:picChg chg="add mod">
+          <ac:chgData name="MORLEY, Thomas" userId="ca0a1631-feee-46f8-9dc6-a0f397eff84f" providerId="ADAL" clId="{E34FB9E7-6CF7-40FD-83B9-B94EF404FC33}" dt="2021-11-05T09:47:14.367" v="4308" actId="1076"/>
+          <ac:picMkLst>
+            <pc:docMk/>
+            <pc:sldMk cId="179229074" sldId="268"/>
+            <ac:picMk id="8" creationId="{E12A711D-EAF5-4D25-BB05-89C9CA8248C8}"/>
+          </ac:picMkLst>
+        </pc:picChg>
+      </pc:sldChg>
+      <pc:sldChg chg="addSp delSp modSp add mod">
+        <pc:chgData name="MORLEY, Thomas" userId="ca0a1631-feee-46f8-9dc6-a0f397eff84f" providerId="ADAL" clId="{E34FB9E7-6CF7-40FD-83B9-B94EF404FC33}" dt="2021-11-05T10:42:13.616" v="6768" actId="20577"/>
+        <pc:sldMkLst>
+          <pc:docMk/>
+          <pc:sldMk cId="2142771809" sldId="269"/>
+        </pc:sldMkLst>
+        <pc:spChg chg="mod">
+          <ac:chgData name="MORLEY, Thomas" userId="ca0a1631-feee-46f8-9dc6-a0f397eff84f" providerId="ADAL" clId="{E34FB9E7-6CF7-40FD-83B9-B94EF404FC33}" dt="2021-11-05T10:42:13.616" v="6768" actId="20577"/>
+          <ac:spMkLst>
+            <pc:docMk/>
+            <pc:sldMk cId="2142771809" sldId="269"/>
+            <ac:spMk id="2" creationId="{553A35EB-2060-46B9-B0EE-79241E038580}"/>
+          </ac:spMkLst>
+        </pc:spChg>
+        <pc:spChg chg="mod">
+          <ac:chgData name="MORLEY, Thomas" userId="ca0a1631-feee-46f8-9dc6-a0f397eff84f" providerId="ADAL" clId="{E34FB9E7-6CF7-40FD-83B9-B94EF404FC33}" dt="2021-11-05T09:47:52.314" v="4406" actId="5793"/>
+          <ac:spMkLst>
+            <pc:docMk/>
+            <pc:sldMk cId="2142771809" sldId="269"/>
+            <ac:spMk id="4" creationId="{718B6641-F2C0-424D-B520-497CF8393B2F}"/>
+          </ac:spMkLst>
+        </pc:spChg>
+        <pc:spChg chg="add mod">
+          <ac:chgData name="MORLEY, Thomas" userId="ca0a1631-feee-46f8-9dc6-a0f397eff84f" providerId="ADAL" clId="{E34FB9E7-6CF7-40FD-83B9-B94EF404FC33}" dt="2021-11-05T09:48:20.712" v="4442" actId="20577"/>
+          <ac:spMkLst>
+            <pc:docMk/>
+            <pc:sldMk cId="2142771809" sldId="269"/>
+            <ac:spMk id="6" creationId="{E7DC3725-E2E0-4CFB-BDCA-99DC7697E66C}"/>
+          </ac:spMkLst>
+        </pc:spChg>
+        <pc:spChg chg="del">
+          <ac:chgData name="MORLEY, Thomas" userId="ca0a1631-feee-46f8-9dc6-a0f397eff84f" providerId="ADAL" clId="{E34FB9E7-6CF7-40FD-83B9-B94EF404FC33}" dt="2021-11-05T09:47:53.825" v="4407" actId="478"/>
+          <ac:spMkLst>
+            <pc:docMk/>
+            <pc:sldMk cId="2142771809" sldId="269"/>
+            <ac:spMk id="9" creationId="{96DE2BDF-1842-4FD1-905E-F24F0E030E53}"/>
+          </ac:spMkLst>
+        </pc:spChg>
+        <pc:spChg chg="del">
+          <ac:chgData name="MORLEY, Thomas" userId="ca0a1631-feee-46f8-9dc6-a0f397eff84f" providerId="ADAL" clId="{E34FB9E7-6CF7-40FD-83B9-B94EF404FC33}" dt="2021-11-05T09:47:55.188" v="4408" actId="478"/>
+          <ac:spMkLst>
+            <pc:docMk/>
+            <pc:sldMk cId="2142771809" sldId="269"/>
+            <ac:spMk id="10" creationId="{DD57490B-8471-460F-9221-9EBA7E49D2B0}"/>
+          </ac:spMkLst>
+        </pc:spChg>
+        <pc:picChg chg="add mod">
+          <ac:chgData name="MORLEY, Thomas" userId="ca0a1631-feee-46f8-9dc6-a0f397eff84f" providerId="ADAL" clId="{E34FB9E7-6CF7-40FD-83B9-B94EF404FC33}" dt="2021-11-05T09:48:11.770" v="4411" actId="1076"/>
+          <ac:picMkLst>
+            <pc:docMk/>
+            <pc:sldMk cId="2142771809" sldId="269"/>
+            <ac:picMk id="5" creationId="{9C10F8D2-7341-4A57-A8B3-031582C5BC63}"/>
+          </ac:picMkLst>
+        </pc:picChg>
+        <pc:picChg chg="del">
+          <ac:chgData name="MORLEY, Thomas" userId="ca0a1631-feee-46f8-9dc6-a0f397eff84f" providerId="ADAL" clId="{E34FB9E7-6CF7-40FD-83B9-B94EF404FC33}" dt="2021-11-05T09:47:49.290" v="4404" actId="478"/>
+          <ac:picMkLst>
+            <pc:docMk/>
+            <pc:sldMk cId="2142771809" sldId="269"/>
+            <ac:picMk id="7" creationId="{6094E607-2C70-471C-B6C2-44EE0250071D}"/>
+          </ac:picMkLst>
+        </pc:picChg>
+        <pc:picChg chg="del">
+          <ac:chgData name="MORLEY, Thomas" userId="ca0a1631-feee-46f8-9dc6-a0f397eff84f" providerId="ADAL" clId="{E34FB9E7-6CF7-40FD-83B9-B94EF404FC33}" dt="2021-11-05T09:47:55.938" v="4409" actId="478"/>
+          <ac:picMkLst>
+            <pc:docMk/>
+            <pc:sldMk cId="2142771809" sldId="269"/>
+            <ac:picMk id="8" creationId="{E12A711D-EAF5-4D25-BB05-89C9CA8248C8}"/>
+          </ac:picMkLst>
+        </pc:picChg>
+        <pc:cxnChg chg="add mod">
+          <ac:chgData name="MORLEY, Thomas" userId="ca0a1631-feee-46f8-9dc6-a0f397eff84f" providerId="ADAL" clId="{E34FB9E7-6CF7-40FD-83B9-B94EF404FC33}" dt="2021-11-05T09:48:31.448" v="4444" actId="1582"/>
+          <ac:cxnSpMkLst>
+            <pc:docMk/>
+            <pc:sldMk cId="2142771809" sldId="269"/>
+            <ac:cxnSpMk id="12" creationId="{7295A2E2-5D01-48DF-85B3-D48E3CA12F01}"/>
+          </ac:cxnSpMkLst>
+        </pc:cxnChg>
+      </pc:sldChg>
+      <pc:sldChg chg="addSp modSp new mod">
+        <pc:chgData name="MORLEY, Thomas" userId="ca0a1631-feee-46f8-9dc6-a0f397eff84f" providerId="ADAL" clId="{E34FB9E7-6CF7-40FD-83B9-B94EF404FC33}" dt="2021-11-05T10:41:13.760" v="6729" actId="1076"/>
+        <pc:sldMkLst>
+          <pc:docMk/>
+          <pc:sldMk cId="3899880103" sldId="270"/>
+        </pc:sldMkLst>
+        <pc:spChg chg="mod">
+          <ac:chgData name="MORLEY, Thomas" userId="ca0a1631-feee-46f8-9dc6-a0f397eff84f" providerId="ADAL" clId="{E34FB9E7-6CF7-40FD-83B9-B94EF404FC33}" dt="2021-11-05T10:30:19.033" v="6208" actId="20577"/>
+          <ac:spMkLst>
+            <pc:docMk/>
+            <pc:sldMk cId="3899880103" sldId="270"/>
+            <ac:spMk id="2" creationId="{0CA4439B-6010-44D2-91C3-99C6D08D644D}"/>
+          </ac:spMkLst>
+        </pc:spChg>
+        <pc:spChg chg="mod">
+          <ac:chgData name="MORLEY, Thomas" userId="ca0a1631-feee-46f8-9dc6-a0f397eff84f" providerId="ADAL" clId="{E34FB9E7-6CF7-40FD-83B9-B94EF404FC33}" dt="2021-11-05T10:19:44.619" v="5358" actId="20577"/>
+          <ac:spMkLst>
+            <pc:docMk/>
+            <pc:sldMk cId="3899880103" sldId="270"/>
+            <ac:spMk id="3" creationId="{E10F062E-178A-4283-A241-42F992B1FB75}"/>
+          </ac:spMkLst>
+        </pc:spChg>
+        <pc:spChg chg="add mod">
+          <ac:chgData name="MORLEY, Thomas" userId="ca0a1631-feee-46f8-9dc6-a0f397eff84f" providerId="ADAL" clId="{E34FB9E7-6CF7-40FD-83B9-B94EF404FC33}" dt="2021-11-05T10:21:27.238" v="5599" actId="1076"/>
+          <ac:spMkLst>
+            <pc:docMk/>
+            <pc:sldMk cId="3899880103" sldId="270"/>
+            <ac:spMk id="4" creationId="{D25062EB-6934-4C24-A60F-5322379436DD}"/>
+          </ac:spMkLst>
+        </pc:spChg>
+        <pc:spChg chg="add mod">
+          <ac:chgData name="MORLEY, Thomas" userId="ca0a1631-feee-46f8-9dc6-a0f397eff84f" providerId="ADAL" clId="{E34FB9E7-6CF7-40FD-83B9-B94EF404FC33}" dt="2021-11-05T10:21:23.493" v="5598" actId="1076"/>
+          <ac:spMkLst>
+            <pc:docMk/>
+            <pc:sldMk cId="3899880103" sldId="270"/>
+            <ac:spMk id="8" creationId="{7BCA1CFC-4800-4AF6-94EF-B84E6C985425}"/>
+          </ac:spMkLst>
+        </pc:spChg>
+        <pc:spChg chg="add mod">
+          <ac:chgData name="MORLEY, Thomas" userId="ca0a1631-feee-46f8-9dc6-a0f397eff84f" providerId="ADAL" clId="{E34FB9E7-6CF7-40FD-83B9-B94EF404FC33}" dt="2021-11-05T10:28:21.643" v="6175" actId="1076"/>
+          <ac:spMkLst>
+            <pc:docMk/>
+            <pc:sldMk cId="3899880103" sldId="270"/>
+            <ac:spMk id="11" creationId="{BEEBC598-DA4C-41E0-84CB-69D5024DA282}"/>
+          </ac:spMkLst>
+        </pc:spChg>
+        <pc:picChg chg="add mod">
+          <ac:chgData name="MORLEY, Thomas" userId="ca0a1631-feee-46f8-9dc6-a0f397eff84f" providerId="ADAL" clId="{E34FB9E7-6CF7-40FD-83B9-B94EF404FC33}" dt="2021-11-05T10:19:50.044" v="5359" actId="1076"/>
+          <ac:picMkLst>
+            <pc:docMk/>
+            <pc:sldMk cId="3899880103" sldId="270"/>
+            <ac:picMk id="5" creationId="{46720453-C4F6-4B2F-9AE9-370C77021007}"/>
+          </ac:picMkLst>
+        </pc:picChg>
+        <pc:picChg chg="add mod">
+          <ac:chgData name="MORLEY, Thomas" userId="ca0a1631-feee-46f8-9dc6-a0f397eff84f" providerId="ADAL" clId="{E34FB9E7-6CF7-40FD-83B9-B94EF404FC33}" dt="2021-11-05T10:21:29.869" v="5600" actId="1076"/>
+          <ac:picMkLst>
+            <pc:docMk/>
+            <pc:sldMk cId="3899880103" sldId="270"/>
+            <ac:picMk id="7" creationId="{6F5F7D38-BB86-41EB-AB47-75BDB3059208}"/>
+          </ac:picMkLst>
+        </pc:picChg>
+        <pc:picChg chg="add mod">
+          <ac:chgData name="MORLEY, Thomas" userId="ca0a1631-feee-46f8-9dc6-a0f397eff84f" providerId="ADAL" clId="{E34FB9E7-6CF7-40FD-83B9-B94EF404FC33}" dt="2021-11-05T10:41:13.760" v="6729" actId="1076"/>
+          <ac:picMkLst>
+            <pc:docMk/>
+            <pc:sldMk cId="3899880103" sldId="270"/>
+            <ac:picMk id="10" creationId="{8E639734-FB5B-4028-AE89-333451324973}"/>
+          </ac:picMkLst>
+        </pc:picChg>
+      </pc:sldChg>
+      <pc:sldChg chg="modSp new mod">
+        <pc:chgData name="MORLEY, Thomas" userId="ca0a1631-feee-46f8-9dc6-a0f397eff84f" providerId="ADAL" clId="{E34FB9E7-6CF7-40FD-83B9-B94EF404FC33}" dt="2021-11-05T10:22:11.441" v="5688" actId="20577"/>
+        <pc:sldMkLst>
+          <pc:docMk/>
+          <pc:sldMk cId="1899701667" sldId="271"/>
+        </pc:sldMkLst>
+        <pc:spChg chg="mod">
+          <ac:chgData name="MORLEY, Thomas" userId="ca0a1631-feee-46f8-9dc6-a0f397eff84f" providerId="ADAL" clId="{E34FB9E7-6CF7-40FD-83B9-B94EF404FC33}" dt="2021-11-05T10:21:55.906" v="5611" actId="20577"/>
+          <ac:spMkLst>
+            <pc:docMk/>
+            <pc:sldMk cId="1899701667" sldId="271"/>
+            <ac:spMk id="2" creationId="{CE5D10C6-EA04-491D-B364-E198C3E6F477}"/>
+          </ac:spMkLst>
+        </pc:spChg>
+        <pc:spChg chg="mod">
+          <ac:chgData name="MORLEY, Thomas" userId="ca0a1631-feee-46f8-9dc6-a0f397eff84f" providerId="ADAL" clId="{E34FB9E7-6CF7-40FD-83B9-B94EF404FC33}" dt="2021-11-05T10:22:11.441" v="5688" actId="20577"/>
+          <ac:spMkLst>
+            <pc:docMk/>
+            <pc:sldMk cId="1899701667" sldId="271"/>
+            <ac:spMk id="3" creationId="{E9D04A46-5A7E-4240-A62A-E22D4A784E28}"/>
+          </ac:spMkLst>
+        </pc:spChg>
+      </pc:sldChg>
+      <pc:sldChg chg="addSp modSp new mod">
+        <pc:chgData name="MORLEY, Thomas" userId="ca0a1631-feee-46f8-9dc6-a0f397eff84f" providerId="ADAL" clId="{E34FB9E7-6CF7-40FD-83B9-B94EF404FC33}" dt="2021-11-05T10:30:31.027" v="6217" actId="20577"/>
+        <pc:sldMkLst>
+          <pc:docMk/>
+          <pc:sldMk cId="3332184722" sldId="272"/>
+        </pc:sldMkLst>
+        <pc:spChg chg="mod">
+          <ac:chgData name="MORLEY, Thomas" userId="ca0a1631-feee-46f8-9dc6-a0f397eff84f" providerId="ADAL" clId="{E34FB9E7-6CF7-40FD-83B9-B94EF404FC33}" dt="2021-11-05T10:30:31.027" v="6217" actId="20577"/>
+          <ac:spMkLst>
+            <pc:docMk/>
+            <pc:sldMk cId="3332184722" sldId="272"/>
+            <ac:spMk id="2" creationId="{2009E18F-89A9-4E16-999E-014970A8A87C}"/>
+          </ac:spMkLst>
+        </pc:spChg>
+        <pc:spChg chg="mod">
+          <ac:chgData name="MORLEY, Thomas" userId="ca0a1631-feee-46f8-9dc6-a0f397eff84f" providerId="ADAL" clId="{E34FB9E7-6CF7-40FD-83B9-B94EF404FC33}" dt="2021-11-05T10:29:46.921" v="6189" actId="20577"/>
+          <ac:spMkLst>
+            <pc:docMk/>
+            <pc:sldMk cId="3332184722" sldId="272"/>
+            <ac:spMk id="3" creationId="{D6F95D63-2B55-4C69-98BC-6A075E0B52D1}"/>
+          </ac:spMkLst>
+        </pc:spChg>
+        <pc:spChg chg="add mod">
+          <ac:chgData name="MORLEY, Thomas" userId="ca0a1631-feee-46f8-9dc6-a0f397eff84f" providerId="ADAL" clId="{E34FB9E7-6CF7-40FD-83B9-B94EF404FC33}" dt="2021-11-05T10:27:13.229" v="6157" actId="20577"/>
+          <ac:spMkLst>
+            <pc:docMk/>
+            <pc:sldMk cId="3332184722" sldId="272"/>
+            <ac:spMk id="6" creationId="{107836EF-92CE-4D8D-A244-7082DB42BE6C}"/>
+          </ac:spMkLst>
+        </pc:spChg>
+        <pc:spChg chg="add mod">
+          <ac:chgData name="MORLEY, Thomas" userId="ca0a1631-feee-46f8-9dc6-a0f397eff84f" providerId="ADAL" clId="{E34FB9E7-6CF7-40FD-83B9-B94EF404FC33}" dt="2021-11-05T10:27:35.933" v="6161" actId="1076"/>
+          <ac:spMkLst>
+            <pc:docMk/>
+            <pc:sldMk cId="3332184722" sldId="272"/>
+            <ac:spMk id="11" creationId="{A770194F-E0AE-41F9-A415-9695CEC80A37}"/>
+          </ac:spMkLst>
+        </pc:spChg>
+        <pc:spChg chg="add mod">
+          <ac:chgData name="MORLEY, Thomas" userId="ca0a1631-feee-46f8-9dc6-a0f397eff84f" providerId="ADAL" clId="{E34FB9E7-6CF7-40FD-83B9-B94EF404FC33}" dt="2021-11-05T10:29:37.132" v="6186" actId="1076"/>
+          <ac:spMkLst>
+            <pc:docMk/>
+            <pc:sldMk cId="3332184722" sldId="272"/>
+            <ac:spMk id="14" creationId="{92C21427-24F2-4320-AD03-7C60C9A93BAE}"/>
+          </ac:spMkLst>
+        </pc:spChg>
+        <pc:picChg chg="add mod">
+          <ac:chgData name="MORLEY, Thomas" userId="ca0a1631-feee-46f8-9dc6-a0f397eff84f" providerId="ADAL" clId="{E34FB9E7-6CF7-40FD-83B9-B94EF404FC33}" dt="2021-11-05T10:29:49.379" v="6190" actId="1076"/>
+          <ac:picMkLst>
+            <pc:docMk/>
+            <pc:sldMk cId="3332184722" sldId="272"/>
+            <ac:picMk id="5" creationId="{E89C5053-1C55-4B71-9F48-185D36481E99}"/>
+          </ac:picMkLst>
+        </pc:picChg>
+        <pc:picChg chg="add mod modCrop">
+          <ac:chgData name="MORLEY, Thomas" userId="ca0a1631-feee-46f8-9dc6-a0f397eff84f" providerId="ADAL" clId="{E34FB9E7-6CF7-40FD-83B9-B94EF404FC33}" dt="2021-11-05T10:27:03.931" v="6149" actId="1076"/>
+          <ac:picMkLst>
+            <pc:docMk/>
+            <pc:sldMk cId="3332184722" sldId="272"/>
+            <ac:picMk id="8" creationId="{E6555266-9B5B-42D4-8CD0-7494C8DFCFA1}"/>
+          </ac:picMkLst>
+        </pc:picChg>
+        <pc:picChg chg="add mod">
+          <ac:chgData name="MORLEY, Thomas" userId="ca0a1631-feee-46f8-9dc6-a0f397eff84f" providerId="ADAL" clId="{E34FB9E7-6CF7-40FD-83B9-B94EF404FC33}" dt="2021-11-05T10:27:27.770" v="6159" actId="1076"/>
+          <ac:picMkLst>
+            <pc:docMk/>
+            <pc:sldMk cId="3332184722" sldId="272"/>
+            <ac:picMk id="10" creationId="{CB8DE342-B31A-4039-9A33-2C58C57D4626}"/>
+          </ac:picMkLst>
+        </pc:picChg>
+        <pc:picChg chg="add mod">
+          <ac:chgData name="MORLEY, Thomas" userId="ca0a1631-feee-46f8-9dc6-a0f397eff84f" providerId="ADAL" clId="{E34FB9E7-6CF7-40FD-83B9-B94EF404FC33}" dt="2021-11-05T10:29:34.483" v="6185" actId="14100"/>
+          <ac:picMkLst>
+            <pc:docMk/>
+            <pc:sldMk cId="3332184722" sldId="272"/>
+            <ac:picMk id="13" creationId="{BF2D2AD9-208F-4917-8A9F-5BD7302E6F19}"/>
+          </ac:picMkLst>
+        </pc:picChg>
+      </pc:sldChg>
+      <pc:sldChg chg="addSp delSp modSp new mod">
+        <pc:chgData name="MORLEY, Thomas" userId="ca0a1631-feee-46f8-9dc6-a0f397eff84f" providerId="ADAL" clId="{E34FB9E7-6CF7-40FD-83B9-B94EF404FC33}" dt="2021-11-05T10:42:24.627" v="6780" actId="20577"/>
+        <pc:sldMkLst>
+          <pc:docMk/>
+          <pc:sldMk cId="4277074228" sldId="273"/>
+        </pc:sldMkLst>
+        <pc:spChg chg="mod">
+          <ac:chgData name="MORLEY, Thomas" userId="ca0a1631-feee-46f8-9dc6-a0f397eff84f" providerId="ADAL" clId="{E34FB9E7-6CF7-40FD-83B9-B94EF404FC33}" dt="2021-11-05T10:42:24.627" v="6780" actId="20577"/>
+          <ac:spMkLst>
+            <pc:docMk/>
+            <pc:sldMk cId="4277074228" sldId="273"/>
+            <ac:spMk id="2" creationId="{007F439E-F0F8-4308-A4D4-512653E39B6C}"/>
+          </ac:spMkLst>
+        </pc:spChg>
+        <pc:spChg chg="mod">
+          <ac:chgData name="MORLEY, Thomas" userId="ca0a1631-feee-46f8-9dc6-a0f397eff84f" providerId="ADAL" clId="{E34FB9E7-6CF7-40FD-83B9-B94EF404FC33}" dt="2021-11-05T10:40:55.692" v="6716" actId="255"/>
+          <ac:spMkLst>
+            <pc:docMk/>
+            <pc:sldMk cId="4277074228" sldId="273"/>
+            <ac:spMk id="3" creationId="{3CA931FD-0505-492D-8C4A-E4164968E9F5}"/>
+          </ac:spMkLst>
+        </pc:spChg>
+        <pc:spChg chg="add del mod">
+          <ac:chgData name="MORLEY, Thomas" userId="ca0a1631-feee-46f8-9dc6-a0f397eff84f" providerId="ADAL" clId="{E34FB9E7-6CF7-40FD-83B9-B94EF404FC33}" dt="2021-11-05T10:38:13.904" v="6641" actId="478"/>
+          <ac:spMkLst>
+            <pc:docMk/>
+            <pc:sldMk cId="4277074228" sldId="273"/>
+            <ac:spMk id="7" creationId="{74EA40E4-6BEF-46C4-BD5E-349302002D0B}"/>
+          </ac:spMkLst>
+        </pc:spChg>
+        <pc:spChg chg="add mod">
+          <ac:chgData name="MORLEY, Thomas" userId="ca0a1631-feee-46f8-9dc6-a0f397eff84f" providerId="ADAL" clId="{E34FB9E7-6CF7-40FD-83B9-B94EF404FC33}" dt="2021-11-05T10:40:55.658" v="6715" actId="1076"/>
+          <ac:spMkLst>
+            <pc:docMk/>
+            <pc:sldMk cId="4277074228" sldId="273"/>
+            <ac:spMk id="8" creationId="{E99ED066-FEE3-49B9-8244-8C08E7FB73E0}"/>
+          </ac:spMkLst>
+        </pc:spChg>
+        <pc:spChg chg="add del mod">
+          <ac:chgData name="MORLEY, Thomas" userId="ca0a1631-feee-46f8-9dc6-a0f397eff84f" providerId="ADAL" clId="{E34FB9E7-6CF7-40FD-83B9-B94EF404FC33}" dt="2021-11-05T10:38:11.052" v="6639" actId="478"/>
+          <ac:spMkLst>
+            <pc:docMk/>
+            <pc:sldMk cId="4277074228" sldId="273"/>
+            <ac:spMk id="9" creationId="{9AAA5DA7-2CD7-4E6F-87B7-01B4B9706185}"/>
+          </ac:spMkLst>
+        </pc:spChg>
+        <pc:spChg chg="add mod">
+          <ac:chgData name="MORLEY, Thomas" userId="ca0a1631-feee-46f8-9dc6-a0f397eff84f" providerId="ADAL" clId="{E34FB9E7-6CF7-40FD-83B9-B94EF404FC33}" dt="2021-11-05T10:38:14.899" v="6642"/>
+          <ac:spMkLst>
+            <pc:docMk/>
+            <pc:sldMk cId="4277074228" sldId="273"/>
+            <ac:spMk id="14" creationId="{7D7ED66E-0BE5-4A43-9672-06E700FD1077}"/>
+          </ac:spMkLst>
+        </pc:spChg>
+        <pc:spChg chg="add mod">
+          <ac:chgData name="MORLEY, Thomas" userId="ca0a1631-feee-46f8-9dc6-a0f397eff84f" providerId="ADAL" clId="{E34FB9E7-6CF7-40FD-83B9-B94EF404FC33}" dt="2021-11-05T10:40:55.394" v="6706" actId="404"/>
+          <ac:spMkLst>
+            <pc:docMk/>
+            <pc:sldMk cId="4277074228" sldId="273"/>
+            <ac:spMk id="15" creationId="{6C0AFDE8-0E6F-4F82-8276-9073F08534C2}"/>
+          </ac:spMkLst>
+        </pc:spChg>
+        <pc:picChg chg="add del mod">
+          <ac:chgData name="MORLEY, Thomas" userId="ca0a1631-feee-46f8-9dc6-a0f397eff84f" providerId="ADAL" clId="{E34FB9E7-6CF7-40FD-83B9-B94EF404FC33}" dt="2021-11-05T10:38:07.557" v="6636" actId="478"/>
+          <ac:picMkLst>
+            <pc:docMk/>
+            <pc:sldMk cId="4277074228" sldId="273"/>
+            <ac:picMk id="4" creationId="{8B4B2CC7-AE59-4D47-BB3C-D84D0CDD7CD8}"/>
+          </ac:picMkLst>
+        </pc:picChg>
+        <pc:picChg chg="add del mod">
+          <ac:chgData name="MORLEY, Thomas" userId="ca0a1631-feee-46f8-9dc6-a0f397eff84f" providerId="ADAL" clId="{E34FB9E7-6CF7-40FD-83B9-B94EF404FC33}" dt="2021-11-05T10:38:08.449" v="6637" actId="478"/>
+          <ac:picMkLst>
+            <pc:docMk/>
+            <pc:sldMk cId="4277074228" sldId="273"/>
+            <ac:picMk id="5" creationId="{8B24B30A-6EA2-404F-8671-09C99327C3FD}"/>
+          </ac:picMkLst>
+        </pc:picChg>
+        <pc:picChg chg="add del mod">
+          <ac:chgData name="MORLEY, Thomas" userId="ca0a1631-feee-46f8-9dc6-a0f397eff84f" providerId="ADAL" clId="{E34FB9E7-6CF7-40FD-83B9-B94EF404FC33}" dt="2021-11-05T10:38:13.310" v="6640" actId="478"/>
+          <ac:picMkLst>
+            <pc:docMk/>
+            <pc:sldMk cId="4277074228" sldId="273"/>
+            <ac:picMk id="6" creationId="{7E4F4D67-1A29-4690-A0CC-988B6C09A67D}"/>
+          </ac:picMkLst>
+        </pc:picChg>
+        <pc:picChg chg="add mod">
+          <ac:chgData name="MORLEY, Thomas" userId="ca0a1631-feee-46f8-9dc6-a0f397eff84f" providerId="ADAL" clId="{E34FB9E7-6CF7-40FD-83B9-B94EF404FC33}" dt="2021-11-05T10:38:42.969" v="6651" actId="1076"/>
+          <ac:picMkLst>
+            <pc:docMk/>
+            <pc:sldMk cId="4277074228" sldId="273"/>
+            <ac:picMk id="10" creationId="{61A64C7F-DFF3-47FA-B778-1F28918B51A3}"/>
+          </ac:picMkLst>
+        </pc:picChg>
+        <pc:picChg chg="add mod">
+          <ac:chgData name="MORLEY, Thomas" userId="ca0a1631-feee-46f8-9dc6-a0f397eff84f" providerId="ADAL" clId="{E34FB9E7-6CF7-40FD-83B9-B94EF404FC33}" dt="2021-11-05T10:40:55.724" v="6717" actId="1076"/>
+          <ac:picMkLst>
+            <pc:docMk/>
+            <pc:sldMk cId="4277074228" sldId="273"/>
+            <ac:picMk id="11" creationId="{F62287E4-1CC4-4912-81FF-678674937B18}"/>
+          </ac:picMkLst>
+        </pc:picChg>
+        <pc:picChg chg="add mod">
+          <ac:chgData name="MORLEY, Thomas" userId="ca0a1631-feee-46f8-9dc6-a0f397eff84f" providerId="ADAL" clId="{E34FB9E7-6CF7-40FD-83B9-B94EF404FC33}" dt="2021-11-05T10:40:55.629" v="6714" actId="1076"/>
+          <ac:picMkLst>
+            <pc:docMk/>
+            <pc:sldMk cId="4277074228" sldId="273"/>
+            <ac:picMk id="12" creationId="{39E16228-D699-43AD-B339-92EE23357461}"/>
+          </ac:picMkLst>
+        </pc:picChg>
+        <pc:picChg chg="add mod">
+          <ac:chgData name="MORLEY, Thomas" userId="ca0a1631-feee-46f8-9dc6-a0f397eff84f" providerId="ADAL" clId="{E34FB9E7-6CF7-40FD-83B9-B94EF404FC33}" dt="2021-11-05T10:38:14.899" v="6642"/>
+          <ac:picMkLst>
+            <pc:docMk/>
+            <pc:sldMk cId="4277074228" sldId="273"/>
+            <ac:picMk id="13" creationId="{17987765-0842-43B2-A45B-8FE8FB6E2AC5}"/>
+          </ac:picMkLst>
+        </pc:picChg>
+      </pc:sldChg>
+      <pc:sldChg chg="addSp delSp modSp add mod">
+        <pc:chgData name="MORLEY, Thomas" userId="ca0a1631-feee-46f8-9dc6-a0f397eff84f" providerId="ADAL" clId="{E34FB9E7-6CF7-40FD-83B9-B94EF404FC33}" dt="2021-11-05T10:42:18.388" v="6774" actId="20577"/>
+        <pc:sldMkLst>
+          <pc:docMk/>
+          <pc:sldMk cId="741875898" sldId="274"/>
+        </pc:sldMkLst>
+        <pc:spChg chg="mod">
+          <ac:chgData name="MORLEY, Thomas" userId="ca0a1631-feee-46f8-9dc6-a0f397eff84f" providerId="ADAL" clId="{E34FB9E7-6CF7-40FD-83B9-B94EF404FC33}" dt="2021-11-05T10:42:18.388" v="6774" actId="20577"/>
+          <ac:spMkLst>
+            <pc:docMk/>
+            <pc:sldMk cId="741875898" sldId="274"/>
+            <ac:spMk id="2" creationId="{007F439E-F0F8-4308-A4D4-512653E39B6C}"/>
+          </ac:spMkLst>
+        </pc:spChg>
+        <pc:spChg chg="mod">
+          <ac:chgData name="MORLEY, Thomas" userId="ca0a1631-feee-46f8-9dc6-a0f397eff84f" providerId="ADAL" clId="{E34FB9E7-6CF7-40FD-83B9-B94EF404FC33}" dt="2021-11-05T10:41:35.351" v="6744" actId="20577"/>
+          <ac:spMkLst>
+            <pc:docMk/>
+            <pc:sldMk cId="741875898" sldId="274"/>
+            <ac:spMk id="3" creationId="{3CA931FD-0505-492D-8C4A-E4164968E9F5}"/>
+          </ac:spMkLst>
+        </pc:spChg>
+        <pc:spChg chg="del">
+          <ac:chgData name="MORLEY, Thomas" userId="ca0a1631-feee-46f8-9dc6-a0f397eff84f" providerId="ADAL" clId="{E34FB9E7-6CF7-40FD-83B9-B94EF404FC33}" dt="2021-11-05T10:41:03.266" v="6720" actId="478"/>
+          <ac:spMkLst>
+            <pc:docMk/>
+            <pc:sldMk cId="741875898" sldId="274"/>
+            <ac:spMk id="14" creationId="{7D7ED66E-0BE5-4A43-9672-06E700FD1077}"/>
+          </ac:spMkLst>
+        </pc:spChg>
+        <pc:spChg chg="mod">
+          <ac:chgData name="MORLEY, Thomas" userId="ca0a1631-feee-46f8-9dc6-a0f397eff84f" providerId="ADAL" clId="{E34FB9E7-6CF7-40FD-83B9-B94EF404FC33}" dt="2021-11-05T10:41:50.968" v="6748" actId="1076"/>
+          <ac:spMkLst>
+            <pc:docMk/>
+            <pc:sldMk cId="741875898" sldId="274"/>
+            <ac:spMk id="15" creationId="{6C0AFDE8-0E6F-4F82-8276-9073F08534C2}"/>
+          </ac:spMkLst>
+        </pc:spChg>
+        <pc:spChg chg="add mod">
+          <ac:chgData name="MORLEY, Thomas" userId="ca0a1631-feee-46f8-9dc6-a0f397eff84f" providerId="ADAL" clId="{E34FB9E7-6CF7-40FD-83B9-B94EF404FC33}" dt="2021-11-05T10:41:22.249" v="6730"/>
+          <ac:spMkLst>
+            <pc:docMk/>
+            <pc:sldMk cId="741875898" sldId="274"/>
+            <ac:spMk id="19" creationId="{1EF6EE70-1759-473A-AC01-2661C045FA31}"/>
+          </ac:spMkLst>
+        </pc:spChg>
+        <pc:picChg chg="del">
+          <ac:chgData name="MORLEY, Thomas" userId="ca0a1631-feee-46f8-9dc6-a0f397eff84f" providerId="ADAL" clId="{E34FB9E7-6CF7-40FD-83B9-B94EF404FC33}" dt="2021-11-05T10:41:24.071" v="6731" actId="478"/>
+          <ac:picMkLst>
+            <pc:docMk/>
+            <pc:sldMk cId="741875898" sldId="274"/>
+            <ac:picMk id="10" creationId="{61A64C7F-DFF3-47FA-B778-1F28918B51A3}"/>
+          </ac:picMkLst>
+        </pc:picChg>
+        <pc:picChg chg="del">
+          <ac:chgData name="MORLEY, Thomas" userId="ca0a1631-feee-46f8-9dc6-a0f397eff84f" providerId="ADAL" clId="{E34FB9E7-6CF7-40FD-83B9-B94EF404FC33}" dt="2021-11-05T10:41:25.165" v="6732" actId="478"/>
+          <ac:picMkLst>
+            <pc:docMk/>
+            <pc:sldMk cId="741875898" sldId="274"/>
+            <ac:picMk id="11" creationId="{F62287E4-1CC4-4912-81FF-678674937B18}"/>
+          </ac:picMkLst>
+        </pc:picChg>
+        <pc:picChg chg="del">
+          <ac:chgData name="MORLEY, Thomas" userId="ca0a1631-feee-46f8-9dc6-a0f397eff84f" providerId="ADAL" clId="{E34FB9E7-6CF7-40FD-83B9-B94EF404FC33}" dt="2021-11-05T10:41:39.563" v="6745" actId="478"/>
+          <ac:picMkLst>
+            <pc:docMk/>
+            <pc:sldMk cId="741875898" sldId="274"/>
+            <ac:picMk id="12" creationId="{39E16228-D699-43AD-B339-92EE23357461}"/>
+          </ac:picMkLst>
+        </pc:picChg>
+        <pc:picChg chg="del">
+          <ac:chgData name="MORLEY, Thomas" userId="ca0a1631-feee-46f8-9dc6-a0f397eff84f" providerId="ADAL" clId="{E34FB9E7-6CF7-40FD-83B9-B94EF404FC33}" dt="2021-11-05T10:41:01.989" v="6719" actId="478"/>
+          <ac:picMkLst>
+            <pc:docMk/>
+            <pc:sldMk cId="741875898" sldId="274"/>
+            <ac:picMk id="13" creationId="{17987765-0842-43B2-A45B-8FE8FB6E2AC5}"/>
+          </ac:picMkLst>
+        </pc:picChg>
+        <pc:picChg chg="add mod">
+          <ac:chgData name="MORLEY, Thomas" userId="ca0a1631-feee-46f8-9dc6-a0f397eff84f" providerId="ADAL" clId="{E34FB9E7-6CF7-40FD-83B9-B94EF404FC33}" dt="2021-11-05T10:41:29.688" v="6735" actId="1076"/>
+          <ac:picMkLst>
+            <pc:docMk/>
+            <pc:sldMk cId="741875898" sldId="274"/>
+            <ac:picMk id="16" creationId="{F0164340-EEF9-498F-9709-96DE2AF48282}"/>
+          </ac:picMkLst>
+        </pc:picChg>
+        <pc:picChg chg="add mod">
+          <ac:chgData name="MORLEY, Thomas" userId="ca0a1631-feee-46f8-9dc6-a0f397eff84f" providerId="ADAL" clId="{E34FB9E7-6CF7-40FD-83B9-B94EF404FC33}" dt="2021-11-05T10:41:42.048" v="6746" actId="1076"/>
+          <ac:picMkLst>
+            <pc:docMk/>
+            <pc:sldMk cId="741875898" sldId="274"/>
+            <ac:picMk id="17" creationId="{E910667B-0A49-40F6-A5CE-73C5F1F98AD2}"/>
+          </ac:picMkLst>
+        </pc:picChg>
+        <pc:picChg chg="add mod">
+          <ac:chgData name="MORLEY, Thomas" userId="ca0a1631-feee-46f8-9dc6-a0f397eff84f" providerId="ADAL" clId="{E34FB9E7-6CF7-40FD-83B9-B94EF404FC33}" dt="2021-11-05T10:41:22.249" v="6730"/>
+          <ac:picMkLst>
+            <pc:docMk/>
+            <pc:sldMk cId="741875898" sldId="274"/>
+            <ac:picMk id="18" creationId="{E0B1D848-F347-4B6D-9376-4DE4B6395920}"/>
+          </ac:picMkLst>
+        </pc:picChg>
       </pc:sldChg>
     </pc:docChg>
   </pc:docChgLst>
@@ -1717,7 +2889,7 @@
           <a:p>
             <a:fld id="{565E3272-2692-4CBA-BB89-AE4B7AF62778}" type="datetimeFigureOut">
               <a:rPr lang="en-GB" smtClean="0"/>
-              <a:t>02/11/2021</a:t>
+              <a:t>05/11/2021</a:t>
             </a:fld>
             <a:endParaRPr lang="en-GB"/>
           </a:p>
@@ -1917,7 +3089,7 @@
           <a:p>
             <a:fld id="{565E3272-2692-4CBA-BB89-AE4B7AF62778}" type="datetimeFigureOut">
               <a:rPr lang="en-GB" smtClean="0"/>
-              <a:t>02/11/2021</a:t>
+              <a:t>05/11/2021</a:t>
             </a:fld>
             <a:endParaRPr lang="en-GB"/>
           </a:p>
@@ -2127,7 +3299,7 @@
           <a:p>
             <a:fld id="{565E3272-2692-4CBA-BB89-AE4B7AF62778}" type="datetimeFigureOut">
               <a:rPr lang="en-GB" smtClean="0"/>
-              <a:t>02/11/2021</a:t>
+              <a:t>05/11/2021</a:t>
             </a:fld>
             <a:endParaRPr lang="en-GB"/>
           </a:p>
@@ -2327,7 +3499,7 @@
           <a:p>
             <a:fld id="{565E3272-2692-4CBA-BB89-AE4B7AF62778}" type="datetimeFigureOut">
               <a:rPr lang="en-GB" smtClean="0"/>
-              <a:t>02/11/2021</a:t>
+              <a:t>05/11/2021</a:t>
             </a:fld>
             <a:endParaRPr lang="en-GB"/>
           </a:p>
@@ -2603,7 +3775,7 @@
           <a:p>
             <a:fld id="{565E3272-2692-4CBA-BB89-AE4B7AF62778}" type="datetimeFigureOut">
               <a:rPr lang="en-GB" smtClean="0"/>
-              <a:t>02/11/2021</a:t>
+              <a:t>05/11/2021</a:t>
             </a:fld>
             <a:endParaRPr lang="en-GB"/>
           </a:p>
@@ -2871,7 +4043,7 @@
           <a:p>
             <a:fld id="{565E3272-2692-4CBA-BB89-AE4B7AF62778}" type="datetimeFigureOut">
               <a:rPr lang="en-GB" smtClean="0"/>
-              <a:t>02/11/2021</a:t>
+              <a:t>05/11/2021</a:t>
             </a:fld>
             <a:endParaRPr lang="en-GB"/>
           </a:p>
@@ -3286,7 +4458,7 @@
           <a:p>
             <a:fld id="{565E3272-2692-4CBA-BB89-AE4B7AF62778}" type="datetimeFigureOut">
               <a:rPr lang="en-GB" smtClean="0"/>
-              <a:t>02/11/2021</a:t>
+              <a:t>05/11/2021</a:t>
             </a:fld>
             <a:endParaRPr lang="en-GB"/>
           </a:p>
@@ -3428,7 +4600,7 @@
           <a:p>
             <a:fld id="{565E3272-2692-4CBA-BB89-AE4B7AF62778}" type="datetimeFigureOut">
               <a:rPr lang="en-GB" smtClean="0"/>
-              <a:t>02/11/2021</a:t>
+              <a:t>05/11/2021</a:t>
             </a:fld>
             <a:endParaRPr lang="en-GB"/>
           </a:p>
@@ -3541,7 +4713,7 @@
           <a:p>
             <a:fld id="{565E3272-2692-4CBA-BB89-AE4B7AF62778}" type="datetimeFigureOut">
               <a:rPr lang="en-GB" smtClean="0"/>
-              <a:t>02/11/2021</a:t>
+              <a:t>05/11/2021</a:t>
             </a:fld>
             <a:endParaRPr lang="en-GB"/>
           </a:p>
@@ -3854,7 +5026,7 @@
           <a:p>
             <a:fld id="{565E3272-2692-4CBA-BB89-AE4B7AF62778}" type="datetimeFigureOut">
               <a:rPr lang="en-GB" smtClean="0"/>
-              <a:t>02/11/2021</a:t>
+              <a:t>05/11/2021</a:t>
             </a:fld>
             <a:endParaRPr lang="en-GB"/>
           </a:p>
@@ -4143,7 +5315,7 @@
           <a:p>
             <a:fld id="{565E3272-2692-4CBA-BB89-AE4B7AF62778}" type="datetimeFigureOut">
               <a:rPr lang="en-GB" smtClean="0"/>
-              <a:t>02/11/2021</a:t>
+              <a:t>05/11/2021</a:t>
             </a:fld>
             <a:endParaRPr lang="en-GB"/>
           </a:p>
@@ -4386,7 +5558,7 @@
           <a:p>
             <a:fld id="{565E3272-2692-4CBA-BB89-AE4B7AF62778}" type="datetimeFigureOut">
               <a:rPr lang="en-GB" smtClean="0"/>
-              <a:t>02/11/2021</a:t>
+              <a:t>05/11/2021</a:t>
             </a:fld>
             <a:endParaRPr lang="en-GB"/>
           </a:p>
@@ -4894,7 +6066,7 @@
           <p:cNvPr id="2" name="Title 1">
             <a:extLst>
               <a:ext uri="{FF2B5EF4-FFF2-40B4-BE49-F238E27FC236}">
-                <a16:creationId xmlns:a16="http://schemas.microsoft.com/office/drawing/2014/main" id="{5F6791CC-7E1C-4898-8970-C8784B749EC0}"/>
+                <a16:creationId xmlns:a16="http://schemas.microsoft.com/office/drawing/2014/main" id="{553A35EB-2060-46B9-B0EE-79241E038580}"/>
               </a:ext>
             </a:extLst>
           </p:cNvPr>
@@ -4912,17 +6084,17 @@
           <a:p>
             <a:r>
               <a:rPr lang="en-GB" dirty="0"/>
-              <a:t>Saving score function</a:t>
-            </a:r>
-          </a:p>
-        </p:txBody>
-      </p:sp>
-      <p:sp>
-        <p:nvSpPr>
-          <p:cNvPr id="3" name="Content Placeholder 2">
-            <a:extLst>
-              <a:ext uri="{FF2B5EF4-FFF2-40B4-BE49-F238E27FC236}">
-                <a16:creationId xmlns:a16="http://schemas.microsoft.com/office/drawing/2014/main" id="{04D1F5BF-9556-4373-A58D-CC26AF09C5AE}"/>
+              <a:t>How to add a new log (3/5)</a:t>
+            </a:r>
+          </a:p>
+        </p:txBody>
+      </p:sp>
+      <p:sp>
+        <p:nvSpPr>
+          <p:cNvPr id="4" name="Content Placeholder 2">
+            <a:extLst>
+              <a:ext uri="{FF2B5EF4-FFF2-40B4-BE49-F238E27FC236}">
+                <a16:creationId xmlns:a16="http://schemas.microsoft.com/office/drawing/2014/main" id="{718B6641-F2C0-424D-B520-497CF8393B2F}"/>
               </a:ext>
             </a:extLst>
           </p:cNvPr>
@@ -4933,16 +6105,16 @@
         </p:nvSpPr>
         <p:spPr>
           <a:xfrm>
-            <a:off x="838200" y="1625327"/>
-            <a:ext cx="10515600" cy="636786"/>
+            <a:off x="838200" y="1991088"/>
+            <a:ext cx="10515600" cy="4351338"/>
           </a:xfrm>
           <a:prstGeom prst="rect">
             <a:avLst/>
           </a:prstGeom>
         </p:spPr>
         <p:txBody>
-          <a:bodyPr>
-            <a:normAutofit lnSpcReduction="10000"/>
+          <a:bodyPr vert="horz" lIns="91440" tIns="45720" rIns="91440" bIns="45720" rtlCol="0">
+            <a:normAutofit/>
           </a:bodyPr>
           <a:lstStyle>
             <a:lvl1pPr marL="228600" indent="-228600" algn="l" defTabSz="914400" rtl="0" eaLnBrk="1" latinLnBrk="0" hangingPunct="1">
@@ -5109,23 +6281,68 @@
             </a:lvl9pPr>
           </a:lstStyle>
           <a:p>
+            <a:r>
+              <a:rPr lang="en-GB" dirty="0"/>
+              <a:t>In edit_lists.R:</a:t>
+            </a:r>
+          </a:p>
+          <a:p>
+            <a:r>
+              <a:rPr lang="en-GB" dirty="0"/>
+              <a:t>Add the _names and _mandatory lists to the names_df dataframe:</a:t>
+            </a:r>
+          </a:p>
+          <a:p>
+            <a:pPr marL="0" indent="0">
+              <a:buNone/>
+            </a:pPr>
+            <a:endParaRPr lang="en-GB" dirty="0"/>
+          </a:p>
+          <a:p>
             <a:pPr marL="0" indent="0">
               <a:buFont typeface="Arial" panose="020B0604020202020204" pitchFamily="34" charset="0"/>
               <a:buNone/>
             </a:pPr>
-            <a:r>
-              <a:rPr lang="en-GB" sz="2000" dirty="0"/>
-              <a:t>This is to save scores for different QA checks to SQL. We read in current SQL data, and current app data.</a:t>
-            </a:r>
-          </a:p>
-        </p:txBody>
-      </p:sp>
-      <p:sp>
-        <p:nvSpPr>
-          <p:cNvPr id="4" name="TextBox 3">
-            <a:extLst>
-              <a:ext uri="{FF2B5EF4-FFF2-40B4-BE49-F238E27FC236}">
-                <a16:creationId xmlns:a16="http://schemas.microsoft.com/office/drawing/2014/main" id="{E192288E-89BA-4402-894D-3D715A3EA78D}"/>
+            <a:endParaRPr lang="en-GB" dirty="0"/>
+          </a:p>
+        </p:txBody>
+      </p:sp>
+      <p:pic>
+        <p:nvPicPr>
+          <p:cNvPr id="5" name="Picture 4">
+            <a:extLst>
+              <a:ext uri="{FF2B5EF4-FFF2-40B4-BE49-F238E27FC236}">
+                <a16:creationId xmlns:a16="http://schemas.microsoft.com/office/drawing/2014/main" id="{9C10F8D2-7341-4A57-A8B3-031582C5BC63}"/>
+              </a:ext>
+            </a:extLst>
+          </p:cNvPr>
+          <p:cNvPicPr>
+            <a:picLocks noChangeAspect="1"/>
+          </p:cNvPicPr>
+          <p:nvPr/>
+        </p:nvPicPr>
+        <p:blipFill>
+          <a:blip r:embed="rId2"/>
+          <a:stretch>
+            <a:fillRect/>
+          </a:stretch>
+        </p:blipFill>
+        <p:spPr>
+          <a:xfrm>
+            <a:off x="1261430" y="3052710"/>
+            <a:ext cx="9059539" cy="752580"/>
+          </a:xfrm>
+          <a:prstGeom prst="rect">
+            <a:avLst/>
+          </a:prstGeom>
+        </p:spPr>
+      </p:pic>
+      <p:sp>
+        <p:nvSpPr>
+          <p:cNvPr id="6" name="TextBox 5">
+            <a:extLst>
+              <a:ext uri="{FF2B5EF4-FFF2-40B4-BE49-F238E27FC236}">
+                <a16:creationId xmlns:a16="http://schemas.microsoft.com/office/drawing/2014/main" id="{E7DC3725-E2E0-4CFB-BDCA-99DC7697E66C}"/>
               </a:ext>
             </a:extLst>
           </p:cNvPr>
@@ -5134,33 +6351,14 @@
         </p:nvSpPr>
         <p:spPr>
           <a:xfrm>
-            <a:off x="1075508" y="4249783"/>
-            <a:ext cx="1878912" cy="369332"/>
+            <a:off x="8839200" y="3910149"/>
+            <a:ext cx="2873735" cy="369332"/>
           </a:xfrm>
           <a:prstGeom prst="rect">
             <a:avLst/>
           </a:prstGeom>
-          <a:solidFill>
-            <a:schemeClr val="accent1">
-              <a:lumMod val="20000"/>
-              <a:lumOff val="80000"/>
-            </a:schemeClr>
-          </a:solidFill>
-        </p:spPr>
-        <p:style>
-          <a:lnRef idx="1">
-            <a:schemeClr val="accent1"/>
-          </a:lnRef>
-          <a:fillRef idx="2">
-            <a:schemeClr val="accent1"/>
-          </a:fillRef>
-          <a:effectRef idx="1">
-            <a:schemeClr val="accent1"/>
-          </a:effectRef>
-          <a:fontRef idx="minor">
-            <a:schemeClr val="dk1"/>
-          </a:fontRef>
-        </p:style>
+          <a:noFill/>
+        </p:spPr>
         <p:txBody>
           <a:bodyPr wrap="none" rtlCol="0">
             <a:spAutoFit/>
@@ -5169,89 +6367,34 @@
           <a:p>
             <a:r>
               <a:rPr lang="en-GB" dirty="0"/>
-              <a:t>Is app data blank?</a:t>
-            </a:r>
-          </a:p>
-        </p:txBody>
-      </p:sp>
-      <p:sp>
-        <p:nvSpPr>
-          <p:cNvPr id="5" name="TextBox 4">
-            <a:extLst>
-              <a:ext uri="{FF2B5EF4-FFF2-40B4-BE49-F238E27FC236}">
-                <a16:creationId xmlns:a16="http://schemas.microsoft.com/office/drawing/2014/main" id="{CEC9B9B1-316C-4739-B075-AE5E33052E66}"/>
-              </a:ext>
-            </a:extLst>
-          </p:cNvPr>
-          <p:cNvSpPr txBox="1"/>
-          <p:nvPr/>
-        </p:nvSpPr>
-        <p:spPr>
-          <a:xfrm>
-            <a:off x="1010194" y="2349528"/>
-            <a:ext cx="2009541" cy="923330"/>
-          </a:xfrm>
-          <a:prstGeom prst="rect">
-            <a:avLst/>
-          </a:prstGeom>
-          <a:solidFill>
-            <a:schemeClr val="accent1">
-              <a:lumMod val="20000"/>
-              <a:lumOff val="80000"/>
-            </a:schemeClr>
-          </a:solidFill>
-        </p:spPr>
-        <p:style>
-          <a:lnRef idx="1">
-            <a:schemeClr val="accent1"/>
-          </a:lnRef>
-          <a:fillRef idx="2">
-            <a:schemeClr val="accent1"/>
-          </a:fillRef>
-          <a:effectRef idx="1">
-            <a:schemeClr val="accent1"/>
-          </a:effectRef>
-          <a:fontRef idx="minor">
-            <a:schemeClr val="dk1"/>
-          </a:fontRef>
-        </p:style>
-        <p:txBody>
-          <a:bodyPr wrap="square" rtlCol="0">
-            <a:spAutoFit/>
-          </a:bodyPr>
-          <a:lstStyle/>
-          <a:p>
-            <a:pPr algn="ctr"/>
-            <a:r>
-              <a:rPr lang="en-GB" dirty="0"/>
-              <a:t>Does row for corresponding SQL data exist?</a:t>
+              <a:t>Just put both names in here!</a:t>
             </a:r>
           </a:p>
         </p:txBody>
       </p:sp>
       <p:cxnSp>
         <p:nvCxnSpPr>
-          <p:cNvPr id="7" name="Straight Arrow Connector 6">
-            <a:extLst>
-              <a:ext uri="{FF2B5EF4-FFF2-40B4-BE49-F238E27FC236}">
-                <a16:creationId xmlns:a16="http://schemas.microsoft.com/office/drawing/2014/main" id="{A468A3A8-41C9-4C16-9A1E-F7B181A2CF57}"/>
+          <p:cNvPr id="12" name="Straight Arrow Connector 11">
+            <a:extLst>
+              <a:ext uri="{FF2B5EF4-FFF2-40B4-BE49-F238E27FC236}">
+                <a16:creationId xmlns:a16="http://schemas.microsoft.com/office/drawing/2014/main" id="{7295A2E2-5D01-48DF-85B3-D48E3CA12F01}"/>
               </a:ext>
             </a:extLst>
           </p:cNvPr>
           <p:cNvCxnSpPr>
-            <a:stCxn id="5" idx="2"/>
+            <a:stCxn id="6" idx="1"/>
           </p:cNvCxnSpPr>
           <p:nvPr/>
         </p:nvCxnSpPr>
         <p:spPr>
-          <a:xfrm flipH="1">
-            <a:off x="2002971" y="3272858"/>
-            <a:ext cx="11994" cy="976925"/>
+          <a:xfrm flipH="1" flipV="1">
+            <a:off x="6836229" y="3500846"/>
+            <a:ext cx="2002971" cy="593969"/>
           </a:xfrm>
           <a:prstGeom prst="straightConnector1">
             <a:avLst/>
           </a:prstGeom>
-          <a:ln>
+          <a:ln w="57150">
             <a:tailEnd type="triangle"/>
           </a:ln>
         </p:spPr>
@@ -5270,721 +6413,10 @@
           </a:fontRef>
         </p:style>
       </p:cxnSp>
-      <p:sp>
-        <p:nvSpPr>
-          <p:cNvPr id="8" name="TextBox 7">
-            <a:extLst>
-              <a:ext uri="{FF2B5EF4-FFF2-40B4-BE49-F238E27FC236}">
-                <a16:creationId xmlns:a16="http://schemas.microsoft.com/office/drawing/2014/main" id="{F40629F5-4082-49A1-ADD2-1390B4D36469}"/>
-              </a:ext>
-            </a:extLst>
-          </p:cNvPr>
-          <p:cNvSpPr txBox="1"/>
-          <p:nvPr/>
-        </p:nvSpPr>
-        <p:spPr>
-          <a:xfrm>
-            <a:off x="2002971" y="3489045"/>
-            <a:ext cx="455574" cy="369332"/>
-          </a:xfrm>
-          <a:prstGeom prst="rect">
-            <a:avLst/>
-          </a:prstGeom>
-          <a:noFill/>
-        </p:spPr>
-        <p:txBody>
-          <a:bodyPr wrap="none" rtlCol="0">
-            <a:spAutoFit/>
-          </a:bodyPr>
-          <a:lstStyle/>
-          <a:p>
-            <a:r>
-              <a:rPr lang="en-GB" dirty="0"/>
-              <a:t>No</a:t>
-            </a:r>
-          </a:p>
-        </p:txBody>
-      </p:sp>
-      <p:cxnSp>
-        <p:nvCxnSpPr>
-          <p:cNvPr id="10" name="Straight Arrow Connector 9">
-            <a:extLst>
-              <a:ext uri="{FF2B5EF4-FFF2-40B4-BE49-F238E27FC236}">
-                <a16:creationId xmlns:a16="http://schemas.microsoft.com/office/drawing/2014/main" id="{A0EC1407-84AC-432C-B085-BDCF8F9F58FA}"/>
-              </a:ext>
-            </a:extLst>
-          </p:cNvPr>
-          <p:cNvCxnSpPr>
-            <a:stCxn id="4" idx="2"/>
-          </p:cNvCxnSpPr>
-          <p:nvPr/>
-        </p:nvCxnSpPr>
-        <p:spPr>
-          <a:xfrm>
-            <a:off x="2014964" y="4619115"/>
-            <a:ext cx="0" cy="815034"/>
-          </a:xfrm>
-          <a:prstGeom prst="straightConnector1">
-            <a:avLst/>
-          </a:prstGeom>
-          <a:ln>
-            <a:tailEnd type="triangle"/>
-          </a:ln>
-        </p:spPr>
-        <p:style>
-          <a:lnRef idx="1">
-            <a:schemeClr val="accent1"/>
-          </a:lnRef>
-          <a:fillRef idx="0">
-            <a:schemeClr val="accent1"/>
-          </a:fillRef>
-          <a:effectRef idx="0">
-            <a:schemeClr val="accent1"/>
-          </a:effectRef>
-          <a:fontRef idx="minor">
-            <a:schemeClr val="tx1"/>
-          </a:fontRef>
-        </p:style>
-      </p:cxnSp>
-      <p:sp>
-        <p:nvSpPr>
-          <p:cNvPr id="11" name="TextBox 10">
-            <a:extLst>
-              <a:ext uri="{FF2B5EF4-FFF2-40B4-BE49-F238E27FC236}">
-                <a16:creationId xmlns:a16="http://schemas.microsoft.com/office/drawing/2014/main" id="{E336B898-A9BE-472B-A817-77DE50F417E8}"/>
-              </a:ext>
-            </a:extLst>
-          </p:cNvPr>
-          <p:cNvSpPr txBox="1"/>
-          <p:nvPr/>
-        </p:nvSpPr>
-        <p:spPr>
-          <a:xfrm>
-            <a:off x="2002971" y="4821363"/>
-            <a:ext cx="455574" cy="369332"/>
-          </a:xfrm>
-          <a:prstGeom prst="rect">
-            <a:avLst/>
-          </a:prstGeom>
-          <a:noFill/>
-        </p:spPr>
-        <p:txBody>
-          <a:bodyPr wrap="none" rtlCol="0">
-            <a:spAutoFit/>
-          </a:bodyPr>
-          <a:lstStyle/>
-          <a:p>
-            <a:r>
-              <a:rPr lang="en-GB" dirty="0"/>
-              <a:t>No</a:t>
-            </a:r>
-          </a:p>
-        </p:txBody>
-      </p:sp>
-      <p:sp>
-        <p:nvSpPr>
-          <p:cNvPr id="12" name="TextBox 11">
-            <a:extLst>
-              <a:ext uri="{FF2B5EF4-FFF2-40B4-BE49-F238E27FC236}">
-                <a16:creationId xmlns:a16="http://schemas.microsoft.com/office/drawing/2014/main" id="{4B040FD5-B036-49C4-93AD-C1BD3F282008}"/>
-              </a:ext>
-            </a:extLst>
-          </p:cNvPr>
-          <p:cNvSpPr txBox="1"/>
-          <p:nvPr/>
-        </p:nvSpPr>
-        <p:spPr>
-          <a:xfrm>
-            <a:off x="1075508" y="5434149"/>
-            <a:ext cx="3219023" cy="646331"/>
-          </a:xfrm>
-          <a:prstGeom prst="rect">
-            <a:avLst/>
-          </a:prstGeom>
-          <a:solidFill>
-            <a:schemeClr val="accent6">
-              <a:lumMod val="20000"/>
-              <a:lumOff val="80000"/>
-            </a:schemeClr>
-          </a:solidFill>
-        </p:spPr>
-        <p:style>
-          <a:lnRef idx="1">
-            <a:schemeClr val="accent1"/>
-          </a:lnRef>
-          <a:fillRef idx="2">
-            <a:schemeClr val="accent1"/>
-          </a:fillRef>
-          <a:effectRef idx="1">
-            <a:schemeClr val="accent1"/>
-          </a:effectRef>
-          <a:fontRef idx="minor">
-            <a:schemeClr val="dk1"/>
-          </a:fontRef>
-        </p:style>
-        <p:txBody>
-          <a:bodyPr wrap="none" rtlCol="0">
-            <a:spAutoFit/>
-          </a:bodyPr>
-          <a:lstStyle/>
-          <a:p>
-            <a:r>
-              <a:rPr lang="en-GB" dirty="0"/>
-              <a:t>This is new data.</a:t>
-            </a:r>
-          </a:p>
-          <a:p>
-            <a:r>
-              <a:rPr lang="en-GB" dirty="0"/>
-              <a:t>Add a new row to SQL database.</a:t>
-            </a:r>
-          </a:p>
-        </p:txBody>
-      </p:sp>
-      <p:cxnSp>
-        <p:nvCxnSpPr>
-          <p:cNvPr id="13" name="Straight Arrow Connector 12">
-            <a:extLst>
-              <a:ext uri="{FF2B5EF4-FFF2-40B4-BE49-F238E27FC236}">
-                <a16:creationId xmlns:a16="http://schemas.microsoft.com/office/drawing/2014/main" id="{7A6CB8DD-5546-4608-9D08-BF96C56D2774}"/>
-              </a:ext>
-            </a:extLst>
-          </p:cNvPr>
-          <p:cNvCxnSpPr>
-            <a:cxnSpLocks/>
-            <a:stCxn id="5" idx="3"/>
-            <a:endCxn id="16" idx="1"/>
-          </p:cNvCxnSpPr>
-          <p:nvPr/>
-        </p:nvCxnSpPr>
-        <p:spPr>
-          <a:xfrm>
-            <a:off x="3019735" y="2811193"/>
-            <a:ext cx="2743369" cy="5563"/>
-          </a:xfrm>
-          <a:prstGeom prst="straightConnector1">
-            <a:avLst/>
-          </a:prstGeom>
-          <a:ln>
-            <a:tailEnd type="triangle"/>
-          </a:ln>
-        </p:spPr>
-        <p:style>
-          <a:lnRef idx="1">
-            <a:schemeClr val="accent1"/>
-          </a:lnRef>
-          <a:fillRef idx="0">
-            <a:schemeClr val="accent1"/>
-          </a:fillRef>
-          <a:effectRef idx="0">
-            <a:schemeClr val="accent1"/>
-          </a:effectRef>
-          <a:fontRef idx="minor">
-            <a:schemeClr val="tx1"/>
-          </a:fontRef>
-        </p:style>
-      </p:cxnSp>
-      <p:sp>
-        <p:nvSpPr>
-          <p:cNvPr id="15" name="TextBox 14">
-            <a:extLst>
-              <a:ext uri="{FF2B5EF4-FFF2-40B4-BE49-F238E27FC236}">
-                <a16:creationId xmlns:a16="http://schemas.microsoft.com/office/drawing/2014/main" id="{476C8284-E34B-45AA-BB7B-7C99A398B3CF}"/>
-              </a:ext>
-            </a:extLst>
-          </p:cNvPr>
-          <p:cNvSpPr txBox="1"/>
-          <p:nvPr/>
-        </p:nvSpPr>
-        <p:spPr>
-          <a:xfrm>
-            <a:off x="3942548" y="2493590"/>
-            <a:ext cx="485518" cy="369332"/>
-          </a:xfrm>
-          <a:prstGeom prst="rect">
-            <a:avLst/>
-          </a:prstGeom>
-          <a:noFill/>
-        </p:spPr>
-        <p:txBody>
-          <a:bodyPr wrap="none" rtlCol="0">
-            <a:spAutoFit/>
-          </a:bodyPr>
-          <a:lstStyle/>
-          <a:p>
-            <a:r>
-              <a:rPr lang="en-GB" dirty="0"/>
-              <a:t>Yes</a:t>
-            </a:r>
-          </a:p>
-        </p:txBody>
-      </p:sp>
-      <p:sp>
-        <p:nvSpPr>
-          <p:cNvPr id="16" name="TextBox 15">
-            <a:extLst>
-              <a:ext uri="{FF2B5EF4-FFF2-40B4-BE49-F238E27FC236}">
-                <a16:creationId xmlns:a16="http://schemas.microsoft.com/office/drawing/2014/main" id="{BDF9E54E-C4AD-4ADE-9789-9146DF7DA9EB}"/>
-              </a:ext>
-            </a:extLst>
-          </p:cNvPr>
-          <p:cNvSpPr txBox="1"/>
-          <p:nvPr/>
-        </p:nvSpPr>
-        <p:spPr>
-          <a:xfrm>
-            <a:off x="5763104" y="2493590"/>
-            <a:ext cx="2009541" cy="646331"/>
-          </a:xfrm>
-          <a:prstGeom prst="rect">
-            <a:avLst/>
-          </a:prstGeom>
-          <a:solidFill>
-            <a:schemeClr val="accent1">
-              <a:lumMod val="20000"/>
-              <a:lumOff val="80000"/>
-            </a:schemeClr>
-          </a:solidFill>
-        </p:spPr>
-        <p:style>
-          <a:lnRef idx="1">
-            <a:schemeClr val="accent1"/>
-          </a:lnRef>
-          <a:fillRef idx="2">
-            <a:schemeClr val="accent1"/>
-          </a:fillRef>
-          <a:effectRef idx="1">
-            <a:schemeClr val="accent1"/>
-          </a:effectRef>
-          <a:fontRef idx="minor">
-            <a:schemeClr val="dk1"/>
-          </a:fontRef>
-        </p:style>
-        <p:txBody>
-          <a:bodyPr wrap="square" rtlCol="0">
-            <a:spAutoFit/>
-          </a:bodyPr>
-          <a:lstStyle/>
-          <a:p>
-            <a:pPr algn="ctr"/>
-            <a:r>
-              <a:rPr lang="en-GB" dirty="0"/>
-              <a:t>Is app data equal to SQL data?</a:t>
-            </a:r>
-          </a:p>
-        </p:txBody>
-      </p:sp>
-      <p:sp>
-        <p:nvSpPr>
-          <p:cNvPr id="17" name="TextBox 16">
-            <a:extLst>
-              <a:ext uri="{FF2B5EF4-FFF2-40B4-BE49-F238E27FC236}">
-                <a16:creationId xmlns:a16="http://schemas.microsoft.com/office/drawing/2014/main" id="{71524C64-9D91-4785-8931-4E43D9A8D27C}"/>
-              </a:ext>
-            </a:extLst>
-          </p:cNvPr>
-          <p:cNvSpPr txBox="1"/>
-          <p:nvPr/>
-        </p:nvSpPr>
-        <p:spPr>
-          <a:xfrm>
-            <a:off x="3030582" y="4052756"/>
-            <a:ext cx="485518" cy="369332"/>
-          </a:xfrm>
-          <a:prstGeom prst="rect">
-            <a:avLst/>
-          </a:prstGeom>
-          <a:noFill/>
-        </p:spPr>
-        <p:txBody>
-          <a:bodyPr wrap="none" rtlCol="0">
-            <a:spAutoFit/>
-          </a:bodyPr>
-          <a:lstStyle/>
-          <a:p>
-            <a:r>
-              <a:rPr lang="en-GB" dirty="0"/>
-              <a:t>Yes</a:t>
-            </a:r>
-          </a:p>
-        </p:txBody>
-      </p:sp>
-      <p:cxnSp>
-        <p:nvCxnSpPr>
-          <p:cNvPr id="18" name="Straight Arrow Connector 17">
-            <a:extLst>
-              <a:ext uri="{FF2B5EF4-FFF2-40B4-BE49-F238E27FC236}">
-                <a16:creationId xmlns:a16="http://schemas.microsoft.com/office/drawing/2014/main" id="{43DCDBD7-DA70-4B5F-BA1E-AA4B8AD423D0}"/>
-              </a:ext>
-            </a:extLst>
-          </p:cNvPr>
-          <p:cNvCxnSpPr>
-            <a:cxnSpLocks/>
-          </p:cNvCxnSpPr>
-          <p:nvPr/>
-        </p:nvCxnSpPr>
-        <p:spPr>
-          <a:xfrm>
-            <a:off x="2948527" y="4434449"/>
-            <a:ext cx="643288" cy="3848"/>
-          </a:xfrm>
-          <a:prstGeom prst="straightConnector1">
-            <a:avLst/>
-          </a:prstGeom>
-          <a:ln>
-            <a:tailEnd type="triangle"/>
-          </a:ln>
-        </p:spPr>
-        <p:style>
-          <a:lnRef idx="1">
-            <a:schemeClr val="accent1"/>
-          </a:lnRef>
-          <a:fillRef idx="0">
-            <a:schemeClr val="accent1"/>
-          </a:fillRef>
-          <a:effectRef idx="0">
-            <a:schemeClr val="accent1"/>
-          </a:effectRef>
-          <a:fontRef idx="minor">
-            <a:schemeClr val="tx1"/>
-          </a:fontRef>
-        </p:style>
-      </p:cxnSp>
-      <p:sp>
-        <p:nvSpPr>
-          <p:cNvPr id="19" name="TextBox 18">
-            <a:extLst>
-              <a:ext uri="{FF2B5EF4-FFF2-40B4-BE49-F238E27FC236}">
-                <a16:creationId xmlns:a16="http://schemas.microsoft.com/office/drawing/2014/main" id="{A1FC2A3D-67EC-446A-8360-3E69D0E7D2AF}"/>
-              </a:ext>
-            </a:extLst>
-          </p:cNvPr>
-          <p:cNvSpPr txBox="1"/>
-          <p:nvPr/>
-        </p:nvSpPr>
-        <p:spPr>
-          <a:xfrm>
-            <a:off x="3611104" y="4069758"/>
-            <a:ext cx="2009541" cy="923330"/>
-          </a:xfrm>
-          <a:prstGeom prst="rect">
-            <a:avLst/>
-          </a:prstGeom>
-          <a:solidFill>
-            <a:schemeClr val="accent2">
-              <a:lumMod val="40000"/>
-              <a:lumOff val="60000"/>
-            </a:schemeClr>
-          </a:solidFill>
-        </p:spPr>
-        <p:style>
-          <a:lnRef idx="1">
-            <a:schemeClr val="accent1"/>
-          </a:lnRef>
-          <a:fillRef idx="2">
-            <a:schemeClr val="accent1"/>
-          </a:fillRef>
-          <a:effectRef idx="1">
-            <a:schemeClr val="accent1"/>
-          </a:effectRef>
-          <a:fontRef idx="minor">
-            <a:schemeClr val="dk1"/>
-          </a:fontRef>
-        </p:style>
-        <p:txBody>
-          <a:bodyPr wrap="square" rtlCol="0">
-            <a:spAutoFit/>
-          </a:bodyPr>
-          <a:lstStyle/>
-          <a:p>
-            <a:pPr algn="ctr"/>
-            <a:r>
-              <a:rPr lang="en-GB" dirty="0"/>
-              <a:t>Data hasn’t been added for this check. Do nothing.</a:t>
-            </a:r>
-          </a:p>
-        </p:txBody>
-      </p:sp>
-      <p:sp>
-        <p:nvSpPr>
-          <p:cNvPr id="25" name="TextBox 24">
-            <a:extLst>
-              <a:ext uri="{FF2B5EF4-FFF2-40B4-BE49-F238E27FC236}">
-                <a16:creationId xmlns:a16="http://schemas.microsoft.com/office/drawing/2014/main" id="{E16BBE8D-72AC-49BB-91DA-B8E16F538BC3}"/>
-              </a:ext>
-            </a:extLst>
-          </p:cNvPr>
-          <p:cNvSpPr txBox="1"/>
-          <p:nvPr/>
-        </p:nvSpPr>
-        <p:spPr>
-          <a:xfrm>
-            <a:off x="5886049" y="3746592"/>
-            <a:ext cx="2009541" cy="2308324"/>
-          </a:xfrm>
-          <a:prstGeom prst="rect">
-            <a:avLst/>
-          </a:prstGeom>
-          <a:solidFill>
-            <a:schemeClr val="accent6">
-              <a:lumMod val="20000"/>
-              <a:lumOff val="80000"/>
-            </a:schemeClr>
-          </a:solidFill>
-        </p:spPr>
-        <p:style>
-          <a:lnRef idx="1">
-            <a:schemeClr val="accent1"/>
-          </a:lnRef>
-          <a:fillRef idx="2">
-            <a:schemeClr val="accent1"/>
-          </a:fillRef>
-          <a:effectRef idx="1">
-            <a:schemeClr val="accent1"/>
-          </a:effectRef>
-          <a:fontRef idx="minor">
-            <a:schemeClr val="dk1"/>
-          </a:fontRef>
-        </p:style>
-        <p:txBody>
-          <a:bodyPr wrap="square" rtlCol="0">
-            <a:spAutoFit/>
-          </a:bodyPr>
-          <a:lstStyle/>
-          <a:p>
-            <a:pPr algn="ctr"/>
-            <a:r>
-              <a:rPr lang="en-GB" dirty="0"/>
-              <a:t>App data has been updated.</a:t>
-            </a:r>
-          </a:p>
-          <a:p>
-            <a:pPr algn="ctr"/>
-            <a:r>
-              <a:rPr lang="en-GB" dirty="0"/>
-              <a:t>Copy data from SQL to SCD database.</a:t>
-            </a:r>
-          </a:p>
-          <a:p>
-            <a:pPr algn="ctr"/>
-            <a:r>
-              <a:rPr lang="en-GB" dirty="0"/>
-              <a:t>Overwrite data in SQL with current app data.</a:t>
-            </a:r>
-          </a:p>
-        </p:txBody>
-      </p:sp>
-      <p:cxnSp>
-        <p:nvCxnSpPr>
-          <p:cNvPr id="26" name="Straight Arrow Connector 25">
-            <a:extLst>
-              <a:ext uri="{FF2B5EF4-FFF2-40B4-BE49-F238E27FC236}">
-                <a16:creationId xmlns:a16="http://schemas.microsoft.com/office/drawing/2014/main" id="{D242B8A7-2309-48D6-988B-2EB44521B55D}"/>
-              </a:ext>
-            </a:extLst>
-          </p:cNvPr>
-          <p:cNvCxnSpPr>
-            <a:cxnSpLocks/>
-          </p:cNvCxnSpPr>
-          <p:nvPr/>
-        </p:nvCxnSpPr>
-        <p:spPr>
-          <a:xfrm>
-            <a:off x="6890820" y="3139921"/>
-            <a:ext cx="0" cy="578159"/>
-          </a:xfrm>
-          <a:prstGeom prst="straightConnector1">
-            <a:avLst/>
-          </a:prstGeom>
-          <a:ln>
-            <a:tailEnd type="triangle"/>
-          </a:ln>
-        </p:spPr>
-        <p:style>
-          <a:lnRef idx="1">
-            <a:schemeClr val="accent1"/>
-          </a:lnRef>
-          <a:fillRef idx="0">
-            <a:schemeClr val="accent1"/>
-          </a:fillRef>
-          <a:effectRef idx="0">
-            <a:schemeClr val="accent1"/>
-          </a:effectRef>
-          <a:fontRef idx="minor">
-            <a:schemeClr val="tx1"/>
-          </a:fontRef>
-        </p:style>
-      </p:cxnSp>
-      <p:sp>
-        <p:nvSpPr>
-          <p:cNvPr id="28" name="TextBox 27">
-            <a:extLst>
-              <a:ext uri="{FF2B5EF4-FFF2-40B4-BE49-F238E27FC236}">
-                <a16:creationId xmlns:a16="http://schemas.microsoft.com/office/drawing/2014/main" id="{3FED96C2-2763-4B4E-9FC8-DAC57BD59C74}"/>
-              </a:ext>
-            </a:extLst>
-          </p:cNvPr>
-          <p:cNvSpPr txBox="1"/>
-          <p:nvPr/>
-        </p:nvSpPr>
-        <p:spPr>
-          <a:xfrm>
-            <a:off x="6890819" y="3225611"/>
-            <a:ext cx="455574" cy="369332"/>
-          </a:xfrm>
-          <a:prstGeom prst="rect">
-            <a:avLst/>
-          </a:prstGeom>
-          <a:noFill/>
-        </p:spPr>
-        <p:txBody>
-          <a:bodyPr wrap="none" rtlCol="0">
-            <a:spAutoFit/>
-          </a:bodyPr>
-          <a:lstStyle/>
-          <a:p>
-            <a:r>
-              <a:rPr lang="en-GB" dirty="0"/>
-              <a:t>No</a:t>
-            </a:r>
-          </a:p>
-        </p:txBody>
-      </p:sp>
-      <p:cxnSp>
-        <p:nvCxnSpPr>
-          <p:cNvPr id="29" name="Straight Arrow Connector 28">
-            <a:extLst>
-              <a:ext uri="{FF2B5EF4-FFF2-40B4-BE49-F238E27FC236}">
-                <a16:creationId xmlns:a16="http://schemas.microsoft.com/office/drawing/2014/main" id="{D7AF10CB-732D-4E41-AD04-B80E5F96C349}"/>
-              </a:ext>
-            </a:extLst>
-          </p:cNvPr>
-          <p:cNvCxnSpPr>
-            <a:cxnSpLocks/>
-          </p:cNvCxnSpPr>
-          <p:nvPr/>
-        </p:nvCxnSpPr>
-        <p:spPr>
-          <a:xfrm flipV="1">
-            <a:off x="7772645" y="2789792"/>
-            <a:ext cx="753046" cy="1"/>
-          </a:xfrm>
-          <a:prstGeom prst="straightConnector1">
-            <a:avLst/>
-          </a:prstGeom>
-          <a:ln>
-            <a:tailEnd type="triangle"/>
-          </a:ln>
-        </p:spPr>
-        <p:style>
-          <a:lnRef idx="1">
-            <a:schemeClr val="accent1"/>
-          </a:lnRef>
-          <a:fillRef idx="0">
-            <a:schemeClr val="accent1"/>
-          </a:fillRef>
-          <a:effectRef idx="0">
-            <a:schemeClr val="accent1"/>
-          </a:effectRef>
-          <a:fontRef idx="minor">
-            <a:schemeClr val="tx1"/>
-          </a:fontRef>
-        </p:style>
-      </p:cxnSp>
-      <p:sp>
-        <p:nvSpPr>
-          <p:cNvPr id="32" name="TextBox 31">
-            <a:extLst>
-              <a:ext uri="{FF2B5EF4-FFF2-40B4-BE49-F238E27FC236}">
-                <a16:creationId xmlns:a16="http://schemas.microsoft.com/office/drawing/2014/main" id="{0224A9E8-4EE4-4100-8E5A-6974A38299F5}"/>
-              </a:ext>
-            </a:extLst>
-          </p:cNvPr>
-          <p:cNvSpPr txBox="1"/>
-          <p:nvPr/>
-        </p:nvSpPr>
-        <p:spPr>
-          <a:xfrm>
-            <a:off x="8525691" y="2466626"/>
-            <a:ext cx="2009541" cy="923330"/>
-          </a:xfrm>
-          <a:prstGeom prst="rect">
-            <a:avLst/>
-          </a:prstGeom>
-          <a:solidFill>
-            <a:schemeClr val="accent2">
-              <a:lumMod val="40000"/>
-              <a:lumOff val="60000"/>
-            </a:schemeClr>
-          </a:solidFill>
-        </p:spPr>
-        <p:style>
-          <a:lnRef idx="1">
-            <a:schemeClr val="accent1"/>
-          </a:lnRef>
-          <a:fillRef idx="2">
-            <a:schemeClr val="accent1"/>
-          </a:fillRef>
-          <a:effectRef idx="1">
-            <a:schemeClr val="accent1"/>
-          </a:effectRef>
-          <a:fontRef idx="minor">
-            <a:schemeClr val="dk1"/>
-          </a:fontRef>
-        </p:style>
-        <p:txBody>
-          <a:bodyPr wrap="square" rtlCol="0">
-            <a:spAutoFit/>
-          </a:bodyPr>
-          <a:lstStyle/>
-          <a:p>
-            <a:pPr algn="ctr"/>
-            <a:r>
-              <a:rPr lang="en-GB" dirty="0"/>
-              <a:t>Data hasn’t been updated. Do nothing.</a:t>
-            </a:r>
-          </a:p>
-        </p:txBody>
-      </p:sp>
-      <p:sp>
-        <p:nvSpPr>
-          <p:cNvPr id="33" name="TextBox 32">
-            <a:extLst>
-              <a:ext uri="{FF2B5EF4-FFF2-40B4-BE49-F238E27FC236}">
-                <a16:creationId xmlns:a16="http://schemas.microsoft.com/office/drawing/2014/main" id="{A7F0BA27-FD36-4186-B4B2-0690E52D298F}"/>
-              </a:ext>
-            </a:extLst>
-          </p:cNvPr>
-          <p:cNvSpPr txBox="1"/>
-          <p:nvPr/>
-        </p:nvSpPr>
-        <p:spPr>
-          <a:xfrm>
-            <a:off x="7926251" y="2464003"/>
-            <a:ext cx="485518" cy="369332"/>
-          </a:xfrm>
-          <a:prstGeom prst="rect">
-            <a:avLst/>
-          </a:prstGeom>
-          <a:noFill/>
-        </p:spPr>
-        <p:txBody>
-          <a:bodyPr wrap="none" rtlCol="0">
-            <a:spAutoFit/>
-          </a:bodyPr>
-          <a:lstStyle/>
-          <a:p>
-            <a:r>
-              <a:rPr lang="en-GB" dirty="0"/>
-              <a:t>Yes</a:t>
-            </a:r>
-          </a:p>
-        </p:txBody>
-      </p:sp>
     </p:spTree>
     <p:extLst>
       <p:ext uri="{BB962C8B-B14F-4D97-AF65-F5344CB8AC3E}">
-        <p14:creationId xmlns:p14="http://schemas.microsoft.com/office/powerpoint/2010/main" val="2423129868"/>
+        <p14:creationId xmlns:p14="http://schemas.microsoft.com/office/powerpoint/2010/main" val="2142771809"/>
       </p:ext>
     </p:extLst>
   </p:cSld>
@@ -5994,7 +6426,7 @@
 </p:sld>
 </file>
 
-<file path=ppt/slides/slide2.xml><?xml version="1.0" encoding="utf-8"?>
+<file path=ppt/slides/slide11.xml><?xml version="1.0" encoding="utf-8"?>
 <p:sld xmlns:a="http://schemas.openxmlformats.org/drawingml/2006/main" xmlns:r="http://schemas.openxmlformats.org/officeDocument/2006/relationships" xmlns:p="http://schemas.openxmlformats.org/presentationml/2006/main">
   <p:cSld>
     <p:spTree>
@@ -6013,226 +6445,10 @@
       </p:grpSpPr>
       <p:sp>
         <p:nvSpPr>
-          <p:cNvPr id="50" name="Rectangle: Rounded Corners 49">
-            <a:extLst>
-              <a:ext uri="{FF2B5EF4-FFF2-40B4-BE49-F238E27FC236}">
-                <a16:creationId xmlns:a16="http://schemas.microsoft.com/office/drawing/2014/main" id="{09B7575F-6893-4F3C-98F8-60BCCD179369}"/>
-              </a:ext>
-            </a:extLst>
-          </p:cNvPr>
-          <p:cNvSpPr/>
-          <p:nvPr/>
-        </p:nvSpPr>
-        <p:spPr>
-          <a:xfrm>
-            <a:off x="2654314" y="3043215"/>
-            <a:ext cx="1944809" cy="2286431"/>
-          </a:xfrm>
-          <a:prstGeom prst="roundRect">
-            <a:avLst/>
-          </a:prstGeom>
-        </p:spPr>
-        <p:style>
-          <a:lnRef idx="1">
-            <a:schemeClr val="accent4"/>
-          </a:lnRef>
-          <a:fillRef idx="2">
-            <a:schemeClr val="accent4"/>
-          </a:fillRef>
-          <a:effectRef idx="1">
-            <a:schemeClr val="accent4"/>
-          </a:effectRef>
-          <a:fontRef idx="minor">
-            <a:schemeClr val="dk1"/>
-          </a:fontRef>
-        </p:style>
-        <p:txBody>
-          <a:bodyPr rtlCol="0" anchor="ctr"/>
-          <a:lstStyle/>
-          <a:p>
-            <a:pPr algn="ctr"/>
-            <a:endParaRPr lang="en-GB" dirty="0"/>
-          </a:p>
-        </p:txBody>
-      </p:sp>
-      <p:sp>
-        <p:nvSpPr>
-          <p:cNvPr id="49" name="Rectangle: Rounded Corners 48">
-            <a:extLst>
-              <a:ext uri="{FF2B5EF4-FFF2-40B4-BE49-F238E27FC236}">
-                <a16:creationId xmlns:a16="http://schemas.microsoft.com/office/drawing/2014/main" id="{E703AA69-6FA3-49E0-804E-72D1D1E29D27}"/>
-              </a:ext>
-            </a:extLst>
-          </p:cNvPr>
-          <p:cNvSpPr/>
-          <p:nvPr/>
-        </p:nvSpPr>
-        <p:spPr>
-          <a:xfrm>
-            <a:off x="4752860" y="2090685"/>
-            <a:ext cx="1944809" cy="3272707"/>
-          </a:xfrm>
-          <a:prstGeom prst="roundRect">
-            <a:avLst/>
-          </a:prstGeom>
-        </p:spPr>
-        <p:style>
-          <a:lnRef idx="1">
-            <a:schemeClr val="accent3"/>
-          </a:lnRef>
-          <a:fillRef idx="2">
-            <a:schemeClr val="accent3"/>
-          </a:fillRef>
-          <a:effectRef idx="1">
-            <a:schemeClr val="accent3"/>
-          </a:effectRef>
-          <a:fontRef idx="minor">
-            <a:schemeClr val="dk1"/>
-          </a:fontRef>
-        </p:style>
-        <p:txBody>
-          <a:bodyPr rtlCol="0" anchor="ctr"/>
-          <a:lstStyle/>
-          <a:p>
-            <a:pPr algn="ctr"/>
-            <a:endParaRPr lang="en-GB"/>
-          </a:p>
-        </p:txBody>
-      </p:sp>
-      <p:sp>
-        <p:nvSpPr>
-          <p:cNvPr id="48" name="Rectangle: Rounded Corners 47">
-            <a:extLst>
-              <a:ext uri="{FF2B5EF4-FFF2-40B4-BE49-F238E27FC236}">
-                <a16:creationId xmlns:a16="http://schemas.microsoft.com/office/drawing/2014/main" id="{AF3A92E2-73C0-43A3-94A6-E7306716E189}"/>
-              </a:ext>
-            </a:extLst>
-          </p:cNvPr>
-          <p:cNvSpPr/>
-          <p:nvPr/>
-        </p:nvSpPr>
-        <p:spPr>
-          <a:xfrm>
-            <a:off x="6813852" y="1527702"/>
-            <a:ext cx="4241066" cy="3835690"/>
-          </a:xfrm>
-          <a:prstGeom prst="roundRect">
-            <a:avLst>
-              <a:gd name="adj" fmla="val 14851"/>
-            </a:avLst>
-          </a:prstGeom>
-        </p:spPr>
-        <p:style>
-          <a:lnRef idx="1">
-            <a:schemeClr val="accent5"/>
-          </a:lnRef>
-          <a:fillRef idx="2">
-            <a:schemeClr val="accent5"/>
-          </a:fillRef>
-          <a:effectRef idx="1">
-            <a:schemeClr val="accent5"/>
-          </a:effectRef>
-          <a:fontRef idx="minor">
-            <a:schemeClr val="dk1"/>
-          </a:fontRef>
-        </p:style>
-        <p:txBody>
-          <a:bodyPr rtlCol="0" anchor="ctr"/>
-          <a:lstStyle/>
-          <a:p>
-            <a:pPr algn="ctr"/>
-            <a:endParaRPr lang="en-GB"/>
-          </a:p>
-        </p:txBody>
-      </p:sp>
-      <p:cxnSp>
-        <p:nvCxnSpPr>
-          <p:cNvPr id="45" name="Straight Arrow Connector 44">
-            <a:extLst>
-              <a:ext uri="{FF2B5EF4-FFF2-40B4-BE49-F238E27FC236}">
-                <a16:creationId xmlns:a16="http://schemas.microsoft.com/office/drawing/2014/main" id="{6E5784F5-BE29-46BF-A517-8BA1185459DD}"/>
-              </a:ext>
-            </a:extLst>
-          </p:cNvPr>
-          <p:cNvCxnSpPr>
-            <a:cxnSpLocks/>
-          </p:cNvCxnSpPr>
-          <p:nvPr/>
-        </p:nvCxnSpPr>
-        <p:spPr>
-          <a:xfrm flipH="1">
-            <a:off x="8178945" y="3878258"/>
-            <a:ext cx="1657281" cy="0"/>
-          </a:xfrm>
-          <a:prstGeom prst="straightConnector1">
-            <a:avLst/>
-          </a:prstGeom>
-          <a:ln w="38100">
-            <a:tailEnd type="triangle"/>
-          </a:ln>
-        </p:spPr>
-        <p:style>
-          <a:lnRef idx="1">
-            <a:schemeClr val="accent1"/>
-          </a:lnRef>
-          <a:fillRef idx="0">
-            <a:schemeClr val="accent1"/>
-          </a:fillRef>
-          <a:effectRef idx="0">
-            <a:schemeClr val="accent1"/>
-          </a:effectRef>
-          <a:fontRef idx="minor">
-            <a:schemeClr val="tx1"/>
-          </a:fontRef>
-        </p:style>
-      </p:cxnSp>
-      <p:cxnSp>
-        <p:nvCxnSpPr>
-          <p:cNvPr id="24" name="Straight Arrow Connector 23">
-            <a:extLst>
-              <a:ext uri="{FF2B5EF4-FFF2-40B4-BE49-F238E27FC236}">
-                <a16:creationId xmlns:a16="http://schemas.microsoft.com/office/drawing/2014/main" id="{C34CFD35-FEA3-4906-AB04-19007854493F}"/>
-              </a:ext>
-            </a:extLst>
-          </p:cNvPr>
-          <p:cNvCxnSpPr>
-            <a:cxnSpLocks/>
-          </p:cNvCxnSpPr>
-          <p:nvPr/>
-        </p:nvCxnSpPr>
-        <p:spPr>
-          <a:xfrm>
-            <a:off x="3625147" y="3959164"/>
-            <a:ext cx="0" cy="867726"/>
-          </a:xfrm>
-          <a:prstGeom prst="straightConnector1">
-            <a:avLst/>
-          </a:prstGeom>
-          <a:ln w="38100">
-            <a:tailEnd type="triangle"/>
-          </a:ln>
-        </p:spPr>
-        <p:style>
-          <a:lnRef idx="1">
-            <a:schemeClr val="accent1"/>
-          </a:lnRef>
-          <a:fillRef idx="0">
-            <a:schemeClr val="accent1"/>
-          </a:fillRef>
-          <a:effectRef idx="0">
-            <a:schemeClr val="accent1"/>
-          </a:effectRef>
-          <a:fontRef idx="minor">
-            <a:schemeClr val="tx1"/>
-          </a:fontRef>
-        </p:style>
-      </p:cxnSp>
-      <p:sp>
-        <p:nvSpPr>
           <p:cNvPr id="2" name="Title 1">
             <a:extLst>
               <a:ext uri="{FF2B5EF4-FFF2-40B4-BE49-F238E27FC236}">
-                <a16:creationId xmlns:a16="http://schemas.microsoft.com/office/drawing/2014/main" id="{6809EE09-539D-4994-9FCA-3E3A6AB7E245}"/>
+                <a16:creationId xmlns:a16="http://schemas.microsoft.com/office/drawing/2014/main" id="{007F439E-F0F8-4308-A4D4-512653E39B6C}"/>
               </a:ext>
             </a:extLst>
           </p:cNvPr>
@@ -6250,306 +6466,244 @@
           <a:p>
             <a:r>
               <a:rPr lang="en-GB" dirty="0"/>
-              <a:t>How does the QA log app work?</a:t>
-            </a:r>
-          </a:p>
-        </p:txBody>
-      </p:sp>
-      <p:sp>
-        <p:nvSpPr>
-          <p:cNvPr id="4" name="Rectangle 3">
-            <a:extLst>
-              <a:ext uri="{FF2B5EF4-FFF2-40B4-BE49-F238E27FC236}">
-                <a16:creationId xmlns:a16="http://schemas.microsoft.com/office/drawing/2014/main" id="{916B87A9-63BF-4D1C-9935-714B2EB16EC6}"/>
-              </a:ext>
-            </a:extLst>
-          </p:cNvPr>
-          <p:cNvSpPr/>
-          <p:nvPr/>
-        </p:nvSpPr>
-        <p:spPr>
-          <a:xfrm>
-            <a:off x="4869043" y="5871211"/>
-            <a:ext cx="1704975" cy="723900"/>
+              <a:t>How to add a new log (4/5)</a:t>
+            </a:r>
+          </a:p>
+        </p:txBody>
+      </p:sp>
+      <p:sp>
+        <p:nvSpPr>
+          <p:cNvPr id="3" name="Content Placeholder 2">
+            <a:extLst>
+              <a:ext uri="{FF2B5EF4-FFF2-40B4-BE49-F238E27FC236}">
+                <a16:creationId xmlns:a16="http://schemas.microsoft.com/office/drawing/2014/main" id="{3CA931FD-0505-492D-8C4A-E4164968E9F5}"/>
+              </a:ext>
+            </a:extLst>
+          </p:cNvPr>
+          <p:cNvSpPr>
+            <a:spLocks noGrp="1"/>
+          </p:cNvSpPr>
+          <p:nvPr>
+            <p:ph idx="1"/>
+          </p:nvPr>
+        </p:nvSpPr>
+        <p:spPr>
+          <a:xfrm>
+            <a:off x="838200" y="3062242"/>
+            <a:ext cx="10515600" cy="4351338"/>
+          </a:xfrm>
+        </p:spPr>
+        <p:txBody>
+          <a:bodyPr>
+            <a:normAutofit/>
+          </a:bodyPr>
+          <a:lstStyle/>
+          <a:p>
+            <a:r>
+              <a:rPr lang="en-GB" sz="2400" dirty="0"/>
+              <a:t>You now need to input comments for each check following this format:</a:t>
+            </a:r>
+          </a:p>
+          <a:p>
+            <a:endParaRPr lang="en-GB" dirty="0"/>
+          </a:p>
+          <a:p>
+            <a:pPr marL="0" indent="0">
+              <a:buNone/>
+            </a:pPr>
+            <a:endParaRPr lang="en-GB" dirty="0"/>
+          </a:p>
+          <a:p>
+            <a:endParaRPr lang="en-GB" sz="1800" dirty="0"/>
+          </a:p>
+          <a:p>
+            <a:r>
+              <a:rPr lang="en-GB" sz="1800" dirty="0"/>
+              <a:t>If the check is not required, then put this:</a:t>
+            </a:r>
+          </a:p>
+        </p:txBody>
+      </p:sp>
+      <p:sp>
+        <p:nvSpPr>
+          <p:cNvPr id="8" name="TextBox 7">
+            <a:extLst>
+              <a:ext uri="{FF2B5EF4-FFF2-40B4-BE49-F238E27FC236}">
+                <a16:creationId xmlns:a16="http://schemas.microsoft.com/office/drawing/2014/main" id="{E99ED066-FEE3-49B9-8244-8C08E7FB73E0}"/>
+              </a:ext>
+            </a:extLst>
+          </p:cNvPr>
+          <p:cNvSpPr txBox="1"/>
+          <p:nvPr/>
+        </p:nvSpPr>
+        <p:spPr>
+          <a:xfrm>
+            <a:off x="1092136" y="5631471"/>
+            <a:ext cx="4581669" cy="523220"/>
           </a:xfrm>
           <a:prstGeom prst="rect">
             <a:avLst/>
           </a:prstGeom>
-        </p:spPr>
-        <p:style>
-          <a:lnRef idx="2">
-            <a:schemeClr val="accent1">
-              <a:shade val="50000"/>
-            </a:schemeClr>
-          </a:lnRef>
-          <a:fillRef idx="1">
-            <a:schemeClr val="accent1"/>
-          </a:fillRef>
-          <a:effectRef idx="0">
-            <a:schemeClr val="accent1"/>
-          </a:effectRef>
-          <a:fontRef idx="minor">
-            <a:schemeClr val="lt1"/>
-          </a:fontRef>
-        </p:style>
-        <p:txBody>
-          <a:bodyPr rtlCol="0" anchor="ctr"/>
-          <a:lstStyle/>
-          <a:p>
-            <a:pPr algn="ctr"/>
-            <a:r>
-              <a:rPr lang="en-GB" dirty="0"/>
-              <a:t>app.R</a:t>
-            </a:r>
-          </a:p>
-        </p:txBody>
-      </p:sp>
-      <p:cxnSp>
-        <p:nvCxnSpPr>
-          <p:cNvPr id="6" name="Straight Arrow Connector 5">
-            <a:extLst>
-              <a:ext uri="{FF2B5EF4-FFF2-40B4-BE49-F238E27FC236}">
-                <a16:creationId xmlns:a16="http://schemas.microsoft.com/office/drawing/2014/main" id="{D112A077-2620-474B-8EE9-AAB36779304C}"/>
-              </a:ext>
-            </a:extLst>
-          </p:cNvPr>
-          <p:cNvCxnSpPr>
-            <a:cxnSpLocks/>
-            <a:stCxn id="31" idx="2"/>
-          </p:cNvCxnSpPr>
-          <p:nvPr/>
-        </p:nvCxnSpPr>
-        <p:spPr>
-          <a:xfrm flipH="1">
-            <a:off x="6574019" y="5149817"/>
-            <a:ext cx="1278730" cy="937475"/>
-          </a:xfrm>
-          <a:prstGeom prst="straightConnector1">
-            <a:avLst/>
-          </a:prstGeom>
-          <a:ln w="38100">
-            <a:tailEnd type="triangle"/>
-          </a:ln>
-        </p:spPr>
-        <p:style>
-          <a:lnRef idx="1">
-            <a:schemeClr val="accent1"/>
-          </a:lnRef>
-          <a:fillRef idx="0">
-            <a:schemeClr val="accent1"/>
-          </a:fillRef>
-          <a:effectRef idx="0">
-            <a:schemeClr val="accent1"/>
-          </a:effectRef>
-          <a:fontRef idx="minor">
-            <a:schemeClr val="tx1"/>
-          </a:fontRef>
-        </p:style>
-      </p:cxnSp>
-      <p:cxnSp>
-        <p:nvCxnSpPr>
-          <p:cNvPr id="8" name="Straight Arrow Connector 7">
-            <a:extLst>
-              <a:ext uri="{FF2B5EF4-FFF2-40B4-BE49-F238E27FC236}">
-                <a16:creationId xmlns:a16="http://schemas.microsoft.com/office/drawing/2014/main" id="{FED6E45F-628A-4487-9403-DEDCF1B9B5D1}"/>
-              </a:ext>
-            </a:extLst>
-          </p:cNvPr>
-          <p:cNvCxnSpPr>
-            <a:cxnSpLocks/>
-            <a:stCxn id="21" idx="2"/>
-          </p:cNvCxnSpPr>
-          <p:nvPr/>
-        </p:nvCxnSpPr>
-        <p:spPr>
-          <a:xfrm>
-            <a:off x="3625148" y="5149817"/>
-            <a:ext cx="1243894" cy="867523"/>
-          </a:xfrm>
-          <a:prstGeom prst="straightConnector1">
-            <a:avLst/>
-          </a:prstGeom>
-          <a:ln w="38100">
-            <a:tailEnd type="triangle"/>
-          </a:ln>
-        </p:spPr>
-        <p:style>
-          <a:lnRef idx="1">
-            <a:schemeClr val="accent1"/>
-          </a:lnRef>
-          <a:fillRef idx="0">
-            <a:schemeClr val="accent1"/>
-          </a:fillRef>
-          <a:effectRef idx="0">
-            <a:schemeClr val="accent1"/>
-          </a:effectRef>
-          <a:fontRef idx="minor">
-            <a:schemeClr val="tx1"/>
-          </a:fontRef>
-        </p:style>
-      </p:cxnSp>
-      <p:cxnSp>
-        <p:nvCxnSpPr>
-          <p:cNvPr id="11" name="Straight Arrow Connector 10">
-            <a:extLst>
-              <a:ext uri="{FF2B5EF4-FFF2-40B4-BE49-F238E27FC236}">
-                <a16:creationId xmlns:a16="http://schemas.microsoft.com/office/drawing/2014/main" id="{02849C5B-01C5-4B0E-8CFA-BDE985536D82}"/>
-              </a:ext>
-            </a:extLst>
-          </p:cNvPr>
-          <p:cNvCxnSpPr>
-            <a:cxnSpLocks/>
-            <a:stCxn id="14" idx="2"/>
-            <a:endCxn id="4" idx="0"/>
-          </p:cNvCxnSpPr>
-          <p:nvPr/>
-        </p:nvCxnSpPr>
-        <p:spPr>
-          <a:xfrm>
-            <a:off x="5721531" y="3334188"/>
-            <a:ext cx="0" cy="2537023"/>
-          </a:xfrm>
-          <a:prstGeom prst="straightConnector1">
-            <a:avLst/>
-          </a:prstGeom>
-          <a:ln w="38100">
-            <a:tailEnd type="triangle"/>
-          </a:ln>
-        </p:spPr>
-        <p:style>
-          <a:lnRef idx="1">
-            <a:schemeClr val="accent1"/>
-          </a:lnRef>
-          <a:fillRef idx="0">
-            <a:schemeClr val="accent1"/>
-          </a:fillRef>
-          <a:effectRef idx="0">
-            <a:schemeClr val="accent1"/>
-          </a:effectRef>
-          <a:fontRef idx="minor">
-            <a:schemeClr val="tx1"/>
-          </a:fontRef>
-        </p:style>
-      </p:cxnSp>
-      <p:sp>
-        <p:nvSpPr>
-          <p:cNvPr id="13" name="Rectangle 12">
-            <a:extLst>
-              <a:ext uri="{FF2B5EF4-FFF2-40B4-BE49-F238E27FC236}">
-                <a16:creationId xmlns:a16="http://schemas.microsoft.com/office/drawing/2014/main" id="{1DF37AD2-742C-46E1-B308-4841152D6813}"/>
-              </a:ext>
-            </a:extLst>
-          </p:cNvPr>
-          <p:cNvSpPr/>
-          <p:nvPr/>
-        </p:nvSpPr>
-        <p:spPr>
-          <a:xfrm>
-            <a:off x="4869043" y="3519897"/>
-            <a:ext cx="1704975" cy="723900"/>
+          <a:noFill/>
+        </p:spPr>
+        <p:txBody>
+          <a:bodyPr wrap="square" rtlCol="0">
+            <a:spAutoFit/>
+          </a:bodyPr>
+          <a:lstStyle/>
+          <a:p>
+            <a:r>
+              <a:rPr lang="en-GB" sz="1400" i="1" dirty="0"/>
+              <a:t>(it is important that all of these objects are defined, regardless of if check is required or not)</a:t>
+            </a:r>
+          </a:p>
+        </p:txBody>
+      </p:sp>
+      <p:sp>
+        <p:nvSpPr>
+          <p:cNvPr id="15" name="TextBox 14">
+            <a:extLst>
+              <a:ext uri="{FF2B5EF4-FFF2-40B4-BE49-F238E27FC236}">
+                <a16:creationId xmlns:a16="http://schemas.microsoft.com/office/drawing/2014/main" id="{6C0AFDE8-0E6F-4F82-8276-9073F08534C2}"/>
+              </a:ext>
+            </a:extLst>
+          </p:cNvPr>
+          <p:cNvSpPr txBox="1"/>
+          <p:nvPr/>
+        </p:nvSpPr>
+        <p:spPr>
+          <a:xfrm>
+            <a:off x="515982" y="1756482"/>
+            <a:ext cx="10927080" cy="1200329"/>
           </a:xfrm>
           <a:prstGeom prst="rect">
             <a:avLst/>
           </a:prstGeom>
-          <a:solidFill>
-            <a:schemeClr val="accent6">
-              <a:lumMod val="75000"/>
-            </a:schemeClr>
-          </a:solidFill>
-        </p:spPr>
-        <p:style>
-          <a:lnRef idx="2">
-            <a:schemeClr val="accent1">
-              <a:shade val="50000"/>
-            </a:schemeClr>
-          </a:lnRef>
-          <a:fillRef idx="1">
-            <a:schemeClr val="accent1"/>
-          </a:fillRef>
-          <a:effectRef idx="0">
-            <a:schemeClr val="accent1"/>
-          </a:effectRef>
-          <a:fontRef idx="minor">
-            <a:schemeClr val="lt1"/>
-          </a:fontRef>
-        </p:style>
-        <p:txBody>
-          <a:bodyPr rtlCol="0" anchor="ctr"/>
-          <a:lstStyle/>
-          <a:p>
-            <a:pPr algn="ctr"/>
-            <a:r>
-              <a:rPr lang="en-GB" sz="1400" dirty="0"/>
-              <a:t>functions_for_ui.R</a:t>
-            </a:r>
-          </a:p>
-        </p:txBody>
-      </p:sp>
-      <p:sp>
-        <p:nvSpPr>
-          <p:cNvPr id="14" name="Rectangle 13">
-            <a:extLst>
-              <a:ext uri="{FF2B5EF4-FFF2-40B4-BE49-F238E27FC236}">
-                <a16:creationId xmlns:a16="http://schemas.microsoft.com/office/drawing/2014/main" id="{C4F0C839-1FC1-40CB-8E9D-25E68AD40F39}"/>
-              </a:ext>
-            </a:extLst>
-          </p:cNvPr>
-          <p:cNvSpPr/>
-          <p:nvPr/>
-        </p:nvSpPr>
-        <p:spPr>
-          <a:xfrm>
-            <a:off x="4869043" y="2610288"/>
-            <a:ext cx="1704975" cy="723900"/>
+          <a:noFill/>
+        </p:spPr>
+        <p:txBody>
+          <a:bodyPr wrap="square" rtlCol="0">
+            <a:spAutoFit/>
+          </a:bodyPr>
+          <a:lstStyle/>
+          <a:p>
+            <a:r>
+              <a:rPr lang="en-GB" sz="2400" dirty="0"/>
+              <a:t>You will need to create a new file in the “tooltips” folder</a:t>
+            </a:r>
+          </a:p>
+          <a:p>
+            <a:r>
+              <a:rPr lang="en-GB" sz="2400" dirty="0"/>
+              <a:t>This should be entitled “comments_..._</a:t>
+            </a:r>
+            <a:r>
+              <a:rPr lang="en-GB" sz="2400" dirty="0" err="1"/>
+              <a:t>log.R</a:t>
+            </a:r>
+            <a:r>
+              <a:rPr lang="en-GB" sz="2400" dirty="0"/>
+              <a:t>” with the ellipsis replaced by the name of the new log (from logslist in edit_lists.R)</a:t>
+            </a:r>
+          </a:p>
+        </p:txBody>
+      </p:sp>
+      <p:pic>
+        <p:nvPicPr>
+          <p:cNvPr id="16" name="Picture 15">
+            <a:extLst>
+              <a:ext uri="{FF2B5EF4-FFF2-40B4-BE49-F238E27FC236}">
+                <a16:creationId xmlns:a16="http://schemas.microsoft.com/office/drawing/2014/main" id="{F0164340-EEF9-498F-9709-96DE2AF48282}"/>
+              </a:ext>
+            </a:extLst>
+          </p:cNvPr>
+          <p:cNvPicPr>
+            <a:picLocks noChangeAspect="1"/>
+          </p:cNvPicPr>
+          <p:nvPr/>
+        </p:nvPicPr>
+        <p:blipFill>
+          <a:blip r:embed="rId2"/>
+          <a:stretch>
+            <a:fillRect/>
+          </a:stretch>
+        </p:blipFill>
+        <p:spPr>
+          <a:xfrm>
+            <a:off x="2496885" y="3419680"/>
+            <a:ext cx="6725589" cy="1286054"/>
           </a:xfrm>
           <a:prstGeom prst="rect">
             <a:avLst/>
           </a:prstGeom>
-          <a:solidFill>
-            <a:schemeClr val="accent2">
-              <a:lumMod val="60000"/>
-              <a:lumOff val="40000"/>
-            </a:schemeClr>
-          </a:solidFill>
-        </p:spPr>
-        <p:style>
-          <a:lnRef idx="2">
-            <a:schemeClr val="accent1">
-              <a:shade val="50000"/>
-            </a:schemeClr>
-          </a:lnRef>
-          <a:fillRef idx="1">
-            <a:schemeClr val="accent1"/>
-          </a:fillRef>
-          <a:effectRef idx="0">
-            <a:schemeClr val="accent1"/>
-          </a:effectRef>
-          <a:fontRef idx="minor">
-            <a:schemeClr val="lt1"/>
-          </a:fontRef>
-        </p:style>
-        <p:txBody>
-          <a:bodyPr rtlCol="0" anchor="ctr"/>
-          <a:lstStyle/>
-          <a:p>
-            <a:pPr algn="ctr"/>
-            <a:r>
-              <a:rPr lang="en-GB" dirty="0">
-                <a:solidFill>
-                  <a:schemeClr val="tx1"/>
-                </a:solidFill>
-              </a:rPr>
-              <a:t>edit_lists.R</a:t>
-            </a:r>
-          </a:p>
-        </p:txBody>
-      </p:sp>
-      <p:sp>
-        <p:nvSpPr>
-          <p:cNvPr id="16" name="TextBox 15">
-            <a:extLst>
-              <a:ext uri="{FF2B5EF4-FFF2-40B4-BE49-F238E27FC236}">
-                <a16:creationId xmlns:a16="http://schemas.microsoft.com/office/drawing/2014/main" id="{273D8C85-CF04-442B-AEC4-BEBAEFF8045A}"/>
+        </p:spPr>
+      </p:pic>
+      <p:pic>
+        <p:nvPicPr>
+          <p:cNvPr id="17" name="Picture 16">
+            <a:extLst>
+              <a:ext uri="{FF2B5EF4-FFF2-40B4-BE49-F238E27FC236}">
+                <a16:creationId xmlns:a16="http://schemas.microsoft.com/office/drawing/2014/main" id="{E910667B-0A49-40F6-A5CE-73C5F1F98AD2}"/>
+              </a:ext>
+            </a:extLst>
+          </p:cNvPr>
+          <p:cNvPicPr>
+            <a:picLocks noChangeAspect="1"/>
+          </p:cNvPicPr>
+          <p:nvPr/>
+        </p:nvPicPr>
+        <p:blipFill>
+          <a:blip r:embed="rId3"/>
+          <a:stretch>
+            <a:fillRect/>
+          </a:stretch>
+        </p:blipFill>
+        <p:spPr>
+          <a:xfrm>
+            <a:off x="5259521" y="4875910"/>
+            <a:ext cx="3962953" cy="724001"/>
+          </a:xfrm>
+          <a:prstGeom prst="rect">
+            <a:avLst/>
+          </a:prstGeom>
+        </p:spPr>
+      </p:pic>
+      <p:pic>
+        <p:nvPicPr>
+          <p:cNvPr id="18" name="Picture 17">
+            <a:extLst>
+              <a:ext uri="{FF2B5EF4-FFF2-40B4-BE49-F238E27FC236}">
+                <a16:creationId xmlns:a16="http://schemas.microsoft.com/office/drawing/2014/main" id="{E0B1D848-F347-4B6D-9376-4DE4B6395920}"/>
+              </a:ext>
+            </a:extLst>
+          </p:cNvPr>
+          <p:cNvPicPr>
+            <a:picLocks noChangeAspect="1"/>
+          </p:cNvPicPr>
+          <p:nvPr/>
+        </p:nvPicPr>
+        <p:blipFill>
+          <a:blip r:embed="rId4"/>
+          <a:stretch>
+            <a:fillRect/>
+          </a:stretch>
+        </p:blipFill>
+        <p:spPr>
+          <a:xfrm>
+            <a:off x="7747521" y="584388"/>
+            <a:ext cx="4357903" cy="1510228"/>
+          </a:xfrm>
+          <a:prstGeom prst="rect">
+            <a:avLst/>
+          </a:prstGeom>
+        </p:spPr>
+      </p:pic>
+      <p:sp>
+        <p:nvSpPr>
+          <p:cNvPr id="19" name="TextBox 18">
+            <a:extLst>
+              <a:ext uri="{FF2B5EF4-FFF2-40B4-BE49-F238E27FC236}">
+                <a16:creationId xmlns:a16="http://schemas.microsoft.com/office/drawing/2014/main" id="{1EF6EE70-1759-473A-AC01-2661C045FA31}"/>
               </a:ext>
             </a:extLst>
           </p:cNvPr>
@@ -6558,8 +6712,8 @@
         </p:nvSpPr>
         <p:spPr>
           <a:xfrm>
-            <a:off x="5173944" y="2130172"/>
-            <a:ext cx="1095172" cy="369332"/>
+            <a:off x="7372350" y="215056"/>
+            <a:ext cx="1039708" cy="369332"/>
           </a:xfrm>
           <a:prstGeom prst="rect">
             <a:avLst/>
@@ -6574,875 +6728,7 @@
           <a:p>
             <a:r>
               <a:rPr lang="en-GB" dirty="0"/>
-              <a:t>Functions</a:t>
-            </a:r>
-          </a:p>
-        </p:txBody>
-      </p:sp>
-      <p:sp>
-        <p:nvSpPr>
-          <p:cNvPr id="18" name="Rectangle 17">
-            <a:extLst>
-              <a:ext uri="{FF2B5EF4-FFF2-40B4-BE49-F238E27FC236}">
-                <a16:creationId xmlns:a16="http://schemas.microsoft.com/office/drawing/2014/main" id="{8A3D13D4-6658-4157-989C-17DF617C4AEE}"/>
-              </a:ext>
-            </a:extLst>
-          </p:cNvPr>
-          <p:cNvSpPr/>
-          <p:nvPr/>
-        </p:nvSpPr>
-        <p:spPr>
-          <a:xfrm>
-            <a:off x="4869043" y="4425917"/>
-            <a:ext cx="1704975" cy="723900"/>
-          </a:xfrm>
-          <a:prstGeom prst="rect">
-            <a:avLst/>
-          </a:prstGeom>
-          <a:solidFill>
-            <a:schemeClr val="accent6">
-              <a:lumMod val="75000"/>
-            </a:schemeClr>
-          </a:solidFill>
-        </p:spPr>
-        <p:style>
-          <a:lnRef idx="2">
-            <a:schemeClr val="accent1">
-              <a:shade val="50000"/>
-            </a:schemeClr>
-          </a:lnRef>
-          <a:fillRef idx="1">
-            <a:schemeClr val="accent1"/>
-          </a:fillRef>
-          <a:effectRef idx="0">
-            <a:schemeClr val="accent1"/>
-          </a:effectRef>
-          <a:fontRef idx="minor">
-            <a:schemeClr val="lt1"/>
-          </a:fontRef>
-        </p:style>
-        <p:txBody>
-          <a:bodyPr rtlCol="0" anchor="ctr"/>
-          <a:lstStyle/>
-          <a:p>
-            <a:pPr algn="ctr"/>
-            <a:r>
-              <a:rPr lang="en-GB" sz="1400" dirty="0"/>
-              <a:t>functions.R</a:t>
-            </a:r>
-          </a:p>
-        </p:txBody>
-      </p:sp>
-      <p:sp>
-        <p:nvSpPr>
-          <p:cNvPr id="21" name="Rectangle 20">
-            <a:extLst>
-              <a:ext uri="{FF2B5EF4-FFF2-40B4-BE49-F238E27FC236}">
-                <a16:creationId xmlns:a16="http://schemas.microsoft.com/office/drawing/2014/main" id="{F17A4122-2753-42E6-A7D1-571C77F24060}"/>
-              </a:ext>
-            </a:extLst>
-          </p:cNvPr>
-          <p:cNvSpPr/>
-          <p:nvPr/>
-        </p:nvSpPr>
-        <p:spPr>
-          <a:xfrm>
-            <a:off x="2772660" y="4425917"/>
-            <a:ext cx="1704975" cy="723900"/>
-          </a:xfrm>
-          <a:prstGeom prst="rect">
-            <a:avLst/>
-          </a:prstGeom>
-          <a:solidFill>
-            <a:schemeClr val="accent6">
-              <a:lumMod val="75000"/>
-            </a:schemeClr>
-          </a:solidFill>
-        </p:spPr>
-        <p:style>
-          <a:lnRef idx="2">
-            <a:schemeClr val="accent1">
-              <a:shade val="50000"/>
-            </a:schemeClr>
-          </a:lnRef>
-          <a:fillRef idx="1">
-            <a:schemeClr val="accent1"/>
-          </a:fillRef>
-          <a:effectRef idx="0">
-            <a:schemeClr val="accent1"/>
-          </a:effectRef>
-          <a:fontRef idx="minor">
-            <a:schemeClr val="lt1"/>
-          </a:fontRef>
-        </p:style>
-        <p:txBody>
-          <a:bodyPr rtlCol="0" anchor="ctr"/>
-          <a:lstStyle/>
-          <a:p>
-            <a:pPr algn="ctr"/>
-            <a:r>
-              <a:rPr lang="en-GB" sz="1400" dirty="0"/>
-              <a:t>home_ui.R</a:t>
-            </a:r>
-          </a:p>
-        </p:txBody>
-      </p:sp>
-      <p:sp>
-        <p:nvSpPr>
-          <p:cNvPr id="22" name="Rectangle 21">
-            <a:extLst>
-              <a:ext uri="{FF2B5EF4-FFF2-40B4-BE49-F238E27FC236}">
-                <a16:creationId xmlns:a16="http://schemas.microsoft.com/office/drawing/2014/main" id="{1ECCB9FF-A6AF-4905-A0B1-EB9020DD6C59}"/>
-              </a:ext>
-            </a:extLst>
-          </p:cNvPr>
-          <p:cNvSpPr/>
-          <p:nvPr/>
-        </p:nvSpPr>
-        <p:spPr>
-          <a:xfrm>
-            <a:off x="2772660" y="3519897"/>
-            <a:ext cx="1704975" cy="723900"/>
-          </a:xfrm>
-          <a:prstGeom prst="rect">
-            <a:avLst/>
-          </a:prstGeom>
-          <a:solidFill>
-            <a:schemeClr val="accent6">
-              <a:lumMod val="75000"/>
-            </a:schemeClr>
-          </a:solidFill>
-        </p:spPr>
-        <p:style>
-          <a:lnRef idx="2">
-            <a:schemeClr val="accent1">
-              <a:shade val="50000"/>
-            </a:schemeClr>
-          </a:lnRef>
-          <a:fillRef idx="1">
-            <a:schemeClr val="accent1"/>
-          </a:fillRef>
-          <a:effectRef idx="0">
-            <a:schemeClr val="accent1"/>
-          </a:effectRef>
-          <a:fontRef idx="minor">
-            <a:schemeClr val="lt1"/>
-          </a:fontRef>
-        </p:style>
-        <p:txBody>
-          <a:bodyPr rtlCol="0" anchor="ctr"/>
-          <a:lstStyle/>
-          <a:p>
-            <a:pPr algn="ctr"/>
-            <a:r>
-              <a:rPr lang="en-GB" sz="1400" dirty="0"/>
-              <a:t>main_ui.R</a:t>
-            </a:r>
-          </a:p>
-        </p:txBody>
-      </p:sp>
-      <p:sp>
-        <p:nvSpPr>
-          <p:cNvPr id="26" name="TextBox 25">
-            <a:extLst>
-              <a:ext uri="{FF2B5EF4-FFF2-40B4-BE49-F238E27FC236}">
-                <a16:creationId xmlns:a16="http://schemas.microsoft.com/office/drawing/2014/main" id="{524EF733-917E-4D85-BE4D-E004E6FF8E4A}"/>
-              </a:ext>
-            </a:extLst>
-          </p:cNvPr>
-          <p:cNvSpPr txBox="1"/>
-          <p:nvPr/>
-        </p:nvSpPr>
-        <p:spPr>
-          <a:xfrm>
-            <a:off x="3430222" y="3043216"/>
-            <a:ext cx="389850" cy="369332"/>
-          </a:xfrm>
-          <a:prstGeom prst="rect">
-            <a:avLst/>
-          </a:prstGeom>
-          <a:noFill/>
-        </p:spPr>
-        <p:txBody>
-          <a:bodyPr wrap="none" rtlCol="0">
-            <a:spAutoFit/>
-          </a:bodyPr>
-          <a:lstStyle/>
-          <a:p>
-            <a:r>
-              <a:rPr lang="en-GB" dirty="0"/>
-              <a:t>UI</a:t>
-            </a:r>
-          </a:p>
-        </p:txBody>
-      </p:sp>
-      <p:cxnSp>
-        <p:nvCxnSpPr>
-          <p:cNvPr id="27" name="Straight Arrow Connector 26">
-            <a:extLst>
-              <a:ext uri="{FF2B5EF4-FFF2-40B4-BE49-F238E27FC236}">
-                <a16:creationId xmlns:a16="http://schemas.microsoft.com/office/drawing/2014/main" id="{92FD7DC9-276D-4F6F-B25D-5B05920F009C}"/>
-              </a:ext>
-            </a:extLst>
-          </p:cNvPr>
-          <p:cNvCxnSpPr>
-            <a:cxnSpLocks/>
-          </p:cNvCxnSpPr>
-          <p:nvPr/>
-        </p:nvCxnSpPr>
-        <p:spPr>
-          <a:xfrm>
-            <a:off x="7852749" y="3053144"/>
-            <a:ext cx="0" cy="1731134"/>
-          </a:xfrm>
-          <a:prstGeom prst="straightConnector1">
-            <a:avLst/>
-          </a:prstGeom>
-          <a:ln w="38100">
-            <a:tailEnd type="triangle"/>
-          </a:ln>
-        </p:spPr>
-        <p:style>
-          <a:lnRef idx="1">
-            <a:schemeClr val="accent1"/>
-          </a:lnRef>
-          <a:fillRef idx="0">
-            <a:schemeClr val="accent1"/>
-          </a:fillRef>
-          <a:effectRef idx="0">
-            <a:schemeClr val="accent1"/>
-          </a:effectRef>
-          <a:fontRef idx="minor">
-            <a:schemeClr val="tx1"/>
-          </a:fontRef>
-        </p:style>
-      </p:cxnSp>
-      <p:sp>
-        <p:nvSpPr>
-          <p:cNvPr id="28" name="Rectangle 27">
-            <a:extLst>
-              <a:ext uri="{FF2B5EF4-FFF2-40B4-BE49-F238E27FC236}">
-                <a16:creationId xmlns:a16="http://schemas.microsoft.com/office/drawing/2014/main" id="{76B6FC6D-7D55-4D85-9AC4-397EA670843E}"/>
-              </a:ext>
-            </a:extLst>
-          </p:cNvPr>
-          <p:cNvSpPr/>
-          <p:nvPr/>
-        </p:nvSpPr>
-        <p:spPr>
-          <a:xfrm>
-            <a:off x="7000262" y="3519897"/>
-            <a:ext cx="1704975" cy="723900"/>
-          </a:xfrm>
-          <a:prstGeom prst="rect">
-            <a:avLst/>
-          </a:prstGeom>
-          <a:solidFill>
-            <a:schemeClr val="accent6">
-              <a:lumMod val="75000"/>
-            </a:schemeClr>
-          </a:solidFill>
-        </p:spPr>
-        <p:style>
-          <a:lnRef idx="2">
-            <a:schemeClr val="accent1">
-              <a:shade val="50000"/>
-            </a:schemeClr>
-          </a:lnRef>
-          <a:fillRef idx="1">
-            <a:schemeClr val="accent1"/>
-          </a:fillRef>
-          <a:effectRef idx="0">
-            <a:schemeClr val="accent1"/>
-          </a:effectRef>
-          <a:fontRef idx="minor">
-            <a:schemeClr val="lt1"/>
-          </a:fontRef>
-        </p:style>
-        <p:txBody>
-          <a:bodyPr rtlCol="0" anchor="ctr"/>
-          <a:lstStyle/>
-          <a:p>
-            <a:pPr algn="ctr"/>
-            <a:r>
-              <a:rPr lang="en-GB" sz="1400" dirty="0"/>
-              <a:t>home_server.R</a:t>
-            </a:r>
-          </a:p>
-        </p:txBody>
-      </p:sp>
-      <p:sp>
-        <p:nvSpPr>
-          <p:cNvPr id="29" name="Rectangle 28">
-            <a:extLst>
-              <a:ext uri="{FF2B5EF4-FFF2-40B4-BE49-F238E27FC236}">
-                <a16:creationId xmlns:a16="http://schemas.microsoft.com/office/drawing/2014/main" id="{DD075850-420B-4257-B32E-C07A2C77C492}"/>
-              </a:ext>
-            </a:extLst>
-          </p:cNvPr>
-          <p:cNvSpPr/>
-          <p:nvPr/>
-        </p:nvSpPr>
-        <p:spPr>
-          <a:xfrm>
-            <a:off x="7000262" y="2613877"/>
-            <a:ext cx="1704975" cy="723900"/>
-          </a:xfrm>
-          <a:prstGeom prst="rect">
-            <a:avLst/>
-          </a:prstGeom>
-          <a:solidFill>
-            <a:schemeClr val="accent6">
-              <a:lumMod val="75000"/>
-            </a:schemeClr>
-          </a:solidFill>
-        </p:spPr>
-        <p:style>
-          <a:lnRef idx="2">
-            <a:schemeClr val="accent1">
-              <a:shade val="50000"/>
-            </a:schemeClr>
-          </a:lnRef>
-          <a:fillRef idx="1">
-            <a:schemeClr val="accent1"/>
-          </a:fillRef>
-          <a:effectRef idx="0">
-            <a:schemeClr val="accent1"/>
-          </a:effectRef>
-          <a:fontRef idx="minor">
-            <a:schemeClr val="lt1"/>
-          </a:fontRef>
-        </p:style>
-        <p:txBody>
-          <a:bodyPr rtlCol="0" anchor="ctr"/>
-          <a:lstStyle/>
-          <a:p>
-            <a:pPr algn="ctr"/>
-            <a:r>
-              <a:rPr lang="en-GB" sz="1400" dirty="0"/>
-              <a:t>main_server.R</a:t>
-            </a:r>
-          </a:p>
-        </p:txBody>
-      </p:sp>
-      <p:sp>
-        <p:nvSpPr>
-          <p:cNvPr id="30" name="TextBox 29">
-            <a:extLst>
-              <a:ext uri="{FF2B5EF4-FFF2-40B4-BE49-F238E27FC236}">
-                <a16:creationId xmlns:a16="http://schemas.microsoft.com/office/drawing/2014/main" id="{F2323DFB-7EC5-44CC-BDB9-00156F80D6F5}"/>
-              </a:ext>
-            </a:extLst>
-          </p:cNvPr>
-          <p:cNvSpPr txBox="1"/>
-          <p:nvPr/>
-        </p:nvSpPr>
-        <p:spPr>
-          <a:xfrm>
-            <a:off x="7412640" y="1876404"/>
-            <a:ext cx="987643" cy="461665"/>
-          </a:xfrm>
-          <a:prstGeom prst="rect">
-            <a:avLst/>
-          </a:prstGeom>
-          <a:noFill/>
-        </p:spPr>
-        <p:txBody>
-          <a:bodyPr wrap="none" rtlCol="0">
-            <a:spAutoFit/>
-          </a:bodyPr>
-          <a:lstStyle/>
-          <a:p>
-            <a:r>
-              <a:rPr lang="en-GB" sz="2400" dirty="0"/>
-              <a:t>Server</a:t>
-            </a:r>
-          </a:p>
-        </p:txBody>
-      </p:sp>
-      <p:sp>
-        <p:nvSpPr>
-          <p:cNvPr id="31" name="Rectangle 30">
-            <a:extLst>
-              <a:ext uri="{FF2B5EF4-FFF2-40B4-BE49-F238E27FC236}">
-                <a16:creationId xmlns:a16="http://schemas.microsoft.com/office/drawing/2014/main" id="{BC564DAE-6B37-4186-B97F-B592BA108E07}"/>
-              </a:ext>
-            </a:extLst>
-          </p:cNvPr>
-          <p:cNvSpPr/>
-          <p:nvPr/>
-        </p:nvSpPr>
-        <p:spPr>
-          <a:xfrm>
-            <a:off x="7000261" y="4425917"/>
-            <a:ext cx="1704975" cy="723900"/>
-          </a:xfrm>
-          <a:prstGeom prst="rect">
-            <a:avLst/>
-          </a:prstGeom>
-          <a:solidFill>
-            <a:schemeClr val="accent2">
-              <a:lumMod val="60000"/>
-              <a:lumOff val="40000"/>
-            </a:schemeClr>
-          </a:solidFill>
-        </p:spPr>
-        <p:style>
-          <a:lnRef idx="2">
-            <a:schemeClr val="accent1">
-              <a:shade val="50000"/>
-            </a:schemeClr>
-          </a:lnRef>
-          <a:fillRef idx="1">
-            <a:schemeClr val="accent1"/>
-          </a:fillRef>
-          <a:effectRef idx="0">
-            <a:schemeClr val="accent1"/>
-          </a:effectRef>
-          <a:fontRef idx="minor">
-            <a:schemeClr val="lt1"/>
-          </a:fontRef>
-        </p:style>
-        <p:txBody>
-          <a:bodyPr rtlCol="0" anchor="ctr"/>
-          <a:lstStyle/>
-          <a:p>
-            <a:pPr algn="ctr"/>
-            <a:r>
-              <a:rPr lang="en-GB" sz="1400" dirty="0">
-                <a:solidFill>
-                  <a:schemeClr val="tx1"/>
-                </a:solidFill>
-              </a:rPr>
-              <a:t>tooltips.R</a:t>
-            </a:r>
-          </a:p>
-        </p:txBody>
-      </p:sp>
-      <p:cxnSp>
-        <p:nvCxnSpPr>
-          <p:cNvPr id="36" name="Straight Arrow Connector 35">
-            <a:extLst>
-              <a:ext uri="{FF2B5EF4-FFF2-40B4-BE49-F238E27FC236}">
-                <a16:creationId xmlns:a16="http://schemas.microsoft.com/office/drawing/2014/main" id="{4AB15DE9-844B-4FC9-81CF-013A8BDE7A10}"/>
-              </a:ext>
-            </a:extLst>
-          </p:cNvPr>
-          <p:cNvCxnSpPr>
-            <a:cxnSpLocks/>
-          </p:cNvCxnSpPr>
-          <p:nvPr/>
-        </p:nvCxnSpPr>
-        <p:spPr>
-          <a:xfrm>
-            <a:off x="9860073" y="2137196"/>
-            <a:ext cx="2" cy="2689694"/>
-          </a:xfrm>
-          <a:prstGeom prst="straightConnector1">
-            <a:avLst/>
-          </a:prstGeom>
-          <a:ln w="38100">
-            <a:tailEnd type="triangle"/>
-          </a:ln>
-        </p:spPr>
-        <p:style>
-          <a:lnRef idx="1">
-            <a:schemeClr val="accent1"/>
-          </a:lnRef>
-          <a:fillRef idx="0">
-            <a:schemeClr val="accent1"/>
-          </a:fillRef>
-          <a:effectRef idx="0">
-            <a:schemeClr val="accent1"/>
-          </a:effectRef>
-          <a:fontRef idx="minor">
-            <a:schemeClr val="tx1"/>
-          </a:fontRef>
-        </p:style>
-      </p:cxnSp>
-      <p:sp>
-        <p:nvSpPr>
-          <p:cNvPr id="37" name="Rectangle 36">
-            <a:extLst>
-              <a:ext uri="{FF2B5EF4-FFF2-40B4-BE49-F238E27FC236}">
-                <a16:creationId xmlns:a16="http://schemas.microsoft.com/office/drawing/2014/main" id="{AAB5FAA4-0431-4149-B5ED-520D0DEEE620}"/>
-              </a:ext>
-            </a:extLst>
-          </p:cNvPr>
-          <p:cNvSpPr/>
-          <p:nvPr/>
-        </p:nvSpPr>
-        <p:spPr>
-          <a:xfrm>
-            <a:off x="9007588" y="3516308"/>
-            <a:ext cx="1704975" cy="723900"/>
-          </a:xfrm>
-          <a:prstGeom prst="rect">
-            <a:avLst/>
-          </a:prstGeom>
-          <a:solidFill>
-            <a:schemeClr val="accent2">
-              <a:lumMod val="60000"/>
-              <a:lumOff val="40000"/>
-            </a:schemeClr>
-          </a:solidFill>
-        </p:spPr>
-        <p:style>
-          <a:lnRef idx="2">
-            <a:schemeClr val="accent1">
-              <a:shade val="50000"/>
-            </a:schemeClr>
-          </a:lnRef>
-          <a:fillRef idx="1">
-            <a:schemeClr val="accent1"/>
-          </a:fillRef>
-          <a:effectRef idx="0">
-            <a:schemeClr val="accent1"/>
-          </a:effectRef>
-          <a:fontRef idx="minor">
-            <a:schemeClr val="lt1"/>
-          </a:fontRef>
-        </p:style>
-        <p:txBody>
-          <a:bodyPr rtlCol="0" anchor="ctr"/>
-          <a:lstStyle/>
-          <a:p>
-            <a:pPr algn="ctr"/>
-            <a:r>
-              <a:rPr lang="en-GB" sz="1000" dirty="0">
-                <a:solidFill>
-                  <a:schemeClr val="tx1"/>
-                </a:solidFill>
-              </a:rPr>
-              <a:t>comments_dashboard_log.R</a:t>
-            </a:r>
-          </a:p>
-        </p:txBody>
-      </p:sp>
-      <p:sp>
-        <p:nvSpPr>
-          <p:cNvPr id="38" name="Rectangle 37">
-            <a:extLst>
-              <a:ext uri="{FF2B5EF4-FFF2-40B4-BE49-F238E27FC236}">
-                <a16:creationId xmlns:a16="http://schemas.microsoft.com/office/drawing/2014/main" id="{13156197-5B49-4E01-A684-DBD358A3DF8B}"/>
-              </a:ext>
-            </a:extLst>
-          </p:cNvPr>
-          <p:cNvSpPr/>
-          <p:nvPr/>
-        </p:nvSpPr>
-        <p:spPr>
-          <a:xfrm>
-            <a:off x="9007588" y="2610288"/>
-            <a:ext cx="1704975" cy="723900"/>
-          </a:xfrm>
-          <a:prstGeom prst="rect">
-            <a:avLst/>
-          </a:prstGeom>
-          <a:solidFill>
-            <a:schemeClr val="accent2">
-              <a:lumMod val="60000"/>
-              <a:lumOff val="40000"/>
-            </a:schemeClr>
-          </a:solidFill>
-        </p:spPr>
-        <p:style>
-          <a:lnRef idx="2">
-            <a:schemeClr val="accent1">
-              <a:shade val="50000"/>
-            </a:schemeClr>
-          </a:lnRef>
-          <a:fillRef idx="1">
-            <a:schemeClr val="accent1"/>
-          </a:fillRef>
-          <a:effectRef idx="0">
-            <a:schemeClr val="accent1"/>
-          </a:effectRef>
-          <a:fontRef idx="minor">
-            <a:schemeClr val="lt1"/>
-          </a:fontRef>
-        </p:style>
-        <p:txBody>
-          <a:bodyPr rtlCol="0" anchor="ctr"/>
-          <a:lstStyle/>
-          <a:p>
-            <a:pPr algn="ctr"/>
-            <a:r>
-              <a:rPr lang="en-GB" sz="1100" dirty="0">
-                <a:solidFill>
-                  <a:schemeClr val="tx1"/>
-                </a:solidFill>
-              </a:rPr>
-              <a:t>comments_analysis_log.R</a:t>
-            </a:r>
-          </a:p>
-        </p:txBody>
-      </p:sp>
-      <p:sp>
-        <p:nvSpPr>
-          <p:cNvPr id="39" name="Rectangle 38">
-            <a:extLst>
-              <a:ext uri="{FF2B5EF4-FFF2-40B4-BE49-F238E27FC236}">
-                <a16:creationId xmlns:a16="http://schemas.microsoft.com/office/drawing/2014/main" id="{81340333-C09A-4746-BE14-61D3489D9415}"/>
-              </a:ext>
-            </a:extLst>
-          </p:cNvPr>
-          <p:cNvSpPr/>
-          <p:nvPr/>
-        </p:nvSpPr>
-        <p:spPr>
-          <a:xfrm>
-            <a:off x="9007587" y="4422328"/>
-            <a:ext cx="1704975" cy="723900"/>
-          </a:xfrm>
-          <a:prstGeom prst="rect">
-            <a:avLst/>
-          </a:prstGeom>
-          <a:solidFill>
-            <a:schemeClr val="accent2">
-              <a:lumMod val="60000"/>
-              <a:lumOff val="40000"/>
-            </a:schemeClr>
-          </a:solidFill>
-        </p:spPr>
-        <p:style>
-          <a:lnRef idx="2">
-            <a:schemeClr val="accent1">
-              <a:shade val="50000"/>
-            </a:schemeClr>
-          </a:lnRef>
-          <a:fillRef idx="1">
-            <a:schemeClr val="accent1"/>
-          </a:fillRef>
-          <a:effectRef idx="0">
-            <a:schemeClr val="accent1"/>
-          </a:effectRef>
-          <a:fontRef idx="minor">
-            <a:schemeClr val="lt1"/>
-          </a:fontRef>
-        </p:style>
-        <p:txBody>
-          <a:bodyPr rtlCol="0" anchor="ctr"/>
-          <a:lstStyle/>
-          <a:p>
-            <a:pPr algn="ctr"/>
-            <a:r>
-              <a:rPr lang="en-GB" sz="1100" dirty="0">
-                <a:solidFill>
-                  <a:schemeClr val="tx1"/>
-                </a:solidFill>
-              </a:rPr>
-              <a:t>comments_statistics_log.R</a:t>
-            </a:r>
-          </a:p>
-        </p:txBody>
-      </p:sp>
-      <p:sp>
-        <p:nvSpPr>
-          <p:cNvPr id="40" name="Rectangle 39">
-            <a:extLst>
-              <a:ext uri="{FF2B5EF4-FFF2-40B4-BE49-F238E27FC236}">
-                <a16:creationId xmlns:a16="http://schemas.microsoft.com/office/drawing/2014/main" id="{DE032E4C-BF08-46A0-81CA-DC0A0EE49347}"/>
-              </a:ext>
-            </a:extLst>
-          </p:cNvPr>
-          <p:cNvSpPr/>
-          <p:nvPr/>
-        </p:nvSpPr>
-        <p:spPr>
-          <a:xfrm>
-            <a:off x="9007586" y="1741614"/>
-            <a:ext cx="1704975" cy="723900"/>
-          </a:xfrm>
-          <a:prstGeom prst="rect">
-            <a:avLst/>
-          </a:prstGeom>
-          <a:solidFill>
-            <a:schemeClr val="accent2">
-              <a:lumMod val="60000"/>
-              <a:lumOff val="40000"/>
-            </a:schemeClr>
-          </a:solidFill>
-        </p:spPr>
-        <p:style>
-          <a:lnRef idx="2">
-            <a:schemeClr val="accent1">
-              <a:shade val="50000"/>
-            </a:schemeClr>
-          </a:lnRef>
-          <a:fillRef idx="1">
-            <a:schemeClr val="accent1"/>
-          </a:fillRef>
-          <a:effectRef idx="0">
-            <a:schemeClr val="accent1"/>
-          </a:effectRef>
-          <a:fontRef idx="minor">
-            <a:schemeClr val="lt1"/>
-          </a:fontRef>
-        </p:style>
-        <p:txBody>
-          <a:bodyPr rtlCol="0" anchor="ctr"/>
-          <a:lstStyle/>
-          <a:p>
-            <a:pPr algn="ctr"/>
-            <a:r>
-              <a:rPr lang="en-GB" sz="1050" dirty="0">
-                <a:solidFill>
-                  <a:schemeClr val="tx1"/>
-                </a:solidFill>
-              </a:rPr>
-              <a:t>comments_modelling_log.R</a:t>
-            </a:r>
-          </a:p>
-        </p:txBody>
-      </p:sp>
-      <p:sp>
-        <p:nvSpPr>
-          <p:cNvPr id="53" name="TextBox 52">
-            <a:extLst>
-              <a:ext uri="{FF2B5EF4-FFF2-40B4-BE49-F238E27FC236}">
-                <a16:creationId xmlns:a16="http://schemas.microsoft.com/office/drawing/2014/main" id="{EC8B331F-AFFC-41B7-9D24-6670C3B6C485}"/>
-              </a:ext>
-            </a:extLst>
-          </p:cNvPr>
-          <p:cNvSpPr txBox="1"/>
-          <p:nvPr/>
-        </p:nvSpPr>
-        <p:spPr>
-          <a:xfrm>
-            <a:off x="182880" y="2090685"/>
-            <a:ext cx="581378" cy="646331"/>
-          </a:xfrm>
-          <a:prstGeom prst="rect">
-            <a:avLst/>
-          </a:prstGeom>
-          <a:noFill/>
-        </p:spPr>
-        <p:txBody>
-          <a:bodyPr wrap="none" rtlCol="0">
-            <a:spAutoFit/>
-          </a:bodyPr>
-          <a:lstStyle/>
-          <a:p>
-            <a:r>
-              <a:rPr lang="en-GB" dirty="0"/>
-              <a:t>Key:</a:t>
-            </a:r>
-          </a:p>
-          <a:p>
-            <a:endParaRPr lang="en-GB" dirty="0"/>
-          </a:p>
-        </p:txBody>
-      </p:sp>
-      <p:sp>
-        <p:nvSpPr>
-          <p:cNvPr id="54" name="Rectangle 53">
-            <a:extLst>
-              <a:ext uri="{FF2B5EF4-FFF2-40B4-BE49-F238E27FC236}">
-                <a16:creationId xmlns:a16="http://schemas.microsoft.com/office/drawing/2014/main" id="{5279537E-F463-4A8D-9F13-7A8C184D1C98}"/>
-              </a:ext>
-            </a:extLst>
-          </p:cNvPr>
-          <p:cNvSpPr/>
-          <p:nvPr/>
-        </p:nvSpPr>
-        <p:spPr>
-          <a:xfrm>
-            <a:off x="278716" y="3008423"/>
-            <a:ext cx="1704975" cy="473620"/>
-          </a:xfrm>
-          <a:prstGeom prst="rect">
-            <a:avLst/>
-          </a:prstGeom>
-          <a:solidFill>
-            <a:schemeClr val="accent6">
-              <a:lumMod val="75000"/>
-            </a:schemeClr>
-          </a:solidFill>
-        </p:spPr>
-        <p:style>
-          <a:lnRef idx="2">
-            <a:schemeClr val="accent1">
-              <a:shade val="50000"/>
-            </a:schemeClr>
-          </a:lnRef>
-          <a:fillRef idx="1">
-            <a:schemeClr val="accent1"/>
-          </a:fillRef>
-          <a:effectRef idx="0">
-            <a:schemeClr val="accent1"/>
-          </a:effectRef>
-          <a:fontRef idx="minor">
-            <a:schemeClr val="lt1"/>
-          </a:fontRef>
-        </p:style>
-        <p:txBody>
-          <a:bodyPr rtlCol="0" anchor="ctr"/>
-          <a:lstStyle/>
-          <a:p>
-            <a:pPr algn="ctr"/>
-            <a:r>
-              <a:rPr lang="en-GB" sz="1400" dirty="0"/>
-              <a:t>Shouldn’t be edited</a:t>
-            </a:r>
-          </a:p>
-        </p:txBody>
-      </p:sp>
-      <p:sp>
-        <p:nvSpPr>
-          <p:cNvPr id="55" name="Rectangle 54">
-            <a:extLst>
-              <a:ext uri="{FF2B5EF4-FFF2-40B4-BE49-F238E27FC236}">
-                <a16:creationId xmlns:a16="http://schemas.microsoft.com/office/drawing/2014/main" id="{82F7FFA3-343E-4649-BD6F-25036DCC79EE}"/>
-              </a:ext>
-            </a:extLst>
-          </p:cNvPr>
-          <p:cNvSpPr/>
-          <p:nvPr/>
-        </p:nvSpPr>
-        <p:spPr>
-          <a:xfrm>
-            <a:off x="279581" y="2465514"/>
-            <a:ext cx="1704975" cy="473414"/>
-          </a:xfrm>
-          <a:prstGeom prst="rect">
-            <a:avLst/>
-          </a:prstGeom>
-          <a:solidFill>
-            <a:schemeClr val="accent2">
-              <a:lumMod val="60000"/>
-              <a:lumOff val="40000"/>
-            </a:schemeClr>
-          </a:solidFill>
-        </p:spPr>
-        <p:style>
-          <a:lnRef idx="2">
-            <a:schemeClr val="accent1">
-              <a:shade val="50000"/>
-            </a:schemeClr>
-          </a:lnRef>
-          <a:fillRef idx="1">
-            <a:schemeClr val="accent1"/>
-          </a:fillRef>
-          <a:effectRef idx="0">
-            <a:schemeClr val="accent1"/>
-          </a:effectRef>
-          <a:fontRef idx="minor">
-            <a:schemeClr val="lt1"/>
-          </a:fontRef>
-        </p:style>
-        <p:txBody>
-          <a:bodyPr rtlCol="0" anchor="ctr"/>
-          <a:lstStyle/>
-          <a:p>
-            <a:pPr algn="ctr"/>
-            <a:r>
-              <a:rPr lang="en-GB" sz="1400" dirty="0">
-                <a:solidFill>
-                  <a:schemeClr val="tx1"/>
-                </a:solidFill>
-              </a:rPr>
-              <a:t>Can be edited to add new checks</a:t>
+              <a:t>Example:</a:t>
             </a:r>
           </a:p>
         </p:txBody>
@@ -7450,7 +6736,7 @@
     </p:spTree>
     <p:extLst>
       <p:ext uri="{BB962C8B-B14F-4D97-AF65-F5344CB8AC3E}">
-        <p14:creationId xmlns:p14="http://schemas.microsoft.com/office/powerpoint/2010/main" val="628519272"/>
+        <p14:creationId xmlns:p14="http://schemas.microsoft.com/office/powerpoint/2010/main" val="741875898"/>
       </p:ext>
     </p:extLst>
   </p:cSld>
@@ -7460,7 +6746,7 @@
 </p:sld>
 </file>
 
-<file path=ppt/slides/slide3.xml><?xml version="1.0" encoding="utf-8"?>
+<file path=ppt/slides/slide12.xml><?xml version="1.0" encoding="utf-8"?>
 <p:sld xmlns:a="http://schemas.openxmlformats.org/drawingml/2006/main" xmlns:r="http://schemas.openxmlformats.org/officeDocument/2006/relationships" xmlns:p="http://schemas.openxmlformats.org/presentationml/2006/main">
   <p:cSld>
     <p:spTree>
@@ -7482,7 +6768,7 @@
           <p:cNvPr id="2" name="Title 1">
             <a:extLst>
               <a:ext uri="{FF2B5EF4-FFF2-40B4-BE49-F238E27FC236}">
-                <a16:creationId xmlns:a16="http://schemas.microsoft.com/office/drawing/2014/main" id="{298BF65D-E790-44B4-9563-4762647C61CF}"/>
+                <a16:creationId xmlns:a16="http://schemas.microsoft.com/office/drawing/2014/main" id="{007F439E-F0F8-4308-A4D4-512653E39B6C}"/>
               </a:ext>
             </a:extLst>
           </p:cNvPr>
@@ -7500,7 +6786,7 @@
           <a:p>
             <a:r>
               <a:rPr lang="en-GB" dirty="0"/>
-              <a:t>How to add a new check</a:t>
+              <a:t>How to add a new log (5/5)</a:t>
             </a:r>
           </a:p>
         </p:txBody>
@@ -7510,7 +6796,7 @@
           <p:cNvPr id="3" name="Content Placeholder 2">
             <a:extLst>
               <a:ext uri="{FF2B5EF4-FFF2-40B4-BE49-F238E27FC236}">
-                <a16:creationId xmlns:a16="http://schemas.microsoft.com/office/drawing/2014/main" id="{D0174BC5-A07C-4717-8321-5CD37C6704A2}"/>
+                <a16:creationId xmlns:a16="http://schemas.microsoft.com/office/drawing/2014/main" id="{3CA931FD-0505-492D-8C4A-E4164968E9F5}"/>
               </a:ext>
             </a:extLst>
           </p:cNvPr>
@@ -7521,19 +6807,307 @@
             <p:ph idx="1"/>
           </p:nvPr>
         </p:nvSpPr>
-        <p:spPr/>
-        <p:txBody>
-          <a:bodyPr/>
-          <a:lstStyle/>
-          <a:p>
-            <a:endParaRPr lang="en-GB"/>
+        <p:spPr>
+          <a:xfrm>
+            <a:off x="838200" y="3062242"/>
+            <a:ext cx="10515600" cy="4351338"/>
+          </a:xfrm>
+        </p:spPr>
+        <p:txBody>
+          <a:bodyPr>
+            <a:normAutofit/>
+          </a:bodyPr>
+          <a:lstStyle/>
+          <a:p>
+            <a:r>
+              <a:rPr lang="en-GB" sz="2400" dirty="0"/>
+              <a:t>You now need to input tooltips for each check following this format:</a:t>
+            </a:r>
+          </a:p>
+          <a:p>
+            <a:endParaRPr lang="en-GB" dirty="0"/>
+          </a:p>
+          <a:p>
+            <a:r>
+              <a:rPr lang="en-GB" sz="1600" dirty="0"/>
+              <a:t>The entire code must be written on one line (since R doesn’t seem to like putting things over multiple lines)</a:t>
+            </a:r>
+          </a:p>
+          <a:p>
+            <a:r>
+              <a:rPr lang="en-GB" sz="1600" dirty="0"/>
+              <a:t>When displaying the code, to skip lines between scores, simply put &lt;</a:t>
+            </a:r>
+            <a:r>
+              <a:rPr lang="en-GB" sz="1600" dirty="0" err="1"/>
+              <a:t>br</a:t>
+            </a:r>
+            <a:r>
+              <a:rPr lang="en-GB" sz="1600" dirty="0"/>
+              <a:t>&gt; &lt;</a:t>
+            </a:r>
+            <a:r>
+              <a:rPr lang="en-GB" sz="1600" dirty="0" err="1"/>
+              <a:t>br</a:t>
+            </a:r>
+            <a:r>
+              <a:rPr lang="en-GB" sz="1600" dirty="0"/>
+              <a:t>&gt;</a:t>
+            </a:r>
+          </a:p>
+          <a:p>
+            <a:endParaRPr lang="en-GB" dirty="0"/>
+          </a:p>
+          <a:p>
+            <a:r>
+              <a:rPr lang="en-GB" sz="1800" dirty="0"/>
+              <a:t>If the check is not required, then put this:</a:t>
+            </a:r>
+          </a:p>
+        </p:txBody>
+      </p:sp>
+      <p:sp>
+        <p:nvSpPr>
+          <p:cNvPr id="8" name="TextBox 7">
+            <a:extLst>
+              <a:ext uri="{FF2B5EF4-FFF2-40B4-BE49-F238E27FC236}">
+                <a16:creationId xmlns:a16="http://schemas.microsoft.com/office/drawing/2014/main" id="{E99ED066-FEE3-49B9-8244-8C08E7FB73E0}"/>
+              </a:ext>
+            </a:extLst>
+          </p:cNvPr>
+          <p:cNvSpPr txBox="1"/>
+          <p:nvPr/>
+        </p:nvSpPr>
+        <p:spPr>
+          <a:xfrm>
+            <a:off x="1092136" y="5631471"/>
+            <a:ext cx="4581669" cy="523220"/>
+          </a:xfrm>
+          <a:prstGeom prst="rect">
+            <a:avLst/>
+          </a:prstGeom>
+          <a:noFill/>
+        </p:spPr>
+        <p:txBody>
+          <a:bodyPr wrap="square" rtlCol="0">
+            <a:spAutoFit/>
+          </a:bodyPr>
+          <a:lstStyle/>
+          <a:p>
+            <a:r>
+              <a:rPr lang="en-GB" sz="1400" i="1" dirty="0"/>
+              <a:t>(it is important that all of these objects are defined, regardless of if check is required or not)</a:t>
+            </a:r>
+          </a:p>
+        </p:txBody>
+      </p:sp>
+      <p:pic>
+        <p:nvPicPr>
+          <p:cNvPr id="10" name="Picture 9">
+            <a:extLst>
+              <a:ext uri="{FF2B5EF4-FFF2-40B4-BE49-F238E27FC236}">
+                <a16:creationId xmlns:a16="http://schemas.microsoft.com/office/drawing/2014/main" id="{61A64C7F-DFF3-47FA-B778-1F28918B51A3}"/>
+              </a:ext>
+            </a:extLst>
+          </p:cNvPr>
+          <p:cNvPicPr>
+            <a:picLocks noChangeAspect="1"/>
+          </p:cNvPicPr>
+          <p:nvPr/>
+        </p:nvPicPr>
+        <p:blipFill>
+          <a:blip r:embed="rId2"/>
+          <a:stretch>
+            <a:fillRect/>
+          </a:stretch>
+        </p:blipFill>
+        <p:spPr>
+          <a:xfrm>
+            <a:off x="2226086" y="3496399"/>
+            <a:ext cx="8030696" cy="504895"/>
+          </a:xfrm>
+          <a:prstGeom prst="rect">
+            <a:avLst/>
+          </a:prstGeom>
+        </p:spPr>
+      </p:pic>
+      <p:pic>
+        <p:nvPicPr>
+          <p:cNvPr id="11" name="Picture 10">
+            <a:extLst>
+              <a:ext uri="{FF2B5EF4-FFF2-40B4-BE49-F238E27FC236}">
+                <a16:creationId xmlns:a16="http://schemas.microsoft.com/office/drawing/2014/main" id="{F62287E4-1CC4-4912-81FF-678674937B18}"/>
+              </a:ext>
+            </a:extLst>
+          </p:cNvPr>
+          <p:cNvPicPr>
+            <a:picLocks noChangeAspect="1"/>
+          </p:cNvPicPr>
+          <p:nvPr/>
+        </p:nvPicPr>
+        <p:blipFill rotWithShape="1">
+          <a:blip r:embed="rId3"/>
+          <a:srcRect t="19360"/>
+          <a:stretch/>
+        </p:blipFill>
+        <p:spPr>
+          <a:xfrm>
+            <a:off x="7623790" y="4316005"/>
+            <a:ext cx="4039164" cy="476284"/>
+          </a:xfrm>
+          <a:prstGeom prst="rect">
+            <a:avLst/>
+          </a:prstGeom>
+        </p:spPr>
+      </p:pic>
+      <p:pic>
+        <p:nvPicPr>
+          <p:cNvPr id="12" name="Picture 11">
+            <a:extLst>
+              <a:ext uri="{FF2B5EF4-FFF2-40B4-BE49-F238E27FC236}">
+                <a16:creationId xmlns:a16="http://schemas.microsoft.com/office/drawing/2014/main" id="{39E16228-D699-43AD-B339-92EE23357461}"/>
+              </a:ext>
+            </a:extLst>
+          </p:cNvPr>
+          <p:cNvPicPr>
+            <a:picLocks noChangeAspect="1"/>
+          </p:cNvPicPr>
+          <p:nvPr/>
+        </p:nvPicPr>
+        <p:blipFill>
+          <a:blip r:embed="rId4"/>
+          <a:stretch>
+            <a:fillRect/>
+          </a:stretch>
+        </p:blipFill>
+        <p:spPr>
+          <a:xfrm>
+            <a:off x="5256763" y="5287146"/>
+            <a:ext cx="3143689" cy="466790"/>
+          </a:xfrm>
+          <a:prstGeom prst="rect">
+            <a:avLst/>
+          </a:prstGeom>
+        </p:spPr>
+      </p:pic>
+      <p:pic>
+        <p:nvPicPr>
+          <p:cNvPr id="13" name="Picture 12">
+            <a:extLst>
+              <a:ext uri="{FF2B5EF4-FFF2-40B4-BE49-F238E27FC236}">
+                <a16:creationId xmlns:a16="http://schemas.microsoft.com/office/drawing/2014/main" id="{17987765-0842-43B2-A45B-8FE8FB6E2AC5}"/>
+              </a:ext>
+            </a:extLst>
+          </p:cNvPr>
+          <p:cNvPicPr>
+            <a:picLocks noChangeAspect="1"/>
+          </p:cNvPicPr>
+          <p:nvPr/>
+        </p:nvPicPr>
+        <p:blipFill>
+          <a:blip r:embed="rId5"/>
+          <a:stretch>
+            <a:fillRect/>
+          </a:stretch>
+        </p:blipFill>
+        <p:spPr>
+          <a:xfrm>
+            <a:off x="8569215" y="244787"/>
+            <a:ext cx="3375135" cy="2416700"/>
+          </a:xfrm>
+          <a:prstGeom prst="rect">
+            <a:avLst/>
+          </a:prstGeom>
+        </p:spPr>
+      </p:pic>
+      <p:sp>
+        <p:nvSpPr>
+          <p:cNvPr id="14" name="TextBox 13">
+            <a:extLst>
+              <a:ext uri="{FF2B5EF4-FFF2-40B4-BE49-F238E27FC236}">
+                <a16:creationId xmlns:a16="http://schemas.microsoft.com/office/drawing/2014/main" id="{7D7ED66E-0BE5-4A43-9672-06E700FD1077}"/>
+              </a:ext>
+            </a:extLst>
+          </p:cNvPr>
+          <p:cNvSpPr txBox="1"/>
+          <p:nvPr/>
+        </p:nvSpPr>
+        <p:spPr>
+          <a:xfrm>
+            <a:off x="7469696" y="265147"/>
+            <a:ext cx="1039708" cy="369332"/>
+          </a:xfrm>
+          <a:prstGeom prst="rect">
+            <a:avLst/>
+          </a:prstGeom>
+          <a:noFill/>
+        </p:spPr>
+        <p:txBody>
+          <a:bodyPr wrap="none" rtlCol="0">
+            <a:spAutoFit/>
+          </a:bodyPr>
+          <a:lstStyle/>
+          <a:p>
+            <a:r>
+              <a:rPr lang="en-GB" dirty="0"/>
+              <a:t>Example:</a:t>
+            </a:r>
+          </a:p>
+        </p:txBody>
+      </p:sp>
+      <p:sp>
+        <p:nvSpPr>
+          <p:cNvPr id="15" name="TextBox 14">
+            <a:extLst>
+              <a:ext uri="{FF2B5EF4-FFF2-40B4-BE49-F238E27FC236}">
+                <a16:creationId xmlns:a16="http://schemas.microsoft.com/office/drawing/2014/main" id="{6C0AFDE8-0E6F-4F82-8276-9073F08534C2}"/>
+              </a:ext>
+            </a:extLst>
+          </p:cNvPr>
+          <p:cNvSpPr txBox="1"/>
+          <p:nvPr/>
+        </p:nvSpPr>
+        <p:spPr>
+          <a:xfrm>
+            <a:off x="838200" y="1612933"/>
+            <a:ext cx="7671204" cy="1569660"/>
+          </a:xfrm>
+          <a:prstGeom prst="rect">
+            <a:avLst/>
+          </a:prstGeom>
+          <a:noFill/>
+        </p:spPr>
+        <p:txBody>
+          <a:bodyPr wrap="square" rtlCol="0">
+            <a:spAutoFit/>
+          </a:bodyPr>
+          <a:lstStyle/>
+          <a:p>
+            <a:r>
+              <a:rPr lang="en-GB" sz="2400" dirty="0"/>
+              <a:t>You will need to create a new file in the “tooltips” folder</a:t>
+            </a:r>
+          </a:p>
+          <a:p>
+            <a:r>
+              <a:rPr lang="en-GB" sz="2400" dirty="0"/>
+              <a:t>This should be entitled “tooltips_..._</a:t>
+            </a:r>
+            <a:r>
+              <a:rPr lang="en-GB" sz="2400" dirty="0" err="1"/>
+              <a:t>log.R</a:t>
+            </a:r>
+            <a:r>
+              <a:rPr lang="en-GB" sz="2400" dirty="0"/>
+              <a:t>” with the ellipsis replaced by the name of the new log (from logslist in edit_lists.R)</a:t>
+            </a:r>
           </a:p>
         </p:txBody>
       </p:sp>
     </p:spTree>
     <p:extLst>
       <p:ext uri="{BB962C8B-B14F-4D97-AF65-F5344CB8AC3E}">
-        <p14:creationId xmlns:p14="http://schemas.microsoft.com/office/powerpoint/2010/main" val="3253141204"/>
+        <p14:creationId xmlns:p14="http://schemas.microsoft.com/office/powerpoint/2010/main" val="4277074228"/>
       </p:ext>
     </p:extLst>
   </p:cSld>
@@ -7543,7 +7117,7 @@
 </p:sld>
 </file>
 
-<file path=ppt/slides/slide4.xml><?xml version="1.0" encoding="utf-8"?>
+<file path=ppt/slides/slide13.xml><?xml version="1.0" encoding="utf-8"?>
 <p:sld xmlns:a="http://schemas.openxmlformats.org/drawingml/2006/main" xmlns:r="http://schemas.openxmlformats.org/officeDocument/2006/relationships" xmlns:p="http://schemas.openxmlformats.org/presentationml/2006/main">
   <p:cSld>
     <p:spTree>
@@ -7565,89 +7139,6 @@
           <p:cNvPr id="2" name="Title 1">
             <a:extLst>
               <a:ext uri="{FF2B5EF4-FFF2-40B4-BE49-F238E27FC236}">
-                <a16:creationId xmlns:a16="http://schemas.microsoft.com/office/drawing/2014/main" id="{553A35EB-2060-46B9-B0EE-79241E038580}"/>
-              </a:ext>
-            </a:extLst>
-          </p:cNvPr>
-          <p:cNvSpPr>
-            <a:spLocks noGrp="1"/>
-          </p:cNvSpPr>
-          <p:nvPr>
-            <p:ph type="title"/>
-          </p:nvPr>
-        </p:nvSpPr>
-        <p:spPr/>
-        <p:txBody>
-          <a:bodyPr/>
-          <a:lstStyle/>
-          <a:p>
-            <a:r>
-              <a:rPr lang="en-GB" dirty="0"/>
-              <a:t>How to add a new log</a:t>
-            </a:r>
-          </a:p>
-        </p:txBody>
-      </p:sp>
-      <p:sp>
-        <p:nvSpPr>
-          <p:cNvPr id="3" name="Content Placeholder 2">
-            <a:extLst>
-              <a:ext uri="{FF2B5EF4-FFF2-40B4-BE49-F238E27FC236}">
-                <a16:creationId xmlns:a16="http://schemas.microsoft.com/office/drawing/2014/main" id="{0E21D2FA-1297-4F32-BC20-6525D35A4E0E}"/>
-              </a:ext>
-            </a:extLst>
-          </p:cNvPr>
-          <p:cNvSpPr>
-            <a:spLocks noGrp="1"/>
-          </p:cNvSpPr>
-          <p:nvPr>
-            <p:ph idx="1"/>
-          </p:nvPr>
-        </p:nvSpPr>
-        <p:spPr/>
-        <p:txBody>
-          <a:bodyPr/>
-          <a:lstStyle/>
-          <a:p>
-            <a:endParaRPr lang="en-GB"/>
-          </a:p>
-        </p:txBody>
-      </p:sp>
-    </p:spTree>
-    <p:extLst>
-      <p:ext uri="{BB962C8B-B14F-4D97-AF65-F5344CB8AC3E}">
-        <p14:creationId xmlns:p14="http://schemas.microsoft.com/office/powerpoint/2010/main" val="51579567"/>
-      </p:ext>
-    </p:extLst>
-  </p:cSld>
-  <p:clrMapOvr>
-    <a:masterClrMapping/>
-  </p:clrMapOvr>
-</p:sld>
-</file>
-
-<file path=ppt/slides/slide5.xml><?xml version="1.0" encoding="utf-8"?>
-<p:sld xmlns:a="http://schemas.openxmlformats.org/drawingml/2006/main" xmlns:r="http://schemas.openxmlformats.org/officeDocument/2006/relationships" xmlns:p="http://schemas.openxmlformats.org/presentationml/2006/main">
-  <p:cSld>
-    <p:spTree>
-      <p:nvGrpSpPr>
-        <p:cNvPr id="1" name=""/>
-        <p:cNvGrpSpPr/>
-        <p:nvPr/>
-      </p:nvGrpSpPr>
-      <p:grpSpPr>
-        <a:xfrm>
-          <a:off x="0" y="0"/>
-          <a:ext cx="0" cy="0"/>
-          <a:chOff x="0" y="0"/>
-          <a:chExt cx="0" cy="0"/>
-        </a:xfrm>
-      </p:grpSpPr>
-      <p:sp>
-        <p:nvSpPr>
-          <p:cNvPr id="2" name="Title 1">
-            <a:extLst>
-              <a:ext uri="{FF2B5EF4-FFF2-40B4-BE49-F238E27FC236}">
                 <a16:creationId xmlns:a16="http://schemas.microsoft.com/office/drawing/2014/main" id="{F74D48A8-9FC0-44DE-B067-4CA270551632}"/>
               </a:ext>
             </a:extLst>
@@ -7709,7 +7200,7 @@
 </p:sld>
 </file>
 
-<file path=ppt/slides/slide6.xml><?xml version="1.0" encoding="utf-8"?>
+<file path=ppt/slides/slide14.xml><?xml version="1.0" encoding="utf-8"?>
 <p:sld xmlns:a="http://schemas.openxmlformats.org/drawingml/2006/main" xmlns:r="http://schemas.openxmlformats.org/officeDocument/2006/relationships" xmlns:p="http://schemas.openxmlformats.org/presentationml/2006/main">
   <p:cSld>
     <p:spTree>
@@ -10620,7 +10111,7 @@
 </p:sld>
 </file>
 
-<file path=ppt/slides/slide7.xml><?xml version="1.0" encoding="utf-8"?>
+<file path=ppt/slides/slide15.xml><?xml version="1.0" encoding="utf-8"?>
 <p:sld xmlns:a="http://schemas.openxmlformats.org/drawingml/2006/main" xmlns:r="http://schemas.openxmlformats.org/officeDocument/2006/relationships" xmlns:p="http://schemas.openxmlformats.org/presentationml/2006/main">
   <p:cSld>
     <p:spTree>
@@ -12648,7 +12139,7 @@
 </p:sld>
 </file>
 
-<file path=ppt/slides/slide8.xml><?xml version="1.0" encoding="utf-8"?>
+<file path=ppt/slides/slide16.xml><?xml version="1.0" encoding="utf-8"?>
 <p:sld xmlns:a="http://schemas.openxmlformats.org/drawingml/2006/main" xmlns:r="http://schemas.openxmlformats.org/officeDocument/2006/relationships" xmlns:p="http://schemas.openxmlformats.org/presentationml/2006/main">
   <p:cSld>
     <p:spTree>
@@ -13434,7 +12925,7 @@
 </p:sld>
 </file>
 
-<file path=ppt/slides/slide9.xml><?xml version="1.0" encoding="utf-8"?>
+<file path=ppt/slides/slide17.xml><?xml version="1.0" encoding="utf-8"?>
 <p:sld xmlns:a="http://schemas.openxmlformats.org/drawingml/2006/main" xmlns:r="http://schemas.openxmlformats.org/officeDocument/2006/relationships" xmlns:p="http://schemas.openxmlformats.org/presentationml/2006/main">
   <p:cSld>
     <p:spTree>
@@ -14496,6 +13987,5135 @@
 </p:sld>
 </file>
 
+<file path=ppt/slides/slide18.xml><?xml version="1.0" encoding="utf-8"?>
+<p:sld xmlns:a="http://schemas.openxmlformats.org/drawingml/2006/main" xmlns:r="http://schemas.openxmlformats.org/officeDocument/2006/relationships" xmlns:p="http://schemas.openxmlformats.org/presentationml/2006/main">
+  <p:cSld>
+    <p:spTree>
+      <p:nvGrpSpPr>
+        <p:cNvPr id="1" name=""/>
+        <p:cNvGrpSpPr/>
+        <p:nvPr/>
+      </p:nvGrpSpPr>
+      <p:grpSpPr>
+        <a:xfrm>
+          <a:off x="0" y="0"/>
+          <a:ext cx="0" cy="0"/>
+          <a:chOff x="0" y="0"/>
+          <a:chExt cx="0" cy="0"/>
+        </a:xfrm>
+      </p:grpSpPr>
+      <p:sp>
+        <p:nvSpPr>
+          <p:cNvPr id="2" name="Title 1">
+            <a:extLst>
+              <a:ext uri="{FF2B5EF4-FFF2-40B4-BE49-F238E27FC236}">
+                <a16:creationId xmlns:a16="http://schemas.microsoft.com/office/drawing/2014/main" id="{5F6791CC-7E1C-4898-8970-C8784B749EC0}"/>
+              </a:ext>
+            </a:extLst>
+          </p:cNvPr>
+          <p:cNvSpPr>
+            <a:spLocks noGrp="1"/>
+          </p:cNvSpPr>
+          <p:nvPr>
+            <p:ph type="title"/>
+          </p:nvPr>
+        </p:nvSpPr>
+        <p:spPr/>
+        <p:txBody>
+          <a:bodyPr/>
+          <a:lstStyle/>
+          <a:p>
+            <a:r>
+              <a:rPr lang="en-GB" dirty="0"/>
+              <a:t>Saving score function</a:t>
+            </a:r>
+          </a:p>
+        </p:txBody>
+      </p:sp>
+      <p:sp>
+        <p:nvSpPr>
+          <p:cNvPr id="3" name="Content Placeholder 2">
+            <a:extLst>
+              <a:ext uri="{FF2B5EF4-FFF2-40B4-BE49-F238E27FC236}">
+                <a16:creationId xmlns:a16="http://schemas.microsoft.com/office/drawing/2014/main" id="{04D1F5BF-9556-4373-A58D-CC26AF09C5AE}"/>
+              </a:ext>
+            </a:extLst>
+          </p:cNvPr>
+          <p:cNvSpPr txBox="1">
+            <a:spLocks/>
+          </p:cNvSpPr>
+          <p:nvPr/>
+        </p:nvSpPr>
+        <p:spPr>
+          <a:xfrm>
+            <a:off x="838200" y="1625327"/>
+            <a:ext cx="10515600" cy="636786"/>
+          </a:xfrm>
+          <a:prstGeom prst="rect">
+            <a:avLst/>
+          </a:prstGeom>
+        </p:spPr>
+        <p:txBody>
+          <a:bodyPr>
+            <a:normAutofit lnSpcReduction="10000"/>
+          </a:bodyPr>
+          <a:lstStyle>
+            <a:lvl1pPr marL="228600" indent="-228600" algn="l" defTabSz="914400" rtl="0" eaLnBrk="1" latinLnBrk="0" hangingPunct="1">
+              <a:lnSpc>
+                <a:spcPct val="90000"/>
+              </a:lnSpc>
+              <a:spcBef>
+                <a:spcPts val="1000"/>
+              </a:spcBef>
+              <a:buFont typeface="Arial" panose="020B0604020202020204" pitchFamily="34" charset="0"/>
+              <a:buChar char="•"/>
+              <a:defRPr sz="2800" kern="1200">
+                <a:solidFill>
+                  <a:schemeClr val="tx1"/>
+                </a:solidFill>
+                <a:latin typeface="+mn-lt"/>
+                <a:ea typeface="+mn-ea"/>
+                <a:cs typeface="+mn-cs"/>
+              </a:defRPr>
+            </a:lvl1pPr>
+            <a:lvl2pPr marL="685800" indent="-228600" algn="l" defTabSz="914400" rtl="0" eaLnBrk="1" latinLnBrk="0" hangingPunct="1">
+              <a:lnSpc>
+                <a:spcPct val="90000"/>
+              </a:lnSpc>
+              <a:spcBef>
+                <a:spcPts val="500"/>
+              </a:spcBef>
+              <a:buFont typeface="Arial" panose="020B0604020202020204" pitchFamily="34" charset="0"/>
+              <a:buChar char="•"/>
+              <a:defRPr sz="2400" kern="1200">
+                <a:solidFill>
+                  <a:schemeClr val="tx1"/>
+                </a:solidFill>
+                <a:latin typeface="+mn-lt"/>
+                <a:ea typeface="+mn-ea"/>
+                <a:cs typeface="+mn-cs"/>
+              </a:defRPr>
+            </a:lvl2pPr>
+            <a:lvl3pPr marL="1143000" indent="-228600" algn="l" defTabSz="914400" rtl="0" eaLnBrk="1" latinLnBrk="0" hangingPunct="1">
+              <a:lnSpc>
+                <a:spcPct val="90000"/>
+              </a:lnSpc>
+              <a:spcBef>
+                <a:spcPts val="500"/>
+              </a:spcBef>
+              <a:buFont typeface="Arial" panose="020B0604020202020204" pitchFamily="34" charset="0"/>
+              <a:buChar char="•"/>
+              <a:defRPr sz="2000" kern="1200">
+                <a:solidFill>
+                  <a:schemeClr val="tx1"/>
+                </a:solidFill>
+                <a:latin typeface="+mn-lt"/>
+                <a:ea typeface="+mn-ea"/>
+                <a:cs typeface="+mn-cs"/>
+              </a:defRPr>
+            </a:lvl3pPr>
+            <a:lvl4pPr marL="1600200" indent="-228600" algn="l" defTabSz="914400" rtl="0" eaLnBrk="1" latinLnBrk="0" hangingPunct="1">
+              <a:lnSpc>
+                <a:spcPct val="90000"/>
+              </a:lnSpc>
+              <a:spcBef>
+                <a:spcPts val="500"/>
+              </a:spcBef>
+              <a:buFont typeface="Arial" panose="020B0604020202020204" pitchFamily="34" charset="0"/>
+              <a:buChar char="•"/>
+              <a:defRPr sz="1800" kern="1200">
+                <a:solidFill>
+                  <a:schemeClr val="tx1"/>
+                </a:solidFill>
+                <a:latin typeface="+mn-lt"/>
+                <a:ea typeface="+mn-ea"/>
+                <a:cs typeface="+mn-cs"/>
+              </a:defRPr>
+            </a:lvl4pPr>
+            <a:lvl5pPr marL="2057400" indent="-228600" algn="l" defTabSz="914400" rtl="0" eaLnBrk="1" latinLnBrk="0" hangingPunct="1">
+              <a:lnSpc>
+                <a:spcPct val="90000"/>
+              </a:lnSpc>
+              <a:spcBef>
+                <a:spcPts val="500"/>
+              </a:spcBef>
+              <a:buFont typeface="Arial" panose="020B0604020202020204" pitchFamily="34" charset="0"/>
+              <a:buChar char="•"/>
+              <a:defRPr sz="1800" kern="1200">
+                <a:solidFill>
+                  <a:schemeClr val="tx1"/>
+                </a:solidFill>
+                <a:latin typeface="+mn-lt"/>
+                <a:ea typeface="+mn-ea"/>
+                <a:cs typeface="+mn-cs"/>
+              </a:defRPr>
+            </a:lvl5pPr>
+            <a:lvl6pPr marL="2514600" indent="-228600" algn="l" defTabSz="914400" rtl="0" eaLnBrk="1" latinLnBrk="0" hangingPunct="1">
+              <a:lnSpc>
+                <a:spcPct val="90000"/>
+              </a:lnSpc>
+              <a:spcBef>
+                <a:spcPts val="500"/>
+              </a:spcBef>
+              <a:buFont typeface="Arial" panose="020B0604020202020204" pitchFamily="34" charset="0"/>
+              <a:buChar char="•"/>
+              <a:defRPr sz="1800" kern="1200">
+                <a:solidFill>
+                  <a:schemeClr val="tx1"/>
+                </a:solidFill>
+                <a:latin typeface="+mn-lt"/>
+                <a:ea typeface="+mn-ea"/>
+                <a:cs typeface="+mn-cs"/>
+              </a:defRPr>
+            </a:lvl6pPr>
+            <a:lvl7pPr marL="2971800" indent="-228600" algn="l" defTabSz="914400" rtl="0" eaLnBrk="1" latinLnBrk="0" hangingPunct="1">
+              <a:lnSpc>
+                <a:spcPct val="90000"/>
+              </a:lnSpc>
+              <a:spcBef>
+                <a:spcPts val="500"/>
+              </a:spcBef>
+              <a:buFont typeface="Arial" panose="020B0604020202020204" pitchFamily="34" charset="0"/>
+              <a:buChar char="•"/>
+              <a:defRPr sz="1800" kern="1200">
+                <a:solidFill>
+                  <a:schemeClr val="tx1"/>
+                </a:solidFill>
+                <a:latin typeface="+mn-lt"/>
+                <a:ea typeface="+mn-ea"/>
+                <a:cs typeface="+mn-cs"/>
+              </a:defRPr>
+            </a:lvl7pPr>
+            <a:lvl8pPr marL="3429000" indent="-228600" algn="l" defTabSz="914400" rtl="0" eaLnBrk="1" latinLnBrk="0" hangingPunct="1">
+              <a:lnSpc>
+                <a:spcPct val="90000"/>
+              </a:lnSpc>
+              <a:spcBef>
+                <a:spcPts val="500"/>
+              </a:spcBef>
+              <a:buFont typeface="Arial" panose="020B0604020202020204" pitchFamily="34" charset="0"/>
+              <a:buChar char="•"/>
+              <a:defRPr sz="1800" kern="1200">
+                <a:solidFill>
+                  <a:schemeClr val="tx1"/>
+                </a:solidFill>
+                <a:latin typeface="+mn-lt"/>
+                <a:ea typeface="+mn-ea"/>
+                <a:cs typeface="+mn-cs"/>
+              </a:defRPr>
+            </a:lvl8pPr>
+            <a:lvl9pPr marL="3886200" indent="-228600" algn="l" defTabSz="914400" rtl="0" eaLnBrk="1" latinLnBrk="0" hangingPunct="1">
+              <a:lnSpc>
+                <a:spcPct val="90000"/>
+              </a:lnSpc>
+              <a:spcBef>
+                <a:spcPts val="500"/>
+              </a:spcBef>
+              <a:buFont typeface="Arial" panose="020B0604020202020204" pitchFamily="34" charset="0"/>
+              <a:buChar char="•"/>
+              <a:defRPr sz="1800" kern="1200">
+                <a:solidFill>
+                  <a:schemeClr val="tx1"/>
+                </a:solidFill>
+                <a:latin typeface="+mn-lt"/>
+                <a:ea typeface="+mn-ea"/>
+                <a:cs typeface="+mn-cs"/>
+              </a:defRPr>
+            </a:lvl9pPr>
+          </a:lstStyle>
+          <a:p>
+            <a:pPr marL="0" indent="0">
+              <a:buFont typeface="Arial" panose="020B0604020202020204" pitchFamily="34" charset="0"/>
+              <a:buNone/>
+            </a:pPr>
+            <a:r>
+              <a:rPr lang="en-GB" sz="2000" dirty="0"/>
+              <a:t>This is to save scores for different QA checks to SQL. We read in current SQL data, and current app data.</a:t>
+            </a:r>
+          </a:p>
+        </p:txBody>
+      </p:sp>
+      <p:sp>
+        <p:nvSpPr>
+          <p:cNvPr id="4" name="TextBox 3">
+            <a:extLst>
+              <a:ext uri="{FF2B5EF4-FFF2-40B4-BE49-F238E27FC236}">
+                <a16:creationId xmlns:a16="http://schemas.microsoft.com/office/drawing/2014/main" id="{E192288E-89BA-4402-894D-3D715A3EA78D}"/>
+              </a:ext>
+            </a:extLst>
+          </p:cNvPr>
+          <p:cNvSpPr txBox="1"/>
+          <p:nvPr/>
+        </p:nvSpPr>
+        <p:spPr>
+          <a:xfrm>
+            <a:off x="1075508" y="4249783"/>
+            <a:ext cx="1878912" cy="369332"/>
+          </a:xfrm>
+          <a:prstGeom prst="rect">
+            <a:avLst/>
+          </a:prstGeom>
+          <a:solidFill>
+            <a:schemeClr val="accent1">
+              <a:lumMod val="20000"/>
+              <a:lumOff val="80000"/>
+            </a:schemeClr>
+          </a:solidFill>
+        </p:spPr>
+        <p:style>
+          <a:lnRef idx="1">
+            <a:schemeClr val="accent1"/>
+          </a:lnRef>
+          <a:fillRef idx="2">
+            <a:schemeClr val="accent1"/>
+          </a:fillRef>
+          <a:effectRef idx="1">
+            <a:schemeClr val="accent1"/>
+          </a:effectRef>
+          <a:fontRef idx="minor">
+            <a:schemeClr val="dk1"/>
+          </a:fontRef>
+        </p:style>
+        <p:txBody>
+          <a:bodyPr wrap="none" rtlCol="0">
+            <a:spAutoFit/>
+          </a:bodyPr>
+          <a:lstStyle/>
+          <a:p>
+            <a:r>
+              <a:rPr lang="en-GB" dirty="0"/>
+              <a:t>Is app data blank?</a:t>
+            </a:r>
+          </a:p>
+        </p:txBody>
+      </p:sp>
+      <p:sp>
+        <p:nvSpPr>
+          <p:cNvPr id="5" name="TextBox 4">
+            <a:extLst>
+              <a:ext uri="{FF2B5EF4-FFF2-40B4-BE49-F238E27FC236}">
+                <a16:creationId xmlns:a16="http://schemas.microsoft.com/office/drawing/2014/main" id="{CEC9B9B1-316C-4739-B075-AE5E33052E66}"/>
+              </a:ext>
+            </a:extLst>
+          </p:cNvPr>
+          <p:cNvSpPr txBox="1"/>
+          <p:nvPr/>
+        </p:nvSpPr>
+        <p:spPr>
+          <a:xfrm>
+            <a:off x="1010194" y="2349528"/>
+            <a:ext cx="2009541" cy="923330"/>
+          </a:xfrm>
+          <a:prstGeom prst="rect">
+            <a:avLst/>
+          </a:prstGeom>
+          <a:solidFill>
+            <a:schemeClr val="accent1">
+              <a:lumMod val="20000"/>
+              <a:lumOff val="80000"/>
+            </a:schemeClr>
+          </a:solidFill>
+        </p:spPr>
+        <p:style>
+          <a:lnRef idx="1">
+            <a:schemeClr val="accent1"/>
+          </a:lnRef>
+          <a:fillRef idx="2">
+            <a:schemeClr val="accent1"/>
+          </a:fillRef>
+          <a:effectRef idx="1">
+            <a:schemeClr val="accent1"/>
+          </a:effectRef>
+          <a:fontRef idx="minor">
+            <a:schemeClr val="dk1"/>
+          </a:fontRef>
+        </p:style>
+        <p:txBody>
+          <a:bodyPr wrap="square" rtlCol="0">
+            <a:spAutoFit/>
+          </a:bodyPr>
+          <a:lstStyle/>
+          <a:p>
+            <a:pPr algn="ctr"/>
+            <a:r>
+              <a:rPr lang="en-GB" dirty="0"/>
+              <a:t>Does row for corresponding SQL data exist?</a:t>
+            </a:r>
+          </a:p>
+        </p:txBody>
+      </p:sp>
+      <p:cxnSp>
+        <p:nvCxnSpPr>
+          <p:cNvPr id="7" name="Straight Arrow Connector 6">
+            <a:extLst>
+              <a:ext uri="{FF2B5EF4-FFF2-40B4-BE49-F238E27FC236}">
+                <a16:creationId xmlns:a16="http://schemas.microsoft.com/office/drawing/2014/main" id="{A468A3A8-41C9-4C16-9A1E-F7B181A2CF57}"/>
+              </a:ext>
+            </a:extLst>
+          </p:cNvPr>
+          <p:cNvCxnSpPr>
+            <a:stCxn id="5" idx="2"/>
+          </p:cNvCxnSpPr>
+          <p:nvPr/>
+        </p:nvCxnSpPr>
+        <p:spPr>
+          <a:xfrm flipH="1">
+            <a:off x="2002971" y="3272858"/>
+            <a:ext cx="11994" cy="976925"/>
+          </a:xfrm>
+          <a:prstGeom prst="straightConnector1">
+            <a:avLst/>
+          </a:prstGeom>
+          <a:ln>
+            <a:tailEnd type="triangle"/>
+          </a:ln>
+        </p:spPr>
+        <p:style>
+          <a:lnRef idx="1">
+            <a:schemeClr val="accent1"/>
+          </a:lnRef>
+          <a:fillRef idx="0">
+            <a:schemeClr val="accent1"/>
+          </a:fillRef>
+          <a:effectRef idx="0">
+            <a:schemeClr val="accent1"/>
+          </a:effectRef>
+          <a:fontRef idx="minor">
+            <a:schemeClr val="tx1"/>
+          </a:fontRef>
+        </p:style>
+      </p:cxnSp>
+      <p:sp>
+        <p:nvSpPr>
+          <p:cNvPr id="8" name="TextBox 7">
+            <a:extLst>
+              <a:ext uri="{FF2B5EF4-FFF2-40B4-BE49-F238E27FC236}">
+                <a16:creationId xmlns:a16="http://schemas.microsoft.com/office/drawing/2014/main" id="{F40629F5-4082-49A1-ADD2-1390B4D36469}"/>
+              </a:ext>
+            </a:extLst>
+          </p:cNvPr>
+          <p:cNvSpPr txBox="1"/>
+          <p:nvPr/>
+        </p:nvSpPr>
+        <p:spPr>
+          <a:xfrm>
+            <a:off x="2002971" y="3489045"/>
+            <a:ext cx="455574" cy="369332"/>
+          </a:xfrm>
+          <a:prstGeom prst="rect">
+            <a:avLst/>
+          </a:prstGeom>
+          <a:noFill/>
+        </p:spPr>
+        <p:txBody>
+          <a:bodyPr wrap="none" rtlCol="0">
+            <a:spAutoFit/>
+          </a:bodyPr>
+          <a:lstStyle/>
+          <a:p>
+            <a:r>
+              <a:rPr lang="en-GB" dirty="0"/>
+              <a:t>No</a:t>
+            </a:r>
+          </a:p>
+        </p:txBody>
+      </p:sp>
+      <p:cxnSp>
+        <p:nvCxnSpPr>
+          <p:cNvPr id="10" name="Straight Arrow Connector 9">
+            <a:extLst>
+              <a:ext uri="{FF2B5EF4-FFF2-40B4-BE49-F238E27FC236}">
+                <a16:creationId xmlns:a16="http://schemas.microsoft.com/office/drawing/2014/main" id="{A0EC1407-84AC-432C-B085-BDCF8F9F58FA}"/>
+              </a:ext>
+            </a:extLst>
+          </p:cNvPr>
+          <p:cNvCxnSpPr>
+            <a:stCxn id="4" idx="2"/>
+          </p:cNvCxnSpPr>
+          <p:nvPr/>
+        </p:nvCxnSpPr>
+        <p:spPr>
+          <a:xfrm>
+            <a:off x="2014964" y="4619115"/>
+            <a:ext cx="0" cy="815034"/>
+          </a:xfrm>
+          <a:prstGeom prst="straightConnector1">
+            <a:avLst/>
+          </a:prstGeom>
+          <a:ln>
+            <a:tailEnd type="triangle"/>
+          </a:ln>
+        </p:spPr>
+        <p:style>
+          <a:lnRef idx="1">
+            <a:schemeClr val="accent1"/>
+          </a:lnRef>
+          <a:fillRef idx="0">
+            <a:schemeClr val="accent1"/>
+          </a:fillRef>
+          <a:effectRef idx="0">
+            <a:schemeClr val="accent1"/>
+          </a:effectRef>
+          <a:fontRef idx="minor">
+            <a:schemeClr val="tx1"/>
+          </a:fontRef>
+        </p:style>
+      </p:cxnSp>
+      <p:sp>
+        <p:nvSpPr>
+          <p:cNvPr id="11" name="TextBox 10">
+            <a:extLst>
+              <a:ext uri="{FF2B5EF4-FFF2-40B4-BE49-F238E27FC236}">
+                <a16:creationId xmlns:a16="http://schemas.microsoft.com/office/drawing/2014/main" id="{E336B898-A9BE-472B-A817-77DE50F417E8}"/>
+              </a:ext>
+            </a:extLst>
+          </p:cNvPr>
+          <p:cNvSpPr txBox="1"/>
+          <p:nvPr/>
+        </p:nvSpPr>
+        <p:spPr>
+          <a:xfrm>
+            <a:off x="2002971" y="4821363"/>
+            <a:ext cx="455574" cy="369332"/>
+          </a:xfrm>
+          <a:prstGeom prst="rect">
+            <a:avLst/>
+          </a:prstGeom>
+          <a:noFill/>
+        </p:spPr>
+        <p:txBody>
+          <a:bodyPr wrap="none" rtlCol="0">
+            <a:spAutoFit/>
+          </a:bodyPr>
+          <a:lstStyle/>
+          <a:p>
+            <a:r>
+              <a:rPr lang="en-GB" dirty="0"/>
+              <a:t>No</a:t>
+            </a:r>
+          </a:p>
+        </p:txBody>
+      </p:sp>
+      <p:sp>
+        <p:nvSpPr>
+          <p:cNvPr id="12" name="TextBox 11">
+            <a:extLst>
+              <a:ext uri="{FF2B5EF4-FFF2-40B4-BE49-F238E27FC236}">
+                <a16:creationId xmlns:a16="http://schemas.microsoft.com/office/drawing/2014/main" id="{4B040FD5-B036-49C4-93AD-C1BD3F282008}"/>
+              </a:ext>
+            </a:extLst>
+          </p:cNvPr>
+          <p:cNvSpPr txBox="1"/>
+          <p:nvPr/>
+        </p:nvSpPr>
+        <p:spPr>
+          <a:xfrm>
+            <a:off x="1075508" y="5434149"/>
+            <a:ext cx="3219023" cy="646331"/>
+          </a:xfrm>
+          <a:prstGeom prst="rect">
+            <a:avLst/>
+          </a:prstGeom>
+          <a:solidFill>
+            <a:schemeClr val="accent6">
+              <a:lumMod val="20000"/>
+              <a:lumOff val="80000"/>
+            </a:schemeClr>
+          </a:solidFill>
+        </p:spPr>
+        <p:style>
+          <a:lnRef idx="1">
+            <a:schemeClr val="accent1"/>
+          </a:lnRef>
+          <a:fillRef idx="2">
+            <a:schemeClr val="accent1"/>
+          </a:fillRef>
+          <a:effectRef idx="1">
+            <a:schemeClr val="accent1"/>
+          </a:effectRef>
+          <a:fontRef idx="minor">
+            <a:schemeClr val="dk1"/>
+          </a:fontRef>
+        </p:style>
+        <p:txBody>
+          <a:bodyPr wrap="none" rtlCol="0">
+            <a:spAutoFit/>
+          </a:bodyPr>
+          <a:lstStyle/>
+          <a:p>
+            <a:r>
+              <a:rPr lang="en-GB" dirty="0"/>
+              <a:t>This is new data.</a:t>
+            </a:r>
+          </a:p>
+          <a:p>
+            <a:r>
+              <a:rPr lang="en-GB" dirty="0"/>
+              <a:t>Add a new row to SQL database.</a:t>
+            </a:r>
+          </a:p>
+        </p:txBody>
+      </p:sp>
+      <p:cxnSp>
+        <p:nvCxnSpPr>
+          <p:cNvPr id="13" name="Straight Arrow Connector 12">
+            <a:extLst>
+              <a:ext uri="{FF2B5EF4-FFF2-40B4-BE49-F238E27FC236}">
+                <a16:creationId xmlns:a16="http://schemas.microsoft.com/office/drawing/2014/main" id="{7A6CB8DD-5546-4608-9D08-BF96C56D2774}"/>
+              </a:ext>
+            </a:extLst>
+          </p:cNvPr>
+          <p:cNvCxnSpPr>
+            <a:cxnSpLocks/>
+            <a:stCxn id="5" idx="3"/>
+            <a:endCxn id="16" idx="1"/>
+          </p:cNvCxnSpPr>
+          <p:nvPr/>
+        </p:nvCxnSpPr>
+        <p:spPr>
+          <a:xfrm>
+            <a:off x="3019735" y="2811193"/>
+            <a:ext cx="2743369" cy="5563"/>
+          </a:xfrm>
+          <a:prstGeom prst="straightConnector1">
+            <a:avLst/>
+          </a:prstGeom>
+          <a:ln>
+            <a:tailEnd type="triangle"/>
+          </a:ln>
+        </p:spPr>
+        <p:style>
+          <a:lnRef idx="1">
+            <a:schemeClr val="accent1"/>
+          </a:lnRef>
+          <a:fillRef idx="0">
+            <a:schemeClr val="accent1"/>
+          </a:fillRef>
+          <a:effectRef idx="0">
+            <a:schemeClr val="accent1"/>
+          </a:effectRef>
+          <a:fontRef idx="minor">
+            <a:schemeClr val="tx1"/>
+          </a:fontRef>
+        </p:style>
+      </p:cxnSp>
+      <p:sp>
+        <p:nvSpPr>
+          <p:cNvPr id="15" name="TextBox 14">
+            <a:extLst>
+              <a:ext uri="{FF2B5EF4-FFF2-40B4-BE49-F238E27FC236}">
+                <a16:creationId xmlns:a16="http://schemas.microsoft.com/office/drawing/2014/main" id="{476C8284-E34B-45AA-BB7B-7C99A398B3CF}"/>
+              </a:ext>
+            </a:extLst>
+          </p:cNvPr>
+          <p:cNvSpPr txBox="1"/>
+          <p:nvPr/>
+        </p:nvSpPr>
+        <p:spPr>
+          <a:xfrm>
+            <a:off x="3942548" y="2493590"/>
+            <a:ext cx="485518" cy="369332"/>
+          </a:xfrm>
+          <a:prstGeom prst="rect">
+            <a:avLst/>
+          </a:prstGeom>
+          <a:noFill/>
+        </p:spPr>
+        <p:txBody>
+          <a:bodyPr wrap="none" rtlCol="0">
+            <a:spAutoFit/>
+          </a:bodyPr>
+          <a:lstStyle/>
+          <a:p>
+            <a:r>
+              <a:rPr lang="en-GB" dirty="0"/>
+              <a:t>Yes</a:t>
+            </a:r>
+          </a:p>
+        </p:txBody>
+      </p:sp>
+      <p:sp>
+        <p:nvSpPr>
+          <p:cNvPr id="16" name="TextBox 15">
+            <a:extLst>
+              <a:ext uri="{FF2B5EF4-FFF2-40B4-BE49-F238E27FC236}">
+                <a16:creationId xmlns:a16="http://schemas.microsoft.com/office/drawing/2014/main" id="{BDF9E54E-C4AD-4ADE-9789-9146DF7DA9EB}"/>
+              </a:ext>
+            </a:extLst>
+          </p:cNvPr>
+          <p:cNvSpPr txBox="1"/>
+          <p:nvPr/>
+        </p:nvSpPr>
+        <p:spPr>
+          <a:xfrm>
+            <a:off x="5763104" y="2493590"/>
+            <a:ext cx="2009541" cy="646331"/>
+          </a:xfrm>
+          <a:prstGeom prst="rect">
+            <a:avLst/>
+          </a:prstGeom>
+          <a:solidFill>
+            <a:schemeClr val="accent1">
+              <a:lumMod val="20000"/>
+              <a:lumOff val="80000"/>
+            </a:schemeClr>
+          </a:solidFill>
+        </p:spPr>
+        <p:style>
+          <a:lnRef idx="1">
+            <a:schemeClr val="accent1"/>
+          </a:lnRef>
+          <a:fillRef idx="2">
+            <a:schemeClr val="accent1"/>
+          </a:fillRef>
+          <a:effectRef idx="1">
+            <a:schemeClr val="accent1"/>
+          </a:effectRef>
+          <a:fontRef idx="minor">
+            <a:schemeClr val="dk1"/>
+          </a:fontRef>
+        </p:style>
+        <p:txBody>
+          <a:bodyPr wrap="square" rtlCol="0">
+            <a:spAutoFit/>
+          </a:bodyPr>
+          <a:lstStyle/>
+          <a:p>
+            <a:pPr algn="ctr"/>
+            <a:r>
+              <a:rPr lang="en-GB" dirty="0"/>
+              <a:t>Is app data equal to SQL data?</a:t>
+            </a:r>
+          </a:p>
+        </p:txBody>
+      </p:sp>
+      <p:sp>
+        <p:nvSpPr>
+          <p:cNvPr id="17" name="TextBox 16">
+            <a:extLst>
+              <a:ext uri="{FF2B5EF4-FFF2-40B4-BE49-F238E27FC236}">
+                <a16:creationId xmlns:a16="http://schemas.microsoft.com/office/drawing/2014/main" id="{71524C64-9D91-4785-8931-4E43D9A8D27C}"/>
+              </a:ext>
+            </a:extLst>
+          </p:cNvPr>
+          <p:cNvSpPr txBox="1"/>
+          <p:nvPr/>
+        </p:nvSpPr>
+        <p:spPr>
+          <a:xfrm>
+            <a:off x="3030582" y="4052756"/>
+            <a:ext cx="485518" cy="369332"/>
+          </a:xfrm>
+          <a:prstGeom prst="rect">
+            <a:avLst/>
+          </a:prstGeom>
+          <a:noFill/>
+        </p:spPr>
+        <p:txBody>
+          <a:bodyPr wrap="none" rtlCol="0">
+            <a:spAutoFit/>
+          </a:bodyPr>
+          <a:lstStyle/>
+          <a:p>
+            <a:r>
+              <a:rPr lang="en-GB" dirty="0"/>
+              <a:t>Yes</a:t>
+            </a:r>
+          </a:p>
+        </p:txBody>
+      </p:sp>
+      <p:cxnSp>
+        <p:nvCxnSpPr>
+          <p:cNvPr id="18" name="Straight Arrow Connector 17">
+            <a:extLst>
+              <a:ext uri="{FF2B5EF4-FFF2-40B4-BE49-F238E27FC236}">
+                <a16:creationId xmlns:a16="http://schemas.microsoft.com/office/drawing/2014/main" id="{43DCDBD7-DA70-4B5F-BA1E-AA4B8AD423D0}"/>
+              </a:ext>
+            </a:extLst>
+          </p:cNvPr>
+          <p:cNvCxnSpPr>
+            <a:cxnSpLocks/>
+          </p:cNvCxnSpPr>
+          <p:nvPr/>
+        </p:nvCxnSpPr>
+        <p:spPr>
+          <a:xfrm>
+            <a:off x="2948527" y="4434449"/>
+            <a:ext cx="643288" cy="3848"/>
+          </a:xfrm>
+          <a:prstGeom prst="straightConnector1">
+            <a:avLst/>
+          </a:prstGeom>
+          <a:ln>
+            <a:tailEnd type="triangle"/>
+          </a:ln>
+        </p:spPr>
+        <p:style>
+          <a:lnRef idx="1">
+            <a:schemeClr val="accent1"/>
+          </a:lnRef>
+          <a:fillRef idx="0">
+            <a:schemeClr val="accent1"/>
+          </a:fillRef>
+          <a:effectRef idx="0">
+            <a:schemeClr val="accent1"/>
+          </a:effectRef>
+          <a:fontRef idx="minor">
+            <a:schemeClr val="tx1"/>
+          </a:fontRef>
+        </p:style>
+      </p:cxnSp>
+      <p:sp>
+        <p:nvSpPr>
+          <p:cNvPr id="19" name="TextBox 18">
+            <a:extLst>
+              <a:ext uri="{FF2B5EF4-FFF2-40B4-BE49-F238E27FC236}">
+                <a16:creationId xmlns:a16="http://schemas.microsoft.com/office/drawing/2014/main" id="{A1FC2A3D-67EC-446A-8360-3E69D0E7D2AF}"/>
+              </a:ext>
+            </a:extLst>
+          </p:cNvPr>
+          <p:cNvSpPr txBox="1"/>
+          <p:nvPr/>
+        </p:nvSpPr>
+        <p:spPr>
+          <a:xfrm>
+            <a:off x="3611104" y="4069758"/>
+            <a:ext cx="2009541" cy="923330"/>
+          </a:xfrm>
+          <a:prstGeom prst="rect">
+            <a:avLst/>
+          </a:prstGeom>
+          <a:solidFill>
+            <a:schemeClr val="accent2">
+              <a:lumMod val="40000"/>
+              <a:lumOff val="60000"/>
+            </a:schemeClr>
+          </a:solidFill>
+        </p:spPr>
+        <p:style>
+          <a:lnRef idx="1">
+            <a:schemeClr val="accent1"/>
+          </a:lnRef>
+          <a:fillRef idx="2">
+            <a:schemeClr val="accent1"/>
+          </a:fillRef>
+          <a:effectRef idx="1">
+            <a:schemeClr val="accent1"/>
+          </a:effectRef>
+          <a:fontRef idx="minor">
+            <a:schemeClr val="dk1"/>
+          </a:fontRef>
+        </p:style>
+        <p:txBody>
+          <a:bodyPr wrap="square" rtlCol="0">
+            <a:spAutoFit/>
+          </a:bodyPr>
+          <a:lstStyle/>
+          <a:p>
+            <a:pPr algn="ctr"/>
+            <a:r>
+              <a:rPr lang="en-GB" dirty="0"/>
+              <a:t>Data hasn’t been added for this check. Do nothing.</a:t>
+            </a:r>
+          </a:p>
+        </p:txBody>
+      </p:sp>
+      <p:sp>
+        <p:nvSpPr>
+          <p:cNvPr id="25" name="TextBox 24">
+            <a:extLst>
+              <a:ext uri="{FF2B5EF4-FFF2-40B4-BE49-F238E27FC236}">
+                <a16:creationId xmlns:a16="http://schemas.microsoft.com/office/drawing/2014/main" id="{E16BBE8D-72AC-49BB-91DA-B8E16F538BC3}"/>
+              </a:ext>
+            </a:extLst>
+          </p:cNvPr>
+          <p:cNvSpPr txBox="1"/>
+          <p:nvPr/>
+        </p:nvSpPr>
+        <p:spPr>
+          <a:xfrm>
+            <a:off x="5886049" y="3746592"/>
+            <a:ext cx="2009541" cy="2308324"/>
+          </a:xfrm>
+          <a:prstGeom prst="rect">
+            <a:avLst/>
+          </a:prstGeom>
+          <a:solidFill>
+            <a:schemeClr val="accent6">
+              <a:lumMod val="20000"/>
+              <a:lumOff val="80000"/>
+            </a:schemeClr>
+          </a:solidFill>
+        </p:spPr>
+        <p:style>
+          <a:lnRef idx="1">
+            <a:schemeClr val="accent1"/>
+          </a:lnRef>
+          <a:fillRef idx="2">
+            <a:schemeClr val="accent1"/>
+          </a:fillRef>
+          <a:effectRef idx="1">
+            <a:schemeClr val="accent1"/>
+          </a:effectRef>
+          <a:fontRef idx="minor">
+            <a:schemeClr val="dk1"/>
+          </a:fontRef>
+        </p:style>
+        <p:txBody>
+          <a:bodyPr wrap="square" rtlCol="0">
+            <a:spAutoFit/>
+          </a:bodyPr>
+          <a:lstStyle/>
+          <a:p>
+            <a:pPr algn="ctr"/>
+            <a:r>
+              <a:rPr lang="en-GB" dirty="0"/>
+              <a:t>App data has been updated.</a:t>
+            </a:r>
+          </a:p>
+          <a:p>
+            <a:pPr algn="ctr"/>
+            <a:r>
+              <a:rPr lang="en-GB" dirty="0"/>
+              <a:t>Copy data from SQL to SCD database.</a:t>
+            </a:r>
+          </a:p>
+          <a:p>
+            <a:pPr algn="ctr"/>
+            <a:r>
+              <a:rPr lang="en-GB" dirty="0"/>
+              <a:t>Overwrite data in SQL with current app data.</a:t>
+            </a:r>
+          </a:p>
+        </p:txBody>
+      </p:sp>
+      <p:cxnSp>
+        <p:nvCxnSpPr>
+          <p:cNvPr id="26" name="Straight Arrow Connector 25">
+            <a:extLst>
+              <a:ext uri="{FF2B5EF4-FFF2-40B4-BE49-F238E27FC236}">
+                <a16:creationId xmlns:a16="http://schemas.microsoft.com/office/drawing/2014/main" id="{D242B8A7-2309-48D6-988B-2EB44521B55D}"/>
+              </a:ext>
+            </a:extLst>
+          </p:cNvPr>
+          <p:cNvCxnSpPr>
+            <a:cxnSpLocks/>
+          </p:cNvCxnSpPr>
+          <p:nvPr/>
+        </p:nvCxnSpPr>
+        <p:spPr>
+          <a:xfrm>
+            <a:off x="6890820" y="3139921"/>
+            <a:ext cx="0" cy="578159"/>
+          </a:xfrm>
+          <a:prstGeom prst="straightConnector1">
+            <a:avLst/>
+          </a:prstGeom>
+          <a:ln>
+            <a:tailEnd type="triangle"/>
+          </a:ln>
+        </p:spPr>
+        <p:style>
+          <a:lnRef idx="1">
+            <a:schemeClr val="accent1"/>
+          </a:lnRef>
+          <a:fillRef idx="0">
+            <a:schemeClr val="accent1"/>
+          </a:fillRef>
+          <a:effectRef idx="0">
+            <a:schemeClr val="accent1"/>
+          </a:effectRef>
+          <a:fontRef idx="minor">
+            <a:schemeClr val="tx1"/>
+          </a:fontRef>
+        </p:style>
+      </p:cxnSp>
+      <p:sp>
+        <p:nvSpPr>
+          <p:cNvPr id="28" name="TextBox 27">
+            <a:extLst>
+              <a:ext uri="{FF2B5EF4-FFF2-40B4-BE49-F238E27FC236}">
+                <a16:creationId xmlns:a16="http://schemas.microsoft.com/office/drawing/2014/main" id="{3FED96C2-2763-4B4E-9FC8-DAC57BD59C74}"/>
+              </a:ext>
+            </a:extLst>
+          </p:cNvPr>
+          <p:cNvSpPr txBox="1"/>
+          <p:nvPr/>
+        </p:nvSpPr>
+        <p:spPr>
+          <a:xfrm>
+            <a:off x="6890819" y="3225611"/>
+            <a:ext cx="455574" cy="369332"/>
+          </a:xfrm>
+          <a:prstGeom prst="rect">
+            <a:avLst/>
+          </a:prstGeom>
+          <a:noFill/>
+        </p:spPr>
+        <p:txBody>
+          <a:bodyPr wrap="none" rtlCol="0">
+            <a:spAutoFit/>
+          </a:bodyPr>
+          <a:lstStyle/>
+          <a:p>
+            <a:r>
+              <a:rPr lang="en-GB" dirty="0"/>
+              <a:t>No</a:t>
+            </a:r>
+          </a:p>
+        </p:txBody>
+      </p:sp>
+      <p:cxnSp>
+        <p:nvCxnSpPr>
+          <p:cNvPr id="29" name="Straight Arrow Connector 28">
+            <a:extLst>
+              <a:ext uri="{FF2B5EF4-FFF2-40B4-BE49-F238E27FC236}">
+                <a16:creationId xmlns:a16="http://schemas.microsoft.com/office/drawing/2014/main" id="{D7AF10CB-732D-4E41-AD04-B80E5F96C349}"/>
+              </a:ext>
+            </a:extLst>
+          </p:cNvPr>
+          <p:cNvCxnSpPr>
+            <a:cxnSpLocks/>
+          </p:cNvCxnSpPr>
+          <p:nvPr/>
+        </p:nvCxnSpPr>
+        <p:spPr>
+          <a:xfrm flipV="1">
+            <a:off x="7772645" y="2789792"/>
+            <a:ext cx="753046" cy="1"/>
+          </a:xfrm>
+          <a:prstGeom prst="straightConnector1">
+            <a:avLst/>
+          </a:prstGeom>
+          <a:ln>
+            <a:tailEnd type="triangle"/>
+          </a:ln>
+        </p:spPr>
+        <p:style>
+          <a:lnRef idx="1">
+            <a:schemeClr val="accent1"/>
+          </a:lnRef>
+          <a:fillRef idx="0">
+            <a:schemeClr val="accent1"/>
+          </a:fillRef>
+          <a:effectRef idx="0">
+            <a:schemeClr val="accent1"/>
+          </a:effectRef>
+          <a:fontRef idx="minor">
+            <a:schemeClr val="tx1"/>
+          </a:fontRef>
+        </p:style>
+      </p:cxnSp>
+      <p:sp>
+        <p:nvSpPr>
+          <p:cNvPr id="32" name="TextBox 31">
+            <a:extLst>
+              <a:ext uri="{FF2B5EF4-FFF2-40B4-BE49-F238E27FC236}">
+                <a16:creationId xmlns:a16="http://schemas.microsoft.com/office/drawing/2014/main" id="{0224A9E8-4EE4-4100-8E5A-6974A38299F5}"/>
+              </a:ext>
+            </a:extLst>
+          </p:cNvPr>
+          <p:cNvSpPr txBox="1"/>
+          <p:nvPr/>
+        </p:nvSpPr>
+        <p:spPr>
+          <a:xfrm>
+            <a:off x="8525691" y="2466626"/>
+            <a:ext cx="2009541" cy="923330"/>
+          </a:xfrm>
+          <a:prstGeom prst="rect">
+            <a:avLst/>
+          </a:prstGeom>
+          <a:solidFill>
+            <a:schemeClr val="accent2">
+              <a:lumMod val="40000"/>
+              <a:lumOff val="60000"/>
+            </a:schemeClr>
+          </a:solidFill>
+        </p:spPr>
+        <p:style>
+          <a:lnRef idx="1">
+            <a:schemeClr val="accent1"/>
+          </a:lnRef>
+          <a:fillRef idx="2">
+            <a:schemeClr val="accent1"/>
+          </a:fillRef>
+          <a:effectRef idx="1">
+            <a:schemeClr val="accent1"/>
+          </a:effectRef>
+          <a:fontRef idx="minor">
+            <a:schemeClr val="dk1"/>
+          </a:fontRef>
+        </p:style>
+        <p:txBody>
+          <a:bodyPr wrap="square" rtlCol="0">
+            <a:spAutoFit/>
+          </a:bodyPr>
+          <a:lstStyle/>
+          <a:p>
+            <a:pPr algn="ctr"/>
+            <a:r>
+              <a:rPr lang="en-GB" dirty="0"/>
+              <a:t>Data hasn’t been updated. Do nothing.</a:t>
+            </a:r>
+          </a:p>
+        </p:txBody>
+      </p:sp>
+      <p:sp>
+        <p:nvSpPr>
+          <p:cNvPr id="33" name="TextBox 32">
+            <a:extLst>
+              <a:ext uri="{FF2B5EF4-FFF2-40B4-BE49-F238E27FC236}">
+                <a16:creationId xmlns:a16="http://schemas.microsoft.com/office/drawing/2014/main" id="{A7F0BA27-FD36-4186-B4B2-0690E52D298F}"/>
+              </a:ext>
+            </a:extLst>
+          </p:cNvPr>
+          <p:cNvSpPr txBox="1"/>
+          <p:nvPr/>
+        </p:nvSpPr>
+        <p:spPr>
+          <a:xfrm>
+            <a:off x="7926251" y="2464003"/>
+            <a:ext cx="485518" cy="369332"/>
+          </a:xfrm>
+          <a:prstGeom prst="rect">
+            <a:avLst/>
+          </a:prstGeom>
+          <a:noFill/>
+        </p:spPr>
+        <p:txBody>
+          <a:bodyPr wrap="none" rtlCol="0">
+            <a:spAutoFit/>
+          </a:bodyPr>
+          <a:lstStyle/>
+          <a:p>
+            <a:r>
+              <a:rPr lang="en-GB" dirty="0"/>
+              <a:t>Yes</a:t>
+            </a:r>
+          </a:p>
+        </p:txBody>
+      </p:sp>
+    </p:spTree>
+    <p:extLst>
+      <p:ext uri="{BB962C8B-B14F-4D97-AF65-F5344CB8AC3E}">
+        <p14:creationId xmlns:p14="http://schemas.microsoft.com/office/powerpoint/2010/main" val="2423129868"/>
+      </p:ext>
+    </p:extLst>
+  </p:cSld>
+  <p:clrMapOvr>
+    <a:masterClrMapping/>
+  </p:clrMapOvr>
+</p:sld>
+</file>
+
+<file path=ppt/slides/slide2.xml><?xml version="1.0" encoding="utf-8"?>
+<p:sld xmlns:a="http://schemas.openxmlformats.org/drawingml/2006/main" xmlns:r="http://schemas.openxmlformats.org/officeDocument/2006/relationships" xmlns:p="http://schemas.openxmlformats.org/presentationml/2006/main">
+  <p:cSld>
+    <p:spTree>
+      <p:nvGrpSpPr>
+        <p:cNvPr id="1" name=""/>
+        <p:cNvGrpSpPr/>
+        <p:nvPr/>
+      </p:nvGrpSpPr>
+      <p:grpSpPr>
+        <a:xfrm>
+          <a:off x="0" y="0"/>
+          <a:ext cx="0" cy="0"/>
+          <a:chOff x="0" y="0"/>
+          <a:chExt cx="0" cy="0"/>
+        </a:xfrm>
+      </p:grpSpPr>
+      <p:sp>
+        <p:nvSpPr>
+          <p:cNvPr id="2" name="Title 1">
+            <a:extLst>
+              <a:ext uri="{FF2B5EF4-FFF2-40B4-BE49-F238E27FC236}">
+                <a16:creationId xmlns:a16="http://schemas.microsoft.com/office/drawing/2014/main" id="{CE5D10C6-EA04-491D-B364-E198C3E6F477}"/>
+              </a:ext>
+            </a:extLst>
+          </p:cNvPr>
+          <p:cNvSpPr>
+            <a:spLocks noGrp="1"/>
+          </p:cNvSpPr>
+          <p:nvPr>
+            <p:ph type="title"/>
+          </p:nvPr>
+        </p:nvSpPr>
+        <p:spPr/>
+        <p:txBody>
+          <a:bodyPr/>
+          <a:lstStyle/>
+          <a:p>
+            <a:r>
+              <a:rPr lang="en-GB" dirty="0"/>
+              <a:t>Contents</a:t>
+            </a:r>
+          </a:p>
+        </p:txBody>
+      </p:sp>
+      <p:sp>
+        <p:nvSpPr>
+          <p:cNvPr id="3" name="Content Placeholder 2">
+            <a:extLst>
+              <a:ext uri="{FF2B5EF4-FFF2-40B4-BE49-F238E27FC236}">
+                <a16:creationId xmlns:a16="http://schemas.microsoft.com/office/drawing/2014/main" id="{E9D04A46-5A7E-4240-A62A-E22D4A784E28}"/>
+              </a:ext>
+            </a:extLst>
+          </p:cNvPr>
+          <p:cNvSpPr>
+            <a:spLocks noGrp="1"/>
+          </p:cNvSpPr>
+          <p:nvPr>
+            <p:ph idx="1"/>
+          </p:nvPr>
+        </p:nvSpPr>
+        <p:spPr/>
+        <p:txBody>
+          <a:bodyPr/>
+          <a:lstStyle/>
+          <a:p>
+            <a:r>
+              <a:rPr lang="en-GB" dirty="0"/>
+              <a:t>How does the QA log app work?</a:t>
+            </a:r>
+          </a:p>
+          <a:p>
+            <a:r>
+              <a:rPr lang="en-GB" dirty="0"/>
+              <a:t>How to add a new check</a:t>
+            </a:r>
+          </a:p>
+          <a:p>
+            <a:r>
+              <a:rPr lang="en-GB" dirty="0"/>
+              <a:t>How to add a new log</a:t>
+            </a:r>
+          </a:p>
+        </p:txBody>
+      </p:sp>
+    </p:spTree>
+    <p:extLst>
+      <p:ext uri="{BB962C8B-B14F-4D97-AF65-F5344CB8AC3E}">
+        <p14:creationId xmlns:p14="http://schemas.microsoft.com/office/powerpoint/2010/main" val="1899701667"/>
+      </p:ext>
+    </p:extLst>
+  </p:cSld>
+  <p:clrMapOvr>
+    <a:masterClrMapping/>
+  </p:clrMapOvr>
+</p:sld>
+</file>
+
+<file path=ppt/slides/slide3.xml><?xml version="1.0" encoding="utf-8"?>
+<p:sld xmlns:a="http://schemas.openxmlformats.org/drawingml/2006/main" xmlns:r="http://schemas.openxmlformats.org/officeDocument/2006/relationships" xmlns:p="http://schemas.openxmlformats.org/presentationml/2006/main">
+  <p:cSld>
+    <p:spTree>
+      <p:nvGrpSpPr>
+        <p:cNvPr id="1" name=""/>
+        <p:cNvGrpSpPr/>
+        <p:nvPr/>
+      </p:nvGrpSpPr>
+      <p:grpSpPr>
+        <a:xfrm>
+          <a:off x="0" y="0"/>
+          <a:ext cx="0" cy="0"/>
+          <a:chOff x="0" y="0"/>
+          <a:chExt cx="0" cy="0"/>
+        </a:xfrm>
+      </p:grpSpPr>
+      <p:sp>
+        <p:nvSpPr>
+          <p:cNvPr id="35" name="Rectangle: Rounded Corners 34">
+            <a:extLst>
+              <a:ext uri="{FF2B5EF4-FFF2-40B4-BE49-F238E27FC236}">
+                <a16:creationId xmlns:a16="http://schemas.microsoft.com/office/drawing/2014/main" id="{1FF5E26D-54FD-400D-A5B5-072A975982F1}"/>
+              </a:ext>
+            </a:extLst>
+          </p:cNvPr>
+          <p:cNvSpPr/>
+          <p:nvPr/>
+        </p:nvSpPr>
+        <p:spPr>
+          <a:xfrm>
+            <a:off x="9631367" y="1341748"/>
+            <a:ext cx="1993247" cy="4021644"/>
+          </a:xfrm>
+          <a:prstGeom prst="roundRect">
+            <a:avLst>
+              <a:gd name="adj" fmla="val 14851"/>
+            </a:avLst>
+          </a:prstGeom>
+        </p:spPr>
+        <p:style>
+          <a:lnRef idx="1">
+            <a:schemeClr val="accent2"/>
+          </a:lnRef>
+          <a:fillRef idx="2">
+            <a:schemeClr val="accent2"/>
+          </a:fillRef>
+          <a:effectRef idx="1">
+            <a:schemeClr val="accent2"/>
+          </a:effectRef>
+          <a:fontRef idx="minor">
+            <a:schemeClr val="dk1"/>
+          </a:fontRef>
+        </p:style>
+        <p:txBody>
+          <a:bodyPr rtlCol="0" anchor="ctr"/>
+          <a:lstStyle/>
+          <a:p>
+            <a:pPr algn="ctr"/>
+            <a:endParaRPr lang="en-GB"/>
+          </a:p>
+        </p:txBody>
+      </p:sp>
+      <p:sp>
+        <p:nvSpPr>
+          <p:cNvPr id="33" name="Rectangle: Rounded Corners 32">
+            <a:extLst>
+              <a:ext uri="{FF2B5EF4-FFF2-40B4-BE49-F238E27FC236}">
+                <a16:creationId xmlns:a16="http://schemas.microsoft.com/office/drawing/2014/main" id="{75EA7578-8274-4DFD-BE36-F1B1B47064C9}"/>
+              </a:ext>
+            </a:extLst>
+          </p:cNvPr>
+          <p:cNvSpPr/>
+          <p:nvPr/>
+        </p:nvSpPr>
+        <p:spPr>
+          <a:xfrm>
+            <a:off x="7462561" y="1341748"/>
+            <a:ext cx="1993247" cy="4021644"/>
+          </a:xfrm>
+          <a:prstGeom prst="roundRect">
+            <a:avLst>
+              <a:gd name="adj" fmla="val 14851"/>
+            </a:avLst>
+          </a:prstGeom>
+        </p:spPr>
+        <p:style>
+          <a:lnRef idx="1">
+            <a:schemeClr val="accent6"/>
+          </a:lnRef>
+          <a:fillRef idx="2">
+            <a:schemeClr val="accent6"/>
+          </a:fillRef>
+          <a:effectRef idx="1">
+            <a:schemeClr val="accent6"/>
+          </a:effectRef>
+          <a:fontRef idx="minor">
+            <a:schemeClr val="dk1"/>
+          </a:fontRef>
+        </p:style>
+        <p:txBody>
+          <a:bodyPr rtlCol="0" anchor="ctr"/>
+          <a:lstStyle/>
+          <a:p>
+            <a:pPr algn="ctr"/>
+            <a:endParaRPr lang="en-GB"/>
+          </a:p>
+        </p:txBody>
+      </p:sp>
+      <p:sp>
+        <p:nvSpPr>
+          <p:cNvPr id="50" name="Rectangle: Rounded Corners 49">
+            <a:extLst>
+              <a:ext uri="{FF2B5EF4-FFF2-40B4-BE49-F238E27FC236}">
+                <a16:creationId xmlns:a16="http://schemas.microsoft.com/office/drawing/2014/main" id="{09B7575F-6893-4F3C-98F8-60BCCD179369}"/>
+              </a:ext>
+            </a:extLst>
+          </p:cNvPr>
+          <p:cNvSpPr/>
+          <p:nvPr/>
+        </p:nvSpPr>
+        <p:spPr>
+          <a:xfrm>
+            <a:off x="1295775" y="3043215"/>
+            <a:ext cx="1944809" cy="2286431"/>
+          </a:xfrm>
+          <a:prstGeom prst="roundRect">
+            <a:avLst/>
+          </a:prstGeom>
+        </p:spPr>
+        <p:style>
+          <a:lnRef idx="1">
+            <a:schemeClr val="accent4"/>
+          </a:lnRef>
+          <a:fillRef idx="2">
+            <a:schemeClr val="accent4"/>
+          </a:fillRef>
+          <a:effectRef idx="1">
+            <a:schemeClr val="accent4"/>
+          </a:effectRef>
+          <a:fontRef idx="minor">
+            <a:schemeClr val="dk1"/>
+          </a:fontRef>
+        </p:style>
+        <p:txBody>
+          <a:bodyPr rtlCol="0" anchor="ctr"/>
+          <a:lstStyle/>
+          <a:p>
+            <a:pPr algn="ctr"/>
+            <a:endParaRPr lang="en-GB" dirty="0"/>
+          </a:p>
+        </p:txBody>
+      </p:sp>
+      <p:sp>
+        <p:nvSpPr>
+          <p:cNvPr id="49" name="Rectangle: Rounded Corners 48">
+            <a:extLst>
+              <a:ext uri="{FF2B5EF4-FFF2-40B4-BE49-F238E27FC236}">
+                <a16:creationId xmlns:a16="http://schemas.microsoft.com/office/drawing/2014/main" id="{E703AA69-6FA3-49E0-804E-72D1D1E29D27}"/>
+              </a:ext>
+            </a:extLst>
+          </p:cNvPr>
+          <p:cNvSpPr/>
+          <p:nvPr/>
+        </p:nvSpPr>
+        <p:spPr>
+          <a:xfrm>
+            <a:off x="3394321" y="2090685"/>
+            <a:ext cx="1944809" cy="3272707"/>
+          </a:xfrm>
+          <a:prstGeom prst="roundRect">
+            <a:avLst/>
+          </a:prstGeom>
+        </p:spPr>
+        <p:style>
+          <a:lnRef idx="1">
+            <a:schemeClr val="accent3"/>
+          </a:lnRef>
+          <a:fillRef idx="2">
+            <a:schemeClr val="accent3"/>
+          </a:fillRef>
+          <a:effectRef idx="1">
+            <a:schemeClr val="accent3"/>
+          </a:effectRef>
+          <a:fontRef idx="minor">
+            <a:schemeClr val="dk1"/>
+          </a:fontRef>
+        </p:style>
+        <p:txBody>
+          <a:bodyPr rtlCol="0" anchor="ctr"/>
+          <a:lstStyle/>
+          <a:p>
+            <a:pPr algn="ctr"/>
+            <a:endParaRPr lang="en-GB"/>
+          </a:p>
+        </p:txBody>
+      </p:sp>
+      <p:sp>
+        <p:nvSpPr>
+          <p:cNvPr id="48" name="Rectangle: Rounded Corners 47">
+            <a:extLst>
+              <a:ext uri="{FF2B5EF4-FFF2-40B4-BE49-F238E27FC236}">
+                <a16:creationId xmlns:a16="http://schemas.microsoft.com/office/drawing/2014/main" id="{AF3A92E2-73C0-43A3-94A6-E7306716E189}"/>
+              </a:ext>
+            </a:extLst>
+          </p:cNvPr>
+          <p:cNvSpPr/>
+          <p:nvPr/>
+        </p:nvSpPr>
+        <p:spPr>
+          <a:xfrm>
+            <a:off x="5455314" y="2960914"/>
+            <a:ext cx="1860854" cy="2402477"/>
+          </a:xfrm>
+          <a:prstGeom prst="roundRect">
+            <a:avLst>
+              <a:gd name="adj" fmla="val 14851"/>
+            </a:avLst>
+          </a:prstGeom>
+        </p:spPr>
+        <p:style>
+          <a:lnRef idx="1">
+            <a:schemeClr val="accent5"/>
+          </a:lnRef>
+          <a:fillRef idx="2">
+            <a:schemeClr val="accent5"/>
+          </a:fillRef>
+          <a:effectRef idx="1">
+            <a:schemeClr val="accent5"/>
+          </a:effectRef>
+          <a:fontRef idx="minor">
+            <a:schemeClr val="dk1"/>
+          </a:fontRef>
+        </p:style>
+        <p:txBody>
+          <a:bodyPr rtlCol="0" anchor="ctr"/>
+          <a:lstStyle/>
+          <a:p>
+            <a:pPr algn="ctr"/>
+            <a:endParaRPr lang="en-GB"/>
+          </a:p>
+        </p:txBody>
+      </p:sp>
+      <p:cxnSp>
+        <p:nvCxnSpPr>
+          <p:cNvPr id="45" name="Straight Arrow Connector 44">
+            <a:extLst>
+              <a:ext uri="{FF2B5EF4-FFF2-40B4-BE49-F238E27FC236}">
+                <a16:creationId xmlns:a16="http://schemas.microsoft.com/office/drawing/2014/main" id="{6E5784F5-BE29-46BF-A517-8BA1185459DD}"/>
+              </a:ext>
+            </a:extLst>
+          </p:cNvPr>
+          <p:cNvCxnSpPr>
+            <a:cxnSpLocks/>
+          </p:cNvCxnSpPr>
+          <p:nvPr/>
+        </p:nvCxnSpPr>
+        <p:spPr>
+          <a:xfrm flipH="1">
+            <a:off x="6820406" y="3878258"/>
+            <a:ext cx="1657281" cy="0"/>
+          </a:xfrm>
+          <a:prstGeom prst="straightConnector1">
+            <a:avLst/>
+          </a:prstGeom>
+          <a:ln w="38100">
+            <a:tailEnd type="triangle"/>
+          </a:ln>
+        </p:spPr>
+        <p:style>
+          <a:lnRef idx="1">
+            <a:schemeClr val="accent1"/>
+          </a:lnRef>
+          <a:fillRef idx="0">
+            <a:schemeClr val="accent1"/>
+          </a:fillRef>
+          <a:effectRef idx="0">
+            <a:schemeClr val="accent1"/>
+          </a:effectRef>
+          <a:fontRef idx="minor">
+            <a:schemeClr val="tx1"/>
+          </a:fontRef>
+        </p:style>
+      </p:cxnSp>
+      <p:cxnSp>
+        <p:nvCxnSpPr>
+          <p:cNvPr id="24" name="Straight Arrow Connector 23">
+            <a:extLst>
+              <a:ext uri="{FF2B5EF4-FFF2-40B4-BE49-F238E27FC236}">
+                <a16:creationId xmlns:a16="http://schemas.microsoft.com/office/drawing/2014/main" id="{C34CFD35-FEA3-4906-AB04-19007854493F}"/>
+              </a:ext>
+            </a:extLst>
+          </p:cNvPr>
+          <p:cNvCxnSpPr>
+            <a:cxnSpLocks/>
+          </p:cNvCxnSpPr>
+          <p:nvPr/>
+        </p:nvCxnSpPr>
+        <p:spPr>
+          <a:xfrm>
+            <a:off x="2266608" y="3959164"/>
+            <a:ext cx="0" cy="867726"/>
+          </a:xfrm>
+          <a:prstGeom prst="straightConnector1">
+            <a:avLst/>
+          </a:prstGeom>
+          <a:ln w="38100">
+            <a:tailEnd type="triangle"/>
+          </a:ln>
+        </p:spPr>
+        <p:style>
+          <a:lnRef idx="1">
+            <a:schemeClr val="accent1"/>
+          </a:lnRef>
+          <a:fillRef idx="0">
+            <a:schemeClr val="accent1"/>
+          </a:fillRef>
+          <a:effectRef idx="0">
+            <a:schemeClr val="accent1"/>
+          </a:effectRef>
+          <a:fontRef idx="minor">
+            <a:schemeClr val="tx1"/>
+          </a:fontRef>
+        </p:style>
+      </p:cxnSp>
+      <p:sp>
+        <p:nvSpPr>
+          <p:cNvPr id="2" name="Title 1">
+            <a:extLst>
+              <a:ext uri="{FF2B5EF4-FFF2-40B4-BE49-F238E27FC236}">
+                <a16:creationId xmlns:a16="http://schemas.microsoft.com/office/drawing/2014/main" id="{6809EE09-539D-4994-9FCA-3E3A6AB7E245}"/>
+              </a:ext>
+            </a:extLst>
+          </p:cNvPr>
+          <p:cNvSpPr>
+            <a:spLocks noGrp="1"/>
+          </p:cNvSpPr>
+          <p:nvPr>
+            <p:ph type="title"/>
+          </p:nvPr>
+        </p:nvSpPr>
+        <p:spPr/>
+        <p:txBody>
+          <a:bodyPr/>
+          <a:lstStyle/>
+          <a:p>
+            <a:r>
+              <a:rPr lang="en-GB" dirty="0"/>
+              <a:t>How does the QA log app work?</a:t>
+            </a:r>
+          </a:p>
+        </p:txBody>
+      </p:sp>
+      <p:sp>
+        <p:nvSpPr>
+          <p:cNvPr id="4" name="Rectangle 3">
+            <a:extLst>
+              <a:ext uri="{FF2B5EF4-FFF2-40B4-BE49-F238E27FC236}">
+                <a16:creationId xmlns:a16="http://schemas.microsoft.com/office/drawing/2014/main" id="{916B87A9-63BF-4D1C-9935-714B2EB16EC6}"/>
+              </a:ext>
+            </a:extLst>
+          </p:cNvPr>
+          <p:cNvSpPr/>
+          <p:nvPr/>
+        </p:nvSpPr>
+        <p:spPr>
+          <a:xfrm>
+            <a:off x="5548357" y="5744007"/>
+            <a:ext cx="1704975" cy="723900"/>
+          </a:xfrm>
+          <a:prstGeom prst="rect">
+            <a:avLst/>
+          </a:prstGeom>
+        </p:spPr>
+        <p:style>
+          <a:lnRef idx="2">
+            <a:schemeClr val="accent1">
+              <a:shade val="50000"/>
+            </a:schemeClr>
+          </a:lnRef>
+          <a:fillRef idx="1">
+            <a:schemeClr val="accent1"/>
+          </a:fillRef>
+          <a:effectRef idx="0">
+            <a:schemeClr val="accent1"/>
+          </a:effectRef>
+          <a:fontRef idx="minor">
+            <a:schemeClr val="lt1"/>
+          </a:fontRef>
+        </p:style>
+        <p:txBody>
+          <a:bodyPr rtlCol="0" anchor="ctr"/>
+          <a:lstStyle/>
+          <a:p>
+            <a:pPr algn="ctr"/>
+            <a:r>
+              <a:rPr lang="en-GB" dirty="0"/>
+              <a:t>app.R</a:t>
+            </a:r>
+          </a:p>
+        </p:txBody>
+      </p:sp>
+      <p:cxnSp>
+        <p:nvCxnSpPr>
+          <p:cNvPr id="8" name="Straight Arrow Connector 7">
+            <a:extLst>
+              <a:ext uri="{FF2B5EF4-FFF2-40B4-BE49-F238E27FC236}">
+                <a16:creationId xmlns:a16="http://schemas.microsoft.com/office/drawing/2014/main" id="{FED6E45F-628A-4487-9403-DEDCF1B9B5D1}"/>
+              </a:ext>
+            </a:extLst>
+          </p:cNvPr>
+          <p:cNvCxnSpPr>
+            <a:cxnSpLocks/>
+            <a:stCxn id="21" idx="2"/>
+            <a:endCxn id="4" idx="1"/>
+          </p:cNvCxnSpPr>
+          <p:nvPr/>
+        </p:nvCxnSpPr>
+        <p:spPr>
+          <a:xfrm>
+            <a:off x="2266609" y="5149817"/>
+            <a:ext cx="3281748" cy="956140"/>
+          </a:xfrm>
+          <a:prstGeom prst="straightConnector1">
+            <a:avLst/>
+          </a:prstGeom>
+          <a:ln w="38100">
+            <a:tailEnd type="triangle"/>
+          </a:ln>
+        </p:spPr>
+        <p:style>
+          <a:lnRef idx="1">
+            <a:schemeClr val="accent1"/>
+          </a:lnRef>
+          <a:fillRef idx="0">
+            <a:schemeClr val="accent1"/>
+          </a:fillRef>
+          <a:effectRef idx="0">
+            <a:schemeClr val="accent1"/>
+          </a:effectRef>
+          <a:fontRef idx="minor">
+            <a:schemeClr val="tx1"/>
+          </a:fontRef>
+        </p:style>
+      </p:cxnSp>
+      <p:sp>
+        <p:nvSpPr>
+          <p:cNvPr id="16" name="TextBox 15">
+            <a:extLst>
+              <a:ext uri="{FF2B5EF4-FFF2-40B4-BE49-F238E27FC236}">
+                <a16:creationId xmlns:a16="http://schemas.microsoft.com/office/drawing/2014/main" id="{273D8C85-CF04-442B-AEC4-BEBAEFF8045A}"/>
+              </a:ext>
+            </a:extLst>
+          </p:cNvPr>
+          <p:cNvSpPr txBox="1"/>
+          <p:nvPr/>
+        </p:nvSpPr>
+        <p:spPr>
+          <a:xfrm>
+            <a:off x="3815405" y="2130172"/>
+            <a:ext cx="1095172" cy="369332"/>
+          </a:xfrm>
+          <a:prstGeom prst="rect">
+            <a:avLst/>
+          </a:prstGeom>
+          <a:noFill/>
+        </p:spPr>
+        <p:txBody>
+          <a:bodyPr wrap="none" rtlCol="0">
+            <a:spAutoFit/>
+          </a:bodyPr>
+          <a:lstStyle/>
+          <a:p>
+            <a:r>
+              <a:rPr lang="en-GB" dirty="0"/>
+              <a:t>Functions</a:t>
+            </a:r>
+          </a:p>
+        </p:txBody>
+      </p:sp>
+      <p:sp>
+        <p:nvSpPr>
+          <p:cNvPr id="21" name="Rectangle 20">
+            <a:extLst>
+              <a:ext uri="{FF2B5EF4-FFF2-40B4-BE49-F238E27FC236}">
+                <a16:creationId xmlns:a16="http://schemas.microsoft.com/office/drawing/2014/main" id="{F17A4122-2753-42E6-A7D1-571C77F24060}"/>
+              </a:ext>
+            </a:extLst>
+          </p:cNvPr>
+          <p:cNvSpPr/>
+          <p:nvPr/>
+        </p:nvSpPr>
+        <p:spPr>
+          <a:xfrm>
+            <a:off x="1414121" y="4425917"/>
+            <a:ext cx="1704975" cy="723900"/>
+          </a:xfrm>
+          <a:prstGeom prst="rect">
+            <a:avLst/>
+          </a:prstGeom>
+          <a:solidFill>
+            <a:schemeClr val="accent6">
+              <a:lumMod val="75000"/>
+            </a:schemeClr>
+          </a:solidFill>
+        </p:spPr>
+        <p:style>
+          <a:lnRef idx="2">
+            <a:schemeClr val="accent1">
+              <a:shade val="50000"/>
+            </a:schemeClr>
+          </a:lnRef>
+          <a:fillRef idx="1">
+            <a:schemeClr val="accent1"/>
+          </a:fillRef>
+          <a:effectRef idx="0">
+            <a:schemeClr val="accent1"/>
+          </a:effectRef>
+          <a:fontRef idx="minor">
+            <a:schemeClr val="lt1"/>
+          </a:fontRef>
+        </p:style>
+        <p:txBody>
+          <a:bodyPr rtlCol="0" anchor="ctr"/>
+          <a:lstStyle/>
+          <a:p>
+            <a:pPr algn="ctr"/>
+            <a:r>
+              <a:rPr lang="en-GB" sz="1400" dirty="0"/>
+              <a:t>home_ui.R</a:t>
+            </a:r>
+          </a:p>
+        </p:txBody>
+      </p:sp>
+      <p:sp>
+        <p:nvSpPr>
+          <p:cNvPr id="22" name="Rectangle 21">
+            <a:extLst>
+              <a:ext uri="{FF2B5EF4-FFF2-40B4-BE49-F238E27FC236}">
+                <a16:creationId xmlns:a16="http://schemas.microsoft.com/office/drawing/2014/main" id="{1ECCB9FF-A6AF-4905-A0B1-EB9020DD6C59}"/>
+              </a:ext>
+            </a:extLst>
+          </p:cNvPr>
+          <p:cNvSpPr/>
+          <p:nvPr/>
+        </p:nvSpPr>
+        <p:spPr>
+          <a:xfrm>
+            <a:off x="1414121" y="3519897"/>
+            <a:ext cx="1704975" cy="723900"/>
+          </a:xfrm>
+          <a:prstGeom prst="rect">
+            <a:avLst/>
+          </a:prstGeom>
+          <a:solidFill>
+            <a:schemeClr val="accent6">
+              <a:lumMod val="75000"/>
+            </a:schemeClr>
+          </a:solidFill>
+        </p:spPr>
+        <p:style>
+          <a:lnRef idx="2">
+            <a:schemeClr val="accent1">
+              <a:shade val="50000"/>
+            </a:schemeClr>
+          </a:lnRef>
+          <a:fillRef idx="1">
+            <a:schemeClr val="accent1"/>
+          </a:fillRef>
+          <a:effectRef idx="0">
+            <a:schemeClr val="accent1"/>
+          </a:effectRef>
+          <a:fontRef idx="minor">
+            <a:schemeClr val="lt1"/>
+          </a:fontRef>
+        </p:style>
+        <p:txBody>
+          <a:bodyPr rtlCol="0" anchor="ctr"/>
+          <a:lstStyle/>
+          <a:p>
+            <a:pPr algn="ctr"/>
+            <a:r>
+              <a:rPr lang="en-GB" sz="1400" dirty="0"/>
+              <a:t>main_ui.R</a:t>
+            </a:r>
+          </a:p>
+        </p:txBody>
+      </p:sp>
+      <p:sp>
+        <p:nvSpPr>
+          <p:cNvPr id="26" name="TextBox 25">
+            <a:extLst>
+              <a:ext uri="{FF2B5EF4-FFF2-40B4-BE49-F238E27FC236}">
+                <a16:creationId xmlns:a16="http://schemas.microsoft.com/office/drawing/2014/main" id="{524EF733-917E-4D85-BE4D-E004E6FF8E4A}"/>
+              </a:ext>
+            </a:extLst>
+          </p:cNvPr>
+          <p:cNvSpPr txBox="1"/>
+          <p:nvPr/>
+        </p:nvSpPr>
+        <p:spPr>
+          <a:xfrm>
+            <a:off x="2071683" y="3043216"/>
+            <a:ext cx="389850" cy="369332"/>
+          </a:xfrm>
+          <a:prstGeom prst="rect">
+            <a:avLst/>
+          </a:prstGeom>
+          <a:noFill/>
+        </p:spPr>
+        <p:txBody>
+          <a:bodyPr wrap="none" rtlCol="0">
+            <a:spAutoFit/>
+          </a:bodyPr>
+          <a:lstStyle/>
+          <a:p>
+            <a:r>
+              <a:rPr lang="en-GB" dirty="0"/>
+              <a:t>UI</a:t>
+            </a:r>
+          </a:p>
+        </p:txBody>
+      </p:sp>
+      <p:cxnSp>
+        <p:nvCxnSpPr>
+          <p:cNvPr id="27" name="Straight Arrow Connector 26">
+            <a:extLst>
+              <a:ext uri="{FF2B5EF4-FFF2-40B4-BE49-F238E27FC236}">
+                <a16:creationId xmlns:a16="http://schemas.microsoft.com/office/drawing/2014/main" id="{92FD7DC9-276D-4F6F-B25D-5B05920F009C}"/>
+              </a:ext>
+            </a:extLst>
+          </p:cNvPr>
+          <p:cNvCxnSpPr>
+            <a:cxnSpLocks/>
+          </p:cNvCxnSpPr>
+          <p:nvPr/>
+        </p:nvCxnSpPr>
+        <p:spPr>
+          <a:xfrm>
+            <a:off x="6400845" y="4030005"/>
+            <a:ext cx="0" cy="1731134"/>
+          </a:xfrm>
+          <a:prstGeom prst="straightConnector1">
+            <a:avLst/>
+          </a:prstGeom>
+          <a:ln w="38100">
+            <a:tailEnd type="triangle"/>
+          </a:ln>
+        </p:spPr>
+        <p:style>
+          <a:lnRef idx="1">
+            <a:schemeClr val="accent1"/>
+          </a:lnRef>
+          <a:fillRef idx="0">
+            <a:schemeClr val="accent1"/>
+          </a:fillRef>
+          <a:effectRef idx="0">
+            <a:schemeClr val="accent1"/>
+          </a:effectRef>
+          <a:fontRef idx="minor">
+            <a:schemeClr val="tx1"/>
+          </a:fontRef>
+        </p:style>
+      </p:cxnSp>
+      <p:sp>
+        <p:nvSpPr>
+          <p:cNvPr id="28" name="Rectangle 27">
+            <a:extLst>
+              <a:ext uri="{FF2B5EF4-FFF2-40B4-BE49-F238E27FC236}">
+                <a16:creationId xmlns:a16="http://schemas.microsoft.com/office/drawing/2014/main" id="{76B6FC6D-7D55-4D85-9AC4-397EA670843E}"/>
+              </a:ext>
+            </a:extLst>
+          </p:cNvPr>
+          <p:cNvSpPr/>
+          <p:nvPr/>
+        </p:nvSpPr>
+        <p:spPr>
+          <a:xfrm>
+            <a:off x="5548358" y="4496758"/>
+            <a:ext cx="1704975" cy="723900"/>
+          </a:xfrm>
+          <a:prstGeom prst="rect">
+            <a:avLst/>
+          </a:prstGeom>
+          <a:solidFill>
+            <a:schemeClr val="accent6">
+              <a:lumMod val="75000"/>
+            </a:schemeClr>
+          </a:solidFill>
+        </p:spPr>
+        <p:style>
+          <a:lnRef idx="2">
+            <a:schemeClr val="accent1">
+              <a:shade val="50000"/>
+            </a:schemeClr>
+          </a:lnRef>
+          <a:fillRef idx="1">
+            <a:schemeClr val="accent1"/>
+          </a:fillRef>
+          <a:effectRef idx="0">
+            <a:schemeClr val="accent1"/>
+          </a:effectRef>
+          <a:fontRef idx="minor">
+            <a:schemeClr val="lt1"/>
+          </a:fontRef>
+        </p:style>
+        <p:txBody>
+          <a:bodyPr rtlCol="0" anchor="ctr"/>
+          <a:lstStyle/>
+          <a:p>
+            <a:pPr algn="ctr"/>
+            <a:r>
+              <a:rPr lang="en-GB" sz="1400" dirty="0"/>
+              <a:t>home_server.R</a:t>
+            </a:r>
+          </a:p>
+        </p:txBody>
+      </p:sp>
+      <p:sp>
+        <p:nvSpPr>
+          <p:cNvPr id="29" name="Rectangle 28">
+            <a:extLst>
+              <a:ext uri="{FF2B5EF4-FFF2-40B4-BE49-F238E27FC236}">
+                <a16:creationId xmlns:a16="http://schemas.microsoft.com/office/drawing/2014/main" id="{DD075850-420B-4257-B32E-C07A2C77C492}"/>
+              </a:ext>
+            </a:extLst>
+          </p:cNvPr>
+          <p:cNvSpPr/>
+          <p:nvPr/>
+        </p:nvSpPr>
+        <p:spPr>
+          <a:xfrm>
+            <a:off x="5548358" y="3590738"/>
+            <a:ext cx="1704975" cy="723900"/>
+          </a:xfrm>
+          <a:prstGeom prst="rect">
+            <a:avLst/>
+          </a:prstGeom>
+          <a:solidFill>
+            <a:schemeClr val="accent6">
+              <a:lumMod val="75000"/>
+            </a:schemeClr>
+          </a:solidFill>
+        </p:spPr>
+        <p:style>
+          <a:lnRef idx="2">
+            <a:schemeClr val="accent1">
+              <a:shade val="50000"/>
+            </a:schemeClr>
+          </a:lnRef>
+          <a:fillRef idx="1">
+            <a:schemeClr val="accent1"/>
+          </a:fillRef>
+          <a:effectRef idx="0">
+            <a:schemeClr val="accent1"/>
+          </a:effectRef>
+          <a:fontRef idx="minor">
+            <a:schemeClr val="lt1"/>
+          </a:fontRef>
+        </p:style>
+        <p:txBody>
+          <a:bodyPr rtlCol="0" anchor="ctr"/>
+          <a:lstStyle/>
+          <a:p>
+            <a:pPr algn="ctr"/>
+            <a:r>
+              <a:rPr lang="en-GB" sz="1400" dirty="0"/>
+              <a:t>main_server.R</a:t>
+            </a:r>
+          </a:p>
+        </p:txBody>
+      </p:sp>
+      <p:sp>
+        <p:nvSpPr>
+          <p:cNvPr id="30" name="TextBox 29">
+            <a:extLst>
+              <a:ext uri="{FF2B5EF4-FFF2-40B4-BE49-F238E27FC236}">
+                <a16:creationId xmlns:a16="http://schemas.microsoft.com/office/drawing/2014/main" id="{F2323DFB-7EC5-44CC-BDB9-00156F80D6F5}"/>
+              </a:ext>
+            </a:extLst>
+          </p:cNvPr>
+          <p:cNvSpPr txBox="1"/>
+          <p:nvPr/>
+        </p:nvSpPr>
+        <p:spPr>
+          <a:xfrm>
+            <a:off x="5891919" y="3023732"/>
+            <a:ext cx="987643" cy="461665"/>
+          </a:xfrm>
+          <a:prstGeom prst="rect">
+            <a:avLst/>
+          </a:prstGeom>
+          <a:noFill/>
+        </p:spPr>
+        <p:txBody>
+          <a:bodyPr wrap="none" rtlCol="0">
+            <a:spAutoFit/>
+          </a:bodyPr>
+          <a:lstStyle/>
+          <a:p>
+            <a:r>
+              <a:rPr lang="en-GB" sz="2400" dirty="0"/>
+              <a:t>Server</a:t>
+            </a:r>
+          </a:p>
+        </p:txBody>
+      </p:sp>
+      <p:cxnSp>
+        <p:nvCxnSpPr>
+          <p:cNvPr id="36" name="Straight Arrow Connector 35">
+            <a:extLst>
+              <a:ext uri="{FF2B5EF4-FFF2-40B4-BE49-F238E27FC236}">
+                <a16:creationId xmlns:a16="http://schemas.microsoft.com/office/drawing/2014/main" id="{4AB15DE9-844B-4FC9-81CF-013A8BDE7A10}"/>
+              </a:ext>
+            </a:extLst>
+          </p:cNvPr>
+          <p:cNvCxnSpPr>
+            <a:cxnSpLocks/>
+          </p:cNvCxnSpPr>
+          <p:nvPr/>
+        </p:nvCxnSpPr>
+        <p:spPr>
+          <a:xfrm>
+            <a:off x="8501534" y="2137196"/>
+            <a:ext cx="2" cy="2689694"/>
+          </a:xfrm>
+          <a:prstGeom prst="straightConnector1">
+            <a:avLst/>
+          </a:prstGeom>
+          <a:ln w="38100">
+            <a:tailEnd type="triangle"/>
+          </a:ln>
+        </p:spPr>
+        <p:style>
+          <a:lnRef idx="1">
+            <a:schemeClr val="accent1"/>
+          </a:lnRef>
+          <a:fillRef idx="0">
+            <a:schemeClr val="accent1"/>
+          </a:fillRef>
+          <a:effectRef idx="0">
+            <a:schemeClr val="accent1"/>
+          </a:effectRef>
+          <a:fontRef idx="minor">
+            <a:schemeClr val="tx1"/>
+          </a:fontRef>
+        </p:style>
+      </p:cxnSp>
+      <p:sp>
+        <p:nvSpPr>
+          <p:cNvPr id="37" name="Rectangle 36">
+            <a:extLst>
+              <a:ext uri="{FF2B5EF4-FFF2-40B4-BE49-F238E27FC236}">
+                <a16:creationId xmlns:a16="http://schemas.microsoft.com/office/drawing/2014/main" id="{AAB5FAA4-0431-4149-B5ED-520D0DEEE620}"/>
+              </a:ext>
+            </a:extLst>
+          </p:cNvPr>
+          <p:cNvSpPr/>
+          <p:nvPr/>
+        </p:nvSpPr>
+        <p:spPr>
+          <a:xfrm>
+            <a:off x="7649049" y="3516308"/>
+            <a:ext cx="1704975" cy="723900"/>
+          </a:xfrm>
+          <a:prstGeom prst="rect">
+            <a:avLst/>
+          </a:prstGeom>
+          <a:solidFill>
+            <a:schemeClr val="accent2">
+              <a:lumMod val="60000"/>
+              <a:lumOff val="40000"/>
+            </a:schemeClr>
+          </a:solidFill>
+        </p:spPr>
+        <p:style>
+          <a:lnRef idx="2">
+            <a:schemeClr val="accent1">
+              <a:shade val="50000"/>
+            </a:schemeClr>
+          </a:lnRef>
+          <a:fillRef idx="1">
+            <a:schemeClr val="accent1"/>
+          </a:fillRef>
+          <a:effectRef idx="0">
+            <a:schemeClr val="accent1"/>
+          </a:effectRef>
+          <a:fontRef idx="minor">
+            <a:schemeClr val="lt1"/>
+          </a:fontRef>
+        </p:style>
+        <p:txBody>
+          <a:bodyPr rtlCol="0" anchor="ctr"/>
+          <a:lstStyle/>
+          <a:p>
+            <a:pPr algn="ctr"/>
+            <a:r>
+              <a:rPr lang="en-GB" sz="1000" dirty="0">
+                <a:solidFill>
+                  <a:schemeClr val="tx1"/>
+                </a:solidFill>
+              </a:rPr>
+              <a:t>comments_dashboard_log.R</a:t>
+            </a:r>
+          </a:p>
+        </p:txBody>
+      </p:sp>
+      <p:sp>
+        <p:nvSpPr>
+          <p:cNvPr id="38" name="Rectangle 37">
+            <a:extLst>
+              <a:ext uri="{FF2B5EF4-FFF2-40B4-BE49-F238E27FC236}">
+                <a16:creationId xmlns:a16="http://schemas.microsoft.com/office/drawing/2014/main" id="{13156197-5B49-4E01-A684-DBD358A3DF8B}"/>
+              </a:ext>
+            </a:extLst>
+          </p:cNvPr>
+          <p:cNvSpPr/>
+          <p:nvPr/>
+        </p:nvSpPr>
+        <p:spPr>
+          <a:xfrm>
+            <a:off x="7649049" y="2610288"/>
+            <a:ext cx="1704975" cy="723900"/>
+          </a:xfrm>
+          <a:prstGeom prst="rect">
+            <a:avLst/>
+          </a:prstGeom>
+          <a:solidFill>
+            <a:schemeClr val="accent2">
+              <a:lumMod val="60000"/>
+              <a:lumOff val="40000"/>
+            </a:schemeClr>
+          </a:solidFill>
+        </p:spPr>
+        <p:style>
+          <a:lnRef idx="2">
+            <a:schemeClr val="accent1">
+              <a:shade val="50000"/>
+            </a:schemeClr>
+          </a:lnRef>
+          <a:fillRef idx="1">
+            <a:schemeClr val="accent1"/>
+          </a:fillRef>
+          <a:effectRef idx="0">
+            <a:schemeClr val="accent1"/>
+          </a:effectRef>
+          <a:fontRef idx="minor">
+            <a:schemeClr val="lt1"/>
+          </a:fontRef>
+        </p:style>
+        <p:txBody>
+          <a:bodyPr rtlCol="0" anchor="ctr"/>
+          <a:lstStyle/>
+          <a:p>
+            <a:pPr algn="ctr"/>
+            <a:r>
+              <a:rPr lang="en-GB" sz="1100" dirty="0">
+                <a:solidFill>
+                  <a:schemeClr val="tx1"/>
+                </a:solidFill>
+              </a:rPr>
+              <a:t>comments_analysis_log.R</a:t>
+            </a:r>
+          </a:p>
+        </p:txBody>
+      </p:sp>
+      <p:sp>
+        <p:nvSpPr>
+          <p:cNvPr id="39" name="Rectangle 38">
+            <a:extLst>
+              <a:ext uri="{FF2B5EF4-FFF2-40B4-BE49-F238E27FC236}">
+                <a16:creationId xmlns:a16="http://schemas.microsoft.com/office/drawing/2014/main" id="{81340333-C09A-4746-BE14-61D3489D9415}"/>
+              </a:ext>
+            </a:extLst>
+          </p:cNvPr>
+          <p:cNvSpPr/>
+          <p:nvPr/>
+        </p:nvSpPr>
+        <p:spPr>
+          <a:xfrm>
+            <a:off x="7649048" y="4422328"/>
+            <a:ext cx="1704975" cy="723900"/>
+          </a:xfrm>
+          <a:prstGeom prst="rect">
+            <a:avLst/>
+          </a:prstGeom>
+          <a:solidFill>
+            <a:schemeClr val="accent2">
+              <a:lumMod val="60000"/>
+              <a:lumOff val="40000"/>
+            </a:schemeClr>
+          </a:solidFill>
+        </p:spPr>
+        <p:style>
+          <a:lnRef idx="2">
+            <a:schemeClr val="accent1">
+              <a:shade val="50000"/>
+            </a:schemeClr>
+          </a:lnRef>
+          <a:fillRef idx="1">
+            <a:schemeClr val="accent1"/>
+          </a:fillRef>
+          <a:effectRef idx="0">
+            <a:schemeClr val="accent1"/>
+          </a:effectRef>
+          <a:fontRef idx="minor">
+            <a:schemeClr val="lt1"/>
+          </a:fontRef>
+        </p:style>
+        <p:txBody>
+          <a:bodyPr rtlCol="0" anchor="ctr"/>
+          <a:lstStyle/>
+          <a:p>
+            <a:pPr algn="ctr"/>
+            <a:r>
+              <a:rPr lang="en-GB" sz="1100" dirty="0">
+                <a:solidFill>
+                  <a:schemeClr val="tx1"/>
+                </a:solidFill>
+              </a:rPr>
+              <a:t>comments_statistics_log.R</a:t>
+            </a:r>
+          </a:p>
+        </p:txBody>
+      </p:sp>
+      <p:sp>
+        <p:nvSpPr>
+          <p:cNvPr id="40" name="Rectangle 39">
+            <a:extLst>
+              <a:ext uri="{FF2B5EF4-FFF2-40B4-BE49-F238E27FC236}">
+                <a16:creationId xmlns:a16="http://schemas.microsoft.com/office/drawing/2014/main" id="{DE032E4C-BF08-46A0-81CA-DC0A0EE49347}"/>
+              </a:ext>
+            </a:extLst>
+          </p:cNvPr>
+          <p:cNvSpPr/>
+          <p:nvPr/>
+        </p:nvSpPr>
+        <p:spPr>
+          <a:xfrm>
+            <a:off x="7649047" y="1741614"/>
+            <a:ext cx="1704975" cy="723900"/>
+          </a:xfrm>
+          <a:prstGeom prst="rect">
+            <a:avLst/>
+          </a:prstGeom>
+          <a:solidFill>
+            <a:schemeClr val="accent2">
+              <a:lumMod val="60000"/>
+              <a:lumOff val="40000"/>
+            </a:schemeClr>
+          </a:solidFill>
+        </p:spPr>
+        <p:style>
+          <a:lnRef idx="2">
+            <a:schemeClr val="accent1">
+              <a:shade val="50000"/>
+            </a:schemeClr>
+          </a:lnRef>
+          <a:fillRef idx="1">
+            <a:schemeClr val="accent1"/>
+          </a:fillRef>
+          <a:effectRef idx="0">
+            <a:schemeClr val="accent1"/>
+          </a:effectRef>
+          <a:fontRef idx="minor">
+            <a:schemeClr val="lt1"/>
+          </a:fontRef>
+        </p:style>
+        <p:txBody>
+          <a:bodyPr rtlCol="0" anchor="ctr"/>
+          <a:lstStyle/>
+          <a:p>
+            <a:pPr algn="ctr"/>
+            <a:r>
+              <a:rPr lang="en-GB" sz="1050" dirty="0">
+                <a:solidFill>
+                  <a:schemeClr val="tx1"/>
+                </a:solidFill>
+              </a:rPr>
+              <a:t>comments_modelling_log.R</a:t>
+            </a:r>
+          </a:p>
+        </p:txBody>
+      </p:sp>
+      <p:sp>
+        <p:nvSpPr>
+          <p:cNvPr id="53" name="TextBox 52">
+            <a:extLst>
+              <a:ext uri="{FF2B5EF4-FFF2-40B4-BE49-F238E27FC236}">
+                <a16:creationId xmlns:a16="http://schemas.microsoft.com/office/drawing/2014/main" id="{EC8B331F-AFFC-41B7-9D24-6670C3B6C485}"/>
+              </a:ext>
+            </a:extLst>
+          </p:cNvPr>
+          <p:cNvSpPr txBox="1"/>
+          <p:nvPr/>
+        </p:nvSpPr>
+        <p:spPr>
+          <a:xfrm>
+            <a:off x="182880" y="1341747"/>
+            <a:ext cx="581378" cy="646331"/>
+          </a:xfrm>
+          <a:prstGeom prst="rect">
+            <a:avLst/>
+          </a:prstGeom>
+          <a:noFill/>
+        </p:spPr>
+        <p:txBody>
+          <a:bodyPr wrap="none" rtlCol="0">
+            <a:spAutoFit/>
+          </a:bodyPr>
+          <a:lstStyle/>
+          <a:p>
+            <a:r>
+              <a:rPr lang="en-GB" dirty="0"/>
+              <a:t>Key:</a:t>
+            </a:r>
+          </a:p>
+          <a:p>
+            <a:endParaRPr lang="en-GB" dirty="0"/>
+          </a:p>
+        </p:txBody>
+      </p:sp>
+      <p:sp>
+        <p:nvSpPr>
+          <p:cNvPr id="54" name="Rectangle 53">
+            <a:extLst>
+              <a:ext uri="{FF2B5EF4-FFF2-40B4-BE49-F238E27FC236}">
+                <a16:creationId xmlns:a16="http://schemas.microsoft.com/office/drawing/2014/main" id="{5279537E-F463-4A8D-9F13-7A8C184D1C98}"/>
+              </a:ext>
+            </a:extLst>
+          </p:cNvPr>
+          <p:cNvSpPr/>
+          <p:nvPr/>
+        </p:nvSpPr>
+        <p:spPr>
+          <a:xfrm>
+            <a:off x="278716" y="2259485"/>
+            <a:ext cx="1895307" cy="473620"/>
+          </a:xfrm>
+          <a:prstGeom prst="rect">
+            <a:avLst/>
+          </a:prstGeom>
+          <a:solidFill>
+            <a:schemeClr val="accent6">
+              <a:lumMod val="75000"/>
+            </a:schemeClr>
+          </a:solidFill>
+        </p:spPr>
+        <p:style>
+          <a:lnRef idx="2">
+            <a:schemeClr val="accent1">
+              <a:shade val="50000"/>
+            </a:schemeClr>
+          </a:lnRef>
+          <a:fillRef idx="1">
+            <a:schemeClr val="accent1"/>
+          </a:fillRef>
+          <a:effectRef idx="0">
+            <a:schemeClr val="accent1"/>
+          </a:effectRef>
+          <a:fontRef idx="minor">
+            <a:schemeClr val="lt1"/>
+          </a:fontRef>
+        </p:style>
+        <p:txBody>
+          <a:bodyPr rtlCol="0" anchor="ctr"/>
+          <a:lstStyle/>
+          <a:p>
+            <a:pPr algn="ctr"/>
+            <a:r>
+              <a:rPr lang="en-GB" sz="1400" dirty="0"/>
+              <a:t>Shouldn’t be edited</a:t>
+            </a:r>
+          </a:p>
+        </p:txBody>
+      </p:sp>
+      <p:sp>
+        <p:nvSpPr>
+          <p:cNvPr id="55" name="Rectangle 54">
+            <a:extLst>
+              <a:ext uri="{FF2B5EF4-FFF2-40B4-BE49-F238E27FC236}">
+                <a16:creationId xmlns:a16="http://schemas.microsoft.com/office/drawing/2014/main" id="{82F7FFA3-343E-4649-BD6F-25036DCC79EE}"/>
+              </a:ext>
+            </a:extLst>
+          </p:cNvPr>
+          <p:cNvSpPr/>
+          <p:nvPr/>
+        </p:nvSpPr>
+        <p:spPr>
+          <a:xfrm>
+            <a:off x="279581" y="1716576"/>
+            <a:ext cx="1895307" cy="473414"/>
+          </a:xfrm>
+          <a:prstGeom prst="rect">
+            <a:avLst/>
+          </a:prstGeom>
+          <a:solidFill>
+            <a:schemeClr val="accent2">
+              <a:lumMod val="60000"/>
+              <a:lumOff val="40000"/>
+            </a:schemeClr>
+          </a:solidFill>
+        </p:spPr>
+        <p:style>
+          <a:lnRef idx="2">
+            <a:schemeClr val="accent1">
+              <a:shade val="50000"/>
+            </a:schemeClr>
+          </a:lnRef>
+          <a:fillRef idx="1">
+            <a:schemeClr val="accent1"/>
+          </a:fillRef>
+          <a:effectRef idx="0">
+            <a:schemeClr val="accent1"/>
+          </a:effectRef>
+          <a:fontRef idx="minor">
+            <a:schemeClr val="lt1"/>
+          </a:fontRef>
+        </p:style>
+        <p:txBody>
+          <a:bodyPr rtlCol="0" anchor="ctr"/>
+          <a:lstStyle/>
+          <a:p>
+            <a:pPr algn="ctr"/>
+            <a:r>
+              <a:rPr lang="en-GB" sz="1400" dirty="0">
+                <a:solidFill>
+                  <a:schemeClr val="tx1"/>
+                </a:solidFill>
+              </a:rPr>
+              <a:t>Can be edited to add new checks/new logs</a:t>
+            </a:r>
+          </a:p>
+        </p:txBody>
+      </p:sp>
+      <p:sp>
+        <p:nvSpPr>
+          <p:cNvPr id="34" name="TextBox 33">
+            <a:extLst>
+              <a:ext uri="{FF2B5EF4-FFF2-40B4-BE49-F238E27FC236}">
+                <a16:creationId xmlns:a16="http://schemas.microsoft.com/office/drawing/2014/main" id="{87E7ECA5-436C-48EB-98CE-EA11D5E26FF2}"/>
+              </a:ext>
+            </a:extLst>
+          </p:cNvPr>
+          <p:cNvSpPr txBox="1"/>
+          <p:nvPr/>
+        </p:nvSpPr>
+        <p:spPr>
+          <a:xfrm>
+            <a:off x="7733375" y="1305235"/>
+            <a:ext cx="1536318" cy="461665"/>
+          </a:xfrm>
+          <a:prstGeom prst="rect">
+            <a:avLst/>
+          </a:prstGeom>
+          <a:noFill/>
+        </p:spPr>
+        <p:txBody>
+          <a:bodyPr wrap="none" rtlCol="0">
+            <a:spAutoFit/>
+          </a:bodyPr>
+          <a:lstStyle/>
+          <a:p>
+            <a:r>
+              <a:rPr lang="en-GB" sz="2400" dirty="0"/>
+              <a:t>Comments</a:t>
+            </a:r>
+          </a:p>
+        </p:txBody>
+      </p:sp>
+      <p:cxnSp>
+        <p:nvCxnSpPr>
+          <p:cNvPr id="47" name="Straight Arrow Connector 46">
+            <a:extLst>
+              <a:ext uri="{FF2B5EF4-FFF2-40B4-BE49-F238E27FC236}">
+                <a16:creationId xmlns:a16="http://schemas.microsoft.com/office/drawing/2014/main" id="{B4DD1DC4-C020-4786-8BB6-F42605349FA4}"/>
+              </a:ext>
+            </a:extLst>
+          </p:cNvPr>
+          <p:cNvCxnSpPr>
+            <a:cxnSpLocks/>
+          </p:cNvCxnSpPr>
+          <p:nvPr/>
+        </p:nvCxnSpPr>
+        <p:spPr>
+          <a:xfrm>
+            <a:off x="10642968" y="2139655"/>
+            <a:ext cx="2" cy="2689694"/>
+          </a:xfrm>
+          <a:prstGeom prst="straightConnector1">
+            <a:avLst/>
+          </a:prstGeom>
+          <a:ln w="38100">
+            <a:tailEnd type="triangle"/>
+          </a:ln>
+        </p:spPr>
+        <p:style>
+          <a:lnRef idx="1">
+            <a:schemeClr val="accent1"/>
+          </a:lnRef>
+          <a:fillRef idx="0">
+            <a:schemeClr val="accent1"/>
+          </a:fillRef>
+          <a:effectRef idx="0">
+            <a:schemeClr val="accent1"/>
+          </a:effectRef>
+          <a:fontRef idx="minor">
+            <a:schemeClr val="tx1"/>
+          </a:fontRef>
+        </p:style>
+      </p:cxnSp>
+      <p:sp>
+        <p:nvSpPr>
+          <p:cNvPr id="51" name="Rectangle 50">
+            <a:extLst>
+              <a:ext uri="{FF2B5EF4-FFF2-40B4-BE49-F238E27FC236}">
+                <a16:creationId xmlns:a16="http://schemas.microsoft.com/office/drawing/2014/main" id="{B12238BB-5265-4D1F-8F99-70C84468DFD1}"/>
+              </a:ext>
+            </a:extLst>
+          </p:cNvPr>
+          <p:cNvSpPr/>
+          <p:nvPr/>
+        </p:nvSpPr>
+        <p:spPr>
+          <a:xfrm>
+            <a:off x="9790483" y="3518767"/>
+            <a:ext cx="1704975" cy="723900"/>
+          </a:xfrm>
+          <a:prstGeom prst="rect">
+            <a:avLst/>
+          </a:prstGeom>
+          <a:solidFill>
+            <a:schemeClr val="accent2">
+              <a:lumMod val="60000"/>
+              <a:lumOff val="40000"/>
+            </a:schemeClr>
+          </a:solidFill>
+        </p:spPr>
+        <p:style>
+          <a:lnRef idx="2">
+            <a:schemeClr val="accent1">
+              <a:shade val="50000"/>
+            </a:schemeClr>
+          </a:lnRef>
+          <a:fillRef idx="1">
+            <a:schemeClr val="accent1"/>
+          </a:fillRef>
+          <a:effectRef idx="0">
+            <a:schemeClr val="accent1"/>
+          </a:effectRef>
+          <a:fontRef idx="minor">
+            <a:schemeClr val="lt1"/>
+          </a:fontRef>
+        </p:style>
+        <p:txBody>
+          <a:bodyPr rtlCol="0" anchor="ctr"/>
+          <a:lstStyle/>
+          <a:p>
+            <a:pPr algn="ctr"/>
+            <a:r>
+              <a:rPr lang="en-GB" sz="1000" dirty="0">
+                <a:solidFill>
+                  <a:schemeClr val="tx1"/>
+                </a:solidFill>
+              </a:rPr>
+              <a:t>tooltips_dashboard_log.R</a:t>
+            </a:r>
+          </a:p>
+        </p:txBody>
+      </p:sp>
+      <p:sp>
+        <p:nvSpPr>
+          <p:cNvPr id="52" name="Rectangle 51">
+            <a:extLst>
+              <a:ext uri="{FF2B5EF4-FFF2-40B4-BE49-F238E27FC236}">
+                <a16:creationId xmlns:a16="http://schemas.microsoft.com/office/drawing/2014/main" id="{64073352-BB98-4D2A-9E43-741377C87202}"/>
+              </a:ext>
+            </a:extLst>
+          </p:cNvPr>
+          <p:cNvSpPr/>
+          <p:nvPr/>
+        </p:nvSpPr>
+        <p:spPr>
+          <a:xfrm>
+            <a:off x="9790483" y="2612747"/>
+            <a:ext cx="1704975" cy="723900"/>
+          </a:xfrm>
+          <a:prstGeom prst="rect">
+            <a:avLst/>
+          </a:prstGeom>
+          <a:solidFill>
+            <a:schemeClr val="accent2">
+              <a:lumMod val="60000"/>
+              <a:lumOff val="40000"/>
+            </a:schemeClr>
+          </a:solidFill>
+        </p:spPr>
+        <p:style>
+          <a:lnRef idx="2">
+            <a:schemeClr val="accent1">
+              <a:shade val="50000"/>
+            </a:schemeClr>
+          </a:lnRef>
+          <a:fillRef idx="1">
+            <a:schemeClr val="accent1"/>
+          </a:fillRef>
+          <a:effectRef idx="0">
+            <a:schemeClr val="accent1"/>
+          </a:effectRef>
+          <a:fontRef idx="minor">
+            <a:schemeClr val="lt1"/>
+          </a:fontRef>
+        </p:style>
+        <p:txBody>
+          <a:bodyPr rtlCol="0" anchor="ctr"/>
+          <a:lstStyle/>
+          <a:p>
+            <a:pPr algn="ctr"/>
+            <a:r>
+              <a:rPr lang="en-GB" sz="1100" dirty="0">
+                <a:solidFill>
+                  <a:schemeClr val="tx1"/>
+                </a:solidFill>
+              </a:rPr>
+              <a:t>tooltips_analysis_log.R</a:t>
+            </a:r>
+          </a:p>
+        </p:txBody>
+      </p:sp>
+      <p:sp>
+        <p:nvSpPr>
+          <p:cNvPr id="56" name="Rectangle 55">
+            <a:extLst>
+              <a:ext uri="{FF2B5EF4-FFF2-40B4-BE49-F238E27FC236}">
+                <a16:creationId xmlns:a16="http://schemas.microsoft.com/office/drawing/2014/main" id="{5DF69258-5BF1-4186-907F-FCF20435AE02}"/>
+              </a:ext>
+            </a:extLst>
+          </p:cNvPr>
+          <p:cNvSpPr/>
+          <p:nvPr/>
+        </p:nvSpPr>
+        <p:spPr>
+          <a:xfrm>
+            <a:off x="9790482" y="4424787"/>
+            <a:ext cx="1704975" cy="723900"/>
+          </a:xfrm>
+          <a:prstGeom prst="rect">
+            <a:avLst/>
+          </a:prstGeom>
+          <a:solidFill>
+            <a:schemeClr val="accent2">
+              <a:lumMod val="60000"/>
+              <a:lumOff val="40000"/>
+            </a:schemeClr>
+          </a:solidFill>
+        </p:spPr>
+        <p:style>
+          <a:lnRef idx="2">
+            <a:schemeClr val="accent1">
+              <a:shade val="50000"/>
+            </a:schemeClr>
+          </a:lnRef>
+          <a:fillRef idx="1">
+            <a:schemeClr val="accent1"/>
+          </a:fillRef>
+          <a:effectRef idx="0">
+            <a:schemeClr val="accent1"/>
+          </a:effectRef>
+          <a:fontRef idx="minor">
+            <a:schemeClr val="lt1"/>
+          </a:fontRef>
+        </p:style>
+        <p:txBody>
+          <a:bodyPr rtlCol="0" anchor="ctr"/>
+          <a:lstStyle/>
+          <a:p>
+            <a:pPr algn="ctr"/>
+            <a:r>
+              <a:rPr lang="en-GB" sz="1100" dirty="0">
+                <a:solidFill>
+                  <a:schemeClr val="tx1"/>
+                </a:solidFill>
+              </a:rPr>
+              <a:t>tooltips_statistics_log.R</a:t>
+            </a:r>
+          </a:p>
+        </p:txBody>
+      </p:sp>
+      <p:sp>
+        <p:nvSpPr>
+          <p:cNvPr id="57" name="Rectangle 56">
+            <a:extLst>
+              <a:ext uri="{FF2B5EF4-FFF2-40B4-BE49-F238E27FC236}">
+                <a16:creationId xmlns:a16="http://schemas.microsoft.com/office/drawing/2014/main" id="{681A63D4-E2C8-43D4-8AD2-E6BB7A98C39E}"/>
+              </a:ext>
+            </a:extLst>
+          </p:cNvPr>
+          <p:cNvSpPr/>
+          <p:nvPr/>
+        </p:nvSpPr>
+        <p:spPr>
+          <a:xfrm>
+            <a:off x="9790481" y="1744073"/>
+            <a:ext cx="1704975" cy="723900"/>
+          </a:xfrm>
+          <a:prstGeom prst="rect">
+            <a:avLst/>
+          </a:prstGeom>
+          <a:solidFill>
+            <a:schemeClr val="accent2">
+              <a:lumMod val="60000"/>
+              <a:lumOff val="40000"/>
+            </a:schemeClr>
+          </a:solidFill>
+        </p:spPr>
+        <p:style>
+          <a:lnRef idx="2">
+            <a:schemeClr val="accent1">
+              <a:shade val="50000"/>
+            </a:schemeClr>
+          </a:lnRef>
+          <a:fillRef idx="1">
+            <a:schemeClr val="accent1"/>
+          </a:fillRef>
+          <a:effectRef idx="0">
+            <a:schemeClr val="accent1"/>
+          </a:effectRef>
+          <a:fontRef idx="minor">
+            <a:schemeClr val="lt1"/>
+          </a:fontRef>
+        </p:style>
+        <p:txBody>
+          <a:bodyPr rtlCol="0" anchor="ctr"/>
+          <a:lstStyle/>
+          <a:p>
+            <a:pPr algn="ctr"/>
+            <a:r>
+              <a:rPr lang="en-GB" sz="1050" dirty="0">
+                <a:solidFill>
+                  <a:schemeClr val="tx1"/>
+                </a:solidFill>
+              </a:rPr>
+              <a:t>tooltips_modelling_log.R</a:t>
+            </a:r>
+          </a:p>
+        </p:txBody>
+      </p:sp>
+      <p:sp>
+        <p:nvSpPr>
+          <p:cNvPr id="58" name="TextBox 57">
+            <a:extLst>
+              <a:ext uri="{FF2B5EF4-FFF2-40B4-BE49-F238E27FC236}">
+                <a16:creationId xmlns:a16="http://schemas.microsoft.com/office/drawing/2014/main" id="{50ECED08-65CA-4066-9B98-E2980E16B78F}"/>
+              </a:ext>
+            </a:extLst>
+          </p:cNvPr>
+          <p:cNvSpPr txBox="1"/>
+          <p:nvPr/>
+        </p:nvSpPr>
+        <p:spPr>
+          <a:xfrm>
+            <a:off x="10049947" y="1312078"/>
+            <a:ext cx="1156086" cy="461665"/>
+          </a:xfrm>
+          <a:prstGeom prst="rect">
+            <a:avLst/>
+          </a:prstGeom>
+          <a:noFill/>
+        </p:spPr>
+        <p:txBody>
+          <a:bodyPr wrap="none" rtlCol="0">
+            <a:spAutoFit/>
+          </a:bodyPr>
+          <a:lstStyle/>
+          <a:p>
+            <a:r>
+              <a:rPr lang="en-GB" sz="2400" dirty="0"/>
+              <a:t>Tooltips</a:t>
+            </a:r>
+          </a:p>
+        </p:txBody>
+      </p:sp>
+      <p:cxnSp>
+        <p:nvCxnSpPr>
+          <p:cNvPr id="59" name="Straight Arrow Connector 58">
+            <a:extLst>
+              <a:ext uri="{FF2B5EF4-FFF2-40B4-BE49-F238E27FC236}">
+                <a16:creationId xmlns:a16="http://schemas.microsoft.com/office/drawing/2014/main" id="{8494F436-C91D-46C9-8525-F28DABB2B187}"/>
+              </a:ext>
+            </a:extLst>
+          </p:cNvPr>
+          <p:cNvCxnSpPr>
+            <a:cxnSpLocks/>
+          </p:cNvCxnSpPr>
+          <p:nvPr/>
+        </p:nvCxnSpPr>
+        <p:spPr>
+          <a:xfrm>
+            <a:off x="4369724" y="3097943"/>
+            <a:ext cx="0" cy="1709489"/>
+          </a:xfrm>
+          <a:prstGeom prst="straightConnector1">
+            <a:avLst/>
+          </a:prstGeom>
+          <a:ln w="38100">
+            <a:tailEnd type="triangle"/>
+          </a:ln>
+        </p:spPr>
+        <p:style>
+          <a:lnRef idx="1">
+            <a:schemeClr val="accent1"/>
+          </a:lnRef>
+          <a:fillRef idx="0">
+            <a:schemeClr val="accent1"/>
+          </a:fillRef>
+          <a:effectRef idx="0">
+            <a:schemeClr val="accent1"/>
+          </a:effectRef>
+          <a:fontRef idx="minor">
+            <a:schemeClr val="tx1"/>
+          </a:fontRef>
+        </p:style>
+      </p:cxnSp>
+      <p:sp>
+        <p:nvSpPr>
+          <p:cNvPr id="13" name="Rectangle 12">
+            <a:extLst>
+              <a:ext uri="{FF2B5EF4-FFF2-40B4-BE49-F238E27FC236}">
+                <a16:creationId xmlns:a16="http://schemas.microsoft.com/office/drawing/2014/main" id="{1DF37AD2-742C-46E1-B308-4841152D6813}"/>
+              </a:ext>
+            </a:extLst>
+          </p:cNvPr>
+          <p:cNvSpPr/>
+          <p:nvPr/>
+        </p:nvSpPr>
+        <p:spPr>
+          <a:xfrm>
+            <a:off x="3510504" y="3519897"/>
+            <a:ext cx="1704975" cy="723900"/>
+          </a:xfrm>
+          <a:prstGeom prst="rect">
+            <a:avLst/>
+          </a:prstGeom>
+          <a:solidFill>
+            <a:schemeClr val="accent6">
+              <a:lumMod val="75000"/>
+            </a:schemeClr>
+          </a:solidFill>
+        </p:spPr>
+        <p:style>
+          <a:lnRef idx="2">
+            <a:schemeClr val="accent1">
+              <a:shade val="50000"/>
+            </a:schemeClr>
+          </a:lnRef>
+          <a:fillRef idx="1">
+            <a:schemeClr val="accent1"/>
+          </a:fillRef>
+          <a:effectRef idx="0">
+            <a:schemeClr val="accent1"/>
+          </a:effectRef>
+          <a:fontRef idx="minor">
+            <a:schemeClr val="lt1"/>
+          </a:fontRef>
+        </p:style>
+        <p:txBody>
+          <a:bodyPr rtlCol="0" anchor="ctr"/>
+          <a:lstStyle/>
+          <a:p>
+            <a:pPr algn="ctr"/>
+            <a:r>
+              <a:rPr lang="en-GB" sz="1400" dirty="0"/>
+              <a:t>functions_for_ui.R</a:t>
+            </a:r>
+          </a:p>
+        </p:txBody>
+      </p:sp>
+      <p:sp>
+        <p:nvSpPr>
+          <p:cNvPr id="14" name="Rectangle 13">
+            <a:extLst>
+              <a:ext uri="{FF2B5EF4-FFF2-40B4-BE49-F238E27FC236}">
+                <a16:creationId xmlns:a16="http://schemas.microsoft.com/office/drawing/2014/main" id="{C4F0C839-1FC1-40CB-8E9D-25E68AD40F39}"/>
+              </a:ext>
+            </a:extLst>
+          </p:cNvPr>
+          <p:cNvSpPr/>
+          <p:nvPr/>
+        </p:nvSpPr>
+        <p:spPr>
+          <a:xfrm>
+            <a:off x="3510504" y="2610288"/>
+            <a:ext cx="1704975" cy="723900"/>
+          </a:xfrm>
+          <a:prstGeom prst="rect">
+            <a:avLst/>
+          </a:prstGeom>
+          <a:solidFill>
+            <a:schemeClr val="accent2">
+              <a:lumMod val="60000"/>
+              <a:lumOff val="40000"/>
+            </a:schemeClr>
+          </a:solidFill>
+        </p:spPr>
+        <p:style>
+          <a:lnRef idx="2">
+            <a:schemeClr val="accent1">
+              <a:shade val="50000"/>
+            </a:schemeClr>
+          </a:lnRef>
+          <a:fillRef idx="1">
+            <a:schemeClr val="accent1"/>
+          </a:fillRef>
+          <a:effectRef idx="0">
+            <a:schemeClr val="accent1"/>
+          </a:effectRef>
+          <a:fontRef idx="minor">
+            <a:schemeClr val="lt1"/>
+          </a:fontRef>
+        </p:style>
+        <p:txBody>
+          <a:bodyPr rtlCol="0" anchor="ctr"/>
+          <a:lstStyle/>
+          <a:p>
+            <a:pPr algn="ctr"/>
+            <a:r>
+              <a:rPr lang="en-GB" dirty="0">
+                <a:solidFill>
+                  <a:schemeClr val="tx1"/>
+                </a:solidFill>
+              </a:rPr>
+              <a:t>edit_lists.R</a:t>
+            </a:r>
+          </a:p>
+        </p:txBody>
+      </p:sp>
+      <p:sp>
+        <p:nvSpPr>
+          <p:cNvPr id="18" name="Rectangle 17">
+            <a:extLst>
+              <a:ext uri="{FF2B5EF4-FFF2-40B4-BE49-F238E27FC236}">
+                <a16:creationId xmlns:a16="http://schemas.microsoft.com/office/drawing/2014/main" id="{8A3D13D4-6658-4157-989C-17DF617C4AEE}"/>
+              </a:ext>
+            </a:extLst>
+          </p:cNvPr>
+          <p:cNvSpPr/>
+          <p:nvPr/>
+        </p:nvSpPr>
+        <p:spPr>
+          <a:xfrm>
+            <a:off x="3510504" y="4425917"/>
+            <a:ext cx="1704975" cy="723900"/>
+          </a:xfrm>
+          <a:prstGeom prst="rect">
+            <a:avLst/>
+          </a:prstGeom>
+          <a:solidFill>
+            <a:schemeClr val="accent6">
+              <a:lumMod val="75000"/>
+            </a:schemeClr>
+          </a:solidFill>
+        </p:spPr>
+        <p:style>
+          <a:lnRef idx="2">
+            <a:schemeClr val="accent1">
+              <a:shade val="50000"/>
+            </a:schemeClr>
+          </a:lnRef>
+          <a:fillRef idx="1">
+            <a:schemeClr val="accent1"/>
+          </a:fillRef>
+          <a:effectRef idx="0">
+            <a:schemeClr val="accent1"/>
+          </a:effectRef>
+          <a:fontRef idx="minor">
+            <a:schemeClr val="lt1"/>
+          </a:fontRef>
+        </p:style>
+        <p:txBody>
+          <a:bodyPr rtlCol="0" anchor="ctr"/>
+          <a:lstStyle/>
+          <a:p>
+            <a:pPr algn="ctr"/>
+            <a:r>
+              <a:rPr lang="en-GB" sz="1400" dirty="0"/>
+              <a:t>functions.R</a:t>
+            </a:r>
+          </a:p>
+        </p:txBody>
+      </p:sp>
+      <p:cxnSp>
+        <p:nvCxnSpPr>
+          <p:cNvPr id="60" name="Straight Arrow Connector 59">
+            <a:extLst>
+              <a:ext uri="{FF2B5EF4-FFF2-40B4-BE49-F238E27FC236}">
+                <a16:creationId xmlns:a16="http://schemas.microsoft.com/office/drawing/2014/main" id="{D4BF5341-19C9-49E7-AE78-5DA4E59AE189}"/>
+              </a:ext>
+            </a:extLst>
+          </p:cNvPr>
+          <p:cNvCxnSpPr>
+            <a:cxnSpLocks/>
+            <a:stCxn id="18" idx="2"/>
+          </p:cNvCxnSpPr>
+          <p:nvPr/>
+        </p:nvCxnSpPr>
+        <p:spPr>
+          <a:xfrm>
+            <a:off x="4362992" y="5149817"/>
+            <a:ext cx="1216234" cy="794741"/>
+          </a:xfrm>
+          <a:prstGeom prst="straightConnector1">
+            <a:avLst/>
+          </a:prstGeom>
+          <a:ln w="38100">
+            <a:tailEnd type="triangle"/>
+          </a:ln>
+        </p:spPr>
+        <p:style>
+          <a:lnRef idx="1">
+            <a:schemeClr val="accent1"/>
+          </a:lnRef>
+          <a:fillRef idx="0">
+            <a:schemeClr val="accent1"/>
+          </a:fillRef>
+          <a:effectRef idx="0">
+            <a:schemeClr val="accent1"/>
+          </a:effectRef>
+          <a:fontRef idx="minor">
+            <a:schemeClr val="tx1"/>
+          </a:fontRef>
+        </p:style>
+      </p:cxnSp>
+      <p:cxnSp>
+        <p:nvCxnSpPr>
+          <p:cNvPr id="61" name="Straight Arrow Connector 60">
+            <a:extLst>
+              <a:ext uri="{FF2B5EF4-FFF2-40B4-BE49-F238E27FC236}">
+                <a16:creationId xmlns:a16="http://schemas.microsoft.com/office/drawing/2014/main" id="{A622F18B-20B7-47EF-84AF-BCC896DD9011}"/>
+              </a:ext>
+            </a:extLst>
+          </p:cNvPr>
+          <p:cNvCxnSpPr>
+            <a:cxnSpLocks/>
+          </p:cNvCxnSpPr>
+          <p:nvPr/>
+        </p:nvCxnSpPr>
+        <p:spPr>
+          <a:xfrm flipH="1">
+            <a:off x="7253332" y="5155394"/>
+            <a:ext cx="1254862" cy="752067"/>
+          </a:xfrm>
+          <a:prstGeom prst="straightConnector1">
+            <a:avLst/>
+          </a:prstGeom>
+          <a:ln w="38100">
+            <a:tailEnd type="triangle"/>
+          </a:ln>
+        </p:spPr>
+        <p:style>
+          <a:lnRef idx="1">
+            <a:schemeClr val="accent1"/>
+          </a:lnRef>
+          <a:fillRef idx="0">
+            <a:schemeClr val="accent1"/>
+          </a:fillRef>
+          <a:effectRef idx="0">
+            <a:schemeClr val="accent1"/>
+          </a:effectRef>
+          <a:fontRef idx="minor">
+            <a:schemeClr val="tx1"/>
+          </a:fontRef>
+        </p:style>
+      </p:cxnSp>
+      <p:cxnSp>
+        <p:nvCxnSpPr>
+          <p:cNvPr id="62" name="Straight Arrow Connector 61">
+            <a:extLst>
+              <a:ext uri="{FF2B5EF4-FFF2-40B4-BE49-F238E27FC236}">
+                <a16:creationId xmlns:a16="http://schemas.microsoft.com/office/drawing/2014/main" id="{41EDABE6-1385-48F2-B07E-D6EC4254612D}"/>
+              </a:ext>
+            </a:extLst>
+          </p:cNvPr>
+          <p:cNvCxnSpPr>
+            <a:cxnSpLocks/>
+            <a:endCxn id="4" idx="3"/>
+          </p:cNvCxnSpPr>
+          <p:nvPr/>
+        </p:nvCxnSpPr>
+        <p:spPr>
+          <a:xfrm flipH="1">
+            <a:off x="7253332" y="5168333"/>
+            <a:ext cx="3389636" cy="937624"/>
+          </a:xfrm>
+          <a:prstGeom prst="straightConnector1">
+            <a:avLst/>
+          </a:prstGeom>
+          <a:ln w="38100">
+            <a:tailEnd type="triangle"/>
+          </a:ln>
+        </p:spPr>
+        <p:style>
+          <a:lnRef idx="1">
+            <a:schemeClr val="accent1"/>
+          </a:lnRef>
+          <a:fillRef idx="0">
+            <a:schemeClr val="accent1"/>
+          </a:fillRef>
+          <a:effectRef idx="0">
+            <a:schemeClr val="accent1"/>
+          </a:effectRef>
+          <a:fontRef idx="minor">
+            <a:schemeClr val="tx1"/>
+          </a:fontRef>
+        </p:style>
+      </p:cxnSp>
+    </p:spTree>
+    <p:extLst>
+      <p:ext uri="{BB962C8B-B14F-4D97-AF65-F5344CB8AC3E}">
+        <p14:creationId xmlns:p14="http://schemas.microsoft.com/office/powerpoint/2010/main" val="628519272"/>
+      </p:ext>
+    </p:extLst>
+  </p:cSld>
+  <p:clrMapOvr>
+    <a:masterClrMapping/>
+  </p:clrMapOvr>
+</p:sld>
+</file>
+
+<file path=ppt/slides/slide4.xml><?xml version="1.0" encoding="utf-8"?>
+<p:sld xmlns:a="http://schemas.openxmlformats.org/drawingml/2006/main" xmlns:r="http://schemas.openxmlformats.org/officeDocument/2006/relationships" xmlns:p="http://schemas.openxmlformats.org/presentationml/2006/main">
+  <p:cSld>
+    <p:spTree>
+      <p:nvGrpSpPr>
+        <p:cNvPr id="1" name=""/>
+        <p:cNvGrpSpPr/>
+        <p:nvPr/>
+      </p:nvGrpSpPr>
+      <p:grpSpPr>
+        <a:xfrm>
+          <a:off x="0" y="0"/>
+          <a:ext cx="0" cy="0"/>
+          <a:chOff x="0" y="0"/>
+          <a:chExt cx="0" cy="0"/>
+        </a:xfrm>
+      </p:grpSpPr>
+      <p:sp>
+        <p:nvSpPr>
+          <p:cNvPr id="2" name="Title 1">
+            <a:extLst>
+              <a:ext uri="{FF2B5EF4-FFF2-40B4-BE49-F238E27FC236}">
+                <a16:creationId xmlns:a16="http://schemas.microsoft.com/office/drawing/2014/main" id="{298BF65D-E790-44B4-9563-4762647C61CF}"/>
+              </a:ext>
+            </a:extLst>
+          </p:cNvPr>
+          <p:cNvSpPr>
+            <a:spLocks noGrp="1"/>
+          </p:cNvSpPr>
+          <p:nvPr>
+            <p:ph type="title"/>
+          </p:nvPr>
+        </p:nvSpPr>
+        <p:spPr/>
+        <p:txBody>
+          <a:bodyPr/>
+          <a:lstStyle/>
+          <a:p>
+            <a:r>
+              <a:rPr lang="en-GB" dirty="0"/>
+              <a:t>How to add a new check (1/4)</a:t>
+            </a:r>
+          </a:p>
+        </p:txBody>
+      </p:sp>
+      <p:sp>
+        <p:nvSpPr>
+          <p:cNvPr id="3" name="Content Placeholder 2">
+            <a:extLst>
+              <a:ext uri="{FF2B5EF4-FFF2-40B4-BE49-F238E27FC236}">
+                <a16:creationId xmlns:a16="http://schemas.microsoft.com/office/drawing/2014/main" id="{D0174BC5-A07C-4717-8321-5CD37C6704A2}"/>
+              </a:ext>
+            </a:extLst>
+          </p:cNvPr>
+          <p:cNvSpPr>
+            <a:spLocks noGrp="1"/>
+          </p:cNvSpPr>
+          <p:nvPr>
+            <p:ph idx="1"/>
+          </p:nvPr>
+        </p:nvSpPr>
+        <p:spPr/>
+        <p:txBody>
+          <a:bodyPr/>
+          <a:lstStyle/>
+          <a:p>
+            <a:r>
+              <a:rPr lang="en-GB" dirty="0"/>
+              <a:t>In edit_lists.R:</a:t>
+            </a:r>
+          </a:p>
+          <a:p>
+            <a:r>
+              <a:rPr lang="en-GB" dirty="0"/>
+              <a:t>Add the check ID to QAcheckslist</a:t>
+            </a:r>
+          </a:p>
+          <a:p>
+            <a:endParaRPr lang="en-GB" dirty="0"/>
+          </a:p>
+          <a:p>
+            <a:pPr marL="0" indent="0">
+              <a:buNone/>
+            </a:pPr>
+            <a:endParaRPr lang="en-GB" dirty="0"/>
+          </a:p>
+          <a:p>
+            <a:r>
+              <a:rPr lang="en-GB" dirty="0"/>
+              <a:t>Add the check name to each individual _names list:</a:t>
+            </a:r>
+          </a:p>
+          <a:p>
+            <a:endParaRPr lang="en-GB" dirty="0"/>
+          </a:p>
+        </p:txBody>
+      </p:sp>
+      <p:pic>
+        <p:nvPicPr>
+          <p:cNvPr id="5" name="Picture 4">
+            <a:extLst>
+              <a:ext uri="{FF2B5EF4-FFF2-40B4-BE49-F238E27FC236}">
+                <a16:creationId xmlns:a16="http://schemas.microsoft.com/office/drawing/2014/main" id="{F31EFC8D-970C-4A39-A934-5376D6109B30}"/>
+              </a:ext>
+            </a:extLst>
+          </p:cNvPr>
+          <p:cNvPicPr>
+            <a:picLocks noChangeAspect="1"/>
+          </p:cNvPicPr>
+          <p:nvPr/>
+        </p:nvPicPr>
+        <p:blipFill>
+          <a:blip r:embed="rId2"/>
+          <a:stretch>
+            <a:fillRect/>
+          </a:stretch>
+        </p:blipFill>
+        <p:spPr>
+          <a:xfrm>
+            <a:off x="2637942" y="2852085"/>
+            <a:ext cx="6916115" cy="914528"/>
+          </a:xfrm>
+          <a:prstGeom prst="rect">
+            <a:avLst/>
+          </a:prstGeom>
+        </p:spPr>
+      </p:pic>
+      <p:pic>
+        <p:nvPicPr>
+          <p:cNvPr id="7" name="Picture 6">
+            <a:extLst>
+              <a:ext uri="{FF2B5EF4-FFF2-40B4-BE49-F238E27FC236}">
+                <a16:creationId xmlns:a16="http://schemas.microsoft.com/office/drawing/2014/main" id="{5D232217-1159-43D2-9092-86168868B71A}"/>
+              </a:ext>
+            </a:extLst>
+          </p:cNvPr>
+          <p:cNvPicPr>
+            <a:picLocks noChangeAspect="1"/>
+          </p:cNvPicPr>
+          <p:nvPr/>
+        </p:nvPicPr>
+        <p:blipFill>
+          <a:blip r:embed="rId3"/>
+          <a:stretch>
+            <a:fillRect/>
+          </a:stretch>
+        </p:blipFill>
+        <p:spPr>
+          <a:xfrm>
+            <a:off x="285267" y="4303767"/>
+            <a:ext cx="7754432" cy="1686160"/>
+          </a:xfrm>
+          <a:prstGeom prst="rect">
+            <a:avLst/>
+          </a:prstGeom>
+        </p:spPr>
+      </p:pic>
+      <p:sp>
+        <p:nvSpPr>
+          <p:cNvPr id="8" name="TextBox 7">
+            <a:extLst>
+              <a:ext uri="{FF2B5EF4-FFF2-40B4-BE49-F238E27FC236}">
+                <a16:creationId xmlns:a16="http://schemas.microsoft.com/office/drawing/2014/main" id="{53DDBE14-CBBC-4F57-B1D7-DA4384EE6FC2}"/>
+              </a:ext>
+            </a:extLst>
+          </p:cNvPr>
+          <p:cNvSpPr txBox="1"/>
+          <p:nvPr/>
+        </p:nvSpPr>
+        <p:spPr>
+          <a:xfrm>
+            <a:off x="8124825" y="4546682"/>
+            <a:ext cx="4067175" cy="1200329"/>
+          </a:xfrm>
+          <a:prstGeom prst="rect">
+            <a:avLst/>
+          </a:prstGeom>
+          <a:noFill/>
+        </p:spPr>
+        <p:txBody>
+          <a:bodyPr wrap="square" rtlCol="0">
+            <a:spAutoFit/>
+          </a:bodyPr>
+          <a:lstStyle/>
+          <a:p>
+            <a:r>
+              <a:rPr lang="en-GB" dirty="0"/>
+              <a:t>The order of check names should follow the same order as QAcheckslist</a:t>
+            </a:r>
+          </a:p>
+          <a:p>
+            <a:r>
+              <a:rPr lang="en-GB" dirty="0"/>
+              <a:t>If the check is not part of that log, put a 0 in the correct place</a:t>
+            </a:r>
+          </a:p>
+        </p:txBody>
+      </p:sp>
+    </p:spTree>
+    <p:extLst>
+      <p:ext uri="{BB962C8B-B14F-4D97-AF65-F5344CB8AC3E}">
+        <p14:creationId xmlns:p14="http://schemas.microsoft.com/office/powerpoint/2010/main" val="3253141204"/>
+      </p:ext>
+    </p:extLst>
+  </p:cSld>
+  <p:clrMapOvr>
+    <a:masterClrMapping/>
+  </p:clrMapOvr>
+</p:sld>
+</file>
+
+<file path=ppt/slides/slide5.xml><?xml version="1.0" encoding="utf-8"?>
+<p:sld xmlns:a="http://schemas.openxmlformats.org/drawingml/2006/main" xmlns:r="http://schemas.openxmlformats.org/officeDocument/2006/relationships" xmlns:p="http://schemas.openxmlformats.org/presentationml/2006/main">
+  <p:cSld>
+    <p:spTree>
+      <p:nvGrpSpPr>
+        <p:cNvPr id="1" name=""/>
+        <p:cNvGrpSpPr/>
+        <p:nvPr/>
+      </p:nvGrpSpPr>
+      <p:grpSpPr>
+        <a:xfrm>
+          <a:off x="0" y="0"/>
+          <a:ext cx="0" cy="0"/>
+          <a:chOff x="0" y="0"/>
+          <a:chExt cx="0" cy="0"/>
+        </a:xfrm>
+      </p:grpSpPr>
+      <p:sp>
+        <p:nvSpPr>
+          <p:cNvPr id="2" name="Title 1">
+            <a:extLst>
+              <a:ext uri="{FF2B5EF4-FFF2-40B4-BE49-F238E27FC236}">
+                <a16:creationId xmlns:a16="http://schemas.microsoft.com/office/drawing/2014/main" id="{298BF65D-E790-44B4-9563-4762647C61CF}"/>
+              </a:ext>
+            </a:extLst>
+          </p:cNvPr>
+          <p:cNvSpPr>
+            <a:spLocks noGrp="1"/>
+          </p:cNvSpPr>
+          <p:nvPr>
+            <p:ph type="title"/>
+          </p:nvPr>
+        </p:nvSpPr>
+        <p:spPr/>
+        <p:txBody>
+          <a:bodyPr/>
+          <a:lstStyle/>
+          <a:p>
+            <a:r>
+              <a:rPr lang="en-GB" dirty="0"/>
+              <a:t>How to add a new check (2/4)</a:t>
+            </a:r>
+          </a:p>
+        </p:txBody>
+      </p:sp>
+      <p:sp>
+        <p:nvSpPr>
+          <p:cNvPr id="3" name="Content Placeholder 2">
+            <a:extLst>
+              <a:ext uri="{FF2B5EF4-FFF2-40B4-BE49-F238E27FC236}">
+                <a16:creationId xmlns:a16="http://schemas.microsoft.com/office/drawing/2014/main" id="{D0174BC5-A07C-4717-8321-5CD37C6704A2}"/>
+              </a:ext>
+            </a:extLst>
+          </p:cNvPr>
+          <p:cNvSpPr>
+            <a:spLocks noGrp="1"/>
+          </p:cNvSpPr>
+          <p:nvPr>
+            <p:ph idx="1"/>
+          </p:nvPr>
+        </p:nvSpPr>
+        <p:spPr/>
+        <p:txBody>
+          <a:bodyPr/>
+          <a:lstStyle/>
+          <a:p>
+            <a:r>
+              <a:rPr lang="en-GB" dirty="0"/>
+              <a:t>In edit_lists.R:</a:t>
+            </a:r>
+          </a:p>
+          <a:p>
+            <a:r>
+              <a:rPr lang="en-GB" dirty="0"/>
+              <a:t>Update each individual _mandatory list:</a:t>
+            </a:r>
+          </a:p>
+          <a:p>
+            <a:endParaRPr lang="en-GB" dirty="0"/>
+          </a:p>
+          <a:p>
+            <a:endParaRPr lang="en-GB" dirty="0"/>
+          </a:p>
+          <a:p>
+            <a:pPr marL="0" indent="0">
+              <a:buNone/>
+            </a:pPr>
+            <a:endParaRPr lang="en-GB" dirty="0"/>
+          </a:p>
+          <a:p>
+            <a:pPr marL="0" indent="0">
+              <a:buNone/>
+            </a:pPr>
+            <a:endParaRPr lang="en-GB" dirty="0"/>
+          </a:p>
+          <a:p>
+            <a:endParaRPr lang="en-GB" dirty="0"/>
+          </a:p>
+        </p:txBody>
+      </p:sp>
+      <p:sp>
+        <p:nvSpPr>
+          <p:cNvPr id="8" name="TextBox 7">
+            <a:extLst>
+              <a:ext uri="{FF2B5EF4-FFF2-40B4-BE49-F238E27FC236}">
+                <a16:creationId xmlns:a16="http://schemas.microsoft.com/office/drawing/2014/main" id="{53DDBE14-CBBC-4F57-B1D7-DA4384EE6FC2}"/>
+              </a:ext>
+            </a:extLst>
+          </p:cNvPr>
+          <p:cNvSpPr txBox="1"/>
+          <p:nvPr/>
+        </p:nvSpPr>
+        <p:spPr>
+          <a:xfrm>
+            <a:off x="8039699" y="2685935"/>
+            <a:ext cx="4067175" cy="1200329"/>
+          </a:xfrm>
+          <a:prstGeom prst="rect">
+            <a:avLst/>
+          </a:prstGeom>
+          <a:noFill/>
+        </p:spPr>
+        <p:txBody>
+          <a:bodyPr wrap="square" rtlCol="0">
+            <a:spAutoFit/>
+          </a:bodyPr>
+          <a:lstStyle/>
+          <a:p>
+            <a:r>
+              <a:rPr lang="en-GB" dirty="0"/>
+              <a:t>The order of mandatory checks should follow the same order as QAcheckslist</a:t>
+            </a:r>
+          </a:p>
+          <a:p>
+            <a:r>
+              <a:rPr lang="en-GB" dirty="0"/>
+              <a:t>If the check is mandatory, put a 1</a:t>
+            </a:r>
+          </a:p>
+          <a:p>
+            <a:r>
+              <a:rPr lang="en-GB" dirty="0"/>
+              <a:t>If the check is not mandatory, put a 0</a:t>
+            </a:r>
+          </a:p>
+        </p:txBody>
+      </p:sp>
+      <p:pic>
+        <p:nvPicPr>
+          <p:cNvPr id="6" name="Picture 5">
+            <a:extLst>
+              <a:ext uri="{FF2B5EF4-FFF2-40B4-BE49-F238E27FC236}">
+                <a16:creationId xmlns:a16="http://schemas.microsoft.com/office/drawing/2014/main" id="{89A21C0B-767B-431F-B5A6-5C80D792B241}"/>
+              </a:ext>
+            </a:extLst>
+          </p:cNvPr>
+          <p:cNvPicPr>
+            <a:picLocks noChangeAspect="1"/>
+          </p:cNvPicPr>
+          <p:nvPr/>
+        </p:nvPicPr>
+        <p:blipFill>
+          <a:blip r:embed="rId2"/>
+          <a:stretch>
+            <a:fillRect/>
+          </a:stretch>
+        </p:blipFill>
+        <p:spPr>
+          <a:xfrm>
+            <a:off x="2690852" y="2843041"/>
+            <a:ext cx="5277587" cy="914528"/>
+          </a:xfrm>
+          <a:prstGeom prst="rect">
+            <a:avLst/>
+          </a:prstGeom>
+        </p:spPr>
+      </p:pic>
+    </p:spTree>
+    <p:extLst>
+      <p:ext uri="{BB962C8B-B14F-4D97-AF65-F5344CB8AC3E}">
+        <p14:creationId xmlns:p14="http://schemas.microsoft.com/office/powerpoint/2010/main" val="1332232436"/>
+      </p:ext>
+    </p:extLst>
+  </p:cSld>
+  <p:clrMapOvr>
+    <a:masterClrMapping/>
+  </p:clrMapOvr>
+</p:sld>
+</file>
+
+<file path=ppt/slides/slide6.xml><?xml version="1.0" encoding="utf-8"?>
+<p:sld xmlns:a="http://schemas.openxmlformats.org/drawingml/2006/main" xmlns:r="http://schemas.openxmlformats.org/officeDocument/2006/relationships" xmlns:p="http://schemas.openxmlformats.org/presentationml/2006/main">
+  <p:cSld>
+    <p:spTree>
+      <p:nvGrpSpPr>
+        <p:cNvPr id="1" name=""/>
+        <p:cNvGrpSpPr/>
+        <p:nvPr/>
+      </p:nvGrpSpPr>
+      <p:grpSpPr>
+        <a:xfrm>
+          <a:off x="0" y="0"/>
+          <a:ext cx="0" cy="0"/>
+          <a:chOff x="0" y="0"/>
+          <a:chExt cx="0" cy="0"/>
+        </a:xfrm>
+      </p:grpSpPr>
+      <p:sp>
+        <p:nvSpPr>
+          <p:cNvPr id="2" name="Title 1">
+            <a:extLst>
+              <a:ext uri="{FF2B5EF4-FFF2-40B4-BE49-F238E27FC236}">
+                <a16:creationId xmlns:a16="http://schemas.microsoft.com/office/drawing/2014/main" id="{0CA4439B-6010-44D2-91C3-99C6D08D644D}"/>
+              </a:ext>
+            </a:extLst>
+          </p:cNvPr>
+          <p:cNvSpPr>
+            <a:spLocks noGrp="1"/>
+          </p:cNvSpPr>
+          <p:nvPr>
+            <p:ph type="title"/>
+          </p:nvPr>
+        </p:nvSpPr>
+        <p:spPr/>
+        <p:txBody>
+          <a:bodyPr/>
+          <a:lstStyle/>
+          <a:p>
+            <a:r>
+              <a:rPr lang="en-GB" dirty="0"/>
+              <a:t>How to add a new check (3/4)</a:t>
+            </a:r>
+          </a:p>
+        </p:txBody>
+      </p:sp>
+      <p:sp>
+        <p:nvSpPr>
+          <p:cNvPr id="3" name="Content Placeholder 2">
+            <a:extLst>
+              <a:ext uri="{FF2B5EF4-FFF2-40B4-BE49-F238E27FC236}">
+                <a16:creationId xmlns:a16="http://schemas.microsoft.com/office/drawing/2014/main" id="{E10F062E-178A-4283-A241-42F992B1FB75}"/>
+              </a:ext>
+            </a:extLst>
+          </p:cNvPr>
+          <p:cNvSpPr>
+            <a:spLocks noGrp="1"/>
+          </p:cNvSpPr>
+          <p:nvPr>
+            <p:ph idx="1"/>
+          </p:nvPr>
+        </p:nvSpPr>
+        <p:spPr/>
+        <p:txBody>
+          <a:bodyPr/>
+          <a:lstStyle/>
+          <a:p>
+            <a:r>
+              <a:rPr lang="en-GB" dirty="0"/>
+              <a:t>In each of the comments_..._</a:t>
+            </a:r>
+            <a:r>
+              <a:rPr lang="en-GB" dirty="0" err="1"/>
+              <a:t>log.R</a:t>
+            </a:r>
+            <a:r>
+              <a:rPr lang="en-GB" dirty="0"/>
+              <a:t> files:</a:t>
+            </a:r>
+          </a:p>
+          <a:p>
+            <a:r>
+              <a:rPr lang="en-GB" dirty="0"/>
+              <a:t>Add information to appear in window when clicking on check</a:t>
+            </a:r>
+          </a:p>
+          <a:p>
+            <a:endParaRPr lang="en-GB" dirty="0"/>
+          </a:p>
+        </p:txBody>
+      </p:sp>
+      <p:sp>
+        <p:nvSpPr>
+          <p:cNvPr id="4" name="TextBox 3">
+            <a:extLst>
+              <a:ext uri="{FF2B5EF4-FFF2-40B4-BE49-F238E27FC236}">
+                <a16:creationId xmlns:a16="http://schemas.microsoft.com/office/drawing/2014/main" id="{D25062EB-6934-4C24-A60F-5322379436DD}"/>
+              </a:ext>
+            </a:extLst>
+          </p:cNvPr>
+          <p:cNvSpPr txBox="1"/>
+          <p:nvPr/>
+        </p:nvSpPr>
+        <p:spPr>
+          <a:xfrm>
+            <a:off x="696686" y="4088909"/>
+            <a:ext cx="11190514" cy="2585323"/>
+          </a:xfrm>
+          <a:prstGeom prst="rect">
+            <a:avLst/>
+          </a:prstGeom>
+          <a:noFill/>
+        </p:spPr>
+        <p:txBody>
+          <a:bodyPr wrap="square" rtlCol="0">
+            <a:spAutoFit/>
+          </a:bodyPr>
+          <a:lstStyle/>
+          <a:p>
+            <a:r>
+              <a:rPr lang="en-GB" dirty="0"/>
+              <a:t>Name the information </a:t>
+            </a:r>
+            <a:r>
+              <a:rPr lang="en-GB" i="1" dirty="0"/>
+              <a:t>“</a:t>
+            </a:r>
+            <a:r>
+              <a:rPr lang="en-GB" i="1" dirty="0" err="1"/>
+              <a:t>checkID</a:t>
+            </a:r>
+            <a:r>
+              <a:rPr lang="en-GB" i="1" dirty="0"/>
+              <a:t>”“logname” </a:t>
+            </a:r>
+            <a:r>
+              <a:rPr lang="en-GB" dirty="0"/>
+              <a:t>where logname is the one-word name given in logslist (see edit_lists.R)</a:t>
+            </a:r>
+          </a:p>
+          <a:p>
+            <a:r>
+              <a:rPr lang="en-GB" dirty="0"/>
+              <a:t>Then put  &lt;- </a:t>
+            </a:r>
+            <a:r>
+              <a:rPr lang="en-GB" dirty="0" err="1"/>
+              <a:t>renderUI</a:t>
+            </a:r>
+            <a:r>
+              <a:rPr lang="en-GB" dirty="0"/>
+              <a:t>({</a:t>
+            </a:r>
+            <a:r>
+              <a:rPr lang="en-GB" dirty="0" err="1"/>
+              <a:t>fixedRow</a:t>
+            </a:r>
+            <a:r>
+              <a:rPr lang="en-GB" dirty="0"/>
+              <a:t>(column(12,</a:t>
+            </a:r>
+          </a:p>
+          <a:p>
+            <a:r>
+              <a:rPr lang="en-GB" dirty="0"/>
+              <a:t>Enter the name of the check, followed by </a:t>
+            </a:r>
+            <a:r>
+              <a:rPr lang="en-GB" dirty="0" err="1"/>
+              <a:t>br</a:t>
+            </a:r>
+            <a:r>
+              <a:rPr lang="en-GB" dirty="0"/>
+              <a:t>(), </a:t>
+            </a:r>
+            <a:r>
+              <a:rPr lang="en-GB" dirty="0" err="1"/>
+              <a:t>br</a:t>
+            </a:r>
+            <a:r>
+              <a:rPr lang="en-GB" dirty="0"/>
+              <a:t>(),</a:t>
+            </a:r>
+          </a:p>
+          <a:p>
+            <a:r>
+              <a:rPr lang="en-GB" dirty="0"/>
+              <a:t>Then put any comments. Comments can be split over multiple rows by closing inverted commas and then using </a:t>
+            </a:r>
+            <a:r>
+              <a:rPr lang="en-GB" dirty="0" err="1"/>
+              <a:t>br</a:t>
+            </a:r>
+            <a:r>
+              <a:rPr lang="en-GB" dirty="0"/>
+              <a:t>()</a:t>
+            </a:r>
+          </a:p>
+          <a:p>
+            <a:r>
+              <a:rPr lang="en-GB" dirty="0"/>
+              <a:t>At the end, make sure inverted commas are closed and all brackets are closed.</a:t>
+            </a:r>
+          </a:p>
+          <a:p>
+            <a:endParaRPr lang="en-GB" dirty="0"/>
+          </a:p>
+          <a:p>
+            <a:r>
+              <a:rPr lang="en-GB" dirty="0"/>
+              <a:t>This will need to be done on ALL comments files.</a:t>
+            </a:r>
+          </a:p>
+          <a:p>
+            <a:r>
+              <a:rPr lang="en-GB" dirty="0"/>
+              <a:t>If the check is not required for a log, then put: </a:t>
+            </a:r>
+          </a:p>
+          <a:p>
+            <a:endParaRPr lang="en-GB" dirty="0"/>
+          </a:p>
+        </p:txBody>
+      </p:sp>
+      <p:pic>
+        <p:nvPicPr>
+          <p:cNvPr id="5" name="Picture 4">
+            <a:extLst>
+              <a:ext uri="{FF2B5EF4-FFF2-40B4-BE49-F238E27FC236}">
+                <a16:creationId xmlns:a16="http://schemas.microsoft.com/office/drawing/2014/main" id="{46720453-C4F6-4B2F-9AE9-370C77021007}"/>
+              </a:ext>
+            </a:extLst>
+          </p:cNvPr>
+          <p:cNvPicPr>
+            <a:picLocks noChangeAspect="1"/>
+          </p:cNvPicPr>
+          <p:nvPr/>
+        </p:nvPicPr>
+        <p:blipFill>
+          <a:blip r:embed="rId2"/>
+          <a:stretch>
+            <a:fillRect/>
+          </a:stretch>
+        </p:blipFill>
+        <p:spPr>
+          <a:xfrm>
+            <a:off x="1329936" y="2857166"/>
+            <a:ext cx="6725589" cy="1286054"/>
+          </a:xfrm>
+          <a:prstGeom prst="rect">
+            <a:avLst/>
+          </a:prstGeom>
+        </p:spPr>
+      </p:pic>
+      <p:pic>
+        <p:nvPicPr>
+          <p:cNvPr id="7" name="Picture 6">
+            <a:extLst>
+              <a:ext uri="{FF2B5EF4-FFF2-40B4-BE49-F238E27FC236}">
+                <a16:creationId xmlns:a16="http://schemas.microsoft.com/office/drawing/2014/main" id="{6F5F7D38-BB86-41EB-AB47-75BDB3059208}"/>
+              </a:ext>
+            </a:extLst>
+          </p:cNvPr>
+          <p:cNvPicPr>
+            <a:picLocks noChangeAspect="1"/>
+          </p:cNvPicPr>
+          <p:nvPr/>
+        </p:nvPicPr>
+        <p:blipFill>
+          <a:blip r:embed="rId3"/>
+          <a:stretch>
+            <a:fillRect/>
+          </a:stretch>
+        </p:blipFill>
+        <p:spPr>
+          <a:xfrm>
+            <a:off x="5550147" y="5882431"/>
+            <a:ext cx="3962953" cy="724001"/>
+          </a:xfrm>
+          <a:prstGeom prst="rect">
+            <a:avLst/>
+          </a:prstGeom>
+        </p:spPr>
+      </p:pic>
+      <p:sp>
+        <p:nvSpPr>
+          <p:cNvPr id="8" name="TextBox 7">
+            <a:extLst>
+              <a:ext uri="{FF2B5EF4-FFF2-40B4-BE49-F238E27FC236}">
+                <a16:creationId xmlns:a16="http://schemas.microsoft.com/office/drawing/2014/main" id="{7BCA1CFC-4800-4AF6-94EF-B84E6C985425}"/>
+              </a:ext>
+            </a:extLst>
+          </p:cNvPr>
+          <p:cNvSpPr txBox="1"/>
+          <p:nvPr/>
+        </p:nvSpPr>
+        <p:spPr>
+          <a:xfrm>
+            <a:off x="968478" y="6311900"/>
+            <a:ext cx="4581669" cy="523220"/>
+          </a:xfrm>
+          <a:prstGeom prst="rect">
+            <a:avLst/>
+          </a:prstGeom>
+          <a:noFill/>
+        </p:spPr>
+        <p:txBody>
+          <a:bodyPr wrap="square" rtlCol="0">
+            <a:spAutoFit/>
+          </a:bodyPr>
+          <a:lstStyle/>
+          <a:p>
+            <a:r>
+              <a:rPr lang="en-GB" sz="1400" i="1" dirty="0"/>
+              <a:t>(it is important that all of these objects are defined, regardless of if check is required or not)</a:t>
+            </a:r>
+          </a:p>
+        </p:txBody>
+      </p:sp>
+      <p:pic>
+        <p:nvPicPr>
+          <p:cNvPr id="10" name="Picture 9">
+            <a:extLst>
+              <a:ext uri="{FF2B5EF4-FFF2-40B4-BE49-F238E27FC236}">
+                <a16:creationId xmlns:a16="http://schemas.microsoft.com/office/drawing/2014/main" id="{8E639734-FB5B-4028-AE89-333451324973}"/>
+              </a:ext>
+            </a:extLst>
+          </p:cNvPr>
+          <p:cNvPicPr>
+            <a:picLocks noChangeAspect="1"/>
+          </p:cNvPicPr>
+          <p:nvPr/>
+        </p:nvPicPr>
+        <p:blipFill>
+          <a:blip r:embed="rId4"/>
+          <a:stretch>
+            <a:fillRect/>
+          </a:stretch>
+        </p:blipFill>
+        <p:spPr>
+          <a:xfrm>
+            <a:off x="7747521" y="584388"/>
+            <a:ext cx="4357903" cy="1510228"/>
+          </a:xfrm>
+          <a:prstGeom prst="rect">
+            <a:avLst/>
+          </a:prstGeom>
+        </p:spPr>
+      </p:pic>
+      <p:sp>
+        <p:nvSpPr>
+          <p:cNvPr id="11" name="TextBox 10">
+            <a:extLst>
+              <a:ext uri="{FF2B5EF4-FFF2-40B4-BE49-F238E27FC236}">
+                <a16:creationId xmlns:a16="http://schemas.microsoft.com/office/drawing/2014/main" id="{BEEBC598-DA4C-41E0-84CB-69D5024DA282}"/>
+              </a:ext>
+            </a:extLst>
+          </p:cNvPr>
+          <p:cNvSpPr txBox="1"/>
+          <p:nvPr/>
+        </p:nvSpPr>
+        <p:spPr>
+          <a:xfrm>
+            <a:off x="7372350" y="215056"/>
+            <a:ext cx="1039708" cy="369332"/>
+          </a:xfrm>
+          <a:prstGeom prst="rect">
+            <a:avLst/>
+          </a:prstGeom>
+          <a:noFill/>
+        </p:spPr>
+        <p:txBody>
+          <a:bodyPr wrap="none" rtlCol="0">
+            <a:spAutoFit/>
+          </a:bodyPr>
+          <a:lstStyle/>
+          <a:p>
+            <a:r>
+              <a:rPr lang="en-GB" dirty="0"/>
+              <a:t>Example:</a:t>
+            </a:r>
+          </a:p>
+        </p:txBody>
+      </p:sp>
+    </p:spTree>
+    <p:extLst>
+      <p:ext uri="{BB962C8B-B14F-4D97-AF65-F5344CB8AC3E}">
+        <p14:creationId xmlns:p14="http://schemas.microsoft.com/office/powerpoint/2010/main" val="3899880103"/>
+      </p:ext>
+    </p:extLst>
+  </p:cSld>
+  <p:clrMapOvr>
+    <a:masterClrMapping/>
+  </p:clrMapOvr>
+</p:sld>
+</file>
+
+<file path=ppt/slides/slide7.xml><?xml version="1.0" encoding="utf-8"?>
+<p:sld xmlns:a="http://schemas.openxmlformats.org/drawingml/2006/main" xmlns:r="http://schemas.openxmlformats.org/officeDocument/2006/relationships" xmlns:p="http://schemas.openxmlformats.org/presentationml/2006/main">
+  <p:cSld>
+    <p:spTree>
+      <p:nvGrpSpPr>
+        <p:cNvPr id="1" name=""/>
+        <p:cNvGrpSpPr/>
+        <p:nvPr/>
+      </p:nvGrpSpPr>
+      <p:grpSpPr>
+        <a:xfrm>
+          <a:off x="0" y="0"/>
+          <a:ext cx="0" cy="0"/>
+          <a:chOff x="0" y="0"/>
+          <a:chExt cx="0" cy="0"/>
+        </a:xfrm>
+      </p:grpSpPr>
+      <p:sp>
+        <p:nvSpPr>
+          <p:cNvPr id="2" name="Title 1">
+            <a:extLst>
+              <a:ext uri="{FF2B5EF4-FFF2-40B4-BE49-F238E27FC236}">
+                <a16:creationId xmlns:a16="http://schemas.microsoft.com/office/drawing/2014/main" id="{2009E18F-89A9-4E16-999E-014970A8A87C}"/>
+              </a:ext>
+            </a:extLst>
+          </p:cNvPr>
+          <p:cNvSpPr>
+            <a:spLocks noGrp="1"/>
+          </p:cNvSpPr>
+          <p:nvPr>
+            <p:ph type="title"/>
+          </p:nvPr>
+        </p:nvSpPr>
+        <p:spPr/>
+        <p:txBody>
+          <a:bodyPr/>
+          <a:lstStyle/>
+          <a:p>
+            <a:r>
+              <a:rPr lang="en-GB" dirty="0"/>
+              <a:t>How to add a new check (4/4)</a:t>
+            </a:r>
+          </a:p>
+        </p:txBody>
+      </p:sp>
+      <p:sp>
+        <p:nvSpPr>
+          <p:cNvPr id="3" name="Content Placeholder 2">
+            <a:extLst>
+              <a:ext uri="{FF2B5EF4-FFF2-40B4-BE49-F238E27FC236}">
+                <a16:creationId xmlns:a16="http://schemas.microsoft.com/office/drawing/2014/main" id="{D6F95D63-2B55-4C69-98BC-6A075E0B52D1}"/>
+              </a:ext>
+            </a:extLst>
+          </p:cNvPr>
+          <p:cNvSpPr>
+            <a:spLocks noGrp="1"/>
+          </p:cNvSpPr>
+          <p:nvPr>
+            <p:ph idx="1"/>
+          </p:nvPr>
+        </p:nvSpPr>
+        <p:spPr>
+          <a:xfrm>
+            <a:off x="838200" y="1825625"/>
+            <a:ext cx="7731015" cy="4351338"/>
+          </a:xfrm>
+        </p:spPr>
+        <p:txBody>
+          <a:bodyPr/>
+          <a:lstStyle/>
+          <a:p>
+            <a:r>
+              <a:rPr lang="en-GB" dirty="0"/>
+              <a:t>In each of the tooltips_..._</a:t>
+            </a:r>
+            <a:r>
+              <a:rPr lang="en-GB" dirty="0" err="1"/>
+              <a:t>log.R</a:t>
+            </a:r>
+            <a:r>
+              <a:rPr lang="en-GB" dirty="0"/>
+              <a:t> files:</a:t>
+            </a:r>
+          </a:p>
+          <a:p>
+            <a:r>
+              <a:rPr lang="en-GB" dirty="0"/>
+              <a:t>Add information to appear when one hovers over the scoring menu</a:t>
+            </a:r>
+          </a:p>
+          <a:p>
+            <a:endParaRPr lang="en-GB" dirty="0"/>
+          </a:p>
+          <a:p>
+            <a:endParaRPr lang="en-GB" dirty="0"/>
+          </a:p>
+        </p:txBody>
+      </p:sp>
+      <p:pic>
+        <p:nvPicPr>
+          <p:cNvPr id="5" name="Picture 4">
+            <a:extLst>
+              <a:ext uri="{FF2B5EF4-FFF2-40B4-BE49-F238E27FC236}">
+                <a16:creationId xmlns:a16="http://schemas.microsoft.com/office/drawing/2014/main" id="{E89C5053-1C55-4B71-9F48-185D36481E99}"/>
+              </a:ext>
+            </a:extLst>
+          </p:cNvPr>
+          <p:cNvPicPr>
+            <a:picLocks noChangeAspect="1"/>
+          </p:cNvPicPr>
+          <p:nvPr/>
+        </p:nvPicPr>
+        <p:blipFill>
+          <a:blip r:embed="rId2"/>
+          <a:stretch>
+            <a:fillRect/>
+          </a:stretch>
+        </p:blipFill>
+        <p:spPr>
+          <a:xfrm>
+            <a:off x="3827929" y="2845878"/>
+            <a:ext cx="8030696" cy="504895"/>
+          </a:xfrm>
+          <a:prstGeom prst="rect">
+            <a:avLst/>
+          </a:prstGeom>
+        </p:spPr>
+      </p:pic>
+      <p:sp>
+        <p:nvSpPr>
+          <p:cNvPr id="6" name="TextBox 5">
+            <a:extLst>
+              <a:ext uri="{FF2B5EF4-FFF2-40B4-BE49-F238E27FC236}">
+                <a16:creationId xmlns:a16="http://schemas.microsoft.com/office/drawing/2014/main" id="{107836EF-92CE-4D8D-A244-7082DB42BE6C}"/>
+              </a:ext>
+            </a:extLst>
+          </p:cNvPr>
+          <p:cNvSpPr txBox="1"/>
+          <p:nvPr/>
+        </p:nvSpPr>
+        <p:spPr>
+          <a:xfrm>
+            <a:off x="668111" y="3429000"/>
+            <a:ext cx="11190514" cy="2585323"/>
+          </a:xfrm>
+          <a:prstGeom prst="rect">
+            <a:avLst/>
+          </a:prstGeom>
+          <a:noFill/>
+        </p:spPr>
+        <p:txBody>
+          <a:bodyPr wrap="square" rtlCol="0">
+            <a:spAutoFit/>
+          </a:bodyPr>
+          <a:lstStyle/>
+          <a:p>
+            <a:r>
+              <a:rPr lang="en-GB" dirty="0"/>
+              <a:t>Name the information </a:t>
+            </a:r>
+            <a:r>
+              <a:rPr lang="en-GB" i="1" dirty="0"/>
+              <a:t>“</a:t>
+            </a:r>
+            <a:r>
+              <a:rPr lang="en-GB" i="1" dirty="0" err="1"/>
+              <a:t>checkID”tooltip“logname</a:t>
+            </a:r>
+            <a:r>
+              <a:rPr lang="en-GB" i="1" dirty="0"/>
+              <a:t>” </a:t>
+            </a:r>
+            <a:r>
+              <a:rPr lang="en-GB" dirty="0"/>
+              <a:t>where logname is the one-word name given in logslist (see edit_lists.R)</a:t>
+            </a:r>
+          </a:p>
+          <a:p>
+            <a:r>
+              <a:rPr lang="en-GB" dirty="0"/>
+              <a:t>Then put  &lt;- and open inverted commas</a:t>
+            </a:r>
+          </a:p>
+          <a:p>
+            <a:r>
+              <a:rPr lang="en-GB" dirty="0"/>
+              <a:t>The entire code must be written on one line (since R doesn’t seem to like putting things over multiple lines)</a:t>
+            </a:r>
+          </a:p>
+          <a:p>
+            <a:r>
+              <a:rPr lang="en-GB" dirty="0"/>
+              <a:t>When displaying the code, to skip lines between scores, simply put &lt;</a:t>
+            </a:r>
+            <a:r>
+              <a:rPr lang="en-GB" dirty="0" err="1"/>
+              <a:t>br</a:t>
+            </a:r>
+            <a:r>
+              <a:rPr lang="en-GB" dirty="0"/>
+              <a:t>&gt; &lt;</a:t>
+            </a:r>
+            <a:r>
+              <a:rPr lang="en-GB" dirty="0" err="1"/>
+              <a:t>br</a:t>
+            </a:r>
+            <a:r>
+              <a:rPr lang="en-GB" dirty="0"/>
+              <a:t>&gt;</a:t>
+            </a:r>
+          </a:p>
+          <a:p>
+            <a:endParaRPr lang="en-GB" dirty="0"/>
+          </a:p>
+          <a:p>
+            <a:r>
+              <a:rPr lang="en-GB" dirty="0"/>
+              <a:t>This will need to be done on ALL tooltips files.</a:t>
+            </a:r>
+          </a:p>
+          <a:p>
+            <a:r>
+              <a:rPr lang="en-GB" dirty="0"/>
+              <a:t>If the check is not required for a log, then put: </a:t>
+            </a:r>
+          </a:p>
+          <a:p>
+            <a:endParaRPr lang="en-GB" dirty="0"/>
+          </a:p>
+        </p:txBody>
+      </p:sp>
+      <p:pic>
+        <p:nvPicPr>
+          <p:cNvPr id="8" name="Picture 7">
+            <a:extLst>
+              <a:ext uri="{FF2B5EF4-FFF2-40B4-BE49-F238E27FC236}">
+                <a16:creationId xmlns:a16="http://schemas.microsoft.com/office/drawing/2014/main" id="{E6555266-9B5B-42D4-8CD0-7494C8DFCFA1}"/>
+              </a:ext>
+            </a:extLst>
+          </p:cNvPr>
+          <p:cNvPicPr>
+            <a:picLocks noChangeAspect="1"/>
+          </p:cNvPicPr>
+          <p:nvPr/>
+        </p:nvPicPr>
+        <p:blipFill rotWithShape="1">
+          <a:blip r:embed="rId3"/>
+          <a:srcRect t="19360"/>
+          <a:stretch/>
+        </p:blipFill>
+        <p:spPr>
+          <a:xfrm>
+            <a:off x="7989550" y="4591050"/>
+            <a:ext cx="4039164" cy="476284"/>
+          </a:xfrm>
+          <a:prstGeom prst="rect">
+            <a:avLst/>
+          </a:prstGeom>
+        </p:spPr>
+      </p:pic>
+      <p:pic>
+        <p:nvPicPr>
+          <p:cNvPr id="10" name="Picture 9">
+            <a:extLst>
+              <a:ext uri="{FF2B5EF4-FFF2-40B4-BE49-F238E27FC236}">
+                <a16:creationId xmlns:a16="http://schemas.microsoft.com/office/drawing/2014/main" id="{CB8DE342-B31A-4039-9A33-2C58C57D4626}"/>
+              </a:ext>
+            </a:extLst>
+          </p:cNvPr>
+          <p:cNvPicPr>
+            <a:picLocks noChangeAspect="1"/>
+          </p:cNvPicPr>
+          <p:nvPr/>
+        </p:nvPicPr>
+        <p:blipFill>
+          <a:blip r:embed="rId4"/>
+          <a:stretch>
+            <a:fillRect/>
+          </a:stretch>
+        </p:blipFill>
+        <p:spPr>
+          <a:xfrm>
+            <a:off x="5248055" y="5363742"/>
+            <a:ext cx="3143689" cy="466790"/>
+          </a:xfrm>
+          <a:prstGeom prst="rect">
+            <a:avLst/>
+          </a:prstGeom>
+        </p:spPr>
+      </p:pic>
+      <p:sp>
+        <p:nvSpPr>
+          <p:cNvPr id="11" name="TextBox 10">
+            <a:extLst>
+              <a:ext uri="{FF2B5EF4-FFF2-40B4-BE49-F238E27FC236}">
+                <a16:creationId xmlns:a16="http://schemas.microsoft.com/office/drawing/2014/main" id="{A770194F-E0AE-41F9-A415-9695CEC80A37}"/>
+              </a:ext>
+            </a:extLst>
+          </p:cNvPr>
+          <p:cNvSpPr txBox="1"/>
+          <p:nvPr/>
+        </p:nvSpPr>
+        <p:spPr>
+          <a:xfrm>
+            <a:off x="997053" y="5660818"/>
+            <a:ext cx="4581669" cy="523220"/>
+          </a:xfrm>
+          <a:prstGeom prst="rect">
+            <a:avLst/>
+          </a:prstGeom>
+          <a:noFill/>
+        </p:spPr>
+        <p:txBody>
+          <a:bodyPr wrap="square" rtlCol="0">
+            <a:spAutoFit/>
+          </a:bodyPr>
+          <a:lstStyle/>
+          <a:p>
+            <a:r>
+              <a:rPr lang="en-GB" sz="1400" i="1" dirty="0"/>
+              <a:t>(it is important that all of these objects are defined, regardless of if check is required or not)</a:t>
+            </a:r>
+          </a:p>
+        </p:txBody>
+      </p:sp>
+      <p:pic>
+        <p:nvPicPr>
+          <p:cNvPr id="13" name="Picture 12">
+            <a:extLst>
+              <a:ext uri="{FF2B5EF4-FFF2-40B4-BE49-F238E27FC236}">
+                <a16:creationId xmlns:a16="http://schemas.microsoft.com/office/drawing/2014/main" id="{BF2D2AD9-208F-4917-8A9F-5BD7302E6F19}"/>
+              </a:ext>
+            </a:extLst>
+          </p:cNvPr>
+          <p:cNvPicPr>
+            <a:picLocks noChangeAspect="1"/>
+          </p:cNvPicPr>
+          <p:nvPr/>
+        </p:nvPicPr>
+        <p:blipFill>
+          <a:blip r:embed="rId5"/>
+          <a:stretch>
+            <a:fillRect/>
+          </a:stretch>
+        </p:blipFill>
+        <p:spPr>
+          <a:xfrm>
+            <a:off x="8569215" y="244787"/>
+            <a:ext cx="3375135" cy="2416700"/>
+          </a:xfrm>
+          <a:prstGeom prst="rect">
+            <a:avLst/>
+          </a:prstGeom>
+        </p:spPr>
+      </p:pic>
+      <p:sp>
+        <p:nvSpPr>
+          <p:cNvPr id="14" name="TextBox 13">
+            <a:extLst>
+              <a:ext uri="{FF2B5EF4-FFF2-40B4-BE49-F238E27FC236}">
+                <a16:creationId xmlns:a16="http://schemas.microsoft.com/office/drawing/2014/main" id="{92C21427-24F2-4320-AD03-7C60C9A93BAE}"/>
+              </a:ext>
+            </a:extLst>
+          </p:cNvPr>
+          <p:cNvSpPr txBox="1"/>
+          <p:nvPr/>
+        </p:nvSpPr>
+        <p:spPr>
+          <a:xfrm>
+            <a:off x="7469696" y="265147"/>
+            <a:ext cx="1039708" cy="369332"/>
+          </a:xfrm>
+          <a:prstGeom prst="rect">
+            <a:avLst/>
+          </a:prstGeom>
+          <a:noFill/>
+        </p:spPr>
+        <p:txBody>
+          <a:bodyPr wrap="none" rtlCol="0">
+            <a:spAutoFit/>
+          </a:bodyPr>
+          <a:lstStyle/>
+          <a:p>
+            <a:r>
+              <a:rPr lang="en-GB" dirty="0"/>
+              <a:t>Example:</a:t>
+            </a:r>
+          </a:p>
+        </p:txBody>
+      </p:sp>
+    </p:spTree>
+    <p:extLst>
+      <p:ext uri="{BB962C8B-B14F-4D97-AF65-F5344CB8AC3E}">
+        <p14:creationId xmlns:p14="http://schemas.microsoft.com/office/powerpoint/2010/main" val="3332184722"/>
+      </p:ext>
+    </p:extLst>
+  </p:cSld>
+  <p:clrMapOvr>
+    <a:masterClrMapping/>
+  </p:clrMapOvr>
+</p:sld>
+</file>
+
+<file path=ppt/slides/slide8.xml><?xml version="1.0" encoding="utf-8"?>
+<p:sld xmlns:a="http://schemas.openxmlformats.org/drawingml/2006/main" xmlns:r="http://schemas.openxmlformats.org/officeDocument/2006/relationships" xmlns:p="http://schemas.openxmlformats.org/presentationml/2006/main">
+  <p:cSld>
+    <p:spTree>
+      <p:nvGrpSpPr>
+        <p:cNvPr id="1" name=""/>
+        <p:cNvGrpSpPr/>
+        <p:nvPr/>
+      </p:nvGrpSpPr>
+      <p:grpSpPr>
+        <a:xfrm>
+          <a:off x="0" y="0"/>
+          <a:ext cx="0" cy="0"/>
+          <a:chOff x="0" y="0"/>
+          <a:chExt cx="0" cy="0"/>
+        </a:xfrm>
+      </p:grpSpPr>
+      <p:sp>
+        <p:nvSpPr>
+          <p:cNvPr id="2" name="Title 1">
+            <a:extLst>
+              <a:ext uri="{FF2B5EF4-FFF2-40B4-BE49-F238E27FC236}">
+                <a16:creationId xmlns:a16="http://schemas.microsoft.com/office/drawing/2014/main" id="{553A35EB-2060-46B9-B0EE-79241E038580}"/>
+              </a:ext>
+            </a:extLst>
+          </p:cNvPr>
+          <p:cNvSpPr>
+            <a:spLocks noGrp="1"/>
+          </p:cNvSpPr>
+          <p:nvPr>
+            <p:ph type="title"/>
+          </p:nvPr>
+        </p:nvSpPr>
+        <p:spPr/>
+        <p:txBody>
+          <a:bodyPr/>
+          <a:lstStyle/>
+          <a:p>
+            <a:r>
+              <a:rPr lang="en-GB" dirty="0"/>
+              <a:t>How to add a new log (1/5)</a:t>
+            </a:r>
+          </a:p>
+        </p:txBody>
+      </p:sp>
+      <p:sp>
+        <p:nvSpPr>
+          <p:cNvPr id="4" name="Content Placeholder 2">
+            <a:extLst>
+              <a:ext uri="{FF2B5EF4-FFF2-40B4-BE49-F238E27FC236}">
+                <a16:creationId xmlns:a16="http://schemas.microsoft.com/office/drawing/2014/main" id="{718B6641-F2C0-424D-B520-497CF8393B2F}"/>
+              </a:ext>
+            </a:extLst>
+          </p:cNvPr>
+          <p:cNvSpPr txBox="1">
+            <a:spLocks/>
+          </p:cNvSpPr>
+          <p:nvPr/>
+        </p:nvSpPr>
+        <p:spPr>
+          <a:xfrm>
+            <a:off x="838200" y="1991088"/>
+            <a:ext cx="10515600" cy="4351338"/>
+          </a:xfrm>
+          <a:prstGeom prst="rect">
+            <a:avLst/>
+          </a:prstGeom>
+        </p:spPr>
+        <p:txBody>
+          <a:bodyPr vert="horz" lIns="91440" tIns="45720" rIns="91440" bIns="45720" rtlCol="0">
+            <a:normAutofit/>
+          </a:bodyPr>
+          <a:lstStyle>
+            <a:lvl1pPr marL="228600" indent="-228600" algn="l" defTabSz="914400" rtl="0" eaLnBrk="1" latinLnBrk="0" hangingPunct="1">
+              <a:lnSpc>
+                <a:spcPct val="90000"/>
+              </a:lnSpc>
+              <a:spcBef>
+                <a:spcPts val="1000"/>
+              </a:spcBef>
+              <a:buFont typeface="Arial" panose="020B0604020202020204" pitchFamily="34" charset="0"/>
+              <a:buChar char="•"/>
+              <a:defRPr sz="2800" kern="1200">
+                <a:solidFill>
+                  <a:schemeClr val="tx1"/>
+                </a:solidFill>
+                <a:latin typeface="+mn-lt"/>
+                <a:ea typeface="+mn-ea"/>
+                <a:cs typeface="+mn-cs"/>
+              </a:defRPr>
+            </a:lvl1pPr>
+            <a:lvl2pPr marL="685800" indent="-228600" algn="l" defTabSz="914400" rtl="0" eaLnBrk="1" latinLnBrk="0" hangingPunct="1">
+              <a:lnSpc>
+                <a:spcPct val="90000"/>
+              </a:lnSpc>
+              <a:spcBef>
+                <a:spcPts val="500"/>
+              </a:spcBef>
+              <a:buFont typeface="Arial" panose="020B0604020202020204" pitchFamily="34" charset="0"/>
+              <a:buChar char="•"/>
+              <a:defRPr sz="2400" kern="1200">
+                <a:solidFill>
+                  <a:schemeClr val="tx1"/>
+                </a:solidFill>
+                <a:latin typeface="+mn-lt"/>
+                <a:ea typeface="+mn-ea"/>
+                <a:cs typeface="+mn-cs"/>
+              </a:defRPr>
+            </a:lvl2pPr>
+            <a:lvl3pPr marL="1143000" indent="-228600" algn="l" defTabSz="914400" rtl="0" eaLnBrk="1" latinLnBrk="0" hangingPunct="1">
+              <a:lnSpc>
+                <a:spcPct val="90000"/>
+              </a:lnSpc>
+              <a:spcBef>
+                <a:spcPts val="500"/>
+              </a:spcBef>
+              <a:buFont typeface="Arial" panose="020B0604020202020204" pitchFamily="34" charset="0"/>
+              <a:buChar char="•"/>
+              <a:defRPr sz="2000" kern="1200">
+                <a:solidFill>
+                  <a:schemeClr val="tx1"/>
+                </a:solidFill>
+                <a:latin typeface="+mn-lt"/>
+                <a:ea typeface="+mn-ea"/>
+                <a:cs typeface="+mn-cs"/>
+              </a:defRPr>
+            </a:lvl3pPr>
+            <a:lvl4pPr marL="1600200" indent="-228600" algn="l" defTabSz="914400" rtl="0" eaLnBrk="1" latinLnBrk="0" hangingPunct="1">
+              <a:lnSpc>
+                <a:spcPct val="90000"/>
+              </a:lnSpc>
+              <a:spcBef>
+                <a:spcPts val="500"/>
+              </a:spcBef>
+              <a:buFont typeface="Arial" panose="020B0604020202020204" pitchFamily="34" charset="0"/>
+              <a:buChar char="•"/>
+              <a:defRPr sz="1800" kern="1200">
+                <a:solidFill>
+                  <a:schemeClr val="tx1"/>
+                </a:solidFill>
+                <a:latin typeface="+mn-lt"/>
+                <a:ea typeface="+mn-ea"/>
+                <a:cs typeface="+mn-cs"/>
+              </a:defRPr>
+            </a:lvl4pPr>
+            <a:lvl5pPr marL="2057400" indent="-228600" algn="l" defTabSz="914400" rtl="0" eaLnBrk="1" latinLnBrk="0" hangingPunct="1">
+              <a:lnSpc>
+                <a:spcPct val="90000"/>
+              </a:lnSpc>
+              <a:spcBef>
+                <a:spcPts val="500"/>
+              </a:spcBef>
+              <a:buFont typeface="Arial" panose="020B0604020202020204" pitchFamily="34" charset="0"/>
+              <a:buChar char="•"/>
+              <a:defRPr sz="1800" kern="1200">
+                <a:solidFill>
+                  <a:schemeClr val="tx1"/>
+                </a:solidFill>
+                <a:latin typeface="+mn-lt"/>
+                <a:ea typeface="+mn-ea"/>
+                <a:cs typeface="+mn-cs"/>
+              </a:defRPr>
+            </a:lvl5pPr>
+            <a:lvl6pPr marL="2514600" indent="-228600" algn="l" defTabSz="914400" rtl="0" eaLnBrk="1" latinLnBrk="0" hangingPunct="1">
+              <a:lnSpc>
+                <a:spcPct val="90000"/>
+              </a:lnSpc>
+              <a:spcBef>
+                <a:spcPts val="500"/>
+              </a:spcBef>
+              <a:buFont typeface="Arial" panose="020B0604020202020204" pitchFamily="34" charset="0"/>
+              <a:buChar char="•"/>
+              <a:defRPr sz="1800" kern="1200">
+                <a:solidFill>
+                  <a:schemeClr val="tx1"/>
+                </a:solidFill>
+                <a:latin typeface="+mn-lt"/>
+                <a:ea typeface="+mn-ea"/>
+                <a:cs typeface="+mn-cs"/>
+              </a:defRPr>
+            </a:lvl6pPr>
+            <a:lvl7pPr marL="2971800" indent="-228600" algn="l" defTabSz="914400" rtl="0" eaLnBrk="1" latinLnBrk="0" hangingPunct="1">
+              <a:lnSpc>
+                <a:spcPct val="90000"/>
+              </a:lnSpc>
+              <a:spcBef>
+                <a:spcPts val="500"/>
+              </a:spcBef>
+              <a:buFont typeface="Arial" panose="020B0604020202020204" pitchFamily="34" charset="0"/>
+              <a:buChar char="•"/>
+              <a:defRPr sz="1800" kern="1200">
+                <a:solidFill>
+                  <a:schemeClr val="tx1"/>
+                </a:solidFill>
+                <a:latin typeface="+mn-lt"/>
+                <a:ea typeface="+mn-ea"/>
+                <a:cs typeface="+mn-cs"/>
+              </a:defRPr>
+            </a:lvl7pPr>
+            <a:lvl8pPr marL="3429000" indent="-228600" algn="l" defTabSz="914400" rtl="0" eaLnBrk="1" latinLnBrk="0" hangingPunct="1">
+              <a:lnSpc>
+                <a:spcPct val="90000"/>
+              </a:lnSpc>
+              <a:spcBef>
+                <a:spcPts val="500"/>
+              </a:spcBef>
+              <a:buFont typeface="Arial" panose="020B0604020202020204" pitchFamily="34" charset="0"/>
+              <a:buChar char="•"/>
+              <a:defRPr sz="1800" kern="1200">
+                <a:solidFill>
+                  <a:schemeClr val="tx1"/>
+                </a:solidFill>
+                <a:latin typeface="+mn-lt"/>
+                <a:ea typeface="+mn-ea"/>
+                <a:cs typeface="+mn-cs"/>
+              </a:defRPr>
+            </a:lvl8pPr>
+            <a:lvl9pPr marL="3886200" indent="-228600" algn="l" defTabSz="914400" rtl="0" eaLnBrk="1" latinLnBrk="0" hangingPunct="1">
+              <a:lnSpc>
+                <a:spcPct val="90000"/>
+              </a:lnSpc>
+              <a:spcBef>
+                <a:spcPts val="500"/>
+              </a:spcBef>
+              <a:buFont typeface="Arial" panose="020B0604020202020204" pitchFamily="34" charset="0"/>
+              <a:buChar char="•"/>
+              <a:defRPr sz="1800" kern="1200">
+                <a:solidFill>
+                  <a:schemeClr val="tx1"/>
+                </a:solidFill>
+                <a:latin typeface="+mn-lt"/>
+                <a:ea typeface="+mn-ea"/>
+                <a:cs typeface="+mn-cs"/>
+              </a:defRPr>
+            </a:lvl9pPr>
+          </a:lstStyle>
+          <a:p>
+            <a:r>
+              <a:rPr lang="en-GB" dirty="0"/>
+              <a:t>In edit_lists.R:</a:t>
+            </a:r>
+          </a:p>
+          <a:p>
+            <a:r>
+              <a:rPr lang="en-GB" dirty="0"/>
+              <a:t>Update logslist with a one word name for the log:</a:t>
+            </a:r>
+          </a:p>
+          <a:p>
+            <a:endParaRPr lang="en-GB" dirty="0"/>
+          </a:p>
+          <a:p>
+            <a:r>
+              <a:rPr lang="en-GB" dirty="0"/>
+              <a:t>Update logname with the proper name for the log (can be as many words as you like!)</a:t>
+            </a:r>
+          </a:p>
+          <a:p>
+            <a:endParaRPr lang="en-GB" dirty="0"/>
+          </a:p>
+          <a:p>
+            <a:endParaRPr lang="en-GB" dirty="0"/>
+          </a:p>
+          <a:p>
+            <a:pPr marL="0" indent="0">
+              <a:buFont typeface="Arial" panose="020B0604020202020204" pitchFamily="34" charset="0"/>
+              <a:buNone/>
+            </a:pPr>
+            <a:endParaRPr lang="en-GB" dirty="0"/>
+          </a:p>
+        </p:txBody>
+      </p:sp>
+      <p:pic>
+        <p:nvPicPr>
+          <p:cNvPr id="5" name="Picture 4">
+            <a:extLst>
+              <a:ext uri="{FF2B5EF4-FFF2-40B4-BE49-F238E27FC236}">
+                <a16:creationId xmlns:a16="http://schemas.microsoft.com/office/drawing/2014/main" id="{A317AD73-2418-4496-BFBB-E9E07FAE6D84}"/>
+              </a:ext>
+            </a:extLst>
+          </p:cNvPr>
+          <p:cNvPicPr>
+            <a:picLocks noChangeAspect="1"/>
+          </p:cNvPicPr>
+          <p:nvPr/>
+        </p:nvPicPr>
+        <p:blipFill>
+          <a:blip r:embed="rId2"/>
+          <a:stretch>
+            <a:fillRect/>
+          </a:stretch>
+        </p:blipFill>
+        <p:spPr>
+          <a:xfrm>
+            <a:off x="2237432" y="3044914"/>
+            <a:ext cx="5696745" cy="476316"/>
+          </a:xfrm>
+          <a:prstGeom prst="rect">
+            <a:avLst/>
+          </a:prstGeom>
+        </p:spPr>
+      </p:pic>
+      <p:pic>
+        <p:nvPicPr>
+          <p:cNvPr id="6" name="Picture 5">
+            <a:extLst>
+              <a:ext uri="{FF2B5EF4-FFF2-40B4-BE49-F238E27FC236}">
+                <a16:creationId xmlns:a16="http://schemas.microsoft.com/office/drawing/2014/main" id="{950AEE99-97EB-452F-9036-E0D16382134B}"/>
+              </a:ext>
+            </a:extLst>
+          </p:cNvPr>
+          <p:cNvPicPr>
+            <a:picLocks noChangeAspect="1"/>
+          </p:cNvPicPr>
+          <p:nvPr/>
+        </p:nvPicPr>
+        <p:blipFill>
+          <a:blip r:embed="rId3"/>
+          <a:stretch>
+            <a:fillRect/>
+          </a:stretch>
+        </p:blipFill>
+        <p:spPr>
+          <a:xfrm>
+            <a:off x="2388404" y="4468225"/>
+            <a:ext cx="4715533" cy="1028844"/>
+          </a:xfrm>
+          <a:prstGeom prst="rect">
+            <a:avLst/>
+          </a:prstGeom>
+        </p:spPr>
+      </p:pic>
+    </p:spTree>
+    <p:extLst>
+      <p:ext uri="{BB962C8B-B14F-4D97-AF65-F5344CB8AC3E}">
+        <p14:creationId xmlns:p14="http://schemas.microsoft.com/office/powerpoint/2010/main" val="51579567"/>
+      </p:ext>
+    </p:extLst>
+  </p:cSld>
+  <p:clrMapOvr>
+    <a:masterClrMapping/>
+  </p:clrMapOvr>
+</p:sld>
+</file>
+
+<file path=ppt/slides/slide9.xml><?xml version="1.0" encoding="utf-8"?>
+<p:sld xmlns:a="http://schemas.openxmlformats.org/drawingml/2006/main" xmlns:r="http://schemas.openxmlformats.org/officeDocument/2006/relationships" xmlns:p="http://schemas.openxmlformats.org/presentationml/2006/main">
+  <p:cSld>
+    <p:spTree>
+      <p:nvGrpSpPr>
+        <p:cNvPr id="1" name=""/>
+        <p:cNvGrpSpPr/>
+        <p:nvPr/>
+      </p:nvGrpSpPr>
+      <p:grpSpPr>
+        <a:xfrm>
+          <a:off x="0" y="0"/>
+          <a:ext cx="0" cy="0"/>
+          <a:chOff x="0" y="0"/>
+          <a:chExt cx="0" cy="0"/>
+        </a:xfrm>
+      </p:grpSpPr>
+      <p:sp>
+        <p:nvSpPr>
+          <p:cNvPr id="2" name="Title 1">
+            <a:extLst>
+              <a:ext uri="{FF2B5EF4-FFF2-40B4-BE49-F238E27FC236}">
+                <a16:creationId xmlns:a16="http://schemas.microsoft.com/office/drawing/2014/main" id="{553A35EB-2060-46B9-B0EE-79241E038580}"/>
+              </a:ext>
+            </a:extLst>
+          </p:cNvPr>
+          <p:cNvSpPr>
+            <a:spLocks noGrp="1"/>
+          </p:cNvSpPr>
+          <p:nvPr>
+            <p:ph type="title"/>
+          </p:nvPr>
+        </p:nvSpPr>
+        <p:spPr/>
+        <p:txBody>
+          <a:bodyPr/>
+          <a:lstStyle/>
+          <a:p>
+            <a:r>
+              <a:rPr lang="en-GB" dirty="0"/>
+              <a:t>How to add a new log (2/5)</a:t>
+            </a:r>
+          </a:p>
+        </p:txBody>
+      </p:sp>
+      <p:sp>
+        <p:nvSpPr>
+          <p:cNvPr id="4" name="Content Placeholder 2">
+            <a:extLst>
+              <a:ext uri="{FF2B5EF4-FFF2-40B4-BE49-F238E27FC236}">
+                <a16:creationId xmlns:a16="http://schemas.microsoft.com/office/drawing/2014/main" id="{718B6641-F2C0-424D-B520-497CF8393B2F}"/>
+              </a:ext>
+            </a:extLst>
+          </p:cNvPr>
+          <p:cNvSpPr txBox="1">
+            <a:spLocks/>
+          </p:cNvSpPr>
+          <p:nvPr/>
+        </p:nvSpPr>
+        <p:spPr>
+          <a:xfrm>
+            <a:off x="838200" y="1991088"/>
+            <a:ext cx="10515600" cy="4351338"/>
+          </a:xfrm>
+          <a:prstGeom prst="rect">
+            <a:avLst/>
+          </a:prstGeom>
+        </p:spPr>
+        <p:txBody>
+          <a:bodyPr vert="horz" lIns="91440" tIns="45720" rIns="91440" bIns="45720" rtlCol="0">
+            <a:normAutofit/>
+          </a:bodyPr>
+          <a:lstStyle>
+            <a:lvl1pPr marL="228600" indent="-228600" algn="l" defTabSz="914400" rtl="0" eaLnBrk="1" latinLnBrk="0" hangingPunct="1">
+              <a:lnSpc>
+                <a:spcPct val="90000"/>
+              </a:lnSpc>
+              <a:spcBef>
+                <a:spcPts val="1000"/>
+              </a:spcBef>
+              <a:buFont typeface="Arial" panose="020B0604020202020204" pitchFamily="34" charset="0"/>
+              <a:buChar char="•"/>
+              <a:defRPr sz="2800" kern="1200">
+                <a:solidFill>
+                  <a:schemeClr val="tx1"/>
+                </a:solidFill>
+                <a:latin typeface="+mn-lt"/>
+                <a:ea typeface="+mn-ea"/>
+                <a:cs typeface="+mn-cs"/>
+              </a:defRPr>
+            </a:lvl1pPr>
+            <a:lvl2pPr marL="685800" indent="-228600" algn="l" defTabSz="914400" rtl="0" eaLnBrk="1" latinLnBrk="0" hangingPunct="1">
+              <a:lnSpc>
+                <a:spcPct val="90000"/>
+              </a:lnSpc>
+              <a:spcBef>
+                <a:spcPts val="500"/>
+              </a:spcBef>
+              <a:buFont typeface="Arial" panose="020B0604020202020204" pitchFamily="34" charset="0"/>
+              <a:buChar char="•"/>
+              <a:defRPr sz="2400" kern="1200">
+                <a:solidFill>
+                  <a:schemeClr val="tx1"/>
+                </a:solidFill>
+                <a:latin typeface="+mn-lt"/>
+                <a:ea typeface="+mn-ea"/>
+                <a:cs typeface="+mn-cs"/>
+              </a:defRPr>
+            </a:lvl2pPr>
+            <a:lvl3pPr marL="1143000" indent="-228600" algn="l" defTabSz="914400" rtl="0" eaLnBrk="1" latinLnBrk="0" hangingPunct="1">
+              <a:lnSpc>
+                <a:spcPct val="90000"/>
+              </a:lnSpc>
+              <a:spcBef>
+                <a:spcPts val="500"/>
+              </a:spcBef>
+              <a:buFont typeface="Arial" panose="020B0604020202020204" pitchFamily="34" charset="0"/>
+              <a:buChar char="•"/>
+              <a:defRPr sz="2000" kern="1200">
+                <a:solidFill>
+                  <a:schemeClr val="tx1"/>
+                </a:solidFill>
+                <a:latin typeface="+mn-lt"/>
+                <a:ea typeface="+mn-ea"/>
+                <a:cs typeface="+mn-cs"/>
+              </a:defRPr>
+            </a:lvl3pPr>
+            <a:lvl4pPr marL="1600200" indent="-228600" algn="l" defTabSz="914400" rtl="0" eaLnBrk="1" latinLnBrk="0" hangingPunct="1">
+              <a:lnSpc>
+                <a:spcPct val="90000"/>
+              </a:lnSpc>
+              <a:spcBef>
+                <a:spcPts val="500"/>
+              </a:spcBef>
+              <a:buFont typeface="Arial" panose="020B0604020202020204" pitchFamily="34" charset="0"/>
+              <a:buChar char="•"/>
+              <a:defRPr sz="1800" kern="1200">
+                <a:solidFill>
+                  <a:schemeClr val="tx1"/>
+                </a:solidFill>
+                <a:latin typeface="+mn-lt"/>
+                <a:ea typeface="+mn-ea"/>
+                <a:cs typeface="+mn-cs"/>
+              </a:defRPr>
+            </a:lvl4pPr>
+            <a:lvl5pPr marL="2057400" indent="-228600" algn="l" defTabSz="914400" rtl="0" eaLnBrk="1" latinLnBrk="0" hangingPunct="1">
+              <a:lnSpc>
+                <a:spcPct val="90000"/>
+              </a:lnSpc>
+              <a:spcBef>
+                <a:spcPts val="500"/>
+              </a:spcBef>
+              <a:buFont typeface="Arial" panose="020B0604020202020204" pitchFamily="34" charset="0"/>
+              <a:buChar char="•"/>
+              <a:defRPr sz="1800" kern="1200">
+                <a:solidFill>
+                  <a:schemeClr val="tx1"/>
+                </a:solidFill>
+                <a:latin typeface="+mn-lt"/>
+                <a:ea typeface="+mn-ea"/>
+                <a:cs typeface="+mn-cs"/>
+              </a:defRPr>
+            </a:lvl5pPr>
+            <a:lvl6pPr marL="2514600" indent="-228600" algn="l" defTabSz="914400" rtl="0" eaLnBrk="1" latinLnBrk="0" hangingPunct="1">
+              <a:lnSpc>
+                <a:spcPct val="90000"/>
+              </a:lnSpc>
+              <a:spcBef>
+                <a:spcPts val="500"/>
+              </a:spcBef>
+              <a:buFont typeface="Arial" panose="020B0604020202020204" pitchFamily="34" charset="0"/>
+              <a:buChar char="•"/>
+              <a:defRPr sz="1800" kern="1200">
+                <a:solidFill>
+                  <a:schemeClr val="tx1"/>
+                </a:solidFill>
+                <a:latin typeface="+mn-lt"/>
+                <a:ea typeface="+mn-ea"/>
+                <a:cs typeface="+mn-cs"/>
+              </a:defRPr>
+            </a:lvl6pPr>
+            <a:lvl7pPr marL="2971800" indent="-228600" algn="l" defTabSz="914400" rtl="0" eaLnBrk="1" latinLnBrk="0" hangingPunct="1">
+              <a:lnSpc>
+                <a:spcPct val="90000"/>
+              </a:lnSpc>
+              <a:spcBef>
+                <a:spcPts val="500"/>
+              </a:spcBef>
+              <a:buFont typeface="Arial" panose="020B0604020202020204" pitchFamily="34" charset="0"/>
+              <a:buChar char="•"/>
+              <a:defRPr sz="1800" kern="1200">
+                <a:solidFill>
+                  <a:schemeClr val="tx1"/>
+                </a:solidFill>
+                <a:latin typeface="+mn-lt"/>
+                <a:ea typeface="+mn-ea"/>
+                <a:cs typeface="+mn-cs"/>
+              </a:defRPr>
+            </a:lvl7pPr>
+            <a:lvl8pPr marL="3429000" indent="-228600" algn="l" defTabSz="914400" rtl="0" eaLnBrk="1" latinLnBrk="0" hangingPunct="1">
+              <a:lnSpc>
+                <a:spcPct val="90000"/>
+              </a:lnSpc>
+              <a:spcBef>
+                <a:spcPts val="500"/>
+              </a:spcBef>
+              <a:buFont typeface="Arial" panose="020B0604020202020204" pitchFamily="34" charset="0"/>
+              <a:buChar char="•"/>
+              <a:defRPr sz="1800" kern="1200">
+                <a:solidFill>
+                  <a:schemeClr val="tx1"/>
+                </a:solidFill>
+                <a:latin typeface="+mn-lt"/>
+                <a:ea typeface="+mn-ea"/>
+                <a:cs typeface="+mn-cs"/>
+              </a:defRPr>
+            </a:lvl8pPr>
+            <a:lvl9pPr marL="3886200" indent="-228600" algn="l" defTabSz="914400" rtl="0" eaLnBrk="1" latinLnBrk="0" hangingPunct="1">
+              <a:lnSpc>
+                <a:spcPct val="90000"/>
+              </a:lnSpc>
+              <a:spcBef>
+                <a:spcPts val="500"/>
+              </a:spcBef>
+              <a:buFont typeface="Arial" panose="020B0604020202020204" pitchFamily="34" charset="0"/>
+              <a:buChar char="•"/>
+              <a:defRPr sz="1800" kern="1200">
+                <a:solidFill>
+                  <a:schemeClr val="tx1"/>
+                </a:solidFill>
+                <a:latin typeface="+mn-lt"/>
+                <a:ea typeface="+mn-ea"/>
+                <a:cs typeface="+mn-cs"/>
+              </a:defRPr>
+            </a:lvl9pPr>
+          </a:lstStyle>
+          <a:p>
+            <a:r>
+              <a:rPr lang="en-GB" dirty="0"/>
+              <a:t>In edit_lists.R:</a:t>
+            </a:r>
+          </a:p>
+          <a:p>
+            <a:r>
+              <a:rPr lang="en-GB" dirty="0"/>
+              <a:t>Add a new _names list, including names for all relevant checks, and a 0 for those not included in the log:</a:t>
+            </a:r>
+          </a:p>
+          <a:p>
+            <a:endParaRPr lang="en-GB" dirty="0"/>
+          </a:p>
+          <a:p>
+            <a:endParaRPr lang="en-GB" dirty="0"/>
+          </a:p>
+          <a:p>
+            <a:endParaRPr lang="en-GB" dirty="0"/>
+          </a:p>
+          <a:p>
+            <a:r>
+              <a:rPr lang="en-GB" dirty="0"/>
+              <a:t>Add a new _mandatory list, including a 1 for all mandatory checks, and a 0 for others</a:t>
+            </a:r>
+          </a:p>
+          <a:p>
+            <a:endParaRPr lang="en-GB" dirty="0"/>
+          </a:p>
+          <a:p>
+            <a:pPr marL="0" indent="0">
+              <a:buFont typeface="Arial" panose="020B0604020202020204" pitchFamily="34" charset="0"/>
+              <a:buNone/>
+            </a:pPr>
+            <a:endParaRPr lang="en-GB" dirty="0"/>
+          </a:p>
+        </p:txBody>
+      </p:sp>
+      <p:pic>
+        <p:nvPicPr>
+          <p:cNvPr id="7" name="Picture 6">
+            <a:extLst>
+              <a:ext uri="{FF2B5EF4-FFF2-40B4-BE49-F238E27FC236}">
+                <a16:creationId xmlns:a16="http://schemas.microsoft.com/office/drawing/2014/main" id="{6094E607-2C70-471C-B6C2-44EE0250071D}"/>
+              </a:ext>
+            </a:extLst>
+          </p:cNvPr>
+          <p:cNvPicPr>
+            <a:picLocks noChangeAspect="1"/>
+          </p:cNvPicPr>
+          <p:nvPr/>
+        </p:nvPicPr>
+        <p:blipFill>
+          <a:blip r:embed="rId2"/>
+          <a:stretch>
+            <a:fillRect/>
+          </a:stretch>
+        </p:blipFill>
+        <p:spPr>
+          <a:xfrm>
+            <a:off x="326850" y="3323677"/>
+            <a:ext cx="7754432" cy="1686160"/>
+          </a:xfrm>
+          <a:prstGeom prst="rect">
+            <a:avLst/>
+          </a:prstGeom>
+        </p:spPr>
+      </p:pic>
+      <p:pic>
+        <p:nvPicPr>
+          <p:cNvPr id="8" name="Picture 7">
+            <a:extLst>
+              <a:ext uri="{FF2B5EF4-FFF2-40B4-BE49-F238E27FC236}">
+                <a16:creationId xmlns:a16="http://schemas.microsoft.com/office/drawing/2014/main" id="{E12A711D-EAF5-4D25-BB05-89C9CA8248C8}"/>
+              </a:ext>
+            </a:extLst>
+          </p:cNvPr>
+          <p:cNvPicPr>
+            <a:picLocks noChangeAspect="1"/>
+          </p:cNvPicPr>
+          <p:nvPr/>
+        </p:nvPicPr>
+        <p:blipFill>
+          <a:blip r:embed="rId3"/>
+          <a:stretch>
+            <a:fillRect/>
+          </a:stretch>
+        </p:blipFill>
+        <p:spPr>
+          <a:xfrm>
+            <a:off x="2168337" y="5728298"/>
+            <a:ext cx="5277587" cy="914528"/>
+          </a:xfrm>
+          <a:prstGeom prst="rect">
+            <a:avLst/>
+          </a:prstGeom>
+        </p:spPr>
+      </p:pic>
+      <p:sp>
+        <p:nvSpPr>
+          <p:cNvPr id="9" name="TextBox 8">
+            <a:extLst>
+              <a:ext uri="{FF2B5EF4-FFF2-40B4-BE49-F238E27FC236}">
+                <a16:creationId xmlns:a16="http://schemas.microsoft.com/office/drawing/2014/main" id="{96DE2BDF-1842-4FD1-905E-F24F0E030E53}"/>
+              </a:ext>
+            </a:extLst>
+          </p:cNvPr>
+          <p:cNvSpPr txBox="1"/>
+          <p:nvPr/>
+        </p:nvSpPr>
+        <p:spPr>
+          <a:xfrm>
+            <a:off x="8124825" y="3568574"/>
+            <a:ext cx="4067175" cy="1200329"/>
+          </a:xfrm>
+          <a:prstGeom prst="rect">
+            <a:avLst/>
+          </a:prstGeom>
+          <a:noFill/>
+        </p:spPr>
+        <p:txBody>
+          <a:bodyPr wrap="square" rtlCol="0">
+            <a:spAutoFit/>
+          </a:bodyPr>
+          <a:lstStyle/>
+          <a:p>
+            <a:r>
+              <a:rPr lang="en-GB" dirty="0"/>
+              <a:t>The order of check names should follow the same order as QAcheckslist</a:t>
+            </a:r>
+          </a:p>
+          <a:p>
+            <a:r>
+              <a:rPr lang="en-GB" dirty="0"/>
+              <a:t>If the check is not part of that log, put a 0 in the correct place</a:t>
+            </a:r>
+          </a:p>
+        </p:txBody>
+      </p:sp>
+      <p:sp>
+        <p:nvSpPr>
+          <p:cNvPr id="10" name="TextBox 9">
+            <a:extLst>
+              <a:ext uri="{FF2B5EF4-FFF2-40B4-BE49-F238E27FC236}">
+                <a16:creationId xmlns:a16="http://schemas.microsoft.com/office/drawing/2014/main" id="{DD57490B-8471-460F-9221-9EBA7E49D2B0}"/>
+              </a:ext>
+            </a:extLst>
+          </p:cNvPr>
+          <p:cNvSpPr txBox="1"/>
+          <p:nvPr/>
+        </p:nvSpPr>
+        <p:spPr>
+          <a:xfrm>
+            <a:off x="7990075" y="5585397"/>
+            <a:ext cx="4067175" cy="1200329"/>
+          </a:xfrm>
+          <a:prstGeom prst="rect">
+            <a:avLst/>
+          </a:prstGeom>
+          <a:noFill/>
+        </p:spPr>
+        <p:txBody>
+          <a:bodyPr wrap="square" rtlCol="0">
+            <a:spAutoFit/>
+          </a:bodyPr>
+          <a:lstStyle/>
+          <a:p>
+            <a:r>
+              <a:rPr lang="en-GB" dirty="0"/>
+              <a:t>The order of mandatory checks should follow the same order as QAcheckslist</a:t>
+            </a:r>
+          </a:p>
+          <a:p>
+            <a:r>
+              <a:rPr lang="en-GB" dirty="0"/>
+              <a:t>If the check is mandatory, put a 1</a:t>
+            </a:r>
+          </a:p>
+          <a:p>
+            <a:r>
+              <a:rPr lang="en-GB" dirty="0"/>
+              <a:t>If the check is not mandatory, put a 0</a:t>
+            </a:r>
+          </a:p>
+        </p:txBody>
+      </p:sp>
+    </p:spTree>
+    <p:extLst>
+      <p:ext uri="{BB962C8B-B14F-4D97-AF65-F5344CB8AC3E}">
+        <p14:creationId xmlns:p14="http://schemas.microsoft.com/office/powerpoint/2010/main" val="179229074"/>
+      </p:ext>
+    </p:extLst>
+  </p:cSld>
+  <p:clrMapOvr>
+    <a:masterClrMapping/>
+  </p:clrMapOvr>
+</p:sld>
+</file>
+
 <file path=ppt/theme/theme1.xml><?xml version="1.0" encoding="utf-8"?>
 <a:theme xmlns:a="http://schemas.openxmlformats.org/drawingml/2006/main" name="Office Theme">
   <a:themeElements>

--- a/QA log app - behind the code.pptx
+++ b/QA log app - behind the code.pptx
@@ -142,7 +142,7 @@
   <pc:docChgLst>
     <pc:chgData name="MORLEY, Thomas" userId="ca0a1631-feee-46f8-9dc6-a0f397eff84f" providerId="ADAL" clId="{E34FB9E7-6CF7-40FD-83B9-B94EF404FC33}"/>
     <pc:docChg chg="undo redo custSel addSld delSld modSld">
-      <pc:chgData name="MORLEY, Thomas" userId="ca0a1631-feee-46f8-9dc6-a0f397eff84f" providerId="ADAL" clId="{E34FB9E7-6CF7-40FD-83B9-B94EF404FC33}" dt="2021-11-05T10:42:24.627" v="6780" actId="20577"/>
+      <pc:chgData name="MORLEY, Thomas" userId="ca0a1631-feee-46f8-9dc6-a0f397eff84f" providerId="ADAL" clId="{E34FB9E7-6CF7-40FD-83B9-B94EF404FC33}" dt="2021-11-05T10:50:03.393" v="6838" actId="1076"/>
       <pc:docMkLst>
         <pc:docMk/>
       </pc:docMkLst>
@@ -1002,7 +1002,7 @@
         </pc:cxnChg>
       </pc:sldChg>
       <pc:sldChg chg="addSp modSp new mod">
-        <pc:chgData name="MORLEY, Thomas" userId="ca0a1631-feee-46f8-9dc6-a0f397eff84f" providerId="ADAL" clId="{E34FB9E7-6CF7-40FD-83B9-B94EF404FC33}" dt="2021-11-02T15:28:22.966" v="3310" actId="207"/>
+        <pc:chgData name="MORLEY, Thomas" userId="ca0a1631-feee-46f8-9dc6-a0f397eff84f" providerId="ADAL" clId="{E34FB9E7-6CF7-40FD-83B9-B94EF404FC33}" dt="2021-11-05T10:50:03.393" v="6838" actId="1076"/>
         <pc:sldMkLst>
           <pc:docMk/>
           <pc:sldMk cId="2423129868" sldId="266"/>
@@ -1056,7 +1056,7 @@
           </ac:spMkLst>
         </pc:spChg>
         <pc:spChg chg="add mod">
-          <ac:chgData name="MORLEY, Thomas" userId="ca0a1631-feee-46f8-9dc6-a0f397eff84f" providerId="ADAL" clId="{E34FB9E7-6CF7-40FD-83B9-B94EF404FC33}" dt="2021-11-02T15:28:11.494" v="3307" actId="207"/>
+          <ac:chgData name="MORLEY, Thomas" userId="ca0a1631-feee-46f8-9dc6-a0f397eff84f" providerId="ADAL" clId="{E34FB9E7-6CF7-40FD-83B9-B94EF404FC33}" dt="2021-11-05T10:50:03.393" v="6838" actId="1076"/>
           <ac:spMkLst>
             <pc:docMk/>
             <pc:sldMk cId="2423129868" sldId="266"/>
@@ -14510,8 +14510,8 @@
         </p:nvSpPr>
         <p:spPr>
           <a:xfrm>
-            <a:off x="1075508" y="5434149"/>
-            <a:ext cx="3219023" cy="646331"/>
+            <a:off x="810780" y="5434149"/>
+            <a:ext cx="4918782" cy="923330"/>
           </a:xfrm>
           <a:prstGeom prst="rect">
             <a:avLst/>
@@ -14552,6 +14552,12 @@
             <a:r>
               <a:rPr lang="en-GB" dirty="0"/>
               <a:t>Add a new row to SQL database.</a:t>
+            </a:r>
+          </a:p>
+          <a:p>
+            <a:r>
+              <a:rPr lang="en-GB" dirty="0"/>
+              <a:t>Add a row to SCD database with “TO BE CHECKED”</a:t>
             </a:r>
           </a:p>
         </p:txBody>

--- a/QA log app - behind the code.pptx
+++ b/QA log app - behind the code.pptx
@@ -23,6 +23,9 @@
     <p:sldId id="262" r:id="rId17"/>
     <p:sldId id="265" r:id="rId18"/>
     <p:sldId id="266" r:id="rId19"/>
+    <p:sldId id="275" r:id="rId20"/>
+    <p:sldId id="276" r:id="rId21"/>
+    <p:sldId id="277" r:id="rId22"/>
   </p:sldIdLst>
   <p:sldSz cx="12192000" cy="6858000"/>
   <p:notesSz cx="6858000" cy="9144000"/>
@@ -132,7 +135,7 @@
 <file path=ppt/revisionInfo.xml><?xml version="1.0" encoding="utf-8"?>
 <p1510:revInfo xmlns:a="http://schemas.openxmlformats.org/drawingml/2006/main" xmlns:r="http://schemas.openxmlformats.org/officeDocument/2006/relationships" xmlns:p1510="http://schemas.microsoft.com/office/powerpoint/2015/10/main">
   <p1510:revLst>
-    <p1510:client id="{E34FB9E7-6CF7-40FD-83B9-B94EF404FC33}" v="100" dt="2021-11-05T10:41:22.250"/>
+    <p1510:client id="{E34FB9E7-6CF7-40FD-83B9-B94EF404FC33}" v="126" dt="2021-11-09T09:37:31.375"/>
   </p1510:revLst>
 </p1510:revInfo>
 </file>
@@ -142,7 +145,7 @@
   <pc:docChgLst>
     <pc:chgData name="MORLEY, Thomas" userId="ca0a1631-feee-46f8-9dc6-a0f397eff84f" providerId="ADAL" clId="{E34FB9E7-6CF7-40FD-83B9-B94EF404FC33}"/>
     <pc:docChg chg="undo redo custSel addSld delSld modSld">
-      <pc:chgData name="MORLEY, Thomas" userId="ca0a1631-feee-46f8-9dc6-a0f397eff84f" providerId="ADAL" clId="{E34FB9E7-6CF7-40FD-83B9-B94EF404FC33}" dt="2021-11-05T10:50:03.393" v="6838" actId="1076"/>
+      <pc:chgData name="MORLEY, Thomas" userId="ca0a1631-feee-46f8-9dc6-a0f397eff84f" providerId="ADAL" clId="{E34FB9E7-6CF7-40FD-83B9-B94EF404FC33}" dt="2021-11-09T09:37:45.744" v="7949" actId="313"/>
       <pc:docMkLst>
         <pc:docMk/>
       </pc:docMkLst>
@@ -1823,6 +1826,267 @@
             <ac:picMk id="18" creationId="{E0B1D848-F347-4B6D-9376-4DE4B6395920}"/>
           </ac:picMkLst>
         </pc:picChg>
+      </pc:sldChg>
+      <pc:sldChg chg="addSp delSp modSp new mod">
+        <pc:chgData name="MORLEY, Thomas" userId="ca0a1631-feee-46f8-9dc6-a0f397eff84f" providerId="ADAL" clId="{E34FB9E7-6CF7-40FD-83B9-B94EF404FC33}" dt="2021-11-09T09:30:11.463" v="7222"/>
+        <pc:sldMkLst>
+          <pc:docMk/>
+          <pc:sldMk cId="1399345229" sldId="275"/>
+        </pc:sldMkLst>
+        <pc:spChg chg="mod">
+          <ac:chgData name="MORLEY, Thomas" userId="ca0a1631-feee-46f8-9dc6-a0f397eff84f" providerId="ADAL" clId="{E34FB9E7-6CF7-40FD-83B9-B94EF404FC33}" dt="2021-11-09T09:26:25.764" v="6865" actId="20577"/>
+          <ac:spMkLst>
+            <pc:docMk/>
+            <pc:sldMk cId="1399345229" sldId="275"/>
+            <ac:spMk id="2" creationId="{FD0C9E8D-444E-4534-B6FA-25E739BB3FD7}"/>
+          </ac:spMkLst>
+        </pc:spChg>
+        <pc:spChg chg="add mod">
+          <ac:chgData name="MORLEY, Thomas" userId="ca0a1631-feee-46f8-9dc6-a0f397eff84f" providerId="ADAL" clId="{E34FB9E7-6CF7-40FD-83B9-B94EF404FC33}" dt="2021-11-09T09:26:37.561" v="6895" actId="1076"/>
+          <ac:spMkLst>
+            <pc:docMk/>
+            <pc:sldMk cId="1399345229" sldId="275"/>
+            <ac:spMk id="3" creationId="{67D3B909-D1E3-43A7-ACC9-8888F7050B66}"/>
+          </ac:spMkLst>
+        </pc:spChg>
+        <pc:spChg chg="add mod">
+          <ac:chgData name="MORLEY, Thomas" userId="ca0a1631-feee-46f8-9dc6-a0f397eff84f" providerId="ADAL" clId="{E34FB9E7-6CF7-40FD-83B9-B94EF404FC33}" dt="2021-11-09T09:27:21.137" v="6974" actId="20577"/>
+          <ac:spMkLst>
+            <pc:docMk/>
+            <pc:sldMk cId="1399345229" sldId="275"/>
+            <ac:spMk id="4" creationId="{BB49BEB3-3194-4765-BA46-0022E273EF94}"/>
+          </ac:spMkLst>
+        </pc:spChg>
+        <pc:spChg chg="add mod">
+          <ac:chgData name="MORLEY, Thomas" userId="ca0a1631-feee-46f8-9dc6-a0f397eff84f" providerId="ADAL" clId="{E34FB9E7-6CF7-40FD-83B9-B94EF404FC33}" dt="2021-11-09T09:29:46.430" v="7220" actId="14100"/>
+          <ac:spMkLst>
+            <pc:docMk/>
+            <pc:sldMk cId="1399345229" sldId="275"/>
+            <ac:spMk id="8" creationId="{DD4977F9-7DBF-4DB2-AC24-5899F741987C}"/>
+          </ac:spMkLst>
+        </pc:spChg>
+        <pc:spChg chg="add mod">
+          <ac:chgData name="MORLEY, Thomas" userId="ca0a1631-feee-46f8-9dc6-a0f397eff84f" providerId="ADAL" clId="{E34FB9E7-6CF7-40FD-83B9-B94EF404FC33}" dt="2021-11-09T09:29:05.855" v="7121" actId="1076"/>
+          <ac:spMkLst>
+            <pc:docMk/>
+            <pc:sldMk cId="1399345229" sldId="275"/>
+            <ac:spMk id="9" creationId="{ACB19382-C4D8-4872-A418-525943958EFD}"/>
+          </ac:spMkLst>
+        </pc:spChg>
+        <pc:spChg chg="add del">
+          <ac:chgData name="MORLEY, Thomas" userId="ca0a1631-feee-46f8-9dc6-a0f397eff84f" providerId="ADAL" clId="{E34FB9E7-6CF7-40FD-83B9-B94EF404FC33}" dt="2021-11-09T09:30:11.463" v="7222"/>
+          <ac:spMkLst>
+            <pc:docMk/>
+            <pc:sldMk cId="1399345229" sldId="275"/>
+            <ac:spMk id="12" creationId="{B9AA931C-EBED-4240-A8B8-71817607FE59}"/>
+          </ac:spMkLst>
+        </pc:spChg>
+        <pc:picChg chg="add mod">
+          <ac:chgData name="MORLEY, Thomas" userId="ca0a1631-feee-46f8-9dc6-a0f397eff84f" providerId="ADAL" clId="{E34FB9E7-6CF7-40FD-83B9-B94EF404FC33}" dt="2021-11-09T09:29:03.181" v="7120" actId="1076"/>
+          <ac:picMkLst>
+            <pc:docMk/>
+            <pc:sldMk cId="1399345229" sldId="275"/>
+            <ac:picMk id="6" creationId="{853173D1-1B39-4033-9A57-318FF3DCB7D6}"/>
+          </ac:picMkLst>
+        </pc:picChg>
+        <pc:picChg chg="add del">
+          <ac:chgData name="MORLEY, Thomas" userId="ca0a1631-feee-46f8-9dc6-a0f397eff84f" providerId="ADAL" clId="{E34FB9E7-6CF7-40FD-83B9-B94EF404FC33}" dt="2021-11-09T09:30:11.463" v="7222"/>
+          <ac:picMkLst>
+            <pc:docMk/>
+            <pc:sldMk cId="1399345229" sldId="275"/>
+            <ac:picMk id="1026" creationId="{D780576D-DE26-4372-AB64-A776DEBD0BF8}"/>
+          </ac:picMkLst>
+        </pc:picChg>
+        <pc:cxnChg chg="add">
+          <ac:chgData name="MORLEY, Thomas" userId="ca0a1631-feee-46f8-9dc6-a0f397eff84f" providerId="ADAL" clId="{E34FB9E7-6CF7-40FD-83B9-B94EF404FC33}" dt="2021-11-09T09:29:10.584" v="7122" actId="11529"/>
+          <ac:cxnSpMkLst>
+            <pc:docMk/>
+            <pc:sldMk cId="1399345229" sldId="275"/>
+            <ac:cxnSpMk id="11" creationId="{4F720901-D700-41A4-AB72-626A7F18E901}"/>
+          </ac:cxnSpMkLst>
+        </pc:cxnChg>
+      </pc:sldChg>
+      <pc:sldChg chg="addSp modSp new mod">
+        <pc:chgData name="MORLEY, Thomas" userId="ca0a1631-feee-46f8-9dc6-a0f397eff84f" providerId="ADAL" clId="{E34FB9E7-6CF7-40FD-83B9-B94EF404FC33}" dt="2021-11-09T09:31:16.552" v="7282" actId="20577"/>
+        <pc:sldMkLst>
+          <pc:docMk/>
+          <pc:sldMk cId="3002786234" sldId="276"/>
+        </pc:sldMkLst>
+        <pc:spChg chg="mod">
+          <ac:chgData name="MORLEY, Thomas" userId="ca0a1631-feee-46f8-9dc6-a0f397eff84f" providerId="ADAL" clId="{E34FB9E7-6CF7-40FD-83B9-B94EF404FC33}" dt="2021-11-09T09:30:51.119" v="7264" actId="20577"/>
+          <ac:spMkLst>
+            <pc:docMk/>
+            <pc:sldMk cId="3002786234" sldId="276"/>
+            <ac:spMk id="2" creationId="{39ACF186-4E74-4D76-BABD-677AAC2E75D5}"/>
+          </ac:spMkLst>
+        </pc:spChg>
+        <pc:spChg chg="add mod">
+          <ac:chgData name="MORLEY, Thomas" userId="ca0a1631-feee-46f8-9dc6-a0f397eff84f" providerId="ADAL" clId="{E34FB9E7-6CF7-40FD-83B9-B94EF404FC33}" dt="2021-11-09T09:31:16.552" v="7282" actId="20577"/>
+          <ac:spMkLst>
+            <pc:docMk/>
+            <pc:sldMk cId="3002786234" sldId="276"/>
+            <ac:spMk id="3" creationId="{8CBC483B-DC7D-4F18-A171-F329178E4F6A}"/>
+          </ac:spMkLst>
+        </pc:spChg>
+        <pc:picChg chg="add mod">
+          <ac:chgData name="MORLEY, Thomas" userId="ca0a1631-feee-46f8-9dc6-a0f397eff84f" providerId="ADAL" clId="{E34FB9E7-6CF7-40FD-83B9-B94EF404FC33}" dt="2021-11-09T09:31:11.085" v="7269" actId="1076"/>
+          <ac:picMkLst>
+            <pc:docMk/>
+            <pc:sldMk cId="3002786234" sldId="276"/>
+            <ac:picMk id="2050" creationId="{66CC6905-C3D7-4E81-91AC-93F68134034C}"/>
+          </ac:picMkLst>
+        </pc:picChg>
+      </pc:sldChg>
+      <pc:sldChg chg="addSp delSp modSp new mod">
+        <pc:chgData name="MORLEY, Thomas" userId="ca0a1631-feee-46f8-9dc6-a0f397eff84f" providerId="ADAL" clId="{E34FB9E7-6CF7-40FD-83B9-B94EF404FC33}" dt="2021-11-09T09:37:45.744" v="7949" actId="313"/>
+        <pc:sldMkLst>
+          <pc:docMk/>
+          <pc:sldMk cId="1542938121" sldId="277"/>
+        </pc:sldMkLst>
+        <pc:spChg chg="mod">
+          <ac:chgData name="MORLEY, Thomas" userId="ca0a1631-feee-46f8-9dc6-a0f397eff84f" providerId="ADAL" clId="{E34FB9E7-6CF7-40FD-83B9-B94EF404FC33}" dt="2021-11-09T09:31:55.170" v="7309" actId="20577"/>
+          <ac:spMkLst>
+            <pc:docMk/>
+            <pc:sldMk cId="1542938121" sldId="277"/>
+            <ac:spMk id="2" creationId="{C1F44609-42B4-4660-BE7E-63B8CE9B306E}"/>
+          </ac:spMkLst>
+        </pc:spChg>
+        <pc:spChg chg="add del mod">
+          <ac:chgData name="MORLEY, Thomas" userId="ca0a1631-feee-46f8-9dc6-a0f397eff84f" providerId="ADAL" clId="{E34FB9E7-6CF7-40FD-83B9-B94EF404FC33}" dt="2021-11-09T09:32:01.568" v="7311" actId="478"/>
+          <ac:spMkLst>
+            <pc:docMk/>
+            <pc:sldMk cId="1542938121" sldId="277"/>
+            <ac:spMk id="3" creationId="{3BEA643B-E6F7-4CB5-86F2-6398CB885DA1}"/>
+          </ac:spMkLst>
+        </pc:spChg>
+        <pc:spChg chg="add mod">
+          <ac:chgData name="MORLEY, Thomas" userId="ca0a1631-feee-46f8-9dc6-a0f397eff84f" providerId="ADAL" clId="{E34FB9E7-6CF7-40FD-83B9-B94EF404FC33}" dt="2021-11-09T09:34:32.739" v="7482" actId="14100"/>
+          <ac:spMkLst>
+            <pc:docMk/>
+            <pc:sldMk cId="1542938121" sldId="277"/>
+            <ac:spMk id="4" creationId="{EAB429F8-0E16-43E4-9699-559F7848FD66}"/>
+          </ac:spMkLst>
+        </pc:spChg>
+        <pc:spChg chg="add mod">
+          <ac:chgData name="MORLEY, Thomas" userId="ca0a1631-feee-46f8-9dc6-a0f397eff84f" providerId="ADAL" clId="{E34FB9E7-6CF7-40FD-83B9-B94EF404FC33}" dt="2021-11-09T09:34:41.297" v="7486" actId="1076"/>
+          <ac:spMkLst>
+            <pc:docMk/>
+            <pc:sldMk cId="1542938121" sldId="277"/>
+            <ac:spMk id="9" creationId="{EF4591AC-9F18-4EEA-9843-22AF0D68B166}"/>
+          </ac:spMkLst>
+        </pc:spChg>
+        <pc:spChg chg="add mod">
+          <ac:chgData name="MORLEY, Thomas" userId="ca0a1631-feee-46f8-9dc6-a0f397eff84f" providerId="ADAL" clId="{E34FB9E7-6CF7-40FD-83B9-B94EF404FC33}" dt="2021-11-09T09:34:55.933" v="7514" actId="1076"/>
+          <ac:spMkLst>
+            <pc:docMk/>
+            <pc:sldMk cId="1542938121" sldId="277"/>
+            <ac:spMk id="11" creationId="{0055CF59-ADAF-4B5A-AFC3-D0CB91951D99}"/>
+          </ac:spMkLst>
+        </pc:spChg>
+        <pc:spChg chg="add mod">
+          <ac:chgData name="MORLEY, Thomas" userId="ca0a1631-feee-46f8-9dc6-a0f397eff84f" providerId="ADAL" clId="{E34FB9E7-6CF7-40FD-83B9-B94EF404FC33}" dt="2021-11-09T09:35:13.170" v="7543" actId="1076"/>
+          <ac:spMkLst>
+            <pc:docMk/>
+            <pc:sldMk cId="1542938121" sldId="277"/>
+            <ac:spMk id="12" creationId="{C72F6EC6-D965-4CE4-94CF-415EE0AA5F6E}"/>
+          </ac:spMkLst>
+        </pc:spChg>
+        <pc:spChg chg="add mod">
+          <ac:chgData name="MORLEY, Thomas" userId="ca0a1631-feee-46f8-9dc6-a0f397eff84f" providerId="ADAL" clId="{E34FB9E7-6CF7-40FD-83B9-B94EF404FC33}" dt="2021-11-09T09:35:42.773" v="7624" actId="14100"/>
+          <ac:spMkLst>
+            <pc:docMk/>
+            <pc:sldMk cId="1542938121" sldId="277"/>
+            <ac:spMk id="13" creationId="{93373280-488C-4419-81A6-143EAE55A389}"/>
+          </ac:spMkLst>
+        </pc:spChg>
+        <pc:spChg chg="add mod">
+          <ac:chgData name="MORLEY, Thomas" userId="ca0a1631-feee-46f8-9dc6-a0f397eff84f" providerId="ADAL" clId="{E34FB9E7-6CF7-40FD-83B9-B94EF404FC33}" dt="2021-11-09T09:35:57.450" v="7631" actId="20577"/>
+          <ac:spMkLst>
+            <pc:docMk/>
+            <pc:sldMk cId="1542938121" sldId="277"/>
+            <ac:spMk id="15" creationId="{B1578EAC-5CE4-4D43-8FEB-2E6B81AA012B}"/>
+          </ac:spMkLst>
+        </pc:spChg>
+        <pc:spChg chg="add mod">
+          <ac:chgData name="MORLEY, Thomas" userId="ca0a1631-feee-46f8-9dc6-a0f397eff84f" providerId="ADAL" clId="{E34FB9E7-6CF7-40FD-83B9-B94EF404FC33}" dt="2021-11-09T09:36:08.425" v="7656" actId="20577"/>
+          <ac:spMkLst>
+            <pc:docMk/>
+            <pc:sldMk cId="1542938121" sldId="277"/>
+            <ac:spMk id="17" creationId="{FB446768-D823-4CEA-AC58-386599D57271}"/>
+          </ac:spMkLst>
+        </pc:spChg>
+        <pc:spChg chg="add mod">
+          <ac:chgData name="MORLEY, Thomas" userId="ca0a1631-feee-46f8-9dc6-a0f397eff84f" providerId="ADAL" clId="{E34FB9E7-6CF7-40FD-83B9-B94EF404FC33}" dt="2021-11-09T09:36:20.606" v="7660" actId="1076"/>
+          <ac:spMkLst>
+            <pc:docMk/>
+            <pc:sldMk cId="1542938121" sldId="277"/>
+            <ac:spMk id="19" creationId="{D03DA7C0-59D9-4B70-9E6B-DEA0D9273E4C}"/>
+          </ac:spMkLst>
+        </pc:spChg>
+        <pc:spChg chg="add mod">
+          <ac:chgData name="MORLEY, Thomas" userId="ca0a1631-feee-46f8-9dc6-a0f397eff84f" providerId="ADAL" clId="{E34FB9E7-6CF7-40FD-83B9-B94EF404FC33}" dt="2021-11-09T09:36:33.483" v="7671" actId="20577"/>
+          <ac:spMkLst>
+            <pc:docMk/>
+            <pc:sldMk cId="1542938121" sldId="277"/>
+            <ac:spMk id="20" creationId="{BD222044-B5B4-46C8-9112-17FDF09931E6}"/>
+          </ac:spMkLst>
+        </pc:spChg>
+        <pc:spChg chg="add mod">
+          <ac:chgData name="MORLEY, Thomas" userId="ca0a1631-feee-46f8-9dc6-a0f397eff84f" providerId="ADAL" clId="{E34FB9E7-6CF7-40FD-83B9-B94EF404FC33}" dt="2021-11-09T09:37:01.099" v="7757" actId="14100"/>
+          <ac:spMkLst>
+            <pc:docMk/>
+            <pc:sldMk cId="1542938121" sldId="277"/>
+            <ac:spMk id="21" creationId="{11297682-80C8-47DB-A22E-C7C39339FD10}"/>
+          </ac:spMkLst>
+        </pc:spChg>
+        <pc:spChg chg="add mod">
+          <ac:chgData name="MORLEY, Thomas" userId="ca0a1631-feee-46f8-9dc6-a0f397eff84f" providerId="ADAL" clId="{E34FB9E7-6CF7-40FD-83B9-B94EF404FC33}" dt="2021-11-09T09:37:28.953" v="7878" actId="20577"/>
+          <ac:spMkLst>
+            <pc:docMk/>
+            <pc:sldMk cId="1542938121" sldId="277"/>
+            <ac:spMk id="22" creationId="{3432DC62-F810-4B56-A42F-A678B3B47680}"/>
+          </ac:spMkLst>
+        </pc:spChg>
+        <pc:spChg chg="add mod">
+          <ac:chgData name="MORLEY, Thomas" userId="ca0a1631-feee-46f8-9dc6-a0f397eff84f" providerId="ADAL" clId="{E34FB9E7-6CF7-40FD-83B9-B94EF404FC33}" dt="2021-11-09T09:37:45.744" v="7949" actId="313"/>
+          <ac:spMkLst>
+            <pc:docMk/>
+            <pc:sldMk cId="1542938121" sldId="277"/>
+            <ac:spMk id="23" creationId="{E3F386D3-92CA-41B3-BA7D-47E28E462527}"/>
+          </ac:spMkLst>
+        </pc:spChg>
+        <pc:cxnChg chg="add mod">
+          <ac:chgData name="MORLEY, Thomas" userId="ca0a1631-feee-46f8-9dc6-a0f397eff84f" providerId="ADAL" clId="{E34FB9E7-6CF7-40FD-83B9-B94EF404FC33}" dt="2021-11-09T09:34:32.739" v="7482" actId="14100"/>
+          <ac:cxnSpMkLst>
+            <pc:docMk/>
+            <pc:sldMk cId="1542938121" sldId="277"/>
+            <ac:cxnSpMk id="6" creationId="{317522D4-F7C5-4724-BFC6-D87AFD2EC3B8}"/>
+          </ac:cxnSpMkLst>
+        </pc:cxnChg>
+        <pc:cxnChg chg="add mod">
+          <ac:chgData name="MORLEY, Thomas" userId="ca0a1631-feee-46f8-9dc6-a0f397eff84f" providerId="ADAL" clId="{E34FB9E7-6CF7-40FD-83B9-B94EF404FC33}" dt="2021-11-09T09:34:34.737" v="7483" actId="1076"/>
+          <ac:cxnSpMkLst>
+            <pc:docMk/>
+            <pc:sldMk cId="1542938121" sldId="277"/>
+            <ac:cxnSpMk id="7" creationId="{0971AE5A-AE4C-4C1E-8209-21E56069C9AF}"/>
+          </ac:cxnSpMkLst>
+        </pc:cxnChg>
+        <pc:cxnChg chg="add mod">
+          <ac:chgData name="MORLEY, Thomas" userId="ca0a1631-feee-46f8-9dc6-a0f397eff84f" providerId="ADAL" clId="{E34FB9E7-6CF7-40FD-83B9-B94EF404FC33}" dt="2021-11-09T09:35:54.073" v="7628" actId="1076"/>
+          <ac:cxnSpMkLst>
+            <pc:docMk/>
+            <pc:sldMk cId="1542938121" sldId="277"/>
+            <ac:cxnSpMk id="14" creationId="{133C5D11-39A4-4D9E-88CB-57FFEE7E61E9}"/>
+          </ac:cxnSpMkLst>
+        </pc:cxnChg>
+        <pc:cxnChg chg="add mod">
+          <ac:chgData name="MORLEY, Thomas" userId="ca0a1631-feee-46f8-9dc6-a0f397eff84f" providerId="ADAL" clId="{E34FB9E7-6CF7-40FD-83B9-B94EF404FC33}" dt="2021-11-09T09:36:14.608" v="7658" actId="1076"/>
+          <ac:cxnSpMkLst>
+            <pc:docMk/>
+            <pc:sldMk cId="1542938121" sldId="277"/>
+            <ac:cxnSpMk id="18" creationId="{1773053D-459E-4199-AC92-44C4FC62C27F}"/>
+          </ac:cxnSpMkLst>
+        </pc:cxnChg>
       </pc:sldChg>
     </pc:docChg>
   </pc:docChgLst>
@@ -2889,7 +3153,7 @@
           <a:p>
             <a:fld id="{565E3272-2692-4CBA-BB89-AE4B7AF62778}" type="datetimeFigureOut">
               <a:rPr lang="en-GB" smtClean="0"/>
-              <a:t>05/11/2021</a:t>
+              <a:t>09/11/2021</a:t>
             </a:fld>
             <a:endParaRPr lang="en-GB"/>
           </a:p>
@@ -3089,7 +3353,7 @@
           <a:p>
             <a:fld id="{565E3272-2692-4CBA-BB89-AE4B7AF62778}" type="datetimeFigureOut">
               <a:rPr lang="en-GB" smtClean="0"/>
-              <a:t>05/11/2021</a:t>
+              <a:t>09/11/2021</a:t>
             </a:fld>
             <a:endParaRPr lang="en-GB"/>
           </a:p>
@@ -3299,7 +3563,7 @@
           <a:p>
             <a:fld id="{565E3272-2692-4CBA-BB89-AE4B7AF62778}" type="datetimeFigureOut">
               <a:rPr lang="en-GB" smtClean="0"/>
-              <a:t>05/11/2021</a:t>
+              <a:t>09/11/2021</a:t>
             </a:fld>
             <a:endParaRPr lang="en-GB"/>
           </a:p>
@@ -3499,7 +3763,7 @@
           <a:p>
             <a:fld id="{565E3272-2692-4CBA-BB89-AE4B7AF62778}" type="datetimeFigureOut">
               <a:rPr lang="en-GB" smtClean="0"/>
-              <a:t>05/11/2021</a:t>
+              <a:t>09/11/2021</a:t>
             </a:fld>
             <a:endParaRPr lang="en-GB"/>
           </a:p>
@@ -3775,7 +4039,7 @@
           <a:p>
             <a:fld id="{565E3272-2692-4CBA-BB89-AE4B7AF62778}" type="datetimeFigureOut">
               <a:rPr lang="en-GB" smtClean="0"/>
-              <a:t>05/11/2021</a:t>
+              <a:t>09/11/2021</a:t>
             </a:fld>
             <a:endParaRPr lang="en-GB"/>
           </a:p>
@@ -4043,7 +4307,7 @@
           <a:p>
             <a:fld id="{565E3272-2692-4CBA-BB89-AE4B7AF62778}" type="datetimeFigureOut">
               <a:rPr lang="en-GB" smtClean="0"/>
-              <a:t>05/11/2021</a:t>
+              <a:t>09/11/2021</a:t>
             </a:fld>
             <a:endParaRPr lang="en-GB"/>
           </a:p>
@@ -4458,7 +4722,7 @@
           <a:p>
             <a:fld id="{565E3272-2692-4CBA-BB89-AE4B7AF62778}" type="datetimeFigureOut">
               <a:rPr lang="en-GB" smtClean="0"/>
-              <a:t>05/11/2021</a:t>
+              <a:t>09/11/2021</a:t>
             </a:fld>
             <a:endParaRPr lang="en-GB"/>
           </a:p>
@@ -4600,7 +4864,7 @@
           <a:p>
             <a:fld id="{565E3272-2692-4CBA-BB89-AE4B7AF62778}" type="datetimeFigureOut">
               <a:rPr lang="en-GB" smtClean="0"/>
-              <a:t>05/11/2021</a:t>
+              <a:t>09/11/2021</a:t>
             </a:fld>
             <a:endParaRPr lang="en-GB"/>
           </a:p>
@@ -4713,7 +4977,7 @@
           <a:p>
             <a:fld id="{565E3272-2692-4CBA-BB89-AE4B7AF62778}" type="datetimeFigureOut">
               <a:rPr lang="en-GB" smtClean="0"/>
-              <a:t>05/11/2021</a:t>
+              <a:t>09/11/2021</a:t>
             </a:fld>
             <a:endParaRPr lang="en-GB"/>
           </a:p>
@@ -5026,7 +5290,7 @@
           <a:p>
             <a:fld id="{565E3272-2692-4CBA-BB89-AE4B7AF62778}" type="datetimeFigureOut">
               <a:rPr lang="en-GB" smtClean="0"/>
-              <a:t>05/11/2021</a:t>
+              <a:t>09/11/2021</a:t>
             </a:fld>
             <a:endParaRPr lang="en-GB"/>
           </a:p>
@@ -5315,7 +5579,7 @@
           <a:p>
             <a:fld id="{565E3272-2692-4CBA-BB89-AE4B7AF62778}" type="datetimeFigureOut">
               <a:rPr lang="en-GB" smtClean="0"/>
-              <a:t>05/11/2021</a:t>
+              <a:t>09/11/2021</a:t>
             </a:fld>
             <a:endParaRPr lang="en-GB"/>
           </a:p>
@@ -5558,7 +5822,7 @@
           <a:p>
             <a:fld id="{565E3272-2692-4CBA-BB89-AE4B7AF62778}" type="datetimeFigureOut">
               <a:rPr lang="en-GB" smtClean="0"/>
-              <a:t>05/11/2021</a:t>
+              <a:t>09/11/2021</a:t>
             </a:fld>
             <a:endParaRPr lang="en-GB"/>
           </a:p>
@@ -15115,6 +15379,417 @@
 </p:sld>
 </file>
 
+<file path=ppt/slides/slide19.xml><?xml version="1.0" encoding="utf-8"?>
+<p:sld xmlns:a="http://schemas.openxmlformats.org/drawingml/2006/main" xmlns:r="http://schemas.openxmlformats.org/officeDocument/2006/relationships" xmlns:p="http://schemas.openxmlformats.org/presentationml/2006/main">
+  <p:cSld>
+    <p:spTree>
+      <p:nvGrpSpPr>
+        <p:cNvPr id="1" name=""/>
+        <p:cNvGrpSpPr/>
+        <p:nvPr/>
+      </p:nvGrpSpPr>
+      <p:grpSpPr>
+        <a:xfrm>
+          <a:off x="0" y="0"/>
+          <a:ext cx="0" cy="0"/>
+          <a:chOff x="0" y="0"/>
+          <a:chExt cx="0" cy="0"/>
+        </a:xfrm>
+      </p:grpSpPr>
+      <p:sp>
+        <p:nvSpPr>
+          <p:cNvPr id="2" name="Title 1">
+            <a:extLst>
+              <a:ext uri="{FF2B5EF4-FFF2-40B4-BE49-F238E27FC236}">
+                <a16:creationId xmlns:a16="http://schemas.microsoft.com/office/drawing/2014/main" id="{FD0C9E8D-444E-4534-B6FA-25E739BB3FD7}"/>
+              </a:ext>
+            </a:extLst>
+          </p:cNvPr>
+          <p:cNvSpPr>
+            <a:spLocks noGrp="1"/>
+          </p:cNvSpPr>
+          <p:nvPr>
+            <p:ph type="title"/>
+          </p:nvPr>
+        </p:nvSpPr>
+        <p:spPr/>
+        <p:txBody>
+          <a:bodyPr/>
+          <a:lstStyle/>
+          <a:p>
+            <a:r>
+              <a:rPr lang="en-GB" dirty="0"/>
+              <a:t>Reading in from SCD tables</a:t>
+            </a:r>
+          </a:p>
+        </p:txBody>
+      </p:sp>
+      <p:sp>
+        <p:nvSpPr>
+          <p:cNvPr id="3" name="TextBox 2">
+            <a:extLst>
+              <a:ext uri="{FF2B5EF4-FFF2-40B4-BE49-F238E27FC236}">
+                <a16:creationId xmlns:a16="http://schemas.microsoft.com/office/drawing/2014/main" id="{67D3B909-D1E3-43A7-ACC9-8888F7050B66}"/>
+              </a:ext>
+            </a:extLst>
+          </p:cNvPr>
+          <p:cNvSpPr txBox="1"/>
+          <p:nvPr/>
+        </p:nvSpPr>
+        <p:spPr>
+          <a:xfrm>
+            <a:off x="7051040" y="658574"/>
+            <a:ext cx="2997039" cy="369332"/>
+          </a:xfrm>
+          <a:prstGeom prst="rect">
+            <a:avLst/>
+          </a:prstGeom>
+          <a:noFill/>
+        </p:spPr>
+        <p:txBody>
+          <a:bodyPr wrap="none" rtlCol="0">
+            <a:spAutoFit/>
+          </a:bodyPr>
+          <a:lstStyle/>
+          <a:p>
+            <a:r>
+              <a:rPr lang="en-GB" dirty="0"/>
+              <a:t>(Slowly Changing Dimensions)</a:t>
+            </a:r>
+          </a:p>
+        </p:txBody>
+      </p:sp>
+      <p:sp>
+        <p:nvSpPr>
+          <p:cNvPr id="4" name="TextBox 3">
+            <a:extLst>
+              <a:ext uri="{FF2B5EF4-FFF2-40B4-BE49-F238E27FC236}">
+                <a16:creationId xmlns:a16="http://schemas.microsoft.com/office/drawing/2014/main" id="{BB49BEB3-3194-4765-BA46-0022E273EF94}"/>
+              </a:ext>
+            </a:extLst>
+          </p:cNvPr>
+          <p:cNvSpPr txBox="1"/>
+          <p:nvPr/>
+        </p:nvSpPr>
+        <p:spPr>
+          <a:xfrm>
+            <a:off x="619760" y="1645920"/>
+            <a:ext cx="5283178" cy="369332"/>
+          </a:xfrm>
+          <a:prstGeom prst="rect">
+            <a:avLst/>
+          </a:prstGeom>
+          <a:noFill/>
+        </p:spPr>
+        <p:txBody>
+          <a:bodyPr wrap="none" rtlCol="0">
+            <a:spAutoFit/>
+          </a:bodyPr>
+          <a:lstStyle/>
+          <a:p>
+            <a:r>
+              <a:rPr lang="en-GB" dirty="0"/>
+              <a:t>This is what the SCD table for the QA checks looks like:</a:t>
+            </a:r>
+          </a:p>
+        </p:txBody>
+      </p:sp>
+      <p:pic>
+        <p:nvPicPr>
+          <p:cNvPr id="6" name="Picture 5">
+            <a:extLst>
+              <a:ext uri="{FF2B5EF4-FFF2-40B4-BE49-F238E27FC236}">
+                <a16:creationId xmlns:a16="http://schemas.microsoft.com/office/drawing/2014/main" id="{853173D1-1B39-4033-9A57-318FF3DCB7D6}"/>
+              </a:ext>
+            </a:extLst>
+          </p:cNvPr>
+          <p:cNvPicPr>
+            <a:picLocks noChangeAspect="1"/>
+          </p:cNvPicPr>
+          <p:nvPr/>
+        </p:nvPicPr>
+        <p:blipFill>
+          <a:blip r:embed="rId2"/>
+          <a:stretch>
+            <a:fillRect/>
+          </a:stretch>
+        </p:blipFill>
+        <p:spPr>
+          <a:xfrm>
+            <a:off x="2524466" y="2478641"/>
+            <a:ext cx="7143067" cy="1629889"/>
+          </a:xfrm>
+          <a:prstGeom prst="rect">
+            <a:avLst/>
+          </a:prstGeom>
+        </p:spPr>
+      </p:pic>
+      <p:sp>
+        <p:nvSpPr>
+          <p:cNvPr id="8" name="TextBox 7">
+            <a:extLst>
+              <a:ext uri="{FF2B5EF4-FFF2-40B4-BE49-F238E27FC236}">
+                <a16:creationId xmlns:a16="http://schemas.microsoft.com/office/drawing/2014/main" id="{DD4977F9-7DBF-4DB2-AC24-5899F741987C}"/>
+              </a:ext>
+            </a:extLst>
+          </p:cNvPr>
+          <p:cNvSpPr txBox="1"/>
+          <p:nvPr/>
+        </p:nvSpPr>
+        <p:spPr>
+          <a:xfrm>
+            <a:off x="248920" y="4280932"/>
+            <a:ext cx="4267200" cy="2585323"/>
+          </a:xfrm>
+          <a:prstGeom prst="rect">
+            <a:avLst/>
+          </a:prstGeom>
+          <a:noFill/>
+        </p:spPr>
+        <p:txBody>
+          <a:bodyPr wrap="square">
+            <a:spAutoFit/>
+          </a:bodyPr>
+          <a:lstStyle/>
+          <a:p>
+            <a:pPr marL="0" marR="0" rtl="0">
+              <a:spcBef>
+                <a:spcPts val="0"/>
+              </a:spcBef>
+              <a:spcAft>
+                <a:spcPts val="0"/>
+              </a:spcAft>
+            </a:pPr>
+            <a:r>
+              <a:rPr lang="en-GB" sz="1800" dirty="0">
+                <a:effectLst/>
+                <a:latin typeface="Calibri" panose="020F0502020204030204" pitchFamily="34" charset="0"/>
+              </a:rPr>
+              <a:t>At 14:57:12, DG1 is marked 1.</a:t>
+            </a:r>
+          </a:p>
+          <a:p>
+            <a:pPr marL="0" marR="0" rtl="0">
+              <a:spcBef>
+                <a:spcPts val="0"/>
+              </a:spcBef>
+              <a:spcAft>
+                <a:spcPts val="0"/>
+              </a:spcAft>
+            </a:pPr>
+            <a:r>
+              <a:rPr lang="en-GB" sz="1800" dirty="0">
+                <a:effectLst/>
+                <a:latin typeface="Calibri" panose="020F0502020204030204" pitchFamily="34" charset="0"/>
+              </a:rPr>
+              <a:t>At 14:57:20, DG1 is changed to 3.</a:t>
+            </a:r>
+          </a:p>
+          <a:p>
+            <a:pPr marL="0" marR="0" rtl="0">
+              <a:spcBef>
+                <a:spcPts val="0"/>
+              </a:spcBef>
+              <a:spcAft>
+                <a:spcPts val="0"/>
+              </a:spcAft>
+            </a:pPr>
+            <a:r>
+              <a:rPr lang="en-GB" sz="1800" dirty="0">
+                <a:effectLst/>
+                <a:latin typeface="Calibri" panose="020F0502020204030204" pitchFamily="34" charset="0"/>
+              </a:rPr>
+              <a:t>At 14:57:31, DG1 is changed to 4.</a:t>
+            </a:r>
+          </a:p>
+          <a:p>
+            <a:pPr marL="0" marR="0" rtl="0">
+              <a:spcBef>
+                <a:spcPts val="0"/>
+              </a:spcBef>
+              <a:spcAft>
+                <a:spcPts val="0"/>
+              </a:spcAft>
+            </a:pPr>
+            <a:r>
+              <a:rPr lang="en-GB" dirty="0">
+                <a:latin typeface="Calibri" panose="020F0502020204030204" pitchFamily="34" charset="0"/>
+              </a:rPr>
+              <a:t>At 15:55:38, DG2 and DG3 are changed.</a:t>
+            </a:r>
+            <a:endParaRPr lang="en-GB" sz="1800" dirty="0">
+              <a:effectLst/>
+              <a:latin typeface="Calibri" panose="020F0502020204030204" pitchFamily="34" charset="0"/>
+            </a:endParaRPr>
+          </a:p>
+          <a:p>
+            <a:pPr marL="0" marR="0" rtl="0">
+              <a:spcBef>
+                <a:spcPts val="0"/>
+              </a:spcBef>
+              <a:spcAft>
+                <a:spcPts val="0"/>
+              </a:spcAft>
+            </a:pPr>
+            <a:r>
+              <a:rPr lang="en-GB" sz="1800" dirty="0">
+                <a:effectLst/>
+                <a:latin typeface="Calibri" panose="020F0502020204030204" pitchFamily="34" charset="0"/>
+              </a:rPr>
+              <a:t>At 15:55:55, DG1 is changed.</a:t>
+            </a:r>
+          </a:p>
+          <a:p>
+            <a:pPr marL="0" marR="0" rtl="0">
+              <a:spcBef>
+                <a:spcPts val="0"/>
+              </a:spcBef>
+              <a:spcAft>
+                <a:spcPts val="0"/>
+              </a:spcAft>
+            </a:pPr>
+            <a:endParaRPr lang="en-GB" dirty="0">
+              <a:latin typeface="Calibri" panose="020F0502020204030204" pitchFamily="34" charset="0"/>
+            </a:endParaRPr>
+          </a:p>
+          <a:p>
+            <a:pPr marL="0" marR="0" rtl="0">
+              <a:spcBef>
+                <a:spcPts val="0"/>
+              </a:spcBef>
+              <a:spcAft>
+                <a:spcPts val="0"/>
+              </a:spcAft>
+            </a:pPr>
+            <a:r>
+              <a:rPr lang="en-GB" sz="1800" dirty="0">
+                <a:effectLst/>
+                <a:latin typeface="Calibri" panose="020F0502020204030204" pitchFamily="34" charset="0"/>
+              </a:rPr>
+              <a:t>The current values are not given in the SCD table – these are kept in the </a:t>
+            </a:r>
+            <a:r>
+              <a:rPr lang="en-GB" sz="1800" dirty="0" err="1">
+                <a:effectLst/>
+                <a:latin typeface="Calibri" panose="020F0502020204030204" pitchFamily="34" charset="0"/>
+              </a:rPr>
+              <a:t>QA_checks</a:t>
+            </a:r>
+            <a:r>
+              <a:rPr lang="en-GB" sz="1800" dirty="0">
+                <a:effectLst/>
+                <a:latin typeface="Calibri" panose="020F0502020204030204" pitchFamily="34" charset="0"/>
+              </a:rPr>
+              <a:t> table</a:t>
+            </a:r>
+          </a:p>
+        </p:txBody>
+      </p:sp>
+      <p:sp>
+        <p:nvSpPr>
+          <p:cNvPr id="9" name="TextBox 8">
+            <a:extLst>
+              <a:ext uri="{FF2B5EF4-FFF2-40B4-BE49-F238E27FC236}">
+                <a16:creationId xmlns:a16="http://schemas.microsoft.com/office/drawing/2014/main" id="{ACB19382-C4D8-4872-A418-525943958EFD}"/>
+              </a:ext>
+            </a:extLst>
+          </p:cNvPr>
+          <p:cNvSpPr txBox="1"/>
+          <p:nvPr/>
+        </p:nvSpPr>
+        <p:spPr>
+          <a:xfrm>
+            <a:off x="8783298" y="1315224"/>
+            <a:ext cx="2890520" cy="923330"/>
+          </a:xfrm>
+          <a:prstGeom prst="rect">
+            <a:avLst/>
+          </a:prstGeom>
+          <a:noFill/>
+        </p:spPr>
+        <p:txBody>
+          <a:bodyPr wrap="square" rtlCol="0">
+            <a:spAutoFit/>
+          </a:bodyPr>
+          <a:lstStyle/>
+          <a:p>
+            <a:r>
+              <a:rPr lang="en-GB" dirty="0"/>
+              <a:t>This is the </a:t>
+            </a:r>
+            <a:r>
+              <a:rPr lang="en-GB" b="1" dirty="0"/>
+              <a:t>END</a:t>
+            </a:r>
+            <a:r>
+              <a:rPr lang="en-GB" dirty="0"/>
+              <a:t> date – the date the data changed from the </a:t>
+            </a:r>
+            <a:r>
+              <a:rPr lang="en-GB" dirty="0" err="1"/>
+              <a:t>checkscore</a:t>
+            </a:r>
+            <a:r>
+              <a:rPr lang="en-GB" dirty="0"/>
+              <a:t> value</a:t>
+            </a:r>
+          </a:p>
+        </p:txBody>
+      </p:sp>
+      <p:cxnSp>
+        <p:nvCxnSpPr>
+          <p:cNvPr id="11" name="Straight Arrow Connector 10">
+            <a:extLst>
+              <a:ext uri="{FF2B5EF4-FFF2-40B4-BE49-F238E27FC236}">
+                <a16:creationId xmlns:a16="http://schemas.microsoft.com/office/drawing/2014/main" id="{4F720901-D700-41A4-AB72-626A7F18E901}"/>
+              </a:ext>
+            </a:extLst>
+          </p:cNvPr>
+          <p:cNvCxnSpPr>
+            <a:stCxn id="9" idx="2"/>
+          </p:cNvCxnSpPr>
+          <p:nvPr/>
+        </p:nvCxnSpPr>
+        <p:spPr>
+          <a:xfrm flipH="1">
+            <a:off x="9733280" y="2238554"/>
+            <a:ext cx="495278" cy="342086"/>
+          </a:xfrm>
+          <a:prstGeom prst="straightConnector1">
+            <a:avLst/>
+          </a:prstGeom>
+          <a:ln>
+            <a:tailEnd type="triangle"/>
+          </a:ln>
+        </p:spPr>
+        <p:style>
+          <a:lnRef idx="1">
+            <a:schemeClr val="accent1"/>
+          </a:lnRef>
+          <a:fillRef idx="0">
+            <a:schemeClr val="accent1"/>
+          </a:fillRef>
+          <a:effectRef idx="0">
+            <a:schemeClr val="accent1"/>
+          </a:effectRef>
+          <a:fontRef idx="minor">
+            <a:schemeClr val="tx1"/>
+          </a:fontRef>
+        </p:style>
+      </p:cxnSp>
+    </p:spTree>
+    <p:extLst>
+      <p:ext uri="{BB962C8B-B14F-4D97-AF65-F5344CB8AC3E}">
+        <p14:creationId xmlns:p14="http://schemas.microsoft.com/office/powerpoint/2010/main" val="1399345229"/>
+      </p:ext>
+    </p:extLst>
+  </p:cSld>
+  <p:clrMapOvr>
+    <a:masterClrMapping/>
+  </p:clrMapOvr>
+</p:sld>
+</file>
+
 <file path=ppt/slides/slide2.xml><?xml version="1.0" encoding="utf-8"?>
 <p:sld xmlns:a="http://schemas.openxmlformats.org/drawingml/2006/main" xmlns:r="http://schemas.openxmlformats.org/officeDocument/2006/relationships" xmlns:p="http://schemas.openxmlformats.org/presentationml/2006/main">
   <p:cSld>
@@ -15204,6 +15879,1550 @@
     <p:extLst>
       <p:ext uri="{BB962C8B-B14F-4D97-AF65-F5344CB8AC3E}">
         <p14:creationId xmlns:p14="http://schemas.microsoft.com/office/powerpoint/2010/main" val="1899701667"/>
+      </p:ext>
+    </p:extLst>
+  </p:cSld>
+  <p:clrMapOvr>
+    <a:masterClrMapping/>
+  </p:clrMapOvr>
+</p:sld>
+</file>
+
+<file path=ppt/slides/slide20.xml><?xml version="1.0" encoding="utf-8"?>
+<p:sld xmlns:a="http://schemas.openxmlformats.org/drawingml/2006/main" xmlns:r="http://schemas.openxmlformats.org/officeDocument/2006/relationships" xmlns:p="http://schemas.openxmlformats.org/presentationml/2006/main">
+  <p:cSld>
+    <p:spTree>
+      <p:nvGrpSpPr>
+        <p:cNvPr id="1" name=""/>
+        <p:cNvGrpSpPr/>
+        <p:nvPr/>
+      </p:nvGrpSpPr>
+      <p:grpSpPr>
+        <a:xfrm>
+          <a:off x="0" y="0"/>
+          <a:ext cx="0" cy="0"/>
+          <a:chOff x="0" y="0"/>
+          <a:chExt cx="0" cy="0"/>
+        </a:xfrm>
+      </p:grpSpPr>
+      <p:sp>
+        <p:nvSpPr>
+          <p:cNvPr id="2" name="Title 1">
+            <a:extLst>
+              <a:ext uri="{FF2B5EF4-FFF2-40B4-BE49-F238E27FC236}">
+                <a16:creationId xmlns:a16="http://schemas.microsoft.com/office/drawing/2014/main" id="{39ACF186-4E74-4D76-BABD-677AAC2E75D5}"/>
+              </a:ext>
+            </a:extLst>
+          </p:cNvPr>
+          <p:cNvSpPr>
+            <a:spLocks noGrp="1"/>
+          </p:cNvSpPr>
+          <p:nvPr>
+            <p:ph type="title"/>
+          </p:nvPr>
+        </p:nvSpPr>
+        <p:spPr/>
+        <p:txBody>
+          <a:bodyPr/>
+          <a:lstStyle/>
+          <a:p>
+            <a:r>
+              <a:rPr lang="en-GB" dirty="0"/>
+              <a:t>Reading in from SCD tables</a:t>
+            </a:r>
+          </a:p>
+        </p:txBody>
+      </p:sp>
+      <p:sp>
+        <p:nvSpPr>
+          <p:cNvPr id="3" name="Rectangle 1">
+            <a:extLst>
+              <a:ext uri="{FF2B5EF4-FFF2-40B4-BE49-F238E27FC236}">
+                <a16:creationId xmlns:a16="http://schemas.microsoft.com/office/drawing/2014/main" id="{8CBC483B-DC7D-4F18-A171-F329178E4F6A}"/>
+              </a:ext>
+            </a:extLst>
+          </p:cNvPr>
+          <p:cNvSpPr>
+            <a:spLocks noChangeArrowheads="1"/>
+          </p:cNvSpPr>
+          <p:nvPr/>
+        </p:nvSpPr>
+        <p:spPr bwMode="auto">
+          <a:xfrm>
+            <a:off x="838200" y="1690688"/>
+            <a:ext cx="8412880" cy="4816703"/>
+          </a:xfrm>
+          <a:prstGeom prst="rect">
+            <a:avLst/>
+          </a:prstGeom>
+          <a:noFill/>
+          <a:ln>
+            <a:noFill/>
+          </a:ln>
+          <a:effectLst/>
+          <a:extLst>
+            <a:ext uri="{909E8E84-426E-40DD-AFC4-6F175D3DCCD1}">
+              <a14:hiddenFill xmlns:a14="http://schemas.microsoft.com/office/drawing/2010/main">
+                <a:solidFill>
+                  <a:schemeClr val="accent1"/>
+                </a:solidFill>
+              </a14:hiddenFill>
+            </a:ext>
+            <a:ext uri="{91240B29-F687-4F45-9708-019B960494DF}">
+              <a14:hiddenLine xmlns:a14="http://schemas.microsoft.com/office/drawing/2010/main" w="9525">
+                <a:solidFill>
+                  <a:schemeClr val="tx1"/>
+                </a:solidFill>
+                <a:miter lim="800000"/>
+                <a:headEnd/>
+                <a:tailEnd/>
+              </a14:hiddenLine>
+            </a:ext>
+            <a:ext uri="{AF507438-7753-43E0-B8FC-AC1667EBCBE1}">
+              <a14:hiddenEffects xmlns:a14="http://schemas.microsoft.com/office/drawing/2010/main">
+                <a:effectLst>
+                  <a:outerShdw dist="35921" dir="2700000" algn="ctr" rotWithShape="0">
+                    <a:schemeClr val="bg2"/>
+                  </a:outerShdw>
+                </a:effectLst>
+              </a14:hiddenEffects>
+            </a:ext>
+          </a:extLst>
+        </p:spPr>
+        <p:txBody>
+          <a:bodyPr vert="horz" wrap="none" lIns="91440" tIns="45720" rIns="91440" bIns="45720" numCol="1" anchor="ctr" anchorCtr="0" compatLnSpc="1">
+            <a:prstTxWarp prst="textNoShape">
+              <a:avLst/>
+            </a:prstTxWarp>
+            <a:spAutoFit/>
+          </a:bodyPr>
+          <a:lstStyle/>
+          <a:p>
+            <a:pPr marL="0" marR="0" lvl="0" indent="0" algn="l" defTabSz="914400" rtl="0" eaLnBrk="0" fontAlgn="base" latinLnBrk="0" hangingPunct="0">
+              <a:lnSpc>
+                <a:spcPct val="100000"/>
+              </a:lnSpc>
+              <a:spcBef>
+                <a:spcPct val="0"/>
+              </a:spcBef>
+              <a:spcAft>
+                <a:spcPct val="0"/>
+              </a:spcAft>
+              <a:buClrTx/>
+              <a:buSzTx/>
+              <a:buFontTx/>
+              <a:buNone/>
+              <a:tabLst/>
+            </a:pPr>
+            <a:r>
+              <a:rPr kumimoji="0" lang="en-GB" altLang="en-US" sz="2000" b="0" i="0" u="none" strike="noStrike" cap="none" normalizeH="0" baseline="0" dirty="0">
+                <a:ln>
+                  <a:noFill/>
+                </a:ln>
+                <a:solidFill>
+                  <a:schemeClr val="tx1"/>
+                </a:solidFill>
+                <a:effectLst/>
+                <a:latin typeface="Calibri" panose="020F0502020204030204" pitchFamily="34" charset="0"/>
+                <a:cs typeface="Calibri" panose="020F0502020204030204" pitchFamily="34" charset="0"/>
+              </a:rPr>
+              <a:t>We want to read in DG1 at 14:57:12.</a:t>
+            </a:r>
+          </a:p>
+          <a:p>
+            <a:pPr marL="0" marR="0" lvl="0" indent="0" algn="l" defTabSz="914400" rtl="0" eaLnBrk="0" fontAlgn="base" latinLnBrk="0" hangingPunct="0">
+              <a:lnSpc>
+                <a:spcPct val="100000"/>
+              </a:lnSpc>
+              <a:spcBef>
+                <a:spcPct val="0"/>
+              </a:spcBef>
+              <a:spcAft>
+                <a:spcPct val="0"/>
+              </a:spcAft>
+              <a:buClrTx/>
+              <a:buSzTx/>
+              <a:buFontTx/>
+              <a:buNone/>
+              <a:tabLst/>
+            </a:pPr>
+            <a:r>
+              <a:rPr kumimoji="0" lang="en-GB" altLang="en-US" sz="2000" b="0" i="0" u="none" strike="noStrike" cap="none" normalizeH="0" baseline="0" dirty="0">
+                <a:ln>
+                  <a:noFill/>
+                </a:ln>
+                <a:solidFill>
+                  <a:schemeClr val="tx1"/>
+                </a:solidFill>
+                <a:effectLst/>
+                <a:latin typeface="Calibri" panose="020F0502020204030204" pitchFamily="34" charset="0"/>
+                <a:cs typeface="Calibri" panose="020F0502020204030204" pitchFamily="34" charset="0"/>
+              </a:rPr>
+              <a:t> </a:t>
+            </a:r>
+          </a:p>
+          <a:p>
+            <a:pPr marL="0" marR="0" lvl="0" indent="0" algn="l" defTabSz="914400" rtl="0" eaLnBrk="0" fontAlgn="base" latinLnBrk="0" hangingPunct="0">
+              <a:lnSpc>
+                <a:spcPct val="100000"/>
+              </a:lnSpc>
+              <a:spcBef>
+                <a:spcPct val="0"/>
+              </a:spcBef>
+              <a:spcAft>
+                <a:spcPct val="0"/>
+              </a:spcAft>
+              <a:buClrTx/>
+              <a:buSzTx/>
+              <a:buFontTx/>
+              <a:buNone/>
+              <a:tabLst/>
+            </a:pPr>
+            <a:r>
+              <a:rPr kumimoji="0" lang="en-GB" altLang="en-US" sz="2000" b="0" i="0" u="none" strike="noStrike" cap="none" normalizeH="0" baseline="0" dirty="0">
+                <a:ln>
+                  <a:noFill/>
+                </a:ln>
+                <a:solidFill>
+                  <a:schemeClr val="tx1"/>
+                </a:solidFill>
+                <a:effectLst/>
+                <a:latin typeface="Calibri" panose="020F0502020204030204" pitchFamily="34" charset="0"/>
+                <a:cs typeface="Calibri" panose="020F0502020204030204" pitchFamily="34" charset="0"/>
+              </a:rPr>
+              <a:t>So set </a:t>
+            </a:r>
+            <a:r>
+              <a:rPr kumimoji="0" lang="en-GB" altLang="en-US" sz="2000" b="0" i="0" u="none" strike="noStrike" cap="none" normalizeH="0" baseline="0" dirty="0" err="1">
+                <a:ln>
+                  <a:noFill/>
+                </a:ln>
+                <a:solidFill>
+                  <a:schemeClr val="tx1"/>
+                </a:solidFill>
+                <a:effectLst/>
+                <a:latin typeface="Calibri" panose="020F0502020204030204" pitchFamily="34" charset="0"/>
+                <a:cs typeface="Calibri" panose="020F0502020204030204" pitchFamily="34" charset="0"/>
+              </a:rPr>
+              <a:t>dateselect</a:t>
+            </a:r>
+            <a:r>
+              <a:rPr kumimoji="0" lang="en-GB" altLang="en-US" sz="2000" b="0" i="0" u="none" strike="noStrike" cap="none" normalizeH="0" baseline="0" dirty="0">
+                <a:ln>
+                  <a:noFill/>
+                </a:ln>
+                <a:solidFill>
+                  <a:schemeClr val="tx1"/>
+                </a:solidFill>
+                <a:effectLst/>
+                <a:latin typeface="Calibri" panose="020F0502020204030204" pitchFamily="34" charset="0"/>
+                <a:cs typeface="Calibri" panose="020F0502020204030204" pitchFamily="34" charset="0"/>
+              </a:rPr>
+              <a:t> = 14:57:12 (from shiny app).</a:t>
+            </a:r>
+          </a:p>
+          <a:p>
+            <a:pPr marL="0" marR="0" lvl="0" indent="0" algn="l" defTabSz="914400" rtl="0" eaLnBrk="0" fontAlgn="base" latinLnBrk="0" hangingPunct="0">
+              <a:lnSpc>
+                <a:spcPct val="100000"/>
+              </a:lnSpc>
+              <a:spcBef>
+                <a:spcPct val="0"/>
+              </a:spcBef>
+              <a:spcAft>
+                <a:spcPct val="0"/>
+              </a:spcAft>
+              <a:buClrTx/>
+              <a:buSzTx/>
+              <a:buFontTx/>
+              <a:buNone/>
+              <a:tabLst/>
+            </a:pPr>
+            <a:r>
+              <a:rPr kumimoji="0" lang="en-GB" altLang="en-US" sz="2000" b="0" i="0" u="none" strike="noStrike" cap="none" normalizeH="0" baseline="0" dirty="0">
+                <a:ln>
+                  <a:noFill/>
+                </a:ln>
+                <a:solidFill>
+                  <a:schemeClr val="tx1"/>
+                </a:solidFill>
+                <a:effectLst/>
+                <a:latin typeface="Calibri" panose="020F0502020204030204" pitchFamily="34" charset="0"/>
+                <a:cs typeface="Calibri" panose="020F0502020204030204" pitchFamily="34" charset="0"/>
+              </a:rPr>
+              <a:t> </a:t>
+            </a:r>
+          </a:p>
+          <a:p>
+            <a:pPr marL="0" marR="0" lvl="0" indent="0" algn="l" defTabSz="914400" rtl="0" eaLnBrk="0" fontAlgn="base" latinLnBrk="0" hangingPunct="0">
+              <a:lnSpc>
+                <a:spcPct val="100000"/>
+              </a:lnSpc>
+              <a:spcBef>
+                <a:spcPct val="0"/>
+              </a:spcBef>
+              <a:spcAft>
+                <a:spcPct val="0"/>
+              </a:spcAft>
+              <a:buClrTx/>
+              <a:buSzTx/>
+              <a:buFontTx/>
+              <a:buNone/>
+              <a:tabLst/>
+            </a:pPr>
+            <a:r>
+              <a:rPr kumimoji="0" lang="en-GB" altLang="en-US" sz="2000" b="0" i="0" u="none" strike="noStrike" cap="none" normalizeH="0" baseline="0" dirty="0">
+                <a:ln>
+                  <a:noFill/>
+                </a:ln>
+                <a:solidFill>
+                  <a:schemeClr val="tx1"/>
+                </a:solidFill>
+                <a:effectLst/>
+                <a:latin typeface="Calibri" panose="020F0502020204030204" pitchFamily="34" charset="0"/>
+                <a:cs typeface="Calibri" panose="020F0502020204030204" pitchFamily="34" charset="0"/>
+              </a:rPr>
+              <a:t>Then</a:t>
+            </a:r>
+          </a:p>
+          <a:p>
+            <a:pPr marL="0" marR="0" lvl="0" indent="0" algn="l" defTabSz="914400" rtl="0" eaLnBrk="0" fontAlgn="base" latinLnBrk="0" hangingPunct="0">
+              <a:lnSpc>
+                <a:spcPct val="100000"/>
+              </a:lnSpc>
+              <a:spcBef>
+                <a:spcPct val="0"/>
+              </a:spcBef>
+              <a:spcAft>
+                <a:spcPct val="0"/>
+              </a:spcAft>
+              <a:buClrTx/>
+              <a:buSzTx/>
+              <a:buFontTx/>
+              <a:buNone/>
+              <a:tabLst/>
+            </a:pPr>
+            <a:r>
+              <a:rPr kumimoji="0" lang="en-GB" altLang="en-US" sz="2000" b="0" i="0" u="none" strike="noStrike" cap="none" normalizeH="0" baseline="0" dirty="0">
+                <a:ln>
+                  <a:noFill/>
+                </a:ln>
+                <a:solidFill>
+                  <a:schemeClr val="tx1"/>
+                </a:solidFill>
+                <a:effectLst/>
+                <a:latin typeface="Calibri" panose="020F0502020204030204" pitchFamily="34" charset="0"/>
+                <a:cs typeface="Calibri" panose="020F0502020204030204" pitchFamily="34" charset="0"/>
+              </a:rPr>
+              <a:t> </a:t>
+            </a:r>
+          </a:p>
+          <a:p>
+            <a:pPr marL="0" marR="0" lvl="0" indent="0" algn="l" defTabSz="914400" rtl="0" eaLnBrk="0" fontAlgn="base" latinLnBrk="0" hangingPunct="0">
+              <a:lnSpc>
+                <a:spcPct val="100000"/>
+              </a:lnSpc>
+              <a:spcBef>
+                <a:spcPct val="0"/>
+              </a:spcBef>
+              <a:spcAft>
+                <a:spcPct val="0"/>
+              </a:spcAft>
+              <a:buClrTx/>
+              <a:buSzTx/>
+              <a:buFontTx/>
+              <a:buNone/>
+              <a:tabLst/>
+            </a:pPr>
+            <a:r>
+              <a:rPr kumimoji="0" lang="en-GB" altLang="en-US" sz="2000" b="0" i="0" u="none" strike="noStrike" cap="none" normalizeH="0" baseline="0" dirty="0">
+                <a:ln>
+                  <a:noFill/>
+                </a:ln>
+                <a:solidFill>
+                  <a:schemeClr val="tx1"/>
+                </a:solidFill>
+                <a:effectLst/>
+                <a:latin typeface="Calibri" panose="020F0502020204030204" pitchFamily="34" charset="0"/>
+                <a:cs typeface="Calibri" panose="020F0502020204030204" pitchFamily="34" charset="0"/>
+              </a:rPr>
+              <a:t>SELECT * FROM [</a:t>
+            </a:r>
+            <a:r>
+              <a:rPr kumimoji="0" lang="en-GB" altLang="en-US" sz="2000" b="0" i="1" u="none" strike="noStrike" cap="none" normalizeH="0" baseline="0" dirty="0" err="1">
+                <a:ln>
+                  <a:noFill/>
+                </a:ln>
+                <a:solidFill>
+                  <a:schemeClr val="tx1"/>
+                </a:solidFill>
+                <a:effectLst/>
+                <a:latin typeface="Calibri" panose="020F0502020204030204" pitchFamily="34" charset="0"/>
+                <a:cs typeface="Calibri" panose="020F0502020204030204" pitchFamily="34" charset="0"/>
+              </a:rPr>
+              <a:t>databasename</a:t>
+            </a:r>
+            <a:r>
+              <a:rPr kumimoji="0" lang="en-GB" altLang="en-US" sz="2000" b="0" i="0" u="none" strike="noStrike" cap="none" normalizeH="0" baseline="0" dirty="0">
+                <a:ln>
+                  <a:noFill/>
+                </a:ln>
+                <a:solidFill>
+                  <a:schemeClr val="tx1"/>
+                </a:solidFill>
+                <a:effectLst/>
+                <a:latin typeface="Calibri" panose="020F0502020204030204" pitchFamily="34" charset="0"/>
+                <a:cs typeface="Calibri" panose="020F0502020204030204" pitchFamily="34" charset="0"/>
+              </a:rPr>
+              <a:t>].[</a:t>
+            </a:r>
+            <a:r>
+              <a:rPr kumimoji="0" lang="en-GB" altLang="en-US" sz="2000" b="0" i="0" u="none" strike="noStrike" cap="none" normalizeH="0" baseline="0" dirty="0" err="1">
+                <a:ln>
+                  <a:noFill/>
+                </a:ln>
+                <a:solidFill>
+                  <a:schemeClr val="tx1"/>
+                </a:solidFill>
+                <a:effectLst/>
+                <a:latin typeface="Calibri" panose="020F0502020204030204" pitchFamily="34" charset="0"/>
+                <a:cs typeface="Calibri" panose="020F0502020204030204" pitchFamily="34" charset="0"/>
+              </a:rPr>
+              <a:t>dbo</a:t>
+            </a:r>
+            <a:r>
+              <a:rPr kumimoji="0" lang="en-GB" altLang="en-US" sz="2000" b="0" i="0" u="none" strike="noStrike" cap="none" normalizeH="0" baseline="0" dirty="0">
+                <a:ln>
+                  <a:noFill/>
+                </a:ln>
+                <a:solidFill>
+                  <a:schemeClr val="tx1"/>
+                </a:solidFill>
+                <a:effectLst/>
+                <a:latin typeface="Calibri" panose="020F0502020204030204" pitchFamily="34" charset="0"/>
+                <a:cs typeface="Calibri" panose="020F0502020204030204" pitchFamily="34" charset="0"/>
+              </a:rPr>
+              <a:t>].[</a:t>
+            </a:r>
+            <a:r>
+              <a:rPr kumimoji="0" lang="en-GB" altLang="en-US" sz="2000" b="0" i="0" u="none" strike="noStrike" cap="none" normalizeH="0" baseline="0" dirty="0" err="1">
+                <a:ln>
+                  <a:noFill/>
+                </a:ln>
+                <a:solidFill>
+                  <a:schemeClr val="tx1"/>
+                </a:solidFill>
+                <a:effectLst/>
+                <a:latin typeface="Calibri" panose="020F0502020204030204" pitchFamily="34" charset="0"/>
+                <a:cs typeface="Calibri" panose="020F0502020204030204" pitchFamily="34" charset="0"/>
+              </a:rPr>
+              <a:t>QA_checks_SCD</a:t>
+            </a:r>
+            <a:r>
+              <a:rPr kumimoji="0" lang="en-GB" altLang="en-US" sz="2000" b="0" i="0" u="none" strike="noStrike" cap="none" normalizeH="0" baseline="0" dirty="0">
+                <a:ln>
+                  <a:noFill/>
+                </a:ln>
+                <a:solidFill>
+                  <a:schemeClr val="tx1"/>
+                </a:solidFill>
+                <a:effectLst/>
+                <a:latin typeface="Calibri" panose="020F0502020204030204" pitchFamily="34" charset="0"/>
+                <a:cs typeface="Calibri" panose="020F0502020204030204" pitchFamily="34" charset="0"/>
+              </a:rPr>
+              <a:t>]</a:t>
+            </a:r>
+          </a:p>
+          <a:p>
+            <a:pPr marL="0" marR="0" lvl="0" indent="0" algn="l" defTabSz="914400" rtl="0" eaLnBrk="0" fontAlgn="base" latinLnBrk="0" hangingPunct="0">
+              <a:lnSpc>
+                <a:spcPct val="100000"/>
+              </a:lnSpc>
+              <a:spcBef>
+                <a:spcPct val="0"/>
+              </a:spcBef>
+              <a:spcAft>
+                <a:spcPct val="0"/>
+              </a:spcAft>
+              <a:buClrTx/>
+              <a:buSzTx/>
+              <a:buFontTx/>
+              <a:buNone/>
+              <a:tabLst/>
+            </a:pPr>
+            <a:r>
+              <a:rPr kumimoji="0" lang="en-GB" altLang="en-US" sz="2000" b="0" i="0" u="none" strike="noStrike" cap="none" normalizeH="0" baseline="0" dirty="0">
+                <a:ln>
+                  <a:noFill/>
+                </a:ln>
+                <a:solidFill>
+                  <a:schemeClr val="tx1"/>
+                </a:solidFill>
+                <a:effectLst/>
+                <a:latin typeface="Calibri" panose="020F0502020204030204" pitchFamily="34" charset="0"/>
+                <a:cs typeface="Calibri" panose="020F0502020204030204" pitchFamily="34" charset="0"/>
+              </a:rPr>
+              <a:t>Where </a:t>
+            </a:r>
+            <a:r>
+              <a:rPr kumimoji="0" lang="en-GB" altLang="en-US" sz="2000" b="0" i="0" u="none" strike="noStrike" cap="none" normalizeH="0" baseline="0" dirty="0" err="1">
+                <a:ln>
+                  <a:noFill/>
+                </a:ln>
+                <a:solidFill>
+                  <a:schemeClr val="tx1"/>
+                </a:solidFill>
+                <a:effectLst/>
+                <a:latin typeface="Calibri" panose="020F0502020204030204" pitchFamily="34" charset="0"/>
+                <a:cs typeface="Calibri" panose="020F0502020204030204" pitchFamily="34" charset="0"/>
+              </a:rPr>
+              <a:t>checkID</a:t>
+            </a:r>
+            <a:r>
+              <a:rPr kumimoji="0" lang="en-GB" altLang="en-US" sz="2000" b="0" i="0" u="none" strike="noStrike" cap="none" normalizeH="0" baseline="0" dirty="0">
+                <a:ln>
+                  <a:noFill/>
+                </a:ln>
+                <a:solidFill>
+                  <a:schemeClr val="tx1"/>
+                </a:solidFill>
+                <a:effectLst/>
+                <a:latin typeface="Calibri" panose="020F0502020204030204" pitchFamily="34" charset="0"/>
+                <a:cs typeface="Calibri" panose="020F0502020204030204" pitchFamily="34" charset="0"/>
+              </a:rPr>
+              <a:t> = 'DG1'</a:t>
+            </a:r>
+          </a:p>
+          <a:p>
+            <a:pPr marL="0" marR="0" lvl="0" indent="0" algn="l" defTabSz="914400" rtl="0" eaLnBrk="0" fontAlgn="base" latinLnBrk="0" hangingPunct="0">
+              <a:lnSpc>
+                <a:spcPct val="100000"/>
+              </a:lnSpc>
+              <a:spcBef>
+                <a:spcPct val="0"/>
+              </a:spcBef>
+              <a:spcAft>
+                <a:spcPct val="0"/>
+              </a:spcAft>
+              <a:buClrTx/>
+              <a:buSzTx/>
+              <a:buFontTx/>
+              <a:buNone/>
+              <a:tabLst/>
+            </a:pPr>
+            <a:r>
+              <a:rPr kumimoji="0" lang="en-GB" altLang="en-US" sz="2000" b="0" i="0" u="none" strike="noStrike" cap="none" normalizeH="0" baseline="0" dirty="0">
+                <a:ln>
+                  <a:noFill/>
+                </a:ln>
+                <a:solidFill>
+                  <a:schemeClr val="tx1"/>
+                </a:solidFill>
+                <a:effectLst/>
+                <a:latin typeface="Calibri" panose="020F0502020204030204" pitchFamily="34" charset="0"/>
+                <a:cs typeface="Calibri" panose="020F0502020204030204" pitchFamily="34" charset="0"/>
+              </a:rPr>
+              <a:t>And </a:t>
+            </a:r>
+            <a:r>
+              <a:rPr kumimoji="0" lang="en-GB" altLang="en-US" sz="2000" b="0" i="0" u="none" strike="noStrike" cap="none" normalizeH="0" baseline="0" dirty="0" err="1">
+                <a:ln>
+                  <a:noFill/>
+                </a:ln>
+                <a:solidFill>
+                  <a:schemeClr val="tx1"/>
+                </a:solidFill>
+                <a:effectLst/>
+                <a:latin typeface="Calibri" panose="020F0502020204030204" pitchFamily="34" charset="0"/>
+                <a:cs typeface="Calibri" panose="020F0502020204030204" pitchFamily="34" charset="0"/>
+              </a:rPr>
+              <a:t>EndDate</a:t>
+            </a:r>
+            <a:r>
+              <a:rPr kumimoji="0" lang="en-GB" altLang="en-US" sz="2000" b="0" i="0" u="none" strike="noStrike" cap="none" normalizeH="0" baseline="0" dirty="0">
+                <a:ln>
+                  <a:noFill/>
+                </a:ln>
+                <a:solidFill>
+                  <a:schemeClr val="tx1"/>
+                </a:solidFill>
+                <a:effectLst/>
+                <a:latin typeface="Calibri" panose="020F0502020204030204" pitchFamily="34" charset="0"/>
+                <a:cs typeface="Calibri" panose="020F0502020204030204" pitchFamily="34" charset="0"/>
+              </a:rPr>
+              <a:t> &gt; '2021-11-08 14:57:12'</a:t>
+            </a:r>
+          </a:p>
+          <a:p>
+            <a:pPr marL="0" marR="0" lvl="0" indent="0" algn="l" defTabSz="914400" rtl="0" eaLnBrk="0" fontAlgn="base" latinLnBrk="0" hangingPunct="0">
+              <a:lnSpc>
+                <a:spcPct val="100000"/>
+              </a:lnSpc>
+              <a:spcBef>
+                <a:spcPct val="0"/>
+              </a:spcBef>
+              <a:spcAft>
+                <a:spcPct val="0"/>
+              </a:spcAft>
+              <a:buClrTx/>
+              <a:buSzTx/>
+              <a:buFontTx/>
+              <a:buNone/>
+              <a:tabLst/>
+            </a:pPr>
+            <a:r>
+              <a:rPr kumimoji="0" lang="en-GB" altLang="en-US" sz="1100" b="0" i="0" u="none" strike="noStrike" cap="none" normalizeH="0" baseline="0" dirty="0">
+                <a:ln>
+                  <a:noFill/>
+                </a:ln>
+                <a:solidFill>
+                  <a:schemeClr val="tx1"/>
+                </a:solidFill>
+                <a:effectLst/>
+                <a:latin typeface="Calibri" panose="020F0502020204030204" pitchFamily="34" charset="0"/>
+                <a:cs typeface="Calibri" panose="020F0502020204030204" pitchFamily="34" charset="0"/>
+              </a:rPr>
+              <a:t> </a:t>
+            </a:r>
+          </a:p>
+          <a:p>
+            <a:pPr marL="0" marR="0" lvl="0" indent="0" algn="l" defTabSz="914400" rtl="0" eaLnBrk="0" fontAlgn="base" latinLnBrk="0" hangingPunct="0">
+              <a:lnSpc>
+                <a:spcPct val="100000"/>
+              </a:lnSpc>
+              <a:spcBef>
+                <a:spcPct val="0"/>
+              </a:spcBef>
+              <a:spcAft>
+                <a:spcPct val="0"/>
+              </a:spcAft>
+              <a:buClrTx/>
+              <a:buSzTx/>
+              <a:buFontTx/>
+              <a:buNone/>
+              <a:tabLst/>
+            </a:pPr>
+            <a:r>
+              <a:rPr kumimoji="0" lang="en-GB" altLang="en-US" sz="1600" b="0" i="0" u="none" strike="noStrike" cap="none" normalizeH="0" baseline="0" dirty="0">
+                <a:ln>
+                  <a:noFill/>
+                </a:ln>
+                <a:solidFill>
+                  <a:schemeClr val="tx1"/>
+                </a:solidFill>
+                <a:effectLst/>
+                <a:latin typeface="Calibri" panose="020F0502020204030204" pitchFamily="34" charset="0"/>
+                <a:cs typeface="Calibri" panose="020F0502020204030204" pitchFamily="34" charset="0"/>
+              </a:rPr>
+              <a:t>  </a:t>
+            </a:r>
+            <a:r>
+              <a:rPr kumimoji="0" lang="en-GB" altLang="en-US" sz="8000" b="0" i="0" u="none" strike="noStrike" cap="none" normalizeH="0" baseline="0" dirty="0">
+                <a:ln>
+                  <a:noFill/>
+                </a:ln>
+                <a:solidFill>
+                  <a:schemeClr val="tx1"/>
+                </a:solidFill>
+                <a:effectLst/>
+                <a:latin typeface="Calibri" panose="020F0502020204030204" pitchFamily="34" charset="0"/>
+                <a:cs typeface="Calibri" panose="020F0502020204030204" pitchFamily="34" charset="0"/>
+              </a:rPr>
+              <a:t>                                   </a:t>
+            </a:r>
+            <a:endParaRPr kumimoji="0" lang="en-GB" altLang="en-US" sz="1600" b="0" i="0" u="none" strike="noStrike" cap="none" normalizeH="0" baseline="0" dirty="0">
+              <a:ln>
+                <a:noFill/>
+              </a:ln>
+              <a:solidFill>
+                <a:schemeClr val="tx1"/>
+              </a:solidFill>
+              <a:effectLst/>
+              <a:latin typeface="Calibri" panose="020F0502020204030204" pitchFamily="34" charset="0"/>
+              <a:cs typeface="Calibri" panose="020F0502020204030204" pitchFamily="34" charset="0"/>
+            </a:endParaRPr>
+          </a:p>
+          <a:p>
+            <a:pPr marL="0" marR="0" lvl="0" indent="0" algn="l" defTabSz="914400" rtl="0" eaLnBrk="0" fontAlgn="base" latinLnBrk="0" hangingPunct="0">
+              <a:lnSpc>
+                <a:spcPct val="100000"/>
+              </a:lnSpc>
+              <a:spcBef>
+                <a:spcPct val="0"/>
+              </a:spcBef>
+              <a:spcAft>
+                <a:spcPct val="0"/>
+              </a:spcAft>
+              <a:buClrTx/>
+              <a:buSzTx/>
+              <a:buFontTx/>
+              <a:buNone/>
+              <a:tabLst/>
+            </a:pPr>
+            <a:r>
+              <a:rPr kumimoji="0" lang="en-GB" altLang="en-US" sz="1600" b="0" i="0" u="none" strike="noStrike" cap="none" normalizeH="0" baseline="0" dirty="0">
+                <a:ln>
+                  <a:noFill/>
+                </a:ln>
+                <a:solidFill>
+                  <a:schemeClr val="tx1"/>
+                </a:solidFill>
+                <a:effectLst/>
+                <a:latin typeface="Calibri" panose="020F0502020204030204" pitchFamily="34" charset="0"/>
+                <a:cs typeface="Calibri" panose="020F0502020204030204" pitchFamily="34" charset="0"/>
+              </a:rPr>
+              <a:t> </a:t>
+            </a:r>
+          </a:p>
+          <a:p>
+            <a:pPr marL="0" marR="0" lvl="0" indent="0" algn="l" defTabSz="914400" rtl="0" eaLnBrk="0" fontAlgn="base" latinLnBrk="0" hangingPunct="0">
+              <a:lnSpc>
+                <a:spcPct val="100000"/>
+              </a:lnSpc>
+              <a:spcBef>
+                <a:spcPct val="0"/>
+              </a:spcBef>
+              <a:spcAft>
+                <a:spcPct val="0"/>
+              </a:spcAft>
+              <a:buClrTx/>
+              <a:buSzTx/>
+              <a:buFontTx/>
+              <a:buNone/>
+              <a:tabLst/>
+            </a:pPr>
+            <a:r>
+              <a:rPr kumimoji="0" lang="en-GB" altLang="en-US" sz="2000" b="0" i="0" u="none" strike="noStrike" cap="none" normalizeH="0" baseline="0" dirty="0">
+                <a:ln>
+                  <a:noFill/>
+                </a:ln>
+                <a:solidFill>
+                  <a:schemeClr val="tx1"/>
+                </a:solidFill>
+                <a:effectLst/>
+                <a:latin typeface="Calibri" panose="020F0502020204030204" pitchFamily="34" charset="0"/>
+                <a:cs typeface="Calibri" panose="020F0502020204030204" pitchFamily="34" charset="0"/>
+              </a:rPr>
+              <a:t>The first row gives us the result we want.</a:t>
+            </a:r>
+            <a:endParaRPr kumimoji="0" lang="en-GB" altLang="en-US" sz="3600" b="0" i="0" u="none" strike="noStrike" cap="none" normalizeH="0" baseline="0" dirty="0">
+              <a:ln>
+                <a:noFill/>
+              </a:ln>
+              <a:solidFill>
+                <a:schemeClr val="tx1"/>
+              </a:solidFill>
+              <a:effectLst/>
+              <a:latin typeface="Arial" panose="020B0604020202020204" pitchFamily="34" charset="0"/>
+            </a:endParaRPr>
+          </a:p>
+        </p:txBody>
+      </p:sp>
+      <p:pic>
+        <p:nvPicPr>
+          <p:cNvPr id="2050" name="Picture 2" descr="Results &#10;project D &#10;202108-1 &#10;Messages &#10;check D &#10;check score &#10;Assessor &#10;om Morley &#10;Evidence &#10;Observation s &#10;Outstanding &#10;End Date &#10;20210&amp;11 145720000 &#10;145731 000 &#10;20210&amp;11 155555000 ">
+            <a:extLst>
+              <a:ext uri="{FF2B5EF4-FFF2-40B4-BE49-F238E27FC236}">
+                <a16:creationId xmlns:a16="http://schemas.microsoft.com/office/drawing/2014/main" id="{66CC6905-C3D7-4E81-91AC-93F68134034C}"/>
+              </a:ext>
+            </a:extLst>
+          </p:cNvPr>
+          <p:cNvPicPr>
+            <a:picLocks noChangeAspect="1" noChangeArrowheads="1"/>
+          </p:cNvPicPr>
+          <p:nvPr/>
+        </p:nvPicPr>
+        <p:blipFill>
+          <a:blip r:embed="rId2">
+            <a:extLst>
+              <a:ext uri="{28A0092B-C50C-407E-A947-70E740481C1C}">
+                <a14:useLocalDpi xmlns:a14="http://schemas.microsoft.com/office/drawing/2010/main" val="0"/>
+              </a:ext>
+            </a:extLst>
+          </a:blip>
+          <a:srcRect/>
+          <a:stretch>
+            <a:fillRect/>
+          </a:stretch>
+        </p:blipFill>
+        <p:spPr bwMode="auto">
+          <a:xfrm>
+            <a:off x="1750760" y="4768267"/>
+            <a:ext cx="6200775" cy="990600"/>
+          </a:xfrm>
+          <a:prstGeom prst="rect">
+            <a:avLst/>
+          </a:prstGeom>
+          <a:noFill/>
+          <a:extLst>
+            <a:ext uri="{909E8E84-426E-40DD-AFC4-6F175D3DCCD1}">
+              <a14:hiddenFill xmlns:a14="http://schemas.microsoft.com/office/drawing/2010/main">
+                <a:solidFill>
+                  <a:srgbClr val="FFFFFF"/>
+                </a:solidFill>
+              </a14:hiddenFill>
+            </a:ext>
+          </a:extLst>
+        </p:spPr>
+      </p:pic>
+    </p:spTree>
+    <p:extLst>
+      <p:ext uri="{BB962C8B-B14F-4D97-AF65-F5344CB8AC3E}">
+        <p14:creationId xmlns:p14="http://schemas.microsoft.com/office/powerpoint/2010/main" val="3002786234"/>
+      </p:ext>
+    </p:extLst>
+  </p:cSld>
+  <p:clrMapOvr>
+    <a:masterClrMapping/>
+  </p:clrMapOvr>
+</p:sld>
+</file>
+
+<file path=ppt/slides/slide21.xml><?xml version="1.0" encoding="utf-8"?>
+<p:sld xmlns:a="http://schemas.openxmlformats.org/drawingml/2006/main" xmlns:r="http://schemas.openxmlformats.org/officeDocument/2006/relationships" xmlns:p="http://schemas.openxmlformats.org/presentationml/2006/main">
+  <p:cSld>
+    <p:spTree>
+      <p:nvGrpSpPr>
+        <p:cNvPr id="1" name=""/>
+        <p:cNvGrpSpPr/>
+        <p:nvPr/>
+      </p:nvGrpSpPr>
+      <p:grpSpPr>
+        <a:xfrm>
+          <a:off x="0" y="0"/>
+          <a:ext cx="0" cy="0"/>
+          <a:chOff x="0" y="0"/>
+          <a:chExt cx="0" cy="0"/>
+        </a:xfrm>
+      </p:grpSpPr>
+      <p:sp>
+        <p:nvSpPr>
+          <p:cNvPr id="2" name="Title 1">
+            <a:extLst>
+              <a:ext uri="{FF2B5EF4-FFF2-40B4-BE49-F238E27FC236}">
+                <a16:creationId xmlns:a16="http://schemas.microsoft.com/office/drawing/2014/main" id="{C1F44609-42B4-4660-BE7E-63B8CE9B306E}"/>
+              </a:ext>
+            </a:extLst>
+          </p:cNvPr>
+          <p:cNvSpPr>
+            <a:spLocks noGrp="1"/>
+          </p:cNvSpPr>
+          <p:nvPr>
+            <p:ph type="title"/>
+          </p:nvPr>
+        </p:nvSpPr>
+        <p:spPr/>
+        <p:txBody>
+          <a:bodyPr/>
+          <a:lstStyle/>
+          <a:p>
+            <a:r>
+              <a:rPr lang="en-GB" dirty="0"/>
+              <a:t>Reading in from SCD tables</a:t>
+            </a:r>
+          </a:p>
+        </p:txBody>
+      </p:sp>
+      <p:sp>
+        <p:nvSpPr>
+          <p:cNvPr id="4" name="Rectangle: Rounded Corners 3">
+            <a:extLst>
+              <a:ext uri="{FF2B5EF4-FFF2-40B4-BE49-F238E27FC236}">
+                <a16:creationId xmlns:a16="http://schemas.microsoft.com/office/drawing/2014/main" id="{EAB429F8-0E16-43E4-9699-559F7848FD66}"/>
+              </a:ext>
+            </a:extLst>
+          </p:cNvPr>
+          <p:cNvSpPr/>
+          <p:nvPr/>
+        </p:nvSpPr>
+        <p:spPr>
+          <a:xfrm>
+            <a:off x="838200" y="1885556"/>
+            <a:ext cx="2687320" cy="1273854"/>
+          </a:xfrm>
+          <a:prstGeom prst="roundRect">
+            <a:avLst/>
+          </a:prstGeom>
+        </p:spPr>
+        <p:style>
+          <a:lnRef idx="2">
+            <a:schemeClr val="accent1">
+              <a:shade val="50000"/>
+            </a:schemeClr>
+          </a:lnRef>
+          <a:fillRef idx="1">
+            <a:schemeClr val="accent1"/>
+          </a:fillRef>
+          <a:effectRef idx="0">
+            <a:schemeClr val="accent1"/>
+          </a:effectRef>
+          <a:fontRef idx="minor">
+            <a:schemeClr val="lt1"/>
+          </a:fontRef>
+        </p:style>
+        <p:txBody>
+          <a:bodyPr rtlCol="0" anchor="ctr"/>
+          <a:lstStyle/>
+          <a:p>
+            <a:pPr algn="ctr"/>
+            <a:r>
+              <a:rPr lang="en-GB" dirty="0"/>
+              <a:t>Enter project ID, </a:t>
+            </a:r>
+            <a:r>
+              <a:rPr lang="en-GB" dirty="0" err="1"/>
+              <a:t>checkID</a:t>
+            </a:r>
+            <a:r>
+              <a:rPr lang="en-GB" dirty="0"/>
+              <a:t> and search SCD table for </a:t>
+            </a:r>
+            <a:r>
+              <a:rPr lang="en-GB" dirty="0" err="1"/>
+              <a:t>EndDate</a:t>
+            </a:r>
+            <a:r>
+              <a:rPr lang="en-GB" dirty="0"/>
+              <a:t> &gt; </a:t>
+            </a:r>
+            <a:r>
+              <a:rPr lang="en-GB" dirty="0" err="1"/>
+              <a:t>SelectedDate</a:t>
+            </a:r>
+            <a:endParaRPr lang="en-GB" dirty="0"/>
+          </a:p>
+        </p:txBody>
+      </p:sp>
+      <p:cxnSp>
+        <p:nvCxnSpPr>
+          <p:cNvPr id="6" name="Straight Arrow Connector 5">
+            <a:extLst>
+              <a:ext uri="{FF2B5EF4-FFF2-40B4-BE49-F238E27FC236}">
+                <a16:creationId xmlns:a16="http://schemas.microsoft.com/office/drawing/2014/main" id="{317522D4-F7C5-4724-BFC6-D87AFD2EC3B8}"/>
+              </a:ext>
+            </a:extLst>
+          </p:cNvPr>
+          <p:cNvCxnSpPr>
+            <a:cxnSpLocks/>
+            <a:stCxn id="4" idx="3"/>
+          </p:cNvCxnSpPr>
+          <p:nvPr/>
+        </p:nvCxnSpPr>
+        <p:spPr>
+          <a:xfrm flipV="1">
+            <a:off x="3525520" y="2509521"/>
+            <a:ext cx="2077720" cy="12962"/>
+          </a:xfrm>
+          <a:prstGeom prst="straightConnector1">
+            <a:avLst/>
+          </a:prstGeom>
+          <a:ln w="38100">
+            <a:tailEnd type="triangle"/>
+          </a:ln>
+        </p:spPr>
+        <p:style>
+          <a:lnRef idx="1">
+            <a:schemeClr val="accent1"/>
+          </a:lnRef>
+          <a:fillRef idx="0">
+            <a:schemeClr val="accent1"/>
+          </a:fillRef>
+          <a:effectRef idx="0">
+            <a:schemeClr val="accent1"/>
+          </a:effectRef>
+          <a:fontRef idx="minor">
+            <a:schemeClr val="tx1"/>
+          </a:fontRef>
+        </p:style>
+      </p:cxnSp>
+      <p:cxnSp>
+        <p:nvCxnSpPr>
+          <p:cNvPr id="7" name="Straight Arrow Connector 6">
+            <a:extLst>
+              <a:ext uri="{FF2B5EF4-FFF2-40B4-BE49-F238E27FC236}">
+                <a16:creationId xmlns:a16="http://schemas.microsoft.com/office/drawing/2014/main" id="{0971AE5A-AE4C-4C1E-8209-21E56069C9AF}"/>
+              </a:ext>
+            </a:extLst>
+          </p:cNvPr>
+          <p:cNvCxnSpPr>
+            <a:cxnSpLocks/>
+          </p:cNvCxnSpPr>
+          <p:nvPr/>
+        </p:nvCxnSpPr>
+        <p:spPr>
+          <a:xfrm>
+            <a:off x="2174240" y="3081284"/>
+            <a:ext cx="0" cy="1069076"/>
+          </a:xfrm>
+          <a:prstGeom prst="straightConnector1">
+            <a:avLst/>
+          </a:prstGeom>
+          <a:ln w="38100">
+            <a:tailEnd type="triangle"/>
+          </a:ln>
+        </p:spPr>
+        <p:style>
+          <a:lnRef idx="1">
+            <a:schemeClr val="accent1"/>
+          </a:lnRef>
+          <a:fillRef idx="0">
+            <a:schemeClr val="accent1"/>
+          </a:fillRef>
+          <a:effectRef idx="0">
+            <a:schemeClr val="accent1"/>
+          </a:effectRef>
+          <a:fontRef idx="minor">
+            <a:schemeClr val="tx1"/>
+          </a:fontRef>
+        </p:style>
+      </p:cxnSp>
+      <p:sp>
+        <p:nvSpPr>
+          <p:cNvPr id="9" name="TextBox 8">
+            <a:extLst>
+              <a:ext uri="{FF2B5EF4-FFF2-40B4-BE49-F238E27FC236}">
+                <a16:creationId xmlns:a16="http://schemas.microsoft.com/office/drawing/2014/main" id="{EF4591AC-9F18-4EEA-9843-22AF0D68B166}"/>
+              </a:ext>
+            </a:extLst>
+          </p:cNvPr>
+          <p:cNvSpPr txBox="1"/>
+          <p:nvPr/>
+        </p:nvSpPr>
+        <p:spPr>
+          <a:xfrm>
+            <a:off x="375920" y="3227030"/>
+            <a:ext cx="1727201" cy="923330"/>
+          </a:xfrm>
+          <a:prstGeom prst="rect">
+            <a:avLst/>
+          </a:prstGeom>
+          <a:noFill/>
+        </p:spPr>
+        <p:txBody>
+          <a:bodyPr wrap="square" rtlCol="0">
+            <a:spAutoFit/>
+          </a:bodyPr>
+          <a:lstStyle/>
+          <a:p>
+            <a:pPr algn="r"/>
+            <a:r>
+              <a:rPr lang="en-GB" dirty="0"/>
+              <a:t>Table contains one or more rows</a:t>
+            </a:r>
+          </a:p>
+        </p:txBody>
+      </p:sp>
+      <p:sp>
+        <p:nvSpPr>
+          <p:cNvPr id="11" name="TextBox 10">
+            <a:extLst>
+              <a:ext uri="{FF2B5EF4-FFF2-40B4-BE49-F238E27FC236}">
+                <a16:creationId xmlns:a16="http://schemas.microsoft.com/office/drawing/2014/main" id="{0055CF59-ADAF-4B5A-AFC3-D0CB91951D99}"/>
+              </a:ext>
+            </a:extLst>
+          </p:cNvPr>
+          <p:cNvSpPr txBox="1"/>
+          <p:nvPr/>
+        </p:nvSpPr>
+        <p:spPr>
+          <a:xfrm>
+            <a:off x="3606800" y="1863190"/>
+            <a:ext cx="1727201" cy="646331"/>
+          </a:xfrm>
+          <a:prstGeom prst="rect">
+            <a:avLst/>
+          </a:prstGeom>
+          <a:noFill/>
+        </p:spPr>
+        <p:txBody>
+          <a:bodyPr wrap="square" rtlCol="0">
+            <a:spAutoFit/>
+          </a:bodyPr>
+          <a:lstStyle/>
+          <a:p>
+            <a:pPr algn="ctr"/>
+            <a:r>
+              <a:rPr lang="en-GB" dirty="0"/>
+              <a:t>Table contains zero rows</a:t>
+            </a:r>
+          </a:p>
+        </p:txBody>
+      </p:sp>
+      <p:sp>
+        <p:nvSpPr>
+          <p:cNvPr id="12" name="Rectangle: Rounded Corners 11">
+            <a:extLst>
+              <a:ext uri="{FF2B5EF4-FFF2-40B4-BE49-F238E27FC236}">
+                <a16:creationId xmlns:a16="http://schemas.microsoft.com/office/drawing/2014/main" id="{C72F6EC6-D965-4CE4-94CF-415EE0AA5F6E}"/>
+              </a:ext>
+            </a:extLst>
+          </p:cNvPr>
+          <p:cNvSpPr/>
+          <p:nvPr/>
+        </p:nvSpPr>
+        <p:spPr>
+          <a:xfrm>
+            <a:off x="1164591" y="4150360"/>
+            <a:ext cx="1877060" cy="1082040"/>
+          </a:xfrm>
+          <a:prstGeom prst="roundRect">
+            <a:avLst/>
+          </a:prstGeom>
+        </p:spPr>
+        <p:style>
+          <a:lnRef idx="2">
+            <a:schemeClr val="accent1">
+              <a:shade val="50000"/>
+            </a:schemeClr>
+          </a:lnRef>
+          <a:fillRef idx="1">
+            <a:schemeClr val="accent1"/>
+          </a:fillRef>
+          <a:effectRef idx="0">
+            <a:schemeClr val="accent1"/>
+          </a:effectRef>
+          <a:fontRef idx="minor">
+            <a:schemeClr val="lt1"/>
+          </a:fontRef>
+        </p:style>
+        <p:txBody>
+          <a:bodyPr rtlCol="0" anchor="ctr"/>
+          <a:lstStyle/>
+          <a:p>
+            <a:pPr algn="ctr"/>
+            <a:r>
+              <a:rPr lang="en-GB" dirty="0"/>
+              <a:t>Select top row from table</a:t>
+            </a:r>
+          </a:p>
+        </p:txBody>
+      </p:sp>
+      <p:sp>
+        <p:nvSpPr>
+          <p:cNvPr id="13" name="Rectangle: Rounded Corners 12">
+            <a:extLst>
+              <a:ext uri="{FF2B5EF4-FFF2-40B4-BE49-F238E27FC236}">
+                <a16:creationId xmlns:a16="http://schemas.microsoft.com/office/drawing/2014/main" id="{93373280-488C-4419-81A6-143EAE55A389}"/>
+              </a:ext>
+            </a:extLst>
+          </p:cNvPr>
+          <p:cNvSpPr/>
+          <p:nvPr/>
+        </p:nvSpPr>
+        <p:spPr>
+          <a:xfrm>
+            <a:off x="5603240" y="1863190"/>
+            <a:ext cx="2077720" cy="1296220"/>
+          </a:xfrm>
+          <a:prstGeom prst="roundRect">
+            <a:avLst/>
+          </a:prstGeom>
+        </p:spPr>
+        <p:style>
+          <a:lnRef idx="2">
+            <a:schemeClr val="accent1">
+              <a:shade val="50000"/>
+            </a:schemeClr>
+          </a:lnRef>
+          <a:fillRef idx="1">
+            <a:schemeClr val="accent1"/>
+          </a:fillRef>
+          <a:effectRef idx="0">
+            <a:schemeClr val="accent1"/>
+          </a:effectRef>
+          <a:fontRef idx="minor">
+            <a:schemeClr val="lt1"/>
+          </a:fontRef>
+        </p:style>
+        <p:txBody>
+          <a:bodyPr rtlCol="0" anchor="ctr"/>
+          <a:lstStyle/>
+          <a:p>
+            <a:pPr algn="ctr"/>
+            <a:r>
+              <a:rPr lang="en-GB" dirty="0"/>
+              <a:t>Enter project ID and </a:t>
+            </a:r>
+            <a:r>
+              <a:rPr lang="en-GB" dirty="0" err="1"/>
+              <a:t>checkID</a:t>
+            </a:r>
+            <a:r>
+              <a:rPr lang="en-GB" dirty="0"/>
+              <a:t> and search </a:t>
+            </a:r>
+            <a:r>
+              <a:rPr lang="en-GB" dirty="0" err="1"/>
+              <a:t>QA_checks</a:t>
+            </a:r>
+            <a:r>
+              <a:rPr lang="en-GB" dirty="0"/>
+              <a:t> table</a:t>
+            </a:r>
+          </a:p>
+        </p:txBody>
+      </p:sp>
+      <p:cxnSp>
+        <p:nvCxnSpPr>
+          <p:cNvPr id="14" name="Straight Arrow Connector 13">
+            <a:extLst>
+              <a:ext uri="{FF2B5EF4-FFF2-40B4-BE49-F238E27FC236}">
+                <a16:creationId xmlns:a16="http://schemas.microsoft.com/office/drawing/2014/main" id="{133C5D11-39A4-4D9E-88CB-57FFEE7E61E9}"/>
+              </a:ext>
+            </a:extLst>
+          </p:cNvPr>
+          <p:cNvCxnSpPr>
+            <a:cxnSpLocks/>
+          </p:cNvCxnSpPr>
+          <p:nvPr/>
+        </p:nvCxnSpPr>
+        <p:spPr>
+          <a:xfrm>
+            <a:off x="6710680" y="3168814"/>
+            <a:ext cx="0" cy="1069076"/>
+          </a:xfrm>
+          <a:prstGeom prst="straightConnector1">
+            <a:avLst/>
+          </a:prstGeom>
+          <a:ln w="38100">
+            <a:tailEnd type="triangle"/>
+          </a:ln>
+        </p:spPr>
+        <p:style>
+          <a:lnRef idx="1">
+            <a:schemeClr val="accent1"/>
+          </a:lnRef>
+          <a:fillRef idx="0">
+            <a:schemeClr val="accent1"/>
+          </a:fillRef>
+          <a:effectRef idx="0">
+            <a:schemeClr val="accent1"/>
+          </a:effectRef>
+          <a:fontRef idx="minor">
+            <a:schemeClr val="tx1"/>
+          </a:fontRef>
+        </p:style>
+      </p:cxnSp>
+      <p:sp>
+        <p:nvSpPr>
+          <p:cNvPr id="15" name="TextBox 14">
+            <a:extLst>
+              <a:ext uri="{FF2B5EF4-FFF2-40B4-BE49-F238E27FC236}">
+                <a16:creationId xmlns:a16="http://schemas.microsoft.com/office/drawing/2014/main" id="{B1578EAC-5CE4-4D43-8FEB-2E6B81AA012B}"/>
+              </a:ext>
+            </a:extLst>
+          </p:cNvPr>
+          <p:cNvSpPr txBox="1"/>
+          <p:nvPr/>
+        </p:nvSpPr>
+        <p:spPr>
+          <a:xfrm>
+            <a:off x="4912360" y="3314560"/>
+            <a:ext cx="1727201" cy="646331"/>
+          </a:xfrm>
+          <a:prstGeom prst="rect">
+            <a:avLst/>
+          </a:prstGeom>
+          <a:noFill/>
+        </p:spPr>
+        <p:txBody>
+          <a:bodyPr wrap="square" rtlCol="0">
+            <a:spAutoFit/>
+          </a:bodyPr>
+          <a:lstStyle/>
+          <a:p>
+            <a:pPr algn="r"/>
+            <a:r>
+              <a:rPr lang="en-GB" dirty="0"/>
+              <a:t>Table contains one row</a:t>
+            </a:r>
+          </a:p>
+        </p:txBody>
+      </p:sp>
+      <p:sp>
+        <p:nvSpPr>
+          <p:cNvPr id="17" name="Rectangle: Rounded Corners 16">
+            <a:extLst>
+              <a:ext uri="{FF2B5EF4-FFF2-40B4-BE49-F238E27FC236}">
+                <a16:creationId xmlns:a16="http://schemas.microsoft.com/office/drawing/2014/main" id="{FB446768-D823-4CEA-AC58-386599D57271}"/>
+              </a:ext>
+            </a:extLst>
+          </p:cNvPr>
+          <p:cNvSpPr/>
+          <p:nvPr/>
+        </p:nvSpPr>
+        <p:spPr>
+          <a:xfrm>
+            <a:off x="5701031" y="4237890"/>
+            <a:ext cx="1877060" cy="1082040"/>
+          </a:xfrm>
+          <a:prstGeom prst="roundRect">
+            <a:avLst/>
+          </a:prstGeom>
+        </p:spPr>
+        <p:style>
+          <a:lnRef idx="2">
+            <a:schemeClr val="accent1">
+              <a:shade val="50000"/>
+            </a:schemeClr>
+          </a:lnRef>
+          <a:fillRef idx="1">
+            <a:schemeClr val="accent1"/>
+          </a:fillRef>
+          <a:effectRef idx="0">
+            <a:schemeClr val="accent1"/>
+          </a:effectRef>
+          <a:fontRef idx="minor">
+            <a:schemeClr val="lt1"/>
+          </a:fontRef>
+        </p:style>
+        <p:txBody>
+          <a:bodyPr rtlCol="0" anchor="ctr"/>
+          <a:lstStyle/>
+          <a:p>
+            <a:pPr algn="ctr"/>
+            <a:r>
+              <a:rPr lang="en-GB" dirty="0"/>
+              <a:t>This is relevant data</a:t>
+            </a:r>
+          </a:p>
+        </p:txBody>
+      </p:sp>
+      <p:cxnSp>
+        <p:nvCxnSpPr>
+          <p:cNvPr id="18" name="Straight Arrow Connector 17">
+            <a:extLst>
+              <a:ext uri="{FF2B5EF4-FFF2-40B4-BE49-F238E27FC236}">
+                <a16:creationId xmlns:a16="http://schemas.microsoft.com/office/drawing/2014/main" id="{1773053D-459E-4199-AC92-44C4FC62C27F}"/>
+              </a:ext>
+            </a:extLst>
+          </p:cNvPr>
+          <p:cNvCxnSpPr>
+            <a:cxnSpLocks/>
+          </p:cNvCxnSpPr>
+          <p:nvPr/>
+        </p:nvCxnSpPr>
+        <p:spPr>
+          <a:xfrm flipV="1">
+            <a:off x="7680960" y="2478824"/>
+            <a:ext cx="2077720" cy="12962"/>
+          </a:xfrm>
+          <a:prstGeom prst="straightConnector1">
+            <a:avLst/>
+          </a:prstGeom>
+          <a:ln w="38100">
+            <a:tailEnd type="triangle"/>
+          </a:ln>
+        </p:spPr>
+        <p:style>
+          <a:lnRef idx="1">
+            <a:schemeClr val="accent1"/>
+          </a:lnRef>
+          <a:fillRef idx="0">
+            <a:schemeClr val="accent1"/>
+          </a:fillRef>
+          <a:effectRef idx="0">
+            <a:schemeClr val="accent1"/>
+          </a:effectRef>
+          <a:fontRef idx="minor">
+            <a:schemeClr val="tx1"/>
+          </a:fontRef>
+        </p:style>
+      </p:cxnSp>
+      <p:sp>
+        <p:nvSpPr>
+          <p:cNvPr id="19" name="TextBox 18">
+            <a:extLst>
+              <a:ext uri="{FF2B5EF4-FFF2-40B4-BE49-F238E27FC236}">
+                <a16:creationId xmlns:a16="http://schemas.microsoft.com/office/drawing/2014/main" id="{D03DA7C0-59D9-4B70-9E6B-DEA0D9273E4C}"/>
+              </a:ext>
+            </a:extLst>
+          </p:cNvPr>
+          <p:cNvSpPr txBox="1"/>
+          <p:nvPr/>
+        </p:nvSpPr>
+        <p:spPr>
+          <a:xfrm>
+            <a:off x="7856219" y="1847842"/>
+            <a:ext cx="1727201" cy="646331"/>
+          </a:xfrm>
+          <a:prstGeom prst="rect">
+            <a:avLst/>
+          </a:prstGeom>
+          <a:noFill/>
+        </p:spPr>
+        <p:txBody>
+          <a:bodyPr wrap="square" rtlCol="0">
+            <a:spAutoFit/>
+          </a:bodyPr>
+          <a:lstStyle/>
+          <a:p>
+            <a:pPr algn="ctr"/>
+            <a:r>
+              <a:rPr lang="en-GB" dirty="0"/>
+              <a:t>Table contains zero rows</a:t>
+            </a:r>
+          </a:p>
+        </p:txBody>
+      </p:sp>
+      <p:sp>
+        <p:nvSpPr>
+          <p:cNvPr id="20" name="Rectangle: Rounded Corners 19">
+            <a:extLst>
+              <a:ext uri="{FF2B5EF4-FFF2-40B4-BE49-F238E27FC236}">
+                <a16:creationId xmlns:a16="http://schemas.microsoft.com/office/drawing/2014/main" id="{BD222044-B5B4-46C8-9112-17FDF09931E6}"/>
+              </a:ext>
+            </a:extLst>
+          </p:cNvPr>
+          <p:cNvSpPr/>
+          <p:nvPr/>
+        </p:nvSpPr>
+        <p:spPr>
+          <a:xfrm>
+            <a:off x="9758680" y="1863190"/>
+            <a:ext cx="2077720" cy="1296220"/>
+          </a:xfrm>
+          <a:prstGeom prst="roundRect">
+            <a:avLst/>
+          </a:prstGeom>
+        </p:spPr>
+        <p:style>
+          <a:lnRef idx="2">
+            <a:schemeClr val="accent1">
+              <a:shade val="50000"/>
+            </a:schemeClr>
+          </a:lnRef>
+          <a:fillRef idx="1">
+            <a:schemeClr val="accent1"/>
+          </a:fillRef>
+          <a:effectRef idx="0">
+            <a:schemeClr val="accent1"/>
+          </a:effectRef>
+          <a:fontRef idx="minor">
+            <a:schemeClr val="lt1"/>
+          </a:fontRef>
+        </p:style>
+        <p:txBody>
+          <a:bodyPr rtlCol="0" anchor="ctr"/>
+          <a:lstStyle/>
+          <a:p>
+            <a:pPr algn="ctr"/>
+            <a:r>
+              <a:rPr lang="en-GB" dirty="0"/>
+              <a:t>Enter empty row</a:t>
+            </a:r>
+          </a:p>
+        </p:txBody>
+      </p:sp>
+      <p:sp>
+        <p:nvSpPr>
+          <p:cNvPr id="21" name="TextBox 20">
+            <a:extLst>
+              <a:ext uri="{FF2B5EF4-FFF2-40B4-BE49-F238E27FC236}">
+                <a16:creationId xmlns:a16="http://schemas.microsoft.com/office/drawing/2014/main" id="{11297682-80C8-47DB-A22E-C7C39339FD10}"/>
+              </a:ext>
+            </a:extLst>
+          </p:cNvPr>
+          <p:cNvSpPr txBox="1"/>
+          <p:nvPr/>
+        </p:nvSpPr>
+        <p:spPr>
+          <a:xfrm>
+            <a:off x="1164591" y="5319930"/>
+            <a:ext cx="1959609" cy="646331"/>
+          </a:xfrm>
+          <a:prstGeom prst="rect">
+            <a:avLst/>
+          </a:prstGeom>
+          <a:noFill/>
+        </p:spPr>
+        <p:txBody>
+          <a:bodyPr wrap="square" rtlCol="0">
+            <a:spAutoFit/>
+          </a:bodyPr>
+          <a:lstStyle/>
+          <a:p>
+            <a:r>
+              <a:rPr lang="en-GB" sz="1200" dirty="0"/>
+              <a:t>This is data that has been entered into this check most recently at selected date</a:t>
+            </a:r>
+          </a:p>
+        </p:txBody>
+      </p:sp>
+      <p:sp>
+        <p:nvSpPr>
+          <p:cNvPr id="22" name="TextBox 21">
+            <a:extLst>
+              <a:ext uri="{FF2B5EF4-FFF2-40B4-BE49-F238E27FC236}">
+                <a16:creationId xmlns:a16="http://schemas.microsoft.com/office/drawing/2014/main" id="{3432DC62-F810-4B56-A42F-A678B3B47680}"/>
+              </a:ext>
+            </a:extLst>
+          </p:cNvPr>
+          <p:cNvSpPr txBox="1"/>
+          <p:nvPr/>
+        </p:nvSpPr>
+        <p:spPr>
+          <a:xfrm>
+            <a:off x="5701031" y="5319930"/>
+            <a:ext cx="1959609" cy="646331"/>
+          </a:xfrm>
+          <a:prstGeom prst="rect">
+            <a:avLst/>
+          </a:prstGeom>
+          <a:noFill/>
+        </p:spPr>
+        <p:txBody>
+          <a:bodyPr wrap="square" rtlCol="0">
+            <a:spAutoFit/>
+          </a:bodyPr>
+          <a:lstStyle/>
+          <a:p>
+            <a:r>
+              <a:rPr lang="en-GB" sz="1200" dirty="0"/>
+              <a:t>Data has not been updated since selected date, so current data still relevant</a:t>
+            </a:r>
+          </a:p>
+        </p:txBody>
+      </p:sp>
+      <p:sp>
+        <p:nvSpPr>
+          <p:cNvPr id="23" name="TextBox 22">
+            <a:extLst>
+              <a:ext uri="{FF2B5EF4-FFF2-40B4-BE49-F238E27FC236}">
+                <a16:creationId xmlns:a16="http://schemas.microsoft.com/office/drawing/2014/main" id="{E3F386D3-92CA-41B3-BA7D-47E28E462527}"/>
+              </a:ext>
+            </a:extLst>
+          </p:cNvPr>
+          <p:cNvSpPr txBox="1"/>
+          <p:nvPr/>
+        </p:nvSpPr>
+        <p:spPr>
+          <a:xfrm>
+            <a:off x="9817735" y="3168814"/>
+            <a:ext cx="1959609" cy="830997"/>
+          </a:xfrm>
+          <a:prstGeom prst="rect">
+            <a:avLst/>
+          </a:prstGeom>
+          <a:noFill/>
+        </p:spPr>
+        <p:txBody>
+          <a:bodyPr wrap="square" rtlCol="0">
+            <a:spAutoFit/>
+          </a:bodyPr>
+          <a:lstStyle/>
+          <a:p>
+            <a:r>
+              <a:rPr lang="en-GB" sz="1200" dirty="0"/>
+              <a:t>Data has never been updated, so check will still be marked “TO BE CHECKED”</a:t>
+            </a:r>
+          </a:p>
+        </p:txBody>
+      </p:sp>
+    </p:spTree>
+    <p:extLst>
+      <p:ext uri="{BB962C8B-B14F-4D97-AF65-F5344CB8AC3E}">
+        <p14:creationId xmlns:p14="http://schemas.microsoft.com/office/powerpoint/2010/main" val="1542938121"/>
       </p:ext>
     </p:extLst>
   </p:cSld>
